--- a/Наработки/диздоки/Испания/Испания левые.pptx
+++ b/Наработки/диздоки/Испания/Испания левые.pptx
@@ -209,7 +209,7 @@
             <a:fld id="{33E3D7F9-E251-484C-A6FF-FA958879DF69}" type="datetimeFigureOut">
               <a:rPr lang="ru-RU" smtClean="0"/>
               <a:pPr/>
-              <a:t>02.09.2021</a:t>
+              <a:t>16.09.2021</a:t>
             </a:fld>
             <a:endParaRPr lang="ru-RU"/>
           </a:p>
@@ -700,7 +700,7 @@
             <a:fld id="{85A5DE44-605B-4D3B-B2B7-94543DF81A36}" type="datetimeFigureOut">
               <a:rPr lang="ru-RU" smtClean="0"/>
               <a:pPr/>
-              <a:t>02.09.2021</a:t>
+              <a:t>16.09.2021</a:t>
             </a:fld>
             <a:endParaRPr lang="ru-RU"/>
           </a:p>
@@ -872,7 +872,7 @@
             <a:fld id="{85A5DE44-605B-4D3B-B2B7-94543DF81A36}" type="datetimeFigureOut">
               <a:rPr lang="ru-RU" smtClean="0"/>
               <a:pPr/>
-              <a:t>02.09.2021</a:t>
+              <a:t>16.09.2021</a:t>
             </a:fld>
             <a:endParaRPr lang="ru-RU"/>
           </a:p>
@@ -1054,7 +1054,7 @@
             <a:fld id="{85A5DE44-605B-4D3B-B2B7-94543DF81A36}" type="datetimeFigureOut">
               <a:rPr lang="ru-RU" smtClean="0"/>
               <a:pPr/>
-              <a:t>02.09.2021</a:t>
+              <a:t>16.09.2021</a:t>
             </a:fld>
             <a:endParaRPr lang="ru-RU"/>
           </a:p>
@@ -1226,7 +1226,7 @@
             <a:fld id="{85A5DE44-605B-4D3B-B2B7-94543DF81A36}" type="datetimeFigureOut">
               <a:rPr lang="ru-RU" smtClean="0"/>
               <a:pPr/>
-              <a:t>02.09.2021</a:t>
+              <a:t>16.09.2021</a:t>
             </a:fld>
             <a:endParaRPr lang="ru-RU"/>
           </a:p>
@@ -1474,7 +1474,7 @@
             <a:fld id="{85A5DE44-605B-4D3B-B2B7-94543DF81A36}" type="datetimeFigureOut">
               <a:rPr lang="ru-RU" smtClean="0"/>
               <a:pPr/>
-              <a:t>02.09.2021</a:t>
+              <a:t>16.09.2021</a:t>
             </a:fld>
             <a:endParaRPr lang="ru-RU"/>
           </a:p>
@@ -1708,7 +1708,7 @@
             <a:fld id="{85A5DE44-605B-4D3B-B2B7-94543DF81A36}" type="datetimeFigureOut">
               <a:rPr lang="ru-RU" smtClean="0"/>
               <a:pPr/>
-              <a:t>02.09.2021</a:t>
+              <a:t>16.09.2021</a:t>
             </a:fld>
             <a:endParaRPr lang="ru-RU"/>
           </a:p>
@@ -2077,7 +2077,7 @@
             <a:fld id="{85A5DE44-605B-4D3B-B2B7-94543DF81A36}" type="datetimeFigureOut">
               <a:rPr lang="ru-RU" smtClean="0"/>
               <a:pPr/>
-              <a:t>02.09.2021</a:t>
+              <a:t>16.09.2021</a:t>
             </a:fld>
             <a:endParaRPr lang="ru-RU"/>
           </a:p>
@@ -2197,7 +2197,7 @@
             <a:fld id="{85A5DE44-605B-4D3B-B2B7-94543DF81A36}" type="datetimeFigureOut">
               <a:rPr lang="ru-RU" smtClean="0"/>
               <a:pPr/>
-              <a:t>02.09.2021</a:t>
+              <a:t>16.09.2021</a:t>
             </a:fld>
             <a:endParaRPr lang="ru-RU"/>
           </a:p>
@@ -2294,7 +2294,7 @@
             <a:fld id="{85A5DE44-605B-4D3B-B2B7-94543DF81A36}" type="datetimeFigureOut">
               <a:rPr lang="ru-RU" smtClean="0"/>
               <a:pPr/>
-              <a:t>02.09.2021</a:t>
+              <a:t>16.09.2021</a:t>
             </a:fld>
             <a:endParaRPr lang="ru-RU"/>
           </a:p>
@@ -2573,7 +2573,7 @@
             <a:fld id="{85A5DE44-605B-4D3B-B2B7-94543DF81A36}" type="datetimeFigureOut">
               <a:rPr lang="ru-RU" smtClean="0"/>
               <a:pPr/>
-              <a:t>02.09.2021</a:t>
+              <a:t>16.09.2021</a:t>
             </a:fld>
             <a:endParaRPr lang="ru-RU"/>
           </a:p>
@@ -2832,7 +2832,7 @@
             <a:fld id="{85A5DE44-605B-4D3B-B2B7-94543DF81A36}" type="datetimeFigureOut">
               <a:rPr lang="ru-RU" smtClean="0"/>
               <a:pPr/>
-              <a:t>02.09.2021</a:t>
+              <a:t>16.09.2021</a:t>
             </a:fld>
             <a:endParaRPr lang="ru-RU"/>
           </a:p>
@@ -3047,7 +3047,7 @@
             <a:fld id="{85A5DE44-605B-4D3B-B2B7-94543DF81A36}" type="datetimeFigureOut">
               <a:rPr lang="ru-RU" smtClean="0"/>
               <a:pPr/>
-              <a:t>02.09.2021</a:t>
+              <a:t>16.09.2021</a:t>
             </a:fld>
             <a:endParaRPr lang="ru-RU"/>
           </a:p>
@@ -3506,9 +3506,9 @@
           <p:nvPr/>
         </p:nvCxnSpPr>
         <p:spPr>
-          <a:xfrm rot="5400000">
-            <a:off x="21752592" y="4210409"/>
-            <a:ext cx="270000" cy="600075"/>
+          <a:xfrm rot="16200000" flipH="1">
+            <a:off x="23993161" y="2569913"/>
+            <a:ext cx="265236" cy="3876301"/>
           </a:xfrm>
           <a:prstGeom prst="bentConnector3">
             <a:avLst>
@@ -3751,7 +3751,6 @@
               <a:rPr lang="ru-RU" sz="700" dirty="0"/>
               <a:t>Введение военного положения</a:t>
             </a:r>
-            <a:endParaRPr lang="ru-RU" sz="700" dirty="0"/>
           </a:p>
         </p:txBody>
       </p:sp>
@@ -3837,7 +3836,7 @@
         </p:nvSpPr>
         <p:spPr>
           <a:xfrm>
-            <a:off x="21124391" y="4645446"/>
+            <a:off x="25600767" y="4640682"/>
             <a:ext cx="926325" cy="540000"/>
           </a:xfrm>
           <a:prstGeom prst="rect">
@@ -3872,11 +3871,7 @@
             <a:pPr algn="ctr"/>
             <a:r>
               <a:rPr lang="ru-RU" sz="700" dirty="0" smtClean="0"/>
-              <a:t>Жёсткая ц</a:t>
-            </a:r>
-            <a:r>
-              <a:rPr lang="ru-RU" sz="700" dirty="0" smtClean="0"/>
-              <a:t>ензура прессы</a:t>
+              <a:t>Жёсткая цензура прессы</a:t>
             </a:r>
             <a:endParaRPr lang="ru-RU" sz="500" dirty="0"/>
           </a:p>
@@ -3890,7 +3885,7 @@
         </p:nvSpPr>
         <p:spPr>
           <a:xfrm>
-            <a:off x="22328196" y="4645445"/>
+            <a:off x="21723878" y="4636649"/>
             <a:ext cx="926325" cy="540000"/>
           </a:xfrm>
           <a:prstGeom prst="rect">
@@ -3941,9 +3936,9 @@
           <p:nvPr/>
         </p:nvCxnSpPr>
         <p:spPr>
-          <a:xfrm rot="16200000" flipH="1">
-            <a:off x="22354495" y="4208580"/>
-            <a:ext cx="269999" cy="603730"/>
+          <a:xfrm rot="5400000">
+            <a:off x="22056734" y="4505753"/>
+            <a:ext cx="261203" cy="588"/>
           </a:xfrm>
           <a:prstGeom prst="bentConnector3">
             <a:avLst>
@@ -3977,7 +3972,7 @@
         </p:nvSpPr>
         <p:spPr>
           <a:xfrm>
-            <a:off x="23390848" y="4640682"/>
+            <a:off x="18323621" y="4636649"/>
             <a:ext cx="926325" cy="540000"/>
           </a:xfrm>
           <a:prstGeom prst="rect">
@@ -4056,9 +4051,9 @@
           <p:nvPr/>
         </p:nvCxnSpPr>
         <p:spPr>
-          <a:xfrm rot="16200000" flipH="1">
-            <a:off x="22888202" y="3674873"/>
-            <a:ext cx="265236" cy="1666382"/>
+          <a:xfrm rot="5400000">
+            <a:off x="20356606" y="2805625"/>
+            <a:ext cx="261203" cy="3400845"/>
           </a:xfrm>
           <a:prstGeom prst="bentConnector3">
             <a:avLst>
@@ -4092,7 +4087,7 @@
         </p:nvSpPr>
         <p:spPr>
           <a:xfrm>
-            <a:off x="20061739" y="4641414"/>
+            <a:off x="24538115" y="4636650"/>
             <a:ext cx="926325" cy="540000"/>
           </a:xfrm>
           <a:prstGeom prst="rect">
@@ -4143,9 +4138,9 @@
           <p:nvPr/>
         </p:nvCxnSpPr>
         <p:spPr>
-          <a:xfrm rot="5400000">
-            <a:off x="21223282" y="3677067"/>
-            <a:ext cx="265968" cy="1662727"/>
+          <a:xfrm rot="16200000" flipH="1">
+            <a:off x="23463851" y="3099223"/>
+            <a:ext cx="261204" cy="2813649"/>
           </a:xfrm>
           <a:prstGeom prst="bentConnector3">
             <a:avLst>
@@ -4179,7 +4174,7 @@
         </p:nvSpPr>
         <p:spPr>
           <a:xfrm>
-            <a:off x="21728885" y="5452723"/>
+            <a:off x="21723877" y="5437852"/>
             <a:ext cx="926325" cy="540000"/>
           </a:xfrm>
           <a:prstGeom prst="rect">
@@ -4228,7 +4223,7 @@
         </p:nvSpPr>
         <p:spPr>
           <a:xfrm>
-            <a:off x="22867283" y="5452723"/>
+            <a:off x="20048307" y="5443927"/>
             <a:ext cx="926325" cy="540000"/>
           </a:xfrm>
           <a:prstGeom prst="rect">
@@ -4339,9 +4334,9 @@
           <p:nvPr/>
         </p:nvCxnSpPr>
         <p:spPr>
-          <a:xfrm rot="16200000" flipH="1">
-            <a:off x="22927263" y="5049540"/>
-            <a:ext cx="267278" cy="539087"/>
+          <a:xfrm rot="5400000">
+            <a:off x="21215617" y="4472503"/>
+            <a:ext cx="267278" cy="1675571"/>
           </a:xfrm>
           <a:prstGeom prst="bentConnector3">
             <a:avLst>
@@ -4378,8 +4373,8 @@
         </p:nvCxnSpPr>
         <p:spPr>
           <a:xfrm rot="5400000">
-            <a:off x="22358065" y="5019429"/>
-            <a:ext cx="267278" cy="599311"/>
+            <a:off x="22056440" y="5307250"/>
+            <a:ext cx="261203" cy="1"/>
           </a:xfrm>
           <a:prstGeom prst="bentConnector3">
             <a:avLst>
@@ -4413,7 +4408,7 @@
         </p:nvSpPr>
         <p:spPr>
           <a:xfrm>
-            <a:off x="20592314" y="5452723"/>
+            <a:off x="25068689" y="5445636"/>
             <a:ext cx="926325" cy="540000"/>
           </a:xfrm>
           <a:prstGeom prst="rect">
@@ -4709,8 +4704,8 @@
         </p:nvCxnSpPr>
         <p:spPr>
           <a:xfrm rot="5400000">
-            <a:off x="21187878" y="5053046"/>
-            <a:ext cx="267277" cy="532077"/>
+            <a:off x="25665414" y="5047120"/>
+            <a:ext cx="264954" cy="532078"/>
           </a:xfrm>
           <a:prstGeom prst="bentConnector3">
             <a:avLst>
@@ -4747,8 +4742,8 @@
         </p:nvCxnSpPr>
         <p:spPr>
           <a:xfrm rot="16200000" flipH="1">
-            <a:off x="20654535" y="5051780"/>
-            <a:ext cx="271309" cy="530575"/>
+            <a:off x="25132072" y="5045856"/>
+            <a:ext cx="268986" cy="530574"/>
           </a:xfrm>
           <a:prstGeom prst="bentConnector3">
             <a:avLst>
@@ -4782,7 +4777,7 @@
         </p:nvSpPr>
         <p:spPr>
           <a:xfrm>
-            <a:off x="20592313" y="6264031"/>
+            <a:off x="25068689" y="6259267"/>
             <a:ext cx="926325" cy="540000"/>
           </a:xfrm>
           <a:prstGeom prst="rect">
@@ -4845,12 +4840,2687 @@
           <p:nvPr/>
         </p:nvCxnSpPr>
         <p:spPr>
-          <a:xfrm flipH="1">
-            <a:off x="21055476" y="5992723"/>
-            <a:ext cx="1" cy="271308"/>
+          <a:xfrm>
+            <a:off x="25531852" y="5985636"/>
+            <a:ext cx="0" cy="273631"/>
           </a:xfrm>
           <a:prstGeom prst="straightConnector1">
             <a:avLst/>
+          </a:prstGeom>
+          <a:ln w="19050">
+            <a:tailEnd type="arrow"/>
+          </a:ln>
+        </p:spPr>
+        <p:style>
+          <a:lnRef idx="1">
+            <a:schemeClr val="accent1"/>
+          </a:lnRef>
+          <a:fillRef idx="0">
+            <a:schemeClr val="accent1"/>
+          </a:fillRef>
+          <a:effectRef idx="0">
+            <a:schemeClr val="accent1"/>
+          </a:effectRef>
+          <a:fontRef idx="minor">
+            <a:schemeClr val="tx1"/>
+          </a:fontRef>
+        </p:style>
+      </p:cxnSp>
+      <p:cxnSp>
+        <p:nvCxnSpPr>
+          <p:cNvPr id="33" name="Соединительная линия уступом 32"/>
+          <p:cNvCxnSpPr>
+            <a:stCxn id="836" idx="2"/>
+            <a:endCxn id="49" idx="0"/>
+          </p:cNvCxnSpPr>
+          <p:nvPr/>
+        </p:nvCxnSpPr>
+        <p:spPr>
+          <a:xfrm rot="16200000" flipH="1">
+            <a:off x="19515488" y="4447945"/>
+            <a:ext cx="267278" cy="1724686"/>
+          </a:xfrm>
+          <a:prstGeom prst="bentConnector3">
+            <a:avLst>
+              <a:gd name="adj1" fmla="val 50000"/>
+            </a:avLst>
+          </a:prstGeom>
+          <a:ln w="19050">
+            <a:tailEnd type="arrow"/>
+          </a:ln>
+        </p:spPr>
+        <p:style>
+          <a:lnRef idx="1">
+            <a:schemeClr val="accent1"/>
+          </a:lnRef>
+          <a:fillRef idx="0">
+            <a:schemeClr val="accent1"/>
+          </a:fillRef>
+          <a:effectRef idx="0">
+            <a:schemeClr val="accent1"/>
+          </a:effectRef>
+          <a:fontRef idx="minor">
+            <a:schemeClr val="tx1"/>
+          </a:fontRef>
+        </p:style>
+      </p:cxnSp>
+      <p:sp>
+        <p:nvSpPr>
+          <p:cNvPr id="37" name="Прямоугольник 36"/>
+          <p:cNvSpPr/>
+          <p:nvPr/>
+        </p:nvSpPr>
+        <p:spPr>
+          <a:xfrm>
+            <a:off x="21153124" y="6259267"/>
+            <a:ext cx="926325" cy="540000"/>
+          </a:xfrm>
+          <a:prstGeom prst="rect">
+            <a:avLst/>
+          </a:prstGeom>
+          <a:solidFill>
+            <a:schemeClr val="accent1">
+              <a:lumMod val="60000"/>
+              <a:lumOff val="40000"/>
+            </a:schemeClr>
+          </a:solidFill>
+          <a:ln w="19050"/>
+        </p:spPr>
+        <p:style>
+          <a:lnRef idx="2">
+            <a:schemeClr val="accent1"/>
+          </a:lnRef>
+          <a:fillRef idx="1">
+            <a:schemeClr val="lt1"/>
+          </a:fillRef>
+          <a:effectRef idx="0">
+            <a:schemeClr val="accent1"/>
+          </a:effectRef>
+          <a:fontRef idx="minor">
+            <a:schemeClr val="dk1"/>
+          </a:fontRef>
+        </p:style>
+        <p:txBody>
+          <a:bodyPr lIns="124733" tIns="62367" rIns="124733" bIns="62367" rtlCol="0" anchor="ctr"/>
+          <a:lstStyle/>
+          <a:p>
+            <a:pPr algn="ctr"/>
+            <a:r>
+              <a:rPr lang="ru-RU" sz="700" dirty="0" smtClean="0"/>
+              <a:t>Разработать устройство федеративной республики </a:t>
+            </a:r>
+            <a:r>
+              <a:rPr lang="ru-RU" sz="400" dirty="0" smtClean="0"/>
+              <a:t>(решения на вмешательство в выборы республик)</a:t>
+            </a:r>
+            <a:endParaRPr lang="ru-RU" sz="400" dirty="0"/>
+          </a:p>
+        </p:txBody>
+      </p:sp>
+      <p:sp>
+        <p:nvSpPr>
+          <p:cNvPr id="38" name="Прямоугольник 37"/>
+          <p:cNvSpPr/>
+          <p:nvPr/>
+        </p:nvSpPr>
+        <p:spPr>
+          <a:xfrm>
+            <a:off x="22309529" y="6259267"/>
+            <a:ext cx="926325" cy="540000"/>
+          </a:xfrm>
+          <a:prstGeom prst="rect">
+            <a:avLst/>
+          </a:prstGeom>
+          <a:solidFill>
+            <a:schemeClr val="accent1">
+              <a:lumMod val="60000"/>
+              <a:lumOff val="40000"/>
+            </a:schemeClr>
+          </a:solidFill>
+          <a:ln w="19050"/>
+        </p:spPr>
+        <p:style>
+          <a:lnRef idx="2">
+            <a:schemeClr val="accent1"/>
+          </a:lnRef>
+          <a:fillRef idx="1">
+            <a:schemeClr val="lt1"/>
+          </a:fillRef>
+          <a:effectRef idx="0">
+            <a:schemeClr val="accent1"/>
+          </a:effectRef>
+          <a:fontRef idx="minor">
+            <a:schemeClr val="dk1"/>
+          </a:fontRef>
+        </p:style>
+        <p:txBody>
+          <a:bodyPr lIns="124733" tIns="62367" rIns="124733" bIns="62367" rtlCol="0" anchor="ctr"/>
+          <a:lstStyle/>
+          <a:p>
+            <a:pPr algn="ctr"/>
+            <a:r>
+              <a:rPr lang="ru-RU" sz="700" dirty="0" smtClean="0"/>
+              <a:t>Политика централизации Республики</a:t>
+            </a:r>
+            <a:endParaRPr lang="ru-RU" sz="700" dirty="0"/>
+          </a:p>
+        </p:txBody>
+      </p:sp>
+      <p:cxnSp>
+        <p:nvCxnSpPr>
+          <p:cNvPr id="39" name="Прямая соединительная линия 38"/>
+          <p:cNvCxnSpPr>
+            <a:stCxn id="37" idx="3"/>
+            <a:endCxn id="38" idx="1"/>
+          </p:cNvCxnSpPr>
+          <p:nvPr/>
+        </p:nvCxnSpPr>
+        <p:spPr>
+          <a:xfrm>
+            <a:off x="22079449" y="6529267"/>
+            <a:ext cx="230080" cy="0"/>
+          </a:xfrm>
+          <a:prstGeom prst="line">
+            <a:avLst/>
+          </a:prstGeom>
+          <a:ln w="19050">
+            <a:solidFill>
+              <a:srgbClr val="FF0000"/>
+            </a:solidFill>
+          </a:ln>
+        </p:spPr>
+        <p:style>
+          <a:lnRef idx="1">
+            <a:schemeClr val="accent1"/>
+          </a:lnRef>
+          <a:fillRef idx="0">
+            <a:schemeClr val="accent1"/>
+          </a:fillRef>
+          <a:effectRef idx="0">
+            <a:schemeClr val="accent1"/>
+          </a:effectRef>
+          <a:fontRef idx="minor">
+            <a:schemeClr val="tx1"/>
+          </a:fontRef>
+        </p:style>
+      </p:cxnSp>
+      <p:cxnSp>
+        <p:nvCxnSpPr>
+          <p:cNvPr id="45" name="Соединительная линия уступом 44"/>
+          <p:cNvCxnSpPr>
+            <a:stCxn id="48" idx="2"/>
+            <a:endCxn id="37" idx="0"/>
+          </p:cNvCxnSpPr>
+          <p:nvPr/>
+        </p:nvCxnSpPr>
+        <p:spPr>
+          <a:xfrm rot="5400000">
+            <a:off x="21760957" y="5833183"/>
+            <a:ext cx="281415" cy="570753"/>
+          </a:xfrm>
+          <a:prstGeom prst="bentConnector3">
+            <a:avLst>
+              <a:gd name="adj1" fmla="val 50000"/>
+            </a:avLst>
+          </a:prstGeom>
+          <a:ln w="19050">
+            <a:tailEnd type="arrow"/>
+          </a:ln>
+        </p:spPr>
+        <p:style>
+          <a:lnRef idx="1">
+            <a:schemeClr val="accent1"/>
+          </a:lnRef>
+          <a:fillRef idx="0">
+            <a:schemeClr val="accent1"/>
+          </a:fillRef>
+          <a:effectRef idx="0">
+            <a:schemeClr val="accent1"/>
+          </a:effectRef>
+          <a:fontRef idx="minor">
+            <a:schemeClr val="tx1"/>
+          </a:fontRef>
+        </p:style>
+      </p:cxnSp>
+      <p:cxnSp>
+        <p:nvCxnSpPr>
+          <p:cNvPr id="51" name="Соединительная линия уступом 50"/>
+          <p:cNvCxnSpPr>
+            <a:stCxn id="48" idx="2"/>
+            <a:endCxn id="38" idx="0"/>
+          </p:cNvCxnSpPr>
+          <p:nvPr/>
+        </p:nvCxnSpPr>
+        <p:spPr>
+          <a:xfrm rot="16200000" flipH="1">
+            <a:off x="22339159" y="5825733"/>
+            <a:ext cx="281415" cy="585652"/>
+          </a:xfrm>
+          <a:prstGeom prst="bentConnector3">
+            <a:avLst>
+              <a:gd name="adj1" fmla="val 50000"/>
+            </a:avLst>
+          </a:prstGeom>
+          <a:ln w="19050">
+            <a:tailEnd type="arrow"/>
+          </a:ln>
+        </p:spPr>
+        <p:style>
+          <a:lnRef idx="1">
+            <a:schemeClr val="accent1"/>
+          </a:lnRef>
+          <a:fillRef idx="0">
+            <a:schemeClr val="accent1"/>
+          </a:fillRef>
+          <a:effectRef idx="0">
+            <a:schemeClr val="accent1"/>
+          </a:effectRef>
+          <a:fontRef idx="minor">
+            <a:schemeClr val="tx1"/>
+          </a:fontRef>
+        </p:style>
+      </p:cxnSp>
+      <p:sp>
+        <p:nvSpPr>
+          <p:cNvPr id="52" name="Прямоугольник 51"/>
+          <p:cNvSpPr/>
+          <p:nvPr/>
+        </p:nvSpPr>
+        <p:spPr>
+          <a:xfrm>
+            <a:off x="21153123" y="7069267"/>
+            <a:ext cx="926325" cy="540000"/>
+          </a:xfrm>
+          <a:prstGeom prst="rect">
+            <a:avLst/>
+          </a:prstGeom>
+          <a:solidFill>
+            <a:schemeClr val="accent1">
+              <a:lumMod val="60000"/>
+              <a:lumOff val="40000"/>
+            </a:schemeClr>
+          </a:solidFill>
+          <a:ln w="19050"/>
+        </p:spPr>
+        <p:style>
+          <a:lnRef idx="2">
+            <a:schemeClr val="accent1"/>
+          </a:lnRef>
+          <a:fillRef idx="1">
+            <a:schemeClr val="lt1"/>
+          </a:fillRef>
+          <a:effectRef idx="0">
+            <a:schemeClr val="accent1"/>
+          </a:effectRef>
+          <a:fontRef idx="minor">
+            <a:schemeClr val="dk1"/>
+          </a:fontRef>
+        </p:style>
+        <p:txBody>
+          <a:bodyPr lIns="124733" tIns="62367" rIns="124733" bIns="62367" rtlCol="0" anchor="ctr"/>
+          <a:lstStyle/>
+          <a:p>
+            <a:pPr algn="ctr"/>
+            <a:r>
+              <a:rPr lang="ru-RU" sz="700" dirty="0" smtClean="0"/>
+              <a:t>Особый статут </a:t>
+            </a:r>
+            <a:r>
+              <a:rPr lang="ru-RU" sz="700" dirty="0" err="1" smtClean="0"/>
+              <a:t>Басконии</a:t>
+            </a:r>
+            <a:r>
+              <a:rPr lang="ru-RU" sz="700" dirty="0" smtClean="0"/>
+              <a:t> (автономия для </a:t>
+            </a:r>
+            <a:r>
+              <a:rPr lang="ru-RU" sz="700" dirty="0" err="1" smtClean="0"/>
+              <a:t>Басконии</a:t>
+            </a:r>
+            <a:r>
+              <a:rPr lang="ru-RU" sz="700" dirty="0"/>
+              <a:t>)</a:t>
+            </a:r>
+            <a:endParaRPr lang="ru-RU" sz="700" dirty="0"/>
+          </a:p>
+        </p:txBody>
+      </p:sp>
+      <p:cxnSp>
+        <p:nvCxnSpPr>
+          <p:cNvPr id="54" name="Соединительная линия уступом 53"/>
+          <p:cNvCxnSpPr>
+            <a:stCxn id="37" idx="2"/>
+            <a:endCxn id="52" idx="0"/>
+          </p:cNvCxnSpPr>
+          <p:nvPr/>
+        </p:nvCxnSpPr>
+        <p:spPr>
+          <a:xfrm rot="5400000">
+            <a:off x="21481287" y="6934267"/>
+            <a:ext cx="270000" cy="1"/>
+          </a:xfrm>
+          <a:prstGeom prst="bentConnector3">
+            <a:avLst>
+              <a:gd name="adj1" fmla="val 50000"/>
+            </a:avLst>
+          </a:prstGeom>
+          <a:ln w="19050">
+            <a:tailEnd type="arrow"/>
+          </a:ln>
+        </p:spPr>
+        <p:style>
+          <a:lnRef idx="1">
+            <a:schemeClr val="accent1"/>
+          </a:lnRef>
+          <a:fillRef idx="0">
+            <a:schemeClr val="accent1"/>
+          </a:fillRef>
+          <a:effectRef idx="0">
+            <a:schemeClr val="accent1"/>
+          </a:effectRef>
+          <a:fontRef idx="minor">
+            <a:schemeClr val="tx1"/>
+          </a:fontRef>
+        </p:style>
+      </p:cxnSp>
+      <p:sp>
+        <p:nvSpPr>
+          <p:cNvPr id="59" name="Прямоугольник 58"/>
+          <p:cNvSpPr/>
+          <p:nvPr/>
+        </p:nvSpPr>
+        <p:spPr>
+          <a:xfrm>
+            <a:off x="21153122" y="7879267"/>
+            <a:ext cx="926325" cy="540000"/>
+          </a:xfrm>
+          <a:prstGeom prst="rect">
+            <a:avLst/>
+          </a:prstGeom>
+          <a:solidFill>
+            <a:schemeClr val="accent1">
+              <a:lumMod val="60000"/>
+              <a:lumOff val="40000"/>
+            </a:schemeClr>
+          </a:solidFill>
+          <a:ln w="19050"/>
+        </p:spPr>
+        <p:style>
+          <a:lnRef idx="2">
+            <a:schemeClr val="accent1"/>
+          </a:lnRef>
+          <a:fillRef idx="1">
+            <a:schemeClr val="lt1"/>
+          </a:fillRef>
+          <a:effectRef idx="0">
+            <a:schemeClr val="accent1"/>
+          </a:effectRef>
+          <a:fontRef idx="minor">
+            <a:schemeClr val="dk1"/>
+          </a:fontRef>
+        </p:style>
+        <p:txBody>
+          <a:bodyPr lIns="124733" tIns="62367" rIns="124733" bIns="62367" rtlCol="0" anchor="ctr"/>
+          <a:lstStyle/>
+          <a:p>
+            <a:pPr algn="ctr"/>
+            <a:r>
+              <a:rPr lang="ru-RU" sz="700" dirty="0" smtClean="0"/>
+              <a:t>Поддержка сталелитейной промышленности </a:t>
+            </a:r>
+            <a:r>
+              <a:rPr lang="ru-RU" sz="700" dirty="0" err="1" smtClean="0"/>
+              <a:t>Басконии</a:t>
+            </a:r>
+            <a:endParaRPr lang="ru-RU" sz="700" dirty="0"/>
+          </a:p>
+        </p:txBody>
+      </p:sp>
+      <p:cxnSp>
+        <p:nvCxnSpPr>
+          <p:cNvPr id="61" name="Соединительная линия уступом 60"/>
+          <p:cNvCxnSpPr>
+            <a:stCxn id="52" idx="2"/>
+            <a:endCxn id="59" idx="0"/>
+          </p:cNvCxnSpPr>
+          <p:nvPr/>
+        </p:nvCxnSpPr>
+        <p:spPr>
+          <a:xfrm rot="5400000">
+            <a:off x="21481286" y="7744267"/>
+            <a:ext cx="270000" cy="1"/>
+          </a:xfrm>
+          <a:prstGeom prst="bentConnector3">
+            <a:avLst>
+              <a:gd name="adj1" fmla="val 50000"/>
+            </a:avLst>
+          </a:prstGeom>
+          <a:ln w="19050">
+            <a:tailEnd type="arrow"/>
+          </a:ln>
+        </p:spPr>
+        <p:style>
+          <a:lnRef idx="1">
+            <a:schemeClr val="accent1"/>
+          </a:lnRef>
+          <a:fillRef idx="0">
+            <a:schemeClr val="accent1"/>
+          </a:fillRef>
+          <a:effectRef idx="0">
+            <a:schemeClr val="accent1"/>
+          </a:effectRef>
+          <a:fontRef idx="minor">
+            <a:schemeClr val="tx1"/>
+          </a:fontRef>
+        </p:style>
+      </p:cxnSp>
+      <p:sp>
+        <p:nvSpPr>
+          <p:cNvPr id="64" name="Прямоугольник 63"/>
+          <p:cNvSpPr/>
+          <p:nvPr/>
+        </p:nvSpPr>
+        <p:spPr>
+          <a:xfrm>
+            <a:off x="21153121" y="8689267"/>
+            <a:ext cx="926325" cy="540000"/>
+          </a:xfrm>
+          <a:prstGeom prst="rect">
+            <a:avLst/>
+          </a:prstGeom>
+          <a:solidFill>
+            <a:schemeClr val="accent1">
+              <a:lumMod val="60000"/>
+              <a:lumOff val="40000"/>
+            </a:schemeClr>
+          </a:solidFill>
+          <a:ln w="19050"/>
+        </p:spPr>
+        <p:style>
+          <a:lnRef idx="2">
+            <a:schemeClr val="accent1"/>
+          </a:lnRef>
+          <a:fillRef idx="1">
+            <a:schemeClr val="lt1"/>
+          </a:fillRef>
+          <a:effectRef idx="0">
+            <a:schemeClr val="accent1"/>
+          </a:effectRef>
+          <a:fontRef idx="minor">
+            <a:schemeClr val="dk1"/>
+          </a:fontRef>
+        </p:style>
+        <p:txBody>
+          <a:bodyPr lIns="124733" tIns="62367" rIns="124733" bIns="62367" rtlCol="0" anchor="ctr"/>
+          <a:lstStyle/>
+          <a:p>
+            <a:pPr algn="ctr"/>
+            <a:r>
+              <a:rPr lang="ru-RU" sz="700" dirty="0" smtClean="0"/>
+              <a:t>Взаимное сотрудничество во флоте</a:t>
+            </a:r>
+            <a:endParaRPr lang="ru-RU" sz="700" dirty="0"/>
+          </a:p>
+        </p:txBody>
+      </p:sp>
+      <p:cxnSp>
+        <p:nvCxnSpPr>
+          <p:cNvPr id="65" name="Соединительная линия уступом 64"/>
+          <p:cNvCxnSpPr>
+            <a:stCxn id="59" idx="2"/>
+            <a:endCxn id="64" idx="0"/>
+          </p:cNvCxnSpPr>
+          <p:nvPr/>
+        </p:nvCxnSpPr>
+        <p:spPr>
+          <a:xfrm rot="5400000">
+            <a:off x="21481285" y="8554267"/>
+            <a:ext cx="270000" cy="1"/>
+          </a:xfrm>
+          <a:prstGeom prst="bentConnector3">
+            <a:avLst>
+              <a:gd name="adj1" fmla="val 50000"/>
+            </a:avLst>
+          </a:prstGeom>
+          <a:ln w="19050">
+            <a:tailEnd type="arrow"/>
+          </a:ln>
+        </p:spPr>
+        <p:style>
+          <a:lnRef idx="1">
+            <a:schemeClr val="accent1"/>
+          </a:lnRef>
+          <a:fillRef idx="0">
+            <a:schemeClr val="accent1"/>
+          </a:fillRef>
+          <a:effectRef idx="0">
+            <a:schemeClr val="accent1"/>
+          </a:effectRef>
+          <a:fontRef idx="minor">
+            <a:schemeClr val="tx1"/>
+          </a:fontRef>
+        </p:style>
+      </p:cxnSp>
+      <p:sp>
+        <p:nvSpPr>
+          <p:cNvPr id="67" name="Прямоугольник 66"/>
+          <p:cNvSpPr/>
+          <p:nvPr/>
+        </p:nvSpPr>
+        <p:spPr>
+          <a:xfrm>
+            <a:off x="20048306" y="7069267"/>
+            <a:ext cx="926325" cy="540000"/>
+          </a:xfrm>
+          <a:prstGeom prst="rect">
+            <a:avLst/>
+          </a:prstGeom>
+          <a:solidFill>
+            <a:schemeClr val="accent1">
+              <a:lumMod val="60000"/>
+              <a:lumOff val="40000"/>
+            </a:schemeClr>
+          </a:solidFill>
+          <a:ln w="19050"/>
+        </p:spPr>
+        <p:style>
+          <a:lnRef idx="2">
+            <a:schemeClr val="accent1"/>
+          </a:lnRef>
+          <a:fillRef idx="1">
+            <a:schemeClr val="lt1"/>
+          </a:fillRef>
+          <a:effectRef idx="0">
+            <a:schemeClr val="accent1"/>
+          </a:effectRef>
+          <a:fontRef idx="minor">
+            <a:schemeClr val="dk1"/>
+          </a:fontRef>
+        </p:style>
+        <p:txBody>
+          <a:bodyPr lIns="124733" tIns="62367" rIns="124733" bIns="62367" rtlCol="0" anchor="ctr"/>
+          <a:lstStyle/>
+          <a:p>
+            <a:pPr algn="ctr"/>
+            <a:r>
+              <a:rPr lang="ru-RU" sz="700" dirty="0" smtClean="0"/>
+              <a:t>Отдать долг Астурийским рабочим (автономия для Астурии)</a:t>
+            </a:r>
+            <a:endParaRPr lang="ru-RU" sz="700" dirty="0"/>
+          </a:p>
+        </p:txBody>
+      </p:sp>
+      <p:cxnSp>
+        <p:nvCxnSpPr>
+          <p:cNvPr id="68" name="Соединительная линия уступом 67"/>
+          <p:cNvCxnSpPr>
+            <a:stCxn id="37" idx="2"/>
+            <a:endCxn id="67" idx="0"/>
+          </p:cNvCxnSpPr>
+          <p:nvPr/>
+        </p:nvCxnSpPr>
+        <p:spPr>
+          <a:xfrm rot="5400000">
+            <a:off x="20928878" y="6381858"/>
+            <a:ext cx="270000" cy="1104818"/>
+          </a:xfrm>
+          <a:prstGeom prst="bentConnector3">
+            <a:avLst>
+              <a:gd name="adj1" fmla="val 50000"/>
+            </a:avLst>
+          </a:prstGeom>
+          <a:ln w="19050">
+            <a:tailEnd type="arrow"/>
+          </a:ln>
+        </p:spPr>
+        <p:style>
+          <a:lnRef idx="1">
+            <a:schemeClr val="accent1"/>
+          </a:lnRef>
+          <a:fillRef idx="0">
+            <a:schemeClr val="accent1"/>
+          </a:fillRef>
+          <a:effectRef idx="0">
+            <a:schemeClr val="accent1"/>
+          </a:effectRef>
+          <a:fontRef idx="minor">
+            <a:schemeClr val="tx1"/>
+          </a:fontRef>
+        </p:style>
+      </p:cxnSp>
+      <p:sp>
+        <p:nvSpPr>
+          <p:cNvPr id="71" name="Прямоугольник 70"/>
+          <p:cNvSpPr/>
+          <p:nvPr/>
+        </p:nvSpPr>
+        <p:spPr>
+          <a:xfrm>
+            <a:off x="20048305" y="7880393"/>
+            <a:ext cx="926325" cy="540000"/>
+          </a:xfrm>
+          <a:prstGeom prst="rect">
+            <a:avLst/>
+          </a:prstGeom>
+          <a:solidFill>
+            <a:schemeClr val="accent1">
+              <a:lumMod val="60000"/>
+              <a:lumOff val="40000"/>
+            </a:schemeClr>
+          </a:solidFill>
+          <a:ln w="19050"/>
+        </p:spPr>
+        <p:style>
+          <a:lnRef idx="2">
+            <a:schemeClr val="accent1"/>
+          </a:lnRef>
+          <a:fillRef idx="1">
+            <a:schemeClr val="lt1"/>
+          </a:fillRef>
+          <a:effectRef idx="0">
+            <a:schemeClr val="accent1"/>
+          </a:effectRef>
+          <a:fontRef idx="minor">
+            <a:schemeClr val="dk1"/>
+          </a:fontRef>
+        </p:style>
+        <p:txBody>
+          <a:bodyPr lIns="124733" tIns="62367" rIns="124733" bIns="62367" rtlCol="0" anchor="ctr"/>
+          <a:lstStyle/>
+          <a:p>
+            <a:pPr algn="ctr"/>
+            <a:endParaRPr lang="ru-RU" sz="700" dirty="0"/>
+          </a:p>
+        </p:txBody>
+      </p:sp>
+      <p:sp>
+        <p:nvSpPr>
+          <p:cNvPr id="72" name="Прямоугольник 71"/>
+          <p:cNvSpPr/>
+          <p:nvPr/>
+        </p:nvSpPr>
+        <p:spPr>
+          <a:xfrm>
+            <a:off x="20048306" y="8689267"/>
+            <a:ext cx="926325" cy="540000"/>
+          </a:xfrm>
+          <a:prstGeom prst="rect">
+            <a:avLst/>
+          </a:prstGeom>
+          <a:solidFill>
+            <a:schemeClr val="accent1">
+              <a:lumMod val="60000"/>
+              <a:lumOff val="40000"/>
+            </a:schemeClr>
+          </a:solidFill>
+          <a:ln w="19050"/>
+        </p:spPr>
+        <p:style>
+          <a:lnRef idx="2">
+            <a:schemeClr val="accent1"/>
+          </a:lnRef>
+          <a:fillRef idx="1">
+            <a:schemeClr val="lt1"/>
+          </a:fillRef>
+          <a:effectRef idx="0">
+            <a:schemeClr val="accent1"/>
+          </a:effectRef>
+          <a:fontRef idx="minor">
+            <a:schemeClr val="dk1"/>
+          </a:fontRef>
+        </p:style>
+        <p:txBody>
+          <a:bodyPr lIns="124733" tIns="62367" rIns="124733" bIns="62367" rtlCol="0" anchor="ctr"/>
+          <a:lstStyle/>
+          <a:p>
+            <a:pPr algn="ctr"/>
+            <a:endParaRPr lang="ru-RU" sz="700" dirty="0"/>
+          </a:p>
+        </p:txBody>
+      </p:sp>
+      <p:sp>
+        <p:nvSpPr>
+          <p:cNvPr id="73" name="Прямоугольник 72"/>
+          <p:cNvSpPr/>
+          <p:nvPr/>
+        </p:nvSpPr>
+        <p:spPr>
+          <a:xfrm>
+            <a:off x="20600302" y="9421009"/>
+            <a:ext cx="926325" cy="540000"/>
+          </a:xfrm>
+          <a:prstGeom prst="rect">
+            <a:avLst/>
+          </a:prstGeom>
+          <a:solidFill>
+            <a:schemeClr val="accent1">
+              <a:lumMod val="60000"/>
+              <a:lumOff val="40000"/>
+            </a:schemeClr>
+          </a:solidFill>
+          <a:ln w="19050"/>
+        </p:spPr>
+        <p:style>
+          <a:lnRef idx="2">
+            <a:schemeClr val="accent1"/>
+          </a:lnRef>
+          <a:fillRef idx="1">
+            <a:schemeClr val="lt1"/>
+          </a:fillRef>
+          <a:effectRef idx="0">
+            <a:schemeClr val="accent1"/>
+          </a:effectRef>
+          <a:fontRef idx="minor">
+            <a:schemeClr val="dk1"/>
+          </a:fontRef>
+        </p:style>
+        <p:txBody>
+          <a:bodyPr lIns="124733" tIns="62367" rIns="124733" bIns="62367" rtlCol="0" anchor="ctr"/>
+          <a:lstStyle/>
+          <a:p>
+            <a:pPr algn="ctr"/>
+            <a:r>
+              <a:rPr lang="ru-RU" sz="700" dirty="0" smtClean="0"/>
+              <a:t>Каталонии фишки</a:t>
+            </a:r>
+            <a:endParaRPr lang="ru-RU" sz="700" dirty="0"/>
+          </a:p>
+        </p:txBody>
+      </p:sp>
+      <p:sp>
+        <p:nvSpPr>
+          <p:cNvPr id="74" name="Прямоугольник 73"/>
+          <p:cNvSpPr/>
+          <p:nvPr/>
+        </p:nvSpPr>
+        <p:spPr>
+          <a:xfrm>
+            <a:off x="20600301" y="10231009"/>
+            <a:ext cx="926325" cy="540000"/>
+          </a:xfrm>
+          <a:prstGeom prst="rect">
+            <a:avLst/>
+          </a:prstGeom>
+          <a:solidFill>
+            <a:schemeClr val="accent1">
+              <a:lumMod val="60000"/>
+              <a:lumOff val="40000"/>
+            </a:schemeClr>
+          </a:solidFill>
+          <a:ln w="19050"/>
+        </p:spPr>
+        <p:style>
+          <a:lnRef idx="2">
+            <a:schemeClr val="accent1"/>
+          </a:lnRef>
+          <a:fillRef idx="1">
+            <a:schemeClr val="lt1"/>
+          </a:fillRef>
+          <a:effectRef idx="0">
+            <a:schemeClr val="accent1"/>
+          </a:effectRef>
+          <a:fontRef idx="minor">
+            <a:schemeClr val="dk1"/>
+          </a:fontRef>
+        </p:style>
+        <p:txBody>
+          <a:bodyPr lIns="124733" tIns="62367" rIns="124733" bIns="62367" rtlCol="0" anchor="ctr"/>
+          <a:lstStyle/>
+          <a:p>
+            <a:pPr algn="ctr"/>
+            <a:r>
+              <a:rPr lang="ru-RU" sz="700" dirty="0"/>
+              <a:t>Каталонии фишки</a:t>
+            </a:r>
+            <a:endParaRPr lang="ru-RU" sz="700" dirty="0"/>
+          </a:p>
+        </p:txBody>
+      </p:sp>
+      <p:cxnSp>
+        <p:nvCxnSpPr>
+          <p:cNvPr id="75" name="Соединительная линия уступом 74"/>
+          <p:cNvCxnSpPr>
+            <a:stCxn id="73" idx="2"/>
+            <a:endCxn id="74" idx="0"/>
+          </p:cNvCxnSpPr>
+          <p:nvPr/>
+        </p:nvCxnSpPr>
+        <p:spPr>
+          <a:xfrm rot="5400000">
+            <a:off x="20928465" y="10096009"/>
+            <a:ext cx="270000" cy="1"/>
+          </a:xfrm>
+          <a:prstGeom prst="bentConnector3">
+            <a:avLst>
+              <a:gd name="adj1" fmla="val 50000"/>
+            </a:avLst>
+          </a:prstGeom>
+          <a:ln w="19050">
+            <a:tailEnd type="arrow"/>
+          </a:ln>
+        </p:spPr>
+        <p:style>
+          <a:lnRef idx="1">
+            <a:schemeClr val="accent1"/>
+          </a:lnRef>
+          <a:fillRef idx="0">
+            <a:schemeClr val="accent1"/>
+          </a:fillRef>
+          <a:effectRef idx="0">
+            <a:schemeClr val="accent1"/>
+          </a:effectRef>
+          <a:fontRef idx="minor">
+            <a:schemeClr val="tx1"/>
+          </a:fontRef>
+        </p:style>
+      </p:cxnSp>
+      <p:cxnSp>
+        <p:nvCxnSpPr>
+          <p:cNvPr id="82" name="Соединительная линия уступом 81"/>
+          <p:cNvCxnSpPr>
+            <a:stCxn id="67" idx="2"/>
+            <a:endCxn id="71" idx="0"/>
+          </p:cNvCxnSpPr>
+          <p:nvPr/>
+        </p:nvCxnSpPr>
+        <p:spPr>
+          <a:xfrm rot="5400000">
+            <a:off x="20375906" y="7744830"/>
+            <a:ext cx="271126" cy="1"/>
+          </a:xfrm>
+          <a:prstGeom prst="bentConnector3">
+            <a:avLst>
+              <a:gd name="adj1" fmla="val 50000"/>
+            </a:avLst>
+          </a:prstGeom>
+          <a:ln w="19050">
+            <a:tailEnd type="arrow"/>
+          </a:ln>
+        </p:spPr>
+        <p:style>
+          <a:lnRef idx="1">
+            <a:schemeClr val="accent1"/>
+          </a:lnRef>
+          <a:fillRef idx="0">
+            <a:schemeClr val="accent1"/>
+          </a:fillRef>
+          <a:effectRef idx="0">
+            <a:schemeClr val="accent1"/>
+          </a:effectRef>
+          <a:fontRef idx="minor">
+            <a:schemeClr val="tx1"/>
+          </a:fontRef>
+        </p:style>
+      </p:cxnSp>
+      <p:cxnSp>
+        <p:nvCxnSpPr>
+          <p:cNvPr id="90" name="Соединительная линия уступом 89"/>
+          <p:cNvCxnSpPr>
+            <a:stCxn id="71" idx="2"/>
+            <a:endCxn id="72" idx="0"/>
+          </p:cNvCxnSpPr>
+          <p:nvPr/>
+        </p:nvCxnSpPr>
+        <p:spPr>
+          <a:xfrm rot="16200000" flipH="1">
+            <a:off x="20377031" y="8554829"/>
+            <a:ext cx="268874" cy="1"/>
+          </a:xfrm>
+          <a:prstGeom prst="bentConnector3">
+            <a:avLst>
+              <a:gd name="adj1" fmla="val 50000"/>
+            </a:avLst>
+          </a:prstGeom>
+          <a:ln w="19050">
+            <a:tailEnd type="arrow"/>
+          </a:ln>
+        </p:spPr>
+        <p:style>
+          <a:lnRef idx="1">
+            <a:schemeClr val="accent1"/>
+          </a:lnRef>
+          <a:fillRef idx="0">
+            <a:schemeClr val="accent1"/>
+          </a:fillRef>
+          <a:effectRef idx="0">
+            <a:schemeClr val="accent1"/>
+          </a:effectRef>
+          <a:fontRef idx="minor">
+            <a:schemeClr val="tx1"/>
+          </a:fontRef>
+        </p:style>
+      </p:cxnSp>
+      <p:sp>
+        <p:nvSpPr>
+          <p:cNvPr id="93" name="Прямоугольник 92"/>
+          <p:cNvSpPr/>
+          <p:nvPr/>
+        </p:nvSpPr>
+        <p:spPr>
+          <a:xfrm>
+            <a:off x="18323621" y="6259267"/>
+            <a:ext cx="926325" cy="540000"/>
+          </a:xfrm>
+          <a:prstGeom prst="rect">
+            <a:avLst/>
+          </a:prstGeom>
+          <a:solidFill>
+            <a:schemeClr val="accent1">
+              <a:lumMod val="60000"/>
+              <a:lumOff val="40000"/>
+            </a:schemeClr>
+          </a:solidFill>
+          <a:ln w="19050"/>
+        </p:spPr>
+        <p:style>
+          <a:lnRef idx="2">
+            <a:schemeClr val="accent1"/>
+          </a:lnRef>
+          <a:fillRef idx="1">
+            <a:schemeClr val="lt1"/>
+          </a:fillRef>
+          <a:effectRef idx="0">
+            <a:schemeClr val="accent1"/>
+          </a:effectRef>
+          <a:fontRef idx="minor">
+            <a:schemeClr val="dk1"/>
+          </a:fontRef>
+        </p:style>
+        <p:txBody>
+          <a:bodyPr lIns="124733" tIns="62367" rIns="124733" bIns="62367" rtlCol="0" anchor="ctr"/>
+          <a:lstStyle/>
+          <a:p>
+            <a:pPr algn="ctr"/>
+            <a:r>
+              <a:rPr lang="ru-RU" sz="700" dirty="0" smtClean="0"/>
+              <a:t>Создание кооперативов (наше, но эффект под вопросом)</a:t>
+            </a:r>
+            <a:endParaRPr lang="ru-RU" sz="500" dirty="0"/>
+          </a:p>
+        </p:txBody>
+      </p:sp>
+      <p:sp>
+        <p:nvSpPr>
+          <p:cNvPr id="94" name="Прямоугольник 93"/>
+          <p:cNvSpPr/>
+          <p:nvPr/>
+        </p:nvSpPr>
+        <p:spPr>
+          <a:xfrm>
+            <a:off x="18891932" y="5449194"/>
+            <a:ext cx="926325" cy="540000"/>
+          </a:xfrm>
+          <a:prstGeom prst="rect">
+            <a:avLst/>
+          </a:prstGeom>
+          <a:solidFill>
+            <a:schemeClr val="accent1">
+              <a:lumMod val="60000"/>
+              <a:lumOff val="40000"/>
+            </a:schemeClr>
+          </a:solidFill>
+          <a:ln w="19050"/>
+        </p:spPr>
+        <p:style>
+          <a:lnRef idx="2">
+            <a:schemeClr val="accent1"/>
+          </a:lnRef>
+          <a:fillRef idx="1">
+            <a:schemeClr val="lt1"/>
+          </a:fillRef>
+          <a:effectRef idx="0">
+            <a:schemeClr val="accent1"/>
+          </a:effectRef>
+          <a:fontRef idx="minor">
+            <a:schemeClr val="dk1"/>
+          </a:fontRef>
+        </p:style>
+        <p:txBody>
+          <a:bodyPr lIns="124733" tIns="62367" rIns="124733" bIns="62367" rtlCol="0" anchor="ctr"/>
+          <a:lstStyle/>
+          <a:p>
+            <a:pPr algn="ctr"/>
+            <a:r>
+              <a:rPr lang="ru-RU" sz="700" dirty="0" smtClean="0"/>
+              <a:t>Раздача помещичьих земель (наше но эффект сменить)</a:t>
+            </a:r>
+            <a:endParaRPr lang="ru-RU" sz="500" dirty="0"/>
+          </a:p>
+        </p:txBody>
+      </p:sp>
+      <p:sp>
+        <p:nvSpPr>
+          <p:cNvPr id="95" name="Прямоугольник 94"/>
+          <p:cNvSpPr/>
+          <p:nvPr/>
+        </p:nvSpPr>
+        <p:spPr>
+          <a:xfrm>
+            <a:off x="17735557" y="5447959"/>
+            <a:ext cx="926325" cy="540000"/>
+          </a:xfrm>
+          <a:prstGeom prst="rect">
+            <a:avLst/>
+          </a:prstGeom>
+          <a:solidFill>
+            <a:schemeClr val="accent1">
+              <a:lumMod val="60000"/>
+              <a:lumOff val="40000"/>
+            </a:schemeClr>
+          </a:solidFill>
+          <a:ln w="19050"/>
+        </p:spPr>
+        <p:style>
+          <a:lnRef idx="2">
+            <a:schemeClr val="accent1"/>
+          </a:lnRef>
+          <a:fillRef idx="1">
+            <a:schemeClr val="lt1"/>
+          </a:fillRef>
+          <a:effectRef idx="0">
+            <a:schemeClr val="accent1"/>
+          </a:effectRef>
+          <a:fontRef idx="minor">
+            <a:schemeClr val="dk1"/>
+          </a:fontRef>
+        </p:style>
+        <p:txBody>
+          <a:bodyPr lIns="124733" tIns="62367" rIns="124733" bIns="62367" rtlCol="0" anchor="ctr"/>
+          <a:lstStyle/>
+          <a:p>
+            <a:pPr algn="ctr"/>
+            <a:r>
+              <a:rPr lang="ru-RU" sz="700" dirty="0" smtClean="0"/>
+              <a:t>Проведение стачек (пока наше, но нужно сменить всё)</a:t>
+            </a:r>
+            <a:endParaRPr lang="ru-RU" sz="500" dirty="0"/>
+          </a:p>
+        </p:txBody>
+      </p:sp>
+      <p:cxnSp>
+        <p:nvCxnSpPr>
+          <p:cNvPr id="96" name="Соединительная линия уступом 95"/>
+          <p:cNvCxnSpPr>
+            <a:stCxn id="836" idx="2"/>
+            <a:endCxn id="94" idx="0"/>
+          </p:cNvCxnSpPr>
+          <p:nvPr/>
+        </p:nvCxnSpPr>
+        <p:spPr>
+          <a:xfrm rot="16200000" flipH="1">
+            <a:off x="18934667" y="5028765"/>
+            <a:ext cx="272545" cy="568311"/>
+          </a:xfrm>
+          <a:prstGeom prst="bentConnector3">
+            <a:avLst>
+              <a:gd name="adj1" fmla="val 50000"/>
+            </a:avLst>
+          </a:prstGeom>
+          <a:ln w="19050">
+            <a:tailEnd type="arrow"/>
+          </a:ln>
+        </p:spPr>
+        <p:style>
+          <a:lnRef idx="1">
+            <a:schemeClr val="accent1"/>
+          </a:lnRef>
+          <a:fillRef idx="0">
+            <a:schemeClr val="accent1"/>
+          </a:fillRef>
+          <a:effectRef idx="0">
+            <a:schemeClr val="accent1"/>
+          </a:effectRef>
+          <a:fontRef idx="minor">
+            <a:schemeClr val="tx1"/>
+          </a:fontRef>
+        </p:style>
+      </p:cxnSp>
+      <p:cxnSp>
+        <p:nvCxnSpPr>
+          <p:cNvPr id="99" name="Соединительная линия уступом 98"/>
+          <p:cNvCxnSpPr>
+            <a:stCxn id="836" idx="2"/>
+            <a:endCxn id="95" idx="0"/>
+          </p:cNvCxnSpPr>
+          <p:nvPr/>
+        </p:nvCxnSpPr>
+        <p:spPr>
+          <a:xfrm rot="5400000">
+            <a:off x="18357097" y="5018272"/>
+            <a:ext cx="271310" cy="588064"/>
+          </a:xfrm>
+          <a:prstGeom prst="bentConnector3">
+            <a:avLst>
+              <a:gd name="adj1" fmla="val 50000"/>
+            </a:avLst>
+          </a:prstGeom>
+          <a:ln w="19050">
+            <a:tailEnd type="arrow"/>
+          </a:ln>
+        </p:spPr>
+        <p:style>
+          <a:lnRef idx="1">
+            <a:schemeClr val="accent1"/>
+          </a:lnRef>
+          <a:fillRef idx="0">
+            <a:schemeClr val="accent1"/>
+          </a:fillRef>
+          <a:effectRef idx="0">
+            <a:schemeClr val="accent1"/>
+          </a:effectRef>
+          <a:fontRef idx="minor">
+            <a:schemeClr val="tx1"/>
+          </a:fontRef>
+        </p:style>
+      </p:cxnSp>
+      <p:sp>
+        <p:nvSpPr>
+          <p:cNvPr id="103" name="Прямоугольник 102"/>
+          <p:cNvSpPr/>
+          <p:nvPr/>
+        </p:nvSpPr>
+        <p:spPr>
+          <a:xfrm>
+            <a:off x="19485995" y="6263115"/>
+            <a:ext cx="926325" cy="540000"/>
+          </a:xfrm>
+          <a:prstGeom prst="rect">
+            <a:avLst/>
+          </a:prstGeom>
+          <a:solidFill>
+            <a:schemeClr val="accent1">
+              <a:lumMod val="60000"/>
+              <a:lumOff val="40000"/>
+            </a:schemeClr>
+          </a:solidFill>
+          <a:ln w="19050"/>
+        </p:spPr>
+        <p:style>
+          <a:lnRef idx="2">
+            <a:schemeClr val="accent1"/>
+          </a:lnRef>
+          <a:fillRef idx="1">
+            <a:schemeClr val="lt1"/>
+          </a:fillRef>
+          <a:effectRef idx="0">
+            <a:schemeClr val="accent1"/>
+          </a:effectRef>
+          <a:fontRef idx="minor">
+            <a:schemeClr val="dk1"/>
+          </a:fontRef>
+        </p:style>
+        <p:txBody>
+          <a:bodyPr lIns="124733" tIns="62367" rIns="124733" bIns="62367" rtlCol="0" anchor="ctr"/>
+          <a:lstStyle/>
+          <a:p>
+            <a:pPr algn="ctr"/>
+            <a:r>
+              <a:rPr lang="ru-RU" sz="700" dirty="0" smtClean="0"/>
+              <a:t>Распределение земли (наше, но эффект сменить)</a:t>
+            </a:r>
+            <a:endParaRPr lang="ru-RU" sz="500" dirty="0"/>
+          </a:p>
+        </p:txBody>
+      </p:sp>
+      <p:cxnSp>
+        <p:nvCxnSpPr>
+          <p:cNvPr id="105" name="Соединительная линия уступом 104"/>
+          <p:cNvCxnSpPr>
+            <a:stCxn id="49" idx="2"/>
+            <a:endCxn id="67" idx="0"/>
+          </p:cNvCxnSpPr>
+          <p:nvPr/>
+        </p:nvCxnSpPr>
+        <p:spPr>
+          <a:xfrm rot="5400000">
+            <a:off x="19968800" y="6526597"/>
+            <a:ext cx="1085340" cy="1"/>
+          </a:xfrm>
+          <a:prstGeom prst="bentConnector3">
+            <a:avLst>
+              <a:gd name="adj1" fmla="val 50000"/>
+            </a:avLst>
+          </a:prstGeom>
+          <a:ln w="19050">
+            <a:tailEnd type="arrow"/>
+          </a:ln>
+        </p:spPr>
+        <p:style>
+          <a:lnRef idx="1">
+            <a:schemeClr val="accent1"/>
+          </a:lnRef>
+          <a:fillRef idx="0">
+            <a:schemeClr val="accent1"/>
+          </a:fillRef>
+          <a:effectRef idx="0">
+            <a:schemeClr val="accent1"/>
+          </a:effectRef>
+          <a:fontRef idx="minor">
+            <a:schemeClr val="tx1"/>
+          </a:fontRef>
+        </p:style>
+      </p:cxnSp>
+      <p:sp>
+        <p:nvSpPr>
+          <p:cNvPr id="108" name="Прямоугольник 107"/>
+          <p:cNvSpPr/>
+          <p:nvPr/>
+        </p:nvSpPr>
+        <p:spPr>
+          <a:xfrm>
+            <a:off x="17189998" y="6263115"/>
+            <a:ext cx="926325" cy="540000"/>
+          </a:xfrm>
+          <a:prstGeom prst="rect">
+            <a:avLst/>
+          </a:prstGeom>
+          <a:solidFill>
+            <a:schemeClr val="accent1">
+              <a:lumMod val="60000"/>
+              <a:lumOff val="40000"/>
+            </a:schemeClr>
+          </a:solidFill>
+          <a:ln w="19050"/>
+        </p:spPr>
+        <p:style>
+          <a:lnRef idx="2">
+            <a:schemeClr val="accent1"/>
+          </a:lnRef>
+          <a:fillRef idx="1">
+            <a:schemeClr val="lt1"/>
+          </a:fillRef>
+          <a:effectRef idx="0">
+            <a:schemeClr val="accent1"/>
+          </a:effectRef>
+          <a:fontRef idx="minor">
+            <a:schemeClr val="dk1"/>
+          </a:fontRef>
+        </p:style>
+        <p:txBody>
+          <a:bodyPr lIns="124733" tIns="62367" rIns="124733" bIns="62367" rtlCol="0" anchor="ctr"/>
+          <a:lstStyle/>
+          <a:p>
+            <a:pPr algn="ctr"/>
+            <a:r>
+              <a:rPr lang="ru-RU" sz="700" dirty="0" smtClean="0"/>
+              <a:t>Национализация предприятий (наше)</a:t>
+            </a:r>
+            <a:endParaRPr lang="ru-RU" sz="500" dirty="0"/>
+          </a:p>
+        </p:txBody>
+      </p:sp>
+      <p:cxnSp>
+        <p:nvCxnSpPr>
+          <p:cNvPr id="109" name="Соединительная линия уступом 108"/>
+          <p:cNvCxnSpPr>
+            <a:stCxn id="94" idx="2"/>
+            <a:endCxn id="103" idx="0"/>
+          </p:cNvCxnSpPr>
+          <p:nvPr/>
+        </p:nvCxnSpPr>
+        <p:spPr>
+          <a:xfrm rot="16200000" flipH="1">
+            <a:off x="19515166" y="5829122"/>
+            <a:ext cx="273921" cy="594063"/>
+          </a:xfrm>
+          <a:prstGeom prst="bentConnector3">
+            <a:avLst>
+              <a:gd name="adj1" fmla="val 50000"/>
+            </a:avLst>
+          </a:prstGeom>
+          <a:ln w="19050">
+            <a:tailEnd type="arrow"/>
+          </a:ln>
+        </p:spPr>
+        <p:style>
+          <a:lnRef idx="1">
+            <a:schemeClr val="accent1"/>
+          </a:lnRef>
+          <a:fillRef idx="0">
+            <a:schemeClr val="accent1"/>
+          </a:fillRef>
+          <a:effectRef idx="0">
+            <a:schemeClr val="accent1"/>
+          </a:effectRef>
+          <a:fontRef idx="minor">
+            <a:schemeClr val="tx1"/>
+          </a:fontRef>
+        </p:style>
+      </p:cxnSp>
+      <p:cxnSp>
+        <p:nvCxnSpPr>
+          <p:cNvPr id="112" name="Соединительная линия уступом 111"/>
+          <p:cNvCxnSpPr>
+            <a:stCxn id="95" idx="2"/>
+            <a:endCxn id="108" idx="0"/>
+          </p:cNvCxnSpPr>
+          <p:nvPr/>
+        </p:nvCxnSpPr>
+        <p:spPr>
+          <a:xfrm rot="5400000">
+            <a:off x="17788363" y="5852758"/>
+            <a:ext cx="275156" cy="545559"/>
+          </a:xfrm>
+          <a:prstGeom prst="bentConnector3">
+            <a:avLst>
+              <a:gd name="adj1" fmla="val 50000"/>
+            </a:avLst>
+          </a:prstGeom>
+          <a:ln w="19050">
+            <a:tailEnd type="arrow"/>
+          </a:ln>
+        </p:spPr>
+        <p:style>
+          <a:lnRef idx="1">
+            <a:schemeClr val="accent1"/>
+          </a:lnRef>
+          <a:fillRef idx="0">
+            <a:schemeClr val="accent1"/>
+          </a:fillRef>
+          <a:effectRef idx="0">
+            <a:schemeClr val="accent1"/>
+          </a:effectRef>
+          <a:fontRef idx="minor">
+            <a:schemeClr val="tx1"/>
+          </a:fontRef>
+        </p:style>
+      </p:cxnSp>
+      <p:cxnSp>
+        <p:nvCxnSpPr>
+          <p:cNvPr id="115" name="Соединительная линия уступом 114"/>
+          <p:cNvCxnSpPr>
+            <a:stCxn id="95" idx="2"/>
+            <a:endCxn id="93" idx="0"/>
+          </p:cNvCxnSpPr>
+          <p:nvPr/>
+        </p:nvCxnSpPr>
+        <p:spPr>
+          <a:xfrm rot="16200000" flipH="1">
+            <a:off x="18357098" y="5829581"/>
+            <a:ext cx="271308" cy="588064"/>
+          </a:xfrm>
+          <a:prstGeom prst="bentConnector3">
+            <a:avLst>
+              <a:gd name="adj1" fmla="val 50000"/>
+            </a:avLst>
+          </a:prstGeom>
+          <a:ln w="19050">
+            <a:tailEnd type="arrow"/>
+          </a:ln>
+        </p:spPr>
+        <p:style>
+          <a:lnRef idx="1">
+            <a:schemeClr val="accent1"/>
+          </a:lnRef>
+          <a:fillRef idx="0">
+            <a:schemeClr val="accent1"/>
+          </a:fillRef>
+          <a:effectRef idx="0">
+            <a:schemeClr val="accent1"/>
+          </a:effectRef>
+          <a:fontRef idx="minor">
+            <a:schemeClr val="tx1"/>
+          </a:fontRef>
+        </p:style>
+      </p:cxnSp>
+      <p:cxnSp>
+        <p:nvCxnSpPr>
+          <p:cNvPr id="118" name="Соединительная линия уступом 117"/>
+          <p:cNvCxnSpPr>
+            <a:stCxn id="94" idx="2"/>
+            <a:endCxn id="93" idx="0"/>
+          </p:cNvCxnSpPr>
+          <p:nvPr/>
+        </p:nvCxnSpPr>
+        <p:spPr>
+          <a:xfrm rot="5400000">
+            <a:off x="18935904" y="5840075"/>
+            <a:ext cx="270073" cy="568311"/>
+          </a:xfrm>
+          <a:prstGeom prst="bentConnector3">
+            <a:avLst>
+              <a:gd name="adj1" fmla="val 50000"/>
+            </a:avLst>
+          </a:prstGeom>
+          <a:ln w="19050">
+            <a:tailEnd type="arrow"/>
+          </a:ln>
+        </p:spPr>
+        <p:style>
+          <a:lnRef idx="1">
+            <a:schemeClr val="accent1"/>
+          </a:lnRef>
+          <a:fillRef idx="0">
+            <a:schemeClr val="accent1"/>
+          </a:fillRef>
+          <a:effectRef idx="0">
+            <a:schemeClr val="accent1"/>
+          </a:effectRef>
+          <a:fontRef idx="minor">
+            <a:schemeClr val="tx1"/>
+          </a:fontRef>
+        </p:style>
+      </p:cxnSp>
+      <p:cxnSp>
+        <p:nvCxnSpPr>
+          <p:cNvPr id="121" name="Соединительная линия уступом 120"/>
+          <p:cNvCxnSpPr>
+            <a:stCxn id="37" idx="2"/>
+            <a:endCxn id="73" idx="0"/>
+          </p:cNvCxnSpPr>
+          <p:nvPr/>
+        </p:nvCxnSpPr>
+        <p:spPr>
+          <a:xfrm rot="5400000">
+            <a:off x="20029005" y="7833727"/>
+            <a:ext cx="2621742" cy="552822"/>
+          </a:xfrm>
+          <a:prstGeom prst="bentConnector3">
+            <a:avLst>
+              <a:gd name="adj1" fmla="val 5320"/>
+            </a:avLst>
+          </a:prstGeom>
+          <a:ln w="19050">
+            <a:tailEnd type="arrow"/>
+          </a:ln>
+        </p:spPr>
+        <p:style>
+          <a:lnRef idx="1">
+            <a:schemeClr val="accent1"/>
+          </a:lnRef>
+          <a:fillRef idx="0">
+            <a:schemeClr val="accent1"/>
+          </a:fillRef>
+          <a:effectRef idx="0">
+            <a:schemeClr val="accent1"/>
+          </a:effectRef>
+          <a:fontRef idx="minor">
+            <a:schemeClr val="tx1"/>
+          </a:fontRef>
+        </p:style>
+      </p:cxnSp>
+      <p:sp>
+        <p:nvSpPr>
+          <p:cNvPr id="125" name="Прямоугольник 124"/>
+          <p:cNvSpPr/>
+          <p:nvPr/>
+        </p:nvSpPr>
+        <p:spPr>
+          <a:xfrm>
+            <a:off x="23362577" y="4644738"/>
+            <a:ext cx="926325" cy="540000"/>
+          </a:xfrm>
+          <a:prstGeom prst="rect">
+            <a:avLst/>
+          </a:prstGeom>
+          <a:solidFill>
+            <a:schemeClr val="accent1">
+              <a:lumMod val="60000"/>
+              <a:lumOff val="40000"/>
+            </a:schemeClr>
+          </a:solidFill>
+          <a:ln w="19050"/>
+        </p:spPr>
+        <p:style>
+          <a:lnRef idx="2">
+            <a:schemeClr val="accent1"/>
+          </a:lnRef>
+          <a:fillRef idx="1">
+            <a:schemeClr val="lt1"/>
+          </a:fillRef>
+          <a:effectRef idx="0">
+            <a:schemeClr val="accent1"/>
+          </a:effectRef>
+          <a:fontRef idx="minor">
+            <a:schemeClr val="dk1"/>
+          </a:fontRef>
+        </p:style>
+        <p:txBody>
+          <a:bodyPr lIns="124733" tIns="62367" rIns="124733" bIns="62367" rtlCol="0" anchor="ctr"/>
+          <a:lstStyle/>
+          <a:p>
+            <a:pPr algn="ctr"/>
+            <a:r>
+              <a:rPr lang="ru-RU" sz="700" dirty="0" smtClean="0"/>
+              <a:t>Разрыв конкордата с Ватиканом</a:t>
+            </a:r>
+            <a:endParaRPr lang="ru-RU" sz="500" dirty="0"/>
+          </a:p>
+        </p:txBody>
+      </p:sp>
+      <p:cxnSp>
+        <p:nvCxnSpPr>
+          <p:cNvPr id="126" name="Соединительная линия уступом 125"/>
+          <p:cNvCxnSpPr>
+            <a:stCxn id="801" idx="2"/>
+            <a:endCxn id="125" idx="0"/>
+          </p:cNvCxnSpPr>
+          <p:nvPr/>
+        </p:nvCxnSpPr>
+        <p:spPr>
+          <a:xfrm rot="16200000" flipH="1">
+            <a:off x="22872038" y="3691036"/>
+            <a:ext cx="269292" cy="1638111"/>
+          </a:xfrm>
+          <a:prstGeom prst="bentConnector3">
+            <a:avLst>
+              <a:gd name="adj1" fmla="val 50000"/>
+            </a:avLst>
+          </a:prstGeom>
+          <a:ln w="19050">
+            <a:tailEnd type="arrow"/>
+          </a:ln>
+        </p:spPr>
+        <p:style>
+          <a:lnRef idx="1">
+            <a:schemeClr val="accent1"/>
+          </a:lnRef>
+          <a:fillRef idx="0">
+            <a:schemeClr val="accent1"/>
+          </a:fillRef>
+          <a:effectRef idx="0">
+            <a:schemeClr val="accent1"/>
+          </a:effectRef>
+          <a:fontRef idx="minor">
+            <a:schemeClr val="tx1"/>
+          </a:fontRef>
+        </p:style>
+      </p:cxnSp>
+      <p:sp>
+        <p:nvSpPr>
+          <p:cNvPr id="129" name="Прямоугольник 128"/>
+          <p:cNvSpPr/>
+          <p:nvPr/>
+        </p:nvSpPr>
+        <p:spPr>
+          <a:xfrm>
+            <a:off x="23361050" y="5437851"/>
+            <a:ext cx="926325" cy="540000"/>
+          </a:xfrm>
+          <a:prstGeom prst="rect">
+            <a:avLst/>
+          </a:prstGeom>
+          <a:solidFill>
+            <a:schemeClr val="accent1">
+              <a:lumMod val="60000"/>
+              <a:lumOff val="40000"/>
+            </a:schemeClr>
+          </a:solidFill>
+          <a:ln w="19050"/>
+        </p:spPr>
+        <p:style>
+          <a:lnRef idx="2">
+            <a:schemeClr val="accent1"/>
+          </a:lnRef>
+          <a:fillRef idx="1">
+            <a:schemeClr val="lt1"/>
+          </a:fillRef>
+          <a:effectRef idx="0">
+            <a:schemeClr val="accent1"/>
+          </a:effectRef>
+          <a:fontRef idx="minor">
+            <a:schemeClr val="dk1"/>
+          </a:fontRef>
+        </p:style>
+        <p:txBody>
+          <a:bodyPr lIns="124733" tIns="62367" rIns="124733" bIns="62367" rtlCol="0" anchor="ctr"/>
+          <a:lstStyle/>
+          <a:p>
+            <a:pPr algn="ctr"/>
+            <a:r>
+              <a:rPr lang="ru-RU" sz="700" dirty="0" smtClean="0"/>
+              <a:t>Секуляризация церковных земель</a:t>
+            </a:r>
+            <a:endParaRPr lang="ru-RU" sz="500" dirty="0"/>
+          </a:p>
+        </p:txBody>
+      </p:sp>
+      <p:cxnSp>
+        <p:nvCxnSpPr>
+          <p:cNvPr id="133" name="Соединительная линия уступом 132"/>
+          <p:cNvCxnSpPr>
+            <a:stCxn id="125" idx="2"/>
+            <a:endCxn id="129" idx="0"/>
+          </p:cNvCxnSpPr>
+          <p:nvPr/>
+        </p:nvCxnSpPr>
+        <p:spPr>
+          <a:xfrm rot="5400000">
+            <a:off x="23698421" y="5310531"/>
+            <a:ext cx="253113" cy="1527"/>
+          </a:xfrm>
+          <a:prstGeom prst="bentConnector3">
+            <a:avLst>
+              <a:gd name="adj1" fmla="val 50000"/>
+            </a:avLst>
+          </a:prstGeom>
+          <a:ln w="19050">
+            <a:tailEnd type="arrow"/>
+          </a:ln>
+        </p:spPr>
+        <p:style>
+          <a:lnRef idx="1">
+            <a:schemeClr val="accent1"/>
+          </a:lnRef>
+          <a:fillRef idx="0">
+            <a:schemeClr val="accent1"/>
+          </a:fillRef>
+          <a:effectRef idx="0">
+            <a:schemeClr val="accent1"/>
+          </a:effectRef>
+          <a:fontRef idx="minor">
+            <a:schemeClr val="tx1"/>
+          </a:fontRef>
+        </p:style>
+      </p:cxnSp>
+      <p:sp>
+        <p:nvSpPr>
+          <p:cNvPr id="136" name="Прямоугольник 135"/>
+          <p:cNvSpPr/>
+          <p:nvPr/>
+        </p:nvSpPr>
+        <p:spPr>
+          <a:xfrm>
+            <a:off x="18890398" y="7069267"/>
+            <a:ext cx="926325" cy="540000"/>
+          </a:xfrm>
+          <a:prstGeom prst="rect">
+            <a:avLst/>
+          </a:prstGeom>
+          <a:solidFill>
+            <a:schemeClr val="accent1">
+              <a:lumMod val="60000"/>
+              <a:lumOff val="40000"/>
+            </a:schemeClr>
+          </a:solidFill>
+          <a:ln w="19050"/>
+        </p:spPr>
+        <p:style>
+          <a:lnRef idx="2">
+            <a:schemeClr val="accent1"/>
+          </a:lnRef>
+          <a:fillRef idx="1">
+            <a:schemeClr val="lt1"/>
+          </a:fillRef>
+          <a:effectRef idx="0">
+            <a:schemeClr val="accent1"/>
+          </a:effectRef>
+          <a:fontRef idx="minor">
+            <a:schemeClr val="dk1"/>
+          </a:fontRef>
+        </p:style>
+        <p:txBody>
+          <a:bodyPr lIns="124733" tIns="62367" rIns="124733" bIns="62367" rtlCol="0" anchor="ctr"/>
+          <a:lstStyle/>
+          <a:p>
+            <a:pPr algn="ctr"/>
+            <a:r>
+              <a:rPr lang="ru-RU" sz="700" dirty="0" smtClean="0"/>
+              <a:t>Статус Галисии (автономия для Галисии)</a:t>
+            </a:r>
+            <a:endParaRPr lang="ru-RU" sz="700" dirty="0"/>
+          </a:p>
+        </p:txBody>
+      </p:sp>
+      <p:sp>
+        <p:nvSpPr>
+          <p:cNvPr id="137" name="Прямоугольник 136"/>
+          <p:cNvSpPr/>
+          <p:nvPr/>
+        </p:nvSpPr>
+        <p:spPr>
+          <a:xfrm>
+            <a:off x="18890397" y="7880393"/>
+            <a:ext cx="926325" cy="540000"/>
+          </a:xfrm>
+          <a:prstGeom prst="rect">
+            <a:avLst/>
+          </a:prstGeom>
+          <a:solidFill>
+            <a:schemeClr val="accent1">
+              <a:lumMod val="60000"/>
+              <a:lumOff val="40000"/>
+            </a:schemeClr>
+          </a:solidFill>
+          <a:ln w="19050"/>
+        </p:spPr>
+        <p:style>
+          <a:lnRef idx="2">
+            <a:schemeClr val="accent1"/>
+          </a:lnRef>
+          <a:fillRef idx="1">
+            <a:schemeClr val="lt1"/>
+          </a:fillRef>
+          <a:effectRef idx="0">
+            <a:schemeClr val="accent1"/>
+          </a:effectRef>
+          <a:fontRef idx="minor">
+            <a:schemeClr val="dk1"/>
+          </a:fontRef>
+        </p:style>
+        <p:txBody>
+          <a:bodyPr lIns="124733" tIns="62367" rIns="124733" bIns="62367" rtlCol="0" anchor="ctr"/>
+          <a:lstStyle/>
+          <a:p>
+            <a:pPr algn="ctr"/>
+            <a:endParaRPr lang="ru-RU" sz="700" dirty="0"/>
+          </a:p>
+        </p:txBody>
+      </p:sp>
+      <p:sp>
+        <p:nvSpPr>
+          <p:cNvPr id="138" name="Прямоугольник 137"/>
+          <p:cNvSpPr/>
+          <p:nvPr/>
+        </p:nvSpPr>
+        <p:spPr>
+          <a:xfrm>
+            <a:off x="18890398" y="8689267"/>
+            <a:ext cx="926325" cy="540000"/>
+          </a:xfrm>
+          <a:prstGeom prst="rect">
+            <a:avLst/>
+          </a:prstGeom>
+          <a:solidFill>
+            <a:schemeClr val="accent1">
+              <a:lumMod val="60000"/>
+              <a:lumOff val="40000"/>
+            </a:schemeClr>
+          </a:solidFill>
+          <a:ln w="19050"/>
+        </p:spPr>
+        <p:style>
+          <a:lnRef idx="2">
+            <a:schemeClr val="accent1"/>
+          </a:lnRef>
+          <a:fillRef idx="1">
+            <a:schemeClr val="lt1"/>
+          </a:fillRef>
+          <a:effectRef idx="0">
+            <a:schemeClr val="accent1"/>
+          </a:effectRef>
+          <a:fontRef idx="minor">
+            <a:schemeClr val="dk1"/>
+          </a:fontRef>
+        </p:style>
+        <p:txBody>
+          <a:bodyPr lIns="124733" tIns="62367" rIns="124733" bIns="62367" rtlCol="0" anchor="ctr"/>
+          <a:lstStyle/>
+          <a:p>
+            <a:pPr algn="ctr"/>
+            <a:endParaRPr lang="ru-RU" sz="700" dirty="0"/>
+          </a:p>
+        </p:txBody>
+      </p:sp>
+      <p:cxnSp>
+        <p:nvCxnSpPr>
+          <p:cNvPr id="139" name="Соединительная линия уступом 138"/>
+          <p:cNvCxnSpPr>
+            <a:stCxn id="136" idx="2"/>
+            <a:endCxn id="137" idx="0"/>
+          </p:cNvCxnSpPr>
+          <p:nvPr/>
+        </p:nvCxnSpPr>
+        <p:spPr>
+          <a:xfrm rot="5400000">
+            <a:off x="19217998" y="7744830"/>
+            <a:ext cx="271126" cy="1"/>
+          </a:xfrm>
+          <a:prstGeom prst="bentConnector3">
+            <a:avLst>
+              <a:gd name="adj1" fmla="val 50000"/>
+            </a:avLst>
+          </a:prstGeom>
+          <a:ln w="19050">
+            <a:tailEnd type="arrow"/>
+          </a:ln>
+        </p:spPr>
+        <p:style>
+          <a:lnRef idx="1">
+            <a:schemeClr val="accent1"/>
+          </a:lnRef>
+          <a:fillRef idx="0">
+            <a:schemeClr val="accent1"/>
+          </a:fillRef>
+          <a:effectRef idx="0">
+            <a:schemeClr val="accent1"/>
+          </a:effectRef>
+          <a:fontRef idx="minor">
+            <a:schemeClr val="tx1"/>
+          </a:fontRef>
+        </p:style>
+      </p:cxnSp>
+      <p:cxnSp>
+        <p:nvCxnSpPr>
+          <p:cNvPr id="140" name="Соединительная линия уступом 139"/>
+          <p:cNvCxnSpPr>
+            <a:stCxn id="137" idx="2"/>
+            <a:endCxn id="138" idx="0"/>
+          </p:cNvCxnSpPr>
+          <p:nvPr/>
+        </p:nvCxnSpPr>
+        <p:spPr>
+          <a:xfrm rot="16200000" flipH="1">
+            <a:off x="19219123" y="8554829"/>
+            <a:ext cx="268874" cy="1"/>
+          </a:xfrm>
+          <a:prstGeom prst="bentConnector3">
+            <a:avLst>
+              <a:gd name="adj1" fmla="val 50000"/>
+            </a:avLst>
+          </a:prstGeom>
+          <a:ln w="19050">
+            <a:tailEnd type="arrow"/>
+          </a:ln>
+        </p:spPr>
+        <p:style>
+          <a:lnRef idx="1">
+            <a:schemeClr val="accent1"/>
+          </a:lnRef>
+          <a:fillRef idx="0">
+            <a:schemeClr val="accent1"/>
+          </a:fillRef>
+          <a:effectRef idx="0">
+            <a:schemeClr val="accent1"/>
+          </a:effectRef>
+          <a:fontRef idx="minor">
+            <a:schemeClr val="tx1"/>
+          </a:fontRef>
+        </p:style>
+      </p:cxnSp>
+      <p:cxnSp>
+        <p:nvCxnSpPr>
+          <p:cNvPr id="141" name="Соединительная линия уступом 140"/>
+          <p:cNvCxnSpPr>
+            <a:stCxn id="37" idx="2"/>
+            <a:endCxn id="136" idx="0"/>
+          </p:cNvCxnSpPr>
+          <p:nvPr/>
+        </p:nvCxnSpPr>
+        <p:spPr>
+          <a:xfrm rot="5400000">
+            <a:off x="20349924" y="5802904"/>
+            <a:ext cx="270000" cy="2262726"/>
+          </a:xfrm>
+          <a:prstGeom prst="bentConnector3">
+            <a:avLst>
+              <a:gd name="adj1" fmla="val 50000"/>
+            </a:avLst>
+          </a:prstGeom>
+          <a:ln w="19050">
+            <a:tailEnd type="arrow"/>
+          </a:ln>
+        </p:spPr>
+        <p:style>
+          <a:lnRef idx="1">
+            <a:schemeClr val="accent1"/>
+          </a:lnRef>
+          <a:fillRef idx="0">
+            <a:schemeClr val="accent1"/>
+          </a:fillRef>
+          <a:effectRef idx="0">
+            <a:schemeClr val="accent1"/>
+          </a:effectRef>
+          <a:fontRef idx="minor">
+            <a:schemeClr val="tx1"/>
+          </a:fontRef>
+        </p:style>
+      </p:cxnSp>
+      <p:sp>
+        <p:nvSpPr>
+          <p:cNvPr id="144" name="Прямоугольник 143"/>
+          <p:cNvSpPr/>
+          <p:nvPr/>
+        </p:nvSpPr>
+        <p:spPr>
+          <a:xfrm>
+            <a:off x="19485995" y="9421009"/>
+            <a:ext cx="926325" cy="540000"/>
+          </a:xfrm>
+          <a:prstGeom prst="rect">
+            <a:avLst/>
+          </a:prstGeom>
+          <a:solidFill>
+            <a:schemeClr val="accent1">
+              <a:lumMod val="60000"/>
+              <a:lumOff val="40000"/>
+            </a:schemeClr>
+          </a:solidFill>
+          <a:ln w="19050"/>
+        </p:spPr>
+        <p:style>
+          <a:lnRef idx="2">
+            <a:schemeClr val="accent1"/>
+          </a:lnRef>
+          <a:fillRef idx="1">
+            <a:schemeClr val="lt1"/>
+          </a:fillRef>
+          <a:effectRef idx="0">
+            <a:schemeClr val="accent1"/>
+          </a:effectRef>
+          <a:fontRef idx="minor">
+            <a:schemeClr val="dk1"/>
+          </a:fontRef>
+        </p:style>
+        <p:txBody>
+          <a:bodyPr lIns="124733" tIns="62367" rIns="124733" bIns="62367" rtlCol="0" anchor="ctr"/>
+          <a:lstStyle/>
+          <a:p>
+            <a:pPr algn="ctr"/>
+            <a:r>
+              <a:rPr lang="ru-RU" sz="700" dirty="0" smtClean="0"/>
+              <a:t>Статус Арагона (автономия для Арагона)</a:t>
+            </a:r>
+            <a:endParaRPr lang="ru-RU" sz="700" dirty="0"/>
+          </a:p>
+        </p:txBody>
+      </p:sp>
+      <p:sp>
+        <p:nvSpPr>
+          <p:cNvPr id="145" name="Прямоугольник 144"/>
+          <p:cNvSpPr/>
+          <p:nvPr/>
+        </p:nvSpPr>
+        <p:spPr>
+          <a:xfrm>
+            <a:off x="19485994" y="10232135"/>
+            <a:ext cx="926325" cy="540000"/>
+          </a:xfrm>
+          <a:prstGeom prst="rect">
+            <a:avLst/>
+          </a:prstGeom>
+          <a:solidFill>
+            <a:schemeClr val="accent1">
+              <a:lumMod val="60000"/>
+              <a:lumOff val="40000"/>
+            </a:schemeClr>
+          </a:solidFill>
+          <a:ln w="19050"/>
+        </p:spPr>
+        <p:style>
+          <a:lnRef idx="2">
+            <a:schemeClr val="accent1"/>
+          </a:lnRef>
+          <a:fillRef idx="1">
+            <a:schemeClr val="lt1"/>
+          </a:fillRef>
+          <a:effectRef idx="0">
+            <a:schemeClr val="accent1"/>
+          </a:effectRef>
+          <a:fontRef idx="minor">
+            <a:schemeClr val="dk1"/>
+          </a:fontRef>
+        </p:style>
+        <p:txBody>
+          <a:bodyPr lIns="124733" tIns="62367" rIns="124733" bIns="62367" rtlCol="0" anchor="ctr"/>
+          <a:lstStyle/>
+          <a:p>
+            <a:pPr algn="ctr"/>
+            <a:endParaRPr lang="ru-RU" sz="700" dirty="0"/>
+          </a:p>
+        </p:txBody>
+      </p:sp>
+      <p:sp>
+        <p:nvSpPr>
+          <p:cNvPr id="146" name="Прямоугольник 145"/>
+          <p:cNvSpPr/>
+          <p:nvPr/>
+        </p:nvSpPr>
+        <p:spPr>
+          <a:xfrm>
+            <a:off x="19485995" y="11041009"/>
+            <a:ext cx="926325" cy="540000"/>
+          </a:xfrm>
+          <a:prstGeom prst="rect">
+            <a:avLst/>
+          </a:prstGeom>
+          <a:solidFill>
+            <a:schemeClr val="accent1">
+              <a:lumMod val="60000"/>
+              <a:lumOff val="40000"/>
+            </a:schemeClr>
+          </a:solidFill>
+          <a:ln w="19050"/>
+        </p:spPr>
+        <p:style>
+          <a:lnRef idx="2">
+            <a:schemeClr val="accent1"/>
+          </a:lnRef>
+          <a:fillRef idx="1">
+            <a:schemeClr val="lt1"/>
+          </a:fillRef>
+          <a:effectRef idx="0">
+            <a:schemeClr val="accent1"/>
+          </a:effectRef>
+          <a:fontRef idx="minor">
+            <a:schemeClr val="dk1"/>
+          </a:fontRef>
+        </p:style>
+        <p:txBody>
+          <a:bodyPr lIns="124733" tIns="62367" rIns="124733" bIns="62367" rtlCol="0" anchor="ctr"/>
+          <a:lstStyle/>
+          <a:p>
+            <a:pPr algn="ctr"/>
+            <a:endParaRPr lang="ru-RU" sz="700" dirty="0"/>
+          </a:p>
+        </p:txBody>
+      </p:sp>
+      <p:cxnSp>
+        <p:nvCxnSpPr>
+          <p:cNvPr id="147" name="Соединительная линия уступом 146"/>
+          <p:cNvCxnSpPr>
+            <a:stCxn id="144" idx="2"/>
+            <a:endCxn id="145" idx="0"/>
+          </p:cNvCxnSpPr>
+          <p:nvPr/>
+        </p:nvCxnSpPr>
+        <p:spPr>
+          <a:xfrm rot="5400000">
+            <a:off x="19813595" y="10096572"/>
+            <a:ext cx="271126" cy="1"/>
+          </a:xfrm>
+          <a:prstGeom prst="bentConnector3">
+            <a:avLst>
+              <a:gd name="adj1" fmla="val 50000"/>
+            </a:avLst>
+          </a:prstGeom>
+          <a:ln w="19050">
+            <a:tailEnd type="arrow"/>
+          </a:ln>
+        </p:spPr>
+        <p:style>
+          <a:lnRef idx="1">
+            <a:schemeClr val="accent1"/>
+          </a:lnRef>
+          <a:fillRef idx="0">
+            <a:schemeClr val="accent1"/>
+          </a:fillRef>
+          <a:effectRef idx="0">
+            <a:schemeClr val="accent1"/>
+          </a:effectRef>
+          <a:fontRef idx="minor">
+            <a:schemeClr val="tx1"/>
+          </a:fontRef>
+        </p:style>
+      </p:cxnSp>
+      <p:cxnSp>
+        <p:nvCxnSpPr>
+          <p:cNvPr id="148" name="Соединительная линия уступом 147"/>
+          <p:cNvCxnSpPr>
+            <a:stCxn id="145" idx="2"/>
+            <a:endCxn id="146" idx="0"/>
+          </p:cNvCxnSpPr>
+          <p:nvPr/>
+        </p:nvCxnSpPr>
+        <p:spPr>
+          <a:xfrm rot="16200000" flipH="1">
+            <a:off x="19814720" y="10906571"/>
+            <a:ext cx="268874" cy="1"/>
+          </a:xfrm>
+          <a:prstGeom prst="bentConnector3">
+            <a:avLst>
+              <a:gd name="adj1" fmla="val 50000"/>
+            </a:avLst>
+          </a:prstGeom>
+          <a:ln w="19050">
+            <a:tailEnd type="arrow"/>
+          </a:ln>
+        </p:spPr>
+        <p:style>
+          <a:lnRef idx="1">
+            <a:schemeClr val="accent1"/>
+          </a:lnRef>
+          <a:fillRef idx="0">
+            <a:schemeClr val="accent1"/>
+          </a:fillRef>
+          <a:effectRef idx="0">
+            <a:schemeClr val="accent1"/>
+          </a:effectRef>
+          <a:fontRef idx="minor">
+            <a:schemeClr val="tx1"/>
+          </a:fontRef>
+        </p:style>
+      </p:cxnSp>
+      <p:cxnSp>
+        <p:nvCxnSpPr>
+          <p:cNvPr id="149" name="Соединительная линия уступом 148"/>
+          <p:cNvCxnSpPr>
+            <a:stCxn id="37" idx="2"/>
+            <a:endCxn id="144" idx="0"/>
+          </p:cNvCxnSpPr>
+          <p:nvPr/>
+        </p:nvCxnSpPr>
+        <p:spPr>
+          <a:xfrm rot="5400000">
+            <a:off x="19471852" y="7276574"/>
+            <a:ext cx="2621742" cy="1667129"/>
+          </a:xfrm>
+          <a:prstGeom prst="bentConnector3">
+            <a:avLst>
+              <a:gd name="adj1" fmla="val 5320"/>
+            </a:avLst>
+          </a:prstGeom>
+          <a:ln w="19050">
+            <a:tailEnd type="arrow"/>
+          </a:ln>
+        </p:spPr>
+        <p:style>
+          <a:lnRef idx="1">
+            <a:schemeClr val="accent1"/>
+          </a:lnRef>
+          <a:fillRef idx="0">
+            <a:schemeClr val="accent1"/>
+          </a:fillRef>
+          <a:effectRef idx="0">
+            <a:schemeClr val="accent1"/>
+          </a:effectRef>
+          <a:fontRef idx="minor">
+            <a:schemeClr val="tx1"/>
+          </a:fontRef>
+        </p:style>
+      </p:cxnSp>
+      <p:sp>
+        <p:nvSpPr>
+          <p:cNvPr id="159" name="Прямоугольник 158"/>
+          <p:cNvSpPr/>
+          <p:nvPr/>
+        </p:nvSpPr>
+        <p:spPr>
+          <a:xfrm>
+            <a:off x="17735558" y="7069267"/>
+            <a:ext cx="926325" cy="540000"/>
+          </a:xfrm>
+          <a:prstGeom prst="rect">
+            <a:avLst/>
+          </a:prstGeom>
+          <a:solidFill>
+            <a:schemeClr val="accent1">
+              <a:lumMod val="60000"/>
+              <a:lumOff val="40000"/>
+            </a:schemeClr>
+          </a:solidFill>
+          <a:ln w="19050"/>
+        </p:spPr>
+        <p:style>
+          <a:lnRef idx="2">
+            <a:schemeClr val="accent1"/>
+          </a:lnRef>
+          <a:fillRef idx="1">
+            <a:schemeClr val="lt1"/>
+          </a:fillRef>
+          <a:effectRef idx="0">
+            <a:schemeClr val="accent1"/>
+          </a:effectRef>
+          <a:fontRef idx="minor">
+            <a:schemeClr val="dk1"/>
+          </a:fontRef>
+        </p:style>
+        <p:txBody>
+          <a:bodyPr lIns="124733" tIns="62367" rIns="124733" bIns="62367" rtlCol="0" anchor="ctr"/>
+          <a:lstStyle/>
+          <a:p>
+            <a:pPr algn="ctr"/>
+            <a:r>
+              <a:rPr lang="ru-RU" sz="700" dirty="0" smtClean="0"/>
+              <a:t>Статус Валенсии (автономия для Валенсии)</a:t>
+            </a:r>
+            <a:endParaRPr lang="ru-RU" sz="700" dirty="0"/>
+          </a:p>
+        </p:txBody>
+      </p:sp>
+      <p:sp>
+        <p:nvSpPr>
+          <p:cNvPr id="160" name="Прямоугольник 159"/>
+          <p:cNvSpPr/>
+          <p:nvPr/>
+        </p:nvSpPr>
+        <p:spPr>
+          <a:xfrm>
+            <a:off x="17735557" y="7880393"/>
+            <a:ext cx="926325" cy="540000"/>
+          </a:xfrm>
+          <a:prstGeom prst="rect">
+            <a:avLst/>
+          </a:prstGeom>
+          <a:solidFill>
+            <a:schemeClr val="accent1">
+              <a:lumMod val="60000"/>
+              <a:lumOff val="40000"/>
+            </a:schemeClr>
+          </a:solidFill>
+          <a:ln w="19050"/>
+        </p:spPr>
+        <p:style>
+          <a:lnRef idx="2">
+            <a:schemeClr val="accent1"/>
+          </a:lnRef>
+          <a:fillRef idx="1">
+            <a:schemeClr val="lt1"/>
+          </a:fillRef>
+          <a:effectRef idx="0">
+            <a:schemeClr val="accent1"/>
+          </a:effectRef>
+          <a:fontRef idx="minor">
+            <a:schemeClr val="dk1"/>
+          </a:fontRef>
+        </p:style>
+        <p:txBody>
+          <a:bodyPr lIns="124733" tIns="62367" rIns="124733" bIns="62367" rtlCol="0" anchor="ctr"/>
+          <a:lstStyle/>
+          <a:p>
+            <a:pPr algn="ctr"/>
+            <a:endParaRPr lang="ru-RU" sz="700" dirty="0"/>
+          </a:p>
+        </p:txBody>
+      </p:sp>
+      <p:sp>
+        <p:nvSpPr>
+          <p:cNvPr id="161" name="Прямоугольник 160"/>
+          <p:cNvSpPr/>
+          <p:nvPr/>
+        </p:nvSpPr>
+        <p:spPr>
+          <a:xfrm>
+            <a:off x="17735558" y="8689267"/>
+            <a:ext cx="926325" cy="540000"/>
+          </a:xfrm>
+          <a:prstGeom prst="rect">
+            <a:avLst/>
+          </a:prstGeom>
+          <a:solidFill>
+            <a:schemeClr val="accent1">
+              <a:lumMod val="60000"/>
+              <a:lumOff val="40000"/>
+            </a:schemeClr>
+          </a:solidFill>
+          <a:ln w="19050"/>
+        </p:spPr>
+        <p:style>
+          <a:lnRef idx="2">
+            <a:schemeClr val="accent1"/>
+          </a:lnRef>
+          <a:fillRef idx="1">
+            <a:schemeClr val="lt1"/>
+          </a:fillRef>
+          <a:effectRef idx="0">
+            <a:schemeClr val="accent1"/>
+          </a:effectRef>
+          <a:fontRef idx="minor">
+            <a:schemeClr val="dk1"/>
+          </a:fontRef>
+        </p:style>
+        <p:txBody>
+          <a:bodyPr lIns="124733" tIns="62367" rIns="124733" bIns="62367" rtlCol="0" anchor="ctr"/>
+          <a:lstStyle/>
+          <a:p>
+            <a:pPr algn="ctr"/>
+            <a:endParaRPr lang="ru-RU" sz="700" dirty="0"/>
+          </a:p>
+        </p:txBody>
+      </p:sp>
+      <p:cxnSp>
+        <p:nvCxnSpPr>
+          <p:cNvPr id="162" name="Соединительная линия уступом 161"/>
+          <p:cNvCxnSpPr>
+            <a:stCxn id="159" idx="2"/>
+            <a:endCxn id="160" idx="0"/>
+          </p:cNvCxnSpPr>
+          <p:nvPr/>
+        </p:nvCxnSpPr>
+        <p:spPr>
+          <a:xfrm rot="5400000">
+            <a:off x="18063158" y="7744830"/>
+            <a:ext cx="271126" cy="1"/>
+          </a:xfrm>
+          <a:prstGeom prst="bentConnector3">
+            <a:avLst>
+              <a:gd name="adj1" fmla="val 50000"/>
+            </a:avLst>
+          </a:prstGeom>
+          <a:ln w="19050">
+            <a:tailEnd type="arrow"/>
+          </a:ln>
+        </p:spPr>
+        <p:style>
+          <a:lnRef idx="1">
+            <a:schemeClr val="accent1"/>
+          </a:lnRef>
+          <a:fillRef idx="0">
+            <a:schemeClr val="accent1"/>
+          </a:fillRef>
+          <a:effectRef idx="0">
+            <a:schemeClr val="accent1"/>
+          </a:effectRef>
+          <a:fontRef idx="minor">
+            <a:schemeClr val="tx1"/>
+          </a:fontRef>
+        </p:style>
+      </p:cxnSp>
+      <p:cxnSp>
+        <p:nvCxnSpPr>
+          <p:cNvPr id="163" name="Соединительная линия уступом 162"/>
+          <p:cNvCxnSpPr>
+            <a:stCxn id="160" idx="2"/>
+            <a:endCxn id="161" idx="0"/>
+          </p:cNvCxnSpPr>
+          <p:nvPr/>
+        </p:nvCxnSpPr>
+        <p:spPr>
+          <a:xfrm rot="16200000" flipH="1">
+            <a:off x="18064283" y="8554829"/>
+            <a:ext cx="268874" cy="1"/>
+          </a:xfrm>
+          <a:prstGeom prst="bentConnector3">
+            <a:avLst>
+              <a:gd name="adj1" fmla="val 50000"/>
+            </a:avLst>
+          </a:prstGeom>
+          <a:ln w="19050">
+            <a:tailEnd type="arrow"/>
+          </a:ln>
+        </p:spPr>
+        <p:style>
+          <a:lnRef idx="1">
+            <a:schemeClr val="accent1"/>
+          </a:lnRef>
+          <a:fillRef idx="0">
+            <a:schemeClr val="accent1"/>
+          </a:fillRef>
+          <a:effectRef idx="0">
+            <a:schemeClr val="accent1"/>
+          </a:effectRef>
+          <a:fontRef idx="minor">
+            <a:schemeClr val="tx1"/>
+          </a:fontRef>
+        </p:style>
+      </p:cxnSp>
+      <p:cxnSp>
+        <p:nvCxnSpPr>
+          <p:cNvPr id="164" name="Соединительная линия уступом 163"/>
+          <p:cNvCxnSpPr>
+            <a:stCxn id="37" idx="2"/>
+            <a:endCxn id="159" idx="0"/>
+          </p:cNvCxnSpPr>
+          <p:nvPr/>
+        </p:nvCxnSpPr>
+        <p:spPr>
+          <a:xfrm rot="5400000">
+            <a:off x="19772504" y="5225484"/>
+            <a:ext cx="270000" cy="3417566"/>
+          </a:xfrm>
+          <a:prstGeom prst="bentConnector3">
+            <a:avLst>
+              <a:gd name="adj1" fmla="val 50000"/>
+            </a:avLst>
+          </a:prstGeom>
+          <a:ln w="19050">
+            <a:tailEnd type="arrow"/>
+          </a:ln>
+        </p:spPr>
+        <p:style>
+          <a:lnRef idx="1">
+            <a:schemeClr val="accent1"/>
+          </a:lnRef>
+          <a:fillRef idx="0">
+            <a:schemeClr val="accent1"/>
+          </a:fillRef>
+          <a:effectRef idx="0">
+            <a:schemeClr val="accent1"/>
+          </a:effectRef>
+          <a:fontRef idx="minor">
+            <a:schemeClr val="tx1"/>
+          </a:fontRef>
+        </p:style>
+      </p:cxnSp>
+      <p:sp>
+        <p:nvSpPr>
+          <p:cNvPr id="167" name="Прямоугольник 166"/>
+          <p:cNvSpPr/>
+          <p:nvPr/>
+        </p:nvSpPr>
+        <p:spPr>
+          <a:xfrm>
+            <a:off x="18323621" y="9427346"/>
+            <a:ext cx="926325" cy="540000"/>
+          </a:xfrm>
+          <a:prstGeom prst="rect">
+            <a:avLst/>
+          </a:prstGeom>
+          <a:solidFill>
+            <a:schemeClr val="accent1">
+              <a:lumMod val="60000"/>
+              <a:lumOff val="40000"/>
+            </a:schemeClr>
+          </a:solidFill>
+          <a:ln w="19050"/>
+        </p:spPr>
+        <p:style>
+          <a:lnRef idx="2">
+            <a:schemeClr val="accent1"/>
+          </a:lnRef>
+          <a:fillRef idx="1">
+            <a:schemeClr val="lt1"/>
+          </a:fillRef>
+          <a:effectRef idx="0">
+            <a:schemeClr val="accent1"/>
+          </a:effectRef>
+          <a:fontRef idx="minor">
+            <a:schemeClr val="dk1"/>
+          </a:fontRef>
+        </p:style>
+        <p:txBody>
+          <a:bodyPr lIns="124733" tIns="62367" rIns="124733" bIns="62367" rtlCol="0" anchor="ctr"/>
+          <a:lstStyle/>
+          <a:p>
+            <a:pPr algn="ctr"/>
+            <a:r>
+              <a:rPr lang="ru-RU" sz="700" dirty="0" smtClean="0"/>
+              <a:t>Статус </a:t>
+            </a:r>
+            <a:r>
+              <a:rPr lang="ru-RU" sz="700" dirty="0" err="1" smtClean="0"/>
+              <a:t>Сантандера</a:t>
+            </a:r>
+            <a:r>
+              <a:rPr lang="ru-RU" sz="700" dirty="0" smtClean="0"/>
+              <a:t> (автономия для </a:t>
+            </a:r>
+            <a:r>
+              <a:rPr lang="ru-RU" sz="700" dirty="0" err="1" smtClean="0"/>
+              <a:t>Сантандера</a:t>
+            </a:r>
+            <a:r>
+              <a:rPr lang="ru-RU" sz="700" dirty="0" smtClean="0"/>
+              <a:t>)</a:t>
+            </a:r>
+            <a:endParaRPr lang="ru-RU" sz="700" dirty="0"/>
+          </a:p>
+        </p:txBody>
+      </p:sp>
+      <p:sp>
+        <p:nvSpPr>
+          <p:cNvPr id="168" name="Прямоугольник 167"/>
+          <p:cNvSpPr/>
+          <p:nvPr/>
+        </p:nvSpPr>
+        <p:spPr>
+          <a:xfrm>
+            <a:off x="18323620" y="10238472"/>
+            <a:ext cx="926325" cy="540000"/>
+          </a:xfrm>
+          <a:prstGeom prst="rect">
+            <a:avLst/>
+          </a:prstGeom>
+          <a:solidFill>
+            <a:schemeClr val="accent1">
+              <a:lumMod val="60000"/>
+              <a:lumOff val="40000"/>
+            </a:schemeClr>
+          </a:solidFill>
+          <a:ln w="19050"/>
+        </p:spPr>
+        <p:style>
+          <a:lnRef idx="2">
+            <a:schemeClr val="accent1"/>
+          </a:lnRef>
+          <a:fillRef idx="1">
+            <a:schemeClr val="lt1"/>
+          </a:fillRef>
+          <a:effectRef idx="0">
+            <a:schemeClr val="accent1"/>
+          </a:effectRef>
+          <a:fontRef idx="minor">
+            <a:schemeClr val="dk1"/>
+          </a:fontRef>
+        </p:style>
+        <p:txBody>
+          <a:bodyPr lIns="124733" tIns="62367" rIns="124733" bIns="62367" rtlCol="0" anchor="ctr"/>
+          <a:lstStyle/>
+          <a:p>
+            <a:pPr algn="ctr"/>
+            <a:endParaRPr lang="ru-RU" sz="700" dirty="0"/>
+          </a:p>
+        </p:txBody>
+      </p:sp>
+      <p:sp>
+        <p:nvSpPr>
+          <p:cNvPr id="169" name="Прямоугольник 168"/>
+          <p:cNvSpPr/>
+          <p:nvPr/>
+        </p:nvSpPr>
+        <p:spPr>
+          <a:xfrm>
+            <a:off x="18323621" y="11047346"/>
+            <a:ext cx="926325" cy="540000"/>
+          </a:xfrm>
+          <a:prstGeom prst="rect">
+            <a:avLst/>
+          </a:prstGeom>
+          <a:solidFill>
+            <a:schemeClr val="accent1">
+              <a:lumMod val="60000"/>
+              <a:lumOff val="40000"/>
+            </a:schemeClr>
+          </a:solidFill>
+          <a:ln w="19050"/>
+        </p:spPr>
+        <p:style>
+          <a:lnRef idx="2">
+            <a:schemeClr val="accent1"/>
+          </a:lnRef>
+          <a:fillRef idx="1">
+            <a:schemeClr val="lt1"/>
+          </a:fillRef>
+          <a:effectRef idx="0">
+            <a:schemeClr val="accent1"/>
+          </a:effectRef>
+          <a:fontRef idx="minor">
+            <a:schemeClr val="dk1"/>
+          </a:fontRef>
+        </p:style>
+        <p:txBody>
+          <a:bodyPr lIns="124733" tIns="62367" rIns="124733" bIns="62367" rtlCol="0" anchor="ctr"/>
+          <a:lstStyle/>
+          <a:p>
+            <a:pPr algn="ctr"/>
+            <a:endParaRPr lang="ru-RU" sz="700" dirty="0"/>
+          </a:p>
+        </p:txBody>
+      </p:sp>
+      <p:cxnSp>
+        <p:nvCxnSpPr>
+          <p:cNvPr id="170" name="Соединительная линия уступом 169"/>
+          <p:cNvCxnSpPr>
+            <a:stCxn id="167" idx="2"/>
+            <a:endCxn id="168" idx="0"/>
+          </p:cNvCxnSpPr>
+          <p:nvPr/>
+        </p:nvCxnSpPr>
+        <p:spPr>
+          <a:xfrm rot="5400000">
+            <a:off x="18651221" y="10102909"/>
+            <a:ext cx="271126" cy="1"/>
+          </a:xfrm>
+          <a:prstGeom prst="bentConnector3">
+            <a:avLst>
+              <a:gd name="adj1" fmla="val 50000"/>
+            </a:avLst>
+          </a:prstGeom>
+          <a:ln w="19050">
+            <a:tailEnd type="arrow"/>
+          </a:ln>
+        </p:spPr>
+        <p:style>
+          <a:lnRef idx="1">
+            <a:schemeClr val="accent1"/>
+          </a:lnRef>
+          <a:fillRef idx="0">
+            <a:schemeClr val="accent1"/>
+          </a:fillRef>
+          <a:effectRef idx="0">
+            <a:schemeClr val="accent1"/>
+          </a:effectRef>
+          <a:fontRef idx="minor">
+            <a:schemeClr val="tx1"/>
+          </a:fontRef>
+        </p:style>
+      </p:cxnSp>
+      <p:cxnSp>
+        <p:nvCxnSpPr>
+          <p:cNvPr id="171" name="Соединительная линия уступом 170"/>
+          <p:cNvCxnSpPr>
+            <a:stCxn id="168" idx="2"/>
+            <a:endCxn id="169" idx="0"/>
+          </p:cNvCxnSpPr>
+          <p:nvPr/>
+        </p:nvCxnSpPr>
+        <p:spPr>
+          <a:xfrm rot="16200000" flipH="1">
+            <a:off x="18652346" y="10912908"/>
+            <a:ext cx="268874" cy="1"/>
+          </a:xfrm>
+          <a:prstGeom prst="bentConnector3">
+            <a:avLst>
+              <a:gd name="adj1" fmla="val 50000"/>
+            </a:avLst>
+          </a:prstGeom>
+          <a:ln w="19050">
+            <a:tailEnd type="arrow"/>
+          </a:ln>
+        </p:spPr>
+        <p:style>
+          <a:lnRef idx="1">
+            <a:schemeClr val="accent1"/>
+          </a:lnRef>
+          <a:fillRef idx="0">
+            <a:schemeClr val="accent1"/>
+          </a:fillRef>
+          <a:effectRef idx="0">
+            <a:schemeClr val="accent1"/>
+          </a:effectRef>
+          <a:fontRef idx="minor">
+            <a:schemeClr val="tx1"/>
+          </a:fontRef>
+        </p:style>
+      </p:cxnSp>
+      <p:cxnSp>
+        <p:nvCxnSpPr>
+          <p:cNvPr id="172" name="Соединительная линия уступом 171"/>
+          <p:cNvCxnSpPr>
+            <a:stCxn id="37" idx="2"/>
+            <a:endCxn id="167" idx="0"/>
+          </p:cNvCxnSpPr>
+          <p:nvPr/>
+        </p:nvCxnSpPr>
+        <p:spPr>
+          <a:xfrm rot="5400000">
+            <a:off x="18887497" y="6698555"/>
+            <a:ext cx="2628079" cy="2829503"/>
+          </a:xfrm>
+          <a:prstGeom prst="bentConnector3">
+            <a:avLst>
+              <a:gd name="adj1" fmla="val 4973"/>
+            </a:avLst>
           </a:prstGeom>
           <a:ln w="19050">
             <a:tailEnd type="arrow"/>

--- a/Наработки/диздоки/Испания/Испания левые.pptx
+++ b/Наработки/диздоки/Испания/Испания левые.pptx
@@ -5181,7 +5181,6 @@
               <a:rPr lang="ru-RU" sz="700" dirty="0"/>
               <a:t>)</a:t>
             </a:r>
-            <a:endParaRPr lang="ru-RU" sz="700" dirty="0"/>
           </a:p>
         </p:txBody>
       </p:sp>
@@ -5672,7 +5671,6 @@
               <a:rPr lang="ru-RU" sz="700" dirty="0"/>
               <a:t>Каталонии фишки</a:t>
             </a:r>
-            <a:endParaRPr lang="ru-RU" sz="700" dirty="0"/>
           </a:p>
         </p:txBody>
       </p:sp>
@@ -7541,6 +7539,277 @@
           </a:fontRef>
         </p:style>
       </p:cxnSp>
+      <p:sp>
+        <p:nvSpPr>
+          <p:cNvPr id="89" name="Прямоугольник 88"/>
+          <p:cNvSpPr/>
+          <p:nvPr/>
+        </p:nvSpPr>
+        <p:spPr>
+          <a:xfrm>
+            <a:off x="18949664" y="1398130"/>
+            <a:ext cx="926325" cy="540000"/>
+          </a:xfrm>
+          <a:prstGeom prst="rect">
+            <a:avLst/>
+          </a:prstGeom>
+          <a:solidFill>
+            <a:schemeClr val="accent1">
+              <a:lumMod val="60000"/>
+              <a:lumOff val="40000"/>
+            </a:schemeClr>
+          </a:solidFill>
+          <a:ln w="19050"/>
+        </p:spPr>
+        <p:style>
+          <a:lnRef idx="2">
+            <a:schemeClr val="accent1"/>
+          </a:lnRef>
+          <a:fillRef idx="1">
+            <a:schemeClr val="lt1"/>
+          </a:fillRef>
+          <a:effectRef idx="0">
+            <a:schemeClr val="accent1"/>
+          </a:effectRef>
+          <a:fontRef idx="minor">
+            <a:schemeClr val="dk1"/>
+          </a:fontRef>
+        </p:style>
+        <p:txBody>
+          <a:bodyPr lIns="124733" tIns="62367" rIns="124733" bIns="62367" rtlCol="0" anchor="ctr"/>
+          <a:lstStyle/>
+          <a:p>
+            <a:pPr algn="ctr"/>
+            <a:r>
+              <a:rPr lang="ru-RU" sz="200" dirty="0"/>
+              <a:t>Так что с течением времени Советский Союз отвечал на требования оказать помощь Испании лишь посылкой продовольствия и </a:t>
+            </a:r>
+            <a:r>
+              <a:rPr lang="ru-RU" sz="200" dirty="0" err="1"/>
+              <a:t>сырья.Кроме</a:t>
+            </a:r>
+            <a:r>
+              <a:rPr lang="ru-RU" sz="200" dirty="0"/>
+              <a:t> того, советские рабочие вносили «пожертвования» от своей зарплаты в помощь </a:t>
+            </a:r>
+            <a:r>
+              <a:rPr lang="ru-RU" sz="200" dirty="0" err="1"/>
+              <a:t>испан</a:t>
+            </a:r>
+            <a:r>
+              <a:rPr lang="ru-RU" sz="200" dirty="0"/>
+              <a:t>- </a:t>
+            </a:r>
+            <a:r>
+              <a:rPr lang="ru-RU" sz="200" dirty="0" err="1"/>
+              <a:t>цам</a:t>
+            </a:r>
+            <a:r>
+              <a:rPr lang="ru-RU" sz="200" dirty="0"/>
+              <a:t>. В то же время представители </a:t>
+            </a:r>
+            <a:r>
+              <a:rPr lang="ru-RU" sz="200" dirty="0" err="1"/>
+              <a:t>Комнитерна</a:t>
+            </a:r>
+            <a:r>
+              <a:rPr lang="ru-RU" sz="200" dirty="0"/>
+              <a:t> в Испании получили подкрепление. Пользуясь псевдонимами Альфред о и </a:t>
+            </a:r>
+            <a:r>
+              <a:rPr lang="ru-RU" sz="200" dirty="0" err="1"/>
+              <a:t>Эрколи</a:t>
+            </a:r>
+            <a:r>
+              <a:rPr lang="ru-RU" sz="200" dirty="0"/>
+              <a:t>, в Испанию прибыл умный лидер Итальянской </a:t>
+            </a:r>
+            <a:r>
+              <a:rPr lang="ru-RU" sz="200" dirty="0" err="1"/>
+              <a:t>коммуни</a:t>
+            </a:r>
+            <a:r>
+              <a:rPr lang="ru-RU" sz="200" dirty="0"/>
+              <a:t>- </a:t>
+            </a:r>
+            <a:r>
+              <a:rPr lang="ru-RU" sz="200" dirty="0" err="1"/>
+              <a:t>стической</a:t>
+            </a:r>
+            <a:r>
+              <a:rPr lang="ru-RU" sz="200" dirty="0"/>
+              <a:t> партии в изгнании </a:t>
+            </a:r>
+            <a:r>
+              <a:rPr lang="ru-RU" sz="200" dirty="0" err="1"/>
+              <a:t>Пальмиро</a:t>
+            </a:r>
+            <a:r>
+              <a:rPr lang="ru-RU" sz="200" dirty="0"/>
+              <a:t> Тольятти, которому предстояло руководить тактикой Испанской коммунистической партии6. Какое-то время ему сопутствовал французский ком- </a:t>
+            </a:r>
+            <a:r>
+              <a:rPr lang="ru-RU" sz="200" dirty="0" err="1"/>
+              <a:t>мунист</a:t>
+            </a:r>
+            <a:r>
+              <a:rPr lang="ru-RU" sz="200" dirty="0"/>
+              <a:t> Жак </a:t>
+            </a:r>
+            <a:r>
+              <a:rPr lang="ru-RU" sz="200" dirty="0" err="1"/>
+              <a:t>Дюкло</a:t>
+            </a:r>
+            <a:r>
+              <a:rPr lang="ru-RU" sz="200" dirty="0"/>
+              <a:t>. Прибыл в Испанию военным советником милиции испанских </a:t>
+            </a:r>
+            <a:r>
+              <a:rPr lang="ru-RU" sz="200" dirty="0" err="1"/>
+              <a:t>коммуни</a:t>
+            </a:r>
+            <a:r>
+              <a:rPr lang="ru-RU" sz="200" dirty="0"/>
+              <a:t>- </a:t>
+            </a:r>
+            <a:r>
+              <a:rPr lang="ru-RU" sz="200" dirty="0" err="1"/>
+              <a:t>стов</a:t>
+            </a:r>
+            <a:r>
+              <a:rPr lang="ru-RU" sz="200" dirty="0"/>
+              <a:t> (под псевдонимом Карлос </a:t>
+            </a:r>
+            <a:r>
+              <a:rPr lang="ru-RU" sz="200" dirty="0" err="1"/>
+              <a:t>Контрерас</a:t>
+            </a:r>
+            <a:r>
+              <a:rPr lang="ru-RU" sz="200" dirty="0"/>
+              <a:t>) и </a:t>
+            </a:r>
+            <a:r>
+              <a:rPr lang="ru-RU" sz="200" dirty="0" err="1"/>
+              <a:t>Витторио</a:t>
+            </a:r>
+            <a:r>
+              <a:rPr lang="ru-RU" sz="200" dirty="0"/>
+              <a:t> Видали, другой итальянский комму- </a:t>
+            </a:r>
+            <a:r>
+              <a:rPr lang="ru-RU" sz="200" dirty="0" err="1"/>
+              <a:t>нист</a:t>
+            </a:r>
+            <a:r>
+              <a:rPr lang="ru-RU" sz="200" dirty="0"/>
+              <a:t>, который много лет вел революционную деятельность в Соединенных Штатах.</a:t>
+            </a:r>
+          </a:p>
+        </p:txBody>
+      </p:sp>
+      <p:sp>
+        <p:nvSpPr>
+          <p:cNvPr id="91" name="Прямоугольник 90"/>
+          <p:cNvSpPr/>
+          <p:nvPr/>
+        </p:nvSpPr>
+        <p:spPr>
+          <a:xfrm>
+            <a:off x="20131458" y="1398130"/>
+            <a:ext cx="926325" cy="540000"/>
+          </a:xfrm>
+          <a:prstGeom prst="rect">
+            <a:avLst/>
+          </a:prstGeom>
+          <a:solidFill>
+            <a:schemeClr val="accent1">
+              <a:lumMod val="60000"/>
+              <a:lumOff val="40000"/>
+            </a:schemeClr>
+          </a:solidFill>
+          <a:ln w="19050"/>
+        </p:spPr>
+        <p:style>
+          <a:lnRef idx="2">
+            <a:schemeClr val="accent1"/>
+          </a:lnRef>
+          <a:fillRef idx="1">
+            <a:schemeClr val="lt1"/>
+          </a:fillRef>
+          <a:effectRef idx="0">
+            <a:schemeClr val="accent1"/>
+          </a:effectRef>
+          <a:fontRef idx="minor">
+            <a:schemeClr val="dk1"/>
+          </a:fontRef>
+        </p:style>
+        <p:txBody>
+          <a:bodyPr lIns="124733" tIns="62367" rIns="124733" bIns="62367" rtlCol="0" anchor="ctr"/>
+          <a:lstStyle/>
+          <a:p>
+            <a:pPr algn="ctr"/>
+            <a:r>
+              <a:rPr lang="ru-RU" sz="300" dirty="0"/>
+              <a:t>Степанов с </a:t>
+            </a:r>
+            <a:r>
+              <a:rPr lang="ru-RU" sz="300" dirty="0" err="1"/>
+              <a:t>Кодовильей</a:t>
+            </a:r>
+            <a:r>
+              <a:rPr lang="ru-RU" sz="300" dirty="0"/>
+              <a:t>, еще два представителя Коминтерна, также провели в </a:t>
+            </a:r>
+            <a:r>
+              <a:rPr lang="ru-RU" sz="300" dirty="0" err="1"/>
+              <a:t>Испа</a:t>
+            </a:r>
+            <a:r>
+              <a:rPr lang="ru-RU" sz="300" dirty="0"/>
+              <a:t>- </a:t>
+            </a:r>
+            <a:r>
+              <a:rPr lang="ru-RU" sz="300" dirty="0" err="1"/>
+              <a:t>нии</a:t>
+            </a:r>
+            <a:r>
+              <a:rPr lang="ru-RU" sz="300" dirty="0"/>
+              <a:t> какое-то время. Таким образом, Сталин был весьма основательно представлен в Испании.</a:t>
+            </a:r>
+          </a:p>
+          <a:p>
+            <a:pPr algn="ctr"/>
+            <a:r>
+              <a:rPr lang="ru-RU" sz="300" dirty="0"/>
+              <a:t>И Испанской коммунистической партией, по сути, руководили не Хосе </a:t>
+            </a:r>
+            <a:r>
+              <a:rPr lang="ru-RU" sz="300" dirty="0" err="1"/>
+              <a:t>Диас</a:t>
+            </a:r>
+            <a:r>
+              <a:rPr lang="ru-RU" sz="300" dirty="0"/>
+              <a:t> или </a:t>
+            </a:r>
+            <a:r>
+              <a:rPr lang="ru-RU" sz="300" dirty="0" err="1"/>
+              <a:t>Пассиона</a:t>
+            </a:r>
+            <a:r>
+              <a:rPr lang="ru-RU" sz="300" dirty="0"/>
+              <a:t>- </a:t>
+            </a:r>
+            <a:r>
+              <a:rPr lang="ru-RU" sz="300" dirty="0" err="1"/>
+              <a:t>рия</a:t>
+            </a:r>
+            <a:r>
+              <a:rPr lang="ru-RU" sz="300" dirty="0"/>
+              <a:t>, а гораздо более искусный политический тактик Тольятти7.</a:t>
+            </a:r>
+          </a:p>
+        </p:txBody>
+      </p:sp>
     </p:spTree>
     <p:extLst>
       <p:ext uri="{BB962C8B-B14F-4D97-AF65-F5344CB8AC3E}">

--- a/Наработки/диздоки/Испания/Испания левые.pptx
+++ b/Наработки/диздоки/Испания/Испания левые.pptx
@@ -6380,9 +6380,21 @@
             <a:pPr algn="ctr"/>
             <a:r>
               <a:rPr lang="ru-RU" sz="700" dirty="0" smtClean="0"/>
-              <a:t>Разрыв конкордата с Ватиканом</a:t>
-            </a:r>
-            <a:endParaRPr lang="ru-RU" sz="500" dirty="0"/>
+              <a:t>Разрыв конкордата с </a:t>
+            </a:r>
+            <a:r>
+              <a:rPr lang="ru-RU" sz="700" dirty="0" smtClean="0"/>
+              <a:t>Ватиканом </a:t>
+            </a:r>
+            <a:r>
+              <a:rPr lang="ru-RU" sz="600" dirty="0"/>
+              <a:t>(наше</a:t>
+            </a:r>
+            <a:r>
+              <a:rPr lang="ru-RU" sz="600" dirty="0" smtClean="0"/>
+              <a:t>)</a:t>
+            </a:r>
+            <a:endParaRPr lang="ru-RU" sz="400" dirty="0"/>
           </a:p>
         </p:txBody>
       </p:sp>
@@ -6467,9 +6479,21 @@
             <a:pPr algn="ctr"/>
             <a:r>
               <a:rPr lang="ru-RU" sz="700" dirty="0" smtClean="0"/>
-              <a:t>Секуляризация церковных земель</a:t>
-            </a:r>
-            <a:endParaRPr lang="ru-RU" sz="500" dirty="0"/>
+              <a:t>Секуляризация церковных </a:t>
+            </a:r>
+            <a:r>
+              <a:rPr lang="ru-RU" sz="700" dirty="0" smtClean="0"/>
+              <a:t>земель </a:t>
+            </a:r>
+            <a:r>
+              <a:rPr lang="ru-RU" sz="600" dirty="0"/>
+              <a:t>(наше</a:t>
+            </a:r>
+            <a:r>
+              <a:rPr lang="ru-RU" sz="600" dirty="0" smtClean="0"/>
+              <a:t>)</a:t>
+            </a:r>
+            <a:endParaRPr lang="ru-RU" sz="400" dirty="0"/>
           </a:p>
         </p:txBody>
       </p:sp>
@@ -7806,6 +7830,173 @@
             <a:r>
               <a:rPr lang="ru-RU" sz="300" dirty="0"/>
               <a:t>, а гораздо более искусный политический тактик Тольятти7.</a:t>
+            </a:r>
+          </a:p>
+        </p:txBody>
+      </p:sp>
+      <p:sp>
+        <p:nvSpPr>
+          <p:cNvPr id="92" name="Прямоугольник 91"/>
+          <p:cNvSpPr/>
+          <p:nvPr/>
+        </p:nvSpPr>
+        <p:spPr>
+          <a:xfrm>
+            <a:off x="25068689" y="7021642"/>
+            <a:ext cx="926325" cy="540000"/>
+          </a:xfrm>
+          <a:prstGeom prst="rect">
+            <a:avLst/>
+          </a:prstGeom>
+          <a:solidFill>
+            <a:srgbClr val="FF0000"/>
+          </a:solidFill>
+          <a:ln w="19050"/>
+        </p:spPr>
+        <p:style>
+          <a:lnRef idx="2">
+            <a:schemeClr val="accent1"/>
+          </a:lnRef>
+          <a:fillRef idx="1">
+            <a:schemeClr val="lt1"/>
+          </a:fillRef>
+          <a:effectRef idx="0">
+            <a:schemeClr val="accent1"/>
+          </a:effectRef>
+          <a:fontRef idx="minor">
+            <a:schemeClr val="dk1"/>
+          </a:fontRef>
+        </p:style>
+        <p:txBody>
+          <a:bodyPr lIns="124733" tIns="62367" rIns="124733" bIns="62367" rtlCol="0" anchor="ctr"/>
+          <a:lstStyle/>
+          <a:p>
+            <a:pPr algn="ctr"/>
+            <a:r>
+              <a:rPr lang="ru-RU" sz="700" dirty="0" smtClean="0"/>
+              <a:t>Сформировать пятый батальон </a:t>
+            </a:r>
+            <a:r>
+              <a:rPr lang="ru-RU" sz="100" dirty="0"/>
+              <a:t>(Тем не менее, среди республиканских частей в </a:t>
+            </a:r>
+            <a:r>
+              <a:rPr lang="ru-RU" sz="100" dirty="0" err="1"/>
+              <a:t>Сьеррассамой</a:t>
+            </a:r>
+            <a:r>
+              <a:rPr lang="ru-RU" sz="100" dirty="0"/>
+              <a:t> знаменитой был Пятый полк, созданный коммунистической партией. Он получил </a:t>
+            </a:r>
+            <a:r>
+              <a:rPr lang="ru-RU" sz="100" dirty="0" err="1"/>
+              <a:t>такоеназвание</a:t>
+            </a:r>
+            <a:r>
+              <a:rPr lang="ru-RU" sz="100" dirty="0"/>
+              <a:t> потому, что обычно в Мадриде стояли четыре полка. Коммунисты с самого </a:t>
+            </a:r>
+            <a:r>
+              <a:rPr lang="ru-RU" sz="100" dirty="0" err="1"/>
+              <a:t>началасоздали</a:t>
+            </a:r>
+            <a:r>
+              <a:rPr lang="ru-RU" sz="100" dirty="0"/>
+              <a:t> четкую военную организацию полка, противопоставив ее разболтанному революционному энтузиазму </a:t>
+            </a:r>
+            <a:r>
+              <a:rPr lang="ru-RU" sz="100" dirty="0" err="1"/>
+              <a:t>милиции.Основу</a:t>
+            </a:r>
+            <a:r>
+              <a:rPr lang="ru-RU" sz="100" dirty="0"/>
+              <a:t> Пятого полка составляла социалистическая и коммунистическая молодежь, </a:t>
+            </a:r>
+            <a:r>
+              <a:rPr lang="ru-RU" sz="100" dirty="0" err="1"/>
+              <a:t>нои</a:t>
+            </a:r>
+            <a:r>
+              <a:rPr lang="ru-RU" sz="100" dirty="0"/>
+              <a:t> остальные присоединялись к нему, откликнувшись на призывы </a:t>
+            </a:r>
+            <a:r>
+              <a:rPr lang="ru-RU" sz="100" dirty="0" err="1"/>
+              <a:t>Пассионарии</a:t>
+            </a:r>
+            <a:r>
+              <a:rPr lang="ru-RU" sz="100" dirty="0"/>
+              <a:t>) Духовной силой полка был итальянский коммунист Видали (Карлос </a:t>
+            </a:r>
+            <a:r>
+              <a:rPr lang="ru-RU" sz="100" dirty="0" err="1"/>
+              <a:t>Контрерас</a:t>
+            </a:r>
+            <a:r>
+              <a:rPr lang="ru-RU" sz="100" dirty="0"/>
+              <a:t>).Безжалостный в той же мере, как и решительный и энергичный, он пользовался </a:t>
+            </a:r>
+            <a:r>
+              <a:rPr lang="ru-RU" sz="100" dirty="0" err="1"/>
+              <a:t>репутациейчеловека</a:t>
+            </a:r>
+            <a:r>
+              <a:rPr lang="ru-RU" sz="100" dirty="0"/>
+              <a:t>, который лично расстреливал трусов, и в то же время включил в состав Пятого </a:t>
+            </a:r>
+            <a:r>
+              <a:rPr lang="ru-RU" sz="100" dirty="0" err="1"/>
+              <a:t>полкамадридский</a:t>
+            </a:r>
+            <a:r>
+              <a:rPr lang="ru-RU" sz="100" dirty="0"/>
+              <a:t> муниципальный оркестр, под маршевые мелодии которого полк чеканил шаг.</a:t>
+            </a:r>
+            <a:endParaRPr lang="ru-RU" sz="100" dirty="0"/>
+          </a:p>
+        </p:txBody>
+      </p:sp>
+      <p:sp>
+        <p:nvSpPr>
+          <p:cNvPr id="97" name="Прямоугольник 96"/>
+          <p:cNvSpPr/>
+          <p:nvPr/>
+        </p:nvSpPr>
+        <p:spPr>
+          <a:xfrm>
+            <a:off x="23963872" y="7021642"/>
+            <a:ext cx="926325" cy="540000"/>
+          </a:xfrm>
+          <a:prstGeom prst="rect">
+            <a:avLst/>
+          </a:prstGeom>
+          <a:solidFill>
+            <a:srgbClr val="FF0000"/>
+          </a:solidFill>
+          <a:ln w="19050"/>
+        </p:spPr>
+        <p:style>
+          <a:lnRef idx="2">
+            <a:schemeClr val="accent1"/>
+          </a:lnRef>
+          <a:fillRef idx="1">
+            <a:schemeClr val="lt1"/>
+          </a:fillRef>
+          <a:effectRef idx="0">
+            <a:schemeClr val="accent1"/>
+          </a:effectRef>
+          <a:fontRef idx="minor">
+            <a:schemeClr val="dk1"/>
+          </a:fontRef>
+        </p:style>
+        <p:txBody>
+          <a:bodyPr lIns="124733" tIns="62367" rIns="124733" bIns="62367" rtlCol="0" anchor="ctr"/>
+          <a:lstStyle/>
+          <a:p>
+            <a:pPr algn="ctr"/>
+            <a:r>
+              <a:rPr lang="ru-RU" sz="700" dirty="0" smtClean="0"/>
+              <a:t>Социалистическая и коммунистическая молодёжь</a:t>
             </a:r>
           </a:p>
         </p:txBody>

--- a/Наработки/диздоки/Испания/Испания левые.pptx
+++ b/Наработки/диздоки/Испания/Испания левые.pptx
@@ -209,7 +209,7 @@
             <a:fld id="{33E3D7F9-E251-484C-A6FF-FA958879DF69}" type="datetimeFigureOut">
               <a:rPr lang="ru-RU" smtClean="0"/>
               <a:pPr/>
-              <a:t>16.09.2021</a:t>
+              <a:t>27.09.2021</a:t>
             </a:fld>
             <a:endParaRPr lang="ru-RU"/>
           </a:p>
@@ -700,7 +700,7 @@
             <a:fld id="{85A5DE44-605B-4D3B-B2B7-94543DF81A36}" type="datetimeFigureOut">
               <a:rPr lang="ru-RU" smtClean="0"/>
               <a:pPr/>
-              <a:t>16.09.2021</a:t>
+              <a:t>27.09.2021</a:t>
             </a:fld>
             <a:endParaRPr lang="ru-RU"/>
           </a:p>
@@ -872,7 +872,7 @@
             <a:fld id="{85A5DE44-605B-4D3B-B2B7-94543DF81A36}" type="datetimeFigureOut">
               <a:rPr lang="ru-RU" smtClean="0"/>
               <a:pPr/>
-              <a:t>16.09.2021</a:t>
+              <a:t>27.09.2021</a:t>
             </a:fld>
             <a:endParaRPr lang="ru-RU"/>
           </a:p>
@@ -1054,7 +1054,7 @@
             <a:fld id="{85A5DE44-605B-4D3B-B2B7-94543DF81A36}" type="datetimeFigureOut">
               <a:rPr lang="ru-RU" smtClean="0"/>
               <a:pPr/>
-              <a:t>16.09.2021</a:t>
+              <a:t>27.09.2021</a:t>
             </a:fld>
             <a:endParaRPr lang="ru-RU"/>
           </a:p>
@@ -1226,7 +1226,7 @@
             <a:fld id="{85A5DE44-605B-4D3B-B2B7-94543DF81A36}" type="datetimeFigureOut">
               <a:rPr lang="ru-RU" smtClean="0"/>
               <a:pPr/>
-              <a:t>16.09.2021</a:t>
+              <a:t>27.09.2021</a:t>
             </a:fld>
             <a:endParaRPr lang="ru-RU"/>
           </a:p>
@@ -1474,7 +1474,7 @@
             <a:fld id="{85A5DE44-605B-4D3B-B2B7-94543DF81A36}" type="datetimeFigureOut">
               <a:rPr lang="ru-RU" smtClean="0"/>
               <a:pPr/>
-              <a:t>16.09.2021</a:t>
+              <a:t>27.09.2021</a:t>
             </a:fld>
             <a:endParaRPr lang="ru-RU"/>
           </a:p>
@@ -1708,7 +1708,7 @@
             <a:fld id="{85A5DE44-605B-4D3B-B2B7-94543DF81A36}" type="datetimeFigureOut">
               <a:rPr lang="ru-RU" smtClean="0"/>
               <a:pPr/>
-              <a:t>16.09.2021</a:t>
+              <a:t>27.09.2021</a:t>
             </a:fld>
             <a:endParaRPr lang="ru-RU"/>
           </a:p>
@@ -2077,7 +2077,7 @@
             <a:fld id="{85A5DE44-605B-4D3B-B2B7-94543DF81A36}" type="datetimeFigureOut">
               <a:rPr lang="ru-RU" smtClean="0"/>
               <a:pPr/>
-              <a:t>16.09.2021</a:t>
+              <a:t>27.09.2021</a:t>
             </a:fld>
             <a:endParaRPr lang="ru-RU"/>
           </a:p>
@@ -2197,7 +2197,7 @@
             <a:fld id="{85A5DE44-605B-4D3B-B2B7-94543DF81A36}" type="datetimeFigureOut">
               <a:rPr lang="ru-RU" smtClean="0"/>
               <a:pPr/>
-              <a:t>16.09.2021</a:t>
+              <a:t>27.09.2021</a:t>
             </a:fld>
             <a:endParaRPr lang="ru-RU"/>
           </a:p>
@@ -2294,7 +2294,7 @@
             <a:fld id="{85A5DE44-605B-4D3B-B2B7-94543DF81A36}" type="datetimeFigureOut">
               <a:rPr lang="ru-RU" smtClean="0"/>
               <a:pPr/>
-              <a:t>16.09.2021</a:t>
+              <a:t>27.09.2021</a:t>
             </a:fld>
             <a:endParaRPr lang="ru-RU"/>
           </a:p>
@@ -2573,7 +2573,7 @@
             <a:fld id="{85A5DE44-605B-4D3B-B2B7-94543DF81A36}" type="datetimeFigureOut">
               <a:rPr lang="ru-RU" smtClean="0"/>
               <a:pPr/>
-              <a:t>16.09.2021</a:t>
+              <a:t>27.09.2021</a:t>
             </a:fld>
             <a:endParaRPr lang="ru-RU"/>
           </a:p>
@@ -2832,7 +2832,7 @@
             <a:fld id="{85A5DE44-605B-4D3B-B2B7-94543DF81A36}" type="datetimeFigureOut">
               <a:rPr lang="ru-RU" smtClean="0"/>
               <a:pPr/>
-              <a:t>16.09.2021</a:t>
+              <a:t>27.09.2021</a:t>
             </a:fld>
             <a:endParaRPr lang="ru-RU"/>
           </a:p>
@@ -3047,7 +3047,7 @@
             <a:fld id="{85A5DE44-605B-4D3B-B2B7-94543DF81A36}" type="datetimeFigureOut">
               <a:rPr lang="ru-RU" smtClean="0"/>
               <a:pPr/>
-              <a:t>16.09.2021</a:t>
+              <a:t>27.09.2021</a:t>
             </a:fld>
             <a:endParaRPr lang="ru-RU"/>
           </a:p>
@@ -3507,8 +3507,8 @@
         </p:nvCxnSpPr>
         <p:spPr>
           <a:xfrm rot="16200000" flipH="1">
-            <a:off x="23993161" y="2569913"/>
-            <a:ext cx="265236" cy="3876301"/>
+            <a:off x="23995673" y="2567401"/>
+            <a:ext cx="260212" cy="3876301"/>
           </a:xfrm>
           <a:prstGeom prst="bentConnector3">
             <a:avLst>
@@ -3572,42 +3572,6 @@
           </a:fontRef>
         </p:style>
       </p:cxnSp>
-      <p:cxnSp>
-        <p:nvCxnSpPr>
-          <p:cNvPr id="826" name="Соединительная линия уступом 825"/>
-          <p:cNvCxnSpPr/>
-          <p:nvPr/>
-        </p:nvCxnSpPr>
-        <p:spPr>
-          <a:xfrm rot="16200000" flipH="1">
-            <a:off x="16003394" y="1102284"/>
-            <a:ext cx="3300637" cy="1554837"/>
-          </a:xfrm>
-          <a:prstGeom prst="bentConnector3">
-            <a:avLst>
-              <a:gd name="adj1" fmla="val 50000"/>
-            </a:avLst>
-          </a:prstGeom>
-          <a:ln w="19050">
-            <a:prstDash val="dash"/>
-            <a:tailEnd type="arrow"/>
-          </a:ln>
-        </p:spPr>
-        <p:style>
-          <a:lnRef idx="1">
-            <a:schemeClr val="accent1"/>
-          </a:lnRef>
-          <a:fillRef idx="0">
-            <a:schemeClr val="accent1"/>
-          </a:fillRef>
-          <a:effectRef idx="0">
-            <a:schemeClr val="accent1"/>
-          </a:effectRef>
-          <a:fontRef idx="minor">
-            <a:schemeClr val="tx1"/>
-          </a:fontRef>
-        </p:style>
-      </p:cxnSp>
       <p:sp>
         <p:nvSpPr>
           <p:cNvPr id="801" name="Прямоугольник 800"/>
@@ -3836,7 +3800,7 @@
         </p:nvSpPr>
         <p:spPr>
           <a:xfrm>
-            <a:off x="25600767" y="4640682"/>
+            <a:off x="25600767" y="4635658"/>
             <a:ext cx="926325" cy="540000"/>
           </a:xfrm>
           <a:prstGeom prst="rect">
@@ -4704,8 +4668,8 @@
         </p:nvCxnSpPr>
         <p:spPr>
           <a:xfrm rot="5400000">
-            <a:off x="25665414" y="5047120"/>
-            <a:ext cx="264954" cy="532078"/>
+            <a:off x="25662902" y="5044608"/>
+            <a:ext cx="269978" cy="532078"/>
           </a:xfrm>
           <a:prstGeom prst="bentConnector3">
             <a:avLst>
@@ -5796,7 +5760,7 @@
         </p:nvSpPr>
         <p:spPr>
           <a:xfrm>
-            <a:off x="18323621" y="6259267"/>
+            <a:off x="17191500" y="6264484"/>
             <a:ext cx="926325" cy="540000"/>
           </a:xfrm>
           <a:prstGeom prst="rect">
@@ -5831,9 +5795,21 @@
             <a:pPr algn="ctr"/>
             <a:r>
               <a:rPr lang="ru-RU" sz="700" dirty="0" smtClean="0"/>
-              <a:t>Создание кооперативов (наше, но эффект под вопросом)</a:t>
-            </a:r>
-            <a:endParaRPr lang="ru-RU" sz="500" dirty="0"/>
+              <a:t>Создание кооперативов (наше, но эффект под вопросом) </a:t>
+            </a:r>
+            <a:r>
+              <a:rPr lang="ru-RU" sz="100" dirty="0" smtClean="0"/>
+              <a:t>(</a:t>
+            </a:r>
+            <a:r>
+              <a:rPr lang="ru-RU" sz="100" dirty="0"/>
+              <a:t>В промышленности, несмотря на трудный компромисс в тех концернах, которые продолжали номинально находиться в частном владении4 , рост производства увеличился на 30– 50 процентов, особенно в тех отраслях (например, в текстильной), которые работали непосредственно на войну</a:t>
+            </a:r>
+            <a:r>
+              <a:rPr lang="ru-RU" sz="100" dirty="0" smtClean="0"/>
+              <a:t>)</a:t>
+            </a:r>
+            <a:endParaRPr lang="ru-RU" sz="100" dirty="0"/>
           </a:p>
         </p:txBody>
       </p:sp>
@@ -5880,9 +5856,29 @@
             <a:pPr algn="ctr"/>
             <a:r>
               <a:rPr lang="ru-RU" sz="700" dirty="0" smtClean="0"/>
-              <a:t>Раздача помещичьих земель (наше но эффект сменить)</a:t>
-            </a:r>
-            <a:endParaRPr lang="ru-RU" sz="500" dirty="0"/>
+              <a:t>Раздача помещичьих земель (наше но эффект сменить</a:t>
+            </a:r>
+            <a:r>
+              <a:rPr lang="ru-RU" sz="700" dirty="0"/>
+              <a:t>) </a:t>
+            </a:r>
+            <a:r>
+              <a:rPr lang="ru-RU" sz="200" dirty="0"/>
+              <a:t>(В мае 1937 года Институту аграрной реформы было </a:t>
+            </a:r>
+            <a:r>
+              <a:rPr lang="ru-RU" sz="200" dirty="0" err="1"/>
+              <a:t>переданооколо</a:t>
+            </a:r>
+            <a:r>
+              <a:rPr lang="ru-RU" sz="200" dirty="0"/>
+              <a:t> 4 миллионов гектаров (15 процентов всех земель). Были обеспечены кредит в 80 миллионов песет, снабжение семенным зерном и удобрениями</a:t>
+            </a:r>
+            <a:r>
+              <a:rPr lang="ru-RU" sz="200" dirty="0" smtClean="0"/>
+              <a:t>.)</a:t>
+            </a:r>
+            <a:endParaRPr lang="ru-RU" sz="100" dirty="0"/>
           </a:p>
         </p:txBody>
       </p:sp>
@@ -6054,9 +6050,37 @@
             <a:pPr algn="ctr"/>
             <a:r>
               <a:rPr lang="ru-RU" sz="700" dirty="0" smtClean="0"/>
-              <a:t>Распределение земли (наше, но эффект сменить)</a:t>
-            </a:r>
-            <a:endParaRPr lang="ru-RU" sz="500" dirty="0"/>
+              <a:t>Распределение земли (наше, но эффект сменить</a:t>
+            </a:r>
+            <a:r>
+              <a:rPr lang="ru-RU" sz="700" dirty="0"/>
+              <a:t>) </a:t>
+            </a:r>
+            <a:r>
+              <a:rPr lang="ru-RU" sz="200" dirty="0"/>
+              <a:t>(Почти </a:t>
+            </a:r>
+            <a:r>
+              <a:rPr lang="ru-RU" sz="200" dirty="0" err="1"/>
+              <a:t>повсеместнов</a:t>
+            </a:r>
+            <a:r>
+              <a:rPr lang="ru-RU" sz="200" dirty="0"/>
+              <a:t> республиканской Испании к началу 1937 года крестьяне были или собственниками </a:t>
+            </a:r>
+            <a:r>
+              <a:rPr lang="ru-RU" sz="200" dirty="0" smtClean="0"/>
+              <a:t>своей земли</a:t>
+            </a:r>
+            <a:r>
+              <a:rPr lang="ru-RU" sz="200" dirty="0"/>
+              <a:t>, или работали в коллективных хозяйствах. Арендаторы и безземельные батраки, зависевшие от прихотей лендлордов, практически </a:t>
+            </a:r>
+            <a:r>
+              <a:rPr lang="ru-RU" sz="200" dirty="0" smtClean="0"/>
+              <a:t>исчезли)</a:t>
+            </a:r>
+            <a:endParaRPr lang="ru-RU" sz="100" dirty="0"/>
           </a:p>
         </p:txBody>
       </p:sp>
@@ -6106,7 +6130,7 @@
         </p:nvSpPr>
         <p:spPr>
           <a:xfrm>
-            <a:off x="17189998" y="6263115"/>
+            <a:off x="16624778" y="7069267"/>
             <a:ext cx="926325" cy="540000"/>
           </a:xfrm>
           <a:prstGeom prst="rect">
@@ -6189,15 +6213,15 @@
         <p:nvCxnSpPr>
           <p:cNvPr id="112" name="Соединительная линия уступом 111"/>
           <p:cNvCxnSpPr>
-            <a:stCxn id="95" idx="2"/>
+            <a:stCxn id="93" idx="2"/>
             <a:endCxn id="108" idx="0"/>
           </p:cNvCxnSpPr>
           <p:nvPr/>
         </p:nvCxnSpPr>
         <p:spPr>
           <a:xfrm rot="5400000">
-            <a:off x="17788363" y="5852758"/>
-            <a:ext cx="275156" cy="545559"/>
+            <a:off x="17238911" y="6653514"/>
+            <a:ext cx="264783" cy="566722"/>
           </a:xfrm>
           <a:prstGeom prst="bentConnector3">
             <a:avLst>
@@ -6233,47 +6257,9 @@
           <p:nvPr/>
         </p:nvCxnSpPr>
         <p:spPr>
-          <a:xfrm rot="16200000" flipH="1">
-            <a:off x="18357098" y="5829581"/>
-            <a:ext cx="271308" cy="588064"/>
-          </a:xfrm>
-          <a:prstGeom prst="bentConnector3">
-            <a:avLst>
-              <a:gd name="adj1" fmla="val 50000"/>
-            </a:avLst>
-          </a:prstGeom>
-          <a:ln w="19050">
-            <a:tailEnd type="arrow"/>
-          </a:ln>
-        </p:spPr>
-        <p:style>
-          <a:lnRef idx="1">
-            <a:schemeClr val="accent1"/>
-          </a:lnRef>
-          <a:fillRef idx="0">
-            <a:schemeClr val="accent1"/>
-          </a:fillRef>
-          <a:effectRef idx="0">
-            <a:schemeClr val="accent1"/>
-          </a:effectRef>
-          <a:fontRef idx="minor">
-            <a:schemeClr val="tx1"/>
-          </a:fontRef>
-        </p:style>
-      </p:cxnSp>
-      <p:cxnSp>
-        <p:nvCxnSpPr>
-          <p:cNvPr id="118" name="Соединительная линия уступом 117"/>
-          <p:cNvCxnSpPr>
-            <a:stCxn id="94" idx="2"/>
-            <a:endCxn id="93" idx="0"/>
-          </p:cNvCxnSpPr>
-          <p:nvPr/>
-        </p:nvCxnSpPr>
-        <p:spPr>
           <a:xfrm rot="5400000">
-            <a:off x="18935904" y="5840075"/>
-            <a:ext cx="270073" cy="568311"/>
+            <a:off x="17788430" y="5854193"/>
+            <a:ext cx="276525" cy="544057"/>
           </a:xfrm>
           <a:prstGeom prst="bentConnector3">
             <a:avLst>
@@ -6345,7 +6331,7 @@
         </p:nvSpPr>
         <p:spPr>
           <a:xfrm>
-            <a:off x="23362577" y="4644738"/>
+            <a:off x="23392721" y="4644738"/>
             <a:ext cx="926325" cy="540000"/>
           </a:xfrm>
           <a:prstGeom prst="rect">
@@ -6380,11 +6366,7 @@
             <a:pPr algn="ctr"/>
             <a:r>
               <a:rPr lang="ru-RU" sz="700" dirty="0" smtClean="0"/>
-              <a:t>Разрыв конкордата с </a:t>
-            </a:r>
-            <a:r>
-              <a:rPr lang="ru-RU" sz="700" dirty="0" smtClean="0"/>
-              <a:t>Ватиканом </a:t>
+              <a:t>Разрыв конкордата с Ватиканом </a:t>
             </a:r>
             <a:r>
               <a:rPr lang="ru-RU" sz="600" dirty="0"/>
@@ -6409,8 +6391,8 @@
         </p:nvCxnSpPr>
         <p:spPr>
           <a:xfrm rot="16200000" flipH="1">
-            <a:off x="22872038" y="3691036"/>
-            <a:ext cx="269292" cy="1638111"/>
+            <a:off x="22887110" y="3675964"/>
+            <a:ext cx="269292" cy="1668255"/>
           </a:xfrm>
           <a:prstGeom prst="bentConnector3">
             <a:avLst>
@@ -6444,7 +6426,7 @@
         </p:nvSpPr>
         <p:spPr>
           <a:xfrm>
-            <a:off x="23361050" y="5437851"/>
+            <a:off x="22852495" y="5437851"/>
             <a:ext cx="926325" cy="540000"/>
           </a:xfrm>
           <a:prstGeom prst="rect">
@@ -6479,11 +6461,7 @@
             <a:pPr algn="ctr"/>
             <a:r>
               <a:rPr lang="ru-RU" sz="700" dirty="0" smtClean="0"/>
-              <a:t>Секуляризация церковных </a:t>
-            </a:r>
-            <a:r>
-              <a:rPr lang="ru-RU" sz="700" dirty="0" smtClean="0"/>
-              <a:t>земель </a:t>
+              <a:t>Секуляризация церковных земель </a:t>
             </a:r>
             <a:r>
               <a:rPr lang="ru-RU" sz="600" dirty="0"/>
@@ -6497,44 +6475,6 @@
           </a:p>
         </p:txBody>
       </p:sp>
-      <p:cxnSp>
-        <p:nvCxnSpPr>
-          <p:cNvPr id="133" name="Соединительная линия уступом 132"/>
-          <p:cNvCxnSpPr>
-            <a:stCxn id="125" idx="2"/>
-            <a:endCxn id="129" idx="0"/>
-          </p:cNvCxnSpPr>
-          <p:nvPr/>
-        </p:nvCxnSpPr>
-        <p:spPr>
-          <a:xfrm rot="5400000">
-            <a:off x="23698421" y="5310531"/>
-            <a:ext cx="253113" cy="1527"/>
-          </a:xfrm>
-          <a:prstGeom prst="bentConnector3">
-            <a:avLst>
-              <a:gd name="adj1" fmla="val 50000"/>
-            </a:avLst>
-          </a:prstGeom>
-          <a:ln w="19050">
-            <a:tailEnd type="arrow"/>
-          </a:ln>
-        </p:spPr>
-        <p:style>
-          <a:lnRef idx="1">
-            <a:schemeClr val="accent1"/>
-          </a:lnRef>
-          <a:fillRef idx="0">
-            <a:schemeClr val="accent1"/>
-          </a:fillRef>
-          <a:effectRef idx="0">
-            <a:schemeClr val="accent1"/>
-          </a:effectRef>
-          <a:fontRef idx="minor">
-            <a:schemeClr val="tx1"/>
-          </a:fontRef>
-        </p:style>
-      </p:cxnSp>
       <p:sp>
         <p:nvSpPr>
           <p:cNvPr id="136" name="Прямоугольник 135"/>
@@ -7952,7 +7892,6 @@
               <a:rPr lang="ru-RU" sz="100" dirty="0"/>
               <a:t> муниципальный оркестр, под маршевые мелодии которого полк чеканил шаг.</a:t>
             </a:r>
-            <a:endParaRPr lang="ru-RU" sz="100" dirty="0"/>
           </a:p>
         </p:txBody>
       </p:sp>
@@ -7998,6 +7937,1097 @@
               <a:rPr lang="ru-RU" sz="700" dirty="0" smtClean="0"/>
               <a:t>Социалистическая и коммунистическая молодёжь</a:t>
             </a:r>
+          </a:p>
+        </p:txBody>
+      </p:sp>
+      <p:sp>
+        <p:nvSpPr>
+          <p:cNvPr id="100" name="Прямоугольник 99"/>
+          <p:cNvSpPr/>
+          <p:nvPr/>
+        </p:nvSpPr>
+        <p:spPr>
+          <a:xfrm>
+            <a:off x="26776304" y="4644738"/>
+            <a:ext cx="926325" cy="540000"/>
+          </a:xfrm>
+          <a:prstGeom prst="rect">
+            <a:avLst/>
+          </a:prstGeom>
+          <a:solidFill>
+            <a:schemeClr val="accent1">
+              <a:lumMod val="60000"/>
+              <a:lumOff val="40000"/>
+            </a:schemeClr>
+          </a:solidFill>
+          <a:ln w="19050"/>
+        </p:spPr>
+        <p:style>
+          <a:lnRef idx="2">
+            <a:schemeClr val="accent1"/>
+          </a:lnRef>
+          <a:fillRef idx="1">
+            <a:schemeClr val="lt1"/>
+          </a:fillRef>
+          <a:effectRef idx="0">
+            <a:schemeClr val="accent1"/>
+          </a:effectRef>
+          <a:fontRef idx="minor">
+            <a:schemeClr val="dk1"/>
+          </a:fontRef>
+        </p:style>
+        <p:txBody>
+          <a:bodyPr lIns="124733" tIns="62367" rIns="124733" bIns="62367" rtlCol="0" anchor="ctr"/>
+          <a:lstStyle/>
+          <a:p>
+            <a:pPr algn="ctr"/>
+            <a:r>
+              <a:rPr lang="ru-RU" sz="700" dirty="0" smtClean="0"/>
+              <a:t>Привлечь горожан к защите и строительству </a:t>
+            </a:r>
+            <a:r>
+              <a:rPr lang="ru-RU" sz="700" dirty="0"/>
+              <a:t>баррикад </a:t>
+            </a:r>
+            <a:r>
+              <a:rPr lang="ru-RU" sz="100" dirty="0"/>
+              <a:t>(</a:t>
+            </a:r>
+            <a:r>
+              <a:rPr lang="ru-RU" sz="100" dirty="0" err="1"/>
+              <a:t>Одновременнос</a:t>
+            </a:r>
+            <a:r>
+              <a:rPr lang="ru-RU" sz="100" dirty="0"/>
+              <a:t> его началом радио Мадрида отдало приказ строить баррикады. Массы рабочих </a:t>
+            </a:r>
+            <a:r>
+              <a:rPr lang="ru-RU" sz="100" dirty="0" err="1"/>
+              <a:t>двинулисьна</a:t>
+            </a:r>
+            <a:r>
+              <a:rPr lang="ru-RU" sz="100" dirty="0"/>
+              <a:t> передовую линию. Многие были без оружия, готовые брать ружья погибших. Из </a:t>
+            </a:r>
+            <a:r>
+              <a:rPr lang="ru-RU" sz="100" dirty="0" err="1"/>
+              <a:t>уличныхгромкоговорителей</a:t>
+            </a:r>
+            <a:r>
+              <a:rPr lang="ru-RU" sz="100" dirty="0"/>
+              <a:t> непрестанно доносился голос </a:t>
+            </a:r>
+            <a:r>
+              <a:rPr lang="ru-RU" sz="100" dirty="0" err="1"/>
+              <a:t>Пассионарии</a:t>
+            </a:r>
+            <a:r>
+              <a:rPr lang="ru-RU" sz="100" dirty="0"/>
+              <a:t>, побуждавший женщин кипятить масло и выливать его на головы тех, кто попытается ворваться в их дома. Женщины, </a:t>
+            </a:r>
+            <a:r>
+              <a:rPr lang="ru-RU" sz="100" dirty="0" err="1"/>
+              <a:t>каки</a:t>
+            </a:r>
+            <a:r>
+              <a:rPr lang="ru-RU" sz="100" dirty="0"/>
+              <a:t> в первые дни войны, играли большую роль; на демонстрациях они требовали, чтобы </a:t>
+            </a:r>
+            <a:r>
+              <a:rPr lang="ru-RU" sz="100" dirty="0" err="1"/>
+              <a:t>всехмужчин</a:t>
+            </a:r>
+            <a:r>
+              <a:rPr lang="ru-RU" sz="100" dirty="0"/>
+              <a:t> отправляли на фронт.)</a:t>
+            </a:r>
+          </a:p>
+        </p:txBody>
+      </p:sp>
+      <p:cxnSp>
+        <p:nvCxnSpPr>
+          <p:cNvPr id="102" name="Соединительная линия уступом 101"/>
+          <p:cNvCxnSpPr>
+            <a:stCxn id="801" idx="2"/>
+            <a:endCxn id="100" idx="0"/>
+          </p:cNvCxnSpPr>
+          <p:nvPr/>
+        </p:nvCxnSpPr>
+        <p:spPr>
+          <a:xfrm rot="16200000" flipH="1">
+            <a:off x="24578902" y="1984173"/>
+            <a:ext cx="269292" cy="5051838"/>
+          </a:xfrm>
+          <a:prstGeom prst="bentConnector3">
+            <a:avLst>
+              <a:gd name="adj1" fmla="val 50000"/>
+            </a:avLst>
+          </a:prstGeom>
+          <a:ln w="19050">
+            <a:tailEnd type="arrow"/>
+          </a:ln>
+        </p:spPr>
+        <p:style>
+          <a:lnRef idx="1">
+            <a:schemeClr val="accent1"/>
+          </a:lnRef>
+          <a:fillRef idx="0">
+            <a:schemeClr val="accent1"/>
+          </a:fillRef>
+          <a:effectRef idx="0">
+            <a:schemeClr val="accent1"/>
+          </a:effectRef>
+          <a:fontRef idx="minor">
+            <a:schemeClr val="tx1"/>
+          </a:fontRef>
+        </p:style>
+      </p:cxnSp>
+      <p:sp>
+        <p:nvSpPr>
+          <p:cNvPr id="104" name="Прямоугольник 103"/>
+          <p:cNvSpPr/>
+          <p:nvPr/>
+        </p:nvSpPr>
+        <p:spPr>
+          <a:xfrm>
+            <a:off x="27950314" y="4645779"/>
+            <a:ext cx="926325" cy="540000"/>
+          </a:xfrm>
+          <a:prstGeom prst="rect">
+            <a:avLst/>
+          </a:prstGeom>
+          <a:solidFill>
+            <a:schemeClr val="accent1">
+              <a:lumMod val="60000"/>
+              <a:lumOff val="40000"/>
+            </a:schemeClr>
+          </a:solidFill>
+          <a:ln w="19050"/>
+        </p:spPr>
+        <p:style>
+          <a:lnRef idx="2">
+            <a:schemeClr val="accent1"/>
+          </a:lnRef>
+          <a:fillRef idx="1">
+            <a:schemeClr val="lt1"/>
+          </a:fillRef>
+          <a:effectRef idx="0">
+            <a:schemeClr val="accent1"/>
+          </a:effectRef>
+          <a:fontRef idx="minor">
+            <a:schemeClr val="dk1"/>
+          </a:fontRef>
+        </p:style>
+        <p:txBody>
+          <a:bodyPr lIns="124733" tIns="62367" rIns="124733" bIns="62367" rtlCol="0" anchor="ctr"/>
+          <a:lstStyle/>
+          <a:p>
+            <a:pPr algn="ctr"/>
+            <a:r>
+              <a:rPr lang="ru-RU" sz="700" dirty="0" smtClean="0"/>
+              <a:t>Переместить золотой запас (ваниль)</a:t>
+            </a:r>
+            <a:endParaRPr lang="ru-RU" sz="500" dirty="0"/>
+          </a:p>
+        </p:txBody>
+      </p:sp>
+      <p:cxnSp>
+        <p:nvCxnSpPr>
+          <p:cNvPr id="106" name="Соединительная линия уступом 105"/>
+          <p:cNvCxnSpPr>
+            <a:stCxn id="801" idx="2"/>
+            <a:endCxn id="104" idx="0"/>
+          </p:cNvCxnSpPr>
+          <p:nvPr/>
+        </p:nvCxnSpPr>
+        <p:spPr>
+          <a:xfrm rot="16200000" flipH="1">
+            <a:off x="25165387" y="1397688"/>
+            <a:ext cx="270333" cy="6225848"/>
+          </a:xfrm>
+          <a:prstGeom prst="bentConnector3">
+            <a:avLst>
+              <a:gd name="adj1" fmla="val 50000"/>
+            </a:avLst>
+          </a:prstGeom>
+          <a:ln w="19050">
+            <a:tailEnd type="arrow"/>
+          </a:ln>
+        </p:spPr>
+        <p:style>
+          <a:lnRef idx="1">
+            <a:schemeClr val="accent1"/>
+          </a:lnRef>
+          <a:fillRef idx="0">
+            <a:schemeClr val="accent1"/>
+          </a:fillRef>
+          <a:effectRef idx="0">
+            <a:schemeClr val="accent1"/>
+          </a:effectRef>
+          <a:fontRef idx="minor">
+            <a:schemeClr val="tx1"/>
+          </a:fontRef>
+        </p:style>
+      </p:cxnSp>
+      <p:sp>
+        <p:nvSpPr>
+          <p:cNvPr id="110" name="Прямоугольник 109"/>
+          <p:cNvSpPr/>
+          <p:nvPr/>
+        </p:nvSpPr>
+        <p:spPr>
+          <a:xfrm>
+            <a:off x="26769235" y="5437851"/>
+            <a:ext cx="926325" cy="540000"/>
+          </a:xfrm>
+          <a:prstGeom prst="rect">
+            <a:avLst/>
+          </a:prstGeom>
+          <a:solidFill>
+            <a:schemeClr val="accent1">
+              <a:lumMod val="60000"/>
+              <a:lumOff val="40000"/>
+            </a:schemeClr>
+          </a:solidFill>
+          <a:ln w="19050"/>
+        </p:spPr>
+        <p:style>
+          <a:lnRef idx="2">
+            <a:schemeClr val="accent1"/>
+          </a:lnRef>
+          <a:fillRef idx="1">
+            <a:schemeClr val="lt1"/>
+          </a:fillRef>
+          <a:effectRef idx="0">
+            <a:schemeClr val="accent1"/>
+          </a:effectRef>
+          <a:fontRef idx="minor">
+            <a:schemeClr val="dk1"/>
+          </a:fontRef>
+        </p:style>
+        <p:txBody>
+          <a:bodyPr lIns="124733" tIns="62367" rIns="124733" bIns="62367" rtlCol="0" anchor="ctr"/>
+          <a:lstStyle/>
+          <a:p>
+            <a:pPr algn="ctr"/>
+            <a:r>
+              <a:rPr lang="ru-RU" sz="700" dirty="0" smtClean="0"/>
+              <a:t>Поставки советского снаряжения (ваниль)</a:t>
+            </a:r>
+            <a:endParaRPr lang="ru-RU" sz="500" dirty="0"/>
+          </a:p>
+        </p:txBody>
+      </p:sp>
+      <p:sp>
+        <p:nvSpPr>
+          <p:cNvPr id="111" name="Прямоугольник 110"/>
+          <p:cNvSpPr/>
+          <p:nvPr/>
+        </p:nvSpPr>
+        <p:spPr>
+          <a:xfrm>
+            <a:off x="29134094" y="5437851"/>
+            <a:ext cx="926325" cy="540000"/>
+          </a:xfrm>
+          <a:prstGeom prst="rect">
+            <a:avLst/>
+          </a:prstGeom>
+          <a:solidFill>
+            <a:schemeClr val="accent1">
+              <a:lumMod val="60000"/>
+              <a:lumOff val="40000"/>
+            </a:schemeClr>
+          </a:solidFill>
+          <a:ln w="19050"/>
+        </p:spPr>
+        <p:style>
+          <a:lnRef idx="2">
+            <a:schemeClr val="accent1"/>
+          </a:lnRef>
+          <a:fillRef idx="1">
+            <a:schemeClr val="lt1"/>
+          </a:fillRef>
+          <a:effectRef idx="0">
+            <a:schemeClr val="accent1"/>
+          </a:effectRef>
+          <a:fontRef idx="minor">
+            <a:schemeClr val="dk1"/>
+          </a:fontRef>
+        </p:style>
+        <p:txBody>
+          <a:bodyPr lIns="124733" tIns="62367" rIns="124733" bIns="62367" rtlCol="0" anchor="ctr"/>
+          <a:lstStyle/>
+          <a:p>
+            <a:pPr algn="ctr"/>
+            <a:r>
+              <a:rPr lang="ru-RU" sz="700" dirty="0" smtClean="0"/>
+              <a:t>Советские военные советники (ваниль)</a:t>
+            </a:r>
+            <a:endParaRPr lang="ru-RU" sz="500" dirty="0"/>
+          </a:p>
+        </p:txBody>
+      </p:sp>
+      <p:cxnSp>
+        <p:nvCxnSpPr>
+          <p:cNvPr id="113" name="Соединительная линия уступом 112"/>
+          <p:cNvCxnSpPr>
+            <a:stCxn id="104" idx="2"/>
+            <a:endCxn id="110" idx="0"/>
+          </p:cNvCxnSpPr>
+          <p:nvPr/>
+        </p:nvCxnSpPr>
+        <p:spPr>
+          <a:xfrm rot="5400000">
+            <a:off x="27696902" y="4721276"/>
+            <a:ext cx="252072" cy="1181079"/>
+          </a:xfrm>
+          <a:prstGeom prst="bentConnector3">
+            <a:avLst>
+              <a:gd name="adj1" fmla="val 50000"/>
+            </a:avLst>
+          </a:prstGeom>
+          <a:ln w="19050">
+            <a:tailEnd type="arrow"/>
+          </a:ln>
+        </p:spPr>
+        <p:style>
+          <a:lnRef idx="1">
+            <a:schemeClr val="accent1"/>
+          </a:lnRef>
+          <a:fillRef idx="0">
+            <a:schemeClr val="accent1"/>
+          </a:fillRef>
+          <a:effectRef idx="0">
+            <a:schemeClr val="accent1"/>
+          </a:effectRef>
+          <a:fontRef idx="minor">
+            <a:schemeClr val="tx1"/>
+          </a:fontRef>
+        </p:style>
+      </p:cxnSp>
+      <p:cxnSp>
+        <p:nvCxnSpPr>
+          <p:cNvPr id="114" name="Соединительная линия уступом 113"/>
+          <p:cNvCxnSpPr>
+            <a:stCxn id="104" idx="2"/>
+            <a:endCxn id="111" idx="0"/>
+          </p:cNvCxnSpPr>
+          <p:nvPr/>
+        </p:nvCxnSpPr>
+        <p:spPr>
+          <a:xfrm rot="16200000" flipH="1">
+            <a:off x="28879331" y="4719925"/>
+            <a:ext cx="252072" cy="1183780"/>
+          </a:xfrm>
+          <a:prstGeom prst="bentConnector3">
+            <a:avLst>
+              <a:gd name="adj1" fmla="val 50000"/>
+            </a:avLst>
+          </a:prstGeom>
+          <a:ln w="19050">
+            <a:tailEnd type="arrow"/>
+          </a:ln>
+        </p:spPr>
+        <p:style>
+          <a:lnRef idx="1">
+            <a:schemeClr val="accent1"/>
+          </a:lnRef>
+          <a:fillRef idx="0">
+            <a:schemeClr val="accent1"/>
+          </a:fillRef>
+          <a:effectRef idx="0">
+            <a:schemeClr val="accent1"/>
+          </a:effectRef>
+          <a:fontRef idx="minor">
+            <a:schemeClr val="tx1"/>
+          </a:fontRef>
+        </p:style>
+      </p:cxnSp>
+      <p:sp>
+        <p:nvSpPr>
+          <p:cNvPr id="119" name="Прямоугольник 118"/>
+          <p:cNvSpPr/>
+          <p:nvPr/>
+        </p:nvSpPr>
+        <p:spPr>
+          <a:xfrm>
+            <a:off x="27953015" y="5440612"/>
+            <a:ext cx="926325" cy="540000"/>
+          </a:xfrm>
+          <a:prstGeom prst="rect">
+            <a:avLst/>
+          </a:prstGeom>
+          <a:solidFill>
+            <a:schemeClr val="accent1">
+              <a:lumMod val="60000"/>
+              <a:lumOff val="40000"/>
+            </a:schemeClr>
+          </a:solidFill>
+          <a:ln w="19050"/>
+        </p:spPr>
+        <p:style>
+          <a:lnRef idx="2">
+            <a:schemeClr val="accent1"/>
+          </a:lnRef>
+          <a:fillRef idx="1">
+            <a:schemeClr val="lt1"/>
+          </a:fillRef>
+          <a:effectRef idx="0">
+            <a:schemeClr val="accent1"/>
+          </a:effectRef>
+          <a:fontRef idx="minor">
+            <a:schemeClr val="dk1"/>
+          </a:fontRef>
+        </p:style>
+        <p:txBody>
+          <a:bodyPr lIns="124733" tIns="62367" rIns="124733" bIns="62367" rtlCol="0" anchor="ctr"/>
+          <a:lstStyle/>
+          <a:p>
+            <a:pPr algn="ctr"/>
+            <a:r>
+              <a:rPr lang="ru-RU" sz="700" dirty="0" smtClean="0"/>
+              <a:t>Расширить помощь советов </a:t>
+            </a:r>
+            <a:r>
+              <a:rPr lang="ru-RU" sz="500" dirty="0" smtClean="0"/>
+              <a:t>(фокусы по сторонам теперь перед ним и обязательны) (ваниль)</a:t>
+            </a:r>
+            <a:endParaRPr lang="ru-RU" sz="300" dirty="0"/>
+          </a:p>
+        </p:txBody>
+      </p:sp>
+      <p:sp>
+        <p:nvSpPr>
+          <p:cNvPr id="120" name="Прямоугольник 119"/>
+          <p:cNvSpPr/>
+          <p:nvPr/>
+        </p:nvSpPr>
+        <p:spPr>
+          <a:xfrm>
+            <a:off x="27359775" y="6256597"/>
+            <a:ext cx="926325" cy="540000"/>
+          </a:xfrm>
+          <a:prstGeom prst="rect">
+            <a:avLst/>
+          </a:prstGeom>
+          <a:solidFill>
+            <a:schemeClr val="accent1">
+              <a:lumMod val="60000"/>
+              <a:lumOff val="40000"/>
+            </a:schemeClr>
+          </a:solidFill>
+          <a:ln w="19050"/>
+        </p:spPr>
+        <p:style>
+          <a:lnRef idx="2">
+            <a:schemeClr val="accent1"/>
+          </a:lnRef>
+          <a:fillRef idx="1">
+            <a:schemeClr val="lt1"/>
+          </a:fillRef>
+          <a:effectRef idx="0">
+            <a:schemeClr val="accent1"/>
+          </a:effectRef>
+          <a:fontRef idx="minor">
+            <a:schemeClr val="dk1"/>
+          </a:fontRef>
+        </p:style>
+        <p:txBody>
+          <a:bodyPr lIns="124733" tIns="62367" rIns="124733" bIns="62367" rtlCol="0" anchor="ctr"/>
+          <a:lstStyle/>
+          <a:p>
+            <a:pPr algn="ctr"/>
+            <a:r>
+              <a:rPr lang="ru-RU" sz="700" dirty="0" smtClean="0"/>
+              <a:t>Промышленная помощь от СССР (ваниль)</a:t>
+            </a:r>
+            <a:endParaRPr lang="ru-RU" sz="500" dirty="0"/>
+          </a:p>
+        </p:txBody>
+      </p:sp>
+      <p:cxnSp>
+        <p:nvCxnSpPr>
+          <p:cNvPr id="122" name="Прямая со стрелкой 121"/>
+          <p:cNvCxnSpPr>
+            <a:stCxn id="104" idx="2"/>
+            <a:endCxn id="119" idx="0"/>
+          </p:cNvCxnSpPr>
+          <p:nvPr/>
+        </p:nvCxnSpPr>
+        <p:spPr>
+          <a:xfrm>
+            <a:off x="28413477" y="5185779"/>
+            <a:ext cx="2701" cy="254833"/>
+          </a:xfrm>
+          <a:prstGeom prst="straightConnector1">
+            <a:avLst/>
+          </a:prstGeom>
+          <a:ln w="19050">
+            <a:tailEnd type="arrow"/>
+          </a:ln>
+        </p:spPr>
+        <p:style>
+          <a:lnRef idx="1">
+            <a:schemeClr val="accent1"/>
+          </a:lnRef>
+          <a:fillRef idx="0">
+            <a:schemeClr val="accent1"/>
+          </a:fillRef>
+          <a:effectRef idx="0">
+            <a:schemeClr val="accent1"/>
+          </a:effectRef>
+          <a:fontRef idx="minor">
+            <a:schemeClr val="tx1"/>
+          </a:fontRef>
+        </p:style>
+      </p:cxnSp>
+      <p:sp>
+        <p:nvSpPr>
+          <p:cNvPr id="131" name="Прямоугольник 130"/>
+          <p:cNvSpPr/>
+          <p:nvPr/>
+        </p:nvSpPr>
+        <p:spPr>
+          <a:xfrm>
+            <a:off x="28542204" y="6258091"/>
+            <a:ext cx="926325" cy="540000"/>
+          </a:xfrm>
+          <a:prstGeom prst="rect">
+            <a:avLst/>
+          </a:prstGeom>
+          <a:solidFill>
+            <a:schemeClr val="accent1">
+              <a:lumMod val="60000"/>
+              <a:lumOff val="40000"/>
+            </a:schemeClr>
+          </a:solidFill>
+          <a:ln w="19050"/>
+        </p:spPr>
+        <p:style>
+          <a:lnRef idx="2">
+            <a:schemeClr val="accent1"/>
+          </a:lnRef>
+          <a:fillRef idx="1">
+            <a:schemeClr val="lt1"/>
+          </a:fillRef>
+          <a:effectRef idx="0">
+            <a:schemeClr val="accent1"/>
+          </a:effectRef>
+          <a:fontRef idx="minor">
+            <a:schemeClr val="dk1"/>
+          </a:fontRef>
+        </p:style>
+        <p:txBody>
+          <a:bodyPr lIns="124733" tIns="62367" rIns="124733" bIns="62367" rtlCol="0" anchor="ctr"/>
+          <a:lstStyle/>
+          <a:p>
+            <a:pPr algn="ctr"/>
+            <a:r>
+              <a:rPr lang="ru-RU" sz="700" dirty="0" smtClean="0"/>
+              <a:t>Советские технологические достижения (ваниль)</a:t>
+            </a:r>
+            <a:endParaRPr lang="ru-RU" sz="500" dirty="0"/>
+          </a:p>
+        </p:txBody>
+      </p:sp>
+      <p:cxnSp>
+        <p:nvCxnSpPr>
+          <p:cNvPr id="134" name="Соединительная линия уступом 133"/>
+          <p:cNvCxnSpPr>
+            <a:stCxn id="119" idx="2"/>
+            <a:endCxn id="120" idx="0"/>
+          </p:cNvCxnSpPr>
+          <p:nvPr/>
+        </p:nvCxnSpPr>
+        <p:spPr>
+          <a:xfrm rot="5400000">
+            <a:off x="27981566" y="5821984"/>
+            <a:ext cx="275985" cy="593240"/>
+          </a:xfrm>
+          <a:prstGeom prst="bentConnector3">
+            <a:avLst>
+              <a:gd name="adj1" fmla="val 50000"/>
+            </a:avLst>
+          </a:prstGeom>
+          <a:ln w="19050">
+            <a:tailEnd type="arrow"/>
+          </a:ln>
+        </p:spPr>
+        <p:style>
+          <a:lnRef idx="1">
+            <a:schemeClr val="accent1"/>
+          </a:lnRef>
+          <a:fillRef idx="0">
+            <a:schemeClr val="accent1"/>
+          </a:fillRef>
+          <a:effectRef idx="0">
+            <a:schemeClr val="accent1"/>
+          </a:effectRef>
+          <a:fontRef idx="minor">
+            <a:schemeClr val="tx1"/>
+          </a:fontRef>
+        </p:style>
+      </p:cxnSp>
+      <p:cxnSp>
+        <p:nvCxnSpPr>
+          <p:cNvPr id="142" name="Соединительная линия уступом 141"/>
+          <p:cNvCxnSpPr>
+            <a:stCxn id="119" idx="2"/>
+            <a:endCxn id="131" idx="0"/>
+          </p:cNvCxnSpPr>
+          <p:nvPr/>
+        </p:nvCxnSpPr>
+        <p:spPr>
+          <a:xfrm rot="16200000" flipH="1">
+            <a:off x="28572033" y="5824756"/>
+            <a:ext cx="277479" cy="589189"/>
+          </a:xfrm>
+          <a:prstGeom prst="bentConnector3">
+            <a:avLst>
+              <a:gd name="adj1" fmla="val 50000"/>
+            </a:avLst>
+          </a:prstGeom>
+          <a:ln w="19050">
+            <a:tailEnd type="arrow"/>
+          </a:ln>
+        </p:spPr>
+        <p:style>
+          <a:lnRef idx="1">
+            <a:schemeClr val="accent1"/>
+          </a:lnRef>
+          <a:fillRef idx="0">
+            <a:schemeClr val="accent1"/>
+          </a:fillRef>
+          <a:effectRef idx="0">
+            <a:schemeClr val="accent1"/>
+          </a:effectRef>
+          <a:fontRef idx="minor">
+            <a:schemeClr val="tx1"/>
+          </a:fontRef>
+        </p:style>
+      </p:cxnSp>
+      <p:sp>
+        <p:nvSpPr>
+          <p:cNvPr id="143" name="Прямоугольник 142"/>
+          <p:cNvSpPr/>
+          <p:nvPr/>
+        </p:nvSpPr>
+        <p:spPr>
+          <a:xfrm>
+            <a:off x="23945026" y="5435588"/>
+            <a:ext cx="926325" cy="540000"/>
+          </a:xfrm>
+          <a:prstGeom prst="rect">
+            <a:avLst/>
+          </a:prstGeom>
+          <a:solidFill>
+            <a:schemeClr val="accent1">
+              <a:lumMod val="60000"/>
+              <a:lumOff val="40000"/>
+            </a:schemeClr>
+          </a:solidFill>
+          <a:ln w="19050"/>
+        </p:spPr>
+        <p:style>
+          <a:lnRef idx="2">
+            <a:schemeClr val="accent1"/>
+          </a:lnRef>
+          <a:fillRef idx="1">
+            <a:schemeClr val="lt1"/>
+          </a:fillRef>
+          <a:effectRef idx="0">
+            <a:schemeClr val="accent1"/>
+          </a:effectRef>
+          <a:fontRef idx="minor">
+            <a:schemeClr val="dk1"/>
+          </a:fontRef>
+        </p:style>
+        <p:txBody>
+          <a:bodyPr lIns="124733" tIns="62367" rIns="124733" bIns="62367" rtlCol="0" anchor="ctr"/>
+          <a:lstStyle/>
+          <a:p>
+            <a:pPr algn="ctr"/>
+            <a:r>
+              <a:rPr lang="ru-RU" sz="700" dirty="0" smtClean="0"/>
+              <a:t>Присвоить церковные богатства </a:t>
+            </a:r>
+            <a:r>
+              <a:rPr lang="ru-RU" sz="600" dirty="0" smtClean="0"/>
+              <a:t>(ваниль)</a:t>
+            </a:r>
+            <a:endParaRPr lang="ru-RU" sz="400" dirty="0"/>
+          </a:p>
+        </p:txBody>
+      </p:sp>
+      <p:cxnSp>
+        <p:nvCxnSpPr>
+          <p:cNvPr id="150" name="Соединительная линия уступом 149"/>
+          <p:cNvCxnSpPr>
+            <a:stCxn id="125" idx="2"/>
+            <a:endCxn id="129" idx="0"/>
+          </p:cNvCxnSpPr>
+          <p:nvPr/>
+        </p:nvCxnSpPr>
+        <p:spPr>
+          <a:xfrm rot="5400000">
+            <a:off x="23459215" y="5041181"/>
+            <a:ext cx="253113" cy="540226"/>
+          </a:xfrm>
+          <a:prstGeom prst="bentConnector3">
+            <a:avLst>
+              <a:gd name="adj1" fmla="val 50000"/>
+            </a:avLst>
+          </a:prstGeom>
+          <a:ln w="19050">
+            <a:tailEnd type="arrow"/>
+          </a:ln>
+        </p:spPr>
+        <p:style>
+          <a:lnRef idx="1">
+            <a:schemeClr val="accent1"/>
+          </a:lnRef>
+          <a:fillRef idx="0">
+            <a:schemeClr val="accent1"/>
+          </a:fillRef>
+          <a:effectRef idx="0">
+            <a:schemeClr val="accent1"/>
+          </a:effectRef>
+          <a:fontRef idx="minor">
+            <a:schemeClr val="tx1"/>
+          </a:fontRef>
+        </p:style>
+      </p:cxnSp>
+      <p:cxnSp>
+        <p:nvCxnSpPr>
+          <p:cNvPr id="151" name="Соединительная линия уступом 150"/>
+          <p:cNvCxnSpPr>
+            <a:stCxn id="125" idx="2"/>
+            <a:endCxn id="143" idx="0"/>
+          </p:cNvCxnSpPr>
+          <p:nvPr/>
+        </p:nvCxnSpPr>
+        <p:spPr>
+          <a:xfrm rot="16200000" flipH="1">
+            <a:off x="24006611" y="5034010"/>
+            <a:ext cx="250850" cy="552305"/>
+          </a:xfrm>
+          <a:prstGeom prst="bentConnector3">
+            <a:avLst>
+              <a:gd name="adj1" fmla="val 50000"/>
+            </a:avLst>
+          </a:prstGeom>
+          <a:ln w="19050">
+            <a:tailEnd type="arrow"/>
+          </a:ln>
+        </p:spPr>
+        <p:style>
+          <a:lnRef idx="1">
+            <a:schemeClr val="accent1"/>
+          </a:lnRef>
+          <a:fillRef idx="0">
+            <a:schemeClr val="accent1"/>
+          </a:fillRef>
+          <a:effectRef idx="0">
+            <a:schemeClr val="accent1"/>
+          </a:effectRef>
+          <a:fontRef idx="minor">
+            <a:schemeClr val="tx1"/>
+          </a:fontRef>
+        </p:style>
+      </p:cxnSp>
+      <p:sp>
+        <p:nvSpPr>
+          <p:cNvPr id="116" name="Прямоугольник 115"/>
+          <p:cNvSpPr/>
+          <p:nvPr/>
+        </p:nvSpPr>
+        <p:spPr>
+          <a:xfrm>
+            <a:off x="16621687" y="5443927"/>
+            <a:ext cx="926325" cy="540000"/>
+          </a:xfrm>
+          <a:prstGeom prst="rect">
+            <a:avLst/>
+          </a:prstGeom>
+          <a:solidFill>
+            <a:schemeClr val="accent1">
+              <a:lumMod val="60000"/>
+              <a:lumOff val="40000"/>
+            </a:schemeClr>
+          </a:solidFill>
+          <a:ln w="19050"/>
+        </p:spPr>
+        <p:style>
+          <a:lnRef idx="2">
+            <a:schemeClr val="accent1"/>
+          </a:lnRef>
+          <a:fillRef idx="1">
+            <a:schemeClr val="lt1"/>
+          </a:fillRef>
+          <a:effectRef idx="0">
+            <a:schemeClr val="accent1"/>
+          </a:effectRef>
+          <a:fontRef idx="minor">
+            <a:schemeClr val="dk1"/>
+          </a:fontRef>
+        </p:style>
+        <p:txBody>
+          <a:bodyPr lIns="124733" tIns="62367" rIns="124733" bIns="62367" rtlCol="0" anchor="ctr"/>
+          <a:lstStyle/>
+          <a:p>
+            <a:pPr algn="ctr"/>
+            <a:r>
+              <a:rPr lang="ru-RU" sz="700" dirty="0" smtClean="0"/>
+              <a:t>Увеличить бюджет на образование </a:t>
+            </a:r>
+            <a:r>
+              <a:rPr lang="ru-RU" sz="100" dirty="0" smtClean="0"/>
+              <a:t>(</a:t>
+            </a:r>
+            <a:r>
+              <a:rPr lang="ru-RU" sz="100" dirty="0"/>
+              <a:t>еще никогда раньше образованию не уделялось столько внимания. В 1937 году на него было потрачено 143 миллиона песет, по сравнению с 3 миллионами в 1936 году. Конечно, эта сумма не так велика, как может показаться, поскольку республиканская песета подверглась инфляции. Тем не менее реальные траты на образование выросли в пять раз. Количество новых школ, открытых в 1937 году, достигло тысячи. Если в Испании 1931 года было 37 000 учителей, то в республиканской Испании 1937 года их стало 60 000. В 1937 году действовало 2000 военных школ, в которых учили читать неграмотных </a:t>
+            </a:r>
+            <a:r>
+              <a:rPr lang="ru-RU" sz="100" dirty="0" smtClean="0"/>
+              <a:t>милиционеров)</a:t>
+            </a:r>
+            <a:endParaRPr lang="ru-RU" sz="100" dirty="0"/>
+          </a:p>
+        </p:txBody>
+      </p:sp>
+      <p:cxnSp>
+        <p:nvCxnSpPr>
+          <p:cNvPr id="117" name="Соединительная линия уступом 116"/>
+          <p:cNvCxnSpPr>
+            <a:stCxn id="836" idx="2"/>
+            <a:endCxn id="116" idx="0"/>
+          </p:cNvCxnSpPr>
+          <p:nvPr/>
+        </p:nvCxnSpPr>
+        <p:spPr>
+          <a:xfrm rot="5400000">
+            <a:off x="17802178" y="4459321"/>
+            <a:ext cx="267278" cy="1701934"/>
+          </a:xfrm>
+          <a:prstGeom prst="bentConnector3">
+            <a:avLst>
+              <a:gd name="adj1" fmla="val 50000"/>
+            </a:avLst>
+          </a:prstGeom>
+          <a:ln w="19050">
+            <a:tailEnd type="arrow"/>
+          </a:ln>
+        </p:spPr>
+        <p:style>
+          <a:lnRef idx="1">
+            <a:schemeClr val="accent1"/>
+          </a:lnRef>
+          <a:fillRef idx="0">
+            <a:schemeClr val="accent1"/>
+          </a:fillRef>
+          <a:effectRef idx="0">
+            <a:schemeClr val="accent1"/>
+          </a:effectRef>
+          <a:fontRef idx="minor">
+            <a:schemeClr val="tx1"/>
+          </a:fontRef>
+        </p:style>
+      </p:cxnSp>
+      <p:sp>
+        <p:nvSpPr>
+          <p:cNvPr id="123" name="Прямоугольник 122"/>
+          <p:cNvSpPr/>
+          <p:nvPr/>
+        </p:nvSpPr>
+        <p:spPr>
+          <a:xfrm>
+            <a:off x="18323619" y="6261876"/>
+            <a:ext cx="926325" cy="540000"/>
+          </a:xfrm>
+          <a:prstGeom prst="rect">
+            <a:avLst/>
+          </a:prstGeom>
+          <a:solidFill>
+            <a:schemeClr val="accent1">
+              <a:lumMod val="60000"/>
+              <a:lumOff val="40000"/>
+            </a:schemeClr>
+          </a:solidFill>
+          <a:ln w="19050"/>
+        </p:spPr>
+        <p:style>
+          <a:lnRef idx="2">
+            <a:schemeClr val="accent1"/>
+          </a:lnRef>
+          <a:fillRef idx="1">
+            <a:schemeClr val="lt1"/>
+          </a:fillRef>
+          <a:effectRef idx="0">
+            <a:schemeClr val="accent1"/>
+          </a:effectRef>
+          <a:fontRef idx="minor">
+            <a:schemeClr val="dk1"/>
+          </a:fontRef>
+        </p:style>
+        <p:txBody>
+          <a:bodyPr lIns="124733" tIns="62367" rIns="124733" bIns="62367" rtlCol="0" anchor="ctr"/>
+          <a:lstStyle/>
+          <a:p>
+            <a:pPr algn="ctr"/>
+            <a:r>
+              <a:rPr lang="ru-RU" sz="700" dirty="0" smtClean="0"/>
+              <a:t>Увеличить уровень здравоохранения </a:t>
+            </a:r>
+            <a:r>
+              <a:rPr lang="ru-RU" sz="100" dirty="0" smtClean="0"/>
+              <a:t>(</a:t>
+            </a:r>
+            <a:r>
+              <a:rPr lang="ru-RU" sz="100" dirty="0"/>
+              <a:t>В здравоохранении, несмотря на нехватку врачей и потребности военной медицины, количество мест для туберкулезных больных стало на тысячу больше, чем в 1936 году. В 1937 году прошли повсеместные прививки от оспы, дифтерии и тифа, а к концу года центров помощи детям стало больше, чем перед войной во всей Испании. Самоотверженная деятельность иностранных медиков-добровольцев сказывалась по всей республике, устанавливая новые стандарты гигиены и заботы о здоровье. Эти успехи, достигнутые в военной обстановке, было нелегко игнорировать.</a:t>
+            </a:r>
+            <a:r>
+              <a:rPr lang="ru-RU" sz="100" dirty="0" smtClean="0"/>
+              <a:t>)</a:t>
+            </a:r>
+            <a:endParaRPr lang="ru-RU" sz="100" dirty="0"/>
+          </a:p>
+        </p:txBody>
+      </p:sp>
+      <p:cxnSp>
+        <p:nvCxnSpPr>
+          <p:cNvPr id="127" name="Соединительная линия уступом 126"/>
+          <p:cNvCxnSpPr>
+            <a:stCxn id="836" idx="2"/>
+            <a:endCxn id="123" idx="0"/>
+          </p:cNvCxnSpPr>
+          <p:nvPr/>
+        </p:nvCxnSpPr>
+        <p:spPr>
+          <a:xfrm rot="5400000">
+            <a:off x="18244170" y="5719261"/>
+            <a:ext cx="1085227" cy="2"/>
+          </a:xfrm>
+          <a:prstGeom prst="bentConnector3">
+            <a:avLst>
+              <a:gd name="adj1" fmla="val 50000"/>
+            </a:avLst>
+          </a:prstGeom>
+          <a:ln w="19050">
+            <a:tailEnd type="arrow"/>
+          </a:ln>
+        </p:spPr>
+        <p:style>
+          <a:lnRef idx="1">
+            <a:schemeClr val="accent1"/>
+          </a:lnRef>
+          <a:fillRef idx="0">
+            <a:schemeClr val="accent1"/>
+          </a:fillRef>
+          <a:effectRef idx="0">
+            <a:schemeClr val="accent1"/>
+          </a:effectRef>
+          <a:fontRef idx="minor">
+            <a:schemeClr val="tx1"/>
+          </a:fontRef>
+        </p:style>
+      </p:cxnSp>
+      <p:sp>
+        <p:nvSpPr>
+          <p:cNvPr id="118" name="Прямоугольник 117"/>
+          <p:cNvSpPr/>
+          <p:nvPr/>
+        </p:nvSpPr>
+        <p:spPr>
+          <a:xfrm>
+            <a:off x="26173506" y="7021642"/>
+            <a:ext cx="926325" cy="540000"/>
+          </a:xfrm>
+          <a:prstGeom prst="rect">
+            <a:avLst/>
+          </a:prstGeom>
+          <a:solidFill>
+            <a:srgbClr val="FF0000"/>
+          </a:solidFill>
+          <a:ln w="19050"/>
+        </p:spPr>
+        <p:style>
+          <a:lnRef idx="2">
+            <a:schemeClr val="accent1"/>
+          </a:lnRef>
+          <a:fillRef idx="1">
+            <a:schemeClr val="lt1"/>
+          </a:fillRef>
+          <a:effectRef idx="0">
+            <a:schemeClr val="accent1"/>
+          </a:effectRef>
+          <a:fontRef idx="minor">
+            <a:schemeClr val="dk1"/>
+          </a:fontRef>
+        </p:style>
+        <p:txBody>
+          <a:bodyPr lIns="124733" tIns="62367" rIns="124733" bIns="62367" rtlCol="0" anchor="ctr"/>
+          <a:lstStyle/>
+          <a:p>
+            <a:pPr algn="ctr"/>
+            <a:r>
+              <a:rPr lang="ru-RU" sz="700" dirty="0" smtClean="0"/>
+              <a:t>Создание </a:t>
+            </a:r>
+            <a:r>
+              <a:rPr lang="en-US" sz="700" dirty="0" smtClean="0"/>
+              <a:t>SIM </a:t>
+            </a:r>
+            <a:r>
+              <a:rPr lang="ru-RU" sz="100" dirty="0" smtClean="0"/>
+              <a:t>(</a:t>
+            </a:r>
+            <a:r>
+              <a:rPr lang="ru-RU" sz="100" dirty="0"/>
+              <a:t>Появилась и новая организация SIM (тайная полиция и военная разведка). Ее с самого начала возглавляли коммунисты. Формально она Х.  Томас.  «Гражданская война в Испании. 1931-1939» 321 должна была выявлять шпионов. Но SIM не собиралась ограничиваться только этими задачами. С самого начала своей деятельности она взяла на вооружение все самые жуткие пытки НКВД. Камеры были такими маленькими, что заключенные с трудом в них умещались, еле удерживаясь на кирпичах, стоящих на ребре. Мощный электрический свет слепил, звуки глушили, на пленников лили ледяную воду, их жгли раскаленным железом, избивали дубинками. Вне всяких сомнений, SIM несет прямую ответственность за гибель многих призывников в республиканской армии, которые не столько проявляли трусость или плохо воевали, сколько не хотели подчиняться приказам командиров-коммунистов. Первый начальник этой службы, пианист </a:t>
+            </a:r>
+            <a:r>
+              <a:rPr lang="ru-RU" sz="100" dirty="0" err="1"/>
+              <a:t>Дуран</a:t>
+            </a:r>
+            <a:r>
+              <a:rPr lang="ru-RU" sz="100" dirty="0"/>
+              <a:t>, стал организатором омерзительного плана. Он позволил распространиться в Мадриде слухам, что из некоего дома в предместье </a:t>
+            </a:r>
+            <a:r>
+              <a:rPr lang="ru-RU" sz="100" dirty="0" err="1"/>
+              <a:t>Усера</a:t>
+            </a:r>
+            <a:r>
+              <a:rPr lang="ru-RU" sz="100" dirty="0"/>
+              <a:t> прорыт туннель, по которому можно выйти к передовой линии националистов. Немало сторонников националистов, включая и тех, кто укрывался в иностранных посольствах, попались на эти слухи и жестоко поплатились за легковерие. Когда они появлялись у входа в туннель, имея с собой лишь кое-какие ценные вещи, их встречал выстрел в упор. В конце войны в «туннеле смерти» было опознано 67 </a:t>
+            </a:r>
+            <a:r>
+              <a:rPr lang="ru-RU" sz="100" dirty="0" smtClean="0"/>
+              <a:t>тел)</a:t>
+            </a:r>
+            <a:r>
+              <a:rPr lang="ru-RU" sz="100" dirty="0"/>
+              <a:t> </a:t>
+            </a:r>
+            <a:r>
+              <a:rPr lang="ru-RU" sz="100" dirty="0" smtClean="0"/>
+              <a:t> Во </a:t>
+            </a:r>
+            <a:r>
+              <a:rPr lang="ru-RU" sz="100" dirty="0"/>
+              <a:t>время этого военного кризиса SIM в Барселоне продолжал заниматься своими делами. Официально военная разведка должна была ловить шпионов, но теперь она с той же страстью выявляла «пораженцев». Сюда входили также спекулянты, грабители и те, кто прятал запасы продуктов. Трибуналы на скорую руку выносили приговоры по этим «преступлениям». SIM взял на себя обязанность с мстительной торопливостью приводить приговоры в исполнение. Были расстреляны сорок человек, прежде чем вмешательство правительства положило этому конец. Специальные тюрьмы SIM в Барселоне, особенно в монастыре Сан Хуана, стали местами изощренных пыток, которые могло придумать только больное воображение Эдгара </a:t>
+            </a:r>
+            <a:r>
+              <a:rPr lang="ru-RU" sz="100" dirty="0" err="1"/>
+              <a:t>Аллана</a:t>
+            </a:r>
+            <a:r>
+              <a:rPr lang="ru-RU" sz="100" dirty="0"/>
+              <a:t> По. Пребывание в круглых темных комнатах с единственной лампочкой наверху вызывало головокружение. Некоторые камеры были такими маленькими, что в них нельзя было даже сидеть. </a:t>
+            </a:r>
+            <a:endParaRPr lang="ru-RU" sz="100" dirty="0" smtClean="0"/>
           </a:p>
         </p:txBody>
       </p:sp>

--- a/Наработки/диздоки/Испания/Испания левые.pptx
+++ b/Наработки/диздоки/Испания/Испания левые.pptx
@@ -209,7 +209,7 @@
             <a:fld id="{33E3D7F9-E251-484C-A6FF-FA958879DF69}" type="datetimeFigureOut">
               <a:rPr lang="ru-RU" smtClean="0"/>
               <a:pPr/>
-              <a:t>27.09.2021</a:t>
+              <a:t>27.10.2021</a:t>
             </a:fld>
             <a:endParaRPr lang="ru-RU"/>
           </a:p>
@@ -700,7 +700,7 @@
             <a:fld id="{85A5DE44-605B-4D3B-B2B7-94543DF81A36}" type="datetimeFigureOut">
               <a:rPr lang="ru-RU" smtClean="0"/>
               <a:pPr/>
-              <a:t>27.09.2021</a:t>
+              <a:t>27.10.2021</a:t>
             </a:fld>
             <a:endParaRPr lang="ru-RU"/>
           </a:p>
@@ -872,7 +872,7 @@
             <a:fld id="{85A5DE44-605B-4D3B-B2B7-94543DF81A36}" type="datetimeFigureOut">
               <a:rPr lang="ru-RU" smtClean="0"/>
               <a:pPr/>
-              <a:t>27.09.2021</a:t>
+              <a:t>27.10.2021</a:t>
             </a:fld>
             <a:endParaRPr lang="ru-RU"/>
           </a:p>
@@ -1054,7 +1054,7 @@
             <a:fld id="{85A5DE44-605B-4D3B-B2B7-94543DF81A36}" type="datetimeFigureOut">
               <a:rPr lang="ru-RU" smtClean="0"/>
               <a:pPr/>
-              <a:t>27.09.2021</a:t>
+              <a:t>27.10.2021</a:t>
             </a:fld>
             <a:endParaRPr lang="ru-RU"/>
           </a:p>
@@ -1226,7 +1226,7 @@
             <a:fld id="{85A5DE44-605B-4D3B-B2B7-94543DF81A36}" type="datetimeFigureOut">
               <a:rPr lang="ru-RU" smtClean="0"/>
               <a:pPr/>
-              <a:t>27.09.2021</a:t>
+              <a:t>27.10.2021</a:t>
             </a:fld>
             <a:endParaRPr lang="ru-RU"/>
           </a:p>
@@ -1474,7 +1474,7 @@
             <a:fld id="{85A5DE44-605B-4D3B-B2B7-94543DF81A36}" type="datetimeFigureOut">
               <a:rPr lang="ru-RU" smtClean="0"/>
               <a:pPr/>
-              <a:t>27.09.2021</a:t>
+              <a:t>27.10.2021</a:t>
             </a:fld>
             <a:endParaRPr lang="ru-RU"/>
           </a:p>
@@ -1708,7 +1708,7 @@
             <a:fld id="{85A5DE44-605B-4D3B-B2B7-94543DF81A36}" type="datetimeFigureOut">
               <a:rPr lang="ru-RU" smtClean="0"/>
               <a:pPr/>
-              <a:t>27.09.2021</a:t>
+              <a:t>27.10.2021</a:t>
             </a:fld>
             <a:endParaRPr lang="ru-RU"/>
           </a:p>
@@ -2077,7 +2077,7 @@
             <a:fld id="{85A5DE44-605B-4D3B-B2B7-94543DF81A36}" type="datetimeFigureOut">
               <a:rPr lang="ru-RU" smtClean="0"/>
               <a:pPr/>
-              <a:t>27.09.2021</a:t>
+              <a:t>27.10.2021</a:t>
             </a:fld>
             <a:endParaRPr lang="ru-RU"/>
           </a:p>
@@ -2197,7 +2197,7 @@
             <a:fld id="{85A5DE44-605B-4D3B-B2B7-94543DF81A36}" type="datetimeFigureOut">
               <a:rPr lang="ru-RU" smtClean="0"/>
               <a:pPr/>
-              <a:t>27.09.2021</a:t>
+              <a:t>27.10.2021</a:t>
             </a:fld>
             <a:endParaRPr lang="ru-RU"/>
           </a:p>
@@ -2294,7 +2294,7 @@
             <a:fld id="{85A5DE44-605B-4D3B-B2B7-94543DF81A36}" type="datetimeFigureOut">
               <a:rPr lang="ru-RU" smtClean="0"/>
               <a:pPr/>
-              <a:t>27.09.2021</a:t>
+              <a:t>27.10.2021</a:t>
             </a:fld>
             <a:endParaRPr lang="ru-RU"/>
           </a:p>
@@ -2573,7 +2573,7 @@
             <a:fld id="{85A5DE44-605B-4D3B-B2B7-94543DF81A36}" type="datetimeFigureOut">
               <a:rPr lang="ru-RU" smtClean="0"/>
               <a:pPr/>
-              <a:t>27.09.2021</a:t>
+              <a:t>27.10.2021</a:t>
             </a:fld>
             <a:endParaRPr lang="ru-RU"/>
           </a:p>
@@ -2832,7 +2832,7 @@
             <a:fld id="{85A5DE44-605B-4D3B-B2B7-94543DF81A36}" type="datetimeFigureOut">
               <a:rPr lang="ru-RU" smtClean="0"/>
               <a:pPr/>
-              <a:t>27.09.2021</a:t>
+              <a:t>27.10.2021</a:t>
             </a:fld>
             <a:endParaRPr lang="ru-RU"/>
           </a:p>
@@ -3047,7 +3047,7 @@
             <a:fld id="{85A5DE44-605B-4D3B-B2B7-94543DF81A36}" type="datetimeFigureOut">
               <a:rPr lang="ru-RU" smtClean="0"/>
               <a:pPr/>
-              <a:t>27.09.2021</a:t>
+              <a:t>27.10.2021</a:t>
             </a:fld>
             <a:endParaRPr lang="ru-RU"/>
           </a:p>

--- a/Наработки/диздоки/Испания/Испания левые.pptx
+++ b/Наработки/диздоки/Испания/Испания левые.pptx
@@ -6130,7 +6130,7 @@
         </p:nvSpPr>
         <p:spPr>
           <a:xfrm>
-            <a:off x="16624778" y="7069267"/>
+            <a:off x="17191499" y="7062270"/>
             <a:ext cx="926325" cy="540000"/>
           </a:xfrm>
           <a:prstGeom prst="rect">
@@ -6184,44 +6184,6 @@
           <a:xfrm rot="16200000" flipH="1">
             <a:off x="19515166" y="5829122"/>
             <a:ext cx="273921" cy="594063"/>
-          </a:xfrm>
-          <a:prstGeom prst="bentConnector3">
-            <a:avLst>
-              <a:gd name="adj1" fmla="val 50000"/>
-            </a:avLst>
-          </a:prstGeom>
-          <a:ln w="19050">
-            <a:tailEnd type="arrow"/>
-          </a:ln>
-        </p:spPr>
-        <p:style>
-          <a:lnRef idx="1">
-            <a:schemeClr val="accent1"/>
-          </a:lnRef>
-          <a:fillRef idx="0">
-            <a:schemeClr val="accent1"/>
-          </a:fillRef>
-          <a:effectRef idx="0">
-            <a:schemeClr val="accent1"/>
-          </a:effectRef>
-          <a:fontRef idx="minor">
-            <a:schemeClr val="tx1"/>
-          </a:fontRef>
-        </p:style>
-      </p:cxnSp>
-      <p:cxnSp>
-        <p:nvCxnSpPr>
-          <p:cNvPr id="112" name="Соединительная линия уступом 111"/>
-          <p:cNvCxnSpPr>
-            <a:stCxn id="93" idx="2"/>
-            <a:endCxn id="108" idx="0"/>
-          </p:cNvCxnSpPr>
-          <p:nvPr/>
-        </p:nvCxnSpPr>
-        <p:spPr>
-          <a:xfrm rot="5400000">
-            <a:off x="17238911" y="6653514"/>
-            <a:ext cx="264783" cy="566722"/>
           </a:xfrm>
           <a:prstGeom prst="bentConnector3">
             <a:avLst>
@@ -6983,528 +6945,6 @@
       </p:cxnSp>
       <p:sp>
         <p:nvSpPr>
-          <p:cNvPr id="159" name="Прямоугольник 158"/>
-          <p:cNvSpPr/>
-          <p:nvPr/>
-        </p:nvSpPr>
-        <p:spPr>
-          <a:xfrm>
-            <a:off x="17735558" y="7069267"/>
-            <a:ext cx="926325" cy="540000"/>
-          </a:xfrm>
-          <a:prstGeom prst="rect">
-            <a:avLst/>
-          </a:prstGeom>
-          <a:solidFill>
-            <a:schemeClr val="accent1">
-              <a:lumMod val="60000"/>
-              <a:lumOff val="40000"/>
-            </a:schemeClr>
-          </a:solidFill>
-          <a:ln w="19050"/>
-        </p:spPr>
-        <p:style>
-          <a:lnRef idx="2">
-            <a:schemeClr val="accent1"/>
-          </a:lnRef>
-          <a:fillRef idx="1">
-            <a:schemeClr val="lt1"/>
-          </a:fillRef>
-          <a:effectRef idx="0">
-            <a:schemeClr val="accent1"/>
-          </a:effectRef>
-          <a:fontRef idx="minor">
-            <a:schemeClr val="dk1"/>
-          </a:fontRef>
-        </p:style>
-        <p:txBody>
-          <a:bodyPr lIns="124733" tIns="62367" rIns="124733" bIns="62367" rtlCol="0" anchor="ctr"/>
-          <a:lstStyle/>
-          <a:p>
-            <a:pPr algn="ctr"/>
-            <a:r>
-              <a:rPr lang="ru-RU" sz="700" dirty="0" smtClean="0"/>
-              <a:t>Статус Валенсии (автономия для Валенсии)</a:t>
-            </a:r>
-            <a:endParaRPr lang="ru-RU" sz="700" dirty="0"/>
-          </a:p>
-        </p:txBody>
-      </p:sp>
-      <p:sp>
-        <p:nvSpPr>
-          <p:cNvPr id="160" name="Прямоугольник 159"/>
-          <p:cNvSpPr/>
-          <p:nvPr/>
-        </p:nvSpPr>
-        <p:spPr>
-          <a:xfrm>
-            <a:off x="17735557" y="7880393"/>
-            <a:ext cx="926325" cy="540000"/>
-          </a:xfrm>
-          <a:prstGeom prst="rect">
-            <a:avLst/>
-          </a:prstGeom>
-          <a:solidFill>
-            <a:schemeClr val="accent1">
-              <a:lumMod val="60000"/>
-              <a:lumOff val="40000"/>
-            </a:schemeClr>
-          </a:solidFill>
-          <a:ln w="19050"/>
-        </p:spPr>
-        <p:style>
-          <a:lnRef idx="2">
-            <a:schemeClr val="accent1"/>
-          </a:lnRef>
-          <a:fillRef idx="1">
-            <a:schemeClr val="lt1"/>
-          </a:fillRef>
-          <a:effectRef idx="0">
-            <a:schemeClr val="accent1"/>
-          </a:effectRef>
-          <a:fontRef idx="minor">
-            <a:schemeClr val="dk1"/>
-          </a:fontRef>
-        </p:style>
-        <p:txBody>
-          <a:bodyPr lIns="124733" tIns="62367" rIns="124733" bIns="62367" rtlCol="0" anchor="ctr"/>
-          <a:lstStyle/>
-          <a:p>
-            <a:pPr algn="ctr"/>
-            <a:endParaRPr lang="ru-RU" sz="700" dirty="0"/>
-          </a:p>
-        </p:txBody>
-      </p:sp>
-      <p:sp>
-        <p:nvSpPr>
-          <p:cNvPr id="161" name="Прямоугольник 160"/>
-          <p:cNvSpPr/>
-          <p:nvPr/>
-        </p:nvSpPr>
-        <p:spPr>
-          <a:xfrm>
-            <a:off x="17735558" y="8689267"/>
-            <a:ext cx="926325" cy="540000"/>
-          </a:xfrm>
-          <a:prstGeom prst="rect">
-            <a:avLst/>
-          </a:prstGeom>
-          <a:solidFill>
-            <a:schemeClr val="accent1">
-              <a:lumMod val="60000"/>
-              <a:lumOff val="40000"/>
-            </a:schemeClr>
-          </a:solidFill>
-          <a:ln w="19050"/>
-        </p:spPr>
-        <p:style>
-          <a:lnRef idx="2">
-            <a:schemeClr val="accent1"/>
-          </a:lnRef>
-          <a:fillRef idx="1">
-            <a:schemeClr val="lt1"/>
-          </a:fillRef>
-          <a:effectRef idx="0">
-            <a:schemeClr val="accent1"/>
-          </a:effectRef>
-          <a:fontRef idx="minor">
-            <a:schemeClr val="dk1"/>
-          </a:fontRef>
-        </p:style>
-        <p:txBody>
-          <a:bodyPr lIns="124733" tIns="62367" rIns="124733" bIns="62367" rtlCol="0" anchor="ctr"/>
-          <a:lstStyle/>
-          <a:p>
-            <a:pPr algn="ctr"/>
-            <a:endParaRPr lang="ru-RU" sz="700" dirty="0"/>
-          </a:p>
-        </p:txBody>
-      </p:sp>
-      <p:cxnSp>
-        <p:nvCxnSpPr>
-          <p:cNvPr id="162" name="Соединительная линия уступом 161"/>
-          <p:cNvCxnSpPr>
-            <a:stCxn id="159" idx="2"/>
-            <a:endCxn id="160" idx="0"/>
-          </p:cNvCxnSpPr>
-          <p:nvPr/>
-        </p:nvCxnSpPr>
-        <p:spPr>
-          <a:xfrm rot="5400000">
-            <a:off x="18063158" y="7744830"/>
-            <a:ext cx="271126" cy="1"/>
-          </a:xfrm>
-          <a:prstGeom prst="bentConnector3">
-            <a:avLst>
-              <a:gd name="adj1" fmla="val 50000"/>
-            </a:avLst>
-          </a:prstGeom>
-          <a:ln w="19050">
-            <a:tailEnd type="arrow"/>
-          </a:ln>
-        </p:spPr>
-        <p:style>
-          <a:lnRef idx="1">
-            <a:schemeClr val="accent1"/>
-          </a:lnRef>
-          <a:fillRef idx="0">
-            <a:schemeClr val="accent1"/>
-          </a:fillRef>
-          <a:effectRef idx="0">
-            <a:schemeClr val="accent1"/>
-          </a:effectRef>
-          <a:fontRef idx="minor">
-            <a:schemeClr val="tx1"/>
-          </a:fontRef>
-        </p:style>
-      </p:cxnSp>
-      <p:cxnSp>
-        <p:nvCxnSpPr>
-          <p:cNvPr id="163" name="Соединительная линия уступом 162"/>
-          <p:cNvCxnSpPr>
-            <a:stCxn id="160" idx="2"/>
-            <a:endCxn id="161" idx="0"/>
-          </p:cNvCxnSpPr>
-          <p:nvPr/>
-        </p:nvCxnSpPr>
-        <p:spPr>
-          <a:xfrm rot="16200000" flipH="1">
-            <a:off x="18064283" y="8554829"/>
-            <a:ext cx="268874" cy="1"/>
-          </a:xfrm>
-          <a:prstGeom prst="bentConnector3">
-            <a:avLst>
-              <a:gd name="adj1" fmla="val 50000"/>
-            </a:avLst>
-          </a:prstGeom>
-          <a:ln w="19050">
-            <a:tailEnd type="arrow"/>
-          </a:ln>
-        </p:spPr>
-        <p:style>
-          <a:lnRef idx="1">
-            <a:schemeClr val="accent1"/>
-          </a:lnRef>
-          <a:fillRef idx="0">
-            <a:schemeClr val="accent1"/>
-          </a:fillRef>
-          <a:effectRef idx="0">
-            <a:schemeClr val="accent1"/>
-          </a:effectRef>
-          <a:fontRef idx="minor">
-            <a:schemeClr val="tx1"/>
-          </a:fontRef>
-        </p:style>
-      </p:cxnSp>
-      <p:cxnSp>
-        <p:nvCxnSpPr>
-          <p:cNvPr id="164" name="Соединительная линия уступом 163"/>
-          <p:cNvCxnSpPr>
-            <a:stCxn id="37" idx="2"/>
-            <a:endCxn id="159" idx="0"/>
-          </p:cNvCxnSpPr>
-          <p:nvPr/>
-        </p:nvCxnSpPr>
-        <p:spPr>
-          <a:xfrm rot="5400000">
-            <a:off x="19772504" y="5225484"/>
-            <a:ext cx="270000" cy="3417566"/>
-          </a:xfrm>
-          <a:prstGeom prst="bentConnector3">
-            <a:avLst>
-              <a:gd name="adj1" fmla="val 50000"/>
-            </a:avLst>
-          </a:prstGeom>
-          <a:ln w="19050">
-            <a:tailEnd type="arrow"/>
-          </a:ln>
-        </p:spPr>
-        <p:style>
-          <a:lnRef idx="1">
-            <a:schemeClr val="accent1"/>
-          </a:lnRef>
-          <a:fillRef idx="0">
-            <a:schemeClr val="accent1"/>
-          </a:fillRef>
-          <a:effectRef idx="0">
-            <a:schemeClr val="accent1"/>
-          </a:effectRef>
-          <a:fontRef idx="minor">
-            <a:schemeClr val="tx1"/>
-          </a:fontRef>
-        </p:style>
-      </p:cxnSp>
-      <p:sp>
-        <p:nvSpPr>
-          <p:cNvPr id="167" name="Прямоугольник 166"/>
-          <p:cNvSpPr/>
-          <p:nvPr/>
-        </p:nvSpPr>
-        <p:spPr>
-          <a:xfrm>
-            <a:off x="18323621" y="9427346"/>
-            <a:ext cx="926325" cy="540000"/>
-          </a:xfrm>
-          <a:prstGeom prst="rect">
-            <a:avLst/>
-          </a:prstGeom>
-          <a:solidFill>
-            <a:schemeClr val="accent1">
-              <a:lumMod val="60000"/>
-              <a:lumOff val="40000"/>
-            </a:schemeClr>
-          </a:solidFill>
-          <a:ln w="19050"/>
-        </p:spPr>
-        <p:style>
-          <a:lnRef idx="2">
-            <a:schemeClr val="accent1"/>
-          </a:lnRef>
-          <a:fillRef idx="1">
-            <a:schemeClr val="lt1"/>
-          </a:fillRef>
-          <a:effectRef idx="0">
-            <a:schemeClr val="accent1"/>
-          </a:effectRef>
-          <a:fontRef idx="minor">
-            <a:schemeClr val="dk1"/>
-          </a:fontRef>
-        </p:style>
-        <p:txBody>
-          <a:bodyPr lIns="124733" tIns="62367" rIns="124733" bIns="62367" rtlCol="0" anchor="ctr"/>
-          <a:lstStyle/>
-          <a:p>
-            <a:pPr algn="ctr"/>
-            <a:r>
-              <a:rPr lang="ru-RU" sz="700" dirty="0" smtClean="0"/>
-              <a:t>Статус </a:t>
-            </a:r>
-            <a:r>
-              <a:rPr lang="ru-RU" sz="700" dirty="0" err="1" smtClean="0"/>
-              <a:t>Сантандера</a:t>
-            </a:r>
-            <a:r>
-              <a:rPr lang="ru-RU" sz="700" dirty="0" smtClean="0"/>
-              <a:t> (автономия для </a:t>
-            </a:r>
-            <a:r>
-              <a:rPr lang="ru-RU" sz="700" dirty="0" err="1" smtClean="0"/>
-              <a:t>Сантандера</a:t>
-            </a:r>
-            <a:r>
-              <a:rPr lang="ru-RU" sz="700" dirty="0" smtClean="0"/>
-              <a:t>)</a:t>
-            </a:r>
-            <a:endParaRPr lang="ru-RU" sz="700" dirty="0"/>
-          </a:p>
-        </p:txBody>
-      </p:sp>
-      <p:sp>
-        <p:nvSpPr>
-          <p:cNvPr id="168" name="Прямоугольник 167"/>
-          <p:cNvSpPr/>
-          <p:nvPr/>
-        </p:nvSpPr>
-        <p:spPr>
-          <a:xfrm>
-            <a:off x="18323620" y="10238472"/>
-            <a:ext cx="926325" cy="540000"/>
-          </a:xfrm>
-          <a:prstGeom prst="rect">
-            <a:avLst/>
-          </a:prstGeom>
-          <a:solidFill>
-            <a:schemeClr val="accent1">
-              <a:lumMod val="60000"/>
-              <a:lumOff val="40000"/>
-            </a:schemeClr>
-          </a:solidFill>
-          <a:ln w="19050"/>
-        </p:spPr>
-        <p:style>
-          <a:lnRef idx="2">
-            <a:schemeClr val="accent1"/>
-          </a:lnRef>
-          <a:fillRef idx="1">
-            <a:schemeClr val="lt1"/>
-          </a:fillRef>
-          <a:effectRef idx="0">
-            <a:schemeClr val="accent1"/>
-          </a:effectRef>
-          <a:fontRef idx="minor">
-            <a:schemeClr val="dk1"/>
-          </a:fontRef>
-        </p:style>
-        <p:txBody>
-          <a:bodyPr lIns="124733" tIns="62367" rIns="124733" bIns="62367" rtlCol="0" anchor="ctr"/>
-          <a:lstStyle/>
-          <a:p>
-            <a:pPr algn="ctr"/>
-            <a:endParaRPr lang="ru-RU" sz="700" dirty="0"/>
-          </a:p>
-        </p:txBody>
-      </p:sp>
-      <p:sp>
-        <p:nvSpPr>
-          <p:cNvPr id="169" name="Прямоугольник 168"/>
-          <p:cNvSpPr/>
-          <p:nvPr/>
-        </p:nvSpPr>
-        <p:spPr>
-          <a:xfrm>
-            <a:off x="18323621" y="11047346"/>
-            <a:ext cx="926325" cy="540000"/>
-          </a:xfrm>
-          <a:prstGeom prst="rect">
-            <a:avLst/>
-          </a:prstGeom>
-          <a:solidFill>
-            <a:schemeClr val="accent1">
-              <a:lumMod val="60000"/>
-              <a:lumOff val="40000"/>
-            </a:schemeClr>
-          </a:solidFill>
-          <a:ln w="19050"/>
-        </p:spPr>
-        <p:style>
-          <a:lnRef idx="2">
-            <a:schemeClr val="accent1"/>
-          </a:lnRef>
-          <a:fillRef idx="1">
-            <a:schemeClr val="lt1"/>
-          </a:fillRef>
-          <a:effectRef idx="0">
-            <a:schemeClr val="accent1"/>
-          </a:effectRef>
-          <a:fontRef idx="minor">
-            <a:schemeClr val="dk1"/>
-          </a:fontRef>
-        </p:style>
-        <p:txBody>
-          <a:bodyPr lIns="124733" tIns="62367" rIns="124733" bIns="62367" rtlCol="0" anchor="ctr"/>
-          <a:lstStyle/>
-          <a:p>
-            <a:pPr algn="ctr"/>
-            <a:endParaRPr lang="ru-RU" sz="700" dirty="0"/>
-          </a:p>
-        </p:txBody>
-      </p:sp>
-      <p:cxnSp>
-        <p:nvCxnSpPr>
-          <p:cNvPr id="170" name="Соединительная линия уступом 169"/>
-          <p:cNvCxnSpPr>
-            <a:stCxn id="167" idx="2"/>
-            <a:endCxn id="168" idx="0"/>
-          </p:cNvCxnSpPr>
-          <p:nvPr/>
-        </p:nvCxnSpPr>
-        <p:spPr>
-          <a:xfrm rot="5400000">
-            <a:off x="18651221" y="10102909"/>
-            <a:ext cx="271126" cy="1"/>
-          </a:xfrm>
-          <a:prstGeom prst="bentConnector3">
-            <a:avLst>
-              <a:gd name="adj1" fmla="val 50000"/>
-            </a:avLst>
-          </a:prstGeom>
-          <a:ln w="19050">
-            <a:tailEnd type="arrow"/>
-          </a:ln>
-        </p:spPr>
-        <p:style>
-          <a:lnRef idx="1">
-            <a:schemeClr val="accent1"/>
-          </a:lnRef>
-          <a:fillRef idx="0">
-            <a:schemeClr val="accent1"/>
-          </a:fillRef>
-          <a:effectRef idx="0">
-            <a:schemeClr val="accent1"/>
-          </a:effectRef>
-          <a:fontRef idx="minor">
-            <a:schemeClr val="tx1"/>
-          </a:fontRef>
-        </p:style>
-      </p:cxnSp>
-      <p:cxnSp>
-        <p:nvCxnSpPr>
-          <p:cNvPr id="171" name="Соединительная линия уступом 170"/>
-          <p:cNvCxnSpPr>
-            <a:stCxn id="168" idx="2"/>
-            <a:endCxn id="169" idx="0"/>
-          </p:cNvCxnSpPr>
-          <p:nvPr/>
-        </p:nvCxnSpPr>
-        <p:spPr>
-          <a:xfrm rot="16200000" flipH="1">
-            <a:off x="18652346" y="10912908"/>
-            <a:ext cx="268874" cy="1"/>
-          </a:xfrm>
-          <a:prstGeom prst="bentConnector3">
-            <a:avLst>
-              <a:gd name="adj1" fmla="val 50000"/>
-            </a:avLst>
-          </a:prstGeom>
-          <a:ln w="19050">
-            <a:tailEnd type="arrow"/>
-          </a:ln>
-        </p:spPr>
-        <p:style>
-          <a:lnRef idx="1">
-            <a:schemeClr val="accent1"/>
-          </a:lnRef>
-          <a:fillRef idx="0">
-            <a:schemeClr val="accent1"/>
-          </a:fillRef>
-          <a:effectRef idx="0">
-            <a:schemeClr val="accent1"/>
-          </a:effectRef>
-          <a:fontRef idx="minor">
-            <a:schemeClr val="tx1"/>
-          </a:fontRef>
-        </p:style>
-      </p:cxnSp>
-      <p:cxnSp>
-        <p:nvCxnSpPr>
-          <p:cNvPr id="172" name="Соединительная линия уступом 171"/>
-          <p:cNvCxnSpPr>
-            <a:stCxn id="37" idx="2"/>
-            <a:endCxn id="167" idx="0"/>
-          </p:cNvCxnSpPr>
-          <p:nvPr/>
-        </p:nvCxnSpPr>
-        <p:spPr>
-          <a:xfrm rot="5400000">
-            <a:off x="18887497" y="6698555"/>
-            <a:ext cx="2628079" cy="2829503"/>
-          </a:xfrm>
-          <a:prstGeom prst="bentConnector3">
-            <a:avLst>
-              <a:gd name="adj1" fmla="val 4973"/>
-            </a:avLst>
-          </a:prstGeom>
-          <a:ln w="19050">
-            <a:tailEnd type="arrow"/>
-          </a:ln>
-        </p:spPr>
-        <p:style>
-          <a:lnRef idx="1">
-            <a:schemeClr val="accent1"/>
-          </a:lnRef>
-          <a:fillRef idx="0">
-            <a:schemeClr val="accent1"/>
-          </a:fillRef>
-          <a:effectRef idx="0">
-            <a:schemeClr val="accent1"/>
-          </a:effectRef>
-          <a:fontRef idx="minor">
-            <a:schemeClr val="tx1"/>
-          </a:fontRef>
-        </p:style>
-      </p:cxnSp>
-      <p:sp>
-        <p:nvSpPr>
           <p:cNvPr id="89" name="Прямоугольник 88"/>
           <p:cNvSpPr/>
           <p:nvPr/>
@@ -9031,6 +8471,44 @@
           </a:p>
         </p:txBody>
       </p:sp>
+      <p:cxnSp>
+        <p:nvCxnSpPr>
+          <p:cNvPr id="124" name="Соединительная линия уступом 123"/>
+          <p:cNvCxnSpPr>
+            <a:stCxn id="93" idx="2"/>
+            <a:endCxn id="108" idx="0"/>
+          </p:cNvCxnSpPr>
+          <p:nvPr/>
+        </p:nvCxnSpPr>
+        <p:spPr>
+          <a:xfrm rot="5400000">
+            <a:off x="17525770" y="6933377"/>
+            <a:ext cx="257786" cy="1"/>
+          </a:xfrm>
+          <a:prstGeom prst="bentConnector3">
+            <a:avLst>
+              <a:gd name="adj1" fmla="val 50000"/>
+            </a:avLst>
+          </a:prstGeom>
+          <a:ln w="19050">
+            <a:tailEnd type="arrow"/>
+          </a:ln>
+        </p:spPr>
+        <p:style>
+          <a:lnRef idx="1">
+            <a:schemeClr val="accent1"/>
+          </a:lnRef>
+          <a:fillRef idx="0">
+            <a:schemeClr val="accent1"/>
+          </a:fillRef>
+          <a:effectRef idx="0">
+            <a:schemeClr val="accent1"/>
+          </a:effectRef>
+          <a:fontRef idx="minor">
+            <a:schemeClr val="tx1"/>
+          </a:fontRef>
+        </p:style>
+      </p:cxnSp>
     </p:spTree>
     <p:extLst>
       <p:ext uri="{BB962C8B-B14F-4D97-AF65-F5344CB8AC3E}">

--- a/Наработки/диздоки/Испания/Испания левые.pptx
+++ b/Наработки/диздоки/Испания/Испания левые.pptx
@@ -209,7 +209,7 @@
             <a:fld id="{33E3D7F9-E251-484C-A6FF-FA958879DF69}" type="datetimeFigureOut">
               <a:rPr lang="ru-RU" smtClean="0"/>
               <a:pPr/>
-              <a:t>27.10.2021</a:t>
+              <a:t>24.02.2022</a:t>
             </a:fld>
             <a:endParaRPr lang="ru-RU"/>
           </a:p>
@@ -273,38 +273,37 @@
           <a:p>
             <a:pPr lvl="0"/>
             <a:r>
-              <a:rPr lang="ru-RU" smtClean="0"/>
+              <a:rPr lang="ru-RU"/>
               <a:t>Образец текста</a:t>
             </a:r>
           </a:p>
           <a:p>
             <a:pPr lvl="1"/>
             <a:r>
-              <a:rPr lang="ru-RU" smtClean="0"/>
+              <a:rPr lang="ru-RU"/>
               <a:t>Второй уровень</a:t>
             </a:r>
           </a:p>
           <a:p>
             <a:pPr lvl="2"/>
             <a:r>
-              <a:rPr lang="ru-RU" smtClean="0"/>
+              <a:rPr lang="ru-RU"/>
               <a:t>Третий уровень</a:t>
             </a:r>
           </a:p>
           <a:p>
             <a:pPr lvl="3"/>
             <a:r>
-              <a:rPr lang="ru-RU" smtClean="0"/>
+              <a:rPr lang="ru-RU"/>
               <a:t>Четвертый уровень</a:t>
             </a:r>
           </a:p>
           <a:p>
             <a:pPr lvl="4"/>
             <a:r>
-              <a:rPr lang="ru-RU" smtClean="0"/>
+              <a:rPr lang="ru-RU"/>
               <a:t>Пятый уровень</a:t>
             </a:r>
-            <a:endParaRPr lang="ru-RU"/>
           </a:p>
         </p:txBody>
       </p:sp>
@@ -610,7 +609,7 @@
           </a:lstStyle>
           <a:p>
             <a:r>
-              <a:rPr lang="ru-RU" smtClean="0"/>
+              <a:rPr lang="ru-RU"/>
               <a:t>Образец заголовка</a:t>
             </a:r>
             <a:endParaRPr lang="en-US" dirty="0"/>
@@ -675,7 +674,7 @@
           </a:lstStyle>
           <a:p>
             <a:r>
-              <a:rPr lang="ru-RU" smtClean="0"/>
+              <a:rPr lang="ru-RU"/>
               <a:t>Образец подзаголовка</a:t>
             </a:r>
             <a:endParaRPr lang="en-US" dirty="0"/>
@@ -700,7 +699,7 @@
             <a:fld id="{85A5DE44-605B-4D3B-B2B7-94543DF81A36}" type="datetimeFigureOut">
               <a:rPr lang="ru-RU" smtClean="0"/>
               <a:pPr/>
-              <a:t>27.10.2021</a:t>
+              <a:t>24.02.2022</a:t>
             </a:fld>
             <a:endParaRPr lang="ru-RU"/>
           </a:p>
@@ -795,7 +794,7 @@
           <a:lstStyle/>
           <a:p>
             <a:r>
-              <a:rPr lang="ru-RU" smtClean="0"/>
+              <a:rPr lang="ru-RU"/>
               <a:t>Образец заголовка</a:t>
             </a:r>
             <a:endParaRPr lang="en-US" dirty="0"/>
@@ -819,35 +818,35 @@
           <a:p>
             <a:pPr lvl="0"/>
             <a:r>
-              <a:rPr lang="ru-RU" smtClean="0"/>
+              <a:rPr lang="ru-RU"/>
               <a:t>Образец текста</a:t>
             </a:r>
           </a:p>
           <a:p>
             <a:pPr lvl="1"/>
             <a:r>
-              <a:rPr lang="ru-RU" smtClean="0"/>
+              <a:rPr lang="ru-RU"/>
               <a:t>Второй уровень</a:t>
             </a:r>
           </a:p>
           <a:p>
             <a:pPr lvl="2"/>
             <a:r>
-              <a:rPr lang="ru-RU" smtClean="0"/>
+              <a:rPr lang="ru-RU"/>
               <a:t>Третий уровень</a:t>
             </a:r>
           </a:p>
           <a:p>
             <a:pPr lvl="3"/>
             <a:r>
-              <a:rPr lang="ru-RU" smtClean="0"/>
+              <a:rPr lang="ru-RU"/>
               <a:t>Четвертый уровень</a:t>
             </a:r>
           </a:p>
           <a:p>
             <a:pPr lvl="4"/>
             <a:r>
-              <a:rPr lang="ru-RU" smtClean="0"/>
+              <a:rPr lang="ru-RU"/>
               <a:t>Пятый уровень</a:t>
             </a:r>
             <a:endParaRPr lang="en-US" dirty="0"/>
@@ -872,7 +871,7 @@
             <a:fld id="{85A5DE44-605B-4D3B-B2B7-94543DF81A36}" type="datetimeFigureOut">
               <a:rPr lang="ru-RU" smtClean="0"/>
               <a:pPr/>
-              <a:t>27.10.2021</a:t>
+              <a:t>24.02.2022</a:t>
             </a:fld>
             <a:endParaRPr lang="ru-RU"/>
           </a:p>
@@ -972,7 +971,7 @@
           <a:lstStyle/>
           <a:p>
             <a:r>
-              <a:rPr lang="ru-RU" smtClean="0"/>
+              <a:rPr lang="ru-RU"/>
               <a:t>Образец заголовка</a:t>
             </a:r>
             <a:endParaRPr lang="en-US" dirty="0"/>
@@ -1001,35 +1000,35 @@
           <a:p>
             <a:pPr lvl="0"/>
             <a:r>
-              <a:rPr lang="ru-RU" smtClean="0"/>
+              <a:rPr lang="ru-RU"/>
               <a:t>Образец текста</a:t>
             </a:r>
           </a:p>
           <a:p>
             <a:pPr lvl="1"/>
             <a:r>
-              <a:rPr lang="ru-RU" smtClean="0"/>
+              <a:rPr lang="ru-RU"/>
               <a:t>Второй уровень</a:t>
             </a:r>
           </a:p>
           <a:p>
             <a:pPr lvl="2"/>
             <a:r>
-              <a:rPr lang="ru-RU" smtClean="0"/>
+              <a:rPr lang="ru-RU"/>
               <a:t>Третий уровень</a:t>
             </a:r>
           </a:p>
           <a:p>
             <a:pPr lvl="3"/>
             <a:r>
-              <a:rPr lang="ru-RU" smtClean="0"/>
+              <a:rPr lang="ru-RU"/>
               <a:t>Четвертый уровень</a:t>
             </a:r>
           </a:p>
           <a:p>
             <a:pPr lvl="4"/>
             <a:r>
-              <a:rPr lang="ru-RU" smtClean="0"/>
+              <a:rPr lang="ru-RU"/>
               <a:t>Пятый уровень</a:t>
             </a:r>
             <a:endParaRPr lang="en-US" dirty="0"/>
@@ -1054,7 +1053,7 @@
             <a:fld id="{85A5DE44-605B-4D3B-B2B7-94543DF81A36}" type="datetimeFigureOut">
               <a:rPr lang="ru-RU" smtClean="0"/>
               <a:pPr/>
-              <a:t>27.10.2021</a:t>
+              <a:t>24.02.2022</a:t>
             </a:fld>
             <a:endParaRPr lang="ru-RU"/>
           </a:p>
@@ -1149,7 +1148,7 @@
           <a:lstStyle/>
           <a:p>
             <a:r>
-              <a:rPr lang="ru-RU" smtClean="0"/>
+              <a:rPr lang="ru-RU"/>
               <a:t>Образец заголовка</a:t>
             </a:r>
             <a:endParaRPr lang="en-US" dirty="0"/>
@@ -1173,35 +1172,35 @@
           <a:p>
             <a:pPr lvl="0"/>
             <a:r>
-              <a:rPr lang="ru-RU" smtClean="0"/>
+              <a:rPr lang="ru-RU"/>
               <a:t>Образец текста</a:t>
             </a:r>
           </a:p>
           <a:p>
             <a:pPr lvl="1"/>
             <a:r>
-              <a:rPr lang="ru-RU" smtClean="0"/>
+              <a:rPr lang="ru-RU"/>
               <a:t>Второй уровень</a:t>
             </a:r>
           </a:p>
           <a:p>
             <a:pPr lvl="2"/>
             <a:r>
-              <a:rPr lang="ru-RU" smtClean="0"/>
+              <a:rPr lang="ru-RU"/>
               <a:t>Третий уровень</a:t>
             </a:r>
           </a:p>
           <a:p>
             <a:pPr lvl="3"/>
             <a:r>
-              <a:rPr lang="ru-RU" smtClean="0"/>
+              <a:rPr lang="ru-RU"/>
               <a:t>Четвертый уровень</a:t>
             </a:r>
           </a:p>
           <a:p>
             <a:pPr lvl="4"/>
             <a:r>
-              <a:rPr lang="ru-RU" smtClean="0"/>
+              <a:rPr lang="ru-RU"/>
               <a:t>Пятый уровень</a:t>
             </a:r>
             <a:endParaRPr lang="en-US" dirty="0"/>
@@ -1226,7 +1225,7 @@
             <a:fld id="{85A5DE44-605B-4D3B-B2B7-94543DF81A36}" type="datetimeFigureOut">
               <a:rPr lang="ru-RU" smtClean="0"/>
               <a:pPr/>
-              <a:t>27.10.2021</a:t>
+              <a:t>24.02.2022</a:t>
             </a:fld>
             <a:endParaRPr lang="ru-RU"/>
           </a:p>
@@ -1330,7 +1329,7 @@
           </a:lstStyle>
           <a:p>
             <a:r>
-              <a:rPr lang="ru-RU" smtClean="0"/>
+              <a:rPr lang="ru-RU"/>
               <a:t>Образец заголовка</a:t>
             </a:r>
             <a:endParaRPr lang="en-US" dirty="0"/>
@@ -1450,7 +1449,7 @@
           <a:p>
             <a:pPr lvl="0"/>
             <a:r>
-              <a:rPr lang="ru-RU" smtClean="0"/>
+              <a:rPr lang="ru-RU"/>
               <a:t>Образец текста</a:t>
             </a:r>
           </a:p>
@@ -1474,7 +1473,7 @@
             <a:fld id="{85A5DE44-605B-4D3B-B2B7-94543DF81A36}" type="datetimeFigureOut">
               <a:rPr lang="ru-RU" smtClean="0"/>
               <a:pPr/>
-              <a:t>27.10.2021</a:t>
+              <a:t>24.02.2022</a:t>
             </a:fld>
             <a:endParaRPr lang="ru-RU"/>
           </a:p>
@@ -1569,7 +1568,7 @@
           <a:lstStyle/>
           <a:p>
             <a:r>
-              <a:rPr lang="ru-RU" smtClean="0"/>
+              <a:rPr lang="ru-RU"/>
               <a:t>Образец заголовка</a:t>
             </a:r>
             <a:endParaRPr lang="en-US" dirty="0"/>
@@ -1598,35 +1597,35 @@
           <a:p>
             <a:pPr lvl="0"/>
             <a:r>
-              <a:rPr lang="ru-RU" smtClean="0"/>
+              <a:rPr lang="ru-RU"/>
               <a:t>Образец текста</a:t>
             </a:r>
           </a:p>
           <a:p>
             <a:pPr lvl="1"/>
             <a:r>
-              <a:rPr lang="ru-RU" smtClean="0"/>
+              <a:rPr lang="ru-RU"/>
               <a:t>Второй уровень</a:t>
             </a:r>
           </a:p>
           <a:p>
             <a:pPr lvl="2"/>
             <a:r>
-              <a:rPr lang="ru-RU" smtClean="0"/>
+              <a:rPr lang="ru-RU"/>
               <a:t>Третий уровень</a:t>
             </a:r>
           </a:p>
           <a:p>
             <a:pPr lvl="3"/>
             <a:r>
-              <a:rPr lang="ru-RU" smtClean="0"/>
+              <a:rPr lang="ru-RU"/>
               <a:t>Четвертый уровень</a:t>
             </a:r>
           </a:p>
           <a:p>
             <a:pPr lvl="4"/>
             <a:r>
-              <a:rPr lang="ru-RU" smtClean="0"/>
+              <a:rPr lang="ru-RU"/>
               <a:t>Пятый уровень</a:t>
             </a:r>
             <a:endParaRPr lang="en-US" dirty="0"/>
@@ -1655,35 +1654,35 @@
           <a:p>
             <a:pPr lvl="0"/>
             <a:r>
-              <a:rPr lang="ru-RU" smtClean="0"/>
+              <a:rPr lang="ru-RU"/>
               <a:t>Образец текста</a:t>
             </a:r>
           </a:p>
           <a:p>
             <a:pPr lvl="1"/>
             <a:r>
-              <a:rPr lang="ru-RU" smtClean="0"/>
+              <a:rPr lang="ru-RU"/>
               <a:t>Второй уровень</a:t>
             </a:r>
           </a:p>
           <a:p>
             <a:pPr lvl="2"/>
             <a:r>
-              <a:rPr lang="ru-RU" smtClean="0"/>
+              <a:rPr lang="ru-RU"/>
               <a:t>Третий уровень</a:t>
             </a:r>
           </a:p>
           <a:p>
             <a:pPr lvl="3"/>
             <a:r>
-              <a:rPr lang="ru-RU" smtClean="0"/>
+              <a:rPr lang="ru-RU"/>
               <a:t>Четвертый уровень</a:t>
             </a:r>
           </a:p>
           <a:p>
             <a:pPr lvl="4"/>
             <a:r>
-              <a:rPr lang="ru-RU" smtClean="0"/>
+              <a:rPr lang="ru-RU"/>
               <a:t>Пятый уровень</a:t>
             </a:r>
             <a:endParaRPr lang="en-US" dirty="0"/>
@@ -1708,7 +1707,7 @@
             <a:fld id="{85A5DE44-605B-4D3B-B2B7-94543DF81A36}" type="datetimeFigureOut">
               <a:rPr lang="ru-RU" smtClean="0"/>
               <a:pPr/>
-              <a:t>27.10.2021</a:t>
+              <a:t>24.02.2022</a:t>
             </a:fld>
             <a:endParaRPr lang="ru-RU"/>
           </a:p>
@@ -1808,7 +1807,7 @@
           <a:lstStyle/>
           <a:p>
             <a:r>
-              <a:rPr lang="ru-RU" smtClean="0"/>
+              <a:rPr lang="ru-RU"/>
               <a:t>Образец заголовка</a:t>
             </a:r>
             <a:endParaRPr lang="en-US" dirty="0"/>
@@ -1874,7 +1873,7 @@
           <a:p>
             <a:pPr lvl="0"/>
             <a:r>
-              <a:rPr lang="ru-RU" smtClean="0"/>
+              <a:rPr lang="ru-RU"/>
               <a:t>Образец текста</a:t>
             </a:r>
           </a:p>
@@ -1902,35 +1901,35 @@
           <a:p>
             <a:pPr lvl="0"/>
             <a:r>
-              <a:rPr lang="ru-RU" smtClean="0"/>
+              <a:rPr lang="ru-RU"/>
               <a:t>Образец текста</a:t>
             </a:r>
           </a:p>
           <a:p>
             <a:pPr lvl="1"/>
             <a:r>
-              <a:rPr lang="ru-RU" smtClean="0"/>
+              <a:rPr lang="ru-RU"/>
               <a:t>Второй уровень</a:t>
             </a:r>
           </a:p>
           <a:p>
             <a:pPr lvl="2"/>
             <a:r>
-              <a:rPr lang="ru-RU" smtClean="0"/>
+              <a:rPr lang="ru-RU"/>
               <a:t>Третий уровень</a:t>
             </a:r>
           </a:p>
           <a:p>
             <a:pPr lvl="3"/>
             <a:r>
-              <a:rPr lang="ru-RU" smtClean="0"/>
+              <a:rPr lang="ru-RU"/>
               <a:t>Четвертый уровень</a:t>
             </a:r>
           </a:p>
           <a:p>
             <a:pPr lvl="4"/>
             <a:r>
-              <a:rPr lang="ru-RU" smtClean="0"/>
+              <a:rPr lang="ru-RU"/>
               <a:t>Пятый уровень</a:t>
             </a:r>
             <a:endParaRPr lang="en-US" dirty="0"/>
@@ -1996,7 +1995,7 @@
           <a:p>
             <a:pPr lvl="0"/>
             <a:r>
-              <a:rPr lang="ru-RU" smtClean="0"/>
+              <a:rPr lang="ru-RU"/>
               <a:t>Образец текста</a:t>
             </a:r>
           </a:p>
@@ -2024,35 +2023,35 @@
           <a:p>
             <a:pPr lvl="0"/>
             <a:r>
-              <a:rPr lang="ru-RU" smtClean="0"/>
+              <a:rPr lang="ru-RU"/>
               <a:t>Образец текста</a:t>
             </a:r>
           </a:p>
           <a:p>
             <a:pPr lvl="1"/>
             <a:r>
-              <a:rPr lang="ru-RU" smtClean="0"/>
+              <a:rPr lang="ru-RU"/>
               <a:t>Второй уровень</a:t>
             </a:r>
           </a:p>
           <a:p>
             <a:pPr lvl="2"/>
             <a:r>
-              <a:rPr lang="ru-RU" smtClean="0"/>
+              <a:rPr lang="ru-RU"/>
               <a:t>Третий уровень</a:t>
             </a:r>
           </a:p>
           <a:p>
             <a:pPr lvl="3"/>
             <a:r>
-              <a:rPr lang="ru-RU" smtClean="0"/>
+              <a:rPr lang="ru-RU"/>
               <a:t>Четвертый уровень</a:t>
             </a:r>
           </a:p>
           <a:p>
             <a:pPr lvl="4"/>
             <a:r>
-              <a:rPr lang="ru-RU" smtClean="0"/>
+              <a:rPr lang="ru-RU"/>
               <a:t>Пятый уровень</a:t>
             </a:r>
             <a:endParaRPr lang="en-US" dirty="0"/>
@@ -2077,7 +2076,7 @@
             <a:fld id="{85A5DE44-605B-4D3B-B2B7-94543DF81A36}" type="datetimeFigureOut">
               <a:rPr lang="ru-RU" smtClean="0"/>
               <a:pPr/>
-              <a:t>27.10.2021</a:t>
+              <a:t>24.02.2022</a:t>
             </a:fld>
             <a:endParaRPr lang="ru-RU"/>
           </a:p>
@@ -2172,7 +2171,7 @@
           <a:lstStyle/>
           <a:p>
             <a:r>
-              <a:rPr lang="ru-RU" smtClean="0"/>
+              <a:rPr lang="ru-RU"/>
               <a:t>Образец заголовка</a:t>
             </a:r>
             <a:endParaRPr lang="en-US" dirty="0"/>
@@ -2197,7 +2196,7 @@
             <a:fld id="{85A5DE44-605B-4D3B-B2B7-94543DF81A36}" type="datetimeFigureOut">
               <a:rPr lang="ru-RU" smtClean="0"/>
               <a:pPr/>
-              <a:t>27.10.2021</a:t>
+              <a:t>24.02.2022</a:t>
             </a:fld>
             <a:endParaRPr lang="ru-RU"/>
           </a:p>
@@ -2294,7 +2293,7 @@
             <a:fld id="{85A5DE44-605B-4D3B-B2B7-94543DF81A36}" type="datetimeFigureOut">
               <a:rPr lang="ru-RU" smtClean="0"/>
               <a:pPr/>
-              <a:t>27.10.2021</a:t>
+              <a:t>24.02.2022</a:t>
             </a:fld>
             <a:endParaRPr lang="ru-RU"/>
           </a:p>
@@ -2398,7 +2397,7 @@
           </a:lstStyle>
           <a:p>
             <a:r>
-              <a:rPr lang="ru-RU" smtClean="0"/>
+              <a:rPr lang="ru-RU"/>
               <a:t>Образец заголовка</a:t>
             </a:r>
             <a:endParaRPr lang="en-US" dirty="0"/>
@@ -2455,35 +2454,35 @@
           <a:p>
             <a:pPr lvl="0"/>
             <a:r>
-              <a:rPr lang="ru-RU" smtClean="0"/>
+              <a:rPr lang="ru-RU"/>
               <a:t>Образец текста</a:t>
             </a:r>
           </a:p>
           <a:p>
             <a:pPr lvl="1"/>
             <a:r>
-              <a:rPr lang="ru-RU" smtClean="0"/>
+              <a:rPr lang="ru-RU"/>
               <a:t>Второй уровень</a:t>
             </a:r>
           </a:p>
           <a:p>
             <a:pPr lvl="2"/>
             <a:r>
-              <a:rPr lang="ru-RU" smtClean="0"/>
+              <a:rPr lang="ru-RU"/>
               <a:t>Третий уровень</a:t>
             </a:r>
           </a:p>
           <a:p>
             <a:pPr lvl="3"/>
             <a:r>
-              <a:rPr lang="ru-RU" smtClean="0"/>
+              <a:rPr lang="ru-RU"/>
               <a:t>Четвертый уровень</a:t>
             </a:r>
           </a:p>
           <a:p>
             <a:pPr lvl="4"/>
             <a:r>
-              <a:rPr lang="ru-RU" smtClean="0"/>
+              <a:rPr lang="ru-RU"/>
               <a:t>Пятый уровень</a:t>
             </a:r>
             <a:endParaRPr lang="en-US" dirty="0"/>
@@ -2549,7 +2548,7 @@
           <a:p>
             <a:pPr lvl="0"/>
             <a:r>
-              <a:rPr lang="ru-RU" smtClean="0"/>
+              <a:rPr lang="ru-RU"/>
               <a:t>Образец текста</a:t>
             </a:r>
           </a:p>
@@ -2573,7 +2572,7 @@
             <a:fld id="{85A5DE44-605B-4D3B-B2B7-94543DF81A36}" type="datetimeFigureOut">
               <a:rPr lang="ru-RU" smtClean="0"/>
               <a:pPr/>
-              <a:t>27.10.2021</a:t>
+              <a:t>24.02.2022</a:t>
             </a:fld>
             <a:endParaRPr lang="ru-RU"/>
           </a:p>
@@ -2677,7 +2676,7 @@
           </a:lstStyle>
           <a:p>
             <a:r>
-              <a:rPr lang="ru-RU" smtClean="0"/>
+              <a:rPr lang="ru-RU"/>
               <a:t>Образец заголовка</a:t>
             </a:r>
             <a:endParaRPr lang="en-US" dirty="0"/>
@@ -2742,7 +2741,7 @@
           </a:lstStyle>
           <a:p>
             <a:r>
-              <a:rPr lang="ru-RU" smtClean="0"/>
+              <a:rPr lang="ru-RU"/>
               <a:t>Вставка рисунка</a:t>
             </a:r>
             <a:endParaRPr lang="en-US" dirty="0"/>
@@ -2808,7 +2807,7 @@
           <a:p>
             <a:pPr lvl="0"/>
             <a:r>
-              <a:rPr lang="ru-RU" smtClean="0"/>
+              <a:rPr lang="ru-RU"/>
               <a:t>Образец текста</a:t>
             </a:r>
           </a:p>
@@ -2832,7 +2831,7 @@
             <a:fld id="{85A5DE44-605B-4D3B-B2B7-94543DF81A36}" type="datetimeFigureOut">
               <a:rPr lang="ru-RU" smtClean="0"/>
               <a:pPr/>
-              <a:t>27.10.2021</a:t>
+              <a:t>24.02.2022</a:t>
             </a:fld>
             <a:endParaRPr lang="ru-RU"/>
           </a:p>
@@ -2942,7 +2941,7 @@
           <a:lstStyle/>
           <a:p>
             <a:r>
-              <a:rPr lang="ru-RU" smtClean="0"/>
+              <a:rPr lang="ru-RU"/>
               <a:t>Образец заголовка</a:t>
             </a:r>
             <a:endParaRPr lang="en-US" dirty="0"/>
@@ -2976,35 +2975,35 @@
           <a:p>
             <a:pPr lvl="0"/>
             <a:r>
-              <a:rPr lang="ru-RU" smtClean="0"/>
+              <a:rPr lang="ru-RU"/>
               <a:t>Образец текста</a:t>
             </a:r>
           </a:p>
           <a:p>
             <a:pPr lvl="1"/>
             <a:r>
-              <a:rPr lang="ru-RU" smtClean="0"/>
+              <a:rPr lang="ru-RU"/>
               <a:t>Второй уровень</a:t>
             </a:r>
           </a:p>
           <a:p>
             <a:pPr lvl="2"/>
             <a:r>
-              <a:rPr lang="ru-RU" smtClean="0"/>
+              <a:rPr lang="ru-RU"/>
               <a:t>Третий уровень</a:t>
             </a:r>
           </a:p>
           <a:p>
             <a:pPr lvl="3"/>
             <a:r>
-              <a:rPr lang="ru-RU" smtClean="0"/>
+              <a:rPr lang="ru-RU"/>
               <a:t>Четвертый уровень</a:t>
             </a:r>
           </a:p>
           <a:p>
             <a:pPr lvl="4"/>
             <a:r>
-              <a:rPr lang="ru-RU" smtClean="0"/>
+              <a:rPr lang="ru-RU"/>
               <a:t>Пятый уровень</a:t>
             </a:r>
             <a:endParaRPr lang="en-US" dirty="0"/>
@@ -3047,7 +3046,7 @@
             <a:fld id="{85A5DE44-605B-4D3B-B2B7-94543DF81A36}" type="datetimeFigureOut">
               <a:rPr lang="ru-RU" smtClean="0"/>
               <a:pPr/>
-              <a:t>27.10.2021</a:t>
+              <a:t>24.02.2022</a:t>
             </a:fld>
             <a:endParaRPr lang="ru-RU"/>
           </a:p>
@@ -3489,10 +3488,9 @@
           <a:p>
             <a:pPr algn="ctr"/>
             <a:r>
-              <a:rPr lang="ru-RU" sz="3600" b="1" dirty="0" smtClean="0"/>
+              <a:rPr lang="ru-RU" sz="3600" b="1" dirty="0"/>
               <a:t>294</a:t>
             </a:r>
-            <a:endParaRPr lang="ru-RU" sz="3600" b="1" dirty="0"/>
           </a:p>
         </p:txBody>
       </p:sp>
@@ -3507,8 +3505,8 @@
         </p:nvCxnSpPr>
         <p:spPr>
           <a:xfrm rot="16200000" flipH="1">
-            <a:off x="23995673" y="2567401"/>
-            <a:ext cx="260212" cy="3876301"/>
+            <a:off x="30548859" y="3041498"/>
+            <a:ext cx="285157" cy="2920587"/>
           </a:xfrm>
           <a:prstGeom prst="bentConnector3">
             <a:avLst>
@@ -3544,9 +3542,9 @@
           <p:nvPr/>
         </p:nvCxnSpPr>
         <p:spPr>
-          <a:xfrm flipV="1">
-            <a:off x="22650791" y="4097051"/>
-            <a:ext cx="27629284" cy="8395"/>
+          <a:xfrm>
+            <a:off x="29694306" y="4089214"/>
+            <a:ext cx="20585769" cy="7837"/>
           </a:xfrm>
           <a:prstGeom prst="line">
             <a:avLst/>
@@ -3580,7 +3578,7 @@
         </p:nvSpPr>
         <p:spPr>
           <a:xfrm>
-            <a:off x="21724466" y="3835446"/>
+            <a:off x="28767981" y="3819214"/>
             <a:ext cx="926325" cy="540000"/>
           </a:xfrm>
           <a:prstGeom prst="rect">
@@ -3614,10 +3612,9 @@
           <a:p>
             <a:pPr algn="ctr"/>
             <a:r>
-              <a:rPr lang="ru-RU" sz="700" dirty="0" smtClean="0"/>
+              <a:rPr lang="ru-RU" sz="700" dirty="0"/>
               <a:t>Победа Народного фронта</a:t>
             </a:r>
-            <a:endParaRPr lang="ru-RU" sz="700" dirty="0"/>
           </a:p>
         </p:txBody>
       </p:sp>
@@ -3663,10 +3660,9 @@
           <a:p>
             <a:pPr algn="ctr"/>
             <a:r>
-              <a:rPr lang="ru-RU" sz="700" dirty="0" smtClean="0"/>
+              <a:rPr lang="ru-RU" sz="700" dirty="0"/>
               <a:t>Выборы 1936</a:t>
             </a:r>
-            <a:endParaRPr lang="ru-RU" sz="700" dirty="0"/>
           </a:p>
         </p:txBody>
       </p:sp>
@@ -3756,42 +3752,6 @@
           </a:fontRef>
         </p:style>
       </p:cxnSp>
-      <p:cxnSp>
-        <p:nvCxnSpPr>
-          <p:cNvPr id="827" name="Прямая со стрелкой 826"/>
-          <p:cNvCxnSpPr>
-            <a:stCxn id="808" idx="2"/>
-            <a:endCxn id="801" idx="0"/>
-          </p:cNvCxnSpPr>
-          <p:nvPr/>
-        </p:nvCxnSpPr>
-        <p:spPr>
-          <a:xfrm>
-            <a:off x="22187041" y="3402989"/>
-            <a:ext cx="588" cy="432457"/>
-          </a:xfrm>
-          <a:prstGeom prst="straightConnector1">
-            <a:avLst/>
-          </a:prstGeom>
-          <a:ln w="19050">
-            <a:tailEnd type="arrow"/>
-          </a:ln>
-        </p:spPr>
-        <p:style>
-          <a:lnRef idx="1">
-            <a:schemeClr val="accent1"/>
-          </a:lnRef>
-          <a:fillRef idx="0">
-            <a:schemeClr val="accent1"/>
-          </a:fillRef>
-          <a:effectRef idx="0">
-            <a:schemeClr val="accent1"/>
-          </a:effectRef>
-          <a:fontRef idx="minor">
-            <a:schemeClr val="tx1"/>
-          </a:fontRef>
-        </p:style>
-      </p:cxnSp>
       <p:sp>
         <p:nvSpPr>
           <p:cNvPr id="828" name="Прямоугольник 827"/>
@@ -3800,7 +3760,7 @@
         </p:nvSpPr>
         <p:spPr>
           <a:xfrm>
-            <a:off x="25600767" y="4635658"/>
+            <a:off x="31688568" y="4644371"/>
             <a:ext cx="926325" cy="540000"/>
           </a:xfrm>
           <a:prstGeom prst="rect">
@@ -3834,7 +3794,7 @@
           <a:p>
             <a:pPr algn="ctr"/>
             <a:r>
-              <a:rPr lang="ru-RU" sz="700" dirty="0" smtClean="0"/>
+              <a:rPr lang="ru-RU" sz="700" dirty="0"/>
               <a:t>Жёсткая цензура прессы</a:t>
             </a:r>
             <a:endParaRPr lang="ru-RU" sz="500" dirty="0"/>
@@ -3883,7 +3843,7 @@
           <a:p>
             <a:pPr algn="ctr"/>
             <a:r>
-              <a:rPr lang="ru-RU" sz="700" dirty="0" smtClean="0"/>
+              <a:rPr lang="ru-RU" sz="700" dirty="0"/>
               <a:t>Амнистия политзаключённых</a:t>
             </a:r>
             <a:endParaRPr lang="ru-RU" sz="500" dirty="0"/>
@@ -3901,8 +3861,8 @@
         </p:nvCxnSpPr>
         <p:spPr>
           <a:xfrm rot="5400000">
-            <a:off x="22056734" y="4505753"/>
-            <a:ext cx="261203" cy="588"/>
+            <a:off x="25570376" y="975880"/>
+            <a:ext cx="277435" cy="7044103"/>
           </a:xfrm>
           <a:prstGeom prst="bentConnector3">
             <a:avLst>
@@ -3970,12 +3930,8 @@
           <a:p>
             <a:pPr algn="ctr"/>
             <a:r>
-              <a:rPr lang="ru-RU" sz="700" dirty="0" smtClean="0"/>
-              <a:t>Запустить работу института аграрной </a:t>
-            </a:r>
-            <a:r>
               <a:rPr lang="ru-RU" sz="700" dirty="0"/>
-              <a:t>реформы </a:t>
+              <a:t>Запустить работу института аграрной реформы </a:t>
             </a:r>
             <a:r>
               <a:rPr lang="ru-RU" sz="200" dirty="0"/>
@@ -3995,13 +3951,8 @@
             </a:r>
             <a:r>
               <a:rPr lang="ru-RU" sz="200" dirty="0"/>
-              <a:t> института обзавелись своими участками земли</a:t>
-            </a:r>
-            <a:r>
-              <a:rPr lang="ru-RU" sz="200" dirty="0" smtClean="0"/>
-              <a:t>.)</a:t>
-            </a:r>
-            <a:endParaRPr lang="ru-RU" sz="200" dirty="0"/>
+              <a:t> института обзавелись своими участками земли.)</a:t>
+            </a:r>
           </a:p>
         </p:txBody>
       </p:sp>
@@ -4016,8 +3967,8 @@
         </p:nvCxnSpPr>
         <p:spPr>
           <a:xfrm rot="5400000">
-            <a:off x="20356606" y="2805625"/>
-            <a:ext cx="261203" cy="3400845"/>
+            <a:off x="23870247" y="-724249"/>
+            <a:ext cx="277435" cy="10444360"/>
           </a:xfrm>
           <a:prstGeom prst="bentConnector3">
             <a:avLst>
@@ -4051,7 +4002,7 @@
         </p:nvSpPr>
         <p:spPr>
           <a:xfrm>
-            <a:off x="24538115" y="4636650"/>
+            <a:off x="30625916" y="4645363"/>
             <a:ext cx="926325" cy="540000"/>
           </a:xfrm>
           <a:prstGeom prst="rect">
@@ -4085,10 +4036,9 @@
           <a:p>
             <a:pPr algn="ctr"/>
             <a:r>
-              <a:rPr lang="ru-RU" sz="700" dirty="0" smtClean="0"/>
+              <a:rPr lang="ru-RU" sz="700" dirty="0"/>
               <a:t>Введение чрезвычайного положение</a:t>
             </a:r>
-            <a:endParaRPr lang="ru-RU" sz="700" dirty="0"/>
           </a:p>
         </p:txBody>
       </p:sp>
@@ -4103,8 +4053,8 @@
         </p:nvCxnSpPr>
         <p:spPr>
           <a:xfrm rot="16200000" flipH="1">
-            <a:off x="23463851" y="3099223"/>
-            <a:ext cx="261204" cy="2813649"/>
+            <a:off x="30017037" y="3573320"/>
+            <a:ext cx="286149" cy="1857935"/>
           </a:xfrm>
           <a:prstGeom prst="bentConnector3">
             <a:avLst>
@@ -4172,10 +4122,9 @@
           <a:p>
             <a:pPr algn="ctr"/>
             <a:r>
-              <a:rPr lang="ru-RU" sz="700" dirty="0" smtClean="0"/>
+              <a:rPr lang="ru-RU" sz="700" dirty="0"/>
               <a:t>Провести выборы в Каталонии (автономия для Каталонии)</a:t>
             </a:r>
-            <a:endParaRPr lang="ru-RU" sz="700" dirty="0"/>
           </a:p>
         </p:txBody>
       </p:sp>
@@ -4221,12 +4170,8 @@
           <a:p>
             <a:pPr algn="ctr"/>
             <a:r>
-              <a:rPr lang="ru-RU" sz="700" dirty="0" smtClean="0"/>
-              <a:t>Возместить убытки </a:t>
-            </a:r>
-            <a:r>
               <a:rPr lang="ru-RU" sz="700" dirty="0"/>
-              <a:t>Астурийским рабочим </a:t>
+              <a:t>Возместить убытки Астурийским рабочим </a:t>
             </a:r>
             <a:r>
               <a:rPr lang="ru-RU" sz="100" dirty="0"/>
@@ -4278,13 +4223,8 @@
             </a:r>
             <a:r>
               <a:rPr lang="ru-RU" sz="100" dirty="0"/>
-              <a:t> об отношении нового правительства к испанской индустрии. В результате всех этих мер стоимость песеты упала, ведущие финансисты стали переводить свои средства из страны и уезжать </a:t>
-            </a:r>
-            <a:r>
-              <a:rPr lang="ru-RU" sz="100" dirty="0" smtClean="0"/>
-              <a:t>сами.)</a:t>
-            </a:r>
-            <a:endParaRPr lang="ru-RU" sz="100" dirty="0"/>
+              <a:t> об отношении нового правительства к испанской индустрии. В результате всех этих мер стоимость песеты упала, ведущие финансисты стали переводить свои средства из страны и уезжать сами.)</a:t>
+            </a:r>
           </a:p>
         </p:txBody>
       </p:sp>
@@ -4372,7 +4312,7 @@
         </p:nvSpPr>
         <p:spPr>
           <a:xfrm>
-            <a:off x="25068689" y="5445636"/>
+            <a:off x="31156490" y="5454349"/>
             <a:ext cx="926325" cy="540000"/>
           </a:xfrm>
           <a:prstGeom prst="rect">
@@ -4406,12 +4346,8 @@
           <a:p>
             <a:pPr algn="ctr"/>
             <a:r>
-              <a:rPr lang="ru-RU" sz="700" dirty="0" smtClean="0"/>
-              <a:t>Выборы </a:t>
-            </a:r>
-            <a:r>
               <a:rPr lang="ru-RU" sz="700" dirty="0"/>
-              <a:t>нового президента </a:t>
+              <a:t>Выборы нового президента </a:t>
             </a:r>
             <a:r>
               <a:rPr lang="ru-RU" sz="100" dirty="0"/>
@@ -4647,13 +4583,8 @@
             </a:r>
             <a:r>
               <a:rPr lang="ru-RU" sz="100" dirty="0"/>
-              <a:t> коммунизма</a:t>
-            </a:r>
-            <a:r>
-              <a:rPr lang="ru-RU" sz="100" dirty="0" smtClean="0"/>
-              <a:t>».)</a:t>
-            </a:r>
-            <a:endParaRPr lang="ru-RU" sz="100" dirty="0"/>
+              <a:t> коммунизма».)</a:t>
+            </a:r>
           </a:p>
         </p:txBody>
       </p:sp>
@@ -4668,7 +4599,7 @@
         </p:nvCxnSpPr>
         <p:spPr>
           <a:xfrm rot="5400000">
-            <a:off x="25662902" y="5044608"/>
+            <a:off x="31750703" y="5053321"/>
             <a:ext cx="269978" cy="532078"/>
           </a:xfrm>
           <a:prstGeom prst="bentConnector3">
@@ -4706,7 +4637,7 @@
         </p:nvCxnSpPr>
         <p:spPr>
           <a:xfrm rot="16200000" flipH="1">
-            <a:off x="25132072" y="5045856"/>
+            <a:off x="31219873" y="5054569"/>
             <a:ext cx="268986" cy="530574"/>
           </a:xfrm>
           <a:prstGeom prst="bentConnector3">
@@ -4741,7 +4672,7 @@
         </p:nvSpPr>
         <p:spPr>
           <a:xfrm>
-            <a:off x="25068689" y="6259267"/>
+            <a:off x="31156490" y="6267980"/>
             <a:ext cx="926325" cy="540000"/>
           </a:xfrm>
           <a:prstGeom prst="rect">
@@ -4775,19 +4706,19 @@
           <a:p>
             <a:pPr algn="ctr"/>
             <a:r>
-              <a:rPr lang="ru-RU" sz="700" dirty="0" smtClean="0"/>
+              <a:rPr lang="ru-RU" sz="700" dirty="0"/>
               <a:t>Назначить премьер-министром Ларго </a:t>
             </a:r>
             <a:r>
-              <a:rPr lang="ru-RU" sz="400" dirty="0" smtClean="0"/>
+              <a:rPr lang="ru-RU" sz="400" dirty="0"/>
               <a:t>(исторически сентябрь 1936, если он займёт пост раньше, то начнётся вторая </a:t>
             </a:r>
             <a:r>
-              <a:rPr lang="ru-RU" sz="400" dirty="0" err="1" smtClean="0"/>
+              <a:rPr lang="ru-RU" sz="400" dirty="0" err="1"/>
               <a:t>Санхурада</a:t>
             </a:r>
             <a:r>
-              <a:rPr lang="ru-RU" sz="400" dirty="0" smtClean="0"/>
+              <a:rPr lang="ru-RU" sz="400" dirty="0"/>
               <a:t>)</a:t>
             </a:r>
             <a:endParaRPr lang="ru-RU" sz="200" dirty="0"/>
@@ -4805,7 +4736,7 @@
         </p:nvCxnSpPr>
         <p:spPr>
           <a:xfrm>
-            <a:off x="25531852" y="5985636"/>
+            <a:off x="31619653" y="5994349"/>
             <a:ext cx="0" cy="273631"/>
           </a:xfrm>
           <a:prstGeom prst="straightConnector1">
@@ -4910,14 +4841,13 @@
           <a:p>
             <a:pPr algn="ctr"/>
             <a:r>
-              <a:rPr lang="ru-RU" sz="700" dirty="0" smtClean="0"/>
+              <a:rPr lang="ru-RU" sz="700" dirty="0"/>
               <a:t>Разработать устройство федеративной республики </a:t>
             </a:r>
             <a:r>
-              <a:rPr lang="ru-RU" sz="400" dirty="0" smtClean="0"/>
+              <a:rPr lang="ru-RU" sz="400" dirty="0"/>
               <a:t>(решения на вмешательство в выборы республик)</a:t>
             </a:r>
-            <a:endParaRPr lang="ru-RU" sz="400" dirty="0"/>
           </a:p>
         </p:txBody>
       </p:sp>
@@ -4963,10 +4893,9 @@
           <a:p>
             <a:pPr algn="ctr"/>
             <a:r>
-              <a:rPr lang="ru-RU" sz="700" dirty="0" smtClean="0"/>
+              <a:rPr lang="ru-RU" sz="700" dirty="0"/>
               <a:t>Политика централизации Республики</a:t>
             </a:r>
-            <a:endParaRPr lang="ru-RU" sz="700" dirty="0"/>
           </a:p>
         </p:txBody>
       </p:sp>
@@ -5126,19 +5055,19 @@
           <a:p>
             <a:pPr algn="ctr"/>
             <a:r>
-              <a:rPr lang="ru-RU" sz="700" dirty="0" smtClean="0"/>
+              <a:rPr lang="ru-RU" sz="700" dirty="0"/>
               <a:t>Особый статут </a:t>
             </a:r>
             <a:r>
-              <a:rPr lang="ru-RU" sz="700" dirty="0" err="1" smtClean="0"/>
+              <a:rPr lang="ru-RU" sz="700" dirty="0" err="1"/>
               <a:t>Басконии</a:t>
             </a:r>
             <a:r>
-              <a:rPr lang="ru-RU" sz="700" dirty="0" smtClean="0"/>
+              <a:rPr lang="ru-RU" sz="700" dirty="0"/>
               <a:t> (автономия для </a:t>
             </a:r>
             <a:r>
-              <a:rPr lang="ru-RU" sz="700" dirty="0" err="1" smtClean="0"/>
+              <a:rPr lang="ru-RU" sz="700" dirty="0" err="1"/>
               <a:t>Басконии</a:t>
             </a:r>
             <a:r>
@@ -5228,11 +5157,11 @@
           <a:p>
             <a:pPr algn="ctr"/>
             <a:r>
-              <a:rPr lang="ru-RU" sz="700" dirty="0" smtClean="0"/>
+              <a:rPr lang="ru-RU" sz="700" dirty="0"/>
               <a:t>Поддержка сталелитейной промышленности </a:t>
             </a:r>
             <a:r>
-              <a:rPr lang="ru-RU" sz="700" dirty="0" err="1" smtClean="0"/>
+              <a:rPr lang="ru-RU" sz="700" dirty="0" err="1"/>
               <a:t>Басконии</a:t>
             </a:r>
             <a:endParaRPr lang="ru-RU" sz="700" dirty="0"/>
@@ -5319,10 +5248,9 @@
           <a:p>
             <a:pPr algn="ctr"/>
             <a:r>
-              <a:rPr lang="ru-RU" sz="700" dirty="0" smtClean="0"/>
+              <a:rPr lang="ru-RU" sz="700" dirty="0"/>
               <a:t>Взаимное сотрудничество во флоте</a:t>
             </a:r>
-            <a:endParaRPr lang="ru-RU" sz="700" dirty="0"/>
           </a:p>
         </p:txBody>
       </p:sp>
@@ -5406,10 +5334,9 @@
           <a:p>
             <a:pPr algn="ctr"/>
             <a:r>
-              <a:rPr lang="ru-RU" sz="700" dirty="0" smtClean="0"/>
+              <a:rPr lang="ru-RU" sz="700" dirty="0"/>
               <a:t>Отдать долг Астурийским рабочим (автономия для Астурии)</a:t>
             </a:r>
-            <a:endParaRPr lang="ru-RU" sz="700" dirty="0"/>
           </a:p>
         </p:txBody>
       </p:sp>
@@ -5583,10 +5510,9 @@
           <a:p>
             <a:pPr algn="ctr"/>
             <a:r>
-              <a:rPr lang="ru-RU" sz="700" dirty="0" smtClean="0"/>
+              <a:rPr lang="ru-RU" sz="700" dirty="0"/>
               <a:t>Каталонии фишки</a:t>
             </a:r>
-            <a:endParaRPr lang="ru-RU" sz="700" dirty="0"/>
           </a:p>
         </p:txBody>
       </p:sp>
@@ -5794,22 +5720,13 @@
           <a:p>
             <a:pPr algn="ctr"/>
             <a:r>
-              <a:rPr lang="ru-RU" sz="700" dirty="0" smtClean="0"/>
+              <a:rPr lang="ru-RU" sz="700" dirty="0"/>
               <a:t>Создание кооперативов (наше, но эффект под вопросом) </a:t>
             </a:r>
             <a:r>
-              <a:rPr lang="ru-RU" sz="100" dirty="0" smtClean="0"/>
-              <a:t>(</a:t>
-            </a:r>
-            <a:r>
               <a:rPr lang="ru-RU" sz="100" dirty="0"/>
-              <a:t>В промышленности, несмотря на трудный компромисс в тех концернах, которые продолжали номинально находиться в частном владении4 , рост производства увеличился на 30– 50 процентов, особенно в тех отраслях (например, в текстильной), которые работали непосредственно на войну</a:t>
-            </a:r>
-            <a:r>
-              <a:rPr lang="ru-RU" sz="100" dirty="0" smtClean="0"/>
-              <a:t>)</a:t>
-            </a:r>
-            <a:endParaRPr lang="ru-RU" sz="100" dirty="0"/>
+              <a:t>(В промышленности, несмотря на трудный компромисс в тех концернах, которые продолжали номинально находиться в частном владении4 , рост производства увеличился на 30– 50 процентов, особенно в тех отраслях (например, в текстильной), которые работали непосредственно на войну)</a:t>
+            </a:r>
           </a:p>
         </p:txBody>
       </p:sp>
@@ -5855,12 +5772,8 @@
           <a:p>
             <a:pPr algn="ctr"/>
             <a:r>
-              <a:rPr lang="ru-RU" sz="700" dirty="0" smtClean="0"/>
-              <a:t>Раздача помещичьих земель (наше но эффект сменить</a:t>
-            </a:r>
-            <a:r>
               <a:rPr lang="ru-RU" sz="700" dirty="0"/>
-              <a:t>) </a:t>
+              <a:t>Раздача помещичьих земель (наше но эффект сменить) </a:t>
             </a:r>
             <a:r>
               <a:rPr lang="ru-RU" sz="200" dirty="0"/>
@@ -5872,11 +5785,7 @@
             </a:r>
             <a:r>
               <a:rPr lang="ru-RU" sz="200" dirty="0"/>
-              <a:t> 4 миллионов гектаров (15 процентов всех земель). Были обеспечены кредит в 80 миллионов песет, снабжение семенным зерном и удобрениями</a:t>
-            </a:r>
-            <a:r>
-              <a:rPr lang="ru-RU" sz="200" dirty="0" smtClean="0"/>
-              <a:t>.)</a:t>
+              <a:t> 4 миллионов гектаров (15 процентов всех земель). Были обеспечены кредит в 80 миллионов песет, снабжение семенным зерном и удобрениями.)</a:t>
             </a:r>
             <a:endParaRPr lang="ru-RU" sz="100" dirty="0"/>
           </a:p>
@@ -5924,7 +5833,7 @@
           <a:p>
             <a:pPr algn="ctr"/>
             <a:r>
-              <a:rPr lang="ru-RU" sz="700" dirty="0" smtClean="0"/>
+              <a:rPr lang="ru-RU" sz="700" dirty="0"/>
               <a:t>Проведение стачек (пока наше, но нужно сменить всё)</a:t>
             </a:r>
             <a:endParaRPr lang="ru-RU" sz="500" dirty="0"/>
@@ -6049,12 +5958,8 @@
           <a:p>
             <a:pPr algn="ctr"/>
             <a:r>
-              <a:rPr lang="ru-RU" sz="700" dirty="0" smtClean="0"/>
-              <a:t>Распределение земли (наше, но эффект сменить</a:t>
-            </a:r>
-            <a:r>
               <a:rPr lang="ru-RU" sz="700" dirty="0"/>
-              <a:t>) </a:t>
+              <a:t>Распределение земли (наше, но эффект сменить) </a:t>
             </a:r>
             <a:r>
               <a:rPr lang="ru-RU" sz="200" dirty="0"/>
@@ -6066,19 +5971,7 @@
             </a:r>
             <a:r>
               <a:rPr lang="ru-RU" sz="200" dirty="0"/>
-              <a:t> республиканской Испании к началу 1937 года крестьяне были или собственниками </a:t>
-            </a:r>
-            <a:r>
-              <a:rPr lang="ru-RU" sz="200" dirty="0" smtClean="0"/>
-              <a:t>своей земли</a:t>
-            </a:r>
-            <a:r>
-              <a:rPr lang="ru-RU" sz="200" dirty="0"/>
-              <a:t>, или работали в коллективных хозяйствах. Арендаторы и безземельные батраки, зависевшие от прихотей лендлордов, практически </a:t>
-            </a:r>
-            <a:r>
-              <a:rPr lang="ru-RU" sz="200" dirty="0" smtClean="0"/>
-              <a:t>исчезли)</a:t>
+              <a:t> республиканской Испании к началу 1937 года крестьяне были или собственниками своей земли, или работали в коллективных хозяйствах. Арендаторы и безземельные батраки, зависевшие от прихотей лендлордов, практически исчезли)</a:t>
             </a:r>
             <a:endParaRPr lang="ru-RU" sz="100" dirty="0"/>
           </a:p>
@@ -6164,7 +6057,7 @@
           <a:p>
             <a:pPr algn="ctr"/>
             <a:r>
-              <a:rPr lang="ru-RU" sz="700" dirty="0" smtClean="0"/>
+              <a:rPr lang="ru-RU" sz="700" dirty="0"/>
               <a:t>Национализация предприятий (наше)</a:t>
             </a:r>
             <a:endParaRPr lang="ru-RU" sz="500" dirty="0"/>
@@ -6327,16 +6220,12 @@
           <a:p>
             <a:pPr algn="ctr"/>
             <a:r>
-              <a:rPr lang="ru-RU" sz="700" dirty="0" smtClean="0"/>
+              <a:rPr lang="ru-RU" sz="700" dirty="0"/>
               <a:t>Разрыв конкордата с Ватиканом </a:t>
             </a:r>
             <a:r>
               <a:rPr lang="ru-RU" sz="600" dirty="0"/>
-              <a:t>(наше</a:t>
-            </a:r>
-            <a:r>
-              <a:rPr lang="ru-RU" sz="600" dirty="0" smtClean="0"/>
-              <a:t>)</a:t>
+              <a:t>(наше)</a:t>
             </a:r>
             <a:endParaRPr lang="ru-RU" sz="400" dirty="0"/>
           </a:p>
@@ -6352,9 +6241,9 @@
           <p:nvPr/>
         </p:nvCxnSpPr>
         <p:spPr>
-          <a:xfrm rot="16200000" flipH="1">
-            <a:off x="22887110" y="3675964"/>
-            <a:ext cx="269292" cy="1668255"/>
+          <a:xfrm rot="5400000">
+            <a:off x="26400752" y="1814346"/>
+            <a:ext cx="285524" cy="5375260"/>
           </a:xfrm>
           <a:prstGeom prst="bentConnector3">
             <a:avLst>
@@ -6422,16 +6311,12 @@
           <a:p>
             <a:pPr algn="ctr"/>
             <a:r>
-              <a:rPr lang="ru-RU" sz="700" dirty="0" smtClean="0"/>
+              <a:rPr lang="ru-RU" sz="700" dirty="0"/>
               <a:t>Секуляризация церковных земель </a:t>
             </a:r>
             <a:r>
               <a:rPr lang="ru-RU" sz="600" dirty="0"/>
-              <a:t>(наше</a:t>
-            </a:r>
-            <a:r>
-              <a:rPr lang="ru-RU" sz="600" dirty="0" smtClean="0"/>
-              <a:t>)</a:t>
+              <a:t>(наше)</a:t>
             </a:r>
             <a:endParaRPr lang="ru-RU" sz="400" dirty="0"/>
           </a:p>
@@ -6479,10 +6364,9 @@
           <a:p>
             <a:pPr algn="ctr"/>
             <a:r>
-              <a:rPr lang="ru-RU" sz="700" dirty="0" smtClean="0"/>
+              <a:rPr lang="ru-RU" sz="700" dirty="0"/>
               <a:t>Статус Галисии (автономия для Галисии)</a:t>
             </a:r>
-            <a:endParaRPr lang="ru-RU" sz="700" dirty="0"/>
           </a:p>
         </p:txBody>
       </p:sp>
@@ -6732,10 +6616,9 @@
           <a:p>
             <a:pPr algn="ctr"/>
             <a:r>
-              <a:rPr lang="ru-RU" sz="700" dirty="0" smtClean="0"/>
+              <a:rPr lang="ru-RU" sz="700" dirty="0"/>
               <a:t>Статус Арагона (автономия для Арагона)</a:t>
             </a:r>
-            <a:endParaRPr lang="ru-RU" sz="700" dirty="0"/>
           </a:p>
         </p:txBody>
       </p:sp>
@@ -7222,7 +7105,7 @@
         </p:nvSpPr>
         <p:spPr>
           <a:xfrm>
-            <a:off x="25068689" y="7021642"/>
+            <a:off x="31156490" y="7030355"/>
             <a:ext cx="926325" cy="540000"/>
           </a:xfrm>
           <a:prstGeom prst="rect">
@@ -7253,7 +7136,7 @@
           <a:p>
             <a:pPr algn="ctr"/>
             <a:r>
-              <a:rPr lang="ru-RU" sz="700" dirty="0" smtClean="0"/>
+              <a:rPr lang="ru-RU" sz="700" dirty="0"/>
               <a:t>Сформировать пятый батальон </a:t>
             </a:r>
             <a:r>
@@ -7343,7 +7226,7 @@
         </p:nvSpPr>
         <p:spPr>
           <a:xfrm>
-            <a:off x="23963872" y="7021642"/>
+            <a:off x="30051673" y="7030355"/>
             <a:ext cx="926325" cy="540000"/>
           </a:xfrm>
           <a:prstGeom prst="rect">
@@ -7374,7 +7257,7 @@
           <a:p>
             <a:pPr algn="ctr"/>
             <a:r>
-              <a:rPr lang="ru-RU" sz="700" dirty="0" smtClean="0"/>
+              <a:rPr lang="ru-RU" sz="700" dirty="0"/>
               <a:t>Социалистическая и коммунистическая молодёжь</a:t>
             </a:r>
           </a:p>
@@ -7388,7 +7271,7 @@
         </p:nvSpPr>
         <p:spPr>
           <a:xfrm>
-            <a:off x="26776304" y="4644738"/>
+            <a:off x="24947021" y="4638264"/>
             <a:ext cx="926325" cy="540000"/>
           </a:xfrm>
           <a:prstGeom prst="rect">
@@ -7422,12 +7305,8 @@
           <a:p>
             <a:pPr algn="ctr"/>
             <a:r>
-              <a:rPr lang="ru-RU" sz="700" dirty="0" smtClean="0"/>
-              <a:t>Привлечь горожан к защите и строительству </a:t>
-            </a:r>
-            <a:r>
               <a:rPr lang="ru-RU" sz="700" dirty="0"/>
-              <a:t>баррикад </a:t>
+              <a:t>Привлечь горожан к защите и строительству баррикад </a:t>
             </a:r>
             <a:r>
               <a:rPr lang="ru-RU" sz="100" dirty="0"/>
@@ -7494,9 +7373,9 @@
           <p:nvPr/>
         </p:nvCxnSpPr>
         <p:spPr>
-          <a:xfrm rot="16200000" flipH="1">
-            <a:off x="24578902" y="1984173"/>
-            <a:ext cx="269292" cy="5051838"/>
+          <a:xfrm rot="5400000">
+            <a:off x="27181139" y="2588259"/>
+            <a:ext cx="279050" cy="3820960"/>
           </a:xfrm>
           <a:prstGeom prst="bentConnector3">
             <a:avLst>
@@ -7530,7 +7409,7 @@
         </p:nvSpPr>
         <p:spPr>
           <a:xfrm>
-            <a:off x="27950314" y="4645779"/>
+            <a:off x="26121031" y="4639305"/>
             <a:ext cx="926325" cy="540000"/>
           </a:xfrm>
           <a:prstGeom prst="rect">
@@ -7564,7 +7443,7 @@
           <a:p>
             <a:pPr algn="ctr"/>
             <a:r>
-              <a:rPr lang="ru-RU" sz="700" dirty="0" smtClean="0"/>
+              <a:rPr lang="ru-RU" sz="700" dirty="0"/>
               <a:t>Переместить золотой запас (ваниль)</a:t>
             </a:r>
             <a:endParaRPr lang="ru-RU" sz="500" dirty="0"/>
@@ -7581,9 +7460,9 @@
           <p:nvPr/>
         </p:nvCxnSpPr>
         <p:spPr>
-          <a:xfrm rot="16200000" flipH="1">
-            <a:off x="25165387" y="1397688"/>
-            <a:ext cx="270333" cy="6225848"/>
+          <a:xfrm rot="5400000">
+            <a:off x="27767624" y="3175784"/>
+            <a:ext cx="280091" cy="2646950"/>
           </a:xfrm>
           <a:prstGeom prst="bentConnector3">
             <a:avLst>
@@ -7617,7 +7496,7 @@
         </p:nvSpPr>
         <p:spPr>
           <a:xfrm>
-            <a:off x="26769235" y="5437851"/>
+            <a:off x="24939952" y="5431377"/>
             <a:ext cx="926325" cy="540000"/>
           </a:xfrm>
           <a:prstGeom prst="rect">
@@ -7651,7 +7530,7 @@
           <a:p>
             <a:pPr algn="ctr"/>
             <a:r>
-              <a:rPr lang="ru-RU" sz="700" dirty="0" smtClean="0"/>
+              <a:rPr lang="ru-RU" sz="700" dirty="0"/>
               <a:t>Поставки советского снаряжения (ваниль)</a:t>
             </a:r>
             <a:endParaRPr lang="ru-RU" sz="500" dirty="0"/>
@@ -7666,7 +7545,7 @@
         </p:nvSpPr>
         <p:spPr>
           <a:xfrm>
-            <a:off x="29134094" y="5437851"/>
+            <a:off x="27304811" y="5431377"/>
             <a:ext cx="926325" cy="540000"/>
           </a:xfrm>
           <a:prstGeom prst="rect">
@@ -7700,7 +7579,7 @@
           <a:p>
             <a:pPr algn="ctr"/>
             <a:r>
-              <a:rPr lang="ru-RU" sz="700" dirty="0" smtClean="0"/>
+              <a:rPr lang="ru-RU" sz="700" dirty="0"/>
               <a:t>Советские военные советники (ваниль)</a:t>
             </a:r>
             <a:endParaRPr lang="ru-RU" sz="500" dirty="0"/>
@@ -7718,7 +7597,7 @@
         </p:nvCxnSpPr>
         <p:spPr>
           <a:xfrm rot="5400000">
-            <a:off x="27696902" y="4721276"/>
+            <a:off x="25867619" y="4714802"/>
             <a:ext cx="252072" cy="1181079"/>
           </a:xfrm>
           <a:prstGeom prst="bentConnector3">
@@ -7756,7 +7635,7 @@
         </p:nvCxnSpPr>
         <p:spPr>
           <a:xfrm rot="16200000" flipH="1">
-            <a:off x="28879331" y="4719925"/>
+            <a:off x="27050048" y="4713451"/>
             <a:ext cx="252072" cy="1183780"/>
           </a:xfrm>
           <a:prstGeom prst="bentConnector3">
@@ -7791,7 +7670,7 @@
         </p:nvSpPr>
         <p:spPr>
           <a:xfrm>
-            <a:off x="27953015" y="5440612"/>
+            <a:off x="26123732" y="5434138"/>
             <a:ext cx="926325" cy="540000"/>
           </a:xfrm>
           <a:prstGeom prst="rect">
@@ -7825,11 +7704,11 @@
           <a:p>
             <a:pPr algn="ctr"/>
             <a:r>
-              <a:rPr lang="ru-RU" sz="700" dirty="0" smtClean="0"/>
+              <a:rPr lang="ru-RU" sz="700" dirty="0"/>
               <a:t>Расширить помощь советов </a:t>
             </a:r>
             <a:r>
-              <a:rPr lang="ru-RU" sz="500" dirty="0" smtClean="0"/>
+              <a:rPr lang="ru-RU" sz="500" dirty="0"/>
               <a:t>(фокусы по сторонам теперь перед ним и обязательны) (ваниль)</a:t>
             </a:r>
             <a:endParaRPr lang="ru-RU" sz="300" dirty="0"/>
@@ -7844,7 +7723,7 @@
         </p:nvSpPr>
         <p:spPr>
           <a:xfrm>
-            <a:off x="27359775" y="6256597"/>
+            <a:off x="25530492" y="6250123"/>
             <a:ext cx="926325" cy="540000"/>
           </a:xfrm>
           <a:prstGeom prst="rect">
@@ -7878,7 +7757,7 @@
           <a:p>
             <a:pPr algn="ctr"/>
             <a:r>
-              <a:rPr lang="ru-RU" sz="700" dirty="0" smtClean="0"/>
+              <a:rPr lang="ru-RU" sz="700" dirty="0"/>
               <a:t>Промышленная помощь от СССР (ваниль)</a:t>
             </a:r>
             <a:endParaRPr lang="ru-RU" sz="500" dirty="0"/>
@@ -7896,7 +7775,7 @@
         </p:nvCxnSpPr>
         <p:spPr>
           <a:xfrm>
-            <a:off x="28413477" y="5185779"/>
+            <a:off x="26584194" y="5179305"/>
             <a:ext cx="2701" cy="254833"/>
           </a:xfrm>
           <a:prstGeom prst="straightConnector1">
@@ -7929,7 +7808,7 @@
         </p:nvSpPr>
         <p:spPr>
           <a:xfrm>
-            <a:off x="28542204" y="6258091"/>
+            <a:off x="26712921" y="6251617"/>
             <a:ext cx="926325" cy="540000"/>
           </a:xfrm>
           <a:prstGeom prst="rect">
@@ -7963,7 +7842,7 @@
           <a:p>
             <a:pPr algn="ctr"/>
             <a:r>
-              <a:rPr lang="ru-RU" sz="700" dirty="0" smtClean="0"/>
+              <a:rPr lang="ru-RU" sz="700" dirty="0"/>
               <a:t>Советские технологические достижения (ваниль)</a:t>
             </a:r>
             <a:endParaRPr lang="ru-RU" sz="500" dirty="0"/>
@@ -7981,7 +7860,7 @@
         </p:nvCxnSpPr>
         <p:spPr>
           <a:xfrm rot="5400000">
-            <a:off x="27981566" y="5821984"/>
+            <a:off x="26152283" y="5815510"/>
             <a:ext cx="275985" cy="593240"/>
           </a:xfrm>
           <a:prstGeom prst="bentConnector3">
@@ -8019,7 +7898,7 @@
         </p:nvCxnSpPr>
         <p:spPr>
           <a:xfrm rot="16200000" flipH="1">
-            <a:off x="28572033" y="5824756"/>
+            <a:off x="26742750" y="5818282"/>
             <a:ext cx="277479" cy="589189"/>
           </a:xfrm>
           <a:prstGeom prst="bentConnector3">
@@ -8088,11 +7967,11 @@
           <a:p>
             <a:pPr algn="ctr"/>
             <a:r>
-              <a:rPr lang="ru-RU" sz="700" dirty="0" smtClean="0"/>
+              <a:rPr lang="ru-RU" sz="700" dirty="0"/>
               <a:t>Присвоить церковные богатства </a:t>
             </a:r>
             <a:r>
-              <a:rPr lang="ru-RU" sz="600" dirty="0" smtClean="0"/>
+              <a:rPr lang="ru-RU" sz="600" dirty="0"/>
               <a:t>(ваниль)</a:t>
             </a:r>
             <a:endParaRPr lang="ru-RU" sz="400" dirty="0"/>
@@ -8217,22 +8096,13 @@
           <a:p>
             <a:pPr algn="ctr"/>
             <a:r>
-              <a:rPr lang="ru-RU" sz="700" dirty="0" smtClean="0"/>
+              <a:rPr lang="ru-RU" sz="700" dirty="0"/>
               <a:t>Увеличить бюджет на образование </a:t>
             </a:r>
             <a:r>
-              <a:rPr lang="ru-RU" sz="100" dirty="0" smtClean="0"/>
-              <a:t>(</a:t>
-            </a:r>
-            <a:r>
               <a:rPr lang="ru-RU" sz="100" dirty="0"/>
-              <a:t>еще никогда раньше образованию не уделялось столько внимания. В 1937 году на него было потрачено 143 миллиона песет, по сравнению с 3 миллионами в 1936 году. Конечно, эта сумма не так велика, как может показаться, поскольку республиканская песета подверглась инфляции. Тем не менее реальные траты на образование выросли в пять раз. Количество новых школ, открытых в 1937 году, достигло тысячи. Если в Испании 1931 года было 37 000 учителей, то в республиканской Испании 1937 года их стало 60 000. В 1937 году действовало 2000 военных школ, в которых учили читать неграмотных </a:t>
-            </a:r>
-            <a:r>
-              <a:rPr lang="ru-RU" sz="100" dirty="0" smtClean="0"/>
-              <a:t>милиционеров)</a:t>
-            </a:r>
-            <a:endParaRPr lang="ru-RU" sz="100" dirty="0"/>
+              <a:t>(еще никогда раньше образованию не уделялось столько внимания. В 1937 году на него было потрачено 143 миллиона песет, по сравнению с 3 миллионами в 1936 году. Конечно, эта сумма не так велика, как может показаться, поскольку республиканская песета подверглась инфляции. Тем не менее реальные траты на образование выросли в пять раз. Количество новых школ, открытых в 1937 году, достигло тысячи. Если в Испании 1931 года было 37 000 учителей, то в республиканской Испании 1937 года их стало 60 000. В 1937 году действовало 2000 военных школ, в которых учили читать неграмотных милиционеров)</a:t>
+            </a:r>
           </a:p>
         </p:txBody>
       </p:sp>
@@ -8316,22 +8186,13 @@
           <a:p>
             <a:pPr algn="ctr"/>
             <a:r>
-              <a:rPr lang="ru-RU" sz="700" dirty="0" smtClean="0"/>
+              <a:rPr lang="ru-RU" sz="700" dirty="0"/>
               <a:t>Увеличить уровень здравоохранения </a:t>
             </a:r>
             <a:r>
-              <a:rPr lang="ru-RU" sz="100" dirty="0" smtClean="0"/>
-              <a:t>(</a:t>
-            </a:r>
-            <a:r>
               <a:rPr lang="ru-RU" sz="100" dirty="0"/>
-              <a:t>В здравоохранении, несмотря на нехватку врачей и потребности военной медицины, количество мест для туберкулезных больных стало на тысячу больше, чем в 1936 году. В 1937 году прошли повсеместные прививки от оспы, дифтерии и тифа, а к концу года центров помощи детям стало больше, чем перед войной во всей Испании. Самоотверженная деятельность иностранных медиков-добровольцев сказывалась по всей республике, устанавливая новые стандарты гигиены и заботы о здоровье. Эти успехи, достигнутые в военной обстановке, было нелегко игнорировать.</a:t>
-            </a:r>
-            <a:r>
-              <a:rPr lang="ru-RU" sz="100" dirty="0" smtClean="0"/>
-              <a:t>)</a:t>
-            </a:r>
-            <a:endParaRPr lang="ru-RU" sz="100" dirty="0"/>
+              <a:t>(В здравоохранении, несмотря на нехватку врачей и потребности военной медицины, количество мест для туберкулезных больных стало на тысячу больше, чем в 1936 году. В 1937 году прошли повсеместные прививки от оспы, дифтерии и тифа, а к концу года центров помощи детям стало больше, чем перед войной во всей Испании. Самоотверженная деятельность иностранных медиков-добровольцев сказывалась по всей республике, устанавливая новые стандарты гигиены и заботы о здоровье. Эти успехи, достигнутые в военной обстановке, было нелегко игнорировать.)</a:t>
+            </a:r>
           </a:p>
         </p:txBody>
       </p:sp>
@@ -8381,7 +8242,7 @@
         </p:nvSpPr>
         <p:spPr>
           <a:xfrm>
-            <a:off x="26173506" y="7021642"/>
+            <a:off x="32261307" y="7030355"/>
             <a:ext cx="926325" cy="540000"/>
           </a:xfrm>
           <a:prstGeom prst="rect">
@@ -8412,20 +8273,16 @@
           <a:p>
             <a:pPr algn="ctr"/>
             <a:r>
-              <a:rPr lang="ru-RU" sz="700" dirty="0" smtClean="0"/>
+              <a:rPr lang="ru-RU" sz="700" dirty="0"/>
               <a:t>Создание </a:t>
             </a:r>
             <a:r>
-              <a:rPr lang="en-US" sz="700" dirty="0" smtClean="0"/>
+              <a:rPr lang="en-US" sz="700" dirty="0"/>
               <a:t>SIM </a:t>
             </a:r>
             <a:r>
-              <a:rPr lang="ru-RU" sz="100" dirty="0" smtClean="0"/>
-              <a:t>(</a:t>
-            </a:r>
-            <a:r>
               <a:rPr lang="ru-RU" sz="100" dirty="0"/>
-              <a:t>Появилась и новая организация SIM (тайная полиция и военная разведка). Ее с самого начала возглавляли коммунисты. Формально она Х.  Томас.  «Гражданская война в Испании. 1931-1939» 321 должна была выявлять шпионов. Но SIM не собиралась ограничиваться только этими задачами. С самого начала своей деятельности она взяла на вооружение все самые жуткие пытки НКВД. Камеры были такими маленькими, что заключенные с трудом в них умещались, еле удерживаясь на кирпичах, стоящих на ребре. Мощный электрический свет слепил, звуки глушили, на пленников лили ледяную воду, их жгли раскаленным железом, избивали дубинками. Вне всяких сомнений, SIM несет прямую ответственность за гибель многих призывников в республиканской армии, которые не столько проявляли трусость или плохо воевали, сколько не хотели подчиняться приказам командиров-коммунистов. Первый начальник этой службы, пианист </a:t>
+              <a:t>(Появилась и новая организация SIM (тайная полиция и военная разведка). Ее с самого начала возглавляли коммунисты. Формально она Х.  Томас.  «Гражданская война в Испании. 1931-1939» 321 должна была выявлять шпионов. Но SIM не собиралась ограничиваться только этими задачами. С самого начала своей деятельности она взяла на вооружение все самые жуткие пытки НКВД. Камеры были такими маленькими, что заключенные с трудом в них умещались, еле удерживаясь на кирпичах, стоящих на ребре. Мощный электрический свет слепил, звуки глушили, на пленников лили ледяную воду, их жгли раскаленным железом, избивали дубинками. Вне всяких сомнений, SIM несет прямую ответственность за гибель многих призывников в республиканской армии, которые не столько проявляли трусость или плохо воевали, сколько не хотели подчиняться приказам командиров-коммунистов. Первый начальник этой службы, пианист </a:t>
             </a:r>
             <a:r>
               <a:rPr lang="ru-RU" sz="100" dirty="0" err="1"/>
@@ -8441,23 +8298,7 @@
             </a:r>
             <a:r>
               <a:rPr lang="ru-RU" sz="100" dirty="0"/>
-              <a:t> прорыт туннель, по которому можно выйти к передовой линии националистов. Немало сторонников националистов, включая и тех, кто укрывался в иностранных посольствах, попались на эти слухи и жестоко поплатились за легковерие. Когда они появлялись у входа в туннель, имея с собой лишь кое-какие ценные вещи, их встречал выстрел в упор. В конце войны в «туннеле смерти» было опознано 67 </a:t>
-            </a:r>
-            <a:r>
-              <a:rPr lang="ru-RU" sz="100" dirty="0" smtClean="0"/>
-              <a:t>тел)</a:t>
-            </a:r>
-            <a:r>
-              <a:rPr lang="ru-RU" sz="100" dirty="0"/>
-              <a:t> </a:t>
-            </a:r>
-            <a:r>
-              <a:rPr lang="ru-RU" sz="100" dirty="0" smtClean="0"/>
-              <a:t> Во </a:t>
-            </a:r>
-            <a:r>
-              <a:rPr lang="ru-RU" sz="100" dirty="0"/>
-              <a:t>время этого военного кризиса SIM в Барселоне продолжал заниматься своими делами. Официально военная разведка должна была ловить шпионов, но теперь она с той же страстью выявляла «пораженцев». Сюда входили также спекулянты, грабители и те, кто прятал запасы продуктов. Трибуналы на скорую руку выносили приговоры по этим «преступлениям». SIM взял на себя обязанность с мстительной торопливостью приводить приговоры в исполнение. Были расстреляны сорок человек, прежде чем вмешательство правительства положило этому конец. Специальные тюрьмы SIM в Барселоне, особенно в монастыре Сан Хуана, стали местами изощренных пыток, которые могло придумать только больное воображение Эдгара </a:t>
+              <a:t> прорыт туннель, по которому можно выйти к передовой линии националистов. Немало сторонников националистов, включая и тех, кто укрывался в иностранных посольствах, попались на эти слухи и жестоко поплатились за легковерие. Когда они появлялись у входа в туннель, имея с собой лишь кое-какие ценные вещи, их встречал выстрел в упор. В конце войны в «туннеле смерти» было опознано 67 тел)  Во время этого военного кризиса SIM в Барселоне продолжал заниматься своими делами. Официально военная разведка должна была ловить шпионов, но теперь она с той же страстью выявляла «пораженцев». Сюда входили также спекулянты, грабители и те, кто прятал запасы продуктов. Трибуналы на скорую руку выносили приговоры по этим «преступлениям». SIM взял на себя обязанность с мстительной торопливостью приводить приговоры в исполнение. Были расстреляны сорок человек, прежде чем вмешательство правительства положило этому конец. Специальные тюрьмы SIM в Барселоне, особенно в монастыре Сан Хуана, стали местами изощренных пыток, которые могло придумать только больное воображение Эдгара </a:t>
             </a:r>
             <a:r>
               <a:rPr lang="ru-RU" sz="100" dirty="0" err="1"/>
@@ -8467,7 +8308,6 @@
               <a:rPr lang="ru-RU" sz="100" dirty="0"/>
               <a:t> По. Пребывание в круглых темных комнатах с единственной лампочкой наверху вызывало головокружение. Некоторые камеры были такими маленькими, что в них нельзя было даже сидеть. </a:t>
             </a:r>
-            <a:endParaRPr lang="ru-RU" sz="100" dirty="0" smtClean="0"/>
           </a:p>
         </p:txBody>
       </p:sp>
@@ -8509,6 +8349,323 @@
           </a:fontRef>
         </p:style>
       </p:cxnSp>
+      <p:cxnSp>
+        <p:nvCxnSpPr>
+          <p:cNvPr id="128" name="Соединительная линия уступом 149">
+            <a:extLst>
+              <a:ext uri="{FF2B5EF4-FFF2-40B4-BE49-F238E27FC236}">
+                <a16:creationId xmlns:a16="http://schemas.microsoft.com/office/drawing/2014/main" id="{049E6984-8ADC-4F99-AD8D-0FE6D717D856}"/>
+              </a:ext>
+            </a:extLst>
+          </p:cNvPr>
+          <p:cNvCxnSpPr>
+            <a:cxnSpLocks/>
+            <a:stCxn id="808" idx="2"/>
+            <a:endCxn id="801" idx="0"/>
+          </p:cNvCxnSpPr>
+          <p:nvPr/>
+        </p:nvCxnSpPr>
+        <p:spPr>
+          <a:xfrm rot="16200000" flipH="1">
+            <a:off x="25500980" y="89049"/>
+            <a:ext cx="416225" cy="7044103"/>
+          </a:xfrm>
+          <a:prstGeom prst="bentConnector3">
+            <a:avLst>
+              <a:gd name="adj1" fmla="val 50000"/>
+            </a:avLst>
+          </a:prstGeom>
+          <a:ln w="19050">
+            <a:tailEnd type="arrow"/>
+          </a:ln>
+        </p:spPr>
+        <p:style>
+          <a:lnRef idx="1">
+            <a:schemeClr val="accent1"/>
+          </a:lnRef>
+          <a:fillRef idx="0">
+            <a:schemeClr val="accent1"/>
+          </a:fillRef>
+          <a:effectRef idx="0">
+            <a:schemeClr val="accent1"/>
+          </a:effectRef>
+          <a:fontRef idx="minor">
+            <a:schemeClr val="tx1"/>
+          </a:fontRef>
+        </p:style>
+      </p:cxnSp>
+      <p:sp>
+        <p:nvSpPr>
+          <p:cNvPr id="130" name="Прямоугольник 129">
+            <a:extLst>
+              <a:ext uri="{FF2B5EF4-FFF2-40B4-BE49-F238E27FC236}">
+                <a16:creationId xmlns:a16="http://schemas.microsoft.com/office/drawing/2014/main" id="{32EFE5A9-491B-46C7-9CCC-EC70745CA00A}"/>
+              </a:ext>
+            </a:extLst>
+          </p:cNvPr>
+          <p:cNvSpPr/>
+          <p:nvPr/>
+        </p:nvSpPr>
+        <p:spPr>
+          <a:xfrm>
+            <a:off x="13019863" y="3827051"/>
+            <a:ext cx="926325" cy="540000"/>
+          </a:xfrm>
+          <a:prstGeom prst="rect">
+            <a:avLst/>
+          </a:prstGeom>
+          <a:solidFill>
+            <a:schemeClr val="accent1">
+              <a:lumMod val="60000"/>
+              <a:lumOff val="40000"/>
+            </a:schemeClr>
+          </a:solidFill>
+          <a:ln w="19050"/>
+        </p:spPr>
+        <p:style>
+          <a:lnRef idx="2">
+            <a:schemeClr val="accent1"/>
+          </a:lnRef>
+          <a:fillRef idx="1">
+            <a:schemeClr val="lt1"/>
+          </a:fillRef>
+          <a:effectRef idx="0">
+            <a:schemeClr val="accent1"/>
+          </a:effectRef>
+          <a:fontRef idx="minor">
+            <a:schemeClr val="dk1"/>
+          </a:fontRef>
+        </p:style>
+        <p:txBody>
+          <a:bodyPr lIns="124733" tIns="62367" rIns="124733" bIns="62367" rtlCol="0" anchor="ctr"/>
+          <a:lstStyle/>
+          <a:p>
+            <a:pPr algn="ctr"/>
+            <a:r>
+              <a:rPr lang="ru-RU" sz="700" dirty="0"/>
+              <a:t>Сокрушить надежды вождя</a:t>
+            </a:r>
+          </a:p>
+        </p:txBody>
+      </p:sp>
+      <p:cxnSp>
+        <p:nvCxnSpPr>
+          <p:cNvPr id="132" name="Соединительная линия уступом 149">
+            <a:extLst>
+              <a:ext uri="{FF2B5EF4-FFF2-40B4-BE49-F238E27FC236}">
+                <a16:creationId xmlns:a16="http://schemas.microsoft.com/office/drawing/2014/main" id="{108DB51B-036F-47E1-B6AC-470821E61E9D}"/>
+              </a:ext>
+            </a:extLst>
+          </p:cNvPr>
+          <p:cNvCxnSpPr>
+            <a:cxnSpLocks/>
+            <a:stCxn id="808" idx="2"/>
+            <a:endCxn id="130" idx="0"/>
+          </p:cNvCxnSpPr>
+          <p:nvPr/>
+        </p:nvCxnSpPr>
+        <p:spPr>
+          <a:xfrm rot="5400000">
+            <a:off x="17623003" y="-736987"/>
+            <a:ext cx="424062" cy="8704015"/>
+          </a:xfrm>
+          <a:prstGeom prst="bentConnector3">
+            <a:avLst>
+              <a:gd name="adj1" fmla="val 50000"/>
+            </a:avLst>
+          </a:prstGeom>
+          <a:ln w="19050">
+            <a:tailEnd type="arrow"/>
+          </a:ln>
+        </p:spPr>
+        <p:style>
+          <a:lnRef idx="1">
+            <a:schemeClr val="accent1"/>
+          </a:lnRef>
+          <a:fillRef idx="0">
+            <a:schemeClr val="accent1"/>
+          </a:fillRef>
+          <a:effectRef idx="0">
+            <a:schemeClr val="accent1"/>
+          </a:effectRef>
+          <a:fontRef idx="minor">
+            <a:schemeClr val="tx1"/>
+          </a:fontRef>
+        </p:style>
+      </p:cxnSp>
+      <p:cxnSp>
+        <p:nvCxnSpPr>
+          <p:cNvPr id="133" name="Прямая соединительная линия 132">
+            <a:extLst>
+              <a:ext uri="{FF2B5EF4-FFF2-40B4-BE49-F238E27FC236}">
+                <a16:creationId xmlns:a16="http://schemas.microsoft.com/office/drawing/2014/main" id="{B210A86C-E791-474B-AD43-67AC3A2D8E92}"/>
+              </a:ext>
+            </a:extLst>
+          </p:cNvPr>
+          <p:cNvCxnSpPr>
+            <a:cxnSpLocks/>
+            <a:stCxn id="130" idx="3"/>
+            <a:endCxn id="801" idx="1"/>
+          </p:cNvCxnSpPr>
+          <p:nvPr/>
+        </p:nvCxnSpPr>
+        <p:spPr>
+          <a:xfrm flipV="1">
+            <a:off x="13946188" y="4089214"/>
+            <a:ext cx="14821793" cy="7837"/>
+          </a:xfrm>
+          <a:prstGeom prst="line">
+            <a:avLst/>
+          </a:prstGeom>
+          <a:ln w="19050">
+            <a:solidFill>
+              <a:srgbClr val="FF0000"/>
+            </a:solidFill>
+          </a:ln>
+        </p:spPr>
+        <p:style>
+          <a:lnRef idx="1">
+            <a:schemeClr val="accent1"/>
+          </a:lnRef>
+          <a:fillRef idx="0">
+            <a:schemeClr val="accent1"/>
+          </a:fillRef>
+          <a:effectRef idx="0">
+            <a:schemeClr val="accent1"/>
+          </a:effectRef>
+          <a:fontRef idx="minor">
+            <a:schemeClr val="tx1"/>
+          </a:fontRef>
+        </p:style>
+      </p:cxnSp>
+      <p:sp>
+        <p:nvSpPr>
+          <p:cNvPr id="107" name="Прямоугольник 106">
+            <a:extLst>
+              <a:ext uri="{FF2B5EF4-FFF2-40B4-BE49-F238E27FC236}">
+                <a16:creationId xmlns:a16="http://schemas.microsoft.com/office/drawing/2014/main" id="{B2FF6737-5293-4F39-BB5E-A666306D5E15}"/>
+              </a:ext>
+            </a:extLst>
+          </p:cNvPr>
+          <p:cNvSpPr/>
+          <p:nvPr/>
+        </p:nvSpPr>
+        <p:spPr>
+          <a:xfrm>
+            <a:off x="34014433" y="5434913"/>
+            <a:ext cx="926325" cy="540000"/>
+          </a:xfrm>
+          <a:prstGeom prst="rect">
+            <a:avLst/>
+          </a:prstGeom>
+          <a:solidFill>
+            <a:srgbClr val="FFC000"/>
+          </a:solidFill>
+          <a:ln w="19050"/>
+        </p:spPr>
+        <p:style>
+          <a:lnRef idx="2">
+            <a:schemeClr val="accent1"/>
+          </a:lnRef>
+          <a:fillRef idx="1">
+            <a:schemeClr val="lt1"/>
+          </a:fillRef>
+          <a:effectRef idx="0">
+            <a:schemeClr val="accent1"/>
+          </a:effectRef>
+          <a:fontRef idx="minor">
+            <a:schemeClr val="dk1"/>
+          </a:fontRef>
+        </p:style>
+        <p:txBody>
+          <a:bodyPr lIns="124733" tIns="62367" rIns="124733" bIns="62367" rtlCol="0" anchor="ctr"/>
+          <a:lstStyle/>
+          <a:p>
+            <a:pPr algn="ctr"/>
+            <a:r>
+              <a:rPr lang="ru-RU" sz="700" dirty="0"/>
+              <a:t>Иберийская коммунистическая молодёжь </a:t>
+            </a:r>
+            <a:r>
+              <a:rPr lang="ru-RU" sz="500" dirty="0"/>
+              <a:t>(</a:t>
+            </a:r>
+            <a:r>
+              <a:rPr lang="en-US" sz="500" dirty="0"/>
+              <a:t>Germinal Vidal</a:t>
+            </a:r>
+            <a:r>
+              <a:rPr lang="ru-RU" sz="500" dirty="0"/>
+              <a:t> как советник, только против СЕДА)</a:t>
+            </a:r>
+            <a:endParaRPr lang="ru-RU" sz="700" dirty="0"/>
+          </a:p>
+        </p:txBody>
+      </p:sp>
+      <p:sp>
+        <p:nvSpPr>
+          <p:cNvPr id="112" name="Прямоугольник 111">
+            <a:extLst>
+              <a:ext uri="{FF2B5EF4-FFF2-40B4-BE49-F238E27FC236}">
+                <a16:creationId xmlns:a16="http://schemas.microsoft.com/office/drawing/2014/main" id="{2B34BD92-035E-496F-BA59-E167AF97AB50}"/>
+              </a:ext>
+            </a:extLst>
+          </p:cNvPr>
+          <p:cNvSpPr/>
+          <p:nvPr/>
+        </p:nvSpPr>
+        <p:spPr>
+          <a:xfrm>
+            <a:off x="34014432" y="6270939"/>
+            <a:ext cx="926325" cy="540000"/>
+          </a:xfrm>
+          <a:prstGeom prst="rect">
+            <a:avLst/>
+          </a:prstGeom>
+          <a:solidFill>
+            <a:srgbClr val="FFC000"/>
+          </a:solidFill>
+          <a:ln w="19050"/>
+        </p:spPr>
+        <p:style>
+          <a:lnRef idx="2">
+            <a:schemeClr val="accent1"/>
+          </a:lnRef>
+          <a:fillRef idx="1">
+            <a:schemeClr val="lt1"/>
+          </a:fillRef>
+          <a:effectRef idx="0">
+            <a:schemeClr val="accent1"/>
+          </a:effectRef>
+          <a:fontRef idx="minor">
+            <a:schemeClr val="dk1"/>
+          </a:fontRef>
+        </p:style>
+        <p:txBody>
+          <a:bodyPr lIns="124733" tIns="62367" rIns="124733" bIns="62367" rtlCol="0" anchor="ctr"/>
+          <a:lstStyle/>
+          <a:p>
+            <a:pPr algn="ctr"/>
+            <a:r>
+              <a:rPr lang="ru-RU" sz="700" dirty="0"/>
+              <a:t>Сформировать Революционный молодёжный фронт </a:t>
+            </a:r>
+            <a:r>
+              <a:rPr lang="ru-RU" sz="300" dirty="0"/>
+              <a:t>(сформировал Революционный молодежный фронт вместе с </a:t>
+            </a:r>
+            <a:r>
+              <a:rPr lang="ru-RU" sz="300" dirty="0" err="1"/>
+              <a:t>Либертарианской</a:t>
+            </a:r>
+            <a:r>
+              <a:rPr lang="ru-RU" sz="300" dirty="0"/>
+              <a:t> молодежью)</a:t>
+            </a:r>
+            <a:endParaRPr lang="ru-RU" sz="700" dirty="0"/>
+          </a:p>
+        </p:txBody>
+      </p:sp>
     </p:spTree>
     <p:extLst>
       <p:ext uri="{BB962C8B-B14F-4D97-AF65-F5344CB8AC3E}">
@@ -8519,13 +8676,6 @@
   <p:clrMapOvr>
     <a:masterClrMapping/>
   </p:clrMapOvr>
-  <p:timing>
-    <p:tnLst>
-      <p:par>
-        <p:cTn id="1" dur="indefinite" restart="never" nodeType="tmRoot"/>
-      </p:par>
-    </p:tnLst>
-  </p:timing>
 </p:sld>
 </file>
 

--- a/Наработки/диздоки/Испания/Испания левые.pptx
+++ b/Наработки/диздоки/Испания/Испания левые.pptx
@@ -209,7 +209,7 @@
             <a:fld id="{33E3D7F9-E251-484C-A6FF-FA958879DF69}" type="datetimeFigureOut">
               <a:rPr lang="ru-RU" smtClean="0"/>
               <a:pPr/>
-              <a:t>24.02.2022</a:t>
+              <a:t>25.02.2022</a:t>
             </a:fld>
             <a:endParaRPr lang="ru-RU"/>
           </a:p>
@@ -699,7 +699,7 @@
             <a:fld id="{85A5DE44-605B-4D3B-B2B7-94543DF81A36}" type="datetimeFigureOut">
               <a:rPr lang="ru-RU" smtClean="0"/>
               <a:pPr/>
-              <a:t>24.02.2022</a:t>
+              <a:t>25.02.2022</a:t>
             </a:fld>
             <a:endParaRPr lang="ru-RU"/>
           </a:p>
@@ -871,7 +871,7 @@
             <a:fld id="{85A5DE44-605B-4D3B-B2B7-94543DF81A36}" type="datetimeFigureOut">
               <a:rPr lang="ru-RU" smtClean="0"/>
               <a:pPr/>
-              <a:t>24.02.2022</a:t>
+              <a:t>25.02.2022</a:t>
             </a:fld>
             <a:endParaRPr lang="ru-RU"/>
           </a:p>
@@ -1053,7 +1053,7 @@
             <a:fld id="{85A5DE44-605B-4D3B-B2B7-94543DF81A36}" type="datetimeFigureOut">
               <a:rPr lang="ru-RU" smtClean="0"/>
               <a:pPr/>
-              <a:t>24.02.2022</a:t>
+              <a:t>25.02.2022</a:t>
             </a:fld>
             <a:endParaRPr lang="ru-RU"/>
           </a:p>
@@ -1225,7 +1225,7 @@
             <a:fld id="{85A5DE44-605B-4D3B-B2B7-94543DF81A36}" type="datetimeFigureOut">
               <a:rPr lang="ru-RU" smtClean="0"/>
               <a:pPr/>
-              <a:t>24.02.2022</a:t>
+              <a:t>25.02.2022</a:t>
             </a:fld>
             <a:endParaRPr lang="ru-RU"/>
           </a:p>
@@ -1473,7 +1473,7 @@
             <a:fld id="{85A5DE44-605B-4D3B-B2B7-94543DF81A36}" type="datetimeFigureOut">
               <a:rPr lang="ru-RU" smtClean="0"/>
               <a:pPr/>
-              <a:t>24.02.2022</a:t>
+              <a:t>25.02.2022</a:t>
             </a:fld>
             <a:endParaRPr lang="ru-RU"/>
           </a:p>
@@ -1707,7 +1707,7 @@
             <a:fld id="{85A5DE44-605B-4D3B-B2B7-94543DF81A36}" type="datetimeFigureOut">
               <a:rPr lang="ru-RU" smtClean="0"/>
               <a:pPr/>
-              <a:t>24.02.2022</a:t>
+              <a:t>25.02.2022</a:t>
             </a:fld>
             <a:endParaRPr lang="ru-RU"/>
           </a:p>
@@ -2076,7 +2076,7 @@
             <a:fld id="{85A5DE44-605B-4D3B-B2B7-94543DF81A36}" type="datetimeFigureOut">
               <a:rPr lang="ru-RU" smtClean="0"/>
               <a:pPr/>
-              <a:t>24.02.2022</a:t>
+              <a:t>25.02.2022</a:t>
             </a:fld>
             <a:endParaRPr lang="ru-RU"/>
           </a:p>
@@ -2196,7 +2196,7 @@
             <a:fld id="{85A5DE44-605B-4D3B-B2B7-94543DF81A36}" type="datetimeFigureOut">
               <a:rPr lang="ru-RU" smtClean="0"/>
               <a:pPr/>
-              <a:t>24.02.2022</a:t>
+              <a:t>25.02.2022</a:t>
             </a:fld>
             <a:endParaRPr lang="ru-RU"/>
           </a:p>
@@ -2293,7 +2293,7 @@
             <a:fld id="{85A5DE44-605B-4D3B-B2B7-94543DF81A36}" type="datetimeFigureOut">
               <a:rPr lang="ru-RU" smtClean="0"/>
               <a:pPr/>
-              <a:t>24.02.2022</a:t>
+              <a:t>25.02.2022</a:t>
             </a:fld>
             <a:endParaRPr lang="ru-RU"/>
           </a:p>
@@ -2572,7 +2572,7 @@
             <a:fld id="{85A5DE44-605B-4D3B-B2B7-94543DF81A36}" type="datetimeFigureOut">
               <a:rPr lang="ru-RU" smtClean="0"/>
               <a:pPr/>
-              <a:t>24.02.2022</a:t>
+              <a:t>25.02.2022</a:t>
             </a:fld>
             <a:endParaRPr lang="ru-RU"/>
           </a:p>
@@ -2831,7 +2831,7 @@
             <a:fld id="{85A5DE44-605B-4D3B-B2B7-94543DF81A36}" type="datetimeFigureOut">
               <a:rPr lang="ru-RU" smtClean="0"/>
               <a:pPr/>
-              <a:t>24.02.2022</a:t>
+              <a:t>25.02.2022</a:t>
             </a:fld>
             <a:endParaRPr lang="ru-RU"/>
           </a:p>
@@ -3046,7 +3046,7 @@
             <a:fld id="{85A5DE44-605B-4D3B-B2B7-94543DF81A36}" type="datetimeFigureOut">
               <a:rPr lang="ru-RU" smtClean="0"/>
               <a:pPr/>
-              <a:t>24.02.2022</a:t>
+              <a:t>25.02.2022</a:t>
             </a:fld>
             <a:endParaRPr lang="ru-RU"/>
           </a:p>
@@ -3505,8 +3505,8 @@
         </p:nvCxnSpPr>
         <p:spPr>
           <a:xfrm rot="16200000" flipH="1">
-            <a:off x="30548859" y="3041498"/>
-            <a:ext cx="285157" cy="2920587"/>
+            <a:off x="30793790" y="2796567"/>
+            <a:ext cx="291874" cy="3417167"/>
           </a:xfrm>
           <a:prstGeom prst="bentConnector3">
             <a:avLst>
@@ -3760,7 +3760,7 @@
         </p:nvSpPr>
         <p:spPr>
           <a:xfrm>
-            <a:off x="31688568" y="4644371"/>
+            <a:off x="32185148" y="4651088"/>
             <a:ext cx="926325" cy="540000"/>
           </a:xfrm>
           <a:prstGeom prst="rect">
@@ -4002,7 +4002,7 @@
         </p:nvSpPr>
         <p:spPr>
           <a:xfrm>
-            <a:off x="30625916" y="4645363"/>
+            <a:off x="29928184" y="4645362"/>
             <a:ext cx="926325" cy="540000"/>
           </a:xfrm>
           <a:prstGeom prst="rect">
@@ -4053,8 +4053,8 @@
         </p:nvCxnSpPr>
         <p:spPr>
           <a:xfrm rot="16200000" flipH="1">
-            <a:off x="30017037" y="3573320"/>
-            <a:ext cx="286149" cy="1857935"/>
+            <a:off x="29668171" y="3922186"/>
+            <a:ext cx="286148" cy="1160203"/>
           </a:xfrm>
           <a:prstGeom prst="bentConnector3">
             <a:avLst>
@@ -4599,8 +4599,8 @@
         </p:nvCxnSpPr>
         <p:spPr>
           <a:xfrm rot="5400000">
-            <a:off x="31750703" y="5053321"/>
-            <a:ext cx="269978" cy="532078"/>
+            <a:off x="32002352" y="4808389"/>
+            <a:ext cx="263261" cy="1028658"/>
           </a:xfrm>
           <a:prstGeom prst="bentConnector3">
             <a:avLst>
@@ -4637,8 +4637,8 @@
         </p:nvCxnSpPr>
         <p:spPr>
           <a:xfrm rot="16200000" flipH="1">
-            <a:off x="31219873" y="5054569"/>
-            <a:ext cx="268986" cy="530574"/>
+            <a:off x="30871007" y="4705702"/>
+            <a:ext cx="268987" cy="1228306"/>
           </a:xfrm>
           <a:prstGeom prst="bentConnector3">
             <a:avLst>
@@ -4672,7 +4672,7 @@
         </p:nvSpPr>
         <p:spPr>
           <a:xfrm>
-            <a:off x="31156490" y="6267980"/>
+            <a:off x="28778185" y="6263408"/>
             <a:ext cx="926325" cy="540000"/>
           </a:xfrm>
           <a:prstGeom prst="rect">
@@ -4725,42 +4725,6 @@
           </a:p>
         </p:txBody>
       </p:sp>
-      <p:cxnSp>
-        <p:nvCxnSpPr>
-          <p:cNvPr id="66" name="Прямая со стрелкой 65"/>
-          <p:cNvCxnSpPr>
-            <a:stCxn id="56" idx="2"/>
-            <a:endCxn id="63" idx="0"/>
-          </p:cNvCxnSpPr>
-          <p:nvPr/>
-        </p:nvCxnSpPr>
-        <p:spPr>
-          <a:xfrm>
-            <a:off x="31619653" y="5994349"/>
-            <a:ext cx="0" cy="273631"/>
-          </a:xfrm>
-          <a:prstGeom prst="straightConnector1">
-            <a:avLst/>
-          </a:prstGeom>
-          <a:ln w="19050">
-            <a:tailEnd type="arrow"/>
-          </a:ln>
-        </p:spPr>
-        <p:style>
-          <a:lnRef idx="1">
-            <a:schemeClr val="accent1"/>
-          </a:lnRef>
-          <a:fillRef idx="0">
-            <a:schemeClr val="accent1"/>
-          </a:fillRef>
-          <a:effectRef idx="0">
-            <a:schemeClr val="accent1"/>
-          </a:effectRef>
-          <a:fontRef idx="minor">
-            <a:schemeClr val="tx1"/>
-          </a:fontRef>
-        </p:style>
-      </p:cxnSp>
       <p:cxnSp>
         <p:nvCxnSpPr>
           <p:cNvPr id="33" name="Соединительная линия уступом 32"/>
@@ -7105,7 +7069,7 @@
         </p:nvSpPr>
         <p:spPr>
           <a:xfrm>
-            <a:off x="31156490" y="7030355"/>
+            <a:off x="34318627" y="7060408"/>
             <a:ext cx="926325" cy="540000"/>
           </a:xfrm>
           <a:prstGeom prst="rect">
@@ -7226,15 +7190,23 @@
         </p:nvSpPr>
         <p:spPr>
           <a:xfrm>
-            <a:off x="30051673" y="7030355"/>
+            <a:off x="31156489" y="4651220"/>
             <a:ext cx="926325" cy="540000"/>
           </a:xfrm>
           <a:prstGeom prst="rect">
             <a:avLst/>
           </a:prstGeom>
-          <a:solidFill>
-            <a:srgbClr val="FF0000"/>
-          </a:solidFill>
+          <a:gradFill>
+            <a:gsLst>
+              <a:gs pos="0">
+                <a:schemeClr val="accent1"/>
+              </a:gs>
+              <a:gs pos="100000">
+                <a:srgbClr val="FF0000"/>
+              </a:gs>
+            </a:gsLst>
+            <a:lin ang="5400000" scaled="1"/>
+          </a:gradFill>
           <a:ln w="19050"/>
         </p:spPr>
         <p:style>
@@ -7258,8 +7230,16 @@
             <a:pPr algn="ctr"/>
             <a:r>
               <a:rPr lang="ru-RU" sz="700" dirty="0"/>
-              <a:t>Социалистическая и коммунистическая молодёжь</a:t>
-            </a:r>
+              <a:t>Социалистическая и коммунистическая молодёжь 1 апреля 1936 года</a:t>
+            </a:r>
+          </a:p>
+          <a:p>
+            <a:pPr algn="ctr"/>
+            <a:r>
+              <a:rPr lang="ru-RU" sz="100" dirty="0"/>
+              <a:t>(В 1935 году Коммунистический интернационал молодежи поддерживает идею объединения молодежных рабочих организаций во всем мире (социалистов и коммунистов). В мае 1936 года был подписан объединительный пакт между Федерацией социалистической молодёжи и Союзом коммунистической молодёжи . С приходом победы Народного фронта создаются Объединенная социалистическая молодежь)</a:t>
+            </a:r>
+            <a:endParaRPr lang="ru-RU" sz="700" dirty="0"/>
           </a:p>
         </p:txBody>
       </p:sp>
@@ -8242,7 +8222,7 @@
         </p:nvSpPr>
         <p:spPr>
           <a:xfrm>
-            <a:off x="32261307" y="7030355"/>
+            <a:off x="33213807" y="7069267"/>
             <a:ext cx="926325" cy="540000"/>
           </a:xfrm>
           <a:prstGeom prst="rect">
@@ -8315,15 +8295,16 @@
         <p:nvCxnSpPr>
           <p:cNvPr id="124" name="Соединительная линия уступом 123"/>
           <p:cNvCxnSpPr>
-            <a:stCxn id="93" idx="2"/>
-            <a:endCxn id="108" idx="0"/>
+            <a:cxnSpLocks/>
+            <a:stCxn id="164" idx="2"/>
+            <a:endCxn id="162" idx="0"/>
           </p:cNvCxnSpPr>
           <p:nvPr/>
         </p:nvCxnSpPr>
         <p:spPr>
           <a:xfrm rot="5400000">
-            <a:off x="17525770" y="6933377"/>
-            <a:ext cx="257786" cy="1"/>
+            <a:off x="27895369" y="9307421"/>
+            <a:ext cx="260266" cy="2514"/>
           </a:xfrm>
           <a:prstGeom prst="bentConnector3">
             <a:avLst>
@@ -8552,7 +8533,7 @@
         </p:nvSpPr>
         <p:spPr>
           <a:xfrm>
-            <a:off x="34014433" y="5434913"/>
+            <a:off x="13165221" y="6233241"/>
             <a:ext cx="926325" cy="540000"/>
           </a:xfrm>
           <a:prstGeom prst="rect">
@@ -8616,7 +8597,7 @@
         </p:nvSpPr>
         <p:spPr>
           <a:xfrm>
-            <a:off x="34014432" y="6270939"/>
+            <a:off x="13165220" y="7069267"/>
             <a:ext cx="926325" cy="540000"/>
           </a:xfrm>
           <a:prstGeom prst="rect">
@@ -8666,6 +8647,1895 @@
           </a:p>
         </p:txBody>
       </p:sp>
+      <p:sp>
+        <p:nvSpPr>
+          <p:cNvPr id="135" name="Прямоугольник 134">
+            <a:extLst>
+              <a:ext uri="{FF2B5EF4-FFF2-40B4-BE49-F238E27FC236}">
+                <a16:creationId xmlns:a16="http://schemas.microsoft.com/office/drawing/2014/main" id="{3F73D485-85C1-4021-BF3A-F98C9D79AF9E}"/>
+              </a:ext>
+            </a:extLst>
+          </p:cNvPr>
+          <p:cNvSpPr/>
+          <p:nvPr/>
+        </p:nvSpPr>
+        <p:spPr>
+          <a:xfrm>
+            <a:off x="33213807" y="6263408"/>
+            <a:ext cx="926325" cy="540000"/>
+          </a:xfrm>
+          <a:prstGeom prst="rect">
+            <a:avLst/>
+          </a:prstGeom>
+          <a:solidFill>
+            <a:srgbClr val="FF0000"/>
+          </a:solidFill>
+          <a:ln w="19050"/>
+        </p:spPr>
+        <p:style>
+          <a:lnRef idx="2">
+            <a:schemeClr val="accent1"/>
+          </a:lnRef>
+          <a:fillRef idx="1">
+            <a:schemeClr val="lt1"/>
+          </a:fillRef>
+          <a:effectRef idx="0">
+            <a:schemeClr val="accent1"/>
+          </a:effectRef>
+          <a:fontRef idx="minor">
+            <a:schemeClr val="dk1"/>
+          </a:fontRef>
+        </p:style>
+        <p:txBody>
+          <a:bodyPr lIns="124733" tIns="62367" rIns="124733" bIns="62367" rtlCol="0" anchor="ctr"/>
+          <a:lstStyle/>
+          <a:p>
+            <a:pPr algn="ctr"/>
+            <a:r>
+              <a:rPr lang="ru-RU" sz="700" dirty="0"/>
+              <a:t>Поддержка сталинистов</a:t>
+            </a:r>
+            <a:endParaRPr lang="ru-RU" sz="500" dirty="0"/>
+          </a:p>
+        </p:txBody>
+      </p:sp>
+      <p:cxnSp>
+        <p:nvCxnSpPr>
+          <p:cNvPr id="153" name="Прямая соединительная линия 152">
+            <a:extLst>
+              <a:ext uri="{FF2B5EF4-FFF2-40B4-BE49-F238E27FC236}">
+                <a16:creationId xmlns:a16="http://schemas.microsoft.com/office/drawing/2014/main" id="{44D5A13D-ED90-4D47-9D98-6095F6E2D8DD}"/>
+              </a:ext>
+            </a:extLst>
+          </p:cNvPr>
+          <p:cNvCxnSpPr>
+            <a:cxnSpLocks/>
+            <a:stCxn id="63" idx="3"/>
+            <a:endCxn id="135" idx="1"/>
+          </p:cNvCxnSpPr>
+          <p:nvPr/>
+        </p:nvCxnSpPr>
+        <p:spPr>
+          <a:xfrm>
+            <a:off x="29704510" y="6533408"/>
+            <a:ext cx="3509297" cy="0"/>
+          </a:xfrm>
+          <a:prstGeom prst="line">
+            <a:avLst/>
+          </a:prstGeom>
+          <a:ln w="19050">
+            <a:solidFill>
+              <a:srgbClr val="FF0000"/>
+            </a:solidFill>
+          </a:ln>
+        </p:spPr>
+        <p:style>
+          <a:lnRef idx="1">
+            <a:schemeClr val="accent1"/>
+          </a:lnRef>
+          <a:fillRef idx="0">
+            <a:schemeClr val="accent1"/>
+          </a:fillRef>
+          <a:effectRef idx="0">
+            <a:schemeClr val="accent1"/>
+          </a:effectRef>
+          <a:fontRef idx="minor">
+            <a:schemeClr val="tx1"/>
+          </a:fontRef>
+        </p:style>
+      </p:cxnSp>
+      <p:sp>
+        <p:nvSpPr>
+          <p:cNvPr id="154" name="Прямоугольник 153">
+            <a:extLst>
+              <a:ext uri="{FF2B5EF4-FFF2-40B4-BE49-F238E27FC236}">
+                <a16:creationId xmlns:a16="http://schemas.microsoft.com/office/drawing/2014/main" id="{1DE535CF-D5C4-47EA-8554-CD69456F19F1}"/>
+              </a:ext>
+            </a:extLst>
+          </p:cNvPr>
+          <p:cNvSpPr/>
+          <p:nvPr/>
+        </p:nvSpPr>
+        <p:spPr>
+          <a:xfrm>
+            <a:off x="28745892" y="8638545"/>
+            <a:ext cx="926325" cy="540000"/>
+          </a:xfrm>
+          <a:prstGeom prst="rect">
+            <a:avLst/>
+          </a:prstGeom>
+          <a:solidFill>
+            <a:schemeClr val="accent1">
+              <a:lumMod val="60000"/>
+              <a:lumOff val="40000"/>
+            </a:schemeClr>
+          </a:solidFill>
+          <a:ln w="19050"/>
+        </p:spPr>
+        <p:style>
+          <a:lnRef idx="2">
+            <a:schemeClr val="accent1"/>
+          </a:lnRef>
+          <a:fillRef idx="1">
+            <a:schemeClr val="lt1"/>
+          </a:fillRef>
+          <a:effectRef idx="0">
+            <a:schemeClr val="accent1"/>
+          </a:effectRef>
+          <a:fontRef idx="minor">
+            <a:schemeClr val="dk1"/>
+          </a:fontRef>
+        </p:style>
+        <p:txBody>
+          <a:bodyPr lIns="124733" tIns="62367" rIns="124733" bIns="62367" rtlCol="0" anchor="ctr"/>
+          <a:lstStyle/>
+          <a:p>
+            <a:pPr algn="ctr"/>
+            <a:r>
+              <a:rPr lang="ru-RU" sz="700" dirty="0"/>
+              <a:t>Обобществление средств производства</a:t>
+            </a:r>
+          </a:p>
+          <a:p>
+            <a:pPr algn="ctr"/>
+            <a:r>
+              <a:rPr lang="ru-RU" sz="100" dirty="0"/>
+              <a:t>(Следуя марксистскому философскому и политическому течению , он стремился к захвату политической власти пролетарским классом и обобществлению средств производства для установления диктатуры пролетариата)</a:t>
+            </a:r>
+            <a:endParaRPr lang="ru-RU" sz="700" dirty="0"/>
+          </a:p>
+        </p:txBody>
+      </p:sp>
+      <p:sp>
+        <p:nvSpPr>
+          <p:cNvPr id="155" name="Прямоугольник 154">
+            <a:extLst>
+              <a:ext uri="{FF2B5EF4-FFF2-40B4-BE49-F238E27FC236}">
+                <a16:creationId xmlns:a16="http://schemas.microsoft.com/office/drawing/2014/main" id="{AE63F9D4-E3FE-49AD-A901-494855E870B6}"/>
+              </a:ext>
+            </a:extLst>
+          </p:cNvPr>
+          <p:cNvSpPr/>
+          <p:nvPr/>
+        </p:nvSpPr>
+        <p:spPr>
+          <a:xfrm>
+            <a:off x="28745890" y="9440213"/>
+            <a:ext cx="926325" cy="540000"/>
+          </a:xfrm>
+          <a:prstGeom prst="rect">
+            <a:avLst/>
+          </a:prstGeom>
+          <a:solidFill>
+            <a:schemeClr val="accent1">
+              <a:lumMod val="60000"/>
+              <a:lumOff val="40000"/>
+            </a:schemeClr>
+          </a:solidFill>
+          <a:ln w="19050"/>
+        </p:spPr>
+        <p:style>
+          <a:lnRef idx="2">
+            <a:schemeClr val="accent1"/>
+          </a:lnRef>
+          <a:fillRef idx="1">
+            <a:schemeClr val="lt1"/>
+          </a:fillRef>
+          <a:effectRef idx="0">
+            <a:schemeClr val="accent1"/>
+          </a:effectRef>
+          <a:fontRef idx="minor">
+            <a:schemeClr val="dk1"/>
+          </a:fontRef>
+        </p:style>
+        <p:txBody>
+          <a:bodyPr lIns="124733" tIns="62367" rIns="124733" bIns="62367" rtlCol="0" anchor="ctr"/>
+          <a:lstStyle/>
+          <a:p>
+            <a:pPr algn="ctr"/>
+            <a:r>
+              <a:rPr lang="ru-RU" sz="700" dirty="0"/>
+              <a:t>Установление диктатуры пролетариата</a:t>
+            </a:r>
+          </a:p>
+          <a:p>
+            <a:pPr algn="ctr"/>
+            <a:r>
+              <a:rPr lang="ru-RU" sz="100" dirty="0"/>
+              <a:t>(Следуя марксистскому философскому и политическому течению , он стремился к захвату политической власти пролетарским классом и обобществлению средств производства для установления диктатуры пролетариата)</a:t>
+            </a:r>
+            <a:endParaRPr lang="ru-RU" sz="700" dirty="0"/>
+          </a:p>
+        </p:txBody>
+      </p:sp>
+      <p:sp>
+        <p:nvSpPr>
+          <p:cNvPr id="156" name="Прямоугольник 155">
+            <a:extLst>
+              <a:ext uri="{FF2B5EF4-FFF2-40B4-BE49-F238E27FC236}">
+                <a16:creationId xmlns:a16="http://schemas.microsoft.com/office/drawing/2014/main" id="{6EDC6DCB-25E6-4101-87E3-6FE8795BB9DC}"/>
+              </a:ext>
+            </a:extLst>
+          </p:cNvPr>
+          <p:cNvSpPr/>
+          <p:nvPr/>
+        </p:nvSpPr>
+        <p:spPr>
+          <a:xfrm>
+            <a:off x="28753451" y="10225818"/>
+            <a:ext cx="926325" cy="540000"/>
+          </a:xfrm>
+          <a:prstGeom prst="rect">
+            <a:avLst/>
+          </a:prstGeom>
+          <a:solidFill>
+            <a:schemeClr val="accent1">
+              <a:lumMod val="60000"/>
+              <a:lumOff val="40000"/>
+            </a:schemeClr>
+          </a:solidFill>
+          <a:ln w="19050"/>
+        </p:spPr>
+        <p:style>
+          <a:lnRef idx="2">
+            <a:schemeClr val="accent1"/>
+          </a:lnRef>
+          <a:fillRef idx="1">
+            <a:schemeClr val="lt1"/>
+          </a:fillRef>
+          <a:effectRef idx="0">
+            <a:schemeClr val="accent1"/>
+          </a:effectRef>
+          <a:fontRef idx="minor">
+            <a:schemeClr val="dk1"/>
+          </a:fontRef>
+        </p:style>
+        <p:txBody>
+          <a:bodyPr lIns="124733" tIns="62367" rIns="124733" bIns="62367" rtlCol="0" anchor="ctr"/>
+          <a:lstStyle/>
+          <a:p>
+            <a:pPr algn="ctr"/>
+            <a:r>
+              <a:rPr lang="ru-RU" sz="700" dirty="0"/>
+              <a:t>Построить социалистические общество</a:t>
+            </a:r>
+          </a:p>
+          <a:p>
+            <a:pPr algn="ctr"/>
+            <a:r>
+              <a:rPr lang="ru-RU" sz="400" dirty="0"/>
+              <a:t>(исторически сентябрь 1936, если он займёт пост раньше, то начнётся вторая </a:t>
+            </a:r>
+            <a:r>
+              <a:rPr lang="ru-RU" sz="400" dirty="0" err="1"/>
+              <a:t>Санхурада</a:t>
+            </a:r>
+            <a:r>
+              <a:rPr lang="ru-RU" sz="400" dirty="0"/>
+              <a:t>)</a:t>
+            </a:r>
+            <a:endParaRPr lang="ru-RU" sz="200" dirty="0"/>
+          </a:p>
+        </p:txBody>
+      </p:sp>
+      <p:cxnSp>
+        <p:nvCxnSpPr>
+          <p:cNvPr id="157" name="Соединительная линия уступом 59">
+            <a:extLst>
+              <a:ext uri="{FF2B5EF4-FFF2-40B4-BE49-F238E27FC236}">
+                <a16:creationId xmlns:a16="http://schemas.microsoft.com/office/drawing/2014/main" id="{ED19BEBE-D154-4028-B840-BC4A19EBF25A}"/>
+              </a:ext>
+            </a:extLst>
+          </p:cNvPr>
+          <p:cNvCxnSpPr>
+            <a:cxnSpLocks/>
+            <a:stCxn id="56" idx="2"/>
+            <a:endCxn id="63" idx="0"/>
+          </p:cNvCxnSpPr>
+          <p:nvPr/>
+        </p:nvCxnSpPr>
+        <p:spPr>
+          <a:xfrm rot="5400000">
+            <a:off x="30295972" y="4939726"/>
+            <a:ext cx="269059" cy="2378305"/>
+          </a:xfrm>
+          <a:prstGeom prst="bentConnector3">
+            <a:avLst>
+              <a:gd name="adj1" fmla="val 50000"/>
+            </a:avLst>
+          </a:prstGeom>
+          <a:ln w="19050">
+            <a:tailEnd type="arrow"/>
+          </a:ln>
+        </p:spPr>
+        <p:style>
+          <a:lnRef idx="1">
+            <a:schemeClr val="accent1"/>
+          </a:lnRef>
+          <a:fillRef idx="0">
+            <a:schemeClr val="accent1"/>
+          </a:fillRef>
+          <a:effectRef idx="0">
+            <a:schemeClr val="accent1"/>
+          </a:effectRef>
+          <a:fontRef idx="minor">
+            <a:schemeClr val="tx1"/>
+          </a:fontRef>
+        </p:style>
+      </p:cxnSp>
+      <p:cxnSp>
+        <p:nvCxnSpPr>
+          <p:cNvPr id="158" name="Соединительная линия уступом 59">
+            <a:extLst>
+              <a:ext uri="{FF2B5EF4-FFF2-40B4-BE49-F238E27FC236}">
+                <a16:creationId xmlns:a16="http://schemas.microsoft.com/office/drawing/2014/main" id="{7066AE11-5134-458C-89E0-082A59BB1B0F}"/>
+              </a:ext>
+            </a:extLst>
+          </p:cNvPr>
+          <p:cNvCxnSpPr>
+            <a:cxnSpLocks/>
+            <a:stCxn id="56" idx="2"/>
+            <a:endCxn id="135" idx="0"/>
+          </p:cNvCxnSpPr>
+          <p:nvPr/>
+        </p:nvCxnSpPr>
+        <p:spPr>
+          <a:xfrm rot="16200000" flipH="1">
+            <a:off x="32513782" y="5100219"/>
+            <a:ext cx="269059" cy="2057317"/>
+          </a:xfrm>
+          <a:prstGeom prst="bentConnector3">
+            <a:avLst>
+              <a:gd name="adj1" fmla="val 50000"/>
+            </a:avLst>
+          </a:prstGeom>
+          <a:ln w="19050">
+            <a:tailEnd type="arrow"/>
+          </a:ln>
+        </p:spPr>
+        <p:style>
+          <a:lnRef idx="1">
+            <a:schemeClr val="accent1"/>
+          </a:lnRef>
+          <a:fillRef idx="0">
+            <a:schemeClr val="accent1"/>
+          </a:fillRef>
+          <a:effectRef idx="0">
+            <a:schemeClr val="accent1"/>
+          </a:effectRef>
+          <a:fontRef idx="minor">
+            <a:schemeClr val="tx1"/>
+          </a:fontRef>
+        </p:style>
+      </p:cxnSp>
+      <p:sp>
+        <p:nvSpPr>
+          <p:cNvPr id="159" name="Прямоугольник 158">
+            <a:extLst>
+              <a:ext uri="{FF2B5EF4-FFF2-40B4-BE49-F238E27FC236}">
+                <a16:creationId xmlns:a16="http://schemas.microsoft.com/office/drawing/2014/main" id="{691AD626-DD8A-4A61-A88C-B3EB5598250C}"/>
+              </a:ext>
+            </a:extLst>
+          </p:cNvPr>
+          <p:cNvSpPr/>
+          <p:nvPr/>
+        </p:nvSpPr>
+        <p:spPr>
+          <a:xfrm>
+            <a:off x="29302663" y="7874808"/>
+            <a:ext cx="926325" cy="540000"/>
+          </a:xfrm>
+          <a:prstGeom prst="rect">
+            <a:avLst/>
+          </a:prstGeom>
+          <a:solidFill>
+            <a:schemeClr val="accent1">
+              <a:lumMod val="60000"/>
+              <a:lumOff val="40000"/>
+            </a:schemeClr>
+          </a:solidFill>
+          <a:ln w="19050"/>
+        </p:spPr>
+        <p:style>
+          <a:lnRef idx="2">
+            <a:schemeClr val="accent1"/>
+          </a:lnRef>
+          <a:fillRef idx="1">
+            <a:schemeClr val="lt1"/>
+          </a:fillRef>
+          <a:effectRef idx="0">
+            <a:schemeClr val="accent1"/>
+          </a:effectRef>
+          <a:fontRef idx="minor">
+            <a:schemeClr val="dk1"/>
+          </a:fontRef>
+        </p:style>
+        <p:txBody>
+          <a:bodyPr lIns="124733" tIns="62367" rIns="124733" bIns="62367" rtlCol="0" anchor="ctr"/>
+          <a:lstStyle/>
+          <a:p>
+            <a:pPr algn="ctr"/>
+            <a:r>
+              <a:rPr lang="ru-RU" sz="700" dirty="0"/>
+              <a:t>Запретить ПОУМ (Правительство </a:t>
+            </a:r>
+            <a:r>
+              <a:rPr lang="ru-RU" sz="700" dirty="0" err="1"/>
+              <a:t>Прието</a:t>
+            </a:r>
+            <a:r>
+              <a:rPr lang="ru-RU" sz="700" dirty="0"/>
+              <a:t> и </a:t>
+            </a:r>
+            <a:r>
+              <a:rPr lang="ru-RU" sz="700" dirty="0" err="1"/>
+              <a:t>Негрина</a:t>
+            </a:r>
+            <a:r>
+              <a:rPr lang="ru-RU" sz="700" dirty="0"/>
+              <a:t>)</a:t>
+            </a:r>
+          </a:p>
+        </p:txBody>
+      </p:sp>
+      <p:sp>
+        <p:nvSpPr>
+          <p:cNvPr id="160" name="Прямоугольник 159">
+            <a:extLst>
+              <a:ext uri="{FF2B5EF4-FFF2-40B4-BE49-F238E27FC236}">
+                <a16:creationId xmlns:a16="http://schemas.microsoft.com/office/drawing/2014/main" id="{2A50D594-2C2E-4BDC-8F6D-0BE0FE128D99}"/>
+              </a:ext>
+            </a:extLst>
+          </p:cNvPr>
+          <p:cNvSpPr/>
+          <p:nvPr/>
+        </p:nvSpPr>
+        <p:spPr>
+          <a:xfrm>
+            <a:off x="28197845" y="7878311"/>
+            <a:ext cx="926325" cy="540000"/>
+          </a:xfrm>
+          <a:prstGeom prst="rect">
+            <a:avLst/>
+          </a:prstGeom>
+          <a:solidFill>
+            <a:schemeClr val="accent1">
+              <a:lumMod val="60000"/>
+              <a:lumOff val="40000"/>
+            </a:schemeClr>
+          </a:solidFill>
+          <a:ln w="19050"/>
+        </p:spPr>
+        <p:style>
+          <a:lnRef idx="2">
+            <a:schemeClr val="accent1"/>
+          </a:lnRef>
+          <a:fillRef idx="1">
+            <a:schemeClr val="lt1"/>
+          </a:fillRef>
+          <a:effectRef idx="0">
+            <a:schemeClr val="accent1"/>
+          </a:effectRef>
+          <a:fontRef idx="minor">
+            <a:schemeClr val="dk1"/>
+          </a:fontRef>
+        </p:style>
+        <p:txBody>
+          <a:bodyPr lIns="124733" tIns="62367" rIns="124733" bIns="62367" rtlCol="0" anchor="ctr"/>
+          <a:lstStyle/>
+          <a:p>
+            <a:pPr algn="ctr"/>
+            <a:r>
+              <a:rPr lang="ru-RU" sz="700" dirty="0"/>
+              <a:t>Противостоять просоветской политике (</a:t>
+            </a:r>
+            <a:r>
+              <a:rPr lang="en-US" sz="700" dirty="0"/>
+              <a:t>Luis </a:t>
+            </a:r>
+            <a:r>
+              <a:rPr lang="en-US" sz="700" dirty="0" err="1"/>
+              <a:t>Araquistáin</a:t>
+            </a:r>
+            <a:r>
+              <a:rPr lang="ru-RU" sz="700" dirty="0"/>
+              <a:t> как советник)</a:t>
+            </a:r>
+          </a:p>
+        </p:txBody>
+      </p:sp>
+      <p:cxnSp>
+        <p:nvCxnSpPr>
+          <p:cNvPr id="161" name="Прямая соединительная линия 160">
+            <a:extLst>
+              <a:ext uri="{FF2B5EF4-FFF2-40B4-BE49-F238E27FC236}">
+                <a16:creationId xmlns:a16="http://schemas.microsoft.com/office/drawing/2014/main" id="{BF4D2C3F-BCB4-485D-98D8-A6C1B37BA272}"/>
+              </a:ext>
+            </a:extLst>
+          </p:cNvPr>
+          <p:cNvCxnSpPr>
+            <a:cxnSpLocks/>
+            <a:stCxn id="160" idx="3"/>
+            <a:endCxn id="159" idx="1"/>
+          </p:cNvCxnSpPr>
+          <p:nvPr/>
+        </p:nvCxnSpPr>
+        <p:spPr>
+          <a:xfrm flipV="1">
+            <a:off x="29124170" y="8144808"/>
+            <a:ext cx="178493" cy="3503"/>
+          </a:xfrm>
+          <a:prstGeom prst="line">
+            <a:avLst/>
+          </a:prstGeom>
+          <a:ln w="19050">
+            <a:solidFill>
+              <a:srgbClr val="FF0000"/>
+            </a:solidFill>
+          </a:ln>
+        </p:spPr>
+        <p:style>
+          <a:lnRef idx="1">
+            <a:schemeClr val="accent1"/>
+          </a:lnRef>
+          <a:fillRef idx="0">
+            <a:schemeClr val="accent1"/>
+          </a:fillRef>
+          <a:effectRef idx="0">
+            <a:schemeClr val="accent1"/>
+          </a:effectRef>
+          <a:fontRef idx="minor">
+            <a:schemeClr val="tx1"/>
+          </a:fontRef>
+        </p:style>
+      </p:cxnSp>
+      <p:sp>
+        <p:nvSpPr>
+          <p:cNvPr id="162" name="Прямоугольник 161">
+            <a:extLst>
+              <a:ext uri="{FF2B5EF4-FFF2-40B4-BE49-F238E27FC236}">
+                <a16:creationId xmlns:a16="http://schemas.microsoft.com/office/drawing/2014/main" id="{0F278698-6314-41F4-905C-AAC488F37EAD}"/>
+              </a:ext>
+            </a:extLst>
+          </p:cNvPr>
+          <p:cNvSpPr/>
+          <p:nvPr/>
+        </p:nvSpPr>
+        <p:spPr>
+          <a:xfrm>
+            <a:off x="27561082" y="9438811"/>
+            <a:ext cx="926325" cy="540000"/>
+          </a:xfrm>
+          <a:prstGeom prst="rect">
+            <a:avLst/>
+          </a:prstGeom>
+          <a:solidFill>
+            <a:schemeClr val="accent1">
+              <a:lumMod val="60000"/>
+              <a:lumOff val="40000"/>
+            </a:schemeClr>
+          </a:solidFill>
+          <a:ln w="19050"/>
+        </p:spPr>
+        <p:style>
+          <a:lnRef idx="2">
+            <a:schemeClr val="accent1"/>
+          </a:lnRef>
+          <a:fillRef idx="1">
+            <a:schemeClr val="lt1"/>
+          </a:fillRef>
+          <a:effectRef idx="0">
+            <a:schemeClr val="accent1"/>
+          </a:effectRef>
+          <a:fontRef idx="minor">
+            <a:schemeClr val="dk1"/>
+          </a:fontRef>
+        </p:style>
+        <p:txBody>
+          <a:bodyPr lIns="124733" tIns="62367" rIns="124733" bIns="62367" rtlCol="0" anchor="ctr"/>
+          <a:lstStyle/>
+          <a:p>
+            <a:pPr algn="ctr"/>
+            <a:r>
+              <a:rPr lang="ru-RU" sz="700" dirty="0"/>
+              <a:t>Устранить волюнтаризм и свободу ополченцев</a:t>
+            </a:r>
+          </a:p>
+          <a:p>
+            <a:pPr algn="ctr"/>
+            <a:r>
+              <a:rPr lang="ru-RU" sz="100" dirty="0"/>
+              <a:t>(Его большая забота, помимо хода конкурса, состоит в том, чтобы попытаться поддерживать дисциплину </a:t>
+            </a:r>
+            <a:r>
+              <a:rPr lang="ru-RU" sz="100" dirty="0" err="1"/>
+              <a:t>ввновь</a:t>
+            </a:r>
+            <a:r>
+              <a:rPr lang="ru-RU" sz="100" dirty="0"/>
+              <a:t> организованной армии и поддерживать власть центрального правительства в республиканской зоне любой ценой, полагая, что без дисциплинированных и военизированных войск Республика не сможет победить повстанцев .)</a:t>
+            </a:r>
+            <a:endParaRPr lang="ru-RU" sz="600" dirty="0"/>
+          </a:p>
+        </p:txBody>
+      </p:sp>
+      <p:cxnSp>
+        <p:nvCxnSpPr>
+          <p:cNvPr id="163" name="Соединительная линия уступом 59">
+            <a:extLst>
+              <a:ext uri="{FF2B5EF4-FFF2-40B4-BE49-F238E27FC236}">
+                <a16:creationId xmlns:a16="http://schemas.microsoft.com/office/drawing/2014/main" id="{41E480A3-A812-4731-BA0E-CEBFE1B527FF}"/>
+              </a:ext>
+            </a:extLst>
+          </p:cNvPr>
+          <p:cNvCxnSpPr>
+            <a:cxnSpLocks/>
+            <a:stCxn id="160" idx="2"/>
+            <a:endCxn id="164" idx="0"/>
+          </p:cNvCxnSpPr>
+          <p:nvPr/>
+        </p:nvCxnSpPr>
+        <p:spPr>
+          <a:xfrm rot="5400000">
+            <a:off x="28233767" y="8211304"/>
+            <a:ext cx="220234" cy="634249"/>
+          </a:xfrm>
+          <a:prstGeom prst="bentConnector3">
+            <a:avLst>
+              <a:gd name="adj1" fmla="val 50000"/>
+            </a:avLst>
+          </a:prstGeom>
+          <a:ln w="19050">
+            <a:tailEnd type="arrow"/>
+          </a:ln>
+        </p:spPr>
+        <p:style>
+          <a:lnRef idx="1">
+            <a:schemeClr val="accent1"/>
+          </a:lnRef>
+          <a:fillRef idx="0">
+            <a:schemeClr val="accent1"/>
+          </a:fillRef>
+          <a:effectRef idx="0">
+            <a:schemeClr val="accent1"/>
+          </a:effectRef>
+          <a:fontRef idx="minor">
+            <a:schemeClr val="tx1"/>
+          </a:fontRef>
+        </p:style>
+      </p:cxnSp>
+      <p:sp>
+        <p:nvSpPr>
+          <p:cNvPr id="164" name="Прямоугольник 163">
+            <a:extLst>
+              <a:ext uri="{FF2B5EF4-FFF2-40B4-BE49-F238E27FC236}">
+                <a16:creationId xmlns:a16="http://schemas.microsoft.com/office/drawing/2014/main" id="{817CA413-A4A0-4A2F-9F7B-77FC6A4148F5}"/>
+              </a:ext>
+            </a:extLst>
+          </p:cNvPr>
+          <p:cNvSpPr/>
+          <p:nvPr/>
+        </p:nvSpPr>
+        <p:spPr>
+          <a:xfrm>
+            <a:off x="27563596" y="8638545"/>
+            <a:ext cx="926325" cy="540000"/>
+          </a:xfrm>
+          <a:prstGeom prst="rect">
+            <a:avLst/>
+          </a:prstGeom>
+          <a:solidFill>
+            <a:schemeClr val="accent1">
+              <a:lumMod val="60000"/>
+              <a:lumOff val="40000"/>
+            </a:schemeClr>
+          </a:solidFill>
+          <a:ln w="19050"/>
+        </p:spPr>
+        <p:style>
+          <a:lnRef idx="2">
+            <a:schemeClr val="accent1"/>
+          </a:lnRef>
+          <a:fillRef idx="1">
+            <a:schemeClr val="lt1"/>
+          </a:fillRef>
+          <a:effectRef idx="0">
+            <a:schemeClr val="accent1"/>
+          </a:effectRef>
+          <a:fontRef idx="minor">
+            <a:schemeClr val="dk1"/>
+          </a:fontRef>
+        </p:style>
+        <p:txBody>
+          <a:bodyPr lIns="124733" tIns="62367" rIns="124733" bIns="62367" rtlCol="0" anchor="ctr"/>
+          <a:lstStyle/>
+          <a:p>
+            <a:pPr algn="ctr"/>
+            <a:r>
+              <a:rPr lang="ru-RU" sz="700" dirty="0"/>
+              <a:t>Отстранить </a:t>
+            </a:r>
+            <a:r>
+              <a:rPr lang="ru-RU" sz="700" dirty="0" err="1"/>
+              <a:t>Прието</a:t>
+            </a:r>
+            <a:r>
+              <a:rPr lang="ru-RU" sz="700" dirty="0"/>
+              <a:t> </a:t>
+            </a:r>
+            <a:r>
+              <a:rPr lang="ru-RU" sz="200" dirty="0"/>
+              <a:t>(Точно так же недовольство возникло в республиканской зоне из-за перехода Малаги в руки </a:t>
+            </a:r>
+            <a:r>
+              <a:rPr lang="ru-RU" sz="200" dirty="0" err="1"/>
+              <a:t>франкистов</a:t>
+            </a:r>
+            <a:r>
+              <a:rPr lang="ru-RU" sz="200" dirty="0"/>
+              <a:t> (февраль 1937 г.) и успехов национального наступления в Бискайе (апрель 1937 г.), неудач, использованных противниками Ларго: PCE и крыло PSOE, верный своему сопернику </a:t>
+            </a:r>
+            <a:r>
+              <a:rPr lang="ru-RU" sz="200" dirty="0" err="1"/>
+              <a:t>Индалесио</a:t>
+            </a:r>
+            <a:r>
+              <a:rPr lang="ru-RU" sz="200" dirty="0"/>
+              <a:t> </a:t>
+            </a:r>
+            <a:r>
+              <a:rPr lang="ru-RU" sz="200" dirty="0" err="1"/>
+              <a:t>Прието</a:t>
+            </a:r>
+            <a:r>
+              <a:rPr lang="ru-RU" sz="200" dirty="0"/>
+              <a:t>)</a:t>
+            </a:r>
+            <a:endParaRPr lang="ru-RU" sz="700" dirty="0"/>
+          </a:p>
+        </p:txBody>
+      </p:sp>
+      <p:sp>
+        <p:nvSpPr>
+          <p:cNvPr id="165" name="Прямоугольник 164">
+            <a:extLst>
+              <a:ext uri="{FF2B5EF4-FFF2-40B4-BE49-F238E27FC236}">
+                <a16:creationId xmlns:a16="http://schemas.microsoft.com/office/drawing/2014/main" id="{FF2ECD0E-F830-493C-924F-6B0B2E2E822E}"/>
+              </a:ext>
+            </a:extLst>
+          </p:cNvPr>
+          <p:cNvSpPr/>
+          <p:nvPr/>
+        </p:nvSpPr>
+        <p:spPr>
+          <a:xfrm>
+            <a:off x="28197844" y="7060624"/>
+            <a:ext cx="926325" cy="540000"/>
+          </a:xfrm>
+          <a:prstGeom prst="rect">
+            <a:avLst/>
+          </a:prstGeom>
+          <a:solidFill>
+            <a:schemeClr val="accent1">
+              <a:lumMod val="60000"/>
+              <a:lumOff val="40000"/>
+            </a:schemeClr>
+          </a:solidFill>
+          <a:ln w="19050"/>
+        </p:spPr>
+        <p:style>
+          <a:lnRef idx="2">
+            <a:schemeClr val="accent1"/>
+          </a:lnRef>
+          <a:fillRef idx="1">
+            <a:schemeClr val="lt1"/>
+          </a:fillRef>
+          <a:effectRef idx="0">
+            <a:schemeClr val="accent1"/>
+          </a:effectRef>
+          <a:fontRef idx="minor">
+            <a:schemeClr val="dk1"/>
+          </a:fontRef>
+        </p:style>
+        <p:txBody>
+          <a:bodyPr lIns="124733" tIns="62367" rIns="124733" bIns="62367" rtlCol="0" anchor="ctr"/>
+          <a:lstStyle/>
+          <a:p>
+            <a:pPr algn="ctr"/>
+            <a:r>
+              <a:rPr lang="ru-RU" sz="700" dirty="0"/>
+              <a:t>«Правительство победы» (наше)</a:t>
+            </a:r>
+          </a:p>
+        </p:txBody>
+      </p:sp>
+      <p:sp>
+        <p:nvSpPr>
+          <p:cNvPr id="166" name="Прямоугольник 165">
+            <a:extLst>
+              <a:ext uri="{FF2B5EF4-FFF2-40B4-BE49-F238E27FC236}">
+                <a16:creationId xmlns:a16="http://schemas.microsoft.com/office/drawing/2014/main" id="{1237210D-3F71-4FFB-898E-68BAEFE6FDDA}"/>
+              </a:ext>
+            </a:extLst>
+          </p:cNvPr>
+          <p:cNvSpPr/>
+          <p:nvPr/>
+        </p:nvSpPr>
+        <p:spPr>
+          <a:xfrm>
+            <a:off x="29302664" y="7060624"/>
+            <a:ext cx="926325" cy="540000"/>
+          </a:xfrm>
+          <a:prstGeom prst="rect">
+            <a:avLst/>
+          </a:prstGeom>
+          <a:solidFill>
+            <a:schemeClr val="accent1">
+              <a:lumMod val="60000"/>
+              <a:lumOff val="40000"/>
+            </a:schemeClr>
+          </a:solidFill>
+          <a:ln w="19050"/>
+        </p:spPr>
+        <p:style>
+          <a:lnRef idx="2">
+            <a:schemeClr val="accent1"/>
+          </a:lnRef>
+          <a:fillRef idx="1">
+            <a:schemeClr val="lt1"/>
+          </a:fillRef>
+          <a:effectRef idx="0">
+            <a:schemeClr val="accent1"/>
+          </a:effectRef>
+          <a:fontRef idx="minor">
+            <a:schemeClr val="dk1"/>
+          </a:fontRef>
+        </p:style>
+        <p:txBody>
+          <a:bodyPr lIns="124733" tIns="62367" rIns="124733" bIns="62367" rtlCol="0" anchor="ctr"/>
+          <a:lstStyle/>
+          <a:p>
+            <a:pPr algn="ctr"/>
+            <a:r>
+              <a:rPr lang="ru-RU" sz="700" dirty="0"/>
+              <a:t>Не «Народный», но «Рабочий фронт» (наше)</a:t>
+            </a:r>
+          </a:p>
+        </p:txBody>
+      </p:sp>
+      <p:cxnSp>
+        <p:nvCxnSpPr>
+          <p:cNvPr id="167" name="Соединительная линия уступом 59">
+            <a:extLst>
+              <a:ext uri="{FF2B5EF4-FFF2-40B4-BE49-F238E27FC236}">
+                <a16:creationId xmlns:a16="http://schemas.microsoft.com/office/drawing/2014/main" id="{8BF20860-5267-4C89-9A69-5F2FF8043CE3}"/>
+              </a:ext>
+            </a:extLst>
+          </p:cNvPr>
+          <p:cNvCxnSpPr>
+            <a:cxnSpLocks/>
+            <a:stCxn id="63" idx="2"/>
+            <a:endCxn id="165" idx="0"/>
+          </p:cNvCxnSpPr>
+          <p:nvPr/>
+        </p:nvCxnSpPr>
+        <p:spPr>
+          <a:xfrm rot="5400000">
+            <a:off x="28822570" y="6641846"/>
+            <a:ext cx="257216" cy="580341"/>
+          </a:xfrm>
+          <a:prstGeom prst="bentConnector3">
+            <a:avLst>
+              <a:gd name="adj1" fmla="val 50000"/>
+            </a:avLst>
+          </a:prstGeom>
+          <a:ln w="19050">
+            <a:tailEnd type="arrow"/>
+          </a:ln>
+        </p:spPr>
+        <p:style>
+          <a:lnRef idx="1">
+            <a:schemeClr val="accent1"/>
+          </a:lnRef>
+          <a:fillRef idx="0">
+            <a:schemeClr val="accent1"/>
+          </a:fillRef>
+          <a:effectRef idx="0">
+            <a:schemeClr val="accent1"/>
+          </a:effectRef>
+          <a:fontRef idx="minor">
+            <a:schemeClr val="tx1"/>
+          </a:fontRef>
+        </p:style>
+      </p:cxnSp>
+      <p:cxnSp>
+        <p:nvCxnSpPr>
+          <p:cNvPr id="168" name="Соединительная линия уступом 59">
+            <a:extLst>
+              <a:ext uri="{FF2B5EF4-FFF2-40B4-BE49-F238E27FC236}">
+                <a16:creationId xmlns:a16="http://schemas.microsoft.com/office/drawing/2014/main" id="{8BB7AA36-FD11-40F3-952A-FDE960A6929F}"/>
+              </a:ext>
+            </a:extLst>
+          </p:cNvPr>
+          <p:cNvCxnSpPr>
+            <a:cxnSpLocks/>
+            <a:stCxn id="63" idx="2"/>
+            <a:endCxn id="166" idx="0"/>
+          </p:cNvCxnSpPr>
+          <p:nvPr/>
+        </p:nvCxnSpPr>
+        <p:spPr>
+          <a:xfrm rot="16200000" flipH="1">
+            <a:off x="29374979" y="6669776"/>
+            <a:ext cx="257216" cy="524479"/>
+          </a:xfrm>
+          <a:prstGeom prst="bentConnector3">
+            <a:avLst>
+              <a:gd name="adj1" fmla="val 50000"/>
+            </a:avLst>
+          </a:prstGeom>
+          <a:ln w="19050">
+            <a:tailEnd type="arrow"/>
+          </a:ln>
+        </p:spPr>
+        <p:style>
+          <a:lnRef idx="1">
+            <a:schemeClr val="accent1"/>
+          </a:lnRef>
+          <a:fillRef idx="0">
+            <a:schemeClr val="accent1"/>
+          </a:fillRef>
+          <a:effectRef idx="0">
+            <a:schemeClr val="accent1"/>
+          </a:effectRef>
+          <a:fontRef idx="minor">
+            <a:schemeClr val="tx1"/>
+          </a:fontRef>
+        </p:style>
+      </p:cxnSp>
+      <p:cxnSp>
+        <p:nvCxnSpPr>
+          <p:cNvPr id="169" name="Соединительная линия уступом 60">
+            <a:extLst>
+              <a:ext uri="{FF2B5EF4-FFF2-40B4-BE49-F238E27FC236}">
+                <a16:creationId xmlns:a16="http://schemas.microsoft.com/office/drawing/2014/main" id="{504572F0-7FA5-4F81-9D4B-C3FB5F7E24A6}"/>
+              </a:ext>
+            </a:extLst>
+          </p:cNvPr>
+          <p:cNvCxnSpPr>
+            <a:cxnSpLocks/>
+            <a:stCxn id="165" idx="2"/>
+            <a:endCxn id="160" idx="0"/>
+          </p:cNvCxnSpPr>
+          <p:nvPr/>
+        </p:nvCxnSpPr>
+        <p:spPr>
+          <a:xfrm rot="16200000" flipH="1">
+            <a:off x="28522164" y="7739466"/>
+            <a:ext cx="277687" cy="1"/>
+          </a:xfrm>
+          <a:prstGeom prst="bentConnector3">
+            <a:avLst>
+              <a:gd name="adj1" fmla="val 50000"/>
+            </a:avLst>
+          </a:prstGeom>
+          <a:ln w="19050">
+            <a:tailEnd type="arrow"/>
+          </a:ln>
+        </p:spPr>
+        <p:style>
+          <a:lnRef idx="1">
+            <a:schemeClr val="accent1"/>
+          </a:lnRef>
+          <a:fillRef idx="0">
+            <a:schemeClr val="accent1"/>
+          </a:fillRef>
+          <a:effectRef idx="0">
+            <a:schemeClr val="accent1"/>
+          </a:effectRef>
+          <a:fontRef idx="minor">
+            <a:schemeClr val="tx1"/>
+          </a:fontRef>
+        </p:style>
+      </p:cxnSp>
+      <p:cxnSp>
+        <p:nvCxnSpPr>
+          <p:cNvPr id="171" name="Соединительная линия уступом 123">
+            <a:extLst>
+              <a:ext uri="{FF2B5EF4-FFF2-40B4-BE49-F238E27FC236}">
+                <a16:creationId xmlns:a16="http://schemas.microsoft.com/office/drawing/2014/main" id="{0DD383AF-7358-4D05-9F30-B6B41AF854DB}"/>
+              </a:ext>
+            </a:extLst>
+          </p:cNvPr>
+          <p:cNvCxnSpPr>
+            <a:cxnSpLocks/>
+            <a:stCxn id="154" idx="2"/>
+            <a:endCxn id="155" idx="0"/>
+          </p:cNvCxnSpPr>
+          <p:nvPr/>
+        </p:nvCxnSpPr>
+        <p:spPr>
+          <a:xfrm rot="5400000">
+            <a:off x="29078220" y="9309378"/>
+            <a:ext cx="261668" cy="2"/>
+          </a:xfrm>
+          <a:prstGeom prst="bentConnector3">
+            <a:avLst>
+              <a:gd name="adj1" fmla="val 50000"/>
+            </a:avLst>
+          </a:prstGeom>
+          <a:ln w="19050">
+            <a:tailEnd type="arrow"/>
+          </a:ln>
+        </p:spPr>
+        <p:style>
+          <a:lnRef idx="1">
+            <a:schemeClr val="accent1"/>
+          </a:lnRef>
+          <a:fillRef idx="0">
+            <a:schemeClr val="accent1"/>
+          </a:fillRef>
+          <a:effectRef idx="0">
+            <a:schemeClr val="accent1"/>
+          </a:effectRef>
+          <a:fontRef idx="minor">
+            <a:schemeClr val="tx1"/>
+          </a:fontRef>
+        </p:style>
+      </p:cxnSp>
+      <p:cxnSp>
+        <p:nvCxnSpPr>
+          <p:cNvPr id="173" name="Соединительная линия уступом 123">
+            <a:extLst>
+              <a:ext uri="{FF2B5EF4-FFF2-40B4-BE49-F238E27FC236}">
+                <a16:creationId xmlns:a16="http://schemas.microsoft.com/office/drawing/2014/main" id="{08826EB2-04D8-4B9D-A85C-F5AB140406B1}"/>
+              </a:ext>
+            </a:extLst>
+          </p:cNvPr>
+          <p:cNvCxnSpPr>
+            <a:cxnSpLocks/>
+            <a:stCxn id="155" idx="2"/>
+            <a:endCxn id="156" idx="0"/>
+          </p:cNvCxnSpPr>
+          <p:nvPr/>
+        </p:nvCxnSpPr>
+        <p:spPr>
+          <a:xfrm rot="16200000" flipH="1">
+            <a:off x="29090031" y="10099234"/>
+            <a:ext cx="245605" cy="7561"/>
+          </a:xfrm>
+          <a:prstGeom prst="bentConnector3">
+            <a:avLst>
+              <a:gd name="adj1" fmla="val 50000"/>
+            </a:avLst>
+          </a:prstGeom>
+          <a:ln w="19050">
+            <a:tailEnd type="arrow"/>
+          </a:ln>
+        </p:spPr>
+        <p:style>
+          <a:lnRef idx="1">
+            <a:schemeClr val="accent1"/>
+          </a:lnRef>
+          <a:fillRef idx="0">
+            <a:schemeClr val="accent1"/>
+          </a:fillRef>
+          <a:effectRef idx="0">
+            <a:schemeClr val="accent1"/>
+          </a:effectRef>
+          <a:fontRef idx="minor">
+            <a:schemeClr val="tx1"/>
+          </a:fontRef>
+        </p:style>
+      </p:cxnSp>
+      <p:cxnSp>
+        <p:nvCxnSpPr>
+          <p:cNvPr id="177" name="Соединительная линия уступом 59">
+            <a:extLst>
+              <a:ext uri="{FF2B5EF4-FFF2-40B4-BE49-F238E27FC236}">
+                <a16:creationId xmlns:a16="http://schemas.microsoft.com/office/drawing/2014/main" id="{76206442-5802-4ECC-89FF-725CB9831F7E}"/>
+              </a:ext>
+            </a:extLst>
+          </p:cNvPr>
+          <p:cNvCxnSpPr>
+            <a:cxnSpLocks/>
+            <a:stCxn id="165" idx="2"/>
+            <a:endCxn id="159" idx="0"/>
+          </p:cNvCxnSpPr>
+          <p:nvPr/>
+        </p:nvCxnSpPr>
+        <p:spPr>
+          <a:xfrm rot="16200000" flipH="1">
+            <a:off x="29076324" y="7185306"/>
+            <a:ext cx="274184" cy="1104819"/>
+          </a:xfrm>
+          <a:prstGeom prst="bentConnector3">
+            <a:avLst>
+              <a:gd name="adj1" fmla="val 50000"/>
+            </a:avLst>
+          </a:prstGeom>
+          <a:ln w="19050">
+            <a:tailEnd type="arrow"/>
+          </a:ln>
+        </p:spPr>
+        <p:style>
+          <a:lnRef idx="1">
+            <a:schemeClr val="accent1"/>
+          </a:lnRef>
+          <a:fillRef idx="0">
+            <a:schemeClr val="accent1"/>
+          </a:fillRef>
+          <a:effectRef idx="0">
+            <a:schemeClr val="accent1"/>
+          </a:effectRef>
+          <a:fontRef idx="minor">
+            <a:schemeClr val="tx1"/>
+          </a:fontRef>
+        </p:style>
+      </p:cxnSp>
+      <p:sp>
+        <p:nvSpPr>
+          <p:cNvPr id="180" name="Прямоугольник 179">
+            <a:extLst>
+              <a:ext uri="{FF2B5EF4-FFF2-40B4-BE49-F238E27FC236}">
+                <a16:creationId xmlns:a16="http://schemas.microsoft.com/office/drawing/2014/main" id="{7DAEAC1F-B20B-46CD-B818-99851DE5EF87}"/>
+              </a:ext>
+            </a:extLst>
+          </p:cNvPr>
+          <p:cNvSpPr/>
+          <p:nvPr/>
+        </p:nvSpPr>
+        <p:spPr>
+          <a:xfrm>
+            <a:off x="29928187" y="8638545"/>
+            <a:ext cx="926325" cy="540000"/>
+          </a:xfrm>
+          <a:prstGeom prst="rect">
+            <a:avLst/>
+          </a:prstGeom>
+          <a:solidFill>
+            <a:schemeClr val="accent1">
+              <a:lumMod val="60000"/>
+              <a:lumOff val="40000"/>
+            </a:schemeClr>
+          </a:solidFill>
+          <a:ln w="19050"/>
+        </p:spPr>
+        <p:style>
+          <a:lnRef idx="2">
+            <a:schemeClr val="accent1"/>
+          </a:lnRef>
+          <a:fillRef idx="1">
+            <a:schemeClr val="lt1"/>
+          </a:fillRef>
+          <a:effectRef idx="0">
+            <a:schemeClr val="accent1"/>
+          </a:effectRef>
+          <a:fontRef idx="minor">
+            <a:schemeClr val="dk1"/>
+          </a:fontRef>
+        </p:style>
+        <p:txBody>
+          <a:bodyPr lIns="124733" tIns="62367" rIns="124733" bIns="62367" rtlCol="0" anchor="ctr"/>
+          <a:lstStyle/>
+          <a:p>
+            <a:pPr algn="ctr"/>
+            <a:r>
+              <a:rPr lang="ru-RU" sz="700" dirty="0"/>
+              <a:t>Испания – колыбель партизан (наше)</a:t>
+            </a:r>
+          </a:p>
+        </p:txBody>
+      </p:sp>
+      <p:cxnSp>
+        <p:nvCxnSpPr>
+          <p:cNvPr id="181" name="Соединительная линия уступом 59">
+            <a:extLst>
+              <a:ext uri="{FF2B5EF4-FFF2-40B4-BE49-F238E27FC236}">
+                <a16:creationId xmlns:a16="http://schemas.microsoft.com/office/drawing/2014/main" id="{146CBA15-0EC9-4B49-9151-897C0373358B}"/>
+              </a:ext>
+            </a:extLst>
+          </p:cNvPr>
+          <p:cNvCxnSpPr>
+            <a:cxnSpLocks/>
+            <a:stCxn id="159" idx="2"/>
+            <a:endCxn id="180" idx="0"/>
+          </p:cNvCxnSpPr>
+          <p:nvPr/>
+        </p:nvCxnSpPr>
+        <p:spPr>
+          <a:xfrm rot="16200000" flipH="1">
+            <a:off x="29966720" y="8213914"/>
+            <a:ext cx="223737" cy="625524"/>
+          </a:xfrm>
+          <a:prstGeom prst="bentConnector3">
+            <a:avLst>
+              <a:gd name="adj1" fmla="val 50000"/>
+            </a:avLst>
+          </a:prstGeom>
+          <a:ln w="19050">
+            <a:tailEnd type="arrow"/>
+          </a:ln>
+        </p:spPr>
+        <p:style>
+          <a:lnRef idx="1">
+            <a:schemeClr val="accent1"/>
+          </a:lnRef>
+          <a:fillRef idx="0">
+            <a:schemeClr val="accent1"/>
+          </a:fillRef>
+          <a:effectRef idx="0">
+            <a:schemeClr val="accent1"/>
+          </a:effectRef>
+          <a:fontRef idx="minor">
+            <a:schemeClr val="tx1"/>
+          </a:fontRef>
+        </p:style>
+      </p:cxnSp>
+      <p:cxnSp>
+        <p:nvCxnSpPr>
+          <p:cNvPr id="184" name="Соединительная линия уступом 59">
+            <a:extLst>
+              <a:ext uri="{FF2B5EF4-FFF2-40B4-BE49-F238E27FC236}">
+                <a16:creationId xmlns:a16="http://schemas.microsoft.com/office/drawing/2014/main" id="{C84E4D7F-D864-4DC0-BB2F-86D444193691}"/>
+              </a:ext>
+            </a:extLst>
+          </p:cNvPr>
+          <p:cNvCxnSpPr>
+            <a:cxnSpLocks/>
+            <a:stCxn id="159" idx="2"/>
+            <a:endCxn id="154" idx="0"/>
+          </p:cNvCxnSpPr>
+          <p:nvPr/>
+        </p:nvCxnSpPr>
+        <p:spPr>
+          <a:xfrm rot="5400000">
+            <a:off x="29375573" y="8248291"/>
+            <a:ext cx="223737" cy="556771"/>
+          </a:xfrm>
+          <a:prstGeom prst="bentConnector3">
+            <a:avLst>
+              <a:gd name="adj1" fmla="val 50000"/>
+            </a:avLst>
+          </a:prstGeom>
+          <a:ln w="19050">
+            <a:prstDash val="dash"/>
+            <a:tailEnd type="arrow"/>
+          </a:ln>
+        </p:spPr>
+        <p:style>
+          <a:lnRef idx="1">
+            <a:schemeClr val="accent1"/>
+          </a:lnRef>
+          <a:fillRef idx="0">
+            <a:schemeClr val="accent1"/>
+          </a:fillRef>
+          <a:effectRef idx="0">
+            <a:schemeClr val="accent1"/>
+          </a:effectRef>
+          <a:fontRef idx="minor">
+            <a:schemeClr val="tx1"/>
+          </a:fontRef>
+        </p:style>
+      </p:cxnSp>
+      <p:cxnSp>
+        <p:nvCxnSpPr>
+          <p:cNvPr id="187" name="Соединительная линия уступом 59">
+            <a:extLst>
+              <a:ext uri="{FF2B5EF4-FFF2-40B4-BE49-F238E27FC236}">
+                <a16:creationId xmlns:a16="http://schemas.microsoft.com/office/drawing/2014/main" id="{047E7F83-180D-4C03-BC66-692FB1C56DBF}"/>
+              </a:ext>
+            </a:extLst>
+          </p:cNvPr>
+          <p:cNvCxnSpPr>
+            <a:cxnSpLocks/>
+            <a:stCxn id="160" idx="2"/>
+            <a:endCxn id="154" idx="0"/>
+          </p:cNvCxnSpPr>
+          <p:nvPr/>
+        </p:nvCxnSpPr>
+        <p:spPr>
+          <a:xfrm rot="16200000" flipH="1">
+            <a:off x="28824914" y="8254404"/>
+            <a:ext cx="220234" cy="548047"/>
+          </a:xfrm>
+          <a:prstGeom prst="bentConnector3">
+            <a:avLst>
+              <a:gd name="adj1" fmla="val 50000"/>
+            </a:avLst>
+          </a:prstGeom>
+          <a:ln w="19050">
+            <a:prstDash val="dash"/>
+            <a:tailEnd type="arrow"/>
+          </a:ln>
+        </p:spPr>
+        <p:style>
+          <a:lnRef idx="1">
+            <a:schemeClr val="accent1"/>
+          </a:lnRef>
+          <a:fillRef idx="0">
+            <a:schemeClr val="accent1"/>
+          </a:fillRef>
+          <a:effectRef idx="0">
+            <a:schemeClr val="accent1"/>
+          </a:effectRef>
+          <a:fontRef idx="minor">
+            <a:schemeClr val="tx1"/>
+          </a:fontRef>
+        </p:style>
+      </p:cxnSp>
+      <p:sp>
+        <p:nvSpPr>
+          <p:cNvPr id="200" name="Прямоугольник 199">
+            <a:extLst>
+              <a:ext uri="{FF2B5EF4-FFF2-40B4-BE49-F238E27FC236}">
+                <a16:creationId xmlns:a16="http://schemas.microsoft.com/office/drawing/2014/main" id="{E605C39C-68E5-47BE-BB9B-455D1E372FDC}"/>
+              </a:ext>
+            </a:extLst>
+          </p:cNvPr>
+          <p:cNvSpPr/>
+          <p:nvPr/>
+        </p:nvSpPr>
+        <p:spPr>
+          <a:xfrm>
+            <a:off x="30495615" y="7060408"/>
+            <a:ext cx="926325" cy="540000"/>
+          </a:xfrm>
+          <a:prstGeom prst="rect">
+            <a:avLst/>
+          </a:prstGeom>
+          <a:solidFill>
+            <a:schemeClr val="accent1">
+              <a:lumMod val="60000"/>
+              <a:lumOff val="40000"/>
+            </a:schemeClr>
+          </a:solidFill>
+          <a:ln w="19050"/>
+        </p:spPr>
+        <p:style>
+          <a:lnRef idx="2">
+            <a:schemeClr val="accent1"/>
+          </a:lnRef>
+          <a:fillRef idx="1">
+            <a:schemeClr val="lt1"/>
+          </a:fillRef>
+          <a:effectRef idx="0">
+            <a:schemeClr val="accent1"/>
+          </a:effectRef>
+          <a:fontRef idx="minor">
+            <a:schemeClr val="dk1"/>
+          </a:fontRef>
+        </p:style>
+        <p:txBody>
+          <a:bodyPr lIns="124733" tIns="62367" rIns="124733" bIns="62367" rtlCol="0" anchor="ctr"/>
+          <a:lstStyle/>
+          <a:p>
+            <a:pPr algn="ctr"/>
+            <a:r>
+              <a:rPr lang="ru-RU" sz="700" dirty="0"/>
+              <a:t>Будущее республики (наше)</a:t>
+            </a:r>
+          </a:p>
+        </p:txBody>
+      </p:sp>
+      <p:sp>
+        <p:nvSpPr>
+          <p:cNvPr id="201" name="Прямоугольник 200">
+            <a:extLst>
+              <a:ext uri="{FF2B5EF4-FFF2-40B4-BE49-F238E27FC236}">
+                <a16:creationId xmlns:a16="http://schemas.microsoft.com/office/drawing/2014/main" id="{7F4404B0-4AD2-46F4-AED9-158653BD1476}"/>
+              </a:ext>
+            </a:extLst>
+          </p:cNvPr>
+          <p:cNvSpPr/>
+          <p:nvPr/>
+        </p:nvSpPr>
+        <p:spPr>
+          <a:xfrm>
+            <a:off x="30495614" y="7878223"/>
+            <a:ext cx="926325" cy="540000"/>
+          </a:xfrm>
+          <a:prstGeom prst="rect">
+            <a:avLst/>
+          </a:prstGeom>
+          <a:solidFill>
+            <a:schemeClr val="accent1">
+              <a:lumMod val="60000"/>
+              <a:lumOff val="40000"/>
+            </a:schemeClr>
+          </a:solidFill>
+          <a:ln w="19050"/>
+        </p:spPr>
+        <p:style>
+          <a:lnRef idx="2">
+            <a:schemeClr val="accent1"/>
+          </a:lnRef>
+          <a:fillRef idx="1">
+            <a:schemeClr val="lt1"/>
+          </a:fillRef>
+          <a:effectRef idx="0">
+            <a:schemeClr val="accent1"/>
+          </a:effectRef>
+          <a:fontRef idx="minor">
+            <a:schemeClr val="dk1"/>
+          </a:fontRef>
+        </p:style>
+        <p:txBody>
+          <a:bodyPr lIns="124733" tIns="62367" rIns="124733" bIns="62367" rtlCol="0" anchor="ctr"/>
+          <a:lstStyle/>
+          <a:p>
+            <a:pPr algn="ctr"/>
+            <a:r>
+              <a:rPr lang="ru-RU" sz="700" dirty="0"/>
+              <a:t>Национализация тяжёлой промышленности (наше)</a:t>
+            </a:r>
+          </a:p>
+        </p:txBody>
+      </p:sp>
+      <p:cxnSp>
+        <p:nvCxnSpPr>
+          <p:cNvPr id="202" name="Соединительная линия уступом 123">
+            <a:extLst>
+              <a:ext uri="{FF2B5EF4-FFF2-40B4-BE49-F238E27FC236}">
+                <a16:creationId xmlns:a16="http://schemas.microsoft.com/office/drawing/2014/main" id="{95E12289-D5C4-4A71-B46E-2AB617265BCE}"/>
+              </a:ext>
+            </a:extLst>
+          </p:cNvPr>
+          <p:cNvCxnSpPr>
+            <a:cxnSpLocks/>
+            <a:stCxn id="200" idx="2"/>
+            <a:endCxn id="201" idx="0"/>
+          </p:cNvCxnSpPr>
+          <p:nvPr/>
+        </p:nvCxnSpPr>
+        <p:spPr>
+          <a:xfrm rot="5400000">
+            <a:off x="30819871" y="7739315"/>
+            <a:ext cx="277815" cy="1"/>
+          </a:xfrm>
+          <a:prstGeom prst="bentConnector3">
+            <a:avLst>
+              <a:gd name="adj1" fmla="val 50000"/>
+            </a:avLst>
+          </a:prstGeom>
+          <a:ln w="19050">
+            <a:tailEnd type="arrow"/>
+          </a:ln>
+        </p:spPr>
+        <p:style>
+          <a:lnRef idx="1">
+            <a:schemeClr val="accent1"/>
+          </a:lnRef>
+          <a:fillRef idx="0">
+            <a:schemeClr val="accent1"/>
+          </a:fillRef>
+          <a:effectRef idx="0">
+            <a:schemeClr val="accent1"/>
+          </a:effectRef>
+          <a:fontRef idx="minor">
+            <a:schemeClr val="tx1"/>
+          </a:fontRef>
+        </p:style>
+      </p:cxnSp>
+      <p:cxnSp>
+        <p:nvCxnSpPr>
+          <p:cNvPr id="205" name="Соединительная линия уступом 123">
+            <a:extLst>
+              <a:ext uri="{FF2B5EF4-FFF2-40B4-BE49-F238E27FC236}">
+                <a16:creationId xmlns:a16="http://schemas.microsoft.com/office/drawing/2014/main" id="{57A7C273-2588-4AC4-A707-30CFC6E5A3DB}"/>
+              </a:ext>
+            </a:extLst>
+          </p:cNvPr>
+          <p:cNvCxnSpPr>
+            <a:cxnSpLocks/>
+            <a:stCxn id="63" idx="2"/>
+            <a:endCxn id="200" idx="0"/>
+          </p:cNvCxnSpPr>
+          <p:nvPr/>
+        </p:nvCxnSpPr>
+        <p:spPr>
+          <a:xfrm rot="16200000" flipH="1">
+            <a:off x="29971563" y="6073193"/>
+            <a:ext cx="257000" cy="1717430"/>
+          </a:xfrm>
+          <a:prstGeom prst="bentConnector3">
+            <a:avLst>
+              <a:gd name="adj1" fmla="val 50000"/>
+            </a:avLst>
+          </a:prstGeom>
+          <a:ln w="19050">
+            <a:tailEnd type="arrow"/>
+          </a:ln>
+        </p:spPr>
+        <p:style>
+          <a:lnRef idx="1">
+            <a:schemeClr val="accent1"/>
+          </a:lnRef>
+          <a:fillRef idx="0">
+            <a:schemeClr val="accent1"/>
+          </a:fillRef>
+          <a:effectRef idx="0">
+            <a:schemeClr val="accent1"/>
+          </a:effectRef>
+          <a:fontRef idx="minor">
+            <a:schemeClr val="tx1"/>
+          </a:fontRef>
+        </p:style>
+      </p:cxnSp>
+      <p:sp>
+        <p:nvSpPr>
+          <p:cNvPr id="208" name="Прямоугольник 207">
+            <a:extLst>
+              <a:ext uri="{FF2B5EF4-FFF2-40B4-BE49-F238E27FC236}">
+                <a16:creationId xmlns:a16="http://schemas.microsoft.com/office/drawing/2014/main" id="{3A936EB0-2B9C-480D-9F08-95DEDCB36930}"/>
+              </a:ext>
+            </a:extLst>
+          </p:cNvPr>
+          <p:cNvSpPr/>
+          <p:nvPr/>
+        </p:nvSpPr>
+        <p:spPr>
+          <a:xfrm>
+            <a:off x="29928184" y="9439544"/>
+            <a:ext cx="926325" cy="540000"/>
+          </a:xfrm>
+          <a:prstGeom prst="rect">
+            <a:avLst/>
+          </a:prstGeom>
+          <a:solidFill>
+            <a:schemeClr val="accent1">
+              <a:lumMod val="60000"/>
+              <a:lumOff val="40000"/>
+            </a:schemeClr>
+          </a:solidFill>
+          <a:ln w="19050"/>
+        </p:spPr>
+        <p:style>
+          <a:lnRef idx="2">
+            <a:schemeClr val="accent1"/>
+          </a:lnRef>
+          <a:fillRef idx="1">
+            <a:schemeClr val="lt1"/>
+          </a:fillRef>
+          <a:effectRef idx="0">
+            <a:schemeClr val="accent1"/>
+          </a:effectRef>
+          <a:fontRef idx="minor">
+            <a:schemeClr val="dk1"/>
+          </a:fontRef>
+        </p:style>
+        <p:txBody>
+          <a:bodyPr lIns="124733" tIns="62367" rIns="124733" bIns="62367" rtlCol="0" anchor="ctr"/>
+          <a:lstStyle/>
+          <a:p>
+            <a:pPr algn="ctr"/>
+            <a:r>
+              <a:rPr lang="ru-RU" sz="700" dirty="0"/>
+              <a:t>Заручиться поддержкой международных держав </a:t>
+            </a:r>
+            <a:r>
+              <a:rPr lang="ru-RU" sz="200" dirty="0"/>
+              <a:t>(Цели </a:t>
+            </a:r>
+            <a:r>
+              <a:rPr lang="ru-RU" sz="200" dirty="0" err="1"/>
+              <a:t>Негрина</a:t>
+            </a:r>
+            <a:r>
+              <a:rPr lang="ru-RU" sz="200" dirty="0"/>
+              <a:t> заключались в том, чтобы продолжить восстановление государства и создание армии, а также заручиться поддержкой международных держав.)</a:t>
+            </a:r>
+            <a:endParaRPr lang="ru-RU" sz="700" dirty="0"/>
+          </a:p>
+        </p:txBody>
+      </p:sp>
+      <p:cxnSp>
+        <p:nvCxnSpPr>
+          <p:cNvPr id="209" name="Соединительная линия уступом 123">
+            <a:extLst>
+              <a:ext uri="{FF2B5EF4-FFF2-40B4-BE49-F238E27FC236}">
+                <a16:creationId xmlns:a16="http://schemas.microsoft.com/office/drawing/2014/main" id="{14ADE0B2-43D1-4891-AD9B-AD5F899987C4}"/>
+              </a:ext>
+            </a:extLst>
+          </p:cNvPr>
+          <p:cNvCxnSpPr>
+            <a:cxnSpLocks/>
+            <a:stCxn id="180" idx="2"/>
+            <a:endCxn id="208" idx="0"/>
+          </p:cNvCxnSpPr>
+          <p:nvPr/>
+        </p:nvCxnSpPr>
+        <p:spPr>
+          <a:xfrm rot="5400000">
+            <a:off x="30260850" y="9309043"/>
+            <a:ext cx="260999" cy="3"/>
+          </a:xfrm>
+          <a:prstGeom prst="bentConnector3">
+            <a:avLst>
+              <a:gd name="adj1" fmla="val 50000"/>
+            </a:avLst>
+          </a:prstGeom>
+          <a:ln w="19050">
+            <a:tailEnd type="arrow"/>
+          </a:ln>
+        </p:spPr>
+        <p:style>
+          <a:lnRef idx="1">
+            <a:schemeClr val="accent1"/>
+          </a:lnRef>
+          <a:fillRef idx="0">
+            <a:schemeClr val="accent1"/>
+          </a:fillRef>
+          <a:effectRef idx="0">
+            <a:schemeClr val="accent1"/>
+          </a:effectRef>
+          <a:fontRef idx="minor">
+            <a:schemeClr val="tx1"/>
+          </a:fontRef>
+        </p:style>
+      </p:cxnSp>
+      <p:cxnSp>
+        <p:nvCxnSpPr>
+          <p:cNvPr id="223" name="Соединительная линия уступом 613">
+            <a:extLst>
+              <a:ext uri="{FF2B5EF4-FFF2-40B4-BE49-F238E27FC236}">
+                <a16:creationId xmlns:a16="http://schemas.microsoft.com/office/drawing/2014/main" id="{1344A1AC-A5D1-48D7-874F-0EA6B3953523}"/>
+              </a:ext>
+            </a:extLst>
+          </p:cNvPr>
+          <p:cNvCxnSpPr>
+            <a:cxnSpLocks/>
+            <a:stCxn id="801" idx="2"/>
+            <a:endCxn id="97" idx="0"/>
+          </p:cNvCxnSpPr>
+          <p:nvPr/>
+        </p:nvCxnSpPr>
+        <p:spPr>
+          <a:xfrm rot="16200000" flipH="1">
+            <a:off x="30279395" y="3310963"/>
+            <a:ext cx="292006" cy="2388508"/>
+          </a:xfrm>
+          <a:prstGeom prst="bentConnector3">
+            <a:avLst>
+              <a:gd name="adj1" fmla="val 50000"/>
+            </a:avLst>
+          </a:prstGeom>
+          <a:ln w="19050">
+            <a:tailEnd type="arrow"/>
+          </a:ln>
+        </p:spPr>
+        <p:style>
+          <a:lnRef idx="1">
+            <a:schemeClr val="accent1"/>
+          </a:lnRef>
+          <a:fillRef idx="0">
+            <a:schemeClr val="accent1"/>
+          </a:fillRef>
+          <a:effectRef idx="0">
+            <a:schemeClr val="accent1"/>
+          </a:effectRef>
+          <a:fontRef idx="minor">
+            <a:schemeClr val="tx1"/>
+          </a:fontRef>
+        </p:style>
+      </p:cxnSp>
+      <p:sp>
+        <p:nvSpPr>
+          <p:cNvPr id="226" name="Прямоугольник 225">
+            <a:extLst>
+              <a:ext uri="{FF2B5EF4-FFF2-40B4-BE49-F238E27FC236}">
+                <a16:creationId xmlns:a16="http://schemas.microsoft.com/office/drawing/2014/main" id="{F8D1DA47-C504-41CD-B91F-0C23B929D953}"/>
+              </a:ext>
+            </a:extLst>
+          </p:cNvPr>
+          <p:cNvSpPr/>
+          <p:nvPr/>
+        </p:nvSpPr>
+        <p:spPr>
+          <a:xfrm>
+            <a:off x="32020854" y="7081646"/>
+            <a:ext cx="926325" cy="540000"/>
+          </a:xfrm>
+          <a:prstGeom prst="rect">
+            <a:avLst/>
+          </a:prstGeom>
+          <a:solidFill>
+            <a:srgbClr val="FF0000"/>
+          </a:solidFill>
+          <a:ln w="19050"/>
+        </p:spPr>
+        <p:style>
+          <a:lnRef idx="2">
+            <a:schemeClr val="accent1"/>
+          </a:lnRef>
+          <a:fillRef idx="1">
+            <a:schemeClr val="lt1"/>
+          </a:fillRef>
+          <a:effectRef idx="0">
+            <a:schemeClr val="accent1"/>
+          </a:effectRef>
+          <a:fontRef idx="minor">
+            <a:schemeClr val="dk1"/>
+          </a:fontRef>
+        </p:style>
+        <p:txBody>
+          <a:bodyPr lIns="124733" tIns="62367" rIns="124733" bIns="62367" rtlCol="0" anchor="ctr"/>
+          <a:lstStyle/>
+          <a:p>
+            <a:pPr algn="ctr"/>
+            <a:r>
+              <a:rPr lang="ru-RU" sz="700" dirty="0"/>
+              <a:t>Вооружить рабочее ополчение (наше)</a:t>
+            </a:r>
+            <a:endParaRPr lang="ru-RU" sz="500" dirty="0"/>
+          </a:p>
+        </p:txBody>
+      </p:sp>
+      <p:cxnSp>
+        <p:nvCxnSpPr>
+          <p:cNvPr id="227" name="Соединительная линия уступом 123">
+            <a:extLst>
+              <a:ext uri="{FF2B5EF4-FFF2-40B4-BE49-F238E27FC236}">
+                <a16:creationId xmlns:a16="http://schemas.microsoft.com/office/drawing/2014/main" id="{C9CBB17B-538D-4A64-A825-8B7B2B897D5D}"/>
+              </a:ext>
+            </a:extLst>
+          </p:cNvPr>
+          <p:cNvCxnSpPr>
+            <a:cxnSpLocks/>
+            <a:stCxn id="97" idx="2"/>
+            <a:endCxn id="56" idx="0"/>
+          </p:cNvCxnSpPr>
+          <p:nvPr/>
+        </p:nvCxnSpPr>
+        <p:spPr>
+          <a:xfrm rot="16200000" flipH="1">
+            <a:off x="31488088" y="5322783"/>
+            <a:ext cx="263129" cy="1"/>
+          </a:xfrm>
+          <a:prstGeom prst="bentConnector3">
+            <a:avLst>
+              <a:gd name="adj1" fmla="val 50000"/>
+            </a:avLst>
+          </a:prstGeom>
+          <a:ln w="19050">
+            <a:tailEnd type="arrow"/>
+          </a:ln>
+        </p:spPr>
+        <p:style>
+          <a:lnRef idx="1">
+            <a:schemeClr val="accent1"/>
+          </a:lnRef>
+          <a:fillRef idx="0">
+            <a:schemeClr val="accent1"/>
+          </a:fillRef>
+          <a:effectRef idx="0">
+            <a:schemeClr val="accent1"/>
+          </a:effectRef>
+          <a:fontRef idx="minor">
+            <a:schemeClr val="tx1"/>
+          </a:fontRef>
+        </p:style>
+      </p:cxnSp>
+      <p:sp>
+        <p:nvSpPr>
+          <p:cNvPr id="230" name="Прямоугольник 229">
+            <a:extLst>
+              <a:ext uri="{FF2B5EF4-FFF2-40B4-BE49-F238E27FC236}">
+                <a16:creationId xmlns:a16="http://schemas.microsoft.com/office/drawing/2014/main" id="{600D8C74-F74F-4295-8359-52067A77D9AA}"/>
+              </a:ext>
+            </a:extLst>
+          </p:cNvPr>
+          <p:cNvSpPr/>
+          <p:nvPr/>
+        </p:nvSpPr>
+        <p:spPr>
+          <a:xfrm>
+            <a:off x="27320773" y="4638264"/>
+            <a:ext cx="926325" cy="540000"/>
+          </a:xfrm>
+          <a:prstGeom prst="rect">
+            <a:avLst/>
+          </a:prstGeom>
+          <a:solidFill>
+            <a:schemeClr val="accent1">
+              <a:lumMod val="60000"/>
+              <a:lumOff val="40000"/>
+            </a:schemeClr>
+          </a:solidFill>
+          <a:ln w="19050"/>
+        </p:spPr>
+        <p:style>
+          <a:lnRef idx="2">
+            <a:schemeClr val="accent1"/>
+          </a:lnRef>
+          <a:fillRef idx="1">
+            <a:schemeClr val="lt1"/>
+          </a:fillRef>
+          <a:effectRef idx="0">
+            <a:schemeClr val="accent1"/>
+          </a:effectRef>
+          <a:fontRef idx="minor">
+            <a:schemeClr val="dk1"/>
+          </a:fontRef>
+        </p:style>
+        <p:txBody>
+          <a:bodyPr lIns="124733" tIns="62367" rIns="124733" bIns="62367" rtlCol="0" anchor="ctr"/>
+          <a:lstStyle/>
+          <a:p>
+            <a:pPr algn="ctr"/>
+            <a:r>
+              <a:rPr lang="ru-RU" sz="700" dirty="0"/>
+              <a:t>Помощь от Мексики (???)</a:t>
+            </a:r>
+            <a:endParaRPr lang="ru-RU" sz="500" dirty="0"/>
+          </a:p>
+        </p:txBody>
+      </p:sp>
+      <p:cxnSp>
+        <p:nvCxnSpPr>
+          <p:cNvPr id="231" name="Соединительная линия уступом 105">
+            <a:extLst>
+              <a:ext uri="{FF2B5EF4-FFF2-40B4-BE49-F238E27FC236}">
+                <a16:creationId xmlns:a16="http://schemas.microsoft.com/office/drawing/2014/main" id="{2527D34A-E27A-449A-93E5-C76A76CC4512}"/>
+              </a:ext>
+            </a:extLst>
+          </p:cNvPr>
+          <p:cNvCxnSpPr>
+            <a:cxnSpLocks/>
+            <a:stCxn id="801" idx="2"/>
+            <a:endCxn id="230" idx="0"/>
+          </p:cNvCxnSpPr>
+          <p:nvPr/>
+        </p:nvCxnSpPr>
+        <p:spPr>
+          <a:xfrm rot="5400000">
+            <a:off x="28368015" y="3775135"/>
+            <a:ext cx="279050" cy="1447208"/>
+          </a:xfrm>
+          <a:prstGeom prst="bentConnector3">
+            <a:avLst>
+              <a:gd name="adj1" fmla="val 50000"/>
+            </a:avLst>
+          </a:prstGeom>
+          <a:ln w="19050">
+            <a:tailEnd type="arrow"/>
+          </a:ln>
+        </p:spPr>
+        <p:style>
+          <a:lnRef idx="1">
+            <a:schemeClr val="accent1"/>
+          </a:lnRef>
+          <a:fillRef idx="0">
+            <a:schemeClr val="accent1"/>
+          </a:fillRef>
+          <a:effectRef idx="0">
+            <a:schemeClr val="accent1"/>
+          </a:effectRef>
+          <a:fontRef idx="minor">
+            <a:schemeClr val="tx1"/>
+          </a:fontRef>
+        </p:style>
+      </p:cxnSp>
     </p:spTree>
     <p:extLst>
       <p:ext uri="{BB962C8B-B14F-4D97-AF65-F5344CB8AC3E}">

--- a/Наработки/диздоки/Испания/Испания левые.pptx
+++ b/Наработки/диздоки/Испания/Испания левые.pptx
@@ -209,7 +209,7 @@
             <a:fld id="{33E3D7F9-E251-484C-A6FF-FA958879DF69}" type="datetimeFigureOut">
               <a:rPr lang="ru-RU" smtClean="0"/>
               <a:pPr/>
-              <a:t>25.02.2022</a:t>
+              <a:t>30.12.2022</a:t>
             </a:fld>
             <a:endParaRPr lang="ru-RU"/>
           </a:p>
@@ -699,7 +699,7 @@
             <a:fld id="{85A5DE44-605B-4D3B-B2B7-94543DF81A36}" type="datetimeFigureOut">
               <a:rPr lang="ru-RU" smtClean="0"/>
               <a:pPr/>
-              <a:t>25.02.2022</a:t>
+              <a:t>30.12.2022</a:t>
             </a:fld>
             <a:endParaRPr lang="ru-RU"/>
           </a:p>
@@ -871,7 +871,7 @@
             <a:fld id="{85A5DE44-605B-4D3B-B2B7-94543DF81A36}" type="datetimeFigureOut">
               <a:rPr lang="ru-RU" smtClean="0"/>
               <a:pPr/>
-              <a:t>25.02.2022</a:t>
+              <a:t>30.12.2022</a:t>
             </a:fld>
             <a:endParaRPr lang="ru-RU"/>
           </a:p>
@@ -1053,7 +1053,7 @@
             <a:fld id="{85A5DE44-605B-4D3B-B2B7-94543DF81A36}" type="datetimeFigureOut">
               <a:rPr lang="ru-RU" smtClean="0"/>
               <a:pPr/>
-              <a:t>25.02.2022</a:t>
+              <a:t>30.12.2022</a:t>
             </a:fld>
             <a:endParaRPr lang="ru-RU"/>
           </a:p>
@@ -1225,7 +1225,7 @@
             <a:fld id="{85A5DE44-605B-4D3B-B2B7-94543DF81A36}" type="datetimeFigureOut">
               <a:rPr lang="ru-RU" smtClean="0"/>
               <a:pPr/>
-              <a:t>25.02.2022</a:t>
+              <a:t>30.12.2022</a:t>
             </a:fld>
             <a:endParaRPr lang="ru-RU"/>
           </a:p>
@@ -1473,7 +1473,7 @@
             <a:fld id="{85A5DE44-605B-4D3B-B2B7-94543DF81A36}" type="datetimeFigureOut">
               <a:rPr lang="ru-RU" smtClean="0"/>
               <a:pPr/>
-              <a:t>25.02.2022</a:t>
+              <a:t>30.12.2022</a:t>
             </a:fld>
             <a:endParaRPr lang="ru-RU"/>
           </a:p>
@@ -1707,7 +1707,7 @@
             <a:fld id="{85A5DE44-605B-4D3B-B2B7-94543DF81A36}" type="datetimeFigureOut">
               <a:rPr lang="ru-RU" smtClean="0"/>
               <a:pPr/>
-              <a:t>25.02.2022</a:t>
+              <a:t>30.12.2022</a:t>
             </a:fld>
             <a:endParaRPr lang="ru-RU"/>
           </a:p>
@@ -2076,7 +2076,7 @@
             <a:fld id="{85A5DE44-605B-4D3B-B2B7-94543DF81A36}" type="datetimeFigureOut">
               <a:rPr lang="ru-RU" smtClean="0"/>
               <a:pPr/>
-              <a:t>25.02.2022</a:t>
+              <a:t>30.12.2022</a:t>
             </a:fld>
             <a:endParaRPr lang="ru-RU"/>
           </a:p>
@@ -2196,7 +2196,7 @@
             <a:fld id="{85A5DE44-605B-4D3B-B2B7-94543DF81A36}" type="datetimeFigureOut">
               <a:rPr lang="ru-RU" smtClean="0"/>
               <a:pPr/>
-              <a:t>25.02.2022</a:t>
+              <a:t>30.12.2022</a:t>
             </a:fld>
             <a:endParaRPr lang="ru-RU"/>
           </a:p>
@@ -2293,7 +2293,7 @@
             <a:fld id="{85A5DE44-605B-4D3B-B2B7-94543DF81A36}" type="datetimeFigureOut">
               <a:rPr lang="ru-RU" smtClean="0"/>
               <a:pPr/>
-              <a:t>25.02.2022</a:t>
+              <a:t>30.12.2022</a:t>
             </a:fld>
             <a:endParaRPr lang="ru-RU"/>
           </a:p>
@@ -2572,7 +2572,7 @@
             <a:fld id="{85A5DE44-605B-4D3B-B2B7-94543DF81A36}" type="datetimeFigureOut">
               <a:rPr lang="ru-RU" smtClean="0"/>
               <a:pPr/>
-              <a:t>25.02.2022</a:t>
+              <a:t>30.12.2022</a:t>
             </a:fld>
             <a:endParaRPr lang="ru-RU"/>
           </a:p>
@@ -2831,7 +2831,7 @@
             <a:fld id="{85A5DE44-605B-4D3B-B2B7-94543DF81A36}" type="datetimeFigureOut">
               <a:rPr lang="ru-RU" smtClean="0"/>
               <a:pPr/>
-              <a:t>25.02.2022</a:t>
+              <a:t>30.12.2022</a:t>
             </a:fld>
             <a:endParaRPr lang="ru-RU"/>
           </a:p>
@@ -3046,7 +3046,7 @@
             <a:fld id="{85A5DE44-605B-4D3B-B2B7-94543DF81A36}" type="datetimeFigureOut">
               <a:rPr lang="ru-RU" smtClean="0"/>
               <a:pPr/>
-              <a:t>25.02.2022</a:t>
+              <a:t>30.12.2022</a:t>
             </a:fld>
             <a:endParaRPr lang="ru-RU"/>
           </a:p>
@@ -3870,6 +3870,7 @@
             </a:avLst>
           </a:prstGeom>
           <a:ln w="19050">
+            <a:prstDash val="dash"/>
             <a:tailEnd type="arrow"/>
           </a:ln>
         </p:spPr>
@@ -3976,6 +3977,7 @@
             </a:avLst>
           </a:prstGeom>
           <a:ln w="19050">
+            <a:prstDash val="dash"/>
             <a:tailEnd type="arrow"/>
           </a:ln>
         </p:spPr>
@@ -5178,7 +5180,7 @@
         </p:nvSpPr>
         <p:spPr>
           <a:xfrm>
-            <a:off x="21153121" y="8689267"/>
+            <a:off x="21731327" y="8689268"/>
             <a:ext cx="926325" cy="540000"/>
           </a:xfrm>
           <a:prstGeom prst="rect">
@@ -5228,9 +5230,9 @@
           <p:nvPr/>
         </p:nvCxnSpPr>
         <p:spPr>
-          <a:xfrm rot="5400000">
-            <a:off x="21481285" y="8554267"/>
-            <a:ext cx="270000" cy="1"/>
+          <a:xfrm rot="16200000" flipH="1">
+            <a:off x="21770387" y="8265164"/>
+            <a:ext cx="270001" cy="578205"/>
           </a:xfrm>
           <a:prstGeom prst="bentConnector3">
             <a:avLst>
@@ -5389,13 +5391,13 @@
       </p:sp>
       <p:sp>
         <p:nvSpPr>
-          <p:cNvPr id="72" name="Прямоугольник 71"/>
+          <p:cNvPr id="73" name="Прямоугольник 72"/>
           <p:cNvSpPr/>
           <p:nvPr/>
         </p:nvSpPr>
         <p:spPr>
           <a:xfrm>
-            <a:off x="20048306" y="8689267"/>
+            <a:off x="20599618" y="8691443"/>
             <a:ext cx="926325" cy="540000"/>
           </a:xfrm>
           <a:prstGeom prst="rect">
@@ -5428,19 +5430,22 @@
           <a:lstStyle/>
           <a:p>
             <a:pPr algn="ctr"/>
-            <a:endParaRPr lang="ru-RU" sz="700" dirty="0"/>
-          </a:p>
-        </p:txBody>
-      </p:sp>
-      <p:sp>
-        <p:nvSpPr>
-          <p:cNvPr id="73" name="Прямоугольник 72"/>
+            <a:r>
+              <a:rPr lang="ru-RU" sz="700" dirty="0"/>
+              <a:t>Определить статус Марокко</a:t>
+            </a:r>
+          </a:p>
+        </p:txBody>
+      </p:sp>
+      <p:sp>
+        <p:nvSpPr>
+          <p:cNvPr id="74" name="Прямоугольник 73"/>
           <p:cNvSpPr/>
           <p:nvPr/>
         </p:nvSpPr>
         <p:spPr>
           <a:xfrm>
-            <a:off x="20600302" y="9421009"/>
+            <a:off x="18338249" y="8689317"/>
             <a:ext cx="926325" cy="540000"/>
           </a:xfrm>
           <a:prstGeom prst="rect">
@@ -5480,71 +5485,24 @@
           </a:p>
         </p:txBody>
       </p:sp>
-      <p:sp>
-        <p:nvSpPr>
-          <p:cNvPr id="74" name="Прямоугольник 73"/>
-          <p:cNvSpPr/>
-          <p:nvPr/>
-        </p:nvSpPr>
-        <p:spPr>
-          <a:xfrm>
-            <a:off x="20600301" y="10231009"/>
-            <a:ext cx="926325" cy="540000"/>
-          </a:xfrm>
-          <a:prstGeom prst="rect">
-            <a:avLst/>
-          </a:prstGeom>
-          <a:solidFill>
-            <a:schemeClr val="accent1">
-              <a:lumMod val="60000"/>
-              <a:lumOff val="40000"/>
-            </a:schemeClr>
-          </a:solidFill>
-          <a:ln w="19050"/>
-        </p:spPr>
-        <p:style>
-          <a:lnRef idx="2">
-            <a:schemeClr val="accent1"/>
-          </a:lnRef>
-          <a:fillRef idx="1">
-            <a:schemeClr val="lt1"/>
-          </a:fillRef>
-          <a:effectRef idx="0">
-            <a:schemeClr val="accent1"/>
-          </a:effectRef>
-          <a:fontRef idx="minor">
-            <a:schemeClr val="dk1"/>
-          </a:fontRef>
-        </p:style>
-        <p:txBody>
-          <a:bodyPr lIns="124733" tIns="62367" rIns="124733" bIns="62367" rtlCol="0" anchor="ctr"/>
-          <a:lstStyle/>
-          <a:p>
-            <a:pPr algn="ctr"/>
-            <a:r>
-              <a:rPr lang="ru-RU" sz="700" dirty="0"/>
-              <a:t>Каталонии фишки</a:t>
-            </a:r>
-          </a:p>
-        </p:txBody>
-      </p:sp>
       <p:cxnSp>
         <p:nvCxnSpPr>
           <p:cNvPr id="75" name="Соединительная линия уступом 74"/>
           <p:cNvCxnSpPr>
-            <a:stCxn id="73" idx="2"/>
+            <a:cxnSpLocks/>
+            <a:stCxn id="37" idx="2"/>
             <a:endCxn id="74" idx="0"/>
           </p:cNvCxnSpPr>
           <p:nvPr/>
         </p:nvCxnSpPr>
         <p:spPr>
           <a:xfrm rot="5400000">
-            <a:off x="20928465" y="10096009"/>
-            <a:ext cx="270000" cy="1"/>
+            <a:off x="19263825" y="6336855"/>
+            <a:ext cx="1890050" cy="2814875"/>
           </a:xfrm>
           <a:prstGeom prst="bentConnector3">
             <a:avLst>
-              <a:gd name="adj1" fmla="val 50000"/>
+              <a:gd name="adj1" fmla="val 6915"/>
             </a:avLst>
           </a:prstGeom>
           <a:ln w="19050">
@@ -5604,44 +5562,6 @@
           </a:fontRef>
         </p:style>
       </p:cxnSp>
-      <p:cxnSp>
-        <p:nvCxnSpPr>
-          <p:cNvPr id="90" name="Соединительная линия уступом 89"/>
-          <p:cNvCxnSpPr>
-            <a:stCxn id="71" idx="2"/>
-            <a:endCxn id="72" idx="0"/>
-          </p:cNvCxnSpPr>
-          <p:nvPr/>
-        </p:nvCxnSpPr>
-        <p:spPr>
-          <a:xfrm rot="16200000" flipH="1">
-            <a:off x="20377031" y="8554829"/>
-            <a:ext cx="268874" cy="1"/>
-          </a:xfrm>
-          <a:prstGeom prst="bentConnector3">
-            <a:avLst>
-              <a:gd name="adj1" fmla="val 50000"/>
-            </a:avLst>
-          </a:prstGeom>
-          <a:ln w="19050">
-            <a:tailEnd type="arrow"/>
-          </a:ln>
-        </p:spPr>
-        <p:style>
-          <a:lnRef idx="1">
-            <a:schemeClr val="accent1"/>
-          </a:lnRef>
-          <a:fillRef idx="0">
-            <a:schemeClr val="accent1"/>
-          </a:fillRef>
-          <a:effectRef idx="0">
-            <a:schemeClr val="accent1"/>
-          </a:effectRef>
-          <a:fontRef idx="minor">
-            <a:schemeClr val="tx1"/>
-          </a:fontRef>
-        </p:style>
-      </p:cxnSp>
       <p:sp>
         <p:nvSpPr>
           <p:cNvPr id="93" name="Прямоугольник 92"/>
@@ -6115,12 +6035,12 @@
         </p:nvCxnSpPr>
         <p:spPr>
           <a:xfrm rot="5400000">
-            <a:off x="20029005" y="7833727"/>
-            <a:ext cx="2621742" cy="552822"/>
+            <a:off x="20393446" y="7468602"/>
+            <a:ext cx="1892176" cy="553506"/>
           </a:xfrm>
           <a:prstGeom prst="bentConnector3">
             <a:avLst>
-              <a:gd name="adj1" fmla="val 5320"/>
+              <a:gd name="adj1" fmla="val 6964"/>
             </a:avLst>
           </a:prstGeom>
           <a:ln w="19050">
@@ -6215,6 +6135,7 @@
             </a:avLst>
           </a:prstGeom>
           <a:ln w="19050">
+            <a:prstDash val="dash"/>
             <a:tailEnd type="arrow"/>
           </a:ln>
         </p:spPr>
@@ -6379,51 +6300,6 @@
           </a:p>
         </p:txBody>
       </p:sp>
-      <p:sp>
-        <p:nvSpPr>
-          <p:cNvPr id="138" name="Прямоугольник 137"/>
-          <p:cNvSpPr/>
-          <p:nvPr/>
-        </p:nvSpPr>
-        <p:spPr>
-          <a:xfrm>
-            <a:off x="18890398" y="8689267"/>
-            <a:ext cx="926325" cy="540000"/>
-          </a:xfrm>
-          <a:prstGeom prst="rect">
-            <a:avLst/>
-          </a:prstGeom>
-          <a:solidFill>
-            <a:schemeClr val="accent1">
-              <a:lumMod val="60000"/>
-              <a:lumOff val="40000"/>
-            </a:schemeClr>
-          </a:solidFill>
-          <a:ln w="19050"/>
-        </p:spPr>
-        <p:style>
-          <a:lnRef idx="2">
-            <a:schemeClr val="accent1"/>
-          </a:lnRef>
-          <a:fillRef idx="1">
-            <a:schemeClr val="lt1"/>
-          </a:fillRef>
-          <a:effectRef idx="0">
-            <a:schemeClr val="accent1"/>
-          </a:effectRef>
-          <a:fontRef idx="minor">
-            <a:schemeClr val="dk1"/>
-          </a:fontRef>
-        </p:style>
-        <p:txBody>
-          <a:bodyPr lIns="124733" tIns="62367" rIns="124733" bIns="62367" rtlCol="0" anchor="ctr"/>
-          <a:lstStyle/>
-          <a:p>
-            <a:pPr algn="ctr"/>
-            <a:endParaRPr lang="ru-RU" sz="700" dirty="0"/>
-          </a:p>
-        </p:txBody>
-      </p:sp>
       <p:cxnSp>
         <p:nvCxnSpPr>
           <p:cNvPr id="139" name="Соединительная линия уступом 138"/>
@@ -6437,44 +6313,6 @@
           <a:xfrm rot="5400000">
             <a:off x="19217998" y="7744830"/>
             <a:ext cx="271126" cy="1"/>
-          </a:xfrm>
-          <a:prstGeom prst="bentConnector3">
-            <a:avLst>
-              <a:gd name="adj1" fmla="val 50000"/>
-            </a:avLst>
-          </a:prstGeom>
-          <a:ln w="19050">
-            <a:tailEnd type="arrow"/>
-          </a:ln>
-        </p:spPr>
-        <p:style>
-          <a:lnRef idx="1">
-            <a:schemeClr val="accent1"/>
-          </a:lnRef>
-          <a:fillRef idx="0">
-            <a:schemeClr val="accent1"/>
-          </a:fillRef>
-          <a:effectRef idx="0">
-            <a:schemeClr val="accent1"/>
-          </a:effectRef>
-          <a:fontRef idx="minor">
-            <a:schemeClr val="tx1"/>
-          </a:fontRef>
-        </p:style>
-      </p:cxnSp>
-      <p:cxnSp>
-        <p:nvCxnSpPr>
-          <p:cNvPr id="140" name="Соединительная линия уступом 139"/>
-          <p:cNvCxnSpPr>
-            <a:stCxn id="137" idx="2"/>
-            <a:endCxn id="138" idx="0"/>
-          </p:cNvCxnSpPr>
-          <p:nvPr/>
-        </p:nvCxnSpPr>
-        <p:spPr>
-          <a:xfrm rot="16200000" flipH="1">
-            <a:off x="19219123" y="8554829"/>
-            <a:ext cx="268874" cy="1"/>
           </a:xfrm>
           <a:prstGeom prst="bentConnector3">
             <a:avLst>
@@ -6546,7 +6384,7 @@
         </p:nvSpPr>
         <p:spPr>
           <a:xfrm>
-            <a:off x="19485995" y="9421009"/>
+            <a:off x="19471664" y="8691443"/>
             <a:ext cx="926325" cy="540000"/>
           </a:xfrm>
           <a:prstGeom prst="rect">
@@ -6594,7 +6432,7 @@
         </p:nvSpPr>
         <p:spPr>
           <a:xfrm>
-            <a:off x="19485994" y="10232135"/>
+            <a:off x="19471663" y="9502569"/>
             <a:ext cx="926325" cy="540000"/>
           </a:xfrm>
           <a:prstGeom prst="rect">
@@ -6631,51 +6469,6 @@
           </a:p>
         </p:txBody>
       </p:sp>
-      <p:sp>
-        <p:nvSpPr>
-          <p:cNvPr id="146" name="Прямоугольник 145"/>
-          <p:cNvSpPr/>
-          <p:nvPr/>
-        </p:nvSpPr>
-        <p:spPr>
-          <a:xfrm>
-            <a:off x="19485995" y="11041009"/>
-            <a:ext cx="926325" cy="540000"/>
-          </a:xfrm>
-          <a:prstGeom prst="rect">
-            <a:avLst/>
-          </a:prstGeom>
-          <a:solidFill>
-            <a:schemeClr val="accent1">
-              <a:lumMod val="60000"/>
-              <a:lumOff val="40000"/>
-            </a:schemeClr>
-          </a:solidFill>
-          <a:ln w="19050"/>
-        </p:spPr>
-        <p:style>
-          <a:lnRef idx="2">
-            <a:schemeClr val="accent1"/>
-          </a:lnRef>
-          <a:fillRef idx="1">
-            <a:schemeClr val="lt1"/>
-          </a:fillRef>
-          <a:effectRef idx="0">
-            <a:schemeClr val="accent1"/>
-          </a:effectRef>
-          <a:fontRef idx="minor">
-            <a:schemeClr val="dk1"/>
-          </a:fontRef>
-        </p:style>
-        <p:txBody>
-          <a:bodyPr lIns="124733" tIns="62367" rIns="124733" bIns="62367" rtlCol="0" anchor="ctr"/>
-          <a:lstStyle/>
-          <a:p>
-            <a:pPr algn="ctr"/>
-            <a:endParaRPr lang="ru-RU" sz="700" dirty="0"/>
-          </a:p>
-        </p:txBody>
-      </p:sp>
       <p:cxnSp>
         <p:nvCxnSpPr>
           <p:cNvPr id="147" name="Соединительная линия уступом 146"/>
@@ -6687,46 +6480,8 @@
         </p:nvCxnSpPr>
         <p:spPr>
           <a:xfrm rot="5400000">
-            <a:off x="19813595" y="10096572"/>
+            <a:off x="19799264" y="9367006"/>
             <a:ext cx="271126" cy="1"/>
-          </a:xfrm>
-          <a:prstGeom prst="bentConnector3">
-            <a:avLst>
-              <a:gd name="adj1" fmla="val 50000"/>
-            </a:avLst>
-          </a:prstGeom>
-          <a:ln w="19050">
-            <a:tailEnd type="arrow"/>
-          </a:ln>
-        </p:spPr>
-        <p:style>
-          <a:lnRef idx="1">
-            <a:schemeClr val="accent1"/>
-          </a:lnRef>
-          <a:fillRef idx="0">
-            <a:schemeClr val="accent1"/>
-          </a:fillRef>
-          <a:effectRef idx="0">
-            <a:schemeClr val="accent1"/>
-          </a:effectRef>
-          <a:fontRef idx="minor">
-            <a:schemeClr val="tx1"/>
-          </a:fontRef>
-        </p:style>
-      </p:cxnSp>
-      <p:cxnSp>
-        <p:nvCxnSpPr>
-          <p:cNvPr id="148" name="Соединительная линия уступом 147"/>
-          <p:cNvCxnSpPr>
-            <a:stCxn id="145" idx="2"/>
-            <a:endCxn id="146" idx="0"/>
-          </p:cNvCxnSpPr>
-          <p:nvPr/>
-        </p:nvCxnSpPr>
-        <p:spPr>
-          <a:xfrm rot="16200000" flipH="1">
-            <a:off x="19814720" y="10906571"/>
-            <a:ext cx="268874" cy="1"/>
           </a:xfrm>
           <a:prstGeom prst="bentConnector3">
             <a:avLst>
@@ -6763,12 +6518,12 @@
         </p:nvCxnSpPr>
         <p:spPr>
           <a:xfrm rot="5400000">
-            <a:off x="19471852" y="7276574"/>
-            <a:ext cx="2621742" cy="1667129"/>
+            <a:off x="19829469" y="6904625"/>
+            <a:ext cx="1892176" cy="1681460"/>
           </a:xfrm>
           <a:prstGeom prst="bentConnector3">
             <a:avLst>
-              <a:gd name="adj1" fmla="val 5320"/>
+              <a:gd name="adj1" fmla="val 7204"/>
             </a:avLst>
           </a:prstGeom>
           <a:ln w="19050">
@@ -10511,6 +10266,684 @@
           <a:xfrm rot="5400000">
             <a:off x="28368015" y="3775135"/>
             <a:ext cx="279050" cy="1447208"/>
+          </a:xfrm>
+          <a:prstGeom prst="bentConnector3">
+            <a:avLst>
+              <a:gd name="adj1" fmla="val 50000"/>
+            </a:avLst>
+          </a:prstGeom>
+          <a:ln w="19050">
+            <a:tailEnd type="arrow"/>
+          </a:ln>
+        </p:spPr>
+        <p:style>
+          <a:lnRef idx="1">
+            <a:schemeClr val="accent1"/>
+          </a:lnRef>
+          <a:fillRef idx="0">
+            <a:schemeClr val="accent1"/>
+          </a:fillRef>
+          <a:effectRef idx="0">
+            <a:schemeClr val="accent1"/>
+          </a:effectRef>
+          <a:fontRef idx="minor">
+            <a:schemeClr val="tx1"/>
+          </a:fontRef>
+        </p:style>
+      </p:cxnSp>
+      <p:cxnSp>
+        <p:nvCxnSpPr>
+          <p:cNvPr id="152" name="Соединительная линия уступом 836">
+            <a:extLst>
+              <a:ext uri="{FF2B5EF4-FFF2-40B4-BE49-F238E27FC236}">
+                <a16:creationId xmlns:a16="http://schemas.microsoft.com/office/drawing/2014/main" id="{6F719142-1860-4581-9B41-8AADCCCE4BB0}"/>
+              </a:ext>
+            </a:extLst>
+          </p:cNvPr>
+          <p:cNvCxnSpPr>
+            <a:cxnSpLocks/>
+            <a:stCxn id="130" idx="2"/>
+            <a:endCxn id="836" idx="0"/>
+          </p:cNvCxnSpPr>
+          <p:nvPr/>
+        </p:nvCxnSpPr>
+        <p:spPr>
+          <a:xfrm rot="16200000" flipH="1">
+            <a:off x="16000106" y="1849971"/>
+            <a:ext cx="269598" cy="5303758"/>
+          </a:xfrm>
+          <a:prstGeom prst="bentConnector3">
+            <a:avLst>
+              <a:gd name="adj1" fmla="val 50000"/>
+            </a:avLst>
+          </a:prstGeom>
+          <a:ln w="19050">
+            <a:prstDash val="dash"/>
+            <a:tailEnd type="arrow"/>
+          </a:ln>
+        </p:spPr>
+        <p:style>
+          <a:lnRef idx="1">
+            <a:schemeClr val="accent1"/>
+          </a:lnRef>
+          <a:fillRef idx="0">
+            <a:schemeClr val="accent1"/>
+          </a:fillRef>
+          <a:effectRef idx="0">
+            <a:schemeClr val="accent1"/>
+          </a:effectRef>
+          <a:fontRef idx="minor">
+            <a:schemeClr val="tx1"/>
+          </a:fontRef>
+        </p:style>
+      </p:cxnSp>
+      <p:cxnSp>
+        <p:nvCxnSpPr>
+          <p:cNvPr id="170" name="Соединительная линия уступом 836">
+            <a:extLst>
+              <a:ext uri="{FF2B5EF4-FFF2-40B4-BE49-F238E27FC236}">
+                <a16:creationId xmlns:a16="http://schemas.microsoft.com/office/drawing/2014/main" id="{EA3FC01F-F5CA-4FAE-8CEF-830AB1AAFB40}"/>
+              </a:ext>
+            </a:extLst>
+          </p:cNvPr>
+          <p:cNvCxnSpPr>
+            <a:cxnSpLocks/>
+            <a:stCxn id="130" idx="2"/>
+            <a:endCxn id="829" idx="0"/>
+          </p:cNvCxnSpPr>
+          <p:nvPr/>
+        </p:nvCxnSpPr>
+        <p:spPr>
+          <a:xfrm rot="16200000" flipH="1">
+            <a:off x="17700234" y="149842"/>
+            <a:ext cx="269598" cy="8704015"/>
+          </a:xfrm>
+          <a:prstGeom prst="bentConnector3">
+            <a:avLst>
+              <a:gd name="adj1" fmla="val 50000"/>
+            </a:avLst>
+          </a:prstGeom>
+          <a:ln w="19050">
+            <a:prstDash val="dash"/>
+            <a:tailEnd type="arrow"/>
+          </a:ln>
+        </p:spPr>
+        <p:style>
+          <a:lnRef idx="1">
+            <a:schemeClr val="accent1"/>
+          </a:lnRef>
+          <a:fillRef idx="0">
+            <a:schemeClr val="accent1"/>
+          </a:fillRef>
+          <a:effectRef idx="0">
+            <a:schemeClr val="accent1"/>
+          </a:effectRef>
+          <a:fontRef idx="minor">
+            <a:schemeClr val="tx1"/>
+          </a:fontRef>
+        </p:style>
+      </p:cxnSp>
+      <p:cxnSp>
+        <p:nvCxnSpPr>
+          <p:cNvPr id="172" name="Соединительная линия уступом 836">
+            <a:extLst>
+              <a:ext uri="{FF2B5EF4-FFF2-40B4-BE49-F238E27FC236}">
+                <a16:creationId xmlns:a16="http://schemas.microsoft.com/office/drawing/2014/main" id="{6B629A61-C117-4B2E-9AEF-4EAF601A5B2F}"/>
+              </a:ext>
+            </a:extLst>
+          </p:cNvPr>
+          <p:cNvCxnSpPr>
+            <a:cxnSpLocks/>
+            <a:stCxn id="130" idx="2"/>
+            <a:endCxn id="125" idx="0"/>
+          </p:cNvCxnSpPr>
+          <p:nvPr/>
+        </p:nvCxnSpPr>
+        <p:spPr>
+          <a:xfrm rot="16200000" flipH="1">
+            <a:off x="18530612" y="-680535"/>
+            <a:ext cx="277687" cy="10372858"/>
+          </a:xfrm>
+          <a:prstGeom prst="bentConnector3">
+            <a:avLst>
+              <a:gd name="adj1" fmla="val 50000"/>
+            </a:avLst>
+          </a:prstGeom>
+          <a:ln w="19050">
+            <a:prstDash val="dash"/>
+            <a:tailEnd type="arrow"/>
+          </a:ln>
+        </p:spPr>
+        <p:style>
+          <a:lnRef idx="1">
+            <a:schemeClr val="accent1"/>
+          </a:lnRef>
+          <a:fillRef idx="0">
+            <a:schemeClr val="accent1"/>
+          </a:fillRef>
+          <a:effectRef idx="0">
+            <a:schemeClr val="accent1"/>
+          </a:effectRef>
+          <a:fontRef idx="minor">
+            <a:schemeClr val="tx1"/>
+          </a:fontRef>
+        </p:style>
+      </p:cxnSp>
+      <p:sp>
+        <p:nvSpPr>
+          <p:cNvPr id="174" name="Прямоугольник 173">
+            <a:extLst>
+              <a:ext uri="{FF2B5EF4-FFF2-40B4-BE49-F238E27FC236}">
+                <a16:creationId xmlns:a16="http://schemas.microsoft.com/office/drawing/2014/main" id="{957C12DC-D98B-4948-99D2-CFC7B8CFF4DE}"/>
+              </a:ext>
+            </a:extLst>
+          </p:cNvPr>
+          <p:cNvSpPr/>
+          <p:nvPr/>
+        </p:nvSpPr>
+        <p:spPr>
+          <a:xfrm>
+            <a:off x="22309529" y="7069267"/>
+            <a:ext cx="926325" cy="540000"/>
+          </a:xfrm>
+          <a:prstGeom prst="rect">
+            <a:avLst/>
+          </a:prstGeom>
+          <a:solidFill>
+            <a:schemeClr val="accent1">
+              <a:lumMod val="60000"/>
+              <a:lumOff val="40000"/>
+            </a:schemeClr>
+          </a:solidFill>
+          <a:ln w="19050"/>
+        </p:spPr>
+        <p:style>
+          <a:lnRef idx="2">
+            <a:schemeClr val="accent1"/>
+          </a:lnRef>
+          <a:fillRef idx="1">
+            <a:schemeClr val="lt1"/>
+          </a:fillRef>
+          <a:effectRef idx="0">
+            <a:schemeClr val="accent1"/>
+          </a:effectRef>
+          <a:fontRef idx="minor">
+            <a:schemeClr val="dk1"/>
+          </a:fontRef>
+        </p:style>
+        <p:txBody>
+          <a:bodyPr lIns="124733" tIns="62367" rIns="124733" bIns="62367" rtlCol="0" anchor="ctr"/>
+          <a:lstStyle/>
+          <a:p>
+            <a:pPr algn="ctr"/>
+            <a:r>
+              <a:rPr lang="ru-RU" sz="700" dirty="0"/>
+              <a:t>Создание местных комитетов управления</a:t>
+            </a:r>
+          </a:p>
+        </p:txBody>
+      </p:sp>
+      <p:sp>
+        <p:nvSpPr>
+          <p:cNvPr id="175" name="Прямоугольник 174">
+            <a:extLst>
+              <a:ext uri="{FF2B5EF4-FFF2-40B4-BE49-F238E27FC236}">
+                <a16:creationId xmlns:a16="http://schemas.microsoft.com/office/drawing/2014/main" id="{012D2E35-685E-4576-BCB6-C08D33426D27}"/>
+              </a:ext>
+            </a:extLst>
+          </p:cNvPr>
+          <p:cNvSpPr/>
+          <p:nvPr/>
+        </p:nvSpPr>
+        <p:spPr>
+          <a:xfrm>
+            <a:off x="23467442" y="7069267"/>
+            <a:ext cx="926325" cy="540000"/>
+          </a:xfrm>
+          <a:prstGeom prst="rect">
+            <a:avLst/>
+          </a:prstGeom>
+          <a:solidFill>
+            <a:schemeClr val="accent1">
+              <a:lumMod val="60000"/>
+              <a:lumOff val="40000"/>
+            </a:schemeClr>
+          </a:solidFill>
+          <a:ln w="19050"/>
+        </p:spPr>
+        <p:style>
+          <a:lnRef idx="2">
+            <a:schemeClr val="accent1"/>
+          </a:lnRef>
+          <a:fillRef idx="1">
+            <a:schemeClr val="lt1"/>
+          </a:fillRef>
+          <a:effectRef idx="0">
+            <a:schemeClr val="accent1"/>
+          </a:effectRef>
+          <a:fontRef idx="minor">
+            <a:schemeClr val="dk1"/>
+          </a:fontRef>
+        </p:style>
+        <p:txBody>
+          <a:bodyPr lIns="124733" tIns="62367" rIns="124733" bIns="62367" rtlCol="0" anchor="ctr"/>
+          <a:lstStyle/>
+          <a:p>
+            <a:pPr algn="ctr"/>
+            <a:r>
+              <a:rPr lang="ru-RU" sz="700" dirty="0"/>
+              <a:t>Марокко – часть республики!</a:t>
+            </a:r>
+          </a:p>
+        </p:txBody>
+      </p:sp>
+      <p:sp>
+        <p:nvSpPr>
+          <p:cNvPr id="176" name="Прямоугольник 175">
+            <a:extLst>
+              <a:ext uri="{FF2B5EF4-FFF2-40B4-BE49-F238E27FC236}">
+                <a16:creationId xmlns:a16="http://schemas.microsoft.com/office/drawing/2014/main" id="{05CD8A58-5676-43E8-BBE2-DC9229365C21}"/>
+              </a:ext>
+            </a:extLst>
+          </p:cNvPr>
+          <p:cNvSpPr/>
+          <p:nvPr/>
+        </p:nvSpPr>
+        <p:spPr>
+          <a:xfrm>
+            <a:off x="23467442" y="7874808"/>
+            <a:ext cx="926325" cy="540000"/>
+          </a:xfrm>
+          <a:prstGeom prst="rect">
+            <a:avLst/>
+          </a:prstGeom>
+          <a:solidFill>
+            <a:schemeClr val="accent1">
+              <a:lumMod val="60000"/>
+              <a:lumOff val="40000"/>
+            </a:schemeClr>
+          </a:solidFill>
+          <a:ln w="19050"/>
+        </p:spPr>
+        <p:style>
+          <a:lnRef idx="2">
+            <a:schemeClr val="accent1"/>
+          </a:lnRef>
+          <a:fillRef idx="1">
+            <a:schemeClr val="lt1"/>
+          </a:fillRef>
+          <a:effectRef idx="0">
+            <a:schemeClr val="accent1"/>
+          </a:effectRef>
+          <a:fontRef idx="minor">
+            <a:schemeClr val="dk1"/>
+          </a:fontRef>
+        </p:style>
+        <p:txBody>
+          <a:bodyPr lIns="124733" tIns="62367" rIns="124733" bIns="62367" rtlCol="0" anchor="ctr"/>
+          <a:lstStyle/>
+          <a:p>
+            <a:pPr algn="ctr"/>
+            <a:r>
+              <a:rPr lang="ru-RU" sz="700" dirty="0"/>
+              <a:t>Ограничить в правах президента Каталонии</a:t>
+            </a:r>
+          </a:p>
+        </p:txBody>
+      </p:sp>
+      <p:sp>
+        <p:nvSpPr>
+          <p:cNvPr id="178" name="Прямоугольник 177">
+            <a:extLst>
+              <a:ext uri="{FF2B5EF4-FFF2-40B4-BE49-F238E27FC236}">
+                <a16:creationId xmlns:a16="http://schemas.microsoft.com/office/drawing/2014/main" id="{E01090B5-7811-4C8D-B542-DC3489C9632C}"/>
+              </a:ext>
+            </a:extLst>
+          </p:cNvPr>
+          <p:cNvSpPr/>
+          <p:nvPr/>
+        </p:nvSpPr>
+        <p:spPr>
+          <a:xfrm>
+            <a:off x="22309725" y="7873796"/>
+            <a:ext cx="926325" cy="540000"/>
+          </a:xfrm>
+          <a:prstGeom prst="rect">
+            <a:avLst/>
+          </a:prstGeom>
+          <a:solidFill>
+            <a:schemeClr val="accent1">
+              <a:lumMod val="60000"/>
+              <a:lumOff val="40000"/>
+            </a:schemeClr>
+          </a:solidFill>
+          <a:ln w="19050"/>
+        </p:spPr>
+        <p:style>
+          <a:lnRef idx="2">
+            <a:schemeClr val="accent1"/>
+          </a:lnRef>
+          <a:fillRef idx="1">
+            <a:schemeClr val="lt1"/>
+          </a:fillRef>
+          <a:effectRef idx="0">
+            <a:schemeClr val="accent1"/>
+          </a:effectRef>
+          <a:fontRef idx="minor">
+            <a:schemeClr val="dk1"/>
+          </a:fontRef>
+        </p:style>
+        <p:txBody>
+          <a:bodyPr lIns="124733" tIns="62367" rIns="124733" bIns="62367" rtlCol="0" anchor="ctr"/>
+          <a:lstStyle/>
+          <a:p>
+            <a:pPr algn="ctr"/>
+            <a:r>
+              <a:rPr lang="ru-RU" sz="700" dirty="0"/>
+              <a:t>Разработать новое устройство республики</a:t>
+            </a:r>
+          </a:p>
+        </p:txBody>
+      </p:sp>
+      <p:sp>
+        <p:nvSpPr>
+          <p:cNvPr id="182" name="Прямоугольник 181">
+            <a:extLst>
+              <a:ext uri="{FF2B5EF4-FFF2-40B4-BE49-F238E27FC236}">
+                <a16:creationId xmlns:a16="http://schemas.microsoft.com/office/drawing/2014/main" id="{206D4D82-F261-452F-8D95-439FE5E0314A}"/>
+              </a:ext>
+            </a:extLst>
+          </p:cNvPr>
+          <p:cNvSpPr/>
+          <p:nvPr/>
+        </p:nvSpPr>
+        <p:spPr>
+          <a:xfrm>
+            <a:off x="22852494" y="8689267"/>
+            <a:ext cx="926325" cy="540000"/>
+          </a:xfrm>
+          <a:prstGeom prst="rect">
+            <a:avLst/>
+          </a:prstGeom>
+          <a:solidFill>
+            <a:schemeClr val="accent1">
+              <a:lumMod val="60000"/>
+              <a:lumOff val="40000"/>
+            </a:schemeClr>
+          </a:solidFill>
+          <a:ln w="19050"/>
+        </p:spPr>
+        <p:style>
+          <a:lnRef idx="2">
+            <a:schemeClr val="accent1"/>
+          </a:lnRef>
+          <a:fillRef idx="1">
+            <a:schemeClr val="lt1"/>
+          </a:fillRef>
+          <a:effectRef idx="0">
+            <a:schemeClr val="accent1"/>
+          </a:effectRef>
+          <a:fontRef idx="minor">
+            <a:schemeClr val="dk1"/>
+          </a:fontRef>
+        </p:style>
+        <p:txBody>
+          <a:bodyPr lIns="124733" tIns="62367" rIns="124733" bIns="62367" rtlCol="0" anchor="ctr"/>
+          <a:lstStyle/>
+          <a:p>
+            <a:pPr algn="ctr"/>
+            <a:r>
+              <a:rPr lang="ru-RU" sz="700" dirty="0"/>
+              <a:t>Вновь объединить Испанию!</a:t>
+            </a:r>
+          </a:p>
+        </p:txBody>
+      </p:sp>
+      <p:cxnSp>
+        <p:nvCxnSpPr>
+          <p:cNvPr id="183" name="Соединительная линия уступом 148">
+            <a:extLst>
+              <a:ext uri="{FF2B5EF4-FFF2-40B4-BE49-F238E27FC236}">
+                <a16:creationId xmlns:a16="http://schemas.microsoft.com/office/drawing/2014/main" id="{74F58D4E-63E8-4F3B-AADA-F89E80EB0D7E}"/>
+              </a:ext>
+            </a:extLst>
+          </p:cNvPr>
+          <p:cNvCxnSpPr>
+            <a:cxnSpLocks/>
+            <a:stCxn id="38" idx="2"/>
+            <a:endCxn id="175" idx="0"/>
+          </p:cNvCxnSpPr>
+          <p:nvPr/>
+        </p:nvCxnSpPr>
+        <p:spPr>
+          <a:xfrm rot="16200000" flipH="1">
+            <a:off x="23216648" y="6355310"/>
+            <a:ext cx="270000" cy="1157913"/>
+          </a:xfrm>
+          <a:prstGeom prst="bentConnector3">
+            <a:avLst>
+              <a:gd name="adj1" fmla="val 50000"/>
+            </a:avLst>
+          </a:prstGeom>
+          <a:ln w="19050">
+            <a:tailEnd type="arrow"/>
+          </a:ln>
+        </p:spPr>
+        <p:style>
+          <a:lnRef idx="1">
+            <a:schemeClr val="accent1"/>
+          </a:lnRef>
+          <a:fillRef idx="0">
+            <a:schemeClr val="accent1"/>
+          </a:fillRef>
+          <a:effectRef idx="0">
+            <a:schemeClr val="accent1"/>
+          </a:effectRef>
+          <a:fontRef idx="minor">
+            <a:schemeClr val="tx1"/>
+          </a:fontRef>
+        </p:style>
+      </p:cxnSp>
+      <p:cxnSp>
+        <p:nvCxnSpPr>
+          <p:cNvPr id="185" name="Соединительная линия уступом 53">
+            <a:extLst>
+              <a:ext uri="{FF2B5EF4-FFF2-40B4-BE49-F238E27FC236}">
+                <a16:creationId xmlns:a16="http://schemas.microsoft.com/office/drawing/2014/main" id="{B661D22E-E444-4030-8910-C32F43264B7E}"/>
+              </a:ext>
+            </a:extLst>
+          </p:cNvPr>
+          <p:cNvCxnSpPr>
+            <a:cxnSpLocks/>
+            <a:stCxn id="38" idx="2"/>
+            <a:endCxn id="174" idx="0"/>
+          </p:cNvCxnSpPr>
+          <p:nvPr/>
+        </p:nvCxnSpPr>
+        <p:spPr>
+          <a:xfrm rot="5400000">
+            <a:off x="22637692" y="6934267"/>
+            <a:ext cx="270000" cy="12700"/>
+          </a:xfrm>
+          <a:prstGeom prst="bentConnector3">
+            <a:avLst>
+              <a:gd name="adj1" fmla="val 50000"/>
+            </a:avLst>
+          </a:prstGeom>
+          <a:ln w="19050">
+            <a:tailEnd type="arrow"/>
+          </a:ln>
+        </p:spPr>
+        <p:style>
+          <a:lnRef idx="1">
+            <a:schemeClr val="accent1"/>
+          </a:lnRef>
+          <a:fillRef idx="0">
+            <a:schemeClr val="accent1"/>
+          </a:fillRef>
+          <a:effectRef idx="0">
+            <a:schemeClr val="accent1"/>
+          </a:effectRef>
+          <a:fontRef idx="minor">
+            <a:schemeClr val="tx1"/>
+          </a:fontRef>
+        </p:style>
+      </p:cxnSp>
+      <p:cxnSp>
+        <p:nvCxnSpPr>
+          <p:cNvPr id="186" name="Соединительная линия уступом 148">
+            <a:extLst>
+              <a:ext uri="{FF2B5EF4-FFF2-40B4-BE49-F238E27FC236}">
+                <a16:creationId xmlns:a16="http://schemas.microsoft.com/office/drawing/2014/main" id="{D9F54EA9-8E35-4F97-9346-ECC1DCF56114}"/>
+              </a:ext>
+            </a:extLst>
+          </p:cNvPr>
+          <p:cNvCxnSpPr>
+            <a:cxnSpLocks/>
+            <a:stCxn id="174" idx="2"/>
+            <a:endCxn id="178" idx="0"/>
+          </p:cNvCxnSpPr>
+          <p:nvPr/>
+        </p:nvCxnSpPr>
+        <p:spPr>
+          <a:xfrm rot="16200000" flipH="1">
+            <a:off x="22640526" y="7741433"/>
+            <a:ext cx="264529" cy="196"/>
+          </a:xfrm>
+          <a:prstGeom prst="bentConnector3">
+            <a:avLst>
+              <a:gd name="adj1" fmla="val 50000"/>
+            </a:avLst>
+          </a:prstGeom>
+          <a:ln w="19050">
+            <a:tailEnd type="arrow"/>
+          </a:ln>
+        </p:spPr>
+        <p:style>
+          <a:lnRef idx="1">
+            <a:schemeClr val="accent1"/>
+          </a:lnRef>
+          <a:fillRef idx="0">
+            <a:schemeClr val="accent1"/>
+          </a:fillRef>
+          <a:effectRef idx="0">
+            <a:schemeClr val="accent1"/>
+          </a:effectRef>
+          <a:fontRef idx="minor">
+            <a:schemeClr val="tx1"/>
+          </a:fontRef>
+        </p:style>
+      </p:cxnSp>
+      <p:cxnSp>
+        <p:nvCxnSpPr>
+          <p:cNvPr id="188" name="Соединительная линия уступом 148">
+            <a:extLst>
+              <a:ext uri="{FF2B5EF4-FFF2-40B4-BE49-F238E27FC236}">
+                <a16:creationId xmlns:a16="http://schemas.microsoft.com/office/drawing/2014/main" id="{46D280CB-FB83-4BF5-8B3A-DD7BD44AD1E7}"/>
+              </a:ext>
+            </a:extLst>
+          </p:cNvPr>
+          <p:cNvCxnSpPr>
+            <a:cxnSpLocks/>
+            <a:stCxn id="174" idx="2"/>
+            <a:endCxn id="176" idx="0"/>
+          </p:cNvCxnSpPr>
+          <p:nvPr/>
+        </p:nvCxnSpPr>
+        <p:spPr>
+          <a:xfrm rot="16200000" flipH="1">
+            <a:off x="23218878" y="7163080"/>
+            <a:ext cx="265541" cy="1157913"/>
+          </a:xfrm>
+          <a:prstGeom prst="bentConnector3">
+            <a:avLst>
+              <a:gd name="adj1" fmla="val 50000"/>
+            </a:avLst>
+          </a:prstGeom>
+          <a:ln w="19050">
+            <a:tailEnd type="arrow"/>
+          </a:ln>
+        </p:spPr>
+        <p:style>
+          <a:lnRef idx="1">
+            <a:schemeClr val="accent1"/>
+          </a:lnRef>
+          <a:fillRef idx="0">
+            <a:schemeClr val="accent1"/>
+          </a:fillRef>
+          <a:effectRef idx="0">
+            <a:schemeClr val="accent1"/>
+          </a:effectRef>
+          <a:fontRef idx="minor">
+            <a:schemeClr val="tx1"/>
+          </a:fontRef>
+        </p:style>
+      </p:cxnSp>
+      <p:cxnSp>
+        <p:nvCxnSpPr>
+          <p:cNvPr id="189" name="Соединительная линия уступом 148">
+            <a:extLst>
+              <a:ext uri="{FF2B5EF4-FFF2-40B4-BE49-F238E27FC236}">
+                <a16:creationId xmlns:a16="http://schemas.microsoft.com/office/drawing/2014/main" id="{1C6858C7-8A93-4CF4-A3B3-6AB28CD215CB}"/>
+              </a:ext>
+            </a:extLst>
+          </p:cNvPr>
+          <p:cNvCxnSpPr>
+            <a:cxnSpLocks/>
+            <a:stCxn id="178" idx="2"/>
+            <a:endCxn id="182" idx="0"/>
+          </p:cNvCxnSpPr>
+          <p:nvPr/>
+        </p:nvCxnSpPr>
+        <p:spPr>
+          <a:xfrm rot="16200000" flipH="1">
+            <a:off x="22906537" y="8280146"/>
+            <a:ext cx="275471" cy="542769"/>
+          </a:xfrm>
+          <a:prstGeom prst="bentConnector3">
+            <a:avLst>
+              <a:gd name="adj1" fmla="val 50000"/>
+            </a:avLst>
+          </a:prstGeom>
+          <a:ln w="19050">
+            <a:tailEnd type="arrow"/>
+          </a:ln>
+        </p:spPr>
+        <p:style>
+          <a:lnRef idx="1">
+            <a:schemeClr val="accent1"/>
+          </a:lnRef>
+          <a:fillRef idx="0">
+            <a:schemeClr val="accent1"/>
+          </a:fillRef>
+          <a:effectRef idx="0">
+            <a:schemeClr val="accent1"/>
+          </a:effectRef>
+          <a:fontRef idx="minor">
+            <a:schemeClr val="tx1"/>
+          </a:fontRef>
+        </p:style>
+      </p:cxnSp>
+      <p:cxnSp>
+        <p:nvCxnSpPr>
+          <p:cNvPr id="190" name="Соединительная линия уступом 148">
+            <a:extLst>
+              <a:ext uri="{FF2B5EF4-FFF2-40B4-BE49-F238E27FC236}">
+                <a16:creationId xmlns:a16="http://schemas.microsoft.com/office/drawing/2014/main" id="{CE2B2ACF-3CBE-48FA-AC43-7AD4B70A3FA6}"/>
+              </a:ext>
+            </a:extLst>
+          </p:cNvPr>
+          <p:cNvCxnSpPr>
+            <a:cxnSpLocks/>
+            <a:stCxn id="176" idx="2"/>
+            <a:endCxn id="182" idx="0"/>
+          </p:cNvCxnSpPr>
+          <p:nvPr/>
+        </p:nvCxnSpPr>
+        <p:spPr>
+          <a:xfrm rot="5400000">
+            <a:off x="23485902" y="8244563"/>
+            <a:ext cx="274459" cy="614948"/>
           </a:xfrm>
           <a:prstGeom prst="bentConnector3">
             <a:avLst>

--- a/Наработки/диздоки/Испания/Испания левые.pptx
+++ b/Наработки/диздоки/Испания/Испания левые.pptx
@@ -209,7 +209,7 @@
             <a:fld id="{33E3D7F9-E251-484C-A6FF-FA958879DF69}" type="datetimeFigureOut">
               <a:rPr lang="ru-RU" smtClean="0"/>
               <a:pPr/>
-              <a:t>30.12.2022</a:t>
+              <a:t>28.06.2023</a:t>
             </a:fld>
             <a:endParaRPr lang="ru-RU"/>
           </a:p>
@@ -699,7 +699,7 @@
             <a:fld id="{85A5DE44-605B-4D3B-B2B7-94543DF81A36}" type="datetimeFigureOut">
               <a:rPr lang="ru-RU" smtClean="0"/>
               <a:pPr/>
-              <a:t>30.12.2022</a:t>
+              <a:t>28.06.2023</a:t>
             </a:fld>
             <a:endParaRPr lang="ru-RU"/>
           </a:p>
@@ -871,7 +871,7 @@
             <a:fld id="{85A5DE44-605B-4D3B-B2B7-94543DF81A36}" type="datetimeFigureOut">
               <a:rPr lang="ru-RU" smtClean="0"/>
               <a:pPr/>
-              <a:t>30.12.2022</a:t>
+              <a:t>28.06.2023</a:t>
             </a:fld>
             <a:endParaRPr lang="ru-RU"/>
           </a:p>
@@ -1053,7 +1053,7 @@
             <a:fld id="{85A5DE44-605B-4D3B-B2B7-94543DF81A36}" type="datetimeFigureOut">
               <a:rPr lang="ru-RU" smtClean="0"/>
               <a:pPr/>
-              <a:t>30.12.2022</a:t>
+              <a:t>28.06.2023</a:t>
             </a:fld>
             <a:endParaRPr lang="ru-RU"/>
           </a:p>
@@ -1225,7 +1225,7 @@
             <a:fld id="{85A5DE44-605B-4D3B-B2B7-94543DF81A36}" type="datetimeFigureOut">
               <a:rPr lang="ru-RU" smtClean="0"/>
               <a:pPr/>
-              <a:t>30.12.2022</a:t>
+              <a:t>28.06.2023</a:t>
             </a:fld>
             <a:endParaRPr lang="ru-RU"/>
           </a:p>
@@ -1473,7 +1473,7 @@
             <a:fld id="{85A5DE44-605B-4D3B-B2B7-94543DF81A36}" type="datetimeFigureOut">
               <a:rPr lang="ru-RU" smtClean="0"/>
               <a:pPr/>
-              <a:t>30.12.2022</a:t>
+              <a:t>28.06.2023</a:t>
             </a:fld>
             <a:endParaRPr lang="ru-RU"/>
           </a:p>
@@ -1707,7 +1707,7 @@
             <a:fld id="{85A5DE44-605B-4D3B-B2B7-94543DF81A36}" type="datetimeFigureOut">
               <a:rPr lang="ru-RU" smtClean="0"/>
               <a:pPr/>
-              <a:t>30.12.2022</a:t>
+              <a:t>28.06.2023</a:t>
             </a:fld>
             <a:endParaRPr lang="ru-RU"/>
           </a:p>
@@ -2076,7 +2076,7 @@
             <a:fld id="{85A5DE44-605B-4D3B-B2B7-94543DF81A36}" type="datetimeFigureOut">
               <a:rPr lang="ru-RU" smtClean="0"/>
               <a:pPr/>
-              <a:t>30.12.2022</a:t>
+              <a:t>28.06.2023</a:t>
             </a:fld>
             <a:endParaRPr lang="ru-RU"/>
           </a:p>
@@ -2196,7 +2196,7 @@
             <a:fld id="{85A5DE44-605B-4D3B-B2B7-94543DF81A36}" type="datetimeFigureOut">
               <a:rPr lang="ru-RU" smtClean="0"/>
               <a:pPr/>
-              <a:t>30.12.2022</a:t>
+              <a:t>28.06.2023</a:t>
             </a:fld>
             <a:endParaRPr lang="ru-RU"/>
           </a:p>
@@ -2293,7 +2293,7 @@
             <a:fld id="{85A5DE44-605B-4D3B-B2B7-94543DF81A36}" type="datetimeFigureOut">
               <a:rPr lang="ru-RU" smtClean="0"/>
               <a:pPr/>
-              <a:t>30.12.2022</a:t>
+              <a:t>28.06.2023</a:t>
             </a:fld>
             <a:endParaRPr lang="ru-RU"/>
           </a:p>
@@ -2572,7 +2572,7 @@
             <a:fld id="{85A5DE44-605B-4D3B-B2B7-94543DF81A36}" type="datetimeFigureOut">
               <a:rPr lang="ru-RU" smtClean="0"/>
               <a:pPr/>
-              <a:t>30.12.2022</a:t>
+              <a:t>28.06.2023</a:t>
             </a:fld>
             <a:endParaRPr lang="ru-RU"/>
           </a:p>
@@ -2831,7 +2831,7 @@
             <a:fld id="{85A5DE44-605B-4D3B-B2B7-94543DF81A36}" type="datetimeFigureOut">
               <a:rPr lang="ru-RU" smtClean="0"/>
               <a:pPr/>
-              <a:t>30.12.2022</a:t>
+              <a:t>28.06.2023</a:t>
             </a:fld>
             <a:endParaRPr lang="ru-RU"/>
           </a:p>
@@ -3046,7 +3046,7 @@
             <a:fld id="{85A5DE44-605B-4D3B-B2B7-94543DF81A36}" type="datetimeFigureOut">
               <a:rPr lang="ru-RU" smtClean="0"/>
               <a:pPr/>
-              <a:t>30.12.2022</a:t>
+              <a:t>28.06.2023</a:t>
             </a:fld>
             <a:endParaRPr lang="ru-RU"/>
           </a:p>
@@ -10969,6 +10969,113 @@
           </a:fontRef>
         </p:style>
       </p:cxnSp>
+      <p:sp>
+        <p:nvSpPr>
+          <p:cNvPr id="148" name="Прямоугольник 147">
+            <a:extLst>
+              <a:ext uri="{FF2B5EF4-FFF2-40B4-BE49-F238E27FC236}">
+                <a16:creationId xmlns:a16="http://schemas.microsoft.com/office/drawing/2014/main" id="{04A3ABFC-37BA-432F-AC1A-F77E6E1C51AC}"/>
+              </a:ext>
+            </a:extLst>
+          </p:cNvPr>
+          <p:cNvSpPr/>
+          <p:nvPr/>
+        </p:nvSpPr>
+        <p:spPr>
+          <a:xfrm>
+            <a:off x="22581109" y="1512989"/>
+            <a:ext cx="926325" cy="540000"/>
+          </a:xfrm>
+          <a:prstGeom prst="rect">
+            <a:avLst/>
+          </a:prstGeom>
+          <a:solidFill>
+            <a:schemeClr val="accent1">
+              <a:lumMod val="60000"/>
+              <a:lumOff val="40000"/>
+            </a:schemeClr>
+          </a:solidFill>
+          <a:ln w="19050"/>
+        </p:spPr>
+        <p:style>
+          <a:lnRef idx="2">
+            <a:schemeClr val="accent1"/>
+          </a:lnRef>
+          <a:fillRef idx="1">
+            <a:schemeClr val="lt1"/>
+          </a:fillRef>
+          <a:effectRef idx="0">
+            <a:schemeClr val="accent1"/>
+          </a:effectRef>
+          <a:fontRef idx="minor">
+            <a:schemeClr val="dk1"/>
+          </a:fontRef>
+        </p:style>
+        <p:txBody>
+          <a:bodyPr lIns="124733" tIns="62367" rIns="124733" bIns="62367" rtlCol="0" anchor="ctr"/>
+          <a:lstStyle/>
+          <a:p>
+            <a:pPr algn="ctr"/>
+            <a:r>
+              <a:rPr lang="ru-RU" sz="700" dirty="0"/>
+              <a:t>План </a:t>
+            </a:r>
+            <a:r>
+              <a:rPr lang="en-US" sz="700" dirty="0"/>
+              <a:t>L </a:t>
+            </a:r>
+            <a:r>
+              <a:rPr lang="ru-RU" sz="200" dirty="0"/>
+              <a:t>(</a:t>
+            </a:r>
+            <a:r>
+              <a:rPr lang="en-US" sz="200" dirty="0"/>
+              <a:t>Jaime de </a:t>
+            </a:r>
+            <a:r>
+              <a:rPr lang="en-US" sz="200" dirty="0" err="1"/>
+              <a:t>Morais</a:t>
+            </a:r>
+            <a:r>
+              <a:rPr lang="ru-RU" sz="200" dirty="0"/>
+              <a:t> Во время Гражданской войны в Испании он был в Барселоне в качестве репортера газеты UNIR , органа </a:t>
+            </a:r>
+            <a:r>
+              <a:rPr lang="ru-RU" sz="200" dirty="0" err="1"/>
+              <a:t>Frente</a:t>
+            </a:r>
+            <a:r>
+              <a:rPr lang="ru-RU" sz="200" dirty="0"/>
+              <a:t> </a:t>
+            </a:r>
+            <a:r>
+              <a:rPr lang="ru-RU" sz="200" dirty="0" err="1"/>
+              <a:t>de</a:t>
+            </a:r>
+            <a:r>
+              <a:rPr lang="ru-RU" sz="200" dirty="0"/>
+              <a:t> </a:t>
+            </a:r>
+            <a:r>
+              <a:rPr lang="ru-RU" sz="200" dirty="0" err="1"/>
+              <a:t>Portugals</a:t>
+            </a:r>
+            <a:r>
+              <a:rPr lang="ru-RU" sz="200" dirty="0"/>
+              <a:t> </a:t>
+            </a:r>
+            <a:r>
+              <a:rPr lang="ru-RU" sz="200" dirty="0" err="1"/>
+              <a:t>Exilados</a:t>
+            </a:r>
+            <a:r>
+              <a:rPr lang="ru-RU" sz="200" dirty="0"/>
+              <a:t> . В этот период был составлен так называемый План L (1938 г.) с целью вторжения в Португалию по суше и по морю при поддержке испанских республиканцев. План провалился с поражением республиканцев.)</a:t>
+            </a:r>
+            <a:endParaRPr lang="ru-RU" sz="700" dirty="0"/>
+          </a:p>
+        </p:txBody>
+      </p:sp>
     </p:spTree>
     <p:extLst>
       <p:ext uri="{BB962C8B-B14F-4D97-AF65-F5344CB8AC3E}">

--- a/Наработки/диздоки/Испания/Испания левые.pptx
+++ b/Наработки/диздоки/Испания/Испания левые.pptx
@@ -109,7 +109,7 @@
   </p:defaultTextStyle>
   <p:extLst>
     <p:ext uri="{EFAFB233-063F-42B5-8137-9DF3F51BA10A}">
-      <p15:sldGuideLst xmlns:p15="http://schemas.microsoft.com/office/powerpoint/2012/main">
+      <p15:sldGuideLst xmlns:p15="http://schemas.microsoft.com/office/powerpoint/2012/main" xmlns="">
         <p15:guide id="1" orient="horz" pos="11344">
           <p15:clr>
             <a:srgbClr val="A4A3A4"/>
@@ -209,7 +209,7 @@
             <a:fld id="{33E3D7F9-E251-484C-A6FF-FA958879DF69}" type="datetimeFigureOut">
               <a:rPr lang="ru-RU" smtClean="0"/>
               <a:pPr/>
-              <a:t>28.06.2023</a:t>
+              <a:t>21.11.2023</a:t>
             </a:fld>
             <a:endParaRPr lang="ru-RU"/>
           </a:p>
@@ -699,7 +699,7 @@
             <a:fld id="{85A5DE44-605B-4D3B-B2B7-94543DF81A36}" type="datetimeFigureOut">
               <a:rPr lang="ru-RU" smtClean="0"/>
               <a:pPr/>
-              <a:t>28.06.2023</a:t>
+              <a:t>21.11.2023</a:t>
             </a:fld>
             <a:endParaRPr lang="ru-RU"/>
           </a:p>
@@ -871,7 +871,7 @@
             <a:fld id="{85A5DE44-605B-4D3B-B2B7-94543DF81A36}" type="datetimeFigureOut">
               <a:rPr lang="ru-RU" smtClean="0"/>
               <a:pPr/>
-              <a:t>28.06.2023</a:t>
+              <a:t>21.11.2023</a:t>
             </a:fld>
             <a:endParaRPr lang="ru-RU"/>
           </a:p>
@@ -1053,7 +1053,7 @@
             <a:fld id="{85A5DE44-605B-4D3B-B2B7-94543DF81A36}" type="datetimeFigureOut">
               <a:rPr lang="ru-RU" smtClean="0"/>
               <a:pPr/>
-              <a:t>28.06.2023</a:t>
+              <a:t>21.11.2023</a:t>
             </a:fld>
             <a:endParaRPr lang="ru-RU"/>
           </a:p>
@@ -1225,7 +1225,7 @@
             <a:fld id="{85A5DE44-605B-4D3B-B2B7-94543DF81A36}" type="datetimeFigureOut">
               <a:rPr lang="ru-RU" smtClean="0"/>
               <a:pPr/>
-              <a:t>28.06.2023</a:t>
+              <a:t>21.11.2023</a:t>
             </a:fld>
             <a:endParaRPr lang="ru-RU"/>
           </a:p>
@@ -1473,7 +1473,7 @@
             <a:fld id="{85A5DE44-605B-4D3B-B2B7-94543DF81A36}" type="datetimeFigureOut">
               <a:rPr lang="ru-RU" smtClean="0"/>
               <a:pPr/>
-              <a:t>28.06.2023</a:t>
+              <a:t>21.11.2023</a:t>
             </a:fld>
             <a:endParaRPr lang="ru-RU"/>
           </a:p>
@@ -1707,7 +1707,7 @@
             <a:fld id="{85A5DE44-605B-4D3B-B2B7-94543DF81A36}" type="datetimeFigureOut">
               <a:rPr lang="ru-RU" smtClean="0"/>
               <a:pPr/>
-              <a:t>28.06.2023</a:t>
+              <a:t>21.11.2023</a:t>
             </a:fld>
             <a:endParaRPr lang="ru-RU"/>
           </a:p>
@@ -2076,7 +2076,7 @@
             <a:fld id="{85A5DE44-605B-4D3B-B2B7-94543DF81A36}" type="datetimeFigureOut">
               <a:rPr lang="ru-RU" smtClean="0"/>
               <a:pPr/>
-              <a:t>28.06.2023</a:t>
+              <a:t>21.11.2023</a:t>
             </a:fld>
             <a:endParaRPr lang="ru-RU"/>
           </a:p>
@@ -2196,7 +2196,7 @@
             <a:fld id="{85A5DE44-605B-4D3B-B2B7-94543DF81A36}" type="datetimeFigureOut">
               <a:rPr lang="ru-RU" smtClean="0"/>
               <a:pPr/>
-              <a:t>28.06.2023</a:t>
+              <a:t>21.11.2023</a:t>
             </a:fld>
             <a:endParaRPr lang="ru-RU"/>
           </a:p>
@@ -2293,7 +2293,7 @@
             <a:fld id="{85A5DE44-605B-4D3B-B2B7-94543DF81A36}" type="datetimeFigureOut">
               <a:rPr lang="ru-RU" smtClean="0"/>
               <a:pPr/>
-              <a:t>28.06.2023</a:t>
+              <a:t>21.11.2023</a:t>
             </a:fld>
             <a:endParaRPr lang="ru-RU"/>
           </a:p>
@@ -2572,7 +2572,7 @@
             <a:fld id="{85A5DE44-605B-4D3B-B2B7-94543DF81A36}" type="datetimeFigureOut">
               <a:rPr lang="ru-RU" smtClean="0"/>
               <a:pPr/>
-              <a:t>28.06.2023</a:t>
+              <a:t>21.11.2023</a:t>
             </a:fld>
             <a:endParaRPr lang="ru-RU"/>
           </a:p>
@@ -2831,7 +2831,7 @@
             <a:fld id="{85A5DE44-605B-4D3B-B2B7-94543DF81A36}" type="datetimeFigureOut">
               <a:rPr lang="ru-RU" smtClean="0"/>
               <a:pPr/>
-              <a:t>28.06.2023</a:t>
+              <a:t>21.11.2023</a:t>
             </a:fld>
             <a:endParaRPr lang="ru-RU"/>
           </a:p>
@@ -3046,7 +3046,7 @@
             <a:fld id="{85A5DE44-605B-4D3B-B2B7-94543DF81A36}" type="datetimeFigureOut">
               <a:rPr lang="ru-RU" smtClean="0"/>
               <a:pPr/>
-              <a:t>28.06.2023</a:t>
+              <a:t>21.11.2023</a:t>
             </a:fld>
             <a:endParaRPr lang="ru-RU"/>
           </a:p>
@@ -3620,13 +3620,13 @@
       </p:sp>
       <p:sp>
         <p:nvSpPr>
-          <p:cNvPr id="808" name="Прямоугольник 807"/>
+          <p:cNvPr id="822" name="Прямоугольник 821"/>
           <p:cNvSpPr/>
           <p:nvPr/>
         </p:nvSpPr>
         <p:spPr>
           <a:xfrm>
-            <a:off x="21723878" y="2862989"/>
+            <a:off x="50280075" y="3827051"/>
             <a:ext cx="926325" cy="540000"/>
           </a:xfrm>
           <a:prstGeom prst="rect">
@@ -3661,97 +3661,11 @@
             <a:pPr algn="ctr"/>
             <a:r>
               <a:rPr lang="ru-RU" sz="700" dirty="0"/>
-              <a:t>Выборы 1936</a:t>
-            </a:r>
-          </a:p>
-        </p:txBody>
-      </p:sp>
-      <p:sp>
-        <p:nvSpPr>
-          <p:cNvPr id="822" name="Прямоугольник 821"/>
-          <p:cNvSpPr/>
-          <p:nvPr/>
-        </p:nvSpPr>
-        <p:spPr>
-          <a:xfrm>
-            <a:off x="50280075" y="3827051"/>
-            <a:ext cx="926325" cy="540000"/>
-          </a:xfrm>
-          <a:prstGeom prst="rect">
-            <a:avLst/>
-          </a:prstGeom>
-          <a:solidFill>
-            <a:schemeClr val="accent1">
-              <a:lumMod val="60000"/>
-              <a:lumOff val="40000"/>
-            </a:schemeClr>
-          </a:solidFill>
-          <a:ln w="19050"/>
-        </p:spPr>
-        <p:style>
-          <a:lnRef idx="2">
-            <a:schemeClr val="accent1"/>
-          </a:lnRef>
-          <a:fillRef idx="1">
-            <a:schemeClr val="lt1"/>
-          </a:fillRef>
-          <a:effectRef idx="0">
-            <a:schemeClr val="accent1"/>
-          </a:effectRef>
-          <a:fontRef idx="minor">
-            <a:schemeClr val="dk1"/>
-          </a:fontRef>
-        </p:style>
-        <p:txBody>
-          <a:bodyPr lIns="124733" tIns="62367" rIns="124733" bIns="62367" rtlCol="0" anchor="ctr"/>
-          <a:lstStyle/>
-          <a:p>
-            <a:pPr algn="ctr"/>
-            <a:r>
-              <a:rPr lang="ru-RU" sz="700" dirty="0"/>
               <a:t>Введение военного положения</a:t>
             </a:r>
           </a:p>
         </p:txBody>
       </p:sp>
-      <p:cxnSp>
-        <p:nvCxnSpPr>
-          <p:cNvPr id="824" name="Соединительная линия уступом 823"/>
-          <p:cNvCxnSpPr>
-            <a:stCxn id="808" idx="2"/>
-            <a:endCxn id="822" idx="0"/>
-          </p:cNvCxnSpPr>
-          <p:nvPr/>
-        </p:nvCxnSpPr>
-        <p:spPr>
-          <a:xfrm rot="16200000" flipH="1">
-            <a:off x="36253108" y="-10663079"/>
-            <a:ext cx="424062" cy="28556197"/>
-          </a:xfrm>
-          <a:prstGeom prst="bentConnector3">
-            <a:avLst>
-              <a:gd name="adj1" fmla="val 50000"/>
-            </a:avLst>
-          </a:prstGeom>
-          <a:ln w="19050">
-            <a:tailEnd type="arrow"/>
-          </a:ln>
-        </p:spPr>
-        <p:style>
-          <a:lnRef idx="1">
-            <a:schemeClr val="accent1"/>
-          </a:lnRef>
-          <a:fillRef idx="0">
-            <a:schemeClr val="accent1"/>
-          </a:fillRef>
-          <a:effectRef idx="0">
-            <a:schemeClr val="accent1"/>
-          </a:effectRef>
-          <a:fontRef idx="minor">
-            <a:schemeClr val="tx1"/>
-          </a:fontRef>
-        </p:style>
-      </p:cxnSp>
       <p:sp>
         <p:nvSpPr>
           <p:cNvPr id="828" name="Прямоугольник 827"/>
@@ -8085,57 +7999,12 @@
           </a:fontRef>
         </p:style>
       </p:cxnSp>
-      <p:cxnSp>
-        <p:nvCxnSpPr>
-          <p:cNvPr id="128" name="Соединительная линия уступом 149">
-            <a:extLst>
-              <a:ext uri="{FF2B5EF4-FFF2-40B4-BE49-F238E27FC236}">
-                <a16:creationId xmlns:a16="http://schemas.microsoft.com/office/drawing/2014/main" id="{049E6984-8ADC-4F99-AD8D-0FE6D717D856}"/>
-              </a:ext>
-            </a:extLst>
-          </p:cNvPr>
-          <p:cNvCxnSpPr>
-            <a:cxnSpLocks/>
-            <a:stCxn id="808" idx="2"/>
-            <a:endCxn id="801" idx="0"/>
-          </p:cNvCxnSpPr>
-          <p:nvPr/>
-        </p:nvCxnSpPr>
-        <p:spPr>
-          <a:xfrm rot="16200000" flipH="1">
-            <a:off x="25500980" y="89049"/>
-            <a:ext cx="416225" cy="7044103"/>
-          </a:xfrm>
-          <a:prstGeom prst="bentConnector3">
-            <a:avLst>
-              <a:gd name="adj1" fmla="val 50000"/>
-            </a:avLst>
-          </a:prstGeom>
-          <a:ln w="19050">
-            <a:tailEnd type="arrow"/>
-          </a:ln>
-        </p:spPr>
-        <p:style>
-          <a:lnRef idx="1">
-            <a:schemeClr val="accent1"/>
-          </a:lnRef>
-          <a:fillRef idx="0">
-            <a:schemeClr val="accent1"/>
-          </a:fillRef>
-          <a:effectRef idx="0">
-            <a:schemeClr val="accent1"/>
-          </a:effectRef>
-          <a:fontRef idx="minor">
-            <a:schemeClr val="tx1"/>
-          </a:fontRef>
-        </p:style>
-      </p:cxnSp>
       <p:sp>
         <p:nvSpPr>
           <p:cNvPr id="130" name="Прямоугольник 129">
             <a:extLst>
               <a:ext uri="{FF2B5EF4-FFF2-40B4-BE49-F238E27FC236}">
-                <a16:creationId xmlns:a16="http://schemas.microsoft.com/office/drawing/2014/main" id="{32EFE5A9-491B-46C7-9CCC-EC70745CA00A}"/>
+                <a16:creationId xmlns:a16="http://schemas.microsoft.com/office/drawing/2014/main" xmlns="" id="{32EFE5A9-491B-46C7-9CCC-EC70745CA00A}"/>
               </a:ext>
             </a:extLst>
           </p:cNvPr>
@@ -8186,55 +8055,10 @@
       </p:sp>
       <p:cxnSp>
         <p:nvCxnSpPr>
-          <p:cNvPr id="132" name="Соединительная линия уступом 149">
-            <a:extLst>
-              <a:ext uri="{FF2B5EF4-FFF2-40B4-BE49-F238E27FC236}">
-                <a16:creationId xmlns:a16="http://schemas.microsoft.com/office/drawing/2014/main" id="{108DB51B-036F-47E1-B6AC-470821E61E9D}"/>
-              </a:ext>
-            </a:extLst>
-          </p:cNvPr>
-          <p:cNvCxnSpPr>
-            <a:cxnSpLocks/>
-            <a:stCxn id="808" idx="2"/>
-            <a:endCxn id="130" idx="0"/>
-          </p:cNvCxnSpPr>
-          <p:nvPr/>
-        </p:nvCxnSpPr>
-        <p:spPr>
-          <a:xfrm rot="5400000">
-            <a:off x="17623003" y="-736987"/>
-            <a:ext cx="424062" cy="8704015"/>
-          </a:xfrm>
-          <a:prstGeom prst="bentConnector3">
-            <a:avLst>
-              <a:gd name="adj1" fmla="val 50000"/>
-            </a:avLst>
-          </a:prstGeom>
-          <a:ln w="19050">
-            <a:tailEnd type="arrow"/>
-          </a:ln>
-        </p:spPr>
-        <p:style>
-          <a:lnRef idx="1">
-            <a:schemeClr val="accent1"/>
-          </a:lnRef>
-          <a:fillRef idx="0">
-            <a:schemeClr val="accent1"/>
-          </a:fillRef>
-          <a:effectRef idx="0">
-            <a:schemeClr val="accent1"/>
-          </a:effectRef>
-          <a:fontRef idx="minor">
-            <a:schemeClr val="tx1"/>
-          </a:fontRef>
-        </p:style>
-      </p:cxnSp>
-      <p:cxnSp>
-        <p:nvCxnSpPr>
           <p:cNvPr id="133" name="Прямая соединительная линия 132">
             <a:extLst>
               <a:ext uri="{FF2B5EF4-FFF2-40B4-BE49-F238E27FC236}">
-                <a16:creationId xmlns:a16="http://schemas.microsoft.com/office/drawing/2014/main" id="{B210A86C-E791-474B-AD43-67AC3A2D8E92}"/>
+                <a16:creationId xmlns:a16="http://schemas.microsoft.com/office/drawing/2014/main" xmlns="" id="{B210A86C-E791-474B-AD43-67AC3A2D8E92}"/>
               </a:ext>
             </a:extLst>
           </p:cNvPr>
@@ -8279,7 +8103,7 @@
           <p:cNvPr id="107" name="Прямоугольник 106">
             <a:extLst>
               <a:ext uri="{FF2B5EF4-FFF2-40B4-BE49-F238E27FC236}">
-                <a16:creationId xmlns:a16="http://schemas.microsoft.com/office/drawing/2014/main" id="{B2FF6737-5293-4F39-BB5E-A666306D5E15}"/>
+                <a16:creationId xmlns:a16="http://schemas.microsoft.com/office/drawing/2014/main" xmlns="" id="{B2FF6737-5293-4F39-BB5E-A666306D5E15}"/>
               </a:ext>
             </a:extLst>
           </p:cNvPr>
@@ -8343,7 +8167,7 @@
           <p:cNvPr id="112" name="Прямоугольник 111">
             <a:extLst>
               <a:ext uri="{FF2B5EF4-FFF2-40B4-BE49-F238E27FC236}">
-                <a16:creationId xmlns:a16="http://schemas.microsoft.com/office/drawing/2014/main" id="{2B34BD92-035E-496F-BA59-E167AF97AB50}"/>
+                <a16:creationId xmlns:a16="http://schemas.microsoft.com/office/drawing/2014/main" xmlns="" id="{2B34BD92-035E-496F-BA59-E167AF97AB50}"/>
               </a:ext>
             </a:extLst>
           </p:cNvPr>
@@ -8407,7 +8231,7 @@
           <p:cNvPr id="135" name="Прямоугольник 134">
             <a:extLst>
               <a:ext uri="{FF2B5EF4-FFF2-40B4-BE49-F238E27FC236}">
-                <a16:creationId xmlns:a16="http://schemas.microsoft.com/office/drawing/2014/main" id="{3F73D485-85C1-4021-BF3A-F98C9D79AF9E}"/>
+                <a16:creationId xmlns:a16="http://schemas.microsoft.com/office/drawing/2014/main" xmlns="" id="{3F73D485-85C1-4021-BF3A-F98C9D79AF9E}"/>
               </a:ext>
             </a:extLst>
           </p:cNvPr>
@@ -8459,7 +8283,7 @@
           <p:cNvPr id="153" name="Прямая соединительная линия 152">
             <a:extLst>
               <a:ext uri="{FF2B5EF4-FFF2-40B4-BE49-F238E27FC236}">
-                <a16:creationId xmlns:a16="http://schemas.microsoft.com/office/drawing/2014/main" id="{44D5A13D-ED90-4D47-9D98-6095F6E2D8DD}"/>
+                <a16:creationId xmlns:a16="http://schemas.microsoft.com/office/drawing/2014/main" xmlns="" id="{44D5A13D-ED90-4D47-9D98-6095F6E2D8DD}"/>
               </a:ext>
             </a:extLst>
           </p:cNvPr>
@@ -8504,7 +8328,7 @@
           <p:cNvPr id="154" name="Прямоугольник 153">
             <a:extLst>
               <a:ext uri="{FF2B5EF4-FFF2-40B4-BE49-F238E27FC236}">
-                <a16:creationId xmlns:a16="http://schemas.microsoft.com/office/drawing/2014/main" id="{1DE535CF-D5C4-47EA-8554-CD69456F19F1}"/>
+                <a16:creationId xmlns:a16="http://schemas.microsoft.com/office/drawing/2014/main" xmlns="" id="{1DE535CF-D5C4-47EA-8554-CD69456F19F1}"/>
               </a:ext>
             </a:extLst>
           </p:cNvPr>
@@ -8566,7 +8390,7 @@
           <p:cNvPr id="155" name="Прямоугольник 154">
             <a:extLst>
               <a:ext uri="{FF2B5EF4-FFF2-40B4-BE49-F238E27FC236}">
-                <a16:creationId xmlns:a16="http://schemas.microsoft.com/office/drawing/2014/main" id="{AE63F9D4-E3FE-49AD-A901-494855E870B6}"/>
+                <a16:creationId xmlns:a16="http://schemas.microsoft.com/office/drawing/2014/main" xmlns="" id="{AE63F9D4-E3FE-49AD-A901-494855E870B6}"/>
               </a:ext>
             </a:extLst>
           </p:cNvPr>
@@ -8628,7 +8452,7 @@
           <p:cNvPr id="156" name="Прямоугольник 155">
             <a:extLst>
               <a:ext uri="{FF2B5EF4-FFF2-40B4-BE49-F238E27FC236}">
-                <a16:creationId xmlns:a16="http://schemas.microsoft.com/office/drawing/2014/main" id="{6EDC6DCB-25E6-4101-87E3-6FE8795BB9DC}"/>
+                <a16:creationId xmlns:a16="http://schemas.microsoft.com/office/drawing/2014/main" xmlns="" id="{6EDC6DCB-25E6-4101-87E3-6FE8795BB9DC}"/>
               </a:ext>
             </a:extLst>
           </p:cNvPr>
@@ -8698,7 +8522,7 @@
           <p:cNvPr id="157" name="Соединительная линия уступом 59">
             <a:extLst>
               <a:ext uri="{FF2B5EF4-FFF2-40B4-BE49-F238E27FC236}">
-                <a16:creationId xmlns:a16="http://schemas.microsoft.com/office/drawing/2014/main" id="{ED19BEBE-D154-4028-B840-BC4A19EBF25A}"/>
+                <a16:creationId xmlns:a16="http://schemas.microsoft.com/office/drawing/2014/main" xmlns="" id="{ED19BEBE-D154-4028-B840-BC4A19EBF25A}"/>
               </a:ext>
             </a:extLst>
           </p:cNvPr>
@@ -8743,7 +8567,7 @@
           <p:cNvPr id="158" name="Соединительная линия уступом 59">
             <a:extLst>
               <a:ext uri="{FF2B5EF4-FFF2-40B4-BE49-F238E27FC236}">
-                <a16:creationId xmlns:a16="http://schemas.microsoft.com/office/drawing/2014/main" id="{7066AE11-5134-458C-89E0-082A59BB1B0F}"/>
+                <a16:creationId xmlns:a16="http://schemas.microsoft.com/office/drawing/2014/main" xmlns="" id="{7066AE11-5134-458C-89E0-082A59BB1B0F}"/>
               </a:ext>
             </a:extLst>
           </p:cNvPr>
@@ -8788,7 +8612,7 @@
           <p:cNvPr id="159" name="Прямоугольник 158">
             <a:extLst>
               <a:ext uri="{FF2B5EF4-FFF2-40B4-BE49-F238E27FC236}">
-                <a16:creationId xmlns:a16="http://schemas.microsoft.com/office/drawing/2014/main" id="{691AD626-DD8A-4A61-A88C-B3EB5598250C}"/>
+                <a16:creationId xmlns:a16="http://schemas.microsoft.com/office/drawing/2014/main" xmlns="" id="{691AD626-DD8A-4A61-A88C-B3EB5598250C}"/>
               </a:ext>
             </a:extLst>
           </p:cNvPr>
@@ -8858,7 +8682,7 @@
           <p:cNvPr id="160" name="Прямоугольник 159">
             <a:extLst>
               <a:ext uri="{FF2B5EF4-FFF2-40B4-BE49-F238E27FC236}">
-                <a16:creationId xmlns:a16="http://schemas.microsoft.com/office/drawing/2014/main" id="{2A50D594-2C2E-4BDC-8F6D-0BE0FE128D99}"/>
+                <a16:creationId xmlns:a16="http://schemas.microsoft.com/office/drawing/2014/main" xmlns="" id="{2A50D594-2C2E-4BDC-8F6D-0BE0FE128D99}"/>
               </a:ext>
             </a:extLst>
           </p:cNvPr>
@@ -8924,7 +8748,7 @@
           <p:cNvPr id="161" name="Прямая соединительная линия 160">
             <a:extLst>
               <a:ext uri="{FF2B5EF4-FFF2-40B4-BE49-F238E27FC236}">
-                <a16:creationId xmlns:a16="http://schemas.microsoft.com/office/drawing/2014/main" id="{BF4D2C3F-BCB4-485D-98D8-A6C1B37BA272}"/>
+                <a16:creationId xmlns:a16="http://schemas.microsoft.com/office/drawing/2014/main" xmlns="" id="{BF4D2C3F-BCB4-485D-98D8-A6C1B37BA272}"/>
               </a:ext>
             </a:extLst>
           </p:cNvPr>
@@ -8969,7 +8793,7 @@
           <p:cNvPr id="162" name="Прямоугольник 161">
             <a:extLst>
               <a:ext uri="{FF2B5EF4-FFF2-40B4-BE49-F238E27FC236}">
-                <a16:creationId xmlns:a16="http://schemas.microsoft.com/office/drawing/2014/main" id="{0F278698-6314-41F4-905C-AAC488F37EAD}"/>
+                <a16:creationId xmlns:a16="http://schemas.microsoft.com/office/drawing/2014/main" xmlns="" id="{0F278698-6314-41F4-905C-AAC488F37EAD}"/>
               </a:ext>
             </a:extLst>
           </p:cNvPr>
@@ -9039,7 +8863,7 @@
           <p:cNvPr id="163" name="Соединительная линия уступом 59">
             <a:extLst>
               <a:ext uri="{FF2B5EF4-FFF2-40B4-BE49-F238E27FC236}">
-                <a16:creationId xmlns:a16="http://schemas.microsoft.com/office/drawing/2014/main" id="{41E480A3-A812-4731-BA0E-CEBFE1B527FF}"/>
+                <a16:creationId xmlns:a16="http://schemas.microsoft.com/office/drawing/2014/main" xmlns="" id="{41E480A3-A812-4731-BA0E-CEBFE1B527FF}"/>
               </a:ext>
             </a:extLst>
           </p:cNvPr>
@@ -9084,7 +8908,7 @@
           <p:cNvPr id="164" name="Прямоугольник 163">
             <a:extLst>
               <a:ext uri="{FF2B5EF4-FFF2-40B4-BE49-F238E27FC236}">
-                <a16:creationId xmlns:a16="http://schemas.microsoft.com/office/drawing/2014/main" id="{817CA413-A4A0-4A2F-9F7B-77FC6A4148F5}"/>
+                <a16:creationId xmlns:a16="http://schemas.microsoft.com/office/drawing/2014/main" xmlns="" id="{817CA413-A4A0-4A2F-9F7B-77FC6A4148F5}"/>
               </a:ext>
             </a:extLst>
           </p:cNvPr>
@@ -9175,7 +8999,7 @@
           <p:cNvPr id="165" name="Прямоугольник 164">
             <a:extLst>
               <a:ext uri="{FF2B5EF4-FFF2-40B4-BE49-F238E27FC236}">
-                <a16:creationId xmlns:a16="http://schemas.microsoft.com/office/drawing/2014/main" id="{FF2ECD0E-F830-493C-924F-6B0B2E2E822E}"/>
+                <a16:creationId xmlns:a16="http://schemas.microsoft.com/office/drawing/2014/main" xmlns="" id="{FF2ECD0E-F830-493C-924F-6B0B2E2E822E}"/>
               </a:ext>
             </a:extLst>
           </p:cNvPr>
@@ -9229,7 +9053,7 @@
           <p:cNvPr id="166" name="Прямоугольник 165">
             <a:extLst>
               <a:ext uri="{FF2B5EF4-FFF2-40B4-BE49-F238E27FC236}">
-                <a16:creationId xmlns:a16="http://schemas.microsoft.com/office/drawing/2014/main" id="{1237210D-3F71-4FFB-898E-68BAEFE6FDDA}"/>
+                <a16:creationId xmlns:a16="http://schemas.microsoft.com/office/drawing/2014/main" xmlns="" id="{1237210D-3F71-4FFB-898E-68BAEFE6FDDA}"/>
               </a:ext>
             </a:extLst>
           </p:cNvPr>
@@ -9283,7 +9107,7 @@
           <p:cNvPr id="167" name="Соединительная линия уступом 59">
             <a:extLst>
               <a:ext uri="{FF2B5EF4-FFF2-40B4-BE49-F238E27FC236}">
-                <a16:creationId xmlns:a16="http://schemas.microsoft.com/office/drawing/2014/main" id="{8BF20860-5267-4C89-9A69-5F2FF8043CE3}"/>
+                <a16:creationId xmlns:a16="http://schemas.microsoft.com/office/drawing/2014/main" xmlns="" id="{8BF20860-5267-4C89-9A69-5F2FF8043CE3}"/>
               </a:ext>
             </a:extLst>
           </p:cNvPr>
@@ -9328,7 +9152,7 @@
           <p:cNvPr id="168" name="Соединительная линия уступом 59">
             <a:extLst>
               <a:ext uri="{FF2B5EF4-FFF2-40B4-BE49-F238E27FC236}">
-                <a16:creationId xmlns:a16="http://schemas.microsoft.com/office/drawing/2014/main" id="{8BB7AA36-FD11-40F3-952A-FDE960A6929F}"/>
+                <a16:creationId xmlns:a16="http://schemas.microsoft.com/office/drawing/2014/main" xmlns="" id="{8BB7AA36-FD11-40F3-952A-FDE960A6929F}"/>
               </a:ext>
             </a:extLst>
           </p:cNvPr>
@@ -9373,7 +9197,7 @@
           <p:cNvPr id="169" name="Соединительная линия уступом 60">
             <a:extLst>
               <a:ext uri="{FF2B5EF4-FFF2-40B4-BE49-F238E27FC236}">
-                <a16:creationId xmlns:a16="http://schemas.microsoft.com/office/drawing/2014/main" id="{504572F0-7FA5-4F81-9D4B-C3FB5F7E24A6}"/>
+                <a16:creationId xmlns:a16="http://schemas.microsoft.com/office/drawing/2014/main" xmlns="" id="{504572F0-7FA5-4F81-9D4B-C3FB5F7E24A6}"/>
               </a:ext>
             </a:extLst>
           </p:cNvPr>
@@ -9418,7 +9242,7 @@
           <p:cNvPr id="171" name="Соединительная линия уступом 123">
             <a:extLst>
               <a:ext uri="{FF2B5EF4-FFF2-40B4-BE49-F238E27FC236}">
-                <a16:creationId xmlns:a16="http://schemas.microsoft.com/office/drawing/2014/main" id="{0DD383AF-7358-4D05-9F30-B6B41AF854DB}"/>
+                <a16:creationId xmlns:a16="http://schemas.microsoft.com/office/drawing/2014/main" xmlns="" id="{0DD383AF-7358-4D05-9F30-B6B41AF854DB}"/>
               </a:ext>
             </a:extLst>
           </p:cNvPr>
@@ -9463,7 +9287,7 @@
           <p:cNvPr id="173" name="Соединительная линия уступом 123">
             <a:extLst>
               <a:ext uri="{FF2B5EF4-FFF2-40B4-BE49-F238E27FC236}">
-                <a16:creationId xmlns:a16="http://schemas.microsoft.com/office/drawing/2014/main" id="{08826EB2-04D8-4B9D-A85C-F5AB140406B1}"/>
+                <a16:creationId xmlns:a16="http://schemas.microsoft.com/office/drawing/2014/main" xmlns="" id="{08826EB2-04D8-4B9D-A85C-F5AB140406B1}"/>
               </a:ext>
             </a:extLst>
           </p:cNvPr>
@@ -9508,7 +9332,7 @@
           <p:cNvPr id="177" name="Соединительная линия уступом 59">
             <a:extLst>
               <a:ext uri="{FF2B5EF4-FFF2-40B4-BE49-F238E27FC236}">
-                <a16:creationId xmlns:a16="http://schemas.microsoft.com/office/drawing/2014/main" id="{76206442-5802-4ECC-89FF-725CB9831F7E}"/>
+                <a16:creationId xmlns:a16="http://schemas.microsoft.com/office/drawing/2014/main" xmlns="" id="{76206442-5802-4ECC-89FF-725CB9831F7E}"/>
               </a:ext>
             </a:extLst>
           </p:cNvPr>
@@ -9553,7 +9377,7 @@
           <p:cNvPr id="180" name="Прямоугольник 179">
             <a:extLst>
               <a:ext uri="{FF2B5EF4-FFF2-40B4-BE49-F238E27FC236}">
-                <a16:creationId xmlns:a16="http://schemas.microsoft.com/office/drawing/2014/main" id="{7DAEAC1F-B20B-46CD-B818-99851DE5EF87}"/>
+                <a16:creationId xmlns:a16="http://schemas.microsoft.com/office/drawing/2014/main" xmlns="" id="{7DAEAC1F-B20B-46CD-B818-99851DE5EF87}"/>
               </a:ext>
             </a:extLst>
           </p:cNvPr>
@@ -9607,7 +9431,7 @@
           <p:cNvPr id="181" name="Соединительная линия уступом 59">
             <a:extLst>
               <a:ext uri="{FF2B5EF4-FFF2-40B4-BE49-F238E27FC236}">
-                <a16:creationId xmlns:a16="http://schemas.microsoft.com/office/drawing/2014/main" id="{146CBA15-0EC9-4B49-9151-897C0373358B}"/>
+                <a16:creationId xmlns:a16="http://schemas.microsoft.com/office/drawing/2014/main" xmlns="" id="{146CBA15-0EC9-4B49-9151-897C0373358B}"/>
               </a:ext>
             </a:extLst>
           </p:cNvPr>
@@ -9652,7 +9476,7 @@
           <p:cNvPr id="184" name="Соединительная линия уступом 59">
             <a:extLst>
               <a:ext uri="{FF2B5EF4-FFF2-40B4-BE49-F238E27FC236}">
-                <a16:creationId xmlns:a16="http://schemas.microsoft.com/office/drawing/2014/main" id="{C84E4D7F-D864-4DC0-BB2F-86D444193691}"/>
+                <a16:creationId xmlns:a16="http://schemas.microsoft.com/office/drawing/2014/main" xmlns="" id="{C84E4D7F-D864-4DC0-BB2F-86D444193691}"/>
               </a:ext>
             </a:extLst>
           </p:cNvPr>
@@ -9698,7 +9522,7 @@
           <p:cNvPr id="187" name="Соединительная линия уступом 59">
             <a:extLst>
               <a:ext uri="{FF2B5EF4-FFF2-40B4-BE49-F238E27FC236}">
-                <a16:creationId xmlns:a16="http://schemas.microsoft.com/office/drawing/2014/main" id="{047E7F83-180D-4C03-BC66-692FB1C56DBF}"/>
+                <a16:creationId xmlns:a16="http://schemas.microsoft.com/office/drawing/2014/main" xmlns="" id="{047E7F83-180D-4C03-BC66-692FB1C56DBF}"/>
               </a:ext>
             </a:extLst>
           </p:cNvPr>
@@ -9744,7 +9568,7 @@
           <p:cNvPr id="200" name="Прямоугольник 199">
             <a:extLst>
               <a:ext uri="{FF2B5EF4-FFF2-40B4-BE49-F238E27FC236}">
-                <a16:creationId xmlns:a16="http://schemas.microsoft.com/office/drawing/2014/main" id="{E605C39C-68E5-47BE-BB9B-455D1E372FDC}"/>
+                <a16:creationId xmlns:a16="http://schemas.microsoft.com/office/drawing/2014/main" xmlns="" id="{E605C39C-68E5-47BE-BB9B-455D1E372FDC}"/>
               </a:ext>
             </a:extLst>
           </p:cNvPr>
@@ -9798,7 +9622,7 @@
           <p:cNvPr id="201" name="Прямоугольник 200">
             <a:extLst>
               <a:ext uri="{FF2B5EF4-FFF2-40B4-BE49-F238E27FC236}">
-                <a16:creationId xmlns:a16="http://schemas.microsoft.com/office/drawing/2014/main" id="{7F4404B0-4AD2-46F4-AED9-158653BD1476}"/>
+                <a16:creationId xmlns:a16="http://schemas.microsoft.com/office/drawing/2014/main" xmlns="" id="{7F4404B0-4AD2-46F4-AED9-158653BD1476}"/>
               </a:ext>
             </a:extLst>
           </p:cNvPr>
@@ -9852,7 +9676,7 @@
           <p:cNvPr id="202" name="Соединительная линия уступом 123">
             <a:extLst>
               <a:ext uri="{FF2B5EF4-FFF2-40B4-BE49-F238E27FC236}">
-                <a16:creationId xmlns:a16="http://schemas.microsoft.com/office/drawing/2014/main" id="{95E12289-D5C4-4A71-B46E-2AB617265BCE}"/>
+                <a16:creationId xmlns:a16="http://schemas.microsoft.com/office/drawing/2014/main" xmlns="" id="{95E12289-D5C4-4A71-B46E-2AB617265BCE}"/>
               </a:ext>
             </a:extLst>
           </p:cNvPr>
@@ -9897,7 +9721,7 @@
           <p:cNvPr id="205" name="Соединительная линия уступом 123">
             <a:extLst>
               <a:ext uri="{FF2B5EF4-FFF2-40B4-BE49-F238E27FC236}">
-                <a16:creationId xmlns:a16="http://schemas.microsoft.com/office/drawing/2014/main" id="{57A7C273-2588-4AC4-A707-30CFC6E5A3DB}"/>
+                <a16:creationId xmlns:a16="http://schemas.microsoft.com/office/drawing/2014/main" xmlns="" id="{57A7C273-2588-4AC4-A707-30CFC6E5A3DB}"/>
               </a:ext>
             </a:extLst>
           </p:cNvPr>
@@ -9942,7 +9766,7 @@
           <p:cNvPr id="208" name="Прямоугольник 207">
             <a:extLst>
               <a:ext uri="{FF2B5EF4-FFF2-40B4-BE49-F238E27FC236}">
-                <a16:creationId xmlns:a16="http://schemas.microsoft.com/office/drawing/2014/main" id="{3A936EB0-2B9C-480D-9F08-95DEDCB36930}"/>
+                <a16:creationId xmlns:a16="http://schemas.microsoft.com/office/drawing/2014/main" xmlns="" id="{3A936EB0-2B9C-480D-9F08-95DEDCB36930}"/>
               </a:ext>
             </a:extLst>
           </p:cNvPr>
@@ -10009,7 +9833,7 @@
           <p:cNvPr id="209" name="Соединительная линия уступом 123">
             <a:extLst>
               <a:ext uri="{FF2B5EF4-FFF2-40B4-BE49-F238E27FC236}">
-                <a16:creationId xmlns:a16="http://schemas.microsoft.com/office/drawing/2014/main" id="{14ADE0B2-43D1-4891-AD9B-AD5F899987C4}"/>
+                <a16:creationId xmlns:a16="http://schemas.microsoft.com/office/drawing/2014/main" xmlns="" id="{14ADE0B2-43D1-4891-AD9B-AD5F899987C4}"/>
               </a:ext>
             </a:extLst>
           </p:cNvPr>
@@ -10054,7 +9878,7 @@
           <p:cNvPr id="223" name="Соединительная линия уступом 613">
             <a:extLst>
               <a:ext uri="{FF2B5EF4-FFF2-40B4-BE49-F238E27FC236}">
-                <a16:creationId xmlns:a16="http://schemas.microsoft.com/office/drawing/2014/main" id="{1344A1AC-A5D1-48D7-874F-0EA6B3953523}"/>
+                <a16:creationId xmlns:a16="http://schemas.microsoft.com/office/drawing/2014/main" xmlns="" id="{1344A1AC-A5D1-48D7-874F-0EA6B3953523}"/>
               </a:ext>
             </a:extLst>
           </p:cNvPr>
@@ -10099,7 +9923,7 @@
           <p:cNvPr id="226" name="Прямоугольник 225">
             <a:extLst>
               <a:ext uri="{FF2B5EF4-FFF2-40B4-BE49-F238E27FC236}">
-                <a16:creationId xmlns:a16="http://schemas.microsoft.com/office/drawing/2014/main" id="{F8D1DA47-C504-41CD-B91F-0C23B929D953}"/>
+                <a16:creationId xmlns:a16="http://schemas.microsoft.com/office/drawing/2014/main" xmlns="" id="{F8D1DA47-C504-41CD-B91F-0C23B929D953}"/>
               </a:ext>
             </a:extLst>
           </p:cNvPr>
@@ -10151,7 +9975,7 @@
           <p:cNvPr id="227" name="Соединительная линия уступом 123">
             <a:extLst>
               <a:ext uri="{FF2B5EF4-FFF2-40B4-BE49-F238E27FC236}">
-                <a16:creationId xmlns:a16="http://schemas.microsoft.com/office/drawing/2014/main" id="{C9CBB17B-538D-4A64-A825-8B7B2B897D5D}"/>
+                <a16:creationId xmlns:a16="http://schemas.microsoft.com/office/drawing/2014/main" xmlns="" id="{C9CBB17B-538D-4A64-A825-8B7B2B897D5D}"/>
               </a:ext>
             </a:extLst>
           </p:cNvPr>
@@ -10196,7 +10020,7 @@
           <p:cNvPr id="230" name="Прямоугольник 229">
             <a:extLst>
               <a:ext uri="{FF2B5EF4-FFF2-40B4-BE49-F238E27FC236}">
-                <a16:creationId xmlns:a16="http://schemas.microsoft.com/office/drawing/2014/main" id="{600D8C74-F74F-4295-8359-52067A77D9AA}"/>
+                <a16:creationId xmlns:a16="http://schemas.microsoft.com/office/drawing/2014/main" xmlns="" id="{600D8C74-F74F-4295-8359-52067A77D9AA}"/>
               </a:ext>
             </a:extLst>
           </p:cNvPr>
@@ -10251,7 +10075,7 @@
           <p:cNvPr id="231" name="Соединительная линия уступом 105">
             <a:extLst>
               <a:ext uri="{FF2B5EF4-FFF2-40B4-BE49-F238E27FC236}">
-                <a16:creationId xmlns:a16="http://schemas.microsoft.com/office/drawing/2014/main" id="{2527D34A-E27A-449A-93E5-C76A76CC4512}"/>
+                <a16:creationId xmlns:a16="http://schemas.microsoft.com/office/drawing/2014/main" xmlns="" id="{2527D34A-E27A-449A-93E5-C76A76CC4512}"/>
               </a:ext>
             </a:extLst>
           </p:cNvPr>
@@ -10296,7 +10120,7 @@
           <p:cNvPr id="152" name="Соединительная линия уступом 836">
             <a:extLst>
               <a:ext uri="{FF2B5EF4-FFF2-40B4-BE49-F238E27FC236}">
-                <a16:creationId xmlns:a16="http://schemas.microsoft.com/office/drawing/2014/main" id="{6F719142-1860-4581-9B41-8AADCCCE4BB0}"/>
+                <a16:creationId xmlns:a16="http://schemas.microsoft.com/office/drawing/2014/main" xmlns="" id="{6F719142-1860-4581-9B41-8AADCCCE4BB0}"/>
               </a:ext>
             </a:extLst>
           </p:cNvPr>
@@ -10342,7 +10166,7 @@
           <p:cNvPr id="170" name="Соединительная линия уступом 836">
             <a:extLst>
               <a:ext uri="{FF2B5EF4-FFF2-40B4-BE49-F238E27FC236}">
-                <a16:creationId xmlns:a16="http://schemas.microsoft.com/office/drawing/2014/main" id="{EA3FC01F-F5CA-4FAE-8CEF-830AB1AAFB40}"/>
+                <a16:creationId xmlns:a16="http://schemas.microsoft.com/office/drawing/2014/main" xmlns="" id="{EA3FC01F-F5CA-4FAE-8CEF-830AB1AAFB40}"/>
               </a:ext>
             </a:extLst>
           </p:cNvPr>
@@ -10388,7 +10212,7 @@
           <p:cNvPr id="172" name="Соединительная линия уступом 836">
             <a:extLst>
               <a:ext uri="{FF2B5EF4-FFF2-40B4-BE49-F238E27FC236}">
-                <a16:creationId xmlns:a16="http://schemas.microsoft.com/office/drawing/2014/main" id="{6B629A61-C117-4B2E-9AEF-4EAF601A5B2F}"/>
+                <a16:creationId xmlns:a16="http://schemas.microsoft.com/office/drawing/2014/main" xmlns="" id="{6B629A61-C117-4B2E-9AEF-4EAF601A5B2F}"/>
               </a:ext>
             </a:extLst>
           </p:cNvPr>
@@ -10434,7 +10258,7 @@
           <p:cNvPr id="174" name="Прямоугольник 173">
             <a:extLst>
               <a:ext uri="{FF2B5EF4-FFF2-40B4-BE49-F238E27FC236}">
-                <a16:creationId xmlns:a16="http://schemas.microsoft.com/office/drawing/2014/main" id="{957C12DC-D98B-4948-99D2-CFC7B8CFF4DE}"/>
+                <a16:creationId xmlns:a16="http://schemas.microsoft.com/office/drawing/2014/main" xmlns="" id="{957C12DC-D98B-4948-99D2-CFC7B8CFF4DE}"/>
               </a:ext>
             </a:extLst>
           </p:cNvPr>
@@ -10488,7 +10312,7 @@
           <p:cNvPr id="175" name="Прямоугольник 174">
             <a:extLst>
               <a:ext uri="{FF2B5EF4-FFF2-40B4-BE49-F238E27FC236}">
-                <a16:creationId xmlns:a16="http://schemas.microsoft.com/office/drawing/2014/main" id="{012D2E35-685E-4576-BCB6-C08D33426D27}"/>
+                <a16:creationId xmlns:a16="http://schemas.microsoft.com/office/drawing/2014/main" xmlns="" id="{012D2E35-685E-4576-BCB6-C08D33426D27}"/>
               </a:ext>
             </a:extLst>
           </p:cNvPr>
@@ -10542,7 +10366,7 @@
           <p:cNvPr id="176" name="Прямоугольник 175">
             <a:extLst>
               <a:ext uri="{FF2B5EF4-FFF2-40B4-BE49-F238E27FC236}">
-                <a16:creationId xmlns:a16="http://schemas.microsoft.com/office/drawing/2014/main" id="{05CD8A58-5676-43E8-BBE2-DC9229365C21}"/>
+                <a16:creationId xmlns:a16="http://schemas.microsoft.com/office/drawing/2014/main" xmlns="" id="{05CD8A58-5676-43E8-BBE2-DC9229365C21}"/>
               </a:ext>
             </a:extLst>
           </p:cNvPr>
@@ -10596,7 +10420,7 @@
           <p:cNvPr id="178" name="Прямоугольник 177">
             <a:extLst>
               <a:ext uri="{FF2B5EF4-FFF2-40B4-BE49-F238E27FC236}">
-                <a16:creationId xmlns:a16="http://schemas.microsoft.com/office/drawing/2014/main" id="{E01090B5-7811-4C8D-B542-DC3489C9632C}"/>
+                <a16:creationId xmlns:a16="http://schemas.microsoft.com/office/drawing/2014/main" xmlns="" id="{E01090B5-7811-4C8D-B542-DC3489C9632C}"/>
               </a:ext>
             </a:extLst>
           </p:cNvPr>
@@ -10650,7 +10474,7 @@
           <p:cNvPr id="182" name="Прямоугольник 181">
             <a:extLst>
               <a:ext uri="{FF2B5EF4-FFF2-40B4-BE49-F238E27FC236}">
-                <a16:creationId xmlns:a16="http://schemas.microsoft.com/office/drawing/2014/main" id="{206D4D82-F261-452F-8D95-439FE5E0314A}"/>
+                <a16:creationId xmlns:a16="http://schemas.microsoft.com/office/drawing/2014/main" xmlns="" id="{206D4D82-F261-452F-8D95-439FE5E0314A}"/>
               </a:ext>
             </a:extLst>
           </p:cNvPr>
@@ -10704,7 +10528,7 @@
           <p:cNvPr id="183" name="Соединительная линия уступом 148">
             <a:extLst>
               <a:ext uri="{FF2B5EF4-FFF2-40B4-BE49-F238E27FC236}">
-                <a16:creationId xmlns:a16="http://schemas.microsoft.com/office/drawing/2014/main" id="{74F58D4E-63E8-4F3B-AADA-F89E80EB0D7E}"/>
+                <a16:creationId xmlns:a16="http://schemas.microsoft.com/office/drawing/2014/main" xmlns="" id="{74F58D4E-63E8-4F3B-AADA-F89E80EB0D7E}"/>
               </a:ext>
             </a:extLst>
           </p:cNvPr>
@@ -10749,7 +10573,7 @@
           <p:cNvPr id="185" name="Соединительная линия уступом 53">
             <a:extLst>
               <a:ext uri="{FF2B5EF4-FFF2-40B4-BE49-F238E27FC236}">
-                <a16:creationId xmlns:a16="http://schemas.microsoft.com/office/drawing/2014/main" id="{B661D22E-E444-4030-8910-C32F43264B7E}"/>
+                <a16:creationId xmlns:a16="http://schemas.microsoft.com/office/drawing/2014/main" xmlns="" id="{B661D22E-E444-4030-8910-C32F43264B7E}"/>
               </a:ext>
             </a:extLst>
           </p:cNvPr>
@@ -10794,7 +10618,7 @@
           <p:cNvPr id="186" name="Соединительная линия уступом 148">
             <a:extLst>
               <a:ext uri="{FF2B5EF4-FFF2-40B4-BE49-F238E27FC236}">
-                <a16:creationId xmlns:a16="http://schemas.microsoft.com/office/drawing/2014/main" id="{D9F54EA9-8E35-4F97-9346-ECC1DCF56114}"/>
+                <a16:creationId xmlns:a16="http://schemas.microsoft.com/office/drawing/2014/main" xmlns="" id="{D9F54EA9-8E35-4F97-9346-ECC1DCF56114}"/>
               </a:ext>
             </a:extLst>
           </p:cNvPr>
@@ -10839,7 +10663,7 @@
           <p:cNvPr id="188" name="Соединительная линия уступом 148">
             <a:extLst>
               <a:ext uri="{FF2B5EF4-FFF2-40B4-BE49-F238E27FC236}">
-                <a16:creationId xmlns:a16="http://schemas.microsoft.com/office/drawing/2014/main" id="{46D280CB-FB83-4BF5-8B3A-DD7BD44AD1E7}"/>
+                <a16:creationId xmlns:a16="http://schemas.microsoft.com/office/drawing/2014/main" xmlns="" id="{46D280CB-FB83-4BF5-8B3A-DD7BD44AD1E7}"/>
               </a:ext>
             </a:extLst>
           </p:cNvPr>
@@ -10884,7 +10708,7 @@
           <p:cNvPr id="189" name="Соединительная линия уступом 148">
             <a:extLst>
               <a:ext uri="{FF2B5EF4-FFF2-40B4-BE49-F238E27FC236}">
-                <a16:creationId xmlns:a16="http://schemas.microsoft.com/office/drawing/2014/main" id="{1C6858C7-8A93-4CF4-A3B3-6AB28CD215CB}"/>
+                <a16:creationId xmlns:a16="http://schemas.microsoft.com/office/drawing/2014/main" xmlns="" id="{1C6858C7-8A93-4CF4-A3B3-6AB28CD215CB}"/>
               </a:ext>
             </a:extLst>
           </p:cNvPr>
@@ -10929,7 +10753,7 @@
           <p:cNvPr id="190" name="Соединительная линия уступом 148">
             <a:extLst>
               <a:ext uri="{FF2B5EF4-FFF2-40B4-BE49-F238E27FC236}">
-                <a16:creationId xmlns:a16="http://schemas.microsoft.com/office/drawing/2014/main" id="{CE2B2ACF-3CBE-48FA-AC43-7AD4B70A3FA6}"/>
+                <a16:creationId xmlns:a16="http://schemas.microsoft.com/office/drawing/2014/main" xmlns="" id="{CE2B2ACF-3CBE-48FA-AC43-7AD4B70A3FA6}"/>
               </a:ext>
             </a:extLst>
           </p:cNvPr>
@@ -10974,7 +10798,7 @@
           <p:cNvPr id="148" name="Прямоугольник 147">
             <a:extLst>
               <a:ext uri="{FF2B5EF4-FFF2-40B4-BE49-F238E27FC236}">
-                <a16:creationId xmlns:a16="http://schemas.microsoft.com/office/drawing/2014/main" id="{04A3ABFC-37BA-432F-AC1A-F77E6E1C51AC}"/>
+                <a16:creationId xmlns:a16="http://schemas.microsoft.com/office/drawing/2014/main" xmlns="" id="{04A3ABFC-37BA-432F-AC1A-F77E6E1C51AC}"/>
               </a:ext>
             </a:extLst>
           </p:cNvPr>
@@ -11344,7 +11168,7 @@
   <a:extraClrSchemeLst/>
   <a:extLst>
     <a:ext uri="{05A4C25C-085E-4340-85A3-A5531E510DB2}">
-      <thm15:themeFamily xmlns:thm15="http://schemas.microsoft.com/office/thememl/2012/main" name="Office Theme" id="{62F939B6-93AF-4DB8-9C6B-D6C7DFDC589F}" vid="{4A3C46E8-61CC-4603-A589-7422A47A8E4A}"/>
+      <thm15:themeFamily xmlns:thm15="http://schemas.microsoft.com/office/thememl/2012/main" xmlns="" name="Office Theme" id="{62F939B6-93AF-4DB8-9C6B-D6C7DFDC589F}" vid="{4A3C46E8-61CC-4603-A589-7422A47A8E4A}"/>
     </a:ext>
   </a:extLst>
 </a:theme>
@@ -11605,7 +11429,7 @@
   <a:extraClrSchemeLst/>
   <a:extLst>
     <a:ext uri="{05A4C25C-085E-4340-85A3-A5531E510DB2}">
-      <thm15:themeFamily xmlns:thm15="http://schemas.microsoft.com/office/thememl/2012/main" name="Office Theme" id="{62F939B6-93AF-4DB8-9C6B-D6C7DFDC589F}" vid="{4A3C46E8-61CC-4603-A589-7422A47A8E4A}"/>
+      <thm15:themeFamily xmlns:thm15="http://schemas.microsoft.com/office/thememl/2012/main" xmlns="" name="Office Theme" id="{62F939B6-93AF-4DB8-9C6B-D6C7DFDC589F}" vid="{4A3C46E8-61CC-4603-A589-7422A47A8E4A}"/>
     </a:ext>
   </a:extLst>
 </a:theme>

--- a/Наработки/диздоки/Испания/Испания левые.pptx
+++ b/Наработки/диздоки/Испания/Испания левые.pptx
@@ -109,7 +109,7 @@
   </p:defaultTextStyle>
   <p:extLst>
     <p:ext uri="{EFAFB233-063F-42B5-8137-9DF3F51BA10A}">
-      <p15:sldGuideLst xmlns:p15="http://schemas.microsoft.com/office/powerpoint/2012/main" xmlns="">
+      <p15:sldGuideLst xmlns="" xmlns:p15="http://schemas.microsoft.com/office/powerpoint/2012/main">
         <p15:guide id="1" orient="horz" pos="11344">
           <p15:clr>
             <a:srgbClr val="A4A3A4"/>
@@ -209,7 +209,7 @@
             <a:fld id="{33E3D7F9-E251-484C-A6FF-FA958879DF69}" type="datetimeFigureOut">
               <a:rPr lang="ru-RU" smtClean="0"/>
               <a:pPr/>
-              <a:t>21.11.2023</a:t>
+              <a:t>22.11.2023</a:t>
             </a:fld>
             <a:endParaRPr lang="ru-RU"/>
           </a:p>
@@ -699,7 +699,7 @@
             <a:fld id="{85A5DE44-605B-4D3B-B2B7-94543DF81A36}" type="datetimeFigureOut">
               <a:rPr lang="ru-RU" smtClean="0"/>
               <a:pPr/>
-              <a:t>21.11.2023</a:t>
+              <a:t>22.11.2023</a:t>
             </a:fld>
             <a:endParaRPr lang="ru-RU"/>
           </a:p>
@@ -871,7 +871,7 @@
             <a:fld id="{85A5DE44-605B-4D3B-B2B7-94543DF81A36}" type="datetimeFigureOut">
               <a:rPr lang="ru-RU" smtClean="0"/>
               <a:pPr/>
-              <a:t>21.11.2023</a:t>
+              <a:t>22.11.2023</a:t>
             </a:fld>
             <a:endParaRPr lang="ru-RU"/>
           </a:p>
@@ -1053,7 +1053,7 @@
             <a:fld id="{85A5DE44-605B-4D3B-B2B7-94543DF81A36}" type="datetimeFigureOut">
               <a:rPr lang="ru-RU" smtClean="0"/>
               <a:pPr/>
-              <a:t>21.11.2023</a:t>
+              <a:t>22.11.2023</a:t>
             </a:fld>
             <a:endParaRPr lang="ru-RU"/>
           </a:p>
@@ -1225,7 +1225,7 @@
             <a:fld id="{85A5DE44-605B-4D3B-B2B7-94543DF81A36}" type="datetimeFigureOut">
               <a:rPr lang="ru-RU" smtClean="0"/>
               <a:pPr/>
-              <a:t>21.11.2023</a:t>
+              <a:t>22.11.2023</a:t>
             </a:fld>
             <a:endParaRPr lang="ru-RU"/>
           </a:p>
@@ -1473,7 +1473,7 @@
             <a:fld id="{85A5DE44-605B-4D3B-B2B7-94543DF81A36}" type="datetimeFigureOut">
               <a:rPr lang="ru-RU" smtClean="0"/>
               <a:pPr/>
-              <a:t>21.11.2023</a:t>
+              <a:t>22.11.2023</a:t>
             </a:fld>
             <a:endParaRPr lang="ru-RU"/>
           </a:p>
@@ -1707,7 +1707,7 @@
             <a:fld id="{85A5DE44-605B-4D3B-B2B7-94543DF81A36}" type="datetimeFigureOut">
               <a:rPr lang="ru-RU" smtClean="0"/>
               <a:pPr/>
-              <a:t>21.11.2023</a:t>
+              <a:t>22.11.2023</a:t>
             </a:fld>
             <a:endParaRPr lang="ru-RU"/>
           </a:p>
@@ -2076,7 +2076,7 @@
             <a:fld id="{85A5DE44-605B-4D3B-B2B7-94543DF81A36}" type="datetimeFigureOut">
               <a:rPr lang="ru-RU" smtClean="0"/>
               <a:pPr/>
-              <a:t>21.11.2023</a:t>
+              <a:t>22.11.2023</a:t>
             </a:fld>
             <a:endParaRPr lang="ru-RU"/>
           </a:p>
@@ -2196,7 +2196,7 @@
             <a:fld id="{85A5DE44-605B-4D3B-B2B7-94543DF81A36}" type="datetimeFigureOut">
               <a:rPr lang="ru-RU" smtClean="0"/>
               <a:pPr/>
-              <a:t>21.11.2023</a:t>
+              <a:t>22.11.2023</a:t>
             </a:fld>
             <a:endParaRPr lang="ru-RU"/>
           </a:p>
@@ -2293,7 +2293,7 @@
             <a:fld id="{85A5DE44-605B-4D3B-B2B7-94543DF81A36}" type="datetimeFigureOut">
               <a:rPr lang="ru-RU" smtClean="0"/>
               <a:pPr/>
-              <a:t>21.11.2023</a:t>
+              <a:t>22.11.2023</a:t>
             </a:fld>
             <a:endParaRPr lang="ru-RU"/>
           </a:p>
@@ -2572,7 +2572,7 @@
             <a:fld id="{85A5DE44-605B-4D3B-B2B7-94543DF81A36}" type="datetimeFigureOut">
               <a:rPr lang="ru-RU" smtClean="0"/>
               <a:pPr/>
-              <a:t>21.11.2023</a:t>
+              <a:t>22.11.2023</a:t>
             </a:fld>
             <a:endParaRPr lang="ru-RU"/>
           </a:p>
@@ -2831,7 +2831,7 @@
             <a:fld id="{85A5DE44-605B-4D3B-B2B7-94543DF81A36}" type="datetimeFigureOut">
               <a:rPr lang="ru-RU" smtClean="0"/>
               <a:pPr/>
-              <a:t>21.11.2023</a:t>
+              <a:t>22.11.2023</a:t>
             </a:fld>
             <a:endParaRPr lang="ru-RU"/>
           </a:p>
@@ -3046,7 +3046,7 @@
             <a:fld id="{85A5DE44-605B-4D3B-B2B7-94543DF81A36}" type="datetimeFigureOut">
               <a:rPr lang="ru-RU" smtClean="0"/>
               <a:pPr/>
-              <a:t>21.11.2023</a:t>
+              <a:t>22.11.2023</a:t>
             </a:fld>
             <a:endParaRPr lang="ru-RU"/>
           </a:p>
@@ -4509,18 +4509,18 @@
           <p:cNvPr id="57" name="Соединительная линия уступом 56"/>
           <p:cNvCxnSpPr>
             <a:stCxn id="828" idx="2"/>
-            <a:endCxn id="56" idx="0"/>
+            <a:endCxn id="135" idx="0"/>
           </p:cNvCxnSpPr>
           <p:nvPr/>
         </p:nvCxnSpPr>
         <p:spPr>
-          <a:xfrm rot="5400000">
-            <a:off x="32002352" y="4808389"/>
-            <a:ext cx="263261" cy="1028658"/>
+          <a:xfrm rot="16200000" flipH="1">
+            <a:off x="32626480" y="5212918"/>
+            <a:ext cx="1072320" cy="1028659"/>
           </a:xfrm>
           <a:prstGeom prst="bentConnector3">
             <a:avLst>
-              <a:gd name="adj1" fmla="val 50000"/>
+              <a:gd name="adj1" fmla="val 12347"/>
             </a:avLst>
           </a:prstGeom>
           <a:ln w="19050">
@@ -4547,18 +4547,18 @@
           <p:cNvPr id="60" name="Соединительная линия уступом 59"/>
           <p:cNvCxnSpPr>
             <a:stCxn id="838" idx="2"/>
-            <a:endCxn id="56" idx="0"/>
+            <a:endCxn id="63" idx="0"/>
           </p:cNvCxnSpPr>
           <p:nvPr/>
         </p:nvCxnSpPr>
         <p:spPr>
-          <a:xfrm rot="16200000" flipH="1">
-            <a:off x="30871007" y="4705702"/>
-            <a:ext cx="268987" cy="1228306"/>
+          <a:xfrm rot="5400000">
+            <a:off x="29277325" y="5149386"/>
+            <a:ext cx="1078046" cy="1149999"/>
           </a:xfrm>
           <a:prstGeom prst="bentConnector3">
             <a:avLst>
-              <a:gd name="adj1" fmla="val 50000"/>
+              <a:gd name="adj1" fmla="val 11445"/>
             </a:avLst>
           </a:prstGeom>
           <a:ln w="19050">
@@ -4622,8 +4622,16 @@
           <a:p>
             <a:pPr algn="ctr"/>
             <a:r>
+              <a:rPr lang="ru-RU" sz="700" dirty="0" smtClean="0"/>
+              <a:t>П</a:t>
+            </a:r>
+            <a:r>
+              <a:rPr lang="ru-RU" sz="700" dirty="0" smtClean="0"/>
+              <a:t>ремьер-министр </a:t>
+            </a:r>
+            <a:r>
               <a:rPr lang="ru-RU" sz="700" dirty="0"/>
-              <a:t>Назначить премьер-министром Ларго </a:t>
+              <a:t>Ларго </a:t>
             </a:r>
             <a:r>
               <a:rPr lang="ru-RU" sz="400" dirty="0"/>
@@ -8004,7 +8012,7 @@
           <p:cNvPr id="130" name="Прямоугольник 129">
             <a:extLst>
               <a:ext uri="{FF2B5EF4-FFF2-40B4-BE49-F238E27FC236}">
-                <a16:creationId xmlns:a16="http://schemas.microsoft.com/office/drawing/2014/main" xmlns="" id="{32EFE5A9-491B-46C7-9CCC-EC70745CA00A}"/>
+                <a16:creationId xmlns="" xmlns:a16="http://schemas.microsoft.com/office/drawing/2014/main" id="{32EFE5A9-491B-46C7-9CCC-EC70745CA00A}"/>
               </a:ext>
             </a:extLst>
           </p:cNvPr>
@@ -8058,7 +8066,7 @@
           <p:cNvPr id="133" name="Прямая соединительная линия 132">
             <a:extLst>
               <a:ext uri="{FF2B5EF4-FFF2-40B4-BE49-F238E27FC236}">
-                <a16:creationId xmlns:a16="http://schemas.microsoft.com/office/drawing/2014/main" xmlns="" id="{B210A86C-E791-474B-AD43-67AC3A2D8E92}"/>
+                <a16:creationId xmlns="" xmlns:a16="http://schemas.microsoft.com/office/drawing/2014/main" id="{B210A86C-E791-474B-AD43-67AC3A2D8E92}"/>
               </a:ext>
             </a:extLst>
           </p:cNvPr>
@@ -8103,7 +8111,7 @@
           <p:cNvPr id="107" name="Прямоугольник 106">
             <a:extLst>
               <a:ext uri="{FF2B5EF4-FFF2-40B4-BE49-F238E27FC236}">
-                <a16:creationId xmlns:a16="http://schemas.microsoft.com/office/drawing/2014/main" xmlns="" id="{B2FF6737-5293-4F39-BB5E-A666306D5E15}"/>
+                <a16:creationId xmlns="" xmlns:a16="http://schemas.microsoft.com/office/drawing/2014/main" id="{B2FF6737-5293-4F39-BB5E-A666306D5E15}"/>
               </a:ext>
             </a:extLst>
           </p:cNvPr>
@@ -8167,7 +8175,7 @@
           <p:cNvPr id="112" name="Прямоугольник 111">
             <a:extLst>
               <a:ext uri="{FF2B5EF4-FFF2-40B4-BE49-F238E27FC236}">
-                <a16:creationId xmlns:a16="http://schemas.microsoft.com/office/drawing/2014/main" xmlns="" id="{2B34BD92-035E-496F-BA59-E167AF97AB50}"/>
+                <a16:creationId xmlns="" xmlns:a16="http://schemas.microsoft.com/office/drawing/2014/main" id="{2B34BD92-035E-496F-BA59-E167AF97AB50}"/>
               </a:ext>
             </a:extLst>
           </p:cNvPr>
@@ -8231,7 +8239,7 @@
           <p:cNvPr id="135" name="Прямоугольник 134">
             <a:extLst>
               <a:ext uri="{FF2B5EF4-FFF2-40B4-BE49-F238E27FC236}">
-                <a16:creationId xmlns:a16="http://schemas.microsoft.com/office/drawing/2014/main" xmlns="" id="{3F73D485-85C1-4021-BF3A-F98C9D79AF9E}"/>
+                <a16:creationId xmlns="" xmlns:a16="http://schemas.microsoft.com/office/drawing/2014/main" id="{3F73D485-85C1-4021-BF3A-F98C9D79AF9E}"/>
               </a:ext>
             </a:extLst>
           </p:cNvPr>
@@ -8271,8 +8279,8 @@
           <a:p>
             <a:pPr algn="ctr"/>
             <a:r>
-              <a:rPr lang="ru-RU" sz="700" dirty="0"/>
-              <a:t>Поддержка сталинистов</a:t>
+              <a:rPr lang="ru-RU" sz="700" dirty="0" smtClean="0"/>
+              <a:t>Ввести коммунистов в правительство</a:t>
             </a:r>
             <a:endParaRPr lang="ru-RU" sz="500" dirty="0"/>
           </a:p>
@@ -8283,7 +8291,7 @@
           <p:cNvPr id="153" name="Прямая соединительная линия 152">
             <a:extLst>
               <a:ext uri="{FF2B5EF4-FFF2-40B4-BE49-F238E27FC236}">
-                <a16:creationId xmlns:a16="http://schemas.microsoft.com/office/drawing/2014/main" xmlns="" id="{44D5A13D-ED90-4D47-9D98-6095F6E2D8DD}"/>
+                <a16:creationId xmlns="" xmlns:a16="http://schemas.microsoft.com/office/drawing/2014/main" id="{44D5A13D-ED90-4D47-9D98-6095F6E2D8DD}"/>
               </a:ext>
             </a:extLst>
           </p:cNvPr>
@@ -8328,7 +8336,7 @@
           <p:cNvPr id="154" name="Прямоугольник 153">
             <a:extLst>
               <a:ext uri="{FF2B5EF4-FFF2-40B4-BE49-F238E27FC236}">
-                <a16:creationId xmlns:a16="http://schemas.microsoft.com/office/drawing/2014/main" xmlns="" id="{1DE535CF-D5C4-47EA-8554-CD69456F19F1}"/>
+                <a16:creationId xmlns="" xmlns:a16="http://schemas.microsoft.com/office/drawing/2014/main" id="{1DE535CF-D5C4-47EA-8554-CD69456F19F1}"/>
               </a:ext>
             </a:extLst>
           </p:cNvPr>
@@ -8390,7 +8398,7 @@
           <p:cNvPr id="155" name="Прямоугольник 154">
             <a:extLst>
               <a:ext uri="{FF2B5EF4-FFF2-40B4-BE49-F238E27FC236}">
-                <a16:creationId xmlns:a16="http://schemas.microsoft.com/office/drawing/2014/main" xmlns="" id="{AE63F9D4-E3FE-49AD-A901-494855E870B6}"/>
+                <a16:creationId xmlns="" xmlns:a16="http://schemas.microsoft.com/office/drawing/2014/main" id="{AE63F9D4-E3FE-49AD-A901-494855E870B6}"/>
               </a:ext>
             </a:extLst>
           </p:cNvPr>
@@ -8452,7 +8460,7 @@
           <p:cNvPr id="156" name="Прямоугольник 155">
             <a:extLst>
               <a:ext uri="{FF2B5EF4-FFF2-40B4-BE49-F238E27FC236}">
-                <a16:creationId xmlns:a16="http://schemas.microsoft.com/office/drawing/2014/main" xmlns="" id="{6EDC6DCB-25E6-4101-87E3-6FE8795BB9DC}"/>
+                <a16:creationId xmlns="" xmlns:a16="http://schemas.microsoft.com/office/drawing/2014/main" id="{6EDC6DCB-25E6-4101-87E3-6FE8795BB9DC}"/>
               </a:ext>
             </a:extLst>
           </p:cNvPr>
@@ -8522,7 +8530,7 @@
           <p:cNvPr id="157" name="Соединительная линия уступом 59">
             <a:extLst>
               <a:ext uri="{FF2B5EF4-FFF2-40B4-BE49-F238E27FC236}">
-                <a16:creationId xmlns:a16="http://schemas.microsoft.com/office/drawing/2014/main" xmlns="" id="{ED19BEBE-D154-4028-B840-BC4A19EBF25A}"/>
+                <a16:creationId xmlns="" xmlns:a16="http://schemas.microsoft.com/office/drawing/2014/main" id="{ED19BEBE-D154-4028-B840-BC4A19EBF25A}"/>
               </a:ext>
             </a:extLst>
           </p:cNvPr>
@@ -8567,7 +8575,7 @@
           <p:cNvPr id="158" name="Соединительная линия уступом 59">
             <a:extLst>
               <a:ext uri="{FF2B5EF4-FFF2-40B4-BE49-F238E27FC236}">
-                <a16:creationId xmlns:a16="http://schemas.microsoft.com/office/drawing/2014/main" xmlns="" id="{7066AE11-5134-458C-89E0-082A59BB1B0F}"/>
+                <a16:creationId xmlns="" xmlns:a16="http://schemas.microsoft.com/office/drawing/2014/main" id="{7066AE11-5134-458C-89E0-082A59BB1B0F}"/>
               </a:ext>
             </a:extLst>
           </p:cNvPr>
@@ -8612,7 +8620,7 @@
           <p:cNvPr id="159" name="Прямоугольник 158">
             <a:extLst>
               <a:ext uri="{FF2B5EF4-FFF2-40B4-BE49-F238E27FC236}">
-                <a16:creationId xmlns:a16="http://schemas.microsoft.com/office/drawing/2014/main" xmlns="" id="{691AD626-DD8A-4A61-A88C-B3EB5598250C}"/>
+                <a16:creationId xmlns="" xmlns:a16="http://schemas.microsoft.com/office/drawing/2014/main" id="{691AD626-DD8A-4A61-A88C-B3EB5598250C}"/>
               </a:ext>
             </a:extLst>
           </p:cNvPr>
@@ -8682,7 +8690,7 @@
           <p:cNvPr id="160" name="Прямоугольник 159">
             <a:extLst>
               <a:ext uri="{FF2B5EF4-FFF2-40B4-BE49-F238E27FC236}">
-                <a16:creationId xmlns:a16="http://schemas.microsoft.com/office/drawing/2014/main" xmlns="" id="{2A50D594-2C2E-4BDC-8F6D-0BE0FE128D99}"/>
+                <a16:creationId xmlns="" xmlns:a16="http://schemas.microsoft.com/office/drawing/2014/main" id="{2A50D594-2C2E-4BDC-8F6D-0BE0FE128D99}"/>
               </a:ext>
             </a:extLst>
           </p:cNvPr>
@@ -8748,7 +8756,7 @@
           <p:cNvPr id="161" name="Прямая соединительная линия 160">
             <a:extLst>
               <a:ext uri="{FF2B5EF4-FFF2-40B4-BE49-F238E27FC236}">
-                <a16:creationId xmlns:a16="http://schemas.microsoft.com/office/drawing/2014/main" xmlns="" id="{BF4D2C3F-BCB4-485D-98D8-A6C1B37BA272}"/>
+                <a16:creationId xmlns="" xmlns:a16="http://schemas.microsoft.com/office/drawing/2014/main" id="{BF4D2C3F-BCB4-485D-98D8-A6C1B37BA272}"/>
               </a:ext>
             </a:extLst>
           </p:cNvPr>
@@ -8793,7 +8801,7 @@
           <p:cNvPr id="162" name="Прямоугольник 161">
             <a:extLst>
               <a:ext uri="{FF2B5EF4-FFF2-40B4-BE49-F238E27FC236}">
-                <a16:creationId xmlns:a16="http://schemas.microsoft.com/office/drawing/2014/main" xmlns="" id="{0F278698-6314-41F4-905C-AAC488F37EAD}"/>
+                <a16:creationId xmlns="" xmlns:a16="http://schemas.microsoft.com/office/drawing/2014/main" id="{0F278698-6314-41F4-905C-AAC488F37EAD}"/>
               </a:ext>
             </a:extLst>
           </p:cNvPr>
@@ -8863,7 +8871,7 @@
           <p:cNvPr id="163" name="Соединительная линия уступом 59">
             <a:extLst>
               <a:ext uri="{FF2B5EF4-FFF2-40B4-BE49-F238E27FC236}">
-                <a16:creationId xmlns:a16="http://schemas.microsoft.com/office/drawing/2014/main" xmlns="" id="{41E480A3-A812-4731-BA0E-CEBFE1B527FF}"/>
+                <a16:creationId xmlns="" xmlns:a16="http://schemas.microsoft.com/office/drawing/2014/main" id="{41E480A3-A812-4731-BA0E-CEBFE1B527FF}"/>
               </a:ext>
             </a:extLst>
           </p:cNvPr>
@@ -8908,7 +8916,7 @@
           <p:cNvPr id="164" name="Прямоугольник 163">
             <a:extLst>
               <a:ext uri="{FF2B5EF4-FFF2-40B4-BE49-F238E27FC236}">
-                <a16:creationId xmlns:a16="http://schemas.microsoft.com/office/drawing/2014/main" xmlns="" id="{817CA413-A4A0-4A2F-9F7B-77FC6A4148F5}"/>
+                <a16:creationId xmlns="" xmlns:a16="http://schemas.microsoft.com/office/drawing/2014/main" id="{817CA413-A4A0-4A2F-9F7B-77FC6A4148F5}"/>
               </a:ext>
             </a:extLst>
           </p:cNvPr>
@@ -8999,7 +9007,7 @@
           <p:cNvPr id="165" name="Прямоугольник 164">
             <a:extLst>
               <a:ext uri="{FF2B5EF4-FFF2-40B4-BE49-F238E27FC236}">
-                <a16:creationId xmlns:a16="http://schemas.microsoft.com/office/drawing/2014/main" xmlns="" id="{FF2ECD0E-F830-493C-924F-6B0B2E2E822E}"/>
+                <a16:creationId xmlns="" xmlns:a16="http://schemas.microsoft.com/office/drawing/2014/main" id="{FF2ECD0E-F830-493C-924F-6B0B2E2E822E}"/>
               </a:ext>
             </a:extLst>
           </p:cNvPr>
@@ -9053,7 +9061,7 @@
           <p:cNvPr id="166" name="Прямоугольник 165">
             <a:extLst>
               <a:ext uri="{FF2B5EF4-FFF2-40B4-BE49-F238E27FC236}">
-                <a16:creationId xmlns:a16="http://schemas.microsoft.com/office/drawing/2014/main" xmlns="" id="{1237210D-3F71-4FFB-898E-68BAEFE6FDDA}"/>
+                <a16:creationId xmlns="" xmlns:a16="http://schemas.microsoft.com/office/drawing/2014/main" id="{1237210D-3F71-4FFB-898E-68BAEFE6FDDA}"/>
               </a:ext>
             </a:extLst>
           </p:cNvPr>
@@ -9107,7 +9115,7 @@
           <p:cNvPr id="167" name="Соединительная линия уступом 59">
             <a:extLst>
               <a:ext uri="{FF2B5EF4-FFF2-40B4-BE49-F238E27FC236}">
-                <a16:creationId xmlns:a16="http://schemas.microsoft.com/office/drawing/2014/main" xmlns="" id="{8BF20860-5267-4C89-9A69-5F2FF8043CE3}"/>
+                <a16:creationId xmlns="" xmlns:a16="http://schemas.microsoft.com/office/drawing/2014/main" id="{8BF20860-5267-4C89-9A69-5F2FF8043CE3}"/>
               </a:ext>
             </a:extLst>
           </p:cNvPr>
@@ -9152,7 +9160,7 @@
           <p:cNvPr id="168" name="Соединительная линия уступом 59">
             <a:extLst>
               <a:ext uri="{FF2B5EF4-FFF2-40B4-BE49-F238E27FC236}">
-                <a16:creationId xmlns:a16="http://schemas.microsoft.com/office/drawing/2014/main" xmlns="" id="{8BB7AA36-FD11-40F3-952A-FDE960A6929F}"/>
+                <a16:creationId xmlns="" xmlns:a16="http://schemas.microsoft.com/office/drawing/2014/main" id="{8BB7AA36-FD11-40F3-952A-FDE960A6929F}"/>
               </a:ext>
             </a:extLst>
           </p:cNvPr>
@@ -9197,7 +9205,7 @@
           <p:cNvPr id="169" name="Соединительная линия уступом 60">
             <a:extLst>
               <a:ext uri="{FF2B5EF4-FFF2-40B4-BE49-F238E27FC236}">
-                <a16:creationId xmlns:a16="http://schemas.microsoft.com/office/drawing/2014/main" xmlns="" id="{504572F0-7FA5-4F81-9D4B-C3FB5F7E24A6}"/>
+                <a16:creationId xmlns="" xmlns:a16="http://schemas.microsoft.com/office/drawing/2014/main" id="{504572F0-7FA5-4F81-9D4B-C3FB5F7E24A6}"/>
               </a:ext>
             </a:extLst>
           </p:cNvPr>
@@ -9242,7 +9250,7 @@
           <p:cNvPr id="171" name="Соединительная линия уступом 123">
             <a:extLst>
               <a:ext uri="{FF2B5EF4-FFF2-40B4-BE49-F238E27FC236}">
-                <a16:creationId xmlns:a16="http://schemas.microsoft.com/office/drawing/2014/main" xmlns="" id="{0DD383AF-7358-4D05-9F30-B6B41AF854DB}"/>
+                <a16:creationId xmlns="" xmlns:a16="http://schemas.microsoft.com/office/drawing/2014/main" id="{0DD383AF-7358-4D05-9F30-B6B41AF854DB}"/>
               </a:ext>
             </a:extLst>
           </p:cNvPr>
@@ -9287,7 +9295,7 @@
           <p:cNvPr id="173" name="Соединительная линия уступом 123">
             <a:extLst>
               <a:ext uri="{FF2B5EF4-FFF2-40B4-BE49-F238E27FC236}">
-                <a16:creationId xmlns:a16="http://schemas.microsoft.com/office/drawing/2014/main" xmlns="" id="{08826EB2-04D8-4B9D-A85C-F5AB140406B1}"/>
+                <a16:creationId xmlns="" xmlns:a16="http://schemas.microsoft.com/office/drawing/2014/main" id="{08826EB2-04D8-4B9D-A85C-F5AB140406B1}"/>
               </a:ext>
             </a:extLst>
           </p:cNvPr>
@@ -9332,7 +9340,7 @@
           <p:cNvPr id="177" name="Соединительная линия уступом 59">
             <a:extLst>
               <a:ext uri="{FF2B5EF4-FFF2-40B4-BE49-F238E27FC236}">
-                <a16:creationId xmlns:a16="http://schemas.microsoft.com/office/drawing/2014/main" xmlns="" id="{76206442-5802-4ECC-89FF-725CB9831F7E}"/>
+                <a16:creationId xmlns="" xmlns:a16="http://schemas.microsoft.com/office/drawing/2014/main" id="{76206442-5802-4ECC-89FF-725CB9831F7E}"/>
               </a:ext>
             </a:extLst>
           </p:cNvPr>
@@ -9377,7 +9385,7 @@
           <p:cNvPr id="180" name="Прямоугольник 179">
             <a:extLst>
               <a:ext uri="{FF2B5EF4-FFF2-40B4-BE49-F238E27FC236}">
-                <a16:creationId xmlns:a16="http://schemas.microsoft.com/office/drawing/2014/main" xmlns="" id="{7DAEAC1F-B20B-46CD-B818-99851DE5EF87}"/>
+                <a16:creationId xmlns="" xmlns:a16="http://schemas.microsoft.com/office/drawing/2014/main" id="{7DAEAC1F-B20B-46CD-B818-99851DE5EF87}"/>
               </a:ext>
             </a:extLst>
           </p:cNvPr>
@@ -9431,7 +9439,7 @@
           <p:cNvPr id="181" name="Соединительная линия уступом 59">
             <a:extLst>
               <a:ext uri="{FF2B5EF4-FFF2-40B4-BE49-F238E27FC236}">
-                <a16:creationId xmlns:a16="http://schemas.microsoft.com/office/drawing/2014/main" xmlns="" id="{146CBA15-0EC9-4B49-9151-897C0373358B}"/>
+                <a16:creationId xmlns="" xmlns:a16="http://schemas.microsoft.com/office/drawing/2014/main" id="{146CBA15-0EC9-4B49-9151-897C0373358B}"/>
               </a:ext>
             </a:extLst>
           </p:cNvPr>
@@ -9476,7 +9484,7 @@
           <p:cNvPr id="184" name="Соединительная линия уступом 59">
             <a:extLst>
               <a:ext uri="{FF2B5EF4-FFF2-40B4-BE49-F238E27FC236}">
-                <a16:creationId xmlns:a16="http://schemas.microsoft.com/office/drawing/2014/main" xmlns="" id="{C84E4D7F-D864-4DC0-BB2F-86D444193691}"/>
+                <a16:creationId xmlns="" xmlns:a16="http://schemas.microsoft.com/office/drawing/2014/main" id="{C84E4D7F-D864-4DC0-BB2F-86D444193691}"/>
               </a:ext>
             </a:extLst>
           </p:cNvPr>
@@ -9522,7 +9530,7 @@
           <p:cNvPr id="187" name="Соединительная линия уступом 59">
             <a:extLst>
               <a:ext uri="{FF2B5EF4-FFF2-40B4-BE49-F238E27FC236}">
-                <a16:creationId xmlns:a16="http://schemas.microsoft.com/office/drawing/2014/main" xmlns="" id="{047E7F83-180D-4C03-BC66-692FB1C56DBF}"/>
+                <a16:creationId xmlns="" xmlns:a16="http://schemas.microsoft.com/office/drawing/2014/main" id="{047E7F83-180D-4C03-BC66-692FB1C56DBF}"/>
               </a:ext>
             </a:extLst>
           </p:cNvPr>
@@ -9568,7 +9576,7 @@
           <p:cNvPr id="200" name="Прямоугольник 199">
             <a:extLst>
               <a:ext uri="{FF2B5EF4-FFF2-40B4-BE49-F238E27FC236}">
-                <a16:creationId xmlns:a16="http://schemas.microsoft.com/office/drawing/2014/main" xmlns="" id="{E605C39C-68E5-47BE-BB9B-455D1E372FDC}"/>
+                <a16:creationId xmlns="" xmlns:a16="http://schemas.microsoft.com/office/drawing/2014/main" id="{E605C39C-68E5-47BE-BB9B-455D1E372FDC}"/>
               </a:ext>
             </a:extLst>
           </p:cNvPr>
@@ -9622,7 +9630,7 @@
           <p:cNvPr id="201" name="Прямоугольник 200">
             <a:extLst>
               <a:ext uri="{FF2B5EF4-FFF2-40B4-BE49-F238E27FC236}">
-                <a16:creationId xmlns:a16="http://schemas.microsoft.com/office/drawing/2014/main" xmlns="" id="{7F4404B0-4AD2-46F4-AED9-158653BD1476}"/>
+                <a16:creationId xmlns="" xmlns:a16="http://schemas.microsoft.com/office/drawing/2014/main" id="{7F4404B0-4AD2-46F4-AED9-158653BD1476}"/>
               </a:ext>
             </a:extLst>
           </p:cNvPr>
@@ -9676,7 +9684,7 @@
           <p:cNvPr id="202" name="Соединительная линия уступом 123">
             <a:extLst>
               <a:ext uri="{FF2B5EF4-FFF2-40B4-BE49-F238E27FC236}">
-                <a16:creationId xmlns:a16="http://schemas.microsoft.com/office/drawing/2014/main" xmlns="" id="{95E12289-D5C4-4A71-B46E-2AB617265BCE}"/>
+                <a16:creationId xmlns="" xmlns:a16="http://schemas.microsoft.com/office/drawing/2014/main" id="{95E12289-D5C4-4A71-B46E-2AB617265BCE}"/>
               </a:ext>
             </a:extLst>
           </p:cNvPr>
@@ -9721,7 +9729,7 @@
           <p:cNvPr id="205" name="Соединительная линия уступом 123">
             <a:extLst>
               <a:ext uri="{FF2B5EF4-FFF2-40B4-BE49-F238E27FC236}">
-                <a16:creationId xmlns:a16="http://schemas.microsoft.com/office/drawing/2014/main" xmlns="" id="{57A7C273-2588-4AC4-A707-30CFC6E5A3DB}"/>
+                <a16:creationId xmlns="" xmlns:a16="http://schemas.microsoft.com/office/drawing/2014/main" id="{57A7C273-2588-4AC4-A707-30CFC6E5A3DB}"/>
               </a:ext>
             </a:extLst>
           </p:cNvPr>
@@ -9766,7 +9774,7 @@
           <p:cNvPr id="208" name="Прямоугольник 207">
             <a:extLst>
               <a:ext uri="{FF2B5EF4-FFF2-40B4-BE49-F238E27FC236}">
-                <a16:creationId xmlns:a16="http://schemas.microsoft.com/office/drawing/2014/main" xmlns="" id="{3A936EB0-2B9C-480D-9F08-95DEDCB36930}"/>
+                <a16:creationId xmlns="" xmlns:a16="http://schemas.microsoft.com/office/drawing/2014/main" id="{3A936EB0-2B9C-480D-9F08-95DEDCB36930}"/>
               </a:ext>
             </a:extLst>
           </p:cNvPr>
@@ -9833,7 +9841,7 @@
           <p:cNvPr id="209" name="Соединительная линия уступом 123">
             <a:extLst>
               <a:ext uri="{FF2B5EF4-FFF2-40B4-BE49-F238E27FC236}">
-                <a16:creationId xmlns:a16="http://schemas.microsoft.com/office/drawing/2014/main" xmlns="" id="{14ADE0B2-43D1-4891-AD9B-AD5F899987C4}"/>
+                <a16:creationId xmlns="" xmlns:a16="http://schemas.microsoft.com/office/drawing/2014/main" id="{14ADE0B2-43D1-4891-AD9B-AD5F899987C4}"/>
               </a:ext>
             </a:extLst>
           </p:cNvPr>
@@ -9878,7 +9886,7 @@
           <p:cNvPr id="223" name="Соединительная линия уступом 613">
             <a:extLst>
               <a:ext uri="{FF2B5EF4-FFF2-40B4-BE49-F238E27FC236}">
-                <a16:creationId xmlns:a16="http://schemas.microsoft.com/office/drawing/2014/main" xmlns="" id="{1344A1AC-A5D1-48D7-874F-0EA6B3953523}"/>
+                <a16:creationId xmlns="" xmlns:a16="http://schemas.microsoft.com/office/drawing/2014/main" id="{1344A1AC-A5D1-48D7-874F-0EA6B3953523}"/>
               </a:ext>
             </a:extLst>
           </p:cNvPr>
@@ -9923,7 +9931,7 @@
           <p:cNvPr id="226" name="Прямоугольник 225">
             <a:extLst>
               <a:ext uri="{FF2B5EF4-FFF2-40B4-BE49-F238E27FC236}">
-                <a16:creationId xmlns:a16="http://schemas.microsoft.com/office/drawing/2014/main" xmlns="" id="{F8D1DA47-C504-41CD-B91F-0C23B929D953}"/>
+                <a16:creationId xmlns="" xmlns:a16="http://schemas.microsoft.com/office/drawing/2014/main" id="{F8D1DA47-C504-41CD-B91F-0C23B929D953}"/>
               </a:ext>
             </a:extLst>
           </p:cNvPr>
@@ -9975,25 +9983,25 @@
           <p:cNvPr id="227" name="Соединительная линия уступом 123">
             <a:extLst>
               <a:ext uri="{FF2B5EF4-FFF2-40B4-BE49-F238E27FC236}">
-                <a16:creationId xmlns:a16="http://schemas.microsoft.com/office/drawing/2014/main" xmlns="" id="{C9CBB17B-538D-4A64-A825-8B7B2B897D5D}"/>
+                <a16:creationId xmlns="" xmlns:a16="http://schemas.microsoft.com/office/drawing/2014/main" id="{C9CBB17B-538D-4A64-A825-8B7B2B897D5D}"/>
               </a:ext>
             </a:extLst>
           </p:cNvPr>
           <p:cNvCxnSpPr>
             <a:cxnSpLocks/>
             <a:stCxn id="97" idx="2"/>
-            <a:endCxn id="56" idx="0"/>
+            <a:endCxn id="63" idx="0"/>
           </p:cNvCxnSpPr>
           <p:nvPr/>
         </p:nvCxnSpPr>
         <p:spPr>
-          <a:xfrm rot="16200000" flipH="1">
-            <a:off x="31488088" y="5322783"/>
-            <a:ext cx="263129" cy="1"/>
+          <a:xfrm rot="5400000">
+            <a:off x="29894406" y="4538162"/>
+            <a:ext cx="1072188" cy="2378304"/>
           </a:xfrm>
           <a:prstGeom prst="bentConnector3">
             <a:avLst>
-              <a:gd name="adj1" fmla="val 50000"/>
+              <a:gd name="adj1" fmla="val 10681"/>
             </a:avLst>
           </a:prstGeom>
           <a:ln w="19050">
@@ -10020,7 +10028,7 @@
           <p:cNvPr id="230" name="Прямоугольник 229">
             <a:extLst>
               <a:ext uri="{FF2B5EF4-FFF2-40B4-BE49-F238E27FC236}">
-                <a16:creationId xmlns:a16="http://schemas.microsoft.com/office/drawing/2014/main" xmlns="" id="{600D8C74-F74F-4295-8359-52067A77D9AA}"/>
+                <a16:creationId xmlns="" xmlns:a16="http://schemas.microsoft.com/office/drawing/2014/main" id="{600D8C74-F74F-4295-8359-52067A77D9AA}"/>
               </a:ext>
             </a:extLst>
           </p:cNvPr>
@@ -10075,7 +10083,7 @@
           <p:cNvPr id="231" name="Соединительная линия уступом 105">
             <a:extLst>
               <a:ext uri="{FF2B5EF4-FFF2-40B4-BE49-F238E27FC236}">
-                <a16:creationId xmlns:a16="http://schemas.microsoft.com/office/drawing/2014/main" xmlns="" id="{2527D34A-E27A-449A-93E5-C76A76CC4512}"/>
+                <a16:creationId xmlns="" xmlns:a16="http://schemas.microsoft.com/office/drawing/2014/main" id="{2527D34A-E27A-449A-93E5-C76A76CC4512}"/>
               </a:ext>
             </a:extLst>
           </p:cNvPr>
@@ -10120,7 +10128,7 @@
           <p:cNvPr id="152" name="Соединительная линия уступом 836">
             <a:extLst>
               <a:ext uri="{FF2B5EF4-FFF2-40B4-BE49-F238E27FC236}">
-                <a16:creationId xmlns:a16="http://schemas.microsoft.com/office/drawing/2014/main" xmlns="" id="{6F719142-1860-4581-9B41-8AADCCCE4BB0}"/>
+                <a16:creationId xmlns="" xmlns:a16="http://schemas.microsoft.com/office/drawing/2014/main" id="{6F719142-1860-4581-9B41-8AADCCCE4BB0}"/>
               </a:ext>
             </a:extLst>
           </p:cNvPr>
@@ -10166,7 +10174,7 @@
           <p:cNvPr id="170" name="Соединительная линия уступом 836">
             <a:extLst>
               <a:ext uri="{FF2B5EF4-FFF2-40B4-BE49-F238E27FC236}">
-                <a16:creationId xmlns:a16="http://schemas.microsoft.com/office/drawing/2014/main" xmlns="" id="{EA3FC01F-F5CA-4FAE-8CEF-830AB1AAFB40}"/>
+                <a16:creationId xmlns="" xmlns:a16="http://schemas.microsoft.com/office/drawing/2014/main" id="{EA3FC01F-F5CA-4FAE-8CEF-830AB1AAFB40}"/>
               </a:ext>
             </a:extLst>
           </p:cNvPr>
@@ -10212,7 +10220,7 @@
           <p:cNvPr id="172" name="Соединительная линия уступом 836">
             <a:extLst>
               <a:ext uri="{FF2B5EF4-FFF2-40B4-BE49-F238E27FC236}">
-                <a16:creationId xmlns:a16="http://schemas.microsoft.com/office/drawing/2014/main" xmlns="" id="{6B629A61-C117-4B2E-9AEF-4EAF601A5B2F}"/>
+                <a16:creationId xmlns="" xmlns:a16="http://schemas.microsoft.com/office/drawing/2014/main" id="{6B629A61-C117-4B2E-9AEF-4EAF601A5B2F}"/>
               </a:ext>
             </a:extLst>
           </p:cNvPr>
@@ -10258,7 +10266,7 @@
           <p:cNvPr id="174" name="Прямоугольник 173">
             <a:extLst>
               <a:ext uri="{FF2B5EF4-FFF2-40B4-BE49-F238E27FC236}">
-                <a16:creationId xmlns:a16="http://schemas.microsoft.com/office/drawing/2014/main" xmlns="" id="{957C12DC-D98B-4948-99D2-CFC7B8CFF4DE}"/>
+                <a16:creationId xmlns="" xmlns:a16="http://schemas.microsoft.com/office/drawing/2014/main" id="{957C12DC-D98B-4948-99D2-CFC7B8CFF4DE}"/>
               </a:ext>
             </a:extLst>
           </p:cNvPr>
@@ -10312,7 +10320,7 @@
           <p:cNvPr id="175" name="Прямоугольник 174">
             <a:extLst>
               <a:ext uri="{FF2B5EF4-FFF2-40B4-BE49-F238E27FC236}">
-                <a16:creationId xmlns:a16="http://schemas.microsoft.com/office/drawing/2014/main" xmlns="" id="{012D2E35-685E-4576-BCB6-C08D33426D27}"/>
+                <a16:creationId xmlns="" xmlns:a16="http://schemas.microsoft.com/office/drawing/2014/main" id="{012D2E35-685E-4576-BCB6-C08D33426D27}"/>
               </a:ext>
             </a:extLst>
           </p:cNvPr>
@@ -10366,7 +10374,7 @@
           <p:cNvPr id="176" name="Прямоугольник 175">
             <a:extLst>
               <a:ext uri="{FF2B5EF4-FFF2-40B4-BE49-F238E27FC236}">
-                <a16:creationId xmlns:a16="http://schemas.microsoft.com/office/drawing/2014/main" xmlns="" id="{05CD8A58-5676-43E8-BBE2-DC9229365C21}"/>
+                <a16:creationId xmlns="" xmlns:a16="http://schemas.microsoft.com/office/drawing/2014/main" id="{05CD8A58-5676-43E8-BBE2-DC9229365C21}"/>
               </a:ext>
             </a:extLst>
           </p:cNvPr>
@@ -10420,7 +10428,7 @@
           <p:cNvPr id="178" name="Прямоугольник 177">
             <a:extLst>
               <a:ext uri="{FF2B5EF4-FFF2-40B4-BE49-F238E27FC236}">
-                <a16:creationId xmlns:a16="http://schemas.microsoft.com/office/drawing/2014/main" xmlns="" id="{E01090B5-7811-4C8D-B542-DC3489C9632C}"/>
+                <a16:creationId xmlns="" xmlns:a16="http://schemas.microsoft.com/office/drawing/2014/main" id="{E01090B5-7811-4C8D-B542-DC3489C9632C}"/>
               </a:ext>
             </a:extLst>
           </p:cNvPr>
@@ -10474,7 +10482,7 @@
           <p:cNvPr id="182" name="Прямоугольник 181">
             <a:extLst>
               <a:ext uri="{FF2B5EF4-FFF2-40B4-BE49-F238E27FC236}">
-                <a16:creationId xmlns:a16="http://schemas.microsoft.com/office/drawing/2014/main" xmlns="" id="{206D4D82-F261-452F-8D95-439FE5E0314A}"/>
+                <a16:creationId xmlns="" xmlns:a16="http://schemas.microsoft.com/office/drawing/2014/main" id="{206D4D82-F261-452F-8D95-439FE5E0314A}"/>
               </a:ext>
             </a:extLst>
           </p:cNvPr>
@@ -10528,7 +10536,7 @@
           <p:cNvPr id="183" name="Соединительная линия уступом 148">
             <a:extLst>
               <a:ext uri="{FF2B5EF4-FFF2-40B4-BE49-F238E27FC236}">
-                <a16:creationId xmlns:a16="http://schemas.microsoft.com/office/drawing/2014/main" xmlns="" id="{74F58D4E-63E8-4F3B-AADA-F89E80EB0D7E}"/>
+                <a16:creationId xmlns="" xmlns:a16="http://schemas.microsoft.com/office/drawing/2014/main" id="{74F58D4E-63E8-4F3B-AADA-F89E80EB0D7E}"/>
               </a:ext>
             </a:extLst>
           </p:cNvPr>
@@ -10573,7 +10581,7 @@
           <p:cNvPr id="185" name="Соединительная линия уступом 53">
             <a:extLst>
               <a:ext uri="{FF2B5EF4-FFF2-40B4-BE49-F238E27FC236}">
-                <a16:creationId xmlns:a16="http://schemas.microsoft.com/office/drawing/2014/main" xmlns="" id="{B661D22E-E444-4030-8910-C32F43264B7E}"/>
+                <a16:creationId xmlns="" xmlns:a16="http://schemas.microsoft.com/office/drawing/2014/main" id="{B661D22E-E444-4030-8910-C32F43264B7E}"/>
               </a:ext>
             </a:extLst>
           </p:cNvPr>
@@ -10618,7 +10626,7 @@
           <p:cNvPr id="186" name="Соединительная линия уступом 148">
             <a:extLst>
               <a:ext uri="{FF2B5EF4-FFF2-40B4-BE49-F238E27FC236}">
-                <a16:creationId xmlns:a16="http://schemas.microsoft.com/office/drawing/2014/main" xmlns="" id="{D9F54EA9-8E35-4F97-9346-ECC1DCF56114}"/>
+                <a16:creationId xmlns="" xmlns:a16="http://schemas.microsoft.com/office/drawing/2014/main" id="{D9F54EA9-8E35-4F97-9346-ECC1DCF56114}"/>
               </a:ext>
             </a:extLst>
           </p:cNvPr>
@@ -10663,7 +10671,7 @@
           <p:cNvPr id="188" name="Соединительная линия уступом 148">
             <a:extLst>
               <a:ext uri="{FF2B5EF4-FFF2-40B4-BE49-F238E27FC236}">
-                <a16:creationId xmlns:a16="http://schemas.microsoft.com/office/drawing/2014/main" xmlns="" id="{46D280CB-FB83-4BF5-8B3A-DD7BD44AD1E7}"/>
+                <a16:creationId xmlns="" xmlns:a16="http://schemas.microsoft.com/office/drawing/2014/main" id="{46D280CB-FB83-4BF5-8B3A-DD7BD44AD1E7}"/>
               </a:ext>
             </a:extLst>
           </p:cNvPr>
@@ -10708,7 +10716,7 @@
           <p:cNvPr id="189" name="Соединительная линия уступом 148">
             <a:extLst>
               <a:ext uri="{FF2B5EF4-FFF2-40B4-BE49-F238E27FC236}">
-                <a16:creationId xmlns:a16="http://schemas.microsoft.com/office/drawing/2014/main" xmlns="" id="{1C6858C7-8A93-4CF4-A3B3-6AB28CD215CB}"/>
+                <a16:creationId xmlns="" xmlns:a16="http://schemas.microsoft.com/office/drawing/2014/main" id="{1C6858C7-8A93-4CF4-A3B3-6AB28CD215CB}"/>
               </a:ext>
             </a:extLst>
           </p:cNvPr>
@@ -10753,7 +10761,7 @@
           <p:cNvPr id="190" name="Соединительная линия уступом 148">
             <a:extLst>
               <a:ext uri="{FF2B5EF4-FFF2-40B4-BE49-F238E27FC236}">
-                <a16:creationId xmlns:a16="http://schemas.microsoft.com/office/drawing/2014/main" xmlns="" id="{CE2B2ACF-3CBE-48FA-AC43-7AD4B70A3FA6}"/>
+                <a16:creationId xmlns="" xmlns:a16="http://schemas.microsoft.com/office/drawing/2014/main" id="{CE2B2ACF-3CBE-48FA-AC43-7AD4B70A3FA6}"/>
               </a:ext>
             </a:extLst>
           </p:cNvPr>
@@ -10798,7 +10806,7 @@
           <p:cNvPr id="148" name="Прямоугольник 147">
             <a:extLst>
               <a:ext uri="{FF2B5EF4-FFF2-40B4-BE49-F238E27FC236}">
-                <a16:creationId xmlns:a16="http://schemas.microsoft.com/office/drawing/2014/main" xmlns="" id="{04A3ABFC-37BA-432F-AC1A-F77E6E1C51AC}"/>
+                <a16:creationId xmlns="" xmlns:a16="http://schemas.microsoft.com/office/drawing/2014/main" id="{04A3ABFC-37BA-432F-AC1A-F77E6E1C51AC}"/>
               </a:ext>
             </a:extLst>
           </p:cNvPr>
@@ -10900,6 +10908,127 @@
           </a:p>
         </p:txBody>
       </p:sp>
+      <p:cxnSp>
+        <p:nvCxnSpPr>
+          <p:cNvPr id="179" name="Соединительная линия уступом 178"/>
+          <p:cNvCxnSpPr>
+            <a:stCxn id="838" idx="2"/>
+            <a:endCxn id="135" idx="0"/>
+          </p:cNvCxnSpPr>
+          <p:nvPr/>
+        </p:nvCxnSpPr>
+        <p:spPr>
+          <a:xfrm rot="16200000" flipH="1">
+            <a:off x="31495135" y="4081573"/>
+            <a:ext cx="1078046" cy="3285623"/>
+          </a:xfrm>
+          <a:prstGeom prst="bentConnector3">
+            <a:avLst>
+              <a:gd name="adj1" fmla="val 11996"/>
+            </a:avLst>
+          </a:prstGeom>
+          <a:ln w="19050">
+            <a:tailEnd type="arrow"/>
+          </a:ln>
+        </p:spPr>
+        <p:style>
+          <a:lnRef idx="1">
+            <a:schemeClr val="accent1"/>
+          </a:lnRef>
+          <a:fillRef idx="0">
+            <a:schemeClr val="accent1"/>
+          </a:fillRef>
+          <a:effectRef idx="0">
+            <a:schemeClr val="accent1"/>
+          </a:effectRef>
+          <a:fontRef idx="minor">
+            <a:schemeClr val="tx1"/>
+          </a:fontRef>
+        </p:style>
+      </p:cxnSp>
+      <p:cxnSp>
+        <p:nvCxnSpPr>
+          <p:cNvPr id="191" name="Соединительная линия уступом 123">
+            <a:extLst>
+              <a:ext uri="{FF2B5EF4-FFF2-40B4-BE49-F238E27FC236}">
+                <a16:creationId xmlns="" xmlns:a16="http://schemas.microsoft.com/office/drawing/2014/main" id="{C9CBB17B-538D-4A64-A825-8B7B2B897D5D}"/>
+              </a:ext>
+            </a:extLst>
+          </p:cNvPr>
+          <p:cNvCxnSpPr>
+            <a:cxnSpLocks/>
+            <a:stCxn id="97" idx="2"/>
+            <a:endCxn id="135" idx="0"/>
+          </p:cNvCxnSpPr>
+          <p:nvPr/>
+        </p:nvCxnSpPr>
+        <p:spPr>
+          <a:xfrm rot="16200000" flipH="1">
+            <a:off x="32112217" y="4698655"/>
+            <a:ext cx="1072188" cy="2057318"/>
+          </a:xfrm>
+          <a:prstGeom prst="bentConnector3">
+            <a:avLst>
+              <a:gd name="adj1" fmla="val 12342"/>
+            </a:avLst>
+          </a:prstGeom>
+          <a:ln w="19050">
+            <a:tailEnd type="arrow"/>
+          </a:ln>
+        </p:spPr>
+        <p:style>
+          <a:lnRef idx="1">
+            <a:schemeClr val="accent1"/>
+          </a:lnRef>
+          <a:fillRef idx="0">
+            <a:schemeClr val="accent1"/>
+          </a:fillRef>
+          <a:effectRef idx="0">
+            <a:schemeClr val="accent1"/>
+          </a:effectRef>
+          <a:fontRef idx="minor">
+            <a:schemeClr val="tx1"/>
+          </a:fontRef>
+        </p:style>
+      </p:cxnSp>
+      <p:cxnSp>
+        <p:nvCxnSpPr>
+          <p:cNvPr id="192" name="Соединительная линия уступом 191"/>
+          <p:cNvCxnSpPr>
+            <a:stCxn id="828" idx="2"/>
+            <a:endCxn id="63" idx="0"/>
+          </p:cNvCxnSpPr>
+          <p:nvPr/>
+        </p:nvCxnSpPr>
+        <p:spPr>
+          <a:xfrm rot="5400000">
+            <a:off x="30408670" y="4023767"/>
+            <a:ext cx="1072320" cy="3406963"/>
+          </a:xfrm>
+          <a:prstGeom prst="bentConnector3">
+            <a:avLst>
+              <a:gd name="adj1" fmla="val 12347"/>
+            </a:avLst>
+          </a:prstGeom>
+          <a:ln w="19050">
+            <a:tailEnd type="arrow"/>
+          </a:ln>
+        </p:spPr>
+        <p:style>
+          <a:lnRef idx="1">
+            <a:schemeClr val="accent1"/>
+          </a:lnRef>
+          <a:fillRef idx="0">
+            <a:schemeClr val="accent1"/>
+          </a:fillRef>
+          <a:effectRef idx="0">
+            <a:schemeClr val="accent1"/>
+          </a:effectRef>
+          <a:fontRef idx="minor">
+            <a:schemeClr val="tx1"/>
+          </a:fontRef>
+        </p:style>
+      </p:cxnSp>
     </p:spTree>
     <p:extLst>
       <p:ext uri="{BB962C8B-B14F-4D97-AF65-F5344CB8AC3E}">
@@ -11168,7 +11297,7 @@
   <a:extraClrSchemeLst/>
   <a:extLst>
     <a:ext uri="{05A4C25C-085E-4340-85A3-A5531E510DB2}">
-      <thm15:themeFamily xmlns:thm15="http://schemas.microsoft.com/office/thememl/2012/main" xmlns="" name="Office Theme" id="{62F939B6-93AF-4DB8-9C6B-D6C7DFDC589F}" vid="{4A3C46E8-61CC-4603-A589-7422A47A8E4A}"/>
+      <thm15:themeFamily xmlns="" xmlns:thm15="http://schemas.microsoft.com/office/thememl/2012/main" name="Office Theme" id="{62F939B6-93AF-4DB8-9C6B-D6C7DFDC589F}" vid="{4A3C46E8-61CC-4603-A589-7422A47A8E4A}"/>
     </a:ext>
   </a:extLst>
 </a:theme>
@@ -11429,7 +11558,7 @@
   <a:extraClrSchemeLst/>
   <a:extLst>
     <a:ext uri="{05A4C25C-085E-4340-85A3-A5531E510DB2}">
-      <thm15:themeFamily xmlns:thm15="http://schemas.microsoft.com/office/thememl/2012/main" xmlns="" name="Office Theme" id="{62F939B6-93AF-4DB8-9C6B-D6C7DFDC589F}" vid="{4A3C46E8-61CC-4603-A589-7422A47A8E4A}"/>
+      <thm15:themeFamily xmlns="" xmlns:thm15="http://schemas.microsoft.com/office/thememl/2012/main" name="Office Theme" id="{62F939B6-93AF-4DB8-9C6B-D6C7DFDC589F}" vid="{4A3C46E8-61CC-4603-A589-7422A47A8E4A}"/>
     </a:ext>
   </a:extLst>
 </a:theme>

--- a/Наработки/диздоки/Испания/Испания левые.pptx
+++ b/Наработки/диздоки/Испания/Испания левые.pptx
@@ -109,7 +109,7 @@
   </p:defaultTextStyle>
   <p:extLst>
     <p:ext uri="{EFAFB233-063F-42B5-8137-9DF3F51BA10A}">
-      <p15:sldGuideLst xmlns="" xmlns:p15="http://schemas.microsoft.com/office/powerpoint/2012/main">
+      <p15:sldGuideLst xmlns:p15="http://schemas.microsoft.com/office/powerpoint/2012/main" xmlns="">
         <p15:guide id="1" orient="horz" pos="11344">
           <p15:clr>
             <a:srgbClr val="A4A3A4"/>
@@ -209,7 +209,7 @@
             <a:fld id="{33E3D7F9-E251-484C-A6FF-FA958879DF69}" type="datetimeFigureOut">
               <a:rPr lang="ru-RU" smtClean="0"/>
               <a:pPr/>
-              <a:t>22.11.2023</a:t>
+              <a:t>23.11.2023</a:t>
             </a:fld>
             <a:endParaRPr lang="ru-RU"/>
           </a:p>
@@ -699,7 +699,7 @@
             <a:fld id="{85A5DE44-605B-4D3B-B2B7-94543DF81A36}" type="datetimeFigureOut">
               <a:rPr lang="ru-RU" smtClean="0"/>
               <a:pPr/>
-              <a:t>22.11.2023</a:t>
+              <a:t>23.11.2023</a:t>
             </a:fld>
             <a:endParaRPr lang="ru-RU"/>
           </a:p>
@@ -871,7 +871,7 @@
             <a:fld id="{85A5DE44-605B-4D3B-B2B7-94543DF81A36}" type="datetimeFigureOut">
               <a:rPr lang="ru-RU" smtClean="0"/>
               <a:pPr/>
-              <a:t>22.11.2023</a:t>
+              <a:t>23.11.2023</a:t>
             </a:fld>
             <a:endParaRPr lang="ru-RU"/>
           </a:p>
@@ -1053,7 +1053,7 @@
             <a:fld id="{85A5DE44-605B-4D3B-B2B7-94543DF81A36}" type="datetimeFigureOut">
               <a:rPr lang="ru-RU" smtClean="0"/>
               <a:pPr/>
-              <a:t>22.11.2023</a:t>
+              <a:t>23.11.2023</a:t>
             </a:fld>
             <a:endParaRPr lang="ru-RU"/>
           </a:p>
@@ -1225,7 +1225,7 @@
             <a:fld id="{85A5DE44-605B-4D3B-B2B7-94543DF81A36}" type="datetimeFigureOut">
               <a:rPr lang="ru-RU" smtClean="0"/>
               <a:pPr/>
-              <a:t>22.11.2023</a:t>
+              <a:t>23.11.2023</a:t>
             </a:fld>
             <a:endParaRPr lang="ru-RU"/>
           </a:p>
@@ -1473,7 +1473,7 @@
             <a:fld id="{85A5DE44-605B-4D3B-B2B7-94543DF81A36}" type="datetimeFigureOut">
               <a:rPr lang="ru-RU" smtClean="0"/>
               <a:pPr/>
-              <a:t>22.11.2023</a:t>
+              <a:t>23.11.2023</a:t>
             </a:fld>
             <a:endParaRPr lang="ru-RU"/>
           </a:p>
@@ -1707,7 +1707,7 @@
             <a:fld id="{85A5DE44-605B-4D3B-B2B7-94543DF81A36}" type="datetimeFigureOut">
               <a:rPr lang="ru-RU" smtClean="0"/>
               <a:pPr/>
-              <a:t>22.11.2023</a:t>
+              <a:t>23.11.2023</a:t>
             </a:fld>
             <a:endParaRPr lang="ru-RU"/>
           </a:p>
@@ -2076,7 +2076,7 @@
             <a:fld id="{85A5DE44-605B-4D3B-B2B7-94543DF81A36}" type="datetimeFigureOut">
               <a:rPr lang="ru-RU" smtClean="0"/>
               <a:pPr/>
-              <a:t>22.11.2023</a:t>
+              <a:t>23.11.2023</a:t>
             </a:fld>
             <a:endParaRPr lang="ru-RU"/>
           </a:p>
@@ -2196,7 +2196,7 @@
             <a:fld id="{85A5DE44-605B-4D3B-B2B7-94543DF81A36}" type="datetimeFigureOut">
               <a:rPr lang="ru-RU" smtClean="0"/>
               <a:pPr/>
-              <a:t>22.11.2023</a:t>
+              <a:t>23.11.2023</a:t>
             </a:fld>
             <a:endParaRPr lang="ru-RU"/>
           </a:p>
@@ -2293,7 +2293,7 @@
             <a:fld id="{85A5DE44-605B-4D3B-B2B7-94543DF81A36}" type="datetimeFigureOut">
               <a:rPr lang="ru-RU" smtClean="0"/>
               <a:pPr/>
-              <a:t>22.11.2023</a:t>
+              <a:t>23.11.2023</a:t>
             </a:fld>
             <a:endParaRPr lang="ru-RU"/>
           </a:p>
@@ -2572,7 +2572,7 @@
             <a:fld id="{85A5DE44-605B-4D3B-B2B7-94543DF81A36}" type="datetimeFigureOut">
               <a:rPr lang="ru-RU" smtClean="0"/>
               <a:pPr/>
-              <a:t>22.11.2023</a:t>
+              <a:t>23.11.2023</a:t>
             </a:fld>
             <a:endParaRPr lang="ru-RU"/>
           </a:p>
@@ -2831,7 +2831,7 @@
             <a:fld id="{85A5DE44-605B-4D3B-B2B7-94543DF81A36}" type="datetimeFigureOut">
               <a:rPr lang="ru-RU" smtClean="0"/>
               <a:pPr/>
-              <a:t>22.11.2023</a:t>
+              <a:t>23.11.2023</a:t>
             </a:fld>
             <a:endParaRPr lang="ru-RU"/>
           </a:p>
@@ -3046,7 +3046,7 @@
             <a:fld id="{85A5DE44-605B-4D3B-B2B7-94543DF81A36}" type="datetimeFigureOut">
               <a:rPr lang="ru-RU" smtClean="0"/>
               <a:pPr/>
-              <a:t>22.11.2023</a:t>
+              <a:t>23.11.2023</a:t>
             </a:fld>
             <a:endParaRPr lang="ru-RU"/>
           </a:p>
@@ -4623,11 +4623,7 @@
             <a:pPr algn="ctr"/>
             <a:r>
               <a:rPr lang="ru-RU" sz="700" dirty="0" smtClean="0"/>
-              <a:t>П</a:t>
-            </a:r>
-            <a:r>
-              <a:rPr lang="ru-RU" sz="700" dirty="0" smtClean="0"/>
-              <a:t>ремьер-министр </a:t>
+              <a:t>Премьер-министр </a:t>
             </a:r>
             <a:r>
               <a:rPr lang="ru-RU" sz="700" dirty="0"/>
@@ -8012,7 +8008,7 @@
           <p:cNvPr id="130" name="Прямоугольник 129">
             <a:extLst>
               <a:ext uri="{FF2B5EF4-FFF2-40B4-BE49-F238E27FC236}">
-                <a16:creationId xmlns="" xmlns:a16="http://schemas.microsoft.com/office/drawing/2014/main" id="{32EFE5A9-491B-46C7-9CCC-EC70745CA00A}"/>
+                <a16:creationId xmlns:a16="http://schemas.microsoft.com/office/drawing/2014/main" xmlns="" id="{32EFE5A9-491B-46C7-9CCC-EC70745CA00A}"/>
               </a:ext>
             </a:extLst>
           </p:cNvPr>
@@ -8066,7 +8062,7 @@
           <p:cNvPr id="133" name="Прямая соединительная линия 132">
             <a:extLst>
               <a:ext uri="{FF2B5EF4-FFF2-40B4-BE49-F238E27FC236}">
-                <a16:creationId xmlns="" xmlns:a16="http://schemas.microsoft.com/office/drawing/2014/main" id="{B210A86C-E791-474B-AD43-67AC3A2D8E92}"/>
+                <a16:creationId xmlns:a16="http://schemas.microsoft.com/office/drawing/2014/main" xmlns="" id="{B210A86C-E791-474B-AD43-67AC3A2D8E92}"/>
               </a:ext>
             </a:extLst>
           </p:cNvPr>
@@ -8111,7 +8107,7 @@
           <p:cNvPr id="107" name="Прямоугольник 106">
             <a:extLst>
               <a:ext uri="{FF2B5EF4-FFF2-40B4-BE49-F238E27FC236}">
-                <a16:creationId xmlns="" xmlns:a16="http://schemas.microsoft.com/office/drawing/2014/main" id="{B2FF6737-5293-4F39-BB5E-A666306D5E15}"/>
+                <a16:creationId xmlns:a16="http://schemas.microsoft.com/office/drawing/2014/main" xmlns="" id="{B2FF6737-5293-4F39-BB5E-A666306D5E15}"/>
               </a:ext>
             </a:extLst>
           </p:cNvPr>
@@ -8175,7 +8171,7 @@
           <p:cNvPr id="112" name="Прямоугольник 111">
             <a:extLst>
               <a:ext uri="{FF2B5EF4-FFF2-40B4-BE49-F238E27FC236}">
-                <a16:creationId xmlns="" xmlns:a16="http://schemas.microsoft.com/office/drawing/2014/main" id="{2B34BD92-035E-496F-BA59-E167AF97AB50}"/>
+                <a16:creationId xmlns:a16="http://schemas.microsoft.com/office/drawing/2014/main" xmlns="" id="{2B34BD92-035E-496F-BA59-E167AF97AB50}"/>
               </a:ext>
             </a:extLst>
           </p:cNvPr>
@@ -8239,7 +8235,7 @@
           <p:cNvPr id="135" name="Прямоугольник 134">
             <a:extLst>
               <a:ext uri="{FF2B5EF4-FFF2-40B4-BE49-F238E27FC236}">
-                <a16:creationId xmlns="" xmlns:a16="http://schemas.microsoft.com/office/drawing/2014/main" id="{3F73D485-85C1-4021-BF3A-F98C9D79AF9E}"/>
+                <a16:creationId xmlns:a16="http://schemas.microsoft.com/office/drawing/2014/main" xmlns="" id="{3F73D485-85C1-4021-BF3A-F98C9D79AF9E}"/>
               </a:ext>
             </a:extLst>
           </p:cNvPr>
@@ -8291,7 +8287,7 @@
           <p:cNvPr id="153" name="Прямая соединительная линия 152">
             <a:extLst>
               <a:ext uri="{FF2B5EF4-FFF2-40B4-BE49-F238E27FC236}">
-                <a16:creationId xmlns="" xmlns:a16="http://schemas.microsoft.com/office/drawing/2014/main" id="{44D5A13D-ED90-4D47-9D98-6095F6E2D8DD}"/>
+                <a16:creationId xmlns:a16="http://schemas.microsoft.com/office/drawing/2014/main" xmlns="" id="{44D5A13D-ED90-4D47-9D98-6095F6E2D8DD}"/>
               </a:ext>
             </a:extLst>
           </p:cNvPr>
@@ -8336,7 +8332,7 @@
           <p:cNvPr id="154" name="Прямоугольник 153">
             <a:extLst>
               <a:ext uri="{FF2B5EF4-FFF2-40B4-BE49-F238E27FC236}">
-                <a16:creationId xmlns="" xmlns:a16="http://schemas.microsoft.com/office/drawing/2014/main" id="{1DE535CF-D5C4-47EA-8554-CD69456F19F1}"/>
+                <a16:creationId xmlns:a16="http://schemas.microsoft.com/office/drawing/2014/main" xmlns="" id="{1DE535CF-D5C4-47EA-8554-CD69456F19F1}"/>
               </a:ext>
             </a:extLst>
           </p:cNvPr>
@@ -8398,7 +8394,7 @@
           <p:cNvPr id="155" name="Прямоугольник 154">
             <a:extLst>
               <a:ext uri="{FF2B5EF4-FFF2-40B4-BE49-F238E27FC236}">
-                <a16:creationId xmlns="" xmlns:a16="http://schemas.microsoft.com/office/drawing/2014/main" id="{AE63F9D4-E3FE-49AD-A901-494855E870B6}"/>
+                <a16:creationId xmlns:a16="http://schemas.microsoft.com/office/drawing/2014/main" xmlns="" id="{AE63F9D4-E3FE-49AD-A901-494855E870B6}"/>
               </a:ext>
             </a:extLst>
           </p:cNvPr>
@@ -8460,7 +8456,7 @@
           <p:cNvPr id="156" name="Прямоугольник 155">
             <a:extLst>
               <a:ext uri="{FF2B5EF4-FFF2-40B4-BE49-F238E27FC236}">
-                <a16:creationId xmlns="" xmlns:a16="http://schemas.microsoft.com/office/drawing/2014/main" id="{6EDC6DCB-25E6-4101-87E3-6FE8795BB9DC}"/>
+                <a16:creationId xmlns:a16="http://schemas.microsoft.com/office/drawing/2014/main" xmlns="" id="{6EDC6DCB-25E6-4101-87E3-6FE8795BB9DC}"/>
               </a:ext>
             </a:extLst>
           </p:cNvPr>
@@ -8530,7 +8526,7 @@
           <p:cNvPr id="157" name="Соединительная линия уступом 59">
             <a:extLst>
               <a:ext uri="{FF2B5EF4-FFF2-40B4-BE49-F238E27FC236}">
-                <a16:creationId xmlns="" xmlns:a16="http://schemas.microsoft.com/office/drawing/2014/main" id="{ED19BEBE-D154-4028-B840-BC4A19EBF25A}"/>
+                <a16:creationId xmlns:a16="http://schemas.microsoft.com/office/drawing/2014/main" xmlns="" id="{ED19BEBE-D154-4028-B840-BC4A19EBF25A}"/>
               </a:ext>
             </a:extLst>
           </p:cNvPr>
@@ -8575,7 +8571,7 @@
           <p:cNvPr id="158" name="Соединительная линия уступом 59">
             <a:extLst>
               <a:ext uri="{FF2B5EF4-FFF2-40B4-BE49-F238E27FC236}">
-                <a16:creationId xmlns="" xmlns:a16="http://schemas.microsoft.com/office/drawing/2014/main" id="{7066AE11-5134-458C-89E0-082A59BB1B0F}"/>
+                <a16:creationId xmlns:a16="http://schemas.microsoft.com/office/drawing/2014/main" xmlns="" id="{7066AE11-5134-458C-89E0-082A59BB1B0F}"/>
               </a:ext>
             </a:extLst>
           </p:cNvPr>
@@ -8620,7 +8616,7 @@
           <p:cNvPr id="159" name="Прямоугольник 158">
             <a:extLst>
               <a:ext uri="{FF2B5EF4-FFF2-40B4-BE49-F238E27FC236}">
-                <a16:creationId xmlns="" xmlns:a16="http://schemas.microsoft.com/office/drawing/2014/main" id="{691AD626-DD8A-4A61-A88C-B3EB5598250C}"/>
+                <a16:creationId xmlns:a16="http://schemas.microsoft.com/office/drawing/2014/main" xmlns="" id="{691AD626-DD8A-4A61-A88C-B3EB5598250C}"/>
               </a:ext>
             </a:extLst>
           </p:cNvPr>
@@ -8690,7 +8686,7 @@
           <p:cNvPr id="160" name="Прямоугольник 159">
             <a:extLst>
               <a:ext uri="{FF2B5EF4-FFF2-40B4-BE49-F238E27FC236}">
-                <a16:creationId xmlns="" xmlns:a16="http://schemas.microsoft.com/office/drawing/2014/main" id="{2A50D594-2C2E-4BDC-8F6D-0BE0FE128D99}"/>
+                <a16:creationId xmlns:a16="http://schemas.microsoft.com/office/drawing/2014/main" xmlns="" id="{2A50D594-2C2E-4BDC-8F6D-0BE0FE128D99}"/>
               </a:ext>
             </a:extLst>
           </p:cNvPr>
@@ -8756,7 +8752,7 @@
           <p:cNvPr id="161" name="Прямая соединительная линия 160">
             <a:extLst>
               <a:ext uri="{FF2B5EF4-FFF2-40B4-BE49-F238E27FC236}">
-                <a16:creationId xmlns="" xmlns:a16="http://schemas.microsoft.com/office/drawing/2014/main" id="{BF4D2C3F-BCB4-485D-98D8-A6C1B37BA272}"/>
+                <a16:creationId xmlns:a16="http://schemas.microsoft.com/office/drawing/2014/main" xmlns="" id="{BF4D2C3F-BCB4-485D-98D8-A6C1B37BA272}"/>
               </a:ext>
             </a:extLst>
           </p:cNvPr>
@@ -8801,7 +8797,7 @@
           <p:cNvPr id="162" name="Прямоугольник 161">
             <a:extLst>
               <a:ext uri="{FF2B5EF4-FFF2-40B4-BE49-F238E27FC236}">
-                <a16:creationId xmlns="" xmlns:a16="http://schemas.microsoft.com/office/drawing/2014/main" id="{0F278698-6314-41F4-905C-AAC488F37EAD}"/>
+                <a16:creationId xmlns:a16="http://schemas.microsoft.com/office/drawing/2014/main" xmlns="" id="{0F278698-6314-41F4-905C-AAC488F37EAD}"/>
               </a:ext>
             </a:extLst>
           </p:cNvPr>
@@ -8871,7 +8867,7 @@
           <p:cNvPr id="163" name="Соединительная линия уступом 59">
             <a:extLst>
               <a:ext uri="{FF2B5EF4-FFF2-40B4-BE49-F238E27FC236}">
-                <a16:creationId xmlns="" xmlns:a16="http://schemas.microsoft.com/office/drawing/2014/main" id="{41E480A3-A812-4731-BA0E-CEBFE1B527FF}"/>
+                <a16:creationId xmlns:a16="http://schemas.microsoft.com/office/drawing/2014/main" xmlns="" id="{41E480A3-A812-4731-BA0E-CEBFE1B527FF}"/>
               </a:ext>
             </a:extLst>
           </p:cNvPr>
@@ -8916,7 +8912,7 @@
           <p:cNvPr id="164" name="Прямоугольник 163">
             <a:extLst>
               <a:ext uri="{FF2B5EF4-FFF2-40B4-BE49-F238E27FC236}">
-                <a16:creationId xmlns="" xmlns:a16="http://schemas.microsoft.com/office/drawing/2014/main" id="{817CA413-A4A0-4A2F-9F7B-77FC6A4148F5}"/>
+                <a16:creationId xmlns:a16="http://schemas.microsoft.com/office/drawing/2014/main" xmlns="" id="{817CA413-A4A0-4A2F-9F7B-77FC6A4148F5}"/>
               </a:ext>
             </a:extLst>
           </p:cNvPr>
@@ -9007,7 +9003,7 @@
           <p:cNvPr id="165" name="Прямоугольник 164">
             <a:extLst>
               <a:ext uri="{FF2B5EF4-FFF2-40B4-BE49-F238E27FC236}">
-                <a16:creationId xmlns="" xmlns:a16="http://schemas.microsoft.com/office/drawing/2014/main" id="{FF2ECD0E-F830-493C-924F-6B0B2E2E822E}"/>
+                <a16:creationId xmlns:a16="http://schemas.microsoft.com/office/drawing/2014/main" xmlns="" id="{FF2ECD0E-F830-493C-924F-6B0B2E2E822E}"/>
               </a:ext>
             </a:extLst>
           </p:cNvPr>
@@ -9051,8 +9047,169 @@
             <a:pPr algn="ctr"/>
             <a:r>
               <a:rPr lang="ru-RU" sz="700" dirty="0"/>
-              <a:t>«Правительство победы» (наше)</a:t>
-            </a:r>
+              <a:t>«Правительство победы» (наше</a:t>
+            </a:r>
+            <a:r>
+              <a:rPr lang="ru-RU" sz="700" dirty="0"/>
+              <a:t>) </a:t>
+            </a:r>
+            <a:r>
+              <a:rPr lang="ru-RU" sz="100" dirty="0"/>
+              <a:t>(</a:t>
+            </a:r>
+            <a:r>
+              <a:rPr lang="ru-RU" sz="100" dirty="0" err="1"/>
+              <a:t>Эрнан-дес</a:t>
+            </a:r>
+            <a:r>
+              <a:rPr lang="ru-RU" sz="100" dirty="0"/>
+              <a:t>, редактор «</a:t>
+            </a:r>
+            <a:r>
+              <a:rPr lang="ru-RU" sz="100" dirty="0" err="1"/>
+              <a:t>Мундо</a:t>
+            </a:r>
+            <a:r>
+              <a:rPr lang="ru-RU" sz="100" dirty="0"/>
+              <a:t> </a:t>
+            </a:r>
+            <a:r>
+              <a:rPr lang="ru-RU" sz="100" dirty="0" err="1"/>
+              <a:t>обреро</a:t>
+            </a:r>
+            <a:r>
+              <a:rPr lang="ru-RU" sz="100" dirty="0"/>
+              <a:t>», стал министром образования, а </a:t>
+            </a:r>
+            <a:r>
+              <a:rPr lang="ru-RU" sz="100" dirty="0" err="1"/>
+              <a:t>Урибе</a:t>
+            </a:r>
+            <a:r>
+              <a:rPr lang="ru-RU" sz="100" dirty="0"/>
+              <a:t>, теоретик марксизма, – министром сельского хозяйства. В состав кабинета вошли шестеро социалистов, включая </a:t>
+            </a:r>
+            <a:r>
+              <a:rPr lang="ru-RU" sz="100" dirty="0" err="1"/>
+              <a:t>Прието</a:t>
+            </a:r>
+            <a:r>
+              <a:rPr lang="ru-RU" sz="100" dirty="0"/>
+              <a:t> как министра военно-морских сил и авиации и </a:t>
+            </a:r>
+            <a:r>
+              <a:rPr lang="ru-RU" sz="100" dirty="0" err="1"/>
+              <a:t>Альвареса</a:t>
+            </a:r>
+            <a:r>
+              <a:rPr lang="ru-RU" sz="100" dirty="0"/>
+              <a:t> </a:t>
+            </a:r>
+            <a:r>
+              <a:rPr lang="ru-RU" sz="100" dirty="0" err="1"/>
+              <a:t>дель</a:t>
+            </a:r>
+            <a:r>
+              <a:rPr lang="ru-RU" sz="100" dirty="0"/>
+              <a:t> </a:t>
+            </a:r>
+            <a:r>
+              <a:rPr lang="ru-RU" sz="100" dirty="0" err="1"/>
+              <a:t>Вайо</a:t>
+            </a:r>
+            <a:r>
+              <a:rPr lang="ru-RU" sz="100" dirty="0"/>
+              <a:t>, который стал министром иностранных дел. Хуан </a:t>
+            </a:r>
+            <a:r>
+              <a:rPr lang="ru-RU" sz="100" dirty="0" err="1"/>
+              <a:t>Негрин</a:t>
+            </a:r>
+            <a:r>
+              <a:rPr lang="ru-RU" sz="100" dirty="0"/>
+              <a:t>, социалист, не имевший тесных политических контактов, получил пост министра финансов. Он был профессором физиологии в Мадридском университете и пользовался уважением у администрации вуза. Удовлетворили и настойчивое желание </a:t>
+            </a:r>
+            <a:r>
+              <a:rPr lang="ru-RU" sz="100" dirty="0" err="1"/>
+              <a:t>Аракистайна</a:t>
+            </a:r>
+            <a:r>
+              <a:rPr lang="ru-RU" sz="100" dirty="0"/>
+              <a:t> – он был назначен послом в Париже3. Кабинет дополнили и двумя членами Республиканской левой (включая </a:t>
+            </a:r>
+            <a:r>
+              <a:rPr lang="ru-RU" sz="100" dirty="0" err="1"/>
+              <a:t>Хираля</a:t>
+            </a:r>
+            <a:r>
+              <a:rPr lang="ru-RU" sz="100" dirty="0"/>
+              <a:t>, который получил пост министра без портфеля) и по одному члену от Объединенной республиканской партии и «</a:t>
+            </a:r>
+            <a:r>
+              <a:rPr lang="ru-RU" sz="100" dirty="0" err="1"/>
+              <a:t>Эскерры</a:t>
+            </a:r>
+            <a:r>
+              <a:rPr lang="ru-RU" sz="100" dirty="0"/>
+              <a:t>». Ларго Кабальеро взял на себя обязанности военного министра, заменив </a:t>
+            </a:r>
+            <a:r>
+              <a:rPr lang="ru-RU" sz="100" dirty="0" err="1"/>
+              <a:t>Эрнандеса</a:t>
+            </a:r>
+            <a:r>
+              <a:rPr lang="ru-RU" sz="100" dirty="0"/>
+              <a:t> </a:t>
+            </a:r>
+            <a:r>
+              <a:rPr lang="ru-RU" sz="100" dirty="0" err="1"/>
+              <a:t>Сарабиа</a:t>
+            </a:r>
+            <a:r>
+              <a:rPr lang="ru-RU" sz="100" dirty="0"/>
+              <a:t>, который окончательно выбился из сил после месяца стратегических импровизаций. Кабальеро поддерживал профессиональный штаб во главе с майором Эстрадой. Полковник </a:t>
+            </a:r>
+            <a:r>
+              <a:rPr lang="ru-RU" sz="100" dirty="0" err="1"/>
+              <a:t>Родриго</a:t>
+            </a:r>
+            <a:r>
+              <a:rPr lang="ru-RU" sz="100" dirty="0"/>
+              <a:t> </a:t>
+            </a:r>
+            <a:r>
+              <a:rPr lang="ru-RU" sz="100" dirty="0" err="1"/>
+              <a:t>Хиль</a:t>
+            </a:r>
+            <a:r>
+              <a:rPr lang="ru-RU" sz="100" dirty="0"/>
+              <a:t>, артиллерийский офицер старой школы, стал заместителем военного министра. «Правительство Победы», как его окрестили, имело странный характер не только из-за участия коммунистов, но и потому, что </a:t>
+            </a:r>
+            <a:r>
+              <a:rPr lang="ru-RU" sz="100" dirty="0" err="1"/>
+              <a:t>Эрнандес</a:t>
+            </a:r>
+            <a:r>
+              <a:rPr lang="ru-RU" sz="100" dirty="0"/>
+              <a:t>, новый министр образования, девятнадцать лет назад был осужден за покушение на убийство нынешнего нового министра военно-морских сил и авиации </a:t>
+            </a:r>
+            <a:r>
+              <a:rPr lang="ru-RU" sz="100" dirty="0" err="1"/>
+              <a:t>Индалесио</a:t>
+            </a:r>
+            <a:r>
+              <a:rPr lang="ru-RU" sz="100" dirty="0"/>
+              <a:t> </a:t>
+            </a:r>
+            <a:r>
+              <a:rPr lang="ru-RU" sz="100" dirty="0" err="1"/>
+              <a:t>Прието</a:t>
+            </a:r>
+            <a:r>
+              <a:rPr lang="ru-RU" sz="100" dirty="0" smtClean="0"/>
+              <a:t>.)</a:t>
+            </a:r>
+            <a:endParaRPr lang="ru-RU" sz="100" dirty="0"/>
           </a:p>
         </p:txBody>
       </p:sp>
@@ -9061,7 +9218,7 @@
           <p:cNvPr id="166" name="Прямоугольник 165">
             <a:extLst>
               <a:ext uri="{FF2B5EF4-FFF2-40B4-BE49-F238E27FC236}">
-                <a16:creationId xmlns="" xmlns:a16="http://schemas.microsoft.com/office/drawing/2014/main" id="{1237210D-3F71-4FFB-898E-68BAEFE6FDDA}"/>
+                <a16:creationId xmlns:a16="http://schemas.microsoft.com/office/drawing/2014/main" xmlns="" id="{1237210D-3F71-4FFB-898E-68BAEFE6FDDA}"/>
               </a:ext>
             </a:extLst>
           </p:cNvPr>
@@ -9115,7 +9272,7 @@
           <p:cNvPr id="167" name="Соединительная линия уступом 59">
             <a:extLst>
               <a:ext uri="{FF2B5EF4-FFF2-40B4-BE49-F238E27FC236}">
-                <a16:creationId xmlns="" xmlns:a16="http://schemas.microsoft.com/office/drawing/2014/main" id="{8BF20860-5267-4C89-9A69-5F2FF8043CE3}"/>
+                <a16:creationId xmlns:a16="http://schemas.microsoft.com/office/drawing/2014/main" xmlns="" id="{8BF20860-5267-4C89-9A69-5F2FF8043CE3}"/>
               </a:ext>
             </a:extLst>
           </p:cNvPr>
@@ -9160,7 +9317,7 @@
           <p:cNvPr id="168" name="Соединительная линия уступом 59">
             <a:extLst>
               <a:ext uri="{FF2B5EF4-FFF2-40B4-BE49-F238E27FC236}">
-                <a16:creationId xmlns="" xmlns:a16="http://schemas.microsoft.com/office/drawing/2014/main" id="{8BB7AA36-FD11-40F3-952A-FDE960A6929F}"/>
+                <a16:creationId xmlns:a16="http://schemas.microsoft.com/office/drawing/2014/main" xmlns="" id="{8BB7AA36-FD11-40F3-952A-FDE960A6929F}"/>
               </a:ext>
             </a:extLst>
           </p:cNvPr>
@@ -9205,7 +9362,7 @@
           <p:cNvPr id="169" name="Соединительная линия уступом 60">
             <a:extLst>
               <a:ext uri="{FF2B5EF4-FFF2-40B4-BE49-F238E27FC236}">
-                <a16:creationId xmlns="" xmlns:a16="http://schemas.microsoft.com/office/drawing/2014/main" id="{504572F0-7FA5-4F81-9D4B-C3FB5F7E24A6}"/>
+                <a16:creationId xmlns:a16="http://schemas.microsoft.com/office/drawing/2014/main" xmlns="" id="{504572F0-7FA5-4F81-9D4B-C3FB5F7E24A6}"/>
               </a:ext>
             </a:extLst>
           </p:cNvPr>
@@ -9250,7 +9407,7 @@
           <p:cNvPr id="171" name="Соединительная линия уступом 123">
             <a:extLst>
               <a:ext uri="{FF2B5EF4-FFF2-40B4-BE49-F238E27FC236}">
-                <a16:creationId xmlns="" xmlns:a16="http://schemas.microsoft.com/office/drawing/2014/main" id="{0DD383AF-7358-4D05-9F30-B6B41AF854DB}"/>
+                <a16:creationId xmlns:a16="http://schemas.microsoft.com/office/drawing/2014/main" xmlns="" id="{0DD383AF-7358-4D05-9F30-B6B41AF854DB}"/>
               </a:ext>
             </a:extLst>
           </p:cNvPr>
@@ -9295,7 +9452,7 @@
           <p:cNvPr id="173" name="Соединительная линия уступом 123">
             <a:extLst>
               <a:ext uri="{FF2B5EF4-FFF2-40B4-BE49-F238E27FC236}">
-                <a16:creationId xmlns="" xmlns:a16="http://schemas.microsoft.com/office/drawing/2014/main" id="{08826EB2-04D8-4B9D-A85C-F5AB140406B1}"/>
+                <a16:creationId xmlns:a16="http://schemas.microsoft.com/office/drawing/2014/main" xmlns="" id="{08826EB2-04D8-4B9D-A85C-F5AB140406B1}"/>
               </a:ext>
             </a:extLst>
           </p:cNvPr>
@@ -9340,7 +9497,7 @@
           <p:cNvPr id="177" name="Соединительная линия уступом 59">
             <a:extLst>
               <a:ext uri="{FF2B5EF4-FFF2-40B4-BE49-F238E27FC236}">
-                <a16:creationId xmlns="" xmlns:a16="http://schemas.microsoft.com/office/drawing/2014/main" id="{76206442-5802-4ECC-89FF-725CB9831F7E}"/>
+                <a16:creationId xmlns:a16="http://schemas.microsoft.com/office/drawing/2014/main" xmlns="" id="{76206442-5802-4ECC-89FF-725CB9831F7E}"/>
               </a:ext>
             </a:extLst>
           </p:cNvPr>
@@ -9385,7 +9542,7 @@
           <p:cNvPr id="180" name="Прямоугольник 179">
             <a:extLst>
               <a:ext uri="{FF2B5EF4-FFF2-40B4-BE49-F238E27FC236}">
-                <a16:creationId xmlns="" xmlns:a16="http://schemas.microsoft.com/office/drawing/2014/main" id="{7DAEAC1F-B20B-46CD-B818-99851DE5EF87}"/>
+                <a16:creationId xmlns:a16="http://schemas.microsoft.com/office/drawing/2014/main" xmlns="" id="{7DAEAC1F-B20B-46CD-B818-99851DE5EF87}"/>
               </a:ext>
             </a:extLst>
           </p:cNvPr>
@@ -9439,7 +9596,7 @@
           <p:cNvPr id="181" name="Соединительная линия уступом 59">
             <a:extLst>
               <a:ext uri="{FF2B5EF4-FFF2-40B4-BE49-F238E27FC236}">
-                <a16:creationId xmlns="" xmlns:a16="http://schemas.microsoft.com/office/drawing/2014/main" id="{146CBA15-0EC9-4B49-9151-897C0373358B}"/>
+                <a16:creationId xmlns:a16="http://schemas.microsoft.com/office/drawing/2014/main" xmlns="" id="{146CBA15-0EC9-4B49-9151-897C0373358B}"/>
               </a:ext>
             </a:extLst>
           </p:cNvPr>
@@ -9484,7 +9641,7 @@
           <p:cNvPr id="184" name="Соединительная линия уступом 59">
             <a:extLst>
               <a:ext uri="{FF2B5EF4-FFF2-40B4-BE49-F238E27FC236}">
-                <a16:creationId xmlns="" xmlns:a16="http://schemas.microsoft.com/office/drawing/2014/main" id="{C84E4D7F-D864-4DC0-BB2F-86D444193691}"/>
+                <a16:creationId xmlns:a16="http://schemas.microsoft.com/office/drawing/2014/main" xmlns="" id="{C84E4D7F-D864-4DC0-BB2F-86D444193691}"/>
               </a:ext>
             </a:extLst>
           </p:cNvPr>
@@ -9530,7 +9687,7 @@
           <p:cNvPr id="187" name="Соединительная линия уступом 59">
             <a:extLst>
               <a:ext uri="{FF2B5EF4-FFF2-40B4-BE49-F238E27FC236}">
-                <a16:creationId xmlns="" xmlns:a16="http://schemas.microsoft.com/office/drawing/2014/main" id="{047E7F83-180D-4C03-BC66-692FB1C56DBF}"/>
+                <a16:creationId xmlns:a16="http://schemas.microsoft.com/office/drawing/2014/main" xmlns="" id="{047E7F83-180D-4C03-BC66-692FB1C56DBF}"/>
               </a:ext>
             </a:extLst>
           </p:cNvPr>
@@ -9576,7 +9733,7 @@
           <p:cNvPr id="200" name="Прямоугольник 199">
             <a:extLst>
               <a:ext uri="{FF2B5EF4-FFF2-40B4-BE49-F238E27FC236}">
-                <a16:creationId xmlns="" xmlns:a16="http://schemas.microsoft.com/office/drawing/2014/main" id="{E605C39C-68E5-47BE-BB9B-455D1E372FDC}"/>
+                <a16:creationId xmlns:a16="http://schemas.microsoft.com/office/drawing/2014/main" xmlns="" id="{E605C39C-68E5-47BE-BB9B-455D1E372FDC}"/>
               </a:ext>
             </a:extLst>
           </p:cNvPr>
@@ -9630,7 +9787,7 @@
           <p:cNvPr id="201" name="Прямоугольник 200">
             <a:extLst>
               <a:ext uri="{FF2B5EF4-FFF2-40B4-BE49-F238E27FC236}">
-                <a16:creationId xmlns="" xmlns:a16="http://schemas.microsoft.com/office/drawing/2014/main" id="{7F4404B0-4AD2-46F4-AED9-158653BD1476}"/>
+                <a16:creationId xmlns:a16="http://schemas.microsoft.com/office/drawing/2014/main" xmlns="" id="{7F4404B0-4AD2-46F4-AED9-158653BD1476}"/>
               </a:ext>
             </a:extLst>
           </p:cNvPr>
@@ -9684,7 +9841,7 @@
           <p:cNvPr id="202" name="Соединительная линия уступом 123">
             <a:extLst>
               <a:ext uri="{FF2B5EF4-FFF2-40B4-BE49-F238E27FC236}">
-                <a16:creationId xmlns="" xmlns:a16="http://schemas.microsoft.com/office/drawing/2014/main" id="{95E12289-D5C4-4A71-B46E-2AB617265BCE}"/>
+                <a16:creationId xmlns:a16="http://schemas.microsoft.com/office/drawing/2014/main" xmlns="" id="{95E12289-D5C4-4A71-B46E-2AB617265BCE}"/>
               </a:ext>
             </a:extLst>
           </p:cNvPr>
@@ -9729,7 +9886,7 @@
           <p:cNvPr id="205" name="Соединительная линия уступом 123">
             <a:extLst>
               <a:ext uri="{FF2B5EF4-FFF2-40B4-BE49-F238E27FC236}">
-                <a16:creationId xmlns="" xmlns:a16="http://schemas.microsoft.com/office/drawing/2014/main" id="{57A7C273-2588-4AC4-A707-30CFC6E5A3DB}"/>
+                <a16:creationId xmlns:a16="http://schemas.microsoft.com/office/drawing/2014/main" xmlns="" id="{57A7C273-2588-4AC4-A707-30CFC6E5A3DB}"/>
               </a:ext>
             </a:extLst>
           </p:cNvPr>
@@ -9774,7 +9931,7 @@
           <p:cNvPr id="208" name="Прямоугольник 207">
             <a:extLst>
               <a:ext uri="{FF2B5EF4-FFF2-40B4-BE49-F238E27FC236}">
-                <a16:creationId xmlns="" xmlns:a16="http://schemas.microsoft.com/office/drawing/2014/main" id="{3A936EB0-2B9C-480D-9F08-95DEDCB36930}"/>
+                <a16:creationId xmlns:a16="http://schemas.microsoft.com/office/drawing/2014/main" xmlns="" id="{3A936EB0-2B9C-480D-9F08-95DEDCB36930}"/>
               </a:ext>
             </a:extLst>
           </p:cNvPr>
@@ -9841,7 +9998,7 @@
           <p:cNvPr id="209" name="Соединительная линия уступом 123">
             <a:extLst>
               <a:ext uri="{FF2B5EF4-FFF2-40B4-BE49-F238E27FC236}">
-                <a16:creationId xmlns="" xmlns:a16="http://schemas.microsoft.com/office/drawing/2014/main" id="{14ADE0B2-43D1-4891-AD9B-AD5F899987C4}"/>
+                <a16:creationId xmlns:a16="http://schemas.microsoft.com/office/drawing/2014/main" xmlns="" id="{14ADE0B2-43D1-4891-AD9B-AD5F899987C4}"/>
               </a:ext>
             </a:extLst>
           </p:cNvPr>
@@ -9886,7 +10043,7 @@
           <p:cNvPr id="223" name="Соединительная линия уступом 613">
             <a:extLst>
               <a:ext uri="{FF2B5EF4-FFF2-40B4-BE49-F238E27FC236}">
-                <a16:creationId xmlns="" xmlns:a16="http://schemas.microsoft.com/office/drawing/2014/main" id="{1344A1AC-A5D1-48D7-874F-0EA6B3953523}"/>
+                <a16:creationId xmlns:a16="http://schemas.microsoft.com/office/drawing/2014/main" xmlns="" id="{1344A1AC-A5D1-48D7-874F-0EA6B3953523}"/>
               </a:ext>
             </a:extLst>
           </p:cNvPr>
@@ -9931,7 +10088,7 @@
           <p:cNvPr id="226" name="Прямоугольник 225">
             <a:extLst>
               <a:ext uri="{FF2B5EF4-FFF2-40B4-BE49-F238E27FC236}">
-                <a16:creationId xmlns="" xmlns:a16="http://schemas.microsoft.com/office/drawing/2014/main" id="{F8D1DA47-C504-41CD-B91F-0C23B929D953}"/>
+                <a16:creationId xmlns:a16="http://schemas.microsoft.com/office/drawing/2014/main" xmlns="" id="{F8D1DA47-C504-41CD-B91F-0C23B929D953}"/>
               </a:ext>
             </a:extLst>
           </p:cNvPr>
@@ -9983,7 +10140,7 @@
           <p:cNvPr id="227" name="Соединительная линия уступом 123">
             <a:extLst>
               <a:ext uri="{FF2B5EF4-FFF2-40B4-BE49-F238E27FC236}">
-                <a16:creationId xmlns="" xmlns:a16="http://schemas.microsoft.com/office/drawing/2014/main" id="{C9CBB17B-538D-4A64-A825-8B7B2B897D5D}"/>
+                <a16:creationId xmlns:a16="http://schemas.microsoft.com/office/drawing/2014/main" xmlns="" id="{C9CBB17B-538D-4A64-A825-8B7B2B897D5D}"/>
               </a:ext>
             </a:extLst>
           </p:cNvPr>
@@ -10028,7 +10185,7 @@
           <p:cNvPr id="230" name="Прямоугольник 229">
             <a:extLst>
               <a:ext uri="{FF2B5EF4-FFF2-40B4-BE49-F238E27FC236}">
-                <a16:creationId xmlns="" xmlns:a16="http://schemas.microsoft.com/office/drawing/2014/main" id="{600D8C74-F74F-4295-8359-52067A77D9AA}"/>
+                <a16:creationId xmlns:a16="http://schemas.microsoft.com/office/drawing/2014/main" xmlns="" id="{600D8C74-F74F-4295-8359-52067A77D9AA}"/>
               </a:ext>
             </a:extLst>
           </p:cNvPr>
@@ -10083,7 +10240,7 @@
           <p:cNvPr id="231" name="Соединительная линия уступом 105">
             <a:extLst>
               <a:ext uri="{FF2B5EF4-FFF2-40B4-BE49-F238E27FC236}">
-                <a16:creationId xmlns="" xmlns:a16="http://schemas.microsoft.com/office/drawing/2014/main" id="{2527D34A-E27A-449A-93E5-C76A76CC4512}"/>
+                <a16:creationId xmlns:a16="http://schemas.microsoft.com/office/drawing/2014/main" xmlns="" id="{2527D34A-E27A-449A-93E5-C76A76CC4512}"/>
               </a:ext>
             </a:extLst>
           </p:cNvPr>
@@ -10128,7 +10285,7 @@
           <p:cNvPr id="152" name="Соединительная линия уступом 836">
             <a:extLst>
               <a:ext uri="{FF2B5EF4-FFF2-40B4-BE49-F238E27FC236}">
-                <a16:creationId xmlns="" xmlns:a16="http://schemas.microsoft.com/office/drawing/2014/main" id="{6F719142-1860-4581-9B41-8AADCCCE4BB0}"/>
+                <a16:creationId xmlns:a16="http://schemas.microsoft.com/office/drawing/2014/main" xmlns="" id="{6F719142-1860-4581-9B41-8AADCCCE4BB0}"/>
               </a:ext>
             </a:extLst>
           </p:cNvPr>
@@ -10174,7 +10331,7 @@
           <p:cNvPr id="170" name="Соединительная линия уступом 836">
             <a:extLst>
               <a:ext uri="{FF2B5EF4-FFF2-40B4-BE49-F238E27FC236}">
-                <a16:creationId xmlns="" xmlns:a16="http://schemas.microsoft.com/office/drawing/2014/main" id="{EA3FC01F-F5CA-4FAE-8CEF-830AB1AAFB40}"/>
+                <a16:creationId xmlns:a16="http://schemas.microsoft.com/office/drawing/2014/main" xmlns="" id="{EA3FC01F-F5CA-4FAE-8CEF-830AB1AAFB40}"/>
               </a:ext>
             </a:extLst>
           </p:cNvPr>
@@ -10220,7 +10377,7 @@
           <p:cNvPr id="172" name="Соединительная линия уступом 836">
             <a:extLst>
               <a:ext uri="{FF2B5EF4-FFF2-40B4-BE49-F238E27FC236}">
-                <a16:creationId xmlns="" xmlns:a16="http://schemas.microsoft.com/office/drawing/2014/main" id="{6B629A61-C117-4B2E-9AEF-4EAF601A5B2F}"/>
+                <a16:creationId xmlns:a16="http://schemas.microsoft.com/office/drawing/2014/main" xmlns="" id="{6B629A61-C117-4B2E-9AEF-4EAF601A5B2F}"/>
               </a:ext>
             </a:extLst>
           </p:cNvPr>
@@ -10266,7 +10423,7 @@
           <p:cNvPr id="174" name="Прямоугольник 173">
             <a:extLst>
               <a:ext uri="{FF2B5EF4-FFF2-40B4-BE49-F238E27FC236}">
-                <a16:creationId xmlns="" xmlns:a16="http://schemas.microsoft.com/office/drawing/2014/main" id="{957C12DC-D98B-4948-99D2-CFC7B8CFF4DE}"/>
+                <a16:creationId xmlns:a16="http://schemas.microsoft.com/office/drawing/2014/main" xmlns="" id="{957C12DC-D98B-4948-99D2-CFC7B8CFF4DE}"/>
               </a:ext>
             </a:extLst>
           </p:cNvPr>
@@ -10320,7 +10477,7 @@
           <p:cNvPr id="175" name="Прямоугольник 174">
             <a:extLst>
               <a:ext uri="{FF2B5EF4-FFF2-40B4-BE49-F238E27FC236}">
-                <a16:creationId xmlns="" xmlns:a16="http://schemas.microsoft.com/office/drawing/2014/main" id="{012D2E35-685E-4576-BCB6-C08D33426D27}"/>
+                <a16:creationId xmlns:a16="http://schemas.microsoft.com/office/drawing/2014/main" xmlns="" id="{012D2E35-685E-4576-BCB6-C08D33426D27}"/>
               </a:ext>
             </a:extLst>
           </p:cNvPr>
@@ -10374,7 +10531,7 @@
           <p:cNvPr id="176" name="Прямоугольник 175">
             <a:extLst>
               <a:ext uri="{FF2B5EF4-FFF2-40B4-BE49-F238E27FC236}">
-                <a16:creationId xmlns="" xmlns:a16="http://schemas.microsoft.com/office/drawing/2014/main" id="{05CD8A58-5676-43E8-BBE2-DC9229365C21}"/>
+                <a16:creationId xmlns:a16="http://schemas.microsoft.com/office/drawing/2014/main" xmlns="" id="{05CD8A58-5676-43E8-BBE2-DC9229365C21}"/>
               </a:ext>
             </a:extLst>
           </p:cNvPr>
@@ -10428,7 +10585,7 @@
           <p:cNvPr id="178" name="Прямоугольник 177">
             <a:extLst>
               <a:ext uri="{FF2B5EF4-FFF2-40B4-BE49-F238E27FC236}">
-                <a16:creationId xmlns="" xmlns:a16="http://schemas.microsoft.com/office/drawing/2014/main" id="{E01090B5-7811-4C8D-B542-DC3489C9632C}"/>
+                <a16:creationId xmlns:a16="http://schemas.microsoft.com/office/drawing/2014/main" xmlns="" id="{E01090B5-7811-4C8D-B542-DC3489C9632C}"/>
               </a:ext>
             </a:extLst>
           </p:cNvPr>
@@ -10482,7 +10639,7 @@
           <p:cNvPr id="182" name="Прямоугольник 181">
             <a:extLst>
               <a:ext uri="{FF2B5EF4-FFF2-40B4-BE49-F238E27FC236}">
-                <a16:creationId xmlns="" xmlns:a16="http://schemas.microsoft.com/office/drawing/2014/main" id="{206D4D82-F261-452F-8D95-439FE5E0314A}"/>
+                <a16:creationId xmlns:a16="http://schemas.microsoft.com/office/drawing/2014/main" xmlns="" id="{206D4D82-F261-452F-8D95-439FE5E0314A}"/>
               </a:ext>
             </a:extLst>
           </p:cNvPr>
@@ -10536,7 +10693,7 @@
           <p:cNvPr id="183" name="Соединительная линия уступом 148">
             <a:extLst>
               <a:ext uri="{FF2B5EF4-FFF2-40B4-BE49-F238E27FC236}">
-                <a16:creationId xmlns="" xmlns:a16="http://schemas.microsoft.com/office/drawing/2014/main" id="{74F58D4E-63E8-4F3B-AADA-F89E80EB0D7E}"/>
+                <a16:creationId xmlns:a16="http://schemas.microsoft.com/office/drawing/2014/main" xmlns="" id="{74F58D4E-63E8-4F3B-AADA-F89E80EB0D7E}"/>
               </a:ext>
             </a:extLst>
           </p:cNvPr>
@@ -10581,7 +10738,7 @@
           <p:cNvPr id="185" name="Соединительная линия уступом 53">
             <a:extLst>
               <a:ext uri="{FF2B5EF4-FFF2-40B4-BE49-F238E27FC236}">
-                <a16:creationId xmlns="" xmlns:a16="http://schemas.microsoft.com/office/drawing/2014/main" id="{B661D22E-E444-4030-8910-C32F43264B7E}"/>
+                <a16:creationId xmlns:a16="http://schemas.microsoft.com/office/drawing/2014/main" xmlns="" id="{B661D22E-E444-4030-8910-C32F43264B7E}"/>
               </a:ext>
             </a:extLst>
           </p:cNvPr>
@@ -10626,7 +10783,7 @@
           <p:cNvPr id="186" name="Соединительная линия уступом 148">
             <a:extLst>
               <a:ext uri="{FF2B5EF4-FFF2-40B4-BE49-F238E27FC236}">
-                <a16:creationId xmlns="" xmlns:a16="http://schemas.microsoft.com/office/drawing/2014/main" id="{D9F54EA9-8E35-4F97-9346-ECC1DCF56114}"/>
+                <a16:creationId xmlns:a16="http://schemas.microsoft.com/office/drawing/2014/main" xmlns="" id="{D9F54EA9-8E35-4F97-9346-ECC1DCF56114}"/>
               </a:ext>
             </a:extLst>
           </p:cNvPr>
@@ -10671,7 +10828,7 @@
           <p:cNvPr id="188" name="Соединительная линия уступом 148">
             <a:extLst>
               <a:ext uri="{FF2B5EF4-FFF2-40B4-BE49-F238E27FC236}">
-                <a16:creationId xmlns="" xmlns:a16="http://schemas.microsoft.com/office/drawing/2014/main" id="{46D280CB-FB83-4BF5-8B3A-DD7BD44AD1E7}"/>
+                <a16:creationId xmlns:a16="http://schemas.microsoft.com/office/drawing/2014/main" xmlns="" id="{46D280CB-FB83-4BF5-8B3A-DD7BD44AD1E7}"/>
               </a:ext>
             </a:extLst>
           </p:cNvPr>
@@ -10716,7 +10873,7 @@
           <p:cNvPr id="189" name="Соединительная линия уступом 148">
             <a:extLst>
               <a:ext uri="{FF2B5EF4-FFF2-40B4-BE49-F238E27FC236}">
-                <a16:creationId xmlns="" xmlns:a16="http://schemas.microsoft.com/office/drawing/2014/main" id="{1C6858C7-8A93-4CF4-A3B3-6AB28CD215CB}"/>
+                <a16:creationId xmlns:a16="http://schemas.microsoft.com/office/drawing/2014/main" xmlns="" id="{1C6858C7-8A93-4CF4-A3B3-6AB28CD215CB}"/>
               </a:ext>
             </a:extLst>
           </p:cNvPr>
@@ -10761,7 +10918,7 @@
           <p:cNvPr id="190" name="Соединительная линия уступом 148">
             <a:extLst>
               <a:ext uri="{FF2B5EF4-FFF2-40B4-BE49-F238E27FC236}">
-                <a16:creationId xmlns="" xmlns:a16="http://schemas.microsoft.com/office/drawing/2014/main" id="{CE2B2ACF-3CBE-48FA-AC43-7AD4B70A3FA6}"/>
+                <a16:creationId xmlns:a16="http://schemas.microsoft.com/office/drawing/2014/main" xmlns="" id="{CE2B2ACF-3CBE-48FA-AC43-7AD4B70A3FA6}"/>
               </a:ext>
             </a:extLst>
           </p:cNvPr>
@@ -10806,7 +10963,7 @@
           <p:cNvPr id="148" name="Прямоугольник 147">
             <a:extLst>
               <a:ext uri="{FF2B5EF4-FFF2-40B4-BE49-F238E27FC236}">
-                <a16:creationId xmlns="" xmlns:a16="http://schemas.microsoft.com/office/drawing/2014/main" id="{04A3ABFC-37BA-432F-AC1A-F77E6E1C51AC}"/>
+                <a16:creationId xmlns:a16="http://schemas.microsoft.com/office/drawing/2014/main" xmlns="" id="{04A3ABFC-37BA-432F-AC1A-F77E6E1C51AC}"/>
               </a:ext>
             </a:extLst>
           </p:cNvPr>
@@ -10951,7 +11108,7 @@
           <p:cNvPr id="191" name="Соединительная линия уступом 123">
             <a:extLst>
               <a:ext uri="{FF2B5EF4-FFF2-40B4-BE49-F238E27FC236}">
-                <a16:creationId xmlns="" xmlns:a16="http://schemas.microsoft.com/office/drawing/2014/main" id="{C9CBB17B-538D-4A64-A825-8B7B2B897D5D}"/>
+                <a16:creationId xmlns:a16="http://schemas.microsoft.com/office/drawing/2014/main" xmlns="" id="{C9CBB17B-538D-4A64-A825-8B7B2B897D5D}"/>
               </a:ext>
             </a:extLst>
           </p:cNvPr>
@@ -11297,7 +11454,7 @@
   <a:extraClrSchemeLst/>
   <a:extLst>
     <a:ext uri="{05A4C25C-085E-4340-85A3-A5531E510DB2}">
-      <thm15:themeFamily xmlns="" xmlns:thm15="http://schemas.microsoft.com/office/thememl/2012/main" name="Office Theme" id="{62F939B6-93AF-4DB8-9C6B-D6C7DFDC589F}" vid="{4A3C46E8-61CC-4603-A589-7422A47A8E4A}"/>
+      <thm15:themeFamily xmlns:thm15="http://schemas.microsoft.com/office/thememl/2012/main" xmlns="" name="Office Theme" id="{62F939B6-93AF-4DB8-9C6B-D6C7DFDC589F}" vid="{4A3C46E8-61CC-4603-A589-7422A47A8E4A}"/>
     </a:ext>
   </a:extLst>
 </a:theme>
@@ -11558,7 +11715,7 @@
   <a:extraClrSchemeLst/>
   <a:extLst>
     <a:ext uri="{05A4C25C-085E-4340-85A3-A5531E510DB2}">
-      <thm15:themeFamily xmlns="" xmlns:thm15="http://schemas.microsoft.com/office/thememl/2012/main" name="Office Theme" id="{62F939B6-93AF-4DB8-9C6B-D6C7DFDC589F}" vid="{4A3C46E8-61CC-4603-A589-7422A47A8E4A}"/>
+      <thm15:themeFamily xmlns:thm15="http://schemas.microsoft.com/office/thememl/2012/main" xmlns="" name="Office Theme" id="{62F939B6-93AF-4DB8-9C6B-D6C7DFDC589F}" vid="{4A3C46E8-61CC-4603-A589-7422A47A8E4A}"/>
     </a:ext>
   </a:extLst>
 </a:theme>

--- a/Наработки/диздоки/Испания/Испания левые.pptx
+++ b/Наработки/диздоки/Испания/Испания левые.pptx
@@ -109,7 +109,7 @@
   </p:defaultTextStyle>
   <p:extLst>
     <p:ext uri="{EFAFB233-063F-42B5-8137-9DF3F51BA10A}">
-      <p15:sldGuideLst xmlns:p15="http://schemas.microsoft.com/office/powerpoint/2012/main" xmlns="">
+      <p15:sldGuideLst xmlns="" xmlns:p15="http://schemas.microsoft.com/office/powerpoint/2012/main">
         <p15:guide id="1" orient="horz" pos="11344">
           <p15:clr>
             <a:srgbClr val="A4A3A4"/>
@@ -209,7 +209,7 @@
             <a:fld id="{33E3D7F9-E251-484C-A6FF-FA958879DF69}" type="datetimeFigureOut">
               <a:rPr lang="ru-RU" smtClean="0"/>
               <a:pPr/>
-              <a:t>23.11.2023</a:t>
+              <a:t>15.12.2023</a:t>
             </a:fld>
             <a:endParaRPr lang="ru-RU"/>
           </a:p>
@@ -699,7 +699,7 @@
             <a:fld id="{85A5DE44-605B-4D3B-B2B7-94543DF81A36}" type="datetimeFigureOut">
               <a:rPr lang="ru-RU" smtClean="0"/>
               <a:pPr/>
-              <a:t>23.11.2023</a:t>
+              <a:t>15.12.2023</a:t>
             </a:fld>
             <a:endParaRPr lang="ru-RU"/>
           </a:p>
@@ -871,7 +871,7 @@
             <a:fld id="{85A5DE44-605B-4D3B-B2B7-94543DF81A36}" type="datetimeFigureOut">
               <a:rPr lang="ru-RU" smtClean="0"/>
               <a:pPr/>
-              <a:t>23.11.2023</a:t>
+              <a:t>15.12.2023</a:t>
             </a:fld>
             <a:endParaRPr lang="ru-RU"/>
           </a:p>
@@ -1053,7 +1053,7 @@
             <a:fld id="{85A5DE44-605B-4D3B-B2B7-94543DF81A36}" type="datetimeFigureOut">
               <a:rPr lang="ru-RU" smtClean="0"/>
               <a:pPr/>
-              <a:t>23.11.2023</a:t>
+              <a:t>15.12.2023</a:t>
             </a:fld>
             <a:endParaRPr lang="ru-RU"/>
           </a:p>
@@ -1225,7 +1225,7 @@
             <a:fld id="{85A5DE44-605B-4D3B-B2B7-94543DF81A36}" type="datetimeFigureOut">
               <a:rPr lang="ru-RU" smtClean="0"/>
               <a:pPr/>
-              <a:t>23.11.2023</a:t>
+              <a:t>15.12.2023</a:t>
             </a:fld>
             <a:endParaRPr lang="ru-RU"/>
           </a:p>
@@ -1473,7 +1473,7 @@
             <a:fld id="{85A5DE44-605B-4D3B-B2B7-94543DF81A36}" type="datetimeFigureOut">
               <a:rPr lang="ru-RU" smtClean="0"/>
               <a:pPr/>
-              <a:t>23.11.2023</a:t>
+              <a:t>15.12.2023</a:t>
             </a:fld>
             <a:endParaRPr lang="ru-RU"/>
           </a:p>
@@ -1707,7 +1707,7 @@
             <a:fld id="{85A5DE44-605B-4D3B-B2B7-94543DF81A36}" type="datetimeFigureOut">
               <a:rPr lang="ru-RU" smtClean="0"/>
               <a:pPr/>
-              <a:t>23.11.2023</a:t>
+              <a:t>15.12.2023</a:t>
             </a:fld>
             <a:endParaRPr lang="ru-RU"/>
           </a:p>
@@ -2076,7 +2076,7 @@
             <a:fld id="{85A5DE44-605B-4D3B-B2B7-94543DF81A36}" type="datetimeFigureOut">
               <a:rPr lang="ru-RU" smtClean="0"/>
               <a:pPr/>
-              <a:t>23.11.2023</a:t>
+              <a:t>15.12.2023</a:t>
             </a:fld>
             <a:endParaRPr lang="ru-RU"/>
           </a:p>
@@ -2196,7 +2196,7 @@
             <a:fld id="{85A5DE44-605B-4D3B-B2B7-94543DF81A36}" type="datetimeFigureOut">
               <a:rPr lang="ru-RU" smtClean="0"/>
               <a:pPr/>
-              <a:t>23.11.2023</a:t>
+              <a:t>15.12.2023</a:t>
             </a:fld>
             <a:endParaRPr lang="ru-RU"/>
           </a:p>
@@ -2293,7 +2293,7 @@
             <a:fld id="{85A5DE44-605B-4D3B-B2B7-94543DF81A36}" type="datetimeFigureOut">
               <a:rPr lang="ru-RU" smtClean="0"/>
               <a:pPr/>
-              <a:t>23.11.2023</a:t>
+              <a:t>15.12.2023</a:t>
             </a:fld>
             <a:endParaRPr lang="ru-RU"/>
           </a:p>
@@ -2572,7 +2572,7 @@
             <a:fld id="{85A5DE44-605B-4D3B-B2B7-94543DF81A36}" type="datetimeFigureOut">
               <a:rPr lang="ru-RU" smtClean="0"/>
               <a:pPr/>
-              <a:t>23.11.2023</a:t>
+              <a:t>15.12.2023</a:t>
             </a:fld>
             <a:endParaRPr lang="ru-RU"/>
           </a:p>
@@ -2831,7 +2831,7 @@
             <a:fld id="{85A5DE44-605B-4D3B-B2B7-94543DF81A36}" type="datetimeFigureOut">
               <a:rPr lang="ru-RU" smtClean="0"/>
               <a:pPr/>
-              <a:t>23.11.2023</a:t>
+              <a:t>15.12.2023</a:t>
             </a:fld>
             <a:endParaRPr lang="ru-RU"/>
           </a:p>
@@ -3046,7 +3046,7 @@
             <a:fld id="{85A5DE44-605B-4D3B-B2B7-94543DF81A36}" type="datetimeFigureOut">
               <a:rPr lang="ru-RU" smtClean="0"/>
               <a:pPr/>
-              <a:t>23.11.2023</a:t>
+              <a:t>15.12.2023</a:t>
             </a:fld>
             <a:endParaRPr lang="ru-RU"/>
           </a:p>
@@ -3505,8 +3505,8 @@
         </p:nvCxnSpPr>
         <p:spPr>
           <a:xfrm rot="16200000" flipH="1">
-            <a:off x="30793790" y="2796567"/>
-            <a:ext cx="291874" cy="3417167"/>
+            <a:off x="31992006" y="3994783"/>
+            <a:ext cx="291874" cy="1020735"/>
           </a:xfrm>
           <a:prstGeom prst="bentConnector3">
             <a:avLst>
@@ -3543,8 +3543,8 @@
         </p:nvCxnSpPr>
         <p:spPr>
           <a:xfrm>
-            <a:off x="29694306" y="4089214"/>
-            <a:ext cx="20585769" cy="7837"/>
+            <a:off x="32090738" y="4089214"/>
+            <a:ext cx="18189337" cy="7837"/>
           </a:xfrm>
           <a:prstGeom prst="line">
             <a:avLst/>
@@ -3578,7 +3578,7 @@
         </p:nvSpPr>
         <p:spPr>
           <a:xfrm>
-            <a:off x="28767981" y="3819214"/>
+            <a:off x="31164413" y="3819214"/>
             <a:ext cx="926325" cy="540000"/>
           </a:xfrm>
           <a:prstGeom prst="rect">
@@ -3723,7 +3723,7 @@
         </p:nvSpPr>
         <p:spPr>
           <a:xfrm>
-            <a:off x="21723878" y="4636649"/>
+            <a:off x="22701370" y="4636649"/>
             <a:ext cx="926325" cy="540000"/>
           </a:xfrm>
           <a:prstGeom prst="rect">
@@ -3775,8 +3775,8 @@
         </p:nvCxnSpPr>
         <p:spPr>
           <a:xfrm rot="5400000">
-            <a:off x="25570376" y="975880"/>
-            <a:ext cx="277435" cy="7044103"/>
+            <a:off x="27257338" y="266410"/>
+            <a:ext cx="277435" cy="8463043"/>
           </a:xfrm>
           <a:prstGeom prst="bentConnector3">
             <a:avLst>
@@ -3811,7 +3811,7 @@
         </p:nvSpPr>
         <p:spPr>
           <a:xfrm>
-            <a:off x="18323621" y="4636649"/>
+            <a:off x="19371365" y="4636649"/>
             <a:ext cx="926325" cy="540000"/>
           </a:xfrm>
           <a:prstGeom prst="rect">
@@ -3882,8 +3882,8 @@
         </p:nvCxnSpPr>
         <p:spPr>
           <a:xfrm rot="5400000">
-            <a:off x="23870247" y="-724249"/>
-            <a:ext cx="277435" cy="10444360"/>
+            <a:off x="25592335" y="-1398593"/>
+            <a:ext cx="277435" cy="11793048"/>
           </a:xfrm>
           <a:prstGeom prst="bentConnector3">
             <a:avLst>
@@ -3918,7 +3918,7 @@
         </p:nvSpPr>
         <p:spPr>
           <a:xfrm>
-            <a:off x="29928184" y="4645362"/>
+            <a:off x="30003346" y="4644182"/>
             <a:ext cx="926325" cy="540000"/>
           </a:xfrm>
           <a:prstGeom prst="rect">
@@ -3968,9 +3968,9 @@
           <p:nvPr/>
         </p:nvCxnSpPr>
         <p:spPr>
-          <a:xfrm rot="16200000" flipH="1">
-            <a:off x="29668171" y="3922186"/>
-            <a:ext cx="286148" cy="1160203"/>
+          <a:xfrm rot="5400000">
+            <a:off x="30904559" y="3921165"/>
+            <a:ext cx="284968" cy="1161067"/>
           </a:xfrm>
           <a:prstGeom prst="bentConnector3">
             <a:avLst>
@@ -4004,7 +4004,7 @@
         </p:nvSpPr>
         <p:spPr>
           <a:xfrm>
-            <a:off x="21723877" y="5437852"/>
+            <a:off x="22701369" y="5437852"/>
             <a:ext cx="926325" cy="540000"/>
           </a:xfrm>
           <a:prstGeom prst="rect">
@@ -4052,7 +4052,7 @@
         </p:nvSpPr>
         <p:spPr>
           <a:xfrm>
-            <a:off x="20048307" y="5443927"/>
+            <a:off x="21025799" y="5443927"/>
             <a:ext cx="926325" cy="540000"/>
           </a:xfrm>
           <a:prstGeom prst="rect">
@@ -4155,7 +4155,7 @@
         </p:nvCxnSpPr>
         <p:spPr>
           <a:xfrm rot="5400000">
-            <a:off x="21215617" y="4472503"/>
+            <a:off x="22193109" y="4472503"/>
             <a:ext cx="267278" cy="1675571"/>
           </a:xfrm>
           <a:prstGeom prst="bentConnector3">
@@ -4193,7 +4193,7 @@
         </p:nvCxnSpPr>
         <p:spPr>
           <a:xfrm rot="5400000">
-            <a:off x="22056440" y="5307250"/>
+            <a:off x="23033932" y="5307250"/>
             <a:ext cx="261203" cy="1"/>
           </a:xfrm>
           <a:prstGeom prst="bentConnector3">
@@ -4515,12 +4515,12 @@
         </p:nvCxnSpPr>
         <p:spPr>
           <a:xfrm rot="16200000" flipH="1">
-            <a:off x="32626480" y="5212918"/>
-            <a:ext cx="1072320" cy="1028659"/>
+            <a:off x="32662108" y="5177290"/>
+            <a:ext cx="1072320" cy="1099915"/>
           </a:xfrm>
           <a:prstGeom prst="bentConnector3">
             <a:avLst>
-              <a:gd name="adj1" fmla="val 12347"/>
+              <a:gd name="adj1" fmla="val 10132"/>
             </a:avLst>
           </a:prstGeom>
           <a:ln w="19050">
@@ -4553,12 +4553,12 @@
         </p:nvCxnSpPr>
         <p:spPr>
           <a:xfrm rot="5400000">
-            <a:off x="29277325" y="5149386"/>
-            <a:ext cx="1078046" cy="1149999"/>
+            <a:off x="29664658" y="5461557"/>
+            <a:ext cx="1079226" cy="524477"/>
           </a:xfrm>
           <a:prstGeom prst="bentConnector3">
             <a:avLst>
-              <a:gd name="adj1" fmla="val 11445"/>
+              <a:gd name="adj1" fmla="val 9837"/>
             </a:avLst>
           </a:prstGeom>
           <a:ln w="19050">
@@ -4588,7 +4588,7 @@
         </p:nvSpPr>
         <p:spPr>
           <a:xfrm>
-            <a:off x="28778185" y="6263408"/>
+            <a:off x="29478869" y="6263408"/>
             <a:ext cx="926325" cy="540000"/>
           </a:xfrm>
           <a:prstGeom prst="rect">
@@ -4656,8 +4656,8 @@
         </p:nvCxnSpPr>
         <p:spPr>
           <a:xfrm rot="16200000" flipH="1">
-            <a:off x="19515488" y="4447945"/>
-            <a:ext cx="267278" cy="1724686"/>
+            <a:off x="20528106" y="4483071"/>
+            <a:ext cx="267278" cy="1654434"/>
           </a:xfrm>
           <a:prstGeom prst="bentConnector3">
             <a:avLst>
@@ -4691,7 +4691,7 @@
         </p:nvSpPr>
         <p:spPr>
           <a:xfrm>
-            <a:off x="21153124" y="6259267"/>
+            <a:off x="22130616" y="6259267"/>
             <a:ext cx="926325" cy="540000"/>
           </a:xfrm>
           <a:prstGeom prst="rect">
@@ -4743,7 +4743,7 @@
         </p:nvSpPr>
         <p:spPr>
           <a:xfrm>
-            <a:off x="22309529" y="6259267"/>
+            <a:off x="23287021" y="6259267"/>
             <a:ext cx="926325" cy="540000"/>
           </a:xfrm>
           <a:prstGeom prst="rect">
@@ -4794,7 +4794,7 @@
         </p:nvCxnSpPr>
         <p:spPr>
           <a:xfrm>
-            <a:off x="22079449" y="6529267"/>
+            <a:off x="23056941" y="6529267"/>
             <a:ext cx="230080" cy="0"/>
           </a:xfrm>
           <a:prstGeom prst="line">
@@ -4832,7 +4832,7 @@
         </p:nvCxnSpPr>
         <p:spPr>
           <a:xfrm rot="5400000">
-            <a:off x="21760957" y="5833183"/>
+            <a:off x="22738449" y="5833183"/>
             <a:ext cx="281415" cy="570753"/>
           </a:xfrm>
           <a:prstGeom prst="bentConnector3">
@@ -4870,7 +4870,7 @@
         </p:nvCxnSpPr>
         <p:spPr>
           <a:xfrm rot="16200000" flipH="1">
-            <a:off x="22339159" y="5825733"/>
+            <a:off x="23316651" y="5825733"/>
             <a:ext cx="281415" cy="585652"/>
           </a:xfrm>
           <a:prstGeom prst="bentConnector3">
@@ -4905,7 +4905,7 @@
         </p:nvSpPr>
         <p:spPr>
           <a:xfrm>
-            <a:off x="21153123" y="7069267"/>
+            <a:off x="22130615" y="7069267"/>
             <a:ext cx="926325" cy="540000"/>
           </a:xfrm>
           <a:prstGeom prst="rect">
@@ -4972,7 +4972,7 @@
         </p:nvCxnSpPr>
         <p:spPr>
           <a:xfrm rot="5400000">
-            <a:off x="21481287" y="6934267"/>
+            <a:off x="22458779" y="6934267"/>
             <a:ext cx="270000" cy="1"/>
           </a:xfrm>
           <a:prstGeom prst="bentConnector3">
@@ -5007,7 +5007,7 @@
         </p:nvSpPr>
         <p:spPr>
           <a:xfrm>
-            <a:off x="21153122" y="7879267"/>
+            <a:off x="22130614" y="7879267"/>
             <a:ext cx="926325" cy="540000"/>
           </a:xfrm>
           <a:prstGeom prst="rect">
@@ -5063,7 +5063,7 @@
         </p:nvCxnSpPr>
         <p:spPr>
           <a:xfrm rot="5400000">
-            <a:off x="21481286" y="7744267"/>
+            <a:off x="22458778" y="7744267"/>
             <a:ext cx="270000" cy="1"/>
           </a:xfrm>
           <a:prstGeom prst="bentConnector3">
@@ -5098,7 +5098,7 @@
         </p:nvSpPr>
         <p:spPr>
           <a:xfrm>
-            <a:off x="21731327" y="8689268"/>
+            <a:off x="22708819" y="8689268"/>
             <a:ext cx="926325" cy="540000"/>
           </a:xfrm>
           <a:prstGeom prst="rect">
@@ -5149,7 +5149,7 @@
         </p:nvCxnSpPr>
         <p:spPr>
           <a:xfrm rot="16200000" flipH="1">
-            <a:off x="21770387" y="8265164"/>
+            <a:off x="22747879" y="8265164"/>
             <a:ext cx="270001" cy="578205"/>
           </a:xfrm>
           <a:prstGeom prst="bentConnector3">
@@ -5184,7 +5184,7 @@
         </p:nvSpPr>
         <p:spPr>
           <a:xfrm>
-            <a:off x="20048306" y="7069267"/>
+            <a:off x="21025798" y="7069267"/>
             <a:ext cx="926325" cy="540000"/>
           </a:xfrm>
           <a:prstGeom prst="rect">
@@ -5235,7 +5235,7 @@
         </p:nvCxnSpPr>
         <p:spPr>
           <a:xfrm rot="5400000">
-            <a:off x="20928878" y="6381858"/>
+            <a:off x="21906370" y="6381858"/>
             <a:ext cx="270000" cy="1104818"/>
           </a:xfrm>
           <a:prstGeom prst="bentConnector3">
@@ -5270,7 +5270,7 @@
         </p:nvSpPr>
         <p:spPr>
           <a:xfrm>
-            <a:off x="20048305" y="7880393"/>
+            <a:off x="21025797" y="7880393"/>
             <a:ext cx="926325" cy="540000"/>
           </a:xfrm>
           <a:prstGeom prst="rect">
@@ -5303,7 +5303,39 @@
           <a:lstStyle/>
           <a:p>
             <a:pPr algn="ctr"/>
-            <a:endParaRPr lang="ru-RU" sz="700" dirty="0"/>
+            <a:r>
+              <a:rPr lang="ru-RU" sz="800" dirty="0"/>
+              <a:t>Горнодобывающее дело в Астурии </a:t>
+            </a:r>
+            <a:r>
+              <a:rPr lang="ru-RU" sz="400" dirty="0"/>
+              <a:t>(983 - </a:t>
+            </a:r>
+            <a:r>
+              <a:rPr lang="en-US" sz="400" dirty="0"/>
+              <a:t>+</a:t>
+            </a:r>
+            <a:r>
+              <a:rPr lang="ru-RU" sz="400" dirty="0"/>
+              <a:t>5 стали, </a:t>
+            </a:r>
+            <a:r>
+              <a:rPr lang="en-US" sz="400" dirty="0"/>
+              <a:t>+</a:t>
+            </a:r>
+            <a:r>
+              <a:rPr lang="ru-RU" sz="400" dirty="0"/>
+              <a:t>1 слот для строительства, </a:t>
+            </a:r>
+            <a:r>
+              <a:rPr lang="en-US" sz="400" dirty="0"/>
+              <a:t>+</a:t>
+            </a:r>
+            <a:r>
+              <a:rPr lang="ru-RU" sz="400" dirty="0"/>
+              <a:t>1 фабрика)</a:t>
+            </a:r>
+            <a:endParaRPr lang="ru-RU" sz="400" dirty="0"/>
           </a:p>
         </p:txBody>
       </p:sp>
@@ -5315,7 +5347,7 @@
         </p:nvSpPr>
         <p:spPr>
           <a:xfrm>
-            <a:off x="20599618" y="8691443"/>
+            <a:off x="21577110" y="8691443"/>
             <a:ext cx="926325" cy="540000"/>
           </a:xfrm>
           <a:prstGeom prst="rect">
@@ -5363,7 +5395,7 @@
         </p:nvSpPr>
         <p:spPr>
           <a:xfrm>
-            <a:off x="18338249" y="8689317"/>
+            <a:off x="19315741" y="8689317"/>
             <a:ext cx="926325" cy="540000"/>
           </a:xfrm>
           <a:prstGeom prst="rect">
@@ -5415,7 +5447,7 @@
         </p:nvCxnSpPr>
         <p:spPr>
           <a:xfrm rot="5400000">
-            <a:off x="19263825" y="6336855"/>
+            <a:off x="20241317" y="6336855"/>
             <a:ext cx="1890050" cy="2814875"/>
           </a:xfrm>
           <a:prstGeom prst="bentConnector3">
@@ -5453,7 +5485,7 @@
         </p:nvCxnSpPr>
         <p:spPr>
           <a:xfrm rot="5400000">
-            <a:off x="20375906" y="7744830"/>
+            <a:off x="21353398" y="7744830"/>
             <a:ext cx="271126" cy="1"/>
           </a:xfrm>
           <a:prstGeom prst="bentConnector3">
@@ -5488,7 +5520,7 @@
         </p:nvSpPr>
         <p:spPr>
           <a:xfrm>
-            <a:off x="17191500" y="6264484"/>
+            <a:off x="18239247" y="6250123"/>
             <a:ext cx="926325" cy="540000"/>
           </a:xfrm>
           <a:prstGeom prst="rect">
@@ -5540,7 +5572,7 @@
         </p:nvSpPr>
         <p:spPr>
           <a:xfrm>
-            <a:off x="18891932" y="5449194"/>
+            <a:off x="19939679" y="5435188"/>
             <a:ext cx="926325" cy="540000"/>
           </a:xfrm>
           <a:prstGeom prst="rect">
@@ -5601,7 +5633,7 @@
         </p:nvSpPr>
         <p:spPr>
           <a:xfrm>
-            <a:off x="17735557" y="5447959"/>
+            <a:off x="18783304" y="5433953"/>
             <a:ext cx="926325" cy="540000"/>
           </a:xfrm>
           <a:prstGeom prst="rect">
@@ -5653,8 +5685,8 @@
         </p:nvCxnSpPr>
         <p:spPr>
           <a:xfrm rot="16200000" flipH="1">
-            <a:off x="18934667" y="5028765"/>
-            <a:ext cx="272545" cy="568311"/>
+            <a:off x="19989416" y="5021761"/>
+            <a:ext cx="258539" cy="568314"/>
           </a:xfrm>
           <a:prstGeom prst="bentConnector3">
             <a:avLst>
@@ -5691,8 +5723,8 @@
         </p:nvCxnSpPr>
         <p:spPr>
           <a:xfrm rot="5400000">
-            <a:off x="18357097" y="5018272"/>
-            <a:ext cx="271310" cy="588064"/>
+            <a:off x="19411846" y="5011271"/>
+            <a:ext cx="257304" cy="588061"/>
           </a:xfrm>
           <a:prstGeom prst="bentConnector3">
             <a:avLst>
@@ -5726,7 +5758,7 @@
         </p:nvSpPr>
         <p:spPr>
           <a:xfrm>
-            <a:off x="19485995" y="6263115"/>
+            <a:off x="20449157" y="6250123"/>
             <a:ext cx="926325" cy="540000"/>
           </a:xfrm>
           <a:prstGeom prst="rect">
@@ -5790,7 +5822,7 @@
         </p:nvCxnSpPr>
         <p:spPr>
           <a:xfrm rot="5400000">
-            <a:off x="19968800" y="6526597"/>
+            <a:off x="20946292" y="6526597"/>
             <a:ext cx="1085340" cy="1"/>
           </a:xfrm>
           <a:prstGeom prst="bentConnector3">
@@ -5825,7 +5857,7 @@
         </p:nvSpPr>
         <p:spPr>
           <a:xfrm>
-            <a:off x="17191499" y="7062270"/>
+            <a:off x="18783303" y="7060408"/>
             <a:ext cx="926325" cy="540000"/>
           </a:xfrm>
           <a:prstGeom prst="rect">
@@ -5877,8 +5909,8 @@
         </p:nvCxnSpPr>
         <p:spPr>
           <a:xfrm rot="16200000" flipH="1">
-            <a:off x="19515166" y="5829122"/>
-            <a:ext cx="273921" cy="594063"/>
+            <a:off x="20520114" y="5857916"/>
+            <a:ext cx="274935" cy="509478"/>
           </a:xfrm>
           <a:prstGeom prst="bentConnector3">
             <a:avLst>
@@ -5915,8 +5947,8 @@
         </p:nvCxnSpPr>
         <p:spPr>
           <a:xfrm rot="5400000">
-            <a:off x="17788430" y="5854193"/>
-            <a:ext cx="276525" cy="544057"/>
+            <a:off x="18836354" y="5840010"/>
+            <a:ext cx="276170" cy="544057"/>
           </a:xfrm>
           <a:prstGeom prst="bentConnector3">
             <a:avLst>
@@ -5953,7 +5985,7 @@
         </p:nvCxnSpPr>
         <p:spPr>
           <a:xfrm rot="5400000">
-            <a:off x="20393446" y="7468602"/>
+            <a:off x="21370938" y="7468602"/>
             <a:ext cx="1892176" cy="553506"/>
           </a:xfrm>
           <a:prstGeom prst="bentConnector3">
@@ -5988,7 +6020,7 @@
         </p:nvSpPr>
         <p:spPr>
           <a:xfrm>
-            <a:off x="23392721" y="4644738"/>
+            <a:off x="24370213" y="4644738"/>
             <a:ext cx="926325" cy="540000"/>
           </a:xfrm>
           <a:prstGeom prst="rect">
@@ -6044,8 +6076,8 @@
         </p:nvCxnSpPr>
         <p:spPr>
           <a:xfrm rot="5400000">
-            <a:off x="26400752" y="1814346"/>
-            <a:ext cx="285524" cy="5375260"/>
+            <a:off x="28087714" y="1104876"/>
+            <a:ext cx="285524" cy="6794200"/>
           </a:xfrm>
           <a:prstGeom prst="bentConnector3">
             <a:avLst>
@@ -6080,7 +6112,7 @@
         </p:nvSpPr>
         <p:spPr>
           <a:xfrm>
-            <a:off x="22852495" y="5437851"/>
+            <a:off x="23829987" y="5437851"/>
             <a:ext cx="926325" cy="540000"/>
           </a:xfrm>
           <a:prstGeom prst="rect">
@@ -6133,7 +6165,7 @@
         </p:nvSpPr>
         <p:spPr>
           <a:xfrm>
-            <a:off x="18890398" y="7069267"/>
+            <a:off x="19867890" y="7069267"/>
             <a:ext cx="926325" cy="540000"/>
           </a:xfrm>
           <a:prstGeom prst="rect">
@@ -6181,7 +6213,7 @@
         </p:nvSpPr>
         <p:spPr>
           <a:xfrm>
-            <a:off x="18890397" y="7880393"/>
+            <a:off x="19867889" y="7880393"/>
             <a:ext cx="926325" cy="540000"/>
           </a:xfrm>
           <a:prstGeom prst="rect">
@@ -6229,7 +6261,7 @@
         </p:nvCxnSpPr>
         <p:spPr>
           <a:xfrm rot="5400000">
-            <a:off x="19217998" y="7744830"/>
+            <a:off x="20195490" y="7744830"/>
             <a:ext cx="271126" cy="1"/>
           </a:xfrm>
           <a:prstGeom prst="bentConnector3">
@@ -6267,7 +6299,7 @@
         </p:nvCxnSpPr>
         <p:spPr>
           <a:xfrm rot="5400000">
-            <a:off x="20349924" y="5802904"/>
+            <a:off x="21327416" y="5802904"/>
             <a:ext cx="270000" cy="2262726"/>
           </a:xfrm>
           <a:prstGeom prst="bentConnector3">
@@ -6302,7 +6334,7 @@
         </p:nvSpPr>
         <p:spPr>
           <a:xfrm>
-            <a:off x="19471664" y="8691443"/>
+            <a:off x="20449156" y="8691443"/>
             <a:ext cx="926325" cy="540000"/>
           </a:xfrm>
           <a:prstGeom prst="rect">
@@ -6350,7 +6382,7 @@
         </p:nvSpPr>
         <p:spPr>
           <a:xfrm>
-            <a:off x="19471663" y="9502569"/>
+            <a:off x="20449155" y="9502569"/>
             <a:ext cx="926325" cy="540000"/>
           </a:xfrm>
           <a:prstGeom prst="rect">
@@ -6383,7 +6415,11 @@
           <a:lstStyle/>
           <a:p>
             <a:pPr algn="ctr"/>
-            <a:endParaRPr lang="ru-RU" sz="700" dirty="0"/>
+            <a:r>
+              <a:rPr lang="ru-RU" sz="800" dirty="0"/>
+              <a:t>Индустриализация Арагона</a:t>
+            </a:r>
+            <a:endParaRPr lang="ru-RU" sz="800" dirty="0"/>
           </a:p>
         </p:txBody>
       </p:sp>
@@ -6398,7 +6434,7 @@
         </p:nvCxnSpPr>
         <p:spPr>
           <a:xfrm rot="5400000">
-            <a:off x="19799264" y="9367006"/>
+            <a:off x="20776756" y="9367006"/>
             <a:ext cx="271126" cy="1"/>
           </a:xfrm>
           <a:prstGeom prst="bentConnector3">
@@ -6436,7 +6472,7 @@
         </p:nvCxnSpPr>
         <p:spPr>
           <a:xfrm rot="5400000">
-            <a:off x="19829469" y="6904625"/>
+            <a:off x="20806961" y="6904625"/>
             <a:ext cx="1892176" cy="1681460"/>
           </a:xfrm>
           <a:prstGeom prst="bentConnector3">
@@ -6471,7 +6507,7 @@
         </p:nvSpPr>
         <p:spPr>
           <a:xfrm>
-            <a:off x="18949664" y="1398130"/>
+            <a:off x="19735378" y="2485951"/>
             <a:ext cx="926325" cy="540000"/>
           </a:xfrm>
           <a:prstGeom prst="rect">
@@ -6639,7 +6675,7 @@
         </p:nvSpPr>
         <p:spPr>
           <a:xfrm>
-            <a:off x="20131458" y="1398130"/>
+            <a:off x="20917172" y="2485951"/>
             <a:ext cx="926325" cy="540000"/>
           </a:xfrm>
           <a:prstGeom prst="rect">
@@ -6742,14 +6778,17 @@
         </p:nvSpPr>
         <p:spPr>
           <a:xfrm>
-            <a:off x="34318627" y="7060408"/>
+            <a:off x="34413633" y="7873795"/>
             <a:ext cx="926325" cy="540000"/>
           </a:xfrm>
           <a:prstGeom prst="rect">
             <a:avLst/>
           </a:prstGeom>
           <a:solidFill>
-            <a:srgbClr val="FF0000"/>
+            <a:schemeClr val="accent1">
+              <a:lumMod val="60000"/>
+              <a:lumOff val="40000"/>
+            </a:schemeClr>
           </a:solidFill>
           <a:ln w="19050"/>
         </p:spPr>
@@ -6924,7 +6963,7 @@
         </p:nvSpPr>
         <p:spPr>
           <a:xfrm>
-            <a:off x="24947021" y="4638264"/>
+            <a:off x="25924513" y="4638264"/>
             <a:ext cx="926325" cy="540000"/>
           </a:xfrm>
           <a:prstGeom prst="rect">
@@ -7027,8 +7066,8 @@
         </p:nvCxnSpPr>
         <p:spPr>
           <a:xfrm rot="5400000">
-            <a:off x="27181139" y="2588259"/>
-            <a:ext cx="279050" cy="3820960"/>
+            <a:off x="28868101" y="1878789"/>
+            <a:ext cx="279050" cy="5239900"/>
           </a:xfrm>
           <a:prstGeom prst="bentConnector3">
             <a:avLst>
@@ -7062,7 +7101,7 @@
         </p:nvSpPr>
         <p:spPr>
           <a:xfrm>
-            <a:off x="26121031" y="4639305"/>
+            <a:off x="27098523" y="4639305"/>
             <a:ext cx="926325" cy="540000"/>
           </a:xfrm>
           <a:prstGeom prst="rect">
@@ -7114,8 +7153,8 @@
         </p:nvCxnSpPr>
         <p:spPr>
           <a:xfrm rot="5400000">
-            <a:off x="27767624" y="3175784"/>
-            <a:ext cx="280091" cy="2646950"/>
+            <a:off x="29454586" y="2466314"/>
+            <a:ext cx="280091" cy="4065890"/>
           </a:xfrm>
           <a:prstGeom prst="bentConnector3">
             <a:avLst>
@@ -7149,7 +7188,7 @@
         </p:nvSpPr>
         <p:spPr>
           <a:xfrm>
-            <a:off x="24939952" y="5431377"/>
+            <a:off x="25917444" y="5431377"/>
             <a:ext cx="926325" cy="540000"/>
           </a:xfrm>
           <a:prstGeom prst="rect">
@@ -7198,7 +7237,7 @@
         </p:nvSpPr>
         <p:spPr>
           <a:xfrm>
-            <a:off x="27304811" y="5431377"/>
+            <a:off x="28282303" y="5431377"/>
             <a:ext cx="926325" cy="540000"/>
           </a:xfrm>
           <a:prstGeom prst="rect">
@@ -7250,7 +7289,7 @@
         </p:nvCxnSpPr>
         <p:spPr>
           <a:xfrm rot="5400000">
-            <a:off x="25867619" y="4714802"/>
+            <a:off x="26845111" y="4714802"/>
             <a:ext cx="252072" cy="1181079"/>
           </a:xfrm>
           <a:prstGeom prst="bentConnector3">
@@ -7288,7 +7327,7 @@
         </p:nvCxnSpPr>
         <p:spPr>
           <a:xfrm rot="16200000" flipH="1">
-            <a:off x="27050048" y="4713451"/>
+            <a:off x="28027540" y="4713451"/>
             <a:ext cx="252072" cy="1183780"/>
           </a:xfrm>
           <a:prstGeom prst="bentConnector3">
@@ -7323,7 +7362,7 @@
         </p:nvSpPr>
         <p:spPr>
           <a:xfrm>
-            <a:off x="26123732" y="5434138"/>
+            <a:off x="27101224" y="5434138"/>
             <a:ext cx="926325" cy="540000"/>
           </a:xfrm>
           <a:prstGeom prst="rect">
@@ -7376,7 +7415,7 @@
         </p:nvSpPr>
         <p:spPr>
           <a:xfrm>
-            <a:off x="25530492" y="6250123"/>
+            <a:off x="26507984" y="6250123"/>
             <a:ext cx="926325" cy="540000"/>
           </a:xfrm>
           <a:prstGeom prst="rect">
@@ -7428,7 +7467,7 @@
         </p:nvCxnSpPr>
         <p:spPr>
           <a:xfrm>
-            <a:off x="26584194" y="5179305"/>
+            <a:off x="27561686" y="5179305"/>
             <a:ext cx="2701" cy="254833"/>
           </a:xfrm>
           <a:prstGeom prst="straightConnector1">
@@ -7461,7 +7500,7 @@
         </p:nvSpPr>
         <p:spPr>
           <a:xfrm>
-            <a:off x="26712921" y="6251617"/>
+            <a:off x="27690413" y="6251617"/>
             <a:ext cx="926325" cy="540000"/>
           </a:xfrm>
           <a:prstGeom prst="rect">
@@ -7513,7 +7552,7 @@
         </p:nvCxnSpPr>
         <p:spPr>
           <a:xfrm rot="5400000">
-            <a:off x="26152283" y="5815510"/>
+            <a:off x="27129775" y="5815510"/>
             <a:ext cx="275985" cy="593240"/>
           </a:xfrm>
           <a:prstGeom prst="bentConnector3">
@@ -7551,7 +7590,7 @@
         </p:nvCxnSpPr>
         <p:spPr>
           <a:xfrm rot="16200000" flipH="1">
-            <a:off x="26742750" y="5818282"/>
+            <a:off x="27720242" y="5818282"/>
             <a:ext cx="277479" cy="589189"/>
           </a:xfrm>
           <a:prstGeom prst="bentConnector3">
@@ -7586,7 +7625,7 @@
         </p:nvSpPr>
         <p:spPr>
           <a:xfrm>
-            <a:off x="23945026" y="5435588"/>
+            <a:off x="24922518" y="5435588"/>
             <a:ext cx="926325" cy="540000"/>
           </a:xfrm>
           <a:prstGeom prst="rect">
@@ -7642,7 +7681,7 @@
         </p:nvCxnSpPr>
         <p:spPr>
           <a:xfrm rot="5400000">
-            <a:off x="23459215" y="5041181"/>
+            <a:off x="24436707" y="5041181"/>
             <a:ext cx="253113" cy="540226"/>
           </a:xfrm>
           <a:prstGeom prst="bentConnector3">
@@ -7680,7 +7719,7 @@
         </p:nvCxnSpPr>
         <p:spPr>
           <a:xfrm rot="16200000" flipH="1">
-            <a:off x="24006611" y="5034010"/>
+            <a:off x="24984103" y="5034010"/>
             <a:ext cx="250850" cy="552305"/>
           </a:xfrm>
           <a:prstGeom prst="bentConnector3">
@@ -7715,7 +7754,7 @@
         </p:nvSpPr>
         <p:spPr>
           <a:xfrm>
-            <a:off x="16621687" y="5443927"/>
+            <a:off x="17669434" y="5429921"/>
             <a:ext cx="926325" cy="540000"/>
           </a:xfrm>
           <a:prstGeom prst="rect">
@@ -7770,8 +7809,8 @@
         </p:nvCxnSpPr>
         <p:spPr>
           <a:xfrm rot="5400000">
-            <a:off x="17802178" y="4459321"/>
-            <a:ext cx="267278" cy="1701934"/>
+            <a:off x="18856927" y="4452320"/>
+            <a:ext cx="253272" cy="1701931"/>
           </a:xfrm>
           <a:prstGeom prst="bentConnector3">
             <a:avLst>
@@ -7805,7 +7844,7 @@
         </p:nvSpPr>
         <p:spPr>
           <a:xfrm>
-            <a:off x="18323619" y="6261876"/>
+            <a:off x="19371366" y="6259267"/>
             <a:ext cx="926325" cy="540000"/>
           </a:xfrm>
           <a:prstGeom prst="rect">
@@ -7859,9 +7898,9 @@
           <p:nvPr/>
         </p:nvCxnSpPr>
         <p:spPr>
-          <a:xfrm rot="5400000">
-            <a:off x="18244170" y="5719261"/>
-            <a:ext cx="1085227" cy="2"/>
+          <a:xfrm rot="16200000" flipH="1">
+            <a:off x="19293219" y="5717957"/>
+            <a:ext cx="1082618" cy="1"/>
           </a:xfrm>
           <a:prstGeom prst="bentConnector3">
             <a:avLst>
@@ -7895,14 +7934,17 @@
         </p:nvSpPr>
         <p:spPr>
           <a:xfrm>
-            <a:off x="33213807" y="7069267"/>
+            <a:off x="33291001" y="7053164"/>
             <a:ext cx="926325" cy="540000"/>
           </a:xfrm>
           <a:prstGeom prst="rect">
             <a:avLst/>
           </a:prstGeom>
           <a:solidFill>
-            <a:srgbClr val="FF0000"/>
+            <a:schemeClr val="accent1">
+              <a:lumMod val="60000"/>
+              <a:lumOff val="40000"/>
+            </a:schemeClr>
           </a:solidFill>
           <a:ln w="19050"/>
         </p:spPr>
@@ -7976,7 +8018,7 @@
         </p:nvCxnSpPr>
         <p:spPr>
           <a:xfrm rot="5400000">
-            <a:off x="27895369" y="9307421"/>
+            <a:off x="28596053" y="9307421"/>
             <a:ext cx="260266" cy="2514"/>
           </a:xfrm>
           <a:prstGeom prst="bentConnector3">
@@ -8008,7 +8050,7 @@
           <p:cNvPr id="130" name="Прямоугольник 129">
             <a:extLst>
               <a:ext uri="{FF2B5EF4-FFF2-40B4-BE49-F238E27FC236}">
-                <a16:creationId xmlns:a16="http://schemas.microsoft.com/office/drawing/2014/main" xmlns="" id="{32EFE5A9-491B-46C7-9CCC-EC70745CA00A}"/>
+                <a16:creationId xmlns="" xmlns:a16="http://schemas.microsoft.com/office/drawing/2014/main" id="{32EFE5A9-491B-46C7-9CCC-EC70745CA00A}"/>
               </a:ext>
             </a:extLst>
           </p:cNvPr>
@@ -8017,7 +8059,7 @@
         </p:nvSpPr>
         <p:spPr>
           <a:xfrm>
-            <a:off x="13019863" y="3827051"/>
+            <a:off x="11333471" y="3827051"/>
             <a:ext cx="926325" cy="540000"/>
           </a:xfrm>
           <a:prstGeom prst="rect">
@@ -8062,7 +8104,7 @@
           <p:cNvPr id="133" name="Прямая соединительная линия 132">
             <a:extLst>
               <a:ext uri="{FF2B5EF4-FFF2-40B4-BE49-F238E27FC236}">
-                <a16:creationId xmlns:a16="http://schemas.microsoft.com/office/drawing/2014/main" xmlns="" id="{B210A86C-E791-474B-AD43-67AC3A2D8E92}"/>
+                <a16:creationId xmlns="" xmlns:a16="http://schemas.microsoft.com/office/drawing/2014/main" id="{B210A86C-E791-474B-AD43-67AC3A2D8E92}"/>
               </a:ext>
             </a:extLst>
           </p:cNvPr>
@@ -8075,8 +8117,8 @@
         </p:nvCxnSpPr>
         <p:spPr>
           <a:xfrm flipV="1">
-            <a:off x="13946188" y="4089214"/>
-            <a:ext cx="14821793" cy="7837"/>
+            <a:off x="12259796" y="4089214"/>
+            <a:ext cx="18904617" cy="7837"/>
           </a:xfrm>
           <a:prstGeom prst="line">
             <a:avLst/>
@@ -8107,7 +8149,7 @@
           <p:cNvPr id="107" name="Прямоугольник 106">
             <a:extLst>
               <a:ext uri="{FF2B5EF4-FFF2-40B4-BE49-F238E27FC236}">
-                <a16:creationId xmlns:a16="http://schemas.microsoft.com/office/drawing/2014/main" xmlns="" id="{B2FF6737-5293-4F39-BB5E-A666306D5E15}"/>
+                <a16:creationId xmlns="" xmlns:a16="http://schemas.microsoft.com/office/drawing/2014/main" id="{B2FF6737-5293-4F39-BB5E-A666306D5E15}"/>
               </a:ext>
             </a:extLst>
           </p:cNvPr>
@@ -8116,7 +8158,7 @@
         </p:nvSpPr>
         <p:spPr>
           <a:xfrm>
-            <a:off x="13165221" y="6233241"/>
+            <a:off x="11478829" y="6233241"/>
             <a:ext cx="926325" cy="540000"/>
           </a:xfrm>
           <a:prstGeom prst="rect">
@@ -8171,7 +8213,7 @@
           <p:cNvPr id="112" name="Прямоугольник 111">
             <a:extLst>
               <a:ext uri="{FF2B5EF4-FFF2-40B4-BE49-F238E27FC236}">
-                <a16:creationId xmlns:a16="http://schemas.microsoft.com/office/drawing/2014/main" xmlns="" id="{2B34BD92-035E-496F-BA59-E167AF97AB50}"/>
+                <a16:creationId xmlns="" xmlns:a16="http://schemas.microsoft.com/office/drawing/2014/main" id="{2B34BD92-035E-496F-BA59-E167AF97AB50}"/>
               </a:ext>
             </a:extLst>
           </p:cNvPr>
@@ -8180,7 +8222,7 @@
         </p:nvSpPr>
         <p:spPr>
           <a:xfrm>
-            <a:off x="13165220" y="7069267"/>
+            <a:off x="11478828" y="7069267"/>
             <a:ext cx="926325" cy="540000"/>
           </a:xfrm>
           <a:prstGeom prst="rect">
@@ -8235,7 +8277,7 @@
           <p:cNvPr id="135" name="Прямоугольник 134">
             <a:extLst>
               <a:ext uri="{FF2B5EF4-FFF2-40B4-BE49-F238E27FC236}">
-                <a16:creationId xmlns:a16="http://schemas.microsoft.com/office/drawing/2014/main" xmlns="" id="{3F73D485-85C1-4021-BF3A-F98C9D79AF9E}"/>
+                <a16:creationId xmlns="" xmlns:a16="http://schemas.microsoft.com/office/drawing/2014/main" id="{3F73D485-85C1-4021-BF3A-F98C9D79AF9E}"/>
               </a:ext>
             </a:extLst>
           </p:cNvPr>
@@ -8244,14 +8286,17 @@
         </p:nvSpPr>
         <p:spPr>
           <a:xfrm>
-            <a:off x="33213807" y="6263408"/>
+            <a:off x="33285063" y="6263408"/>
             <a:ext cx="926325" cy="540000"/>
           </a:xfrm>
           <a:prstGeom prst="rect">
             <a:avLst/>
           </a:prstGeom>
           <a:solidFill>
-            <a:srgbClr val="FF0000"/>
+            <a:schemeClr val="accent1">
+              <a:lumMod val="60000"/>
+              <a:lumOff val="40000"/>
+            </a:schemeClr>
           </a:solidFill>
           <a:ln w="19050"/>
         </p:spPr>
@@ -8287,7 +8332,7 @@
           <p:cNvPr id="153" name="Прямая соединительная линия 152">
             <a:extLst>
               <a:ext uri="{FF2B5EF4-FFF2-40B4-BE49-F238E27FC236}">
-                <a16:creationId xmlns:a16="http://schemas.microsoft.com/office/drawing/2014/main" xmlns="" id="{44D5A13D-ED90-4D47-9D98-6095F6E2D8DD}"/>
+                <a16:creationId xmlns="" xmlns:a16="http://schemas.microsoft.com/office/drawing/2014/main" id="{44D5A13D-ED90-4D47-9D98-6095F6E2D8DD}"/>
               </a:ext>
             </a:extLst>
           </p:cNvPr>
@@ -8300,8 +8345,8 @@
         </p:nvCxnSpPr>
         <p:spPr>
           <a:xfrm>
-            <a:off x="29704510" y="6533408"/>
-            <a:ext cx="3509297" cy="0"/>
+            <a:off x="30405194" y="6533408"/>
+            <a:ext cx="2879869" cy="0"/>
           </a:xfrm>
           <a:prstGeom prst="line">
             <a:avLst/>
@@ -8332,7 +8377,7 @@
           <p:cNvPr id="154" name="Прямоугольник 153">
             <a:extLst>
               <a:ext uri="{FF2B5EF4-FFF2-40B4-BE49-F238E27FC236}">
-                <a16:creationId xmlns:a16="http://schemas.microsoft.com/office/drawing/2014/main" xmlns="" id="{1DE535CF-D5C4-47EA-8554-CD69456F19F1}"/>
+                <a16:creationId xmlns="" xmlns:a16="http://schemas.microsoft.com/office/drawing/2014/main" id="{1DE535CF-D5C4-47EA-8554-CD69456F19F1}"/>
               </a:ext>
             </a:extLst>
           </p:cNvPr>
@@ -8341,7 +8386,7 @@
         </p:nvSpPr>
         <p:spPr>
           <a:xfrm>
-            <a:off x="28745892" y="8638545"/>
+            <a:off x="29446576" y="8638545"/>
             <a:ext cx="926325" cy="540000"/>
           </a:xfrm>
           <a:prstGeom prst="rect">
@@ -8394,7 +8439,7 @@
           <p:cNvPr id="155" name="Прямоугольник 154">
             <a:extLst>
               <a:ext uri="{FF2B5EF4-FFF2-40B4-BE49-F238E27FC236}">
-                <a16:creationId xmlns:a16="http://schemas.microsoft.com/office/drawing/2014/main" xmlns="" id="{AE63F9D4-E3FE-49AD-A901-494855E870B6}"/>
+                <a16:creationId xmlns="" xmlns:a16="http://schemas.microsoft.com/office/drawing/2014/main" id="{AE63F9D4-E3FE-49AD-A901-494855E870B6}"/>
               </a:ext>
             </a:extLst>
           </p:cNvPr>
@@ -8403,7 +8448,7 @@
         </p:nvSpPr>
         <p:spPr>
           <a:xfrm>
-            <a:off x="28745890" y="9440213"/>
+            <a:off x="29446574" y="9440213"/>
             <a:ext cx="926325" cy="540000"/>
           </a:xfrm>
           <a:prstGeom prst="rect">
@@ -8456,7 +8501,7 @@
           <p:cNvPr id="156" name="Прямоугольник 155">
             <a:extLst>
               <a:ext uri="{FF2B5EF4-FFF2-40B4-BE49-F238E27FC236}">
-                <a16:creationId xmlns:a16="http://schemas.microsoft.com/office/drawing/2014/main" xmlns="" id="{6EDC6DCB-25E6-4101-87E3-6FE8795BB9DC}"/>
+                <a16:creationId xmlns="" xmlns:a16="http://schemas.microsoft.com/office/drawing/2014/main" id="{6EDC6DCB-25E6-4101-87E3-6FE8795BB9DC}"/>
               </a:ext>
             </a:extLst>
           </p:cNvPr>
@@ -8465,7 +8510,7 @@
         </p:nvSpPr>
         <p:spPr>
           <a:xfrm>
-            <a:off x="28753451" y="10225818"/>
+            <a:off x="29454135" y="10225818"/>
             <a:ext cx="926325" cy="540000"/>
           </a:xfrm>
           <a:prstGeom prst="rect">
@@ -8526,7 +8571,7 @@
           <p:cNvPr id="157" name="Соединительная линия уступом 59">
             <a:extLst>
               <a:ext uri="{FF2B5EF4-FFF2-40B4-BE49-F238E27FC236}">
-                <a16:creationId xmlns:a16="http://schemas.microsoft.com/office/drawing/2014/main" xmlns="" id="{ED19BEBE-D154-4028-B840-BC4A19EBF25A}"/>
+                <a16:creationId xmlns="" xmlns:a16="http://schemas.microsoft.com/office/drawing/2014/main" id="{ED19BEBE-D154-4028-B840-BC4A19EBF25A}"/>
               </a:ext>
             </a:extLst>
           </p:cNvPr>
@@ -8539,8 +8584,8 @@
         </p:nvCxnSpPr>
         <p:spPr>
           <a:xfrm rot="5400000">
-            <a:off x="30295972" y="4939726"/>
-            <a:ext cx="269059" cy="2378305"/>
+            <a:off x="30646314" y="5290068"/>
+            <a:ext cx="269059" cy="1677621"/>
           </a:xfrm>
           <a:prstGeom prst="bentConnector3">
             <a:avLst>
@@ -8571,7 +8616,7 @@
           <p:cNvPr id="158" name="Соединительная линия уступом 59">
             <a:extLst>
               <a:ext uri="{FF2B5EF4-FFF2-40B4-BE49-F238E27FC236}">
-                <a16:creationId xmlns:a16="http://schemas.microsoft.com/office/drawing/2014/main" xmlns="" id="{7066AE11-5134-458C-89E0-082A59BB1B0F}"/>
+                <a16:creationId xmlns="" xmlns:a16="http://schemas.microsoft.com/office/drawing/2014/main" id="{7066AE11-5134-458C-89E0-082A59BB1B0F}"/>
               </a:ext>
             </a:extLst>
           </p:cNvPr>
@@ -8584,8 +8629,8 @@
         </p:nvCxnSpPr>
         <p:spPr>
           <a:xfrm rot="16200000" flipH="1">
-            <a:off x="32513782" y="5100219"/>
-            <a:ext cx="269059" cy="2057317"/>
+            <a:off x="32549410" y="5064591"/>
+            <a:ext cx="269059" cy="2128573"/>
           </a:xfrm>
           <a:prstGeom prst="bentConnector3">
             <a:avLst>
@@ -8616,7 +8661,7 @@
           <p:cNvPr id="159" name="Прямоугольник 158">
             <a:extLst>
               <a:ext uri="{FF2B5EF4-FFF2-40B4-BE49-F238E27FC236}">
-                <a16:creationId xmlns:a16="http://schemas.microsoft.com/office/drawing/2014/main" xmlns="" id="{691AD626-DD8A-4A61-A88C-B3EB5598250C}"/>
+                <a16:creationId xmlns="" xmlns:a16="http://schemas.microsoft.com/office/drawing/2014/main" id="{691AD626-DD8A-4A61-A88C-B3EB5598250C}"/>
               </a:ext>
             </a:extLst>
           </p:cNvPr>
@@ -8625,7 +8670,85 @@
         </p:nvSpPr>
         <p:spPr>
           <a:xfrm>
-            <a:off x="29302663" y="7874808"/>
+            <a:off x="30003347" y="7874808"/>
+            <a:ext cx="926325" cy="540000"/>
+          </a:xfrm>
+          <a:prstGeom prst="rect">
+            <a:avLst/>
+          </a:prstGeom>
+          <a:gradFill>
+            <a:gsLst>
+              <a:gs pos="0">
+                <a:schemeClr val="accent1">
+                  <a:tint val="66000"/>
+                  <a:satMod val="160000"/>
+                </a:schemeClr>
+              </a:gs>
+              <a:gs pos="100000">
+                <a:srgbClr val="FF0000"/>
+              </a:gs>
+            </a:gsLst>
+            <a:lin ang="5400000" scaled="0"/>
+          </a:gradFill>
+          <a:ln w="19050"/>
+        </p:spPr>
+        <p:style>
+          <a:lnRef idx="2">
+            <a:schemeClr val="accent1"/>
+          </a:lnRef>
+          <a:fillRef idx="1">
+            <a:schemeClr val="lt1"/>
+          </a:fillRef>
+          <a:effectRef idx="0">
+            <a:schemeClr val="accent1"/>
+          </a:effectRef>
+          <a:fontRef idx="minor">
+            <a:schemeClr val="dk1"/>
+          </a:fontRef>
+        </p:style>
+        <p:txBody>
+          <a:bodyPr lIns="124733" tIns="62367" rIns="124733" bIns="62367" rtlCol="0" anchor="ctr"/>
+          <a:lstStyle/>
+          <a:p>
+            <a:pPr algn="ctr"/>
+            <a:r>
+              <a:rPr lang="ru-RU" sz="700" dirty="0"/>
+              <a:t>Запретить ПОУМ (Правительство </a:t>
+            </a:r>
+            <a:r>
+              <a:rPr lang="ru-RU" sz="700" dirty="0" err="1"/>
+              <a:t>Прието</a:t>
+            </a:r>
+            <a:r>
+              <a:rPr lang="ru-RU" sz="700" dirty="0"/>
+              <a:t> и </a:t>
+            </a:r>
+            <a:r>
+              <a:rPr lang="ru-RU" sz="700" dirty="0" err="1"/>
+              <a:t>Негрина</a:t>
+            </a:r>
+            <a:r>
+              <a:rPr lang="ru-RU" sz="700" dirty="0"/>
+              <a:t>)</a:t>
+            </a:r>
+          </a:p>
+        </p:txBody>
+      </p:sp>
+      <p:sp>
+        <p:nvSpPr>
+          <p:cNvPr id="160" name="Прямоугольник 159">
+            <a:extLst>
+              <a:ext uri="{FF2B5EF4-FFF2-40B4-BE49-F238E27FC236}">
+                <a16:creationId xmlns="" xmlns:a16="http://schemas.microsoft.com/office/drawing/2014/main" id="{2A50D594-2C2E-4BDC-8F6D-0BE0FE128D99}"/>
+              </a:ext>
+            </a:extLst>
+          </p:cNvPr>
+          <p:cNvSpPr/>
+          <p:nvPr/>
+        </p:nvSpPr>
+        <p:spPr>
+          <a:xfrm>
+            <a:off x="28898529" y="7878311"/>
             <a:ext cx="926325" cy="540000"/>
           </a:xfrm>
           <a:prstGeom prst="rect">
@@ -8660,90 +8783,45 @@
             <a:pPr algn="ctr"/>
             <a:r>
               <a:rPr lang="ru-RU" sz="700" dirty="0"/>
-              <a:t>Запретить ПОУМ (Правительство </a:t>
-            </a:r>
-            <a:r>
-              <a:rPr lang="ru-RU" sz="700" dirty="0" err="1"/>
-              <a:t>Прието</a:t>
-            </a:r>
-            <a:r>
-              <a:rPr lang="ru-RU" sz="700" dirty="0"/>
-              <a:t> и </a:t>
-            </a:r>
-            <a:r>
-              <a:rPr lang="ru-RU" sz="700" dirty="0" err="1"/>
-              <a:t>Негрина</a:t>
-            </a:r>
-            <a:r>
-              <a:rPr lang="ru-RU" sz="700" dirty="0"/>
-              <a:t>)</a:t>
-            </a:r>
-          </a:p>
-        </p:txBody>
-      </p:sp>
-      <p:sp>
-        <p:nvSpPr>
-          <p:cNvPr id="160" name="Прямоугольник 159">
-            <a:extLst>
-              <a:ext uri="{FF2B5EF4-FFF2-40B4-BE49-F238E27FC236}">
-                <a16:creationId xmlns:a16="http://schemas.microsoft.com/office/drawing/2014/main" xmlns="" id="{2A50D594-2C2E-4BDC-8F6D-0BE0FE128D99}"/>
-              </a:ext>
-            </a:extLst>
-          </p:cNvPr>
-          <p:cNvSpPr/>
-          <p:nvPr/>
-        </p:nvSpPr>
-        <p:spPr>
-          <a:xfrm>
-            <a:off x="28197845" y="7878311"/>
-            <a:ext cx="926325" cy="540000"/>
-          </a:xfrm>
-          <a:prstGeom prst="rect">
-            <a:avLst/>
-          </a:prstGeom>
-          <a:solidFill>
-            <a:schemeClr val="accent1">
-              <a:lumMod val="60000"/>
-              <a:lumOff val="40000"/>
-            </a:schemeClr>
-          </a:solidFill>
-          <a:ln w="19050"/>
-        </p:spPr>
-        <p:style>
-          <a:lnRef idx="2">
-            <a:schemeClr val="accent1"/>
-          </a:lnRef>
-          <a:fillRef idx="1">
-            <a:schemeClr val="lt1"/>
-          </a:fillRef>
-          <a:effectRef idx="0">
-            <a:schemeClr val="accent1"/>
-          </a:effectRef>
-          <a:fontRef idx="minor">
-            <a:schemeClr val="dk1"/>
-          </a:fontRef>
-        </p:style>
-        <p:txBody>
-          <a:bodyPr lIns="124733" tIns="62367" rIns="124733" bIns="62367" rtlCol="0" anchor="ctr"/>
-          <a:lstStyle/>
-          <a:p>
-            <a:pPr algn="ctr"/>
-            <a:r>
-              <a:rPr lang="ru-RU" sz="700" dirty="0"/>
-              <a:t>Противостоять просоветской политике (</a:t>
-            </a:r>
-            <a:r>
-              <a:rPr lang="en-US" sz="700" dirty="0"/>
+              <a:t>Противостоять просоветской политике </a:t>
+            </a:r>
+            <a:r>
+              <a:rPr lang="ru-RU" sz="400" dirty="0"/>
+              <a:t>(</a:t>
+            </a:r>
+            <a:r>
+              <a:rPr lang="en-US" sz="400" dirty="0"/>
               <a:t>Luis </a:t>
             </a:r>
             <a:r>
-              <a:rPr lang="en-US" sz="700" dirty="0" err="1"/>
+              <a:rPr lang="en-US" sz="400" dirty="0" err="1"/>
               <a:t>Araquistáin</a:t>
             </a:r>
             <a:r>
-              <a:rPr lang="ru-RU" sz="700" dirty="0"/>
-              <a:t> как советник)</a:t>
-            </a:r>
+              <a:rPr lang="ru-RU" sz="400" dirty="0"/>
+              <a:t> как </a:t>
+            </a:r>
+            <a:r>
+              <a:rPr lang="ru-RU" sz="400" dirty="0" smtClean="0"/>
+              <a:t>советник, </a:t>
+            </a:r>
+            <a:r>
+              <a:rPr lang="ru-RU" sz="400" dirty="0" err="1" smtClean="0"/>
+              <a:t>влиняние</a:t>
+            </a:r>
+            <a:r>
+              <a:rPr lang="ru-RU" sz="400" dirty="0" smtClean="0"/>
+              <a:t> </a:t>
+            </a:r>
+            <a:r>
+              <a:rPr lang="ru-RU" sz="400" dirty="0" err="1" smtClean="0"/>
+              <a:t>коминтерна</a:t>
+            </a:r>
+            <a:r>
+              <a:rPr lang="ru-RU" sz="400" dirty="0" smtClean="0"/>
+              <a:t> должно быть убрано)</a:t>
+            </a:r>
+            <a:endParaRPr lang="ru-RU" sz="400" dirty="0"/>
           </a:p>
         </p:txBody>
       </p:sp>
@@ -8752,7 +8830,7 @@
           <p:cNvPr id="161" name="Прямая соединительная линия 160">
             <a:extLst>
               <a:ext uri="{FF2B5EF4-FFF2-40B4-BE49-F238E27FC236}">
-                <a16:creationId xmlns:a16="http://schemas.microsoft.com/office/drawing/2014/main" xmlns="" id="{BF4D2C3F-BCB4-485D-98D8-A6C1B37BA272}"/>
+                <a16:creationId xmlns="" xmlns:a16="http://schemas.microsoft.com/office/drawing/2014/main" id="{BF4D2C3F-BCB4-485D-98D8-A6C1B37BA272}"/>
               </a:ext>
             </a:extLst>
           </p:cNvPr>
@@ -8765,7 +8843,7 @@
         </p:nvCxnSpPr>
         <p:spPr>
           <a:xfrm flipV="1">
-            <a:off x="29124170" y="8144808"/>
+            <a:off x="29824854" y="8144808"/>
             <a:ext cx="178493" cy="3503"/>
           </a:xfrm>
           <a:prstGeom prst="line">
@@ -8797,7 +8875,7 @@
           <p:cNvPr id="162" name="Прямоугольник 161">
             <a:extLst>
               <a:ext uri="{FF2B5EF4-FFF2-40B4-BE49-F238E27FC236}">
-                <a16:creationId xmlns:a16="http://schemas.microsoft.com/office/drawing/2014/main" xmlns="" id="{0F278698-6314-41F4-905C-AAC488F37EAD}"/>
+                <a16:creationId xmlns="" xmlns:a16="http://schemas.microsoft.com/office/drawing/2014/main" id="{0F278698-6314-41F4-905C-AAC488F37EAD}"/>
               </a:ext>
             </a:extLst>
           </p:cNvPr>
@@ -8806,7 +8884,7 @@
         </p:nvSpPr>
         <p:spPr>
           <a:xfrm>
-            <a:off x="27561082" y="9438811"/>
+            <a:off x="28261766" y="9438811"/>
             <a:ext cx="926325" cy="540000"/>
           </a:xfrm>
           <a:prstGeom prst="rect">
@@ -8867,7 +8945,7 @@
           <p:cNvPr id="163" name="Соединительная линия уступом 59">
             <a:extLst>
               <a:ext uri="{FF2B5EF4-FFF2-40B4-BE49-F238E27FC236}">
-                <a16:creationId xmlns:a16="http://schemas.microsoft.com/office/drawing/2014/main" xmlns="" id="{41E480A3-A812-4731-BA0E-CEBFE1B527FF}"/>
+                <a16:creationId xmlns="" xmlns:a16="http://schemas.microsoft.com/office/drawing/2014/main" id="{41E480A3-A812-4731-BA0E-CEBFE1B527FF}"/>
               </a:ext>
             </a:extLst>
           </p:cNvPr>
@@ -8880,7 +8958,7 @@
         </p:nvCxnSpPr>
         <p:spPr>
           <a:xfrm rot="5400000">
-            <a:off x="28233767" y="8211304"/>
+            <a:off x="28934451" y="8211304"/>
             <a:ext cx="220234" cy="634249"/>
           </a:xfrm>
           <a:prstGeom prst="bentConnector3">
@@ -8912,7 +8990,7 @@
           <p:cNvPr id="164" name="Прямоугольник 163">
             <a:extLst>
               <a:ext uri="{FF2B5EF4-FFF2-40B4-BE49-F238E27FC236}">
-                <a16:creationId xmlns:a16="http://schemas.microsoft.com/office/drawing/2014/main" xmlns="" id="{817CA413-A4A0-4A2F-9F7B-77FC6A4148F5}"/>
+                <a16:creationId xmlns="" xmlns:a16="http://schemas.microsoft.com/office/drawing/2014/main" id="{817CA413-A4A0-4A2F-9F7B-77FC6A4148F5}"/>
               </a:ext>
             </a:extLst>
           </p:cNvPr>
@@ -8921,7 +8999,7 @@
         </p:nvSpPr>
         <p:spPr>
           <a:xfrm>
-            <a:off x="27563596" y="8638545"/>
+            <a:off x="28264280" y="8638545"/>
             <a:ext cx="926325" cy="540000"/>
           </a:xfrm>
           <a:prstGeom prst="rect">
@@ -9003,7 +9081,7 @@
           <p:cNvPr id="165" name="Прямоугольник 164">
             <a:extLst>
               <a:ext uri="{FF2B5EF4-FFF2-40B4-BE49-F238E27FC236}">
-                <a16:creationId xmlns:a16="http://schemas.microsoft.com/office/drawing/2014/main" xmlns="" id="{FF2ECD0E-F830-493C-924F-6B0B2E2E822E}"/>
+                <a16:creationId xmlns="" xmlns:a16="http://schemas.microsoft.com/office/drawing/2014/main" id="{FF2ECD0E-F830-493C-924F-6B0B2E2E822E}"/>
               </a:ext>
             </a:extLst>
           </p:cNvPr>
@@ -9012,7 +9090,7 @@
         </p:nvSpPr>
         <p:spPr>
           <a:xfrm>
-            <a:off x="28197844" y="7060624"/>
+            <a:off x="28898528" y="7060624"/>
             <a:ext cx="926325" cy="540000"/>
           </a:xfrm>
           <a:prstGeom prst="rect">
@@ -9047,11 +9125,7 @@
             <a:pPr algn="ctr"/>
             <a:r>
               <a:rPr lang="ru-RU" sz="700" dirty="0"/>
-              <a:t>«Правительство победы» (наше</a:t>
-            </a:r>
-            <a:r>
-              <a:rPr lang="ru-RU" sz="700" dirty="0"/>
-              <a:t>) </a:t>
+              <a:t>«Правительство победы» (наше) </a:t>
             </a:r>
             <a:r>
               <a:rPr lang="ru-RU" sz="100" dirty="0"/>
@@ -9218,7 +9292,7 @@
           <p:cNvPr id="166" name="Прямоугольник 165">
             <a:extLst>
               <a:ext uri="{FF2B5EF4-FFF2-40B4-BE49-F238E27FC236}">
-                <a16:creationId xmlns:a16="http://schemas.microsoft.com/office/drawing/2014/main" xmlns="" id="{1237210D-3F71-4FFB-898E-68BAEFE6FDDA}"/>
+                <a16:creationId xmlns="" xmlns:a16="http://schemas.microsoft.com/office/drawing/2014/main" id="{1237210D-3F71-4FFB-898E-68BAEFE6FDDA}"/>
               </a:ext>
             </a:extLst>
           </p:cNvPr>
@@ -9227,7 +9301,7 @@
         </p:nvSpPr>
         <p:spPr>
           <a:xfrm>
-            <a:off x="29302664" y="7060624"/>
+            <a:off x="30003348" y="7060624"/>
             <a:ext cx="926325" cy="540000"/>
           </a:xfrm>
           <a:prstGeom prst="rect">
@@ -9272,7 +9346,7 @@
           <p:cNvPr id="167" name="Соединительная линия уступом 59">
             <a:extLst>
               <a:ext uri="{FF2B5EF4-FFF2-40B4-BE49-F238E27FC236}">
-                <a16:creationId xmlns:a16="http://schemas.microsoft.com/office/drawing/2014/main" xmlns="" id="{8BF20860-5267-4C89-9A69-5F2FF8043CE3}"/>
+                <a16:creationId xmlns="" xmlns:a16="http://schemas.microsoft.com/office/drawing/2014/main" id="{8BF20860-5267-4C89-9A69-5F2FF8043CE3}"/>
               </a:ext>
             </a:extLst>
           </p:cNvPr>
@@ -9285,7 +9359,7 @@
         </p:nvCxnSpPr>
         <p:spPr>
           <a:xfrm rot="5400000">
-            <a:off x="28822570" y="6641846"/>
+            <a:off x="29523254" y="6641846"/>
             <a:ext cx="257216" cy="580341"/>
           </a:xfrm>
           <a:prstGeom prst="bentConnector3">
@@ -9317,7 +9391,7 @@
           <p:cNvPr id="168" name="Соединительная линия уступом 59">
             <a:extLst>
               <a:ext uri="{FF2B5EF4-FFF2-40B4-BE49-F238E27FC236}">
-                <a16:creationId xmlns:a16="http://schemas.microsoft.com/office/drawing/2014/main" xmlns="" id="{8BB7AA36-FD11-40F3-952A-FDE960A6929F}"/>
+                <a16:creationId xmlns="" xmlns:a16="http://schemas.microsoft.com/office/drawing/2014/main" id="{8BB7AA36-FD11-40F3-952A-FDE960A6929F}"/>
               </a:ext>
             </a:extLst>
           </p:cNvPr>
@@ -9330,7 +9404,7 @@
         </p:nvCxnSpPr>
         <p:spPr>
           <a:xfrm rot="16200000" flipH="1">
-            <a:off x="29374979" y="6669776"/>
+            <a:off x="30075663" y="6669776"/>
             <a:ext cx="257216" cy="524479"/>
           </a:xfrm>
           <a:prstGeom prst="bentConnector3">
@@ -9362,7 +9436,7 @@
           <p:cNvPr id="169" name="Соединительная линия уступом 60">
             <a:extLst>
               <a:ext uri="{FF2B5EF4-FFF2-40B4-BE49-F238E27FC236}">
-                <a16:creationId xmlns:a16="http://schemas.microsoft.com/office/drawing/2014/main" xmlns="" id="{504572F0-7FA5-4F81-9D4B-C3FB5F7E24A6}"/>
+                <a16:creationId xmlns="" xmlns:a16="http://schemas.microsoft.com/office/drawing/2014/main" id="{504572F0-7FA5-4F81-9D4B-C3FB5F7E24A6}"/>
               </a:ext>
             </a:extLst>
           </p:cNvPr>
@@ -9375,7 +9449,7 @@
         </p:nvCxnSpPr>
         <p:spPr>
           <a:xfrm rot="16200000" flipH="1">
-            <a:off x="28522164" y="7739466"/>
+            <a:off x="29222848" y="7739466"/>
             <a:ext cx="277687" cy="1"/>
           </a:xfrm>
           <a:prstGeom prst="bentConnector3">
@@ -9407,7 +9481,7 @@
           <p:cNvPr id="171" name="Соединительная линия уступом 123">
             <a:extLst>
               <a:ext uri="{FF2B5EF4-FFF2-40B4-BE49-F238E27FC236}">
-                <a16:creationId xmlns:a16="http://schemas.microsoft.com/office/drawing/2014/main" xmlns="" id="{0DD383AF-7358-4D05-9F30-B6B41AF854DB}"/>
+                <a16:creationId xmlns="" xmlns:a16="http://schemas.microsoft.com/office/drawing/2014/main" id="{0DD383AF-7358-4D05-9F30-B6B41AF854DB}"/>
               </a:ext>
             </a:extLst>
           </p:cNvPr>
@@ -9420,7 +9494,7 @@
         </p:nvCxnSpPr>
         <p:spPr>
           <a:xfrm rot="5400000">
-            <a:off x="29078220" y="9309378"/>
+            <a:off x="29778904" y="9309378"/>
             <a:ext cx="261668" cy="2"/>
           </a:xfrm>
           <a:prstGeom prst="bentConnector3">
@@ -9452,7 +9526,7 @@
           <p:cNvPr id="173" name="Соединительная линия уступом 123">
             <a:extLst>
               <a:ext uri="{FF2B5EF4-FFF2-40B4-BE49-F238E27FC236}">
-                <a16:creationId xmlns:a16="http://schemas.microsoft.com/office/drawing/2014/main" xmlns="" id="{08826EB2-04D8-4B9D-A85C-F5AB140406B1}"/>
+                <a16:creationId xmlns="" xmlns:a16="http://schemas.microsoft.com/office/drawing/2014/main" id="{08826EB2-04D8-4B9D-A85C-F5AB140406B1}"/>
               </a:ext>
             </a:extLst>
           </p:cNvPr>
@@ -9465,7 +9539,7 @@
         </p:nvCxnSpPr>
         <p:spPr>
           <a:xfrm rot="16200000" flipH="1">
-            <a:off x="29090031" y="10099234"/>
+            <a:off x="29790715" y="10099234"/>
             <a:ext cx="245605" cy="7561"/>
           </a:xfrm>
           <a:prstGeom prst="bentConnector3">
@@ -9497,7 +9571,7 @@
           <p:cNvPr id="177" name="Соединительная линия уступом 59">
             <a:extLst>
               <a:ext uri="{FF2B5EF4-FFF2-40B4-BE49-F238E27FC236}">
-                <a16:creationId xmlns:a16="http://schemas.microsoft.com/office/drawing/2014/main" xmlns="" id="{76206442-5802-4ECC-89FF-725CB9831F7E}"/>
+                <a16:creationId xmlns="" xmlns:a16="http://schemas.microsoft.com/office/drawing/2014/main" id="{76206442-5802-4ECC-89FF-725CB9831F7E}"/>
               </a:ext>
             </a:extLst>
           </p:cNvPr>
@@ -9510,7 +9584,7 @@
         </p:nvCxnSpPr>
         <p:spPr>
           <a:xfrm rot="16200000" flipH="1">
-            <a:off x="29076324" y="7185306"/>
+            <a:off x="29777008" y="7185306"/>
             <a:ext cx="274184" cy="1104819"/>
           </a:xfrm>
           <a:prstGeom prst="bentConnector3">
@@ -9519,6 +9593,7 @@
             </a:avLst>
           </a:prstGeom>
           <a:ln w="19050">
+            <a:prstDash val="dash"/>
             <a:tailEnd type="arrow"/>
           </a:ln>
         </p:spPr>
@@ -9542,7 +9617,7 @@
           <p:cNvPr id="180" name="Прямоугольник 179">
             <a:extLst>
               <a:ext uri="{FF2B5EF4-FFF2-40B4-BE49-F238E27FC236}">
-                <a16:creationId xmlns:a16="http://schemas.microsoft.com/office/drawing/2014/main" xmlns="" id="{7DAEAC1F-B20B-46CD-B818-99851DE5EF87}"/>
+                <a16:creationId xmlns="" xmlns:a16="http://schemas.microsoft.com/office/drawing/2014/main" id="{7DAEAC1F-B20B-46CD-B818-99851DE5EF87}"/>
               </a:ext>
             </a:extLst>
           </p:cNvPr>
@@ -9551,7 +9626,7 @@
         </p:nvSpPr>
         <p:spPr>
           <a:xfrm>
-            <a:off x="29928187" y="8638545"/>
+            <a:off x="30628871" y="8638545"/>
             <a:ext cx="926325" cy="540000"/>
           </a:xfrm>
           <a:prstGeom prst="rect">
@@ -9596,7 +9671,7 @@
           <p:cNvPr id="181" name="Соединительная линия уступом 59">
             <a:extLst>
               <a:ext uri="{FF2B5EF4-FFF2-40B4-BE49-F238E27FC236}">
-                <a16:creationId xmlns:a16="http://schemas.microsoft.com/office/drawing/2014/main" xmlns="" id="{146CBA15-0EC9-4B49-9151-897C0373358B}"/>
+                <a16:creationId xmlns="" xmlns:a16="http://schemas.microsoft.com/office/drawing/2014/main" id="{146CBA15-0EC9-4B49-9151-897C0373358B}"/>
               </a:ext>
             </a:extLst>
           </p:cNvPr>
@@ -9609,7 +9684,7 @@
         </p:nvCxnSpPr>
         <p:spPr>
           <a:xfrm rot="16200000" flipH="1">
-            <a:off x="29966720" y="8213914"/>
+            <a:off x="30667404" y="8213914"/>
             <a:ext cx="223737" cy="625524"/>
           </a:xfrm>
           <a:prstGeom prst="bentConnector3">
@@ -9641,7 +9716,7 @@
           <p:cNvPr id="184" name="Соединительная линия уступом 59">
             <a:extLst>
               <a:ext uri="{FF2B5EF4-FFF2-40B4-BE49-F238E27FC236}">
-                <a16:creationId xmlns:a16="http://schemas.microsoft.com/office/drawing/2014/main" xmlns="" id="{C84E4D7F-D864-4DC0-BB2F-86D444193691}"/>
+                <a16:creationId xmlns="" xmlns:a16="http://schemas.microsoft.com/office/drawing/2014/main" id="{C84E4D7F-D864-4DC0-BB2F-86D444193691}"/>
               </a:ext>
             </a:extLst>
           </p:cNvPr>
@@ -9654,7 +9729,7 @@
         </p:nvCxnSpPr>
         <p:spPr>
           <a:xfrm rot="5400000">
-            <a:off x="29375573" y="8248291"/>
+            <a:off x="30076257" y="8248291"/>
             <a:ext cx="223737" cy="556771"/>
           </a:xfrm>
           <a:prstGeom prst="bentConnector3">
@@ -9687,7 +9762,7 @@
           <p:cNvPr id="187" name="Соединительная линия уступом 59">
             <a:extLst>
               <a:ext uri="{FF2B5EF4-FFF2-40B4-BE49-F238E27FC236}">
-                <a16:creationId xmlns:a16="http://schemas.microsoft.com/office/drawing/2014/main" xmlns="" id="{047E7F83-180D-4C03-BC66-692FB1C56DBF}"/>
+                <a16:creationId xmlns="" xmlns:a16="http://schemas.microsoft.com/office/drawing/2014/main" id="{047E7F83-180D-4C03-BC66-692FB1C56DBF}"/>
               </a:ext>
             </a:extLst>
           </p:cNvPr>
@@ -9700,7 +9775,7 @@
         </p:nvCxnSpPr>
         <p:spPr>
           <a:xfrm rot="16200000" flipH="1">
-            <a:off x="28824914" y="8254404"/>
+            <a:off x="29525598" y="8254404"/>
             <a:ext cx="220234" cy="548047"/>
           </a:xfrm>
           <a:prstGeom prst="bentConnector3">
@@ -9733,7 +9808,7 @@
           <p:cNvPr id="200" name="Прямоугольник 199">
             <a:extLst>
               <a:ext uri="{FF2B5EF4-FFF2-40B4-BE49-F238E27FC236}">
-                <a16:creationId xmlns:a16="http://schemas.microsoft.com/office/drawing/2014/main" xmlns="" id="{E605C39C-68E5-47BE-BB9B-455D1E372FDC}"/>
+                <a16:creationId xmlns="" xmlns:a16="http://schemas.microsoft.com/office/drawing/2014/main" id="{E605C39C-68E5-47BE-BB9B-455D1E372FDC}"/>
               </a:ext>
             </a:extLst>
           </p:cNvPr>
@@ -9742,7 +9817,7 @@
         </p:nvSpPr>
         <p:spPr>
           <a:xfrm>
-            <a:off x="30495615" y="7060408"/>
+            <a:off x="27687746" y="7055980"/>
             <a:ext cx="926325" cy="540000"/>
           </a:xfrm>
           <a:prstGeom prst="rect">
@@ -9787,7 +9862,7 @@
           <p:cNvPr id="201" name="Прямоугольник 200">
             <a:extLst>
               <a:ext uri="{FF2B5EF4-FFF2-40B4-BE49-F238E27FC236}">
-                <a16:creationId xmlns:a16="http://schemas.microsoft.com/office/drawing/2014/main" xmlns="" id="{7F4404B0-4AD2-46F4-AED9-158653BD1476}"/>
+                <a16:creationId xmlns="" xmlns:a16="http://schemas.microsoft.com/office/drawing/2014/main" id="{7F4404B0-4AD2-46F4-AED9-158653BD1476}"/>
               </a:ext>
             </a:extLst>
           </p:cNvPr>
@@ -9796,7 +9871,7 @@
         </p:nvSpPr>
         <p:spPr>
           <a:xfrm>
-            <a:off x="30495614" y="7878223"/>
+            <a:off x="27687745" y="7873795"/>
             <a:ext cx="926325" cy="540000"/>
           </a:xfrm>
           <a:prstGeom prst="rect">
@@ -9841,7 +9916,7 @@
           <p:cNvPr id="202" name="Соединительная линия уступом 123">
             <a:extLst>
               <a:ext uri="{FF2B5EF4-FFF2-40B4-BE49-F238E27FC236}">
-                <a16:creationId xmlns:a16="http://schemas.microsoft.com/office/drawing/2014/main" xmlns="" id="{95E12289-D5C4-4A71-B46E-2AB617265BCE}"/>
+                <a16:creationId xmlns="" xmlns:a16="http://schemas.microsoft.com/office/drawing/2014/main" id="{95E12289-D5C4-4A71-B46E-2AB617265BCE}"/>
               </a:ext>
             </a:extLst>
           </p:cNvPr>
@@ -9854,7 +9929,7 @@
         </p:nvCxnSpPr>
         <p:spPr>
           <a:xfrm rot="5400000">
-            <a:off x="30819871" y="7739315"/>
+            <a:off x="28012002" y="7734887"/>
             <a:ext cx="277815" cy="1"/>
           </a:xfrm>
           <a:prstGeom prst="bentConnector3">
@@ -9886,7 +9961,7 @@
           <p:cNvPr id="205" name="Соединительная линия уступом 123">
             <a:extLst>
               <a:ext uri="{FF2B5EF4-FFF2-40B4-BE49-F238E27FC236}">
-                <a16:creationId xmlns:a16="http://schemas.microsoft.com/office/drawing/2014/main" xmlns="" id="{57A7C273-2588-4AC4-A707-30CFC6E5A3DB}"/>
+                <a16:creationId xmlns="" xmlns:a16="http://schemas.microsoft.com/office/drawing/2014/main" id="{57A7C273-2588-4AC4-A707-30CFC6E5A3DB}"/>
               </a:ext>
             </a:extLst>
           </p:cNvPr>
@@ -9898,9 +9973,9 @@
           <p:nvPr/>
         </p:nvCxnSpPr>
         <p:spPr>
-          <a:xfrm rot="16200000" flipH="1">
-            <a:off x="29971563" y="6073193"/>
-            <a:ext cx="257000" cy="1717430"/>
+          <a:xfrm rot="5400000">
+            <a:off x="28920185" y="6034133"/>
+            <a:ext cx="252572" cy="1791123"/>
           </a:xfrm>
           <a:prstGeom prst="bentConnector3">
             <a:avLst>
@@ -9931,7 +10006,7 @@
           <p:cNvPr id="208" name="Прямоугольник 207">
             <a:extLst>
               <a:ext uri="{FF2B5EF4-FFF2-40B4-BE49-F238E27FC236}">
-                <a16:creationId xmlns:a16="http://schemas.microsoft.com/office/drawing/2014/main" xmlns="" id="{3A936EB0-2B9C-480D-9F08-95DEDCB36930}"/>
+                <a16:creationId xmlns="" xmlns:a16="http://schemas.microsoft.com/office/drawing/2014/main" id="{3A936EB0-2B9C-480D-9F08-95DEDCB36930}"/>
               </a:ext>
             </a:extLst>
           </p:cNvPr>
@@ -9940,7 +10015,7 @@
         </p:nvSpPr>
         <p:spPr>
           <a:xfrm>
-            <a:off x="29928184" y="9439544"/>
+            <a:off x="30628868" y="9439544"/>
             <a:ext cx="926325" cy="540000"/>
           </a:xfrm>
           <a:prstGeom prst="rect">
@@ -9998,7 +10073,7 @@
           <p:cNvPr id="209" name="Соединительная линия уступом 123">
             <a:extLst>
               <a:ext uri="{FF2B5EF4-FFF2-40B4-BE49-F238E27FC236}">
-                <a16:creationId xmlns:a16="http://schemas.microsoft.com/office/drawing/2014/main" xmlns="" id="{14ADE0B2-43D1-4891-AD9B-AD5F899987C4}"/>
+                <a16:creationId xmlns="" xmlns:a16="http://schemas.microsoft.com/office/drawing/2014/main" id="{14ADE0B2-43D1-4891-AD9B-AD5F899987C4}"/>
               </a:ext>
             </a:extLst>
           </p:cNvPr>
@@ -10011,7 +10086,7 @@
         </p:nvCxnSpPr>
         <p:spPr>
           <a:xfrm rot="5400000">
-            <a:off x="30260850" y="9309043"/>
+            <a:off x="30961534" y="9309043"/>
             <a:ext cx="260999" cy="3"/>
           </a:xfrm>
           <a:prstGeom prst="bentConnector3">
@@ -10043,7 +10118,7 @@
           <p:cNvPr id="223" name="Соединительная линия уступом 613">
             <a:extLst>
               <a:ext uri="{FF2B5EF4-FFF2-40B4-BE49-F238E27FC236}">
-                <a16:creationId xmlns:a16="http://schemas.microsoft.com/office/drawing/2014/main" xmlns="" id="{1344A1AC-A5D1-48D7-874F-0EA6B3953523}"/>
+                <a16:creationId xmlns="" xmlns:a16="http://schemas.microsoft.com/office/drawing/2014/main" id="{1344A1AC-A5D1-48D7-874F-0EA6B3953523}"/>
               </a:ext>
             </a:extLst>
           </p:cNvPr>
@@ -10055,9 +10130,9 @@
           <p:nvPr/>
         </p:nvCxnSpPr>
         <p:spPr>
-          <a:xfrm rot="16200000" flipH="1">
-            <a:off x="30279395" y="3310963"/>
-            <a:ext cx="292006" cy="2388508"/>
+          <a:xfrm rot="5400000">
+            <a:off x="31477611" y="4501255"/>
+            <a:ext cx="292006" cy="7924"/>
           </a:xfrm>
           <a:prstGeom prst="bentConnector3">
             <a:avLst>
@@ -10088,7 +10163,7 @@
           <p:cNvPr id="226" name="Прямоугольник 225">
             <a:extLst>
               <a:ext uri="{FF2B5EF4-FFF2-40B4-BE49-F238E27FC236}">
-                <a16:creationId xmlns:a16="http://schemas.microsoft.com/office/drawing/2014/main" xmlns="" id="{F8D1DA47-C504-41CD-B91F-0C23B929D953}"/>
+                <a16:creationId xmlns="" xmlns:a16="http://schemas.microsoft.com/office/drawing/2014/main" id="{F8D1DA47-C504-41CD-B91F-0C23B929D953}"/>
               </a:ext>
             </a:extLst>
           </p:cNvPr>
@@ -10097,14 +10172,17 @@
         </p:nvSpPr>
         <p:spPr>
           <a:xfrm>
-            <a:off x="32020854" y="7081646"/>
+            <a:off x="34413634" y="7053164"/>
             <a:ext cx="926325" cy="540000"/>
           </a:xfrm>
           <a:prstGeom prst="rect">
             <a:avLst/>
           </a:prstGeom>
           <a:solidFill>
-            <a:srgbClr val="FF0000"/>
+            <a:schemeClr val="accent1">
+              <a:lumMod val="60000"/>
+              <a:lumOff val="40000"/>
+            </a:schemeClr>
           </a:solidFill>
           <a:ln w="19050"/>
         </p:spPr>
@@ -10129,7 +10207,11 @@
             <a:pPr algn="ctr"/>
             <a:r>
               <a:rPr lang="ru-RU" sz="700" dirty="0"/>
-              <a:t>Вооружить рабочее ополчение (наше)</a:t>
+              <a:t>Вооружить рабочее ополчение (наше</a:t>
+            </a:r>
+            <a:r>
+              <a:rPr lang="ru-RU" sz="700" dirty="0" smtClean="0"/>
+              <a:t>)</a:t>
             </a:r>
             <a:endParaRPr lang="ru-RU" sz="500" dirty="0"/>
           </a:p>
@@ -10140,7 +10222,7 @@
           <p:cNvPr id="227" name="Соединительная линия уступом 123">
             <a:extLst>
               <a:ext uri="{FF2B5EF4-FFF2-40B4-BE49-F238E27FC236}">
-                <a16:creationId xmlns:a16="http://schemas.microsoft.com/office/drawing/2014/main" xmlns="" id="{C9CBB17B-538D-4A64-A825-8B7B2B897D5D}"/>
+                <a16:creationId xmlns="" xmlns:a16="http://schemas.microsoft.com/office/drawing/2014/main" id="{C9CBB17B-538D-4A64-A825-8B7B2B897D5D}"/>
               </a:ext>
             </a:extLst>
           </p:cNvPr>
@@ -10153,12 +10235,12 @@
         </p:nvCxnSpPr>
         <p:spPr>
           <a:xfrm rot="5400000">
-            <a:off x="29894406" y="4538162"/>
-            <a:ext cx="1072188" cy="2378304"/>
+            <a:off x="30244748" y="4888504"/>
+            <a:ext cx="1072188" cy="1677620"/>
           </a:xfrm>
           <a:prstGeom prst="bentConnector3">
             <a:avLst>
-              <a:gd name="adj1" fmla="val 10681"/>
+              <a:gd name="adj1" fmla="val 9573"/>
             </a:avLst>
           </a:prstGeom>
           <a:ln w="19050">
@@ -10185,7 +10267,7 @@
           <p:cNvPr id="230" name="Прямоугольник 229">
             <a:extLst>
               <a:ext uri="{FF2B5EF4-FFF2-40B4-BE49-F238E27FC236}">
-                <a16:creationId xmlns:a16="http://schemas.microsoft.com/office/drawing/2014/main" xmlns="" id="{600D8C74-F74F-4295-8359-52067A77D9AA}"/>
+                <a16:creationId xmlns="" xmlns:a16="http://schemas.microsoft.com/office/drawing/2014/main" id="{600D8C74-F74F-4295-8359-52067A77D9AA}"/>
               </a:ext>
             </a:extLst>
           </p:cNvPr>
@@ -10194,7 +10276,7 @@
         </p:nvSpPr>
         <p:spPr>
           <a:xfrm>
-            <a:off x="27320773" y="4638264"/>
+            <a:off x="28298265" y="4638264"/>
             <a:ext cx="926325" cy="540000"/>
           </a:xfrm>
           <a:prstGeom prst="rect">
@@ -10240,7 +10322,7 @@
           <p:cNvPr id="231" name="Соединительная линия уступом 105">
             <a:extLst>
               <a:ext uri="{FF2B5EF4-FFF2-40B4-BE49-F238E27FC236}">
-                <a16:creationId xmlns:a16="http://schemas.microsoft.com/office/drawing/2014/main" xmlns="" id="{2527D34A-E27A-449A-93E5-C76A76CC4512}"/>
+                <a16:creationId xmlns="" xmlns:a16="http://schemas.microsoft.com/office/drawing/2014/main" id="{2527D34A-E27A-449A-93E5-C76A76CC4512}"/>
               </a:ext>
             </a:extLst>
           </p:cNvPr>
@@ -10253,8 +10335,8 @@
         </p:nvCxnSpPr>
         <p:spPr>
           <a:xfrm rot="5400000">
-            <a:off x="28368015" y="3775135"/>
-            <a:ext cx="279050" cy="1447208"/>
+            <a:off x="30054977" y="3065665"/>
+            <a:ext cx="279050" cy="2866148"/>
           </a:xfrm>
           <a:prstGeom prst="bentConnector3">
             <a:avLst>
@@ -10285,7 +10367,7 @@
           <p:cNvPr id="152" name="Соединительная линия уступом 836">
             <a:extLst>
               <a:ext uri="{FF2B5EF4-FFF2-40B4-BE49-F238E27FC236}">
-                <a16:creationId xmlns:a16="http://schemas.microsoft.com/office/drawing/2014/main" xmlns="" id="{6F719142-1860-4581-9B41-8AADCCCE4BB0}"/>
+                <a16:creationId xmlns="" xmlns:a16="http://schemas.microsoft.com/office/drawing/2014/main" id="{6F719142-1860-4581-9B41-8AADCCCE4BB0}"/>
               </a:ext>
             </a:extLst>
           </p:cNvPr>
@@ -10298,8 +10380,8 @@
         </p:nvCxnSpPr>
         <p:spPr>
           <a:xfrm rot="16200000" flipH="1">
-            <a:off x="16000106" y="1849971"/>
-            <a:ext cx="269598" cy="5303758"/>
+            <a:off x="15680782" y="482903"/>
+            <a:ext cx="269598" cy="8037894"/>
           </a:xfrm>
           <a:prstGeom prst="bentConnector3">
             <a:avLst>
@@ -10331,7 +10413,7 @@
           <p:cNvPr id="170" name="Соединительная линия уступом 836">
             <a:extLst>
               <a:ext uri="{FF2B5EF4-FFF2-40B4-BE49-F238E27FC236}">
-                <a16:creationId xmlns:a16="http://schemas.microsoft.com/office/drawing/2014/main" xmlns="" id="{EA3FC01F-F5CA-4FAE-8CEF-830AB1AAFB40}"/>
+                <a16:creationId xmlns="" xmlns:a16="http://schemas.microsoft.com/office/drawing/2014/main" id="{EA3FC01F-F5CA-4FAE-8CEF-830AB1AAFB40}"/>
               </a:ext>
             </a:extLst>
           </p:cNvPr>
@@ -10344,8 +10426,8 @@
         </p:nvCxnSpPr>
         <p:spPr>
           <a:xfrm rot="16200000" flipH="1">
-            <a:off x="17700234" y="149842"/>
-            <a:ext cx="269598" cy="8704015"/>
+            <a:off x="17345784" y="-1182100"/>
+            <a:ext cx="269598" cy="11367899"/>
           </a:xfrm>
           <a:prstGeom prst="bentConnector3">
             <a:avLst>
@@ -10377,7 +10459,7 @@
           <p:cNvPr id="172" name="Соединительная линия уступом 836">
             <a:extLst>
               <a:ext uri="{FF2B5EF4-FFF2-40B4-BE49-F238E27FC236}">
-                <a16:creationId xmlns:a16="http://schemas.microsoft.com/office/drawing/2014/main" xmlns="" id="{6B629A61-C117-4B2E-9AEF-4EAF601A5B2F}"/>
+                <a16:creationId xmlns="" xmlns:a16="http://schemas.microsoft.com/office/drawing/2014/main" id="{6B629A61-C117-4B2E-9AEF-4EAF601A5B2F}"/>
               </a:ext>
             </a:extLst>
           </p:cNvPr>
@@ -10390,8 +10472,8 @@
         </p:nvCxnSpPr>
         <p:spPr>
           <a:xfrm rot="16200000" flipH="1">
-            <a:off x="18530612" y="-680535"/>
-            <a:ext cx="277687" cy="10372858"/>
+            <a:off x="18176162" y="-2012477"/>
+            <a:ext cx="277687" cy="13036742"/>
           </a:xfrm>
           <a:prstGeom prst="bentConnector3">
             <a:avLst>
@@ -10423,7 +10505,7 @@
           <p:cNvPr id="174" name="Прямоугольник 173">
             <a:extLst>
               <a:ext uri="{FF2B5EF4-FFF2-40B4-BE49-F238E27FC236}">
-                <a16:creationId xmlns:a16="http://schemas.microsoft.com/office/drawing/2014/main" xmlns="" id="{957C12DC-D98B-4948-99D2-CFC7B8CFF4DE}"/>
+                <a16:creationId xmlns="" xmlns:a16="http://schemas.microsoft.com/office/drawing/2014/main" id="{957C12DC-D98B-4948-99D2-CFC7B8CFF4DE}"/>
               </a:ext>
             </a:extLst>
           </p:cNvPr>
@@ -10432,7 +10514,7 @@
         </p:nvSpPr>
         <p:spPr>
           <a:xfrm>
-            <a:off x="22309529" y="7069267"/>
+            <a:off x="23287021" y="7069267"/>
             <a:ext cx="926325" cy="540000"/>
           </a:xfrm>
           <a:prstGeom prst="rect">
@@ -10477,7 +10559,7 @@
           <p:cNvPr id="175" name="Прямоугольник 174">
             <a:extLst>
               <a:ext uri="{FF2B5EF4-FFF2-40B4-BE49-F238E27FC236}">
-                <a16:creationId xmlns:a16="http://schemas.microsoft.com/office/drawing/2014/main" xmlns="" id="{012D2E35-685E-4576-BCB6-C08D33426D27}"/>
+                <a16:creationId xmlns="" xmlns:a16="http://schemas.microsoft.com/office/drawing/2014/main" id="{012D2E35-685E-4576-BCB6-C08D33426D27}"/>
               </a:ext>
             </a:extLst>
           </p:cNvPr>
@@ -10486,7 +10568,7 @@
         </p:nvSpPr>
         <p:spPr>
           <a:xfrm>
-            <a:off x="23467442" y="7069267"/>
+            <a:off x="24373998" y="7069267"/>
             <a:ext cx="926325" cy="540000"/>
           </a:xfrm>
           <a:prstGeom prst="rect">
@@ -10531,7 +10613,7 @@
           <p:cNvPr id="176" name="Прямоугольник 175">
             <a:extLst>
               <a:ext uri="{FF2B5EF4-FFF2-40B4-BE49-F238E27FC236}">
-                <a16:creationId xmlns:a16="http://schemas.microsoft.com/office/drawing/2014/main" xmlns="" id="{05CD8A58-5676-43E8-BBE2-DC9229365C21}"/>
+                <a16:creationId xmlns="" xmlns:a16="http://schemas.microsoft.com/office/drawing/2014/main" id="{05CD8A58-5676-43E8-BBE2-DC9229365C21}"/>
               </a:ext>
             </a:extLst>
           </p:cNvPr>
@@ -10540,7 +10622,7 @@
         </p:nvSpPr>
         <p:spPr>
           <a:xfrm>
-            <a:off x="23467442" y="7874808"/>
+            <a:off x="24373998" y="7874808"/>
             <a:ext cx="926325" cy="540000"/>
           </a:xfrm>
           <a:prstGeom prst="rect">
@@ -10585,7 +10667,7 @@
           <p:cNvPr id="178" name="Прямоугольник 177">
             <a:extLst>
               <a:ext uri="{FF2B5EF4-FFF2-40B4-BE49-F238E27FC236}">
-                <a16:creationId xmlns:a16="http://schemas.microsoft.com/office/drawing/2014/main" xmlns="" id="{E01090B5-7811-4C8D-B542-DC3489C9632C}"/>
+                <a16:creationId xmlns="" xmlns:a16="http://schemas.microsoft.com/office/drawing/2014/main" id="{E01090B5-7811-4C8D-B542-DC3489C9632C}"/>
               </a:ext>
             </a:extLst>
           </p:cNvPr>
@@ -10594,7 +10676,7 @@
         </p:nvSpPr>
         <p:spPr>
           <a:xfrm>
-            <a:off x="22309725" y="7873796"/>
+            <a:off x="23287217" y="7873796"/>
             <a:ext cx="926325" cy="540000"/>
           </a:xfrm>
           <a:prstGeom prst="rect">
@@ -10639,7 +10721,7 @@
           <p:cNvPr id="182" name="Прямоугольник 181">
             <a:extLst>
               <a:ext uri="{FF2B5EF4-FFF2-40B4-BE49-F238E27FC236}">
-                <a16:creationId xmlns:a16="http://schemas.microsoft.com/office/drawing/2014/main" xmlns="" id="{206D4D82-F261-452F-8D95-439FE5E0314A}"/>
+                <a16:creationId xmlns="" xmlns:a16="http://schemas.microsoft.com/office/drawing/2014/main" id="{206D4D82-F261-452F-8D95-439FE5E0314A}"/>
               </a:ext>
             </a:extLst>
           </p:cNvPr>
@@ -10648,7 +10730,7 @@
         </p:nvSpPr>
         <p:spPr>
           <a:xfrm>
-            <a:off x="22852494" y="8689267"/>
+            <a:off x="23829986" y="8689267"/>
             <a:ext cx="926325" cy="540000"/>
           </a:xfrm>
           <a:prstGeom prst="rect">
@@ -10682,9 +10764,10 @@
           <a:p>
             <a:pPr algn="ctr"/>
             <a:r>
-              <a:rPr lang="ru-RU" sz="700" dirty="0"/>
-              <a:t>Вновь объединить Испанию!</a:t>
-            </a:r>
+              <a:rPr lang="ru-RU" sz="700" dirty="0" smtClean="0"/>
+              <a:t>Вновь объединить Испанию !</a:t>
+            </a:r>
+            <a:endParaRPr lang="ru-RU" sz="700" dirty="0"/>
           </a:p>
         </p:txBody>
       </p:sp>
@@ -10693,7 +10776,7 @@
           <p:cNvPr id="183" name="Соединительная линия уступом 148">
             <a:extLst>
               <a:ext uri="{FF2B5EF4-FFF2-40B4-BE49-F238E27FC236}">
-                <a16:creationId xmlns:a16="http://schemas.microsoft.com/office/drawing/2014/main" xmlns="" id="{74F58D4E-63E8-4F3B-AADA-F89E80EB0D7E}"/>
+                <a16:creationId xmlns="" xmlns:a16="http://schemas.microsoft.com/office/drawing/2014/main" id="{74F58D4E-63E8-4F3B-AADA-F89E80EB0D7E}"/>
               </a:ext>
             </a:extLst>
           </p:cNvPr>
@@ -10706,8 +10789,8 @@
         </p:nvCxnSpPr>
         <p:spPr>
           <a:xfrm rot="16200000" flipH="1">
-            <a:off x="23216648" y="6355310"/>
-            <a:ext cx="270000" cy="1157913"/>
+            <a:off x="24158672" y="6390778"/>
+            <a:ext cx="270000" cy="1086977"/>
           </a:xfrm>
           <a:prstGeom prst="bentConnector3">
             <a:avLst>
@@ -10738,7 +10821,7 @@
           <p:cNvPr id="185" name="Соединительная линия уступом 53">
             <a:extLst>
               <a:ext uri="{FF2B5EF4-FFF2-40B4-BE49-F238E27FC236}">
-                <a16:creationId xmlns:a16="http://schemas.microsoft.com/office/drawing/2014/main" xmlns="" id="{B661D22E-E444-4030-8910-C32F43264B7E}"/>
+                <a16:creationId xmlns="" xmlns:a16="http://schemas.microsoft.com/office/drawing/2014/main" id="{B661D22E-E444-4030-8910-C32F43264B7E}"/>
               </a:ext>
             </a:extLst>
           </p:cNvPr>
@@ -10751,7 +10834,7 @@
         </p:nvCxnSpPr>
         <p:spPr>
           <a:xfrm rot="5400000">
-            <a:off x="22637692" y="6934267"/>
+            <a:off x="23615184" y="6934267"/>
             <a:ext cx="270000" cy="12700"/>
           </a:xfrm>
           <a:prstGeom prst="bentConnector3">
@@ -10783,7 +10866,7 @@
           <p:cNvPr id="186" name="Соединительная линия уступом 148">
             <a:extLst>
               <a:ext uri="{FF2B5EF4-FFF2-40B4-BE49-F238E27FC236}">
-                <a16:creationId xmlns:a16="http://schemas.microsoft.com/office/drawing/2014/main" xmlns="" id="{D9F54EA9-8E35-4F97-9346-ECC1DCF56114}"/>
+                <a16:creationId xmlns="" xmlns:a16="http://schemas.microsoft.com/office/drawing/2014/main" id="{D9F54EA9-8E35-4F97-9346-ECC1DCF56114}"/>
               </a:ext>
             </a:extLst>
           </p:cNvPr>
@@ -10796,7 +10879,7 @@
         </p:nvCxnSpPr>
         <p:spPr>
           <a:xfrm rot="16200000" flipH="1">
-            <a:off x="22640526" y="7741433"/>
+            <a:off x="23618018" y="7741433"/>
             <a:ext cx="264529" cy="196"/>
           </a:xfrm>
           <a:prstGeom prst="bentConnector3">
@@ -10828,7 +10911,7 @@
           <p:cNvPr id="188" name="Соединительная линия уступом 148">
             <a:extLst>
               <a:ext uri="{FF2B5EF4-FFF2-40B4-BE49-F238E27FC236}">
-                <a16:creationId xmlns:a16="http://schemas.microsoft.com/office/drawing/2014/main" xmlns="" id="{46D280CB-FB83-4BF5-8B3A-DD7BD44AD1E7}"/>
+                <a16:creationId xmlns="" xmlns:a16="http://schemas.microsoft.com/office/drawing/2014/main" id="{46D280CB-FB83-4BF5-8B3A-DD7BD44AD1E7}"/>
               </a:ext>
             </a:extLst>
           </p:cNvPr>
@@ -10841,8 +10924,8 @@
         </p:nvCxnSpPr>
         <p:spPr>
           <a:xfrm rot="16200000" flipH="1">
-            <a:off x="23218878" y="7163080"/>
-            <a:ext cx="265541" cy="1157913"/>
+            <a:off x="24160902" y="7198548"/>
+            <a:ext cx="265541" cy="1086977"/>
           </a:xfrm>
           <a:prstGeom prst="bentConnector3">
             <a:avLst>
@@ -10873,7 +10956,7 @@
           <p:cNvPr id="189" name="Соединительная линия уступом 148">
             <a:extLst>
               <a:ext uri="{FF2B5EF4-FFF2-40B4-BE49-F238E27FC236}">
-                <a16:creationId xmlns:a16="http://schemas.microsoft.com/office/drawing/2014/main" xmlns="" id="{1C6858C7-8A93-4CF4-A3B3-6AB28CD215CB}"/>
+                <a16:creationId xmlns="" xmlns:a16="http://schemas.microsoft.com/office/drawing/2014/main" id="{1C6858C7-8A93-4CF4-A3B3-6AB28CD215CB}"/>
               </a:ext>
             </a:extLst>
           </p:cNvPr>
@@ -10886,7 +10969,7 @@
         </p:nvCxnSpPr>
         <p:spPr>
           <a:xfrm rot="16200000" flipH="1">
-            <a:off x="22906537" y="8280146"/>
+            <a:off x="23884029" y="8280146"/>
             <a:ext cx="275471" cy="542769"/>
           </a:xfrm>
           <a:prstGeom prst="bentConnector3">
@@ -10918,7 +11001,7 @@
           <p:cNvPr id="190" name="Соединительная линия уступом 148">
             <a:extLst>
               <a:ext uri="{FF2B5EF4-FFF2-40B4-BE49-F238E27FC236}">
-                <a16:creationId xmlns:a16="http://schemas.microsoft.com/office/drawing/2014/main" xmlns="" id="{CE2B2ACF-3CBE-48FA-AC43-7AD4B70A3FA6}"/>
+                <a16:creationId xmlns="" xmlns:a16="http://schemas.microsoft.com/office/drawing/2014/main" id="{CE2B2ACF-3CBE-48FA-AC43-7AD4B70A3FA6}"/>
               </a:ext>
             </a:extLst>
           </p:cNvPr>
@@ -10931,8 +11014,8 @@
         </p:nvCxnSpPr>
         <p:spPr>
           <a:xfrm rot="5400000">
-            <a:off x="23485902" y="8244563"/>
-            <a:ext cx="274459" cy="614948"/>
+            <a:off x="24427926" y="8280031"/>
+            <a:ext cx="274459" cy="544012"/>
           </a:xfrm>
           <a:prstGeom prst="bentConnector3">
             <a:avLst>
@@ -10963,7 +11046,7 @@
           <p:cNvPr id="148" name="Прямоугольник 147">
             <a:extLst>
               <a:ext uri="{FF2B5EF4-FFF2-40B4-BE49-F238E27FC236}">
-                <a16:creationId xmlns:a16="http://schemas.microsoft.com/office/drawing/2014/main" xmlns="" id="{04A3ABFC-37BA-432F-AC1A-F77E6E1C51AC}"/>
+                <a16:creationId xmlns="" xmlns:a16="http://schemas.microsoft.com/office/drawing/2014/main" id="{04A3ABFC-37BA-432F-AC1A-F77E6E1C51AC}"/>
               </a:ext>
             </a:extLst>
           </p:cNvPr>
@@ -10972,7 +11055,7 @@
         </p:nvSpPr>
         <p:spPr>
           <a:xfrm>
-            <a:off x="22581109" y="1512989"/>
+            <a:off x="23366823" y="2600810"/>
             <a:ext cx="926325" cy="540000"/>
           </a:xfrm>
           <a:prstGeom prst="rect">
@@ -11076,12 +11159,12 @@
         </p:nvCxnSpPr>
         <p:spPr>
           <a:xfrm rot="16200000" flipH="1">
-            <a:off x="31495135" y="4081573"/>
-            <a:ext cx="1078046" cy="3285623"/>
+            <a:off x="31567754" y="4082936"/>
+            <a:ext cx="1079226" cy="3281717"/>
           </a:xfrm>
           <a:prstGeom prst="bentConnector3">
             <a:avLst>
-              <a:gd name="adj1" fmla="val 11996"/>
+              <a:gd name="adj1" fmla="val 9837"/>
             </a:avLst>
           </a:prstGeom>
           <a:ln w="19050">
@@ -11108,7 +11191,7 @@
           <p:cNvPr id="191" name="Соединительная линия уступом 123">
             <a:extLst>
               <a:ext uri="{FF2B5EF4-FFF2-40B4-BE49-F238E27FC236}">
-                <a16:creationId xmlns:a16="http://schemas.microsoft.com/office/drawing/2014/main" xmlns="" id="{C9CBB17B-538D-4A64-A825-8B7B2B897D5D}"/>
+                <a16:creationId xmlns="" xmlns:a16="http://schemas.microsoft.com/office/drawing/2014/main" id="{C9CBB17B-538D-4A64-A825-8B7B2B897D5D}"/>
               </a:ext>
             </a:extLst>
           </p:cNvPr>
@@ -11121,12 +11204,12 @@
         </p:nvCxnSpPr>
         <p:spPr>
           <a:xfrm rot="16200000" flipH="1">
-            <a:off x="32112217" y="4698655"/>
-            <a:ext cx="1072188" cy="2057318"/>
+            <a:off x="32147845" y="4663027"/>
+            <a:ext cx="1072188" cy="2128574"/>
           </a:xfrm>
           <a:prstGeom prst="bentConnector3">
             <a:avLst>
-              <a:gd name="adj1" fmla="val 12342"/>
+              <a:gd name="adj1" fmla="val 9020"/>
             </a:avLst>
           </a:prstGeom>
           <a:ln w="19050">
@@ -11159,12 +11242,1479 @@
         </p:nvCxnSpPr>
         <p:spPr>
           <a:xfrm rot="5400000">
-            <a:off x="30408670" y="4023767"/>
-            <a:ext cx="1072320" cy="3406963"/>
+            <a:off x="30759012" y="4374109"/>
+            <a:ext cx="1072320" cy="2706279"/>
           </a:xfrm>
           <a:prstGeom prst="bentConnector3">
             <a:avLst>
-              <a:gd name="adj1" fmla="val 12347"/>
+              <a:gd name="adj1" fmla="val 9578"/>
+            </a:avLst>
+          </a:prstGeom>
+          <a:ln w="19050">
+            <a:tailEnd type="arrow"/>
+          </a:ln>
+        </p:spPr>
+        <p:style>
+          <a:lnRef idx="1">
+            <a:schemeClr val="accent1"/>
+          </a:lnRef>
+          <a:fillRef idx="0">
+            <a:schemeClr val="accent1"/>
+          </a:fillRef>
+          <a:effectRef idx="0">
+            <a:schemeClr val="accent1"/>
+          </a:effectRef>
+          <a:fontRef idx="minor">
+            <a:schemeClr val="tx1"/>
+          </a:fontRef>
+        </p:style>
+      </p:cxnSp>
+      <p:sp>
+        <p:nvSpPr>
+          <p:cNvPr id="193" name="Прямоугольник 192"/>
+          <p:cNvSpPr/>
+          <p:nvPr/>
+        </p:nvSpPr>
+        <p:spPr>
+          <a:xfrm>
+            <a:off x="17114544" y="6233240"/>
+            <a:ext cx="926325" cy="540000"/>
+          </a:xfrm>
+          <a:prstGeom prst="rect">
+            <a:avLst/>
+          </a:prstGeom>
+          <a:solidFill>
+            <a:schemeClr val="accent1">
+              <a:lumMod val="60000"/>
+              <a:lumOff val="40000"/>
+            </a:schemeClr>
+          </a:solidFill>
+          <a:ln w="19050"/>
+        </p:spPr>
+        <p:style>
+          <a:lnRef idx="2">
+            <a:schemeClr val="accent1"/>
+          </a:lnRef>
+          <a:fillRef idx="1">
+            <a:schemeClr val="lt1"/>
+          </a:fillRef>
+          <a:effectRef idx="0">
+            <a:schemeClr val="accent1"/>
+          </a:effectRef>
+          <a:fontRef idx="minor">
+            <a:schemeClr val="dk1"/>
+          </a:fontRef>
+        </p:style>
+        <p:txBody>
+          <a:bodyPr lIns="124733" tIns="62367" rIns="124733" bIns="62367" rtlCol="0" anchor="ctr"/>
+          <a:lstStyle/>
+          <a:p>
+            <a:pPr algn="ctr"/>
+            <a:r>
+              <a:rPr lang="ru-RU" sz="700" dirty="0" smtClean="0"/>
+              <a:t>Университет Наварры (1952)</a:t>
+            </a:r>
+            <a:endParaRPr lang="ru-RU" sz="500" dirty="0"/>
+          </a:p>
+        </p:txBody>
+      </p:sp>
+      <p:sp>
+        <p:nvSpPr>
+          <p:cNvPr id="194" name="Прямоугольник 193">
+            <a:extLst>
+              <a:ext uri="{FF2B5EF4-FFF2-40B4-BE49-F238E27FC236}">
+                <a16:creationId xmlns="" xmlns:a16="http://schemas.microsoft.com/office/drawing/2014/main" id="{F8D1DA47-C504-41CD-B91F-0C23B929D953}"/>
+              </a:ext>
+            </a:extLst>
+          </p:cNvPr>
+          <p:cNvSpPr/>
+          <p:nvPr/>
+        </p:nvSpPr>
+        <p:spPr>
+          <a:xfrm>
+            <a:off x="33285064" y="7873795"/>
+            <a:ext cx="926325" cy="540000"/>
+          </a:xfrm>
+          <a:prstGeom prst="rect">
+            <a:avLst/>
+          </a:prstGeom>
+          <a:solidFill>
+            <a:srgbClr val="FF0000"/>
+          </a:solidFill>
+          <a:ln w="19050"/>
+        </p:spPr>
+        <p:style>
+          <a:lnRef idx="2">
+            <a:schemeClr val="accent1"/>
+          </a:lnRef>
+          <a:fillRef idx="1">
+            <a:schemeClr val="lt1"/>
+          </a:fillRef>
+          <a:effectRef idx="0">
+            <a:schemeClr val="accent1"/>
+          </a:effectRef>
+          <a:fontRef idx="minor">
+            <a:schemeClr val="dk1"/>
+          </a:fontRef>
+        </p:style>
+        <p:txBody>
+          <a:bodyPr lIns="124733" tIns="62367" rIns="124733" bIns="62367" rtlCol="0" anchor="ctr"/>
+          <a:lstStyle/>
+          <a:p>
+            <a:pPr algn="ctr"/>
+            <a:r>
+              <a:rPr lang="ru-RU" sz="700" dirty="0" smtClean="0"/>
+              <a:t>Объединение партий </a:t>
+            </a:r>
+            <a:r>
+              <a:rPr lang="ru-RU" sz="100" dirty="0" smtClean="0"/>
+              <a:t>Что </a:t>
+            </a:r>
+            <a:r>
+              <a:rPr lang="ru-RU" sz="100" dirty="0"/>
+              <a:t>же до социалистов, то UGT (членство в котором выросло до двух миллионов) теперь установил тесное сотрудничество с коммунистами. Всю зиму коммунисты добивались объединения социалистической и коммунистической партий в соответствии с той моделью, которая существовала в Каталонии и в молодежном движении. Оба крыла социалистической партии, и Ларго Кабальеро и </a:t>
+            </a:r>
+            <a:r>
+              <a:rPr lang="ru-RU" sz="100" dirty="0" err="1"/>
+              <a:t>Прието</a:t>
+            </a:r>
+            <a:r>
+              <a:rPr lang="ru-RU" sz="100" dirty="0"/>
+              <a:t> настороженно относились к этим </a:t>
+            </a:r>
+            <a:r>
+              <a:rPr lang="ru-RU" sz="100" dirty="0" err="1"/>
+              <a:t>подходам.К</a:t>
+            </a:r>
+            <a:r>
+              <a:rPr lang="ru-RU" sz="100" dirty="0"/>
+              <a:t> весне 1937 года правительство Ларго Кабальеро стало повсеместно искать возможности замедлить революционный процесс. Политические комитеты, которые стремительно появились во всех селениях, в июле были заменены муниципальными советами. Национализацию иностранных фирм прекратили, а остальных отложили. Кроме того, правительство всеми силами старалось положить конец коллективному управлению предприятиями. Оно стремилось поставить промышленность, национализированную или находящуюся в частном владении, под контроль государства. Поэтому предприятиям, где господствовали анархисты, была затруднена выдача кредитов. Некоторые фабрики, куда перестал поступать хлопок, даже остановились.</a:t>
+            </a:r>
+          </a:p>
+        </p:txBody>
+      </p:sp>
+      <p:sp>
+        <p:nvSpPr>
+          <p:cNvPr id="195" name="Прямоугольник 194"/>
+          <p:cNvSpPr/>
+          <p:nvPr/>
+        </p:nvSpPr>
+        <p:spPr>
+          <a:xfrm>
+            <a:off x="17669432" y="7873794"/>
+            <a:ext cx="926325" cy="540000"/>
+          </a:xfrm>
+          <a:prstGeom prst="rect">
+            <a:avLst/>
+          </a:prstGeom>
+          <a:solidFill>
+            <a:schemeClr val="accent1">
+              <a:lumMod val="60000"/>
+              <a:lumOff val="40000"/>
+            </a:schemeClr>
+          </a:solidFill>
+          <a:ln w="19050"/>
+        </p:spPr>
+        <p:style>
+          <a:lnRef idx="2">
+            <a:schemeClr val="accent1"/>
+          </a:lnRef>
+          <a:fillRef idx="1">
+            <a:schemeClr val="lt1"/>
+          </a:fillRef>
+          <a:effectRef idx="0">
+            <a:schemeClr val="accent1"/>
+          </a:effectRef>
+          <a:fontRef idx="minor">
+            <a:schemeClr val="dk1"/>
+          </a:fontRef>
+        </p:style>
+        <p:txBody>
+          <a:bodyPr lIns="124733" tIns="62367" rIns="124733" bIns="62367" rtlCol="0" anchor="ctr"/>
+          <a:lstStyle/>
+          <a:p>
+            <a:pPr algn="ctr"/>
+            <a:r>
+              <a:rPr lang="ru-RU" sz="700" dirty="0" smtClean="0"/>
+              <a:t>Военные школы </a:t>
+            </a:r>
+            <a:r>
+              <a:rPr lang="ru-RU" sz="700" dirty="0"/>
+              <a:t>для милиционеров (1937) </a:t>
+            </a:r>
+            <a:r>
+              <a:rPr lang="ru-RU" sz="200" dirty="0"/>
+              <a:t>(В 1937 году действовало 2000 военных школ, в которых учили читать неграмотных милиционеров)</a:t>
+            </a:r>
+            <a:endParaRPr lang="ru-RU" sz="100" dirty="0"/>
+          </a:p>
+        </p:txBody>
+      </p:sp>
+      <p:sp>
+        <p:nvSpPr>
+          <p:cNvPr id="196" name="Прямоугольник 195">
+            <a:extLst>
+              <a:ext uri="{FF2B5EF4-FFF2-40B4-BE49-F238E27FC236}">
+                <a16:creationId xmlns="" xmlns:a16="http://schemas.microsoft.com/office/drawing/2014/main" id="{F8D1DA47-C504-41CD-B91F-0C23B929D953}"/>
+              </a:ext>
+            </a:extLst>
+          </p:cNvPr>
+          <p:cNvSpPr/>
+          <p:nvPr/>
+        </p:nvSpPr>
+        <p:spPr>
+          <a:xfrm>
+            <a:off x="32185147" y="7053164"/>
+            <a:ext cx="926325" cy="540000"/>
+          </a:xfrm>
+          <a:prstGeom prst="rect">
+            <a:avLst/>
+          </a:prstGeom>
+          <a:solidFill>
+            <a:srgbClr val="FF0000"/>
+          </a:solidFill>
+          <a:ln w="19050"/>
+        </p:spPr>
+        <p:style>
+          <a:lnRef idx="2">
+            <a:schemeClr val="accent1"/>
+          </a:lnRef>
+          <a:fillRef idx="1">
+            <a:schemeClr val="lt1"/>
+          </a:fillRef>
+          <a:effectRef idx="0">
+            <a:schemeClr val="accent1"/>
+          </a:effectRef>
+          <a:fontRef idx="minor">
+            <a:schemeClr val="dk1"/>
+          </a:fontRef>
+        </p:style>
+        <p:txBody>
+          <a:bodyPr lIns="124733" tIns="62367" rIns="124733" bIns="62367" rtlCol="0" anchor="ctr"/>
+          <a:lstStyle/>
+          <a:p>
+            <a:pPr algn="ctr"/>
+            <a:r>
+              <a:rPr lang="ru-RU" sz="700" dirty="0" smtClean="0"/>
+              <a:t>Отстранение Ларго </a:t>
+            </a:r>
+            <a:r>
+              <a:rPr lang="ru-RU" sz="100" dirty="0" smtClean="0"/>
+              <a:t>(</a:t>
+            </a:r>
+            <a:r>
+              <a:rPr lang="ru-RU" sz="100" dirty="0"/>
+              <a:t>Вскоре состоялось удивительное собрание руководства Испанской коммунистической партии, на котором присутствовали Марти, Тольятти, </a:t>
+            </a:r>
+            <a:r>
+              <a:rPr lang="ru-RU" sz="100" dirty="0" err="1"/>
+              <a:t>Кодовилья</a:t>
+            </a:r>
+            <a:r>
+              <a:rPr lang="ru-RU" sz="100" dirty="0"/>
+              <a:t>, Степанов, </a:t>
+            </a:r>
+            <a:r>
+              <a:rPr lang="ru-RU" sz="100" dirty="0" err="1"/>
+              <a:t>Герё</a:t>
+            </a:r>
+            <a:r>
+              <a:rPr lang="ru-RU" sz="100" dirty="0"/>
+              <a:t>, советский посол </a:t>
+            </a:r>
+            <a:r>
+              <a:rPr lang="ru-RU" sz="100" dirty="0" err="1"/>
+              <a:t>Гайкин</a:t>
+            </a:r>
+            <a:r>
+              <a:rPr lang="ru-RU" sz="100" dirty="0"/>
+              <a:t> и сам Орлов. Тольятти откровенно заявил, что хотел бы смещения Ларго Кабальеро с поста премьера. </a:t>
+            </a:r>
+            <a:r>
+              <a:rPr lang="ru-RU" sz="100" dirty="0" err="1"/>
+              <a:t>Диас</a:t>
+            </a:r>
+            <a:r>
+              <a:rPr lang="ru-RU" sz="100" dirty="0"/>
+              <a:t> и </a:t>
+            </a:r>
+            <a:r>
+              <a:rPr lang="ru-RU" sz="100" dirty="0" err="1"/>
+              <a:t>Эрнандес</a:t>
+            </a:r>
+            <a:r>
+              <a:rPr lang="ru-RU" sz="100" dirty="0"/>
+              <a:t> возразили. </a:t>
+            </a:r>
+            <a:r>
+              <a:rPr lang="ru-RU" sz="100" dirty="0" err="1"/>
+              <a:t>Диас</a:t>
+            </a:r>
+            <a:r>
+              <a:rPr lang="ru-RU" sz="100" dirty="0"/>
+              <a:t> добавил, что испанские коммунисты не всегда должны следовать указаниям Москвы. Страх или амбиции заставили остальных испанцев промолчать. Степанов сказал, что не Москва, а сама «история» осудила премьер-министра за его отступничество и поражения. Марти согласился с ним. </a:t>
+            </a:r>
+            <a:r>
+              <a:rPr lang="ru-RU" sz="100" dirty="0" err="1"/>
+              <a:t>Диас</a:t>
+            </a:r>
+            <a:r>
+              <a:rPr lang="ru-RU" sz="100" dirty="0"/>
+              <a:t> назвал Марти бюрократом, а тот проворчал, что всегда был революционером. «Как и все мы», – сказал </a:t>
+            </a:r>
+            <a:r>
+              <a:rPr lang="ru-RU" sz="100" dirty="0" err="1"/>
+              <a:t>Диас</a:t>
+            </a:r>
+            <a:r>
+              <a:rPr lang="ru-RU" sz="100" dirty="0"/>
+              <a:t>. «Остается только в этом убедиться», – ответил Марти. </a:t>
+            </a:r>
+            <a:r>
+              <a:rPr lang="ru-RU" sz="100" dirty="0" err="1"/>
+              <a:t>Диас</a:t>
+            </a:r>
+            <a:r>
+              <a:rPr lang="ru-RU" sz="100" dirty="0"/>
+              <a:t> напомнил Марти, что тот – всего лишь гость на встрече Испанской коммунистической партии. «Если наши решения вам не нравятся,  – решительно сказал </a:t>
+            </a:r>
+            <a:r>
+              <a:rPr lang="ru-RU" sz="100" dirty="0" err="1"/>
+              <a:t>Диас</a:t>
+            </a:r>
+            <a:r>
+              <a:rPr lang="ru-RU" sz="100" dirty="0"/>
+              <a:t>,  – то вот дверь». Раздался взрыв возмущения. Все повскакали. «Товарищи! Товарищи!» – вопила </a:t>
+            </a:r>
+            <a:r>
+              <a:rPr lang="ru-RU" sz="100" dirty="0" err="1"/>
+              <a:t>Пассионария</a:t>
+            </a:r>
+            <a:r>
+              <a:rPr lang="ru-RU" sz="100" dirty="0"/>
+              <a:t>. </a:t>
+            </a:r>
+            <a:r>
+              <a:rPr lang="ru-RU" sz="100" dirty="0" err="1"/>
+              <a:t>Герё</a:t>
+            </a:r>
+            <a:r>
+              <a:rPr lang="ru-RU" sz="100" dirty="0"/>
+              <a:t> сидел, изумленно открыв рот. Орлов был совершенно невозмутим, а Тольятти смотрел на все серьезно. </a:t>
+            </a:r>
+            <a:r>
+              <a:rPr lang="ru-RU" sz="100" dirty="0" err="1"/>
+              <a:t>Кодо-вилья</a:t>
+            </a:r>
+            <a:r>
+              <a:rPr lang="ru-RU" sz="100" dirty="0"/>
+              <a:t> пытался успокоить Марти. Такие сцены были неслыханным явлением на встречах коммунистов, особенно когда на них присутствовали ответственные лица Коминтерна. Наконец </a:t>
+            </a:r>
+            <a:r>
+              <a:rPr lang="ru-RU" sz="100" dirty="0" err="1"/>
+              <a:t>Диас</a:t>
+            </a:r>
+            <a:r>
+              <a:rPr lang="ru-RU" sz="100" dirty="0"/>
+              <a:t> согласился принять предложение Тольятти, если за него проголосует большинство. Нет необходимости уточнять, что </a:t>
+            </a:r>
+            <a:r>
+              <a:rPr lang="ru-RU" sz="100" dirty="0" err="1"/>
+              <a:t>Диас</a:t>
+            </a:r>
+            <a:r>
+              <a:rPr lang="ru-RU" sz="100" dirty="0"/>
+              <a:t> и </a:t>
+            </a:r>
+            <a:r>
+              <a:rPr lang="ru-RU" sz="100" dirty="0" err="1"/>
+              <a:t>Эрнандес</a:t>
+            </a:r>
+            <a:r>
+              <a:rPr lang="ru-RU" sz="100" dirty="0"/>
+              <a:t> оказались единственными, кто голосовал против. Кампания по снятию Ларго Кабальеро, по мнению Тольятти, должна начаться с митинга в Валенсии. Он предложил, чтобы основную речь там произнес </a:t>
+            </a:r>
+            <a:r>
+              <a:rPr lang="ru-RU" sz="100" dirty="0" err="1"/>
+              <a:t>Эрнандес</a:t>
+            </a:r>
+            <a:r>
+              <a:rPr lang="ru-RU" sz="100" dirty="0"/>
+              <a:t>. Наилучшие шансы, сказал он, стать следующим премьер-министром у Хуана </a:t>
+            </a:r>
+            <a:r>
+              <a:rPr lang="ru-RU" sz="100" dirty="0" err="1"/>
+              <a:t>Негрина</a:t>
+            </a:r>
+            <a:r>
+              <a:rPr lang="ru-RU" sz="100" dirty="0"/>
+              <a:t>, министра финансов, не столь явного </a:t>
+            </a:r>
+            <a:r>
+              <a:rPr lang="ru-RU" sz="100" dirty="0" err="1"/>
+              <a:t>прокоммуниста</a:t>
+            </a:r>
+            <a:r>
+              <a:rPr lang="ru-RU" sz="100" dirty="0"/>
+              <a:t>, как </a:t>
+            </a:r>
+            <a:r>
+              <a:rPr lang="ru-RU" sz="100" dirty="0" err="1"/>
+              <a:t>Альварес</a:t>
+            </a:r>
+            <a:r>
+              <a:rPr lang="ru-RU" sz="100" dirty="0"/>
+              <a:t> </a:t>
+            </a:r>
+            <a:r>
+              <a:rPr lang="ru-RU" sz="100" dirty="0" err="1"/>
+              <a:t>дель</a:t>
+            </a:r>
+            <a:r>
+              <a:rPr lang="ru-RU" sz="100" dirty="0"/>
+              <a:t> </a:t>
+            </a:r>
+            <a:r>
+              <a:rPr lang="ru-RU" sz="100" dirty="0" err="1"/>
+              <a:t>Вайо</a:t>
+            </a:r>
+            <a:r>
+              <a:rPr lang="ru-RU" sz="100" dirty="0"/>
+              <a:t>, и не такого антикоммуниста, как </a:t>
+            </a:r>
+            <a:r>
+              <a:rPr lang="ru-RU" sz="100" dirty="0" err="1"/>
+              <a:t>Прието</a:t>
+            </a:r>
+            <a:r>
+              <a:rPr lang="ru-RU" sz="100" dirty="0" smtClean="0"/>
+              <a:t>)</a:t>
+            </a:r>
+            <a:endParaRPr lang="ru-RU" sz="100" dirty="0"/>
+          </a:p>
+        </p:txBody>
+      </p:sp>
+      <p:sp>
+        <p:nvSpPr>
+          <p:cNvPr id="198" name="Прямоугольник 197">
+            <a:extLst>
+              <a:ext uri="{FF2B5EF4-FFF2-40B4-BE49-F238E27FC236}">
+                <a16:creationId xmlns="" xmlns:a16="http://schemas.microsoft.com/office/drawing/2014/main" id="{3F73D485-85C1-4021-BF3A-F98C9D79AF9E}"/>
+              </a:ext>
+            </a:extLst>
+          </p:cNvPr>
+          <p:cNvSpPr/>
+          <p:nvPr/>
+        </p:nvSpPr>
+        <p:spPr>
+          <a:xfrm>
+            <a:off x="31156491" y="7060625"/>
+            <a:ext cx="926325" cy="540000"/>
+          </a:xfrm>
+          <a:prstGeom prst="rect">
+            <a:avLst/>
+          </a:prstGeom>
+          <a:gradFill>
+            <a:gsLst>
+              <a:gs pos="0">
+                <a:schemeClr val="accent1">
+                  <a:tint val="66000"/>
+                  <a:satMod val="160000"/>
+                </a:schemeClr>
+              </a:gs>
+              <a:gs pos="100000">
+                <a:srgbClr val="FF0000"/>
+              </a:gs>
+            </a:gsLst>
+            <a:lin ang="5400000" scaled="0"/>
+          </a:gradFill>
+          <a:ln w="19050"/>
+        </p:spPr>
+        <p:style>
+          <a:lnRef idx="2">
+            <a:schemeClr val="accent1"/>
+          </a:lnRef>
+          <a:fillRef idx="1">
+            <a:schemeClr val="lt1"/>
+          </a:fillRef>
+          <a:effectRef idx="0">
+            <a:schemeClr val="accent1"/>
+          </a:effectRef>
+          <a:fontRef idx="minor">
+            <a:schemeClr val="dk1"/>
+          </a:fontRef>
+        </p:style>
+        <p:txBody>
+          <a:bodyPr lIns="124733" tIns="62367" rIns="124733" bIns="62367" rtlCol="0" anchor="ctr"/>
+          <a:lstStyle/>
+          <a:p>
+            <a:pPr algn="ctr"/>
+            <a:r>
+              <a:rPr lang="ru-RU" sz="700" dirty="0" smtClean="0"/>
+              <a:t>Сотрудничество с советским НКВД</a:t>
+            </a:r>
+            <a:endParaRPr lang="ru-RU" sz="500" dirty="0"/>
+          </a:p>
+        </p:txBody>
+      </p:sp>
+      <p:cxnSp>
+        <p:nvCxnSpPr>
+          <p:cNvPr id="199" name="Соединительная линия уступом 59">
+            <a:extLst>
+              <a:ext uri="{FF2B5EF4-FFF2-40B4-BE49-F238E27FC236}">
+                <a16:creationId xmlns="" xmlns:a16="http://schemas.microsoft.com/office/drawing/2014/main" id="{76206442-5802-4ECC-89FF-725CB9831F7E}"/>
+              </a:ext>
+            </a:extLst>
+          </p:cNvPr>
+          <p:cNvCxnSpPr>
+            <a:cxnSpLocks/>
+            <a:stCxn id="63" idx="2"/>
+            <a:endCxn id="198" idx="0"/>
+          </p:cNvCxnSpPr>
+          <p:nvPr/>
+        </p:nvCxnSpPr>
+        <p:spPr>
+          <a:xfrm rot="16200000" flipH="1">
+            <a:off x="30652235" y="6093205"/>
+            <a:ext cx="257217" cy="1677622"/>
+          </a:xfrm>
+          <a:prstGeom prst="bentConnector3">
+            <a:avLst>
+              <a:gd name="adj1" fmla="val 50000"/>
+            </a:avLst>
+          </a:prstGeom>
+          <a:ln w="19050">
+            <a:prstDash val="dash"/>
+            <a:tailEnd type="arrow"/>
+          </a:ln>
+        </p:spPr>
+        <p:style>
+          <a:lnRef idx="1">
+            <a:schemeClr val="accent1"/>
+          </a:lnRef>
+          <a:fillRef idx="0">
+            <a:schemeClr val="accent1"/>
+          </a:fillRef>
+          <a:effectRef idx="0">
+            <a:schemeClr val="accent1"/>
+          </a:effectRef>
+          <a:fontRef idx="minor">
+            <a:schemeClr val="tx1"/>
+          </a:fontRef>
+        </p:style>
+      </p:cxnSp>
+      <p:cxnSp>
+        <p:nvCxnSpPr>
+          <p:cNvPr id="203" name="Соединительная линия уступом 59">
+            <a:extLst>
+              <a:ext uri="{FF2B5EF4-FFF2-40B4-BE49-F238E27FC236}">
+                <a16:creationId xmlns="" xmlns:a16="http://schemas.microsoft.com/office/drawing/2014/main" id="{76206442-5802-4ECC-89FF-725CB9831F7E}"/>
+              </a:ext>
+            </a:extLst>
+          </p:cNvPr>
+          <p:cNvCxnSpPr>
+            <a:cxnSpLocks/>
+            <a:stCxn id="135" idx="2"/>
+            <a:endCxn id="198" idx="0"/>
+          </p:cNvCxnSpPr>
+          <p:nvPr/>
+        </p:nvCxnSpPr>
+        <p:spPr>
+          <a:xfrm rot="5400000">
+            <a:off x="32555332" y="5867730"/>
+            <a:ext cx="257217" cy="2128572"/>
+          </a:xfrm>
+          <a:prstGeom prst="bentConnector3">
+            <a:avLst>
+              <a:gd name="adj1" fmla="val 50000"/>
+            </a:avLst>
+          </a:prstGeom>
+          <a:ln w="19050">
+            <a:prstDash val="dash"/>
+            <a:tailEnd type="arrow"/>
+          </a:ln>
+        </p:spPr>
+        <p:style>
+          <a:lnRef idx="1">
+            <a:schemeClr val="accent1"/>
+          </a:lnRef>
+          <a:fillRef idx="0">
+            <a:schemeClr val="accent1"/>
+          </a:fillRef>
+          <a:effectRef idx="0">
+            <a:schemeClr val="accent1"/>
+          </a:effectRef>
+          <a:fontRef idx="minor">
+            <a:schemeClr val="tx1"/>
+          </a:fontRef>
+        </p:style>
+      </p:cxnSp>
+      <p:cxnSp>
+        <p:nvCxnSpPr>
+          <p:cNvPr id="204" name="Соединительная линия уступом 59">
+            <a:extLst>
+              <a:ext uri="{FF2B5EF4-FFF2-40B4-BE49-F238E27FC236}">
+                <a16:creationId xmlns="" xmlns:a16="http://schemas.microsoft.com/office/drawing/2014/main" id="{41E480A3-A812-4731-BA0E-CEBFE1B527FF}"/>
+              </a:ext>
+            </a:extLst>
+          </p:cNvPr>
+          <p:cNvCxnSpPr>
+            <a:cxnSpLocks/>
+            <a:stCxn id="198" idx="2"/>
+            <a:endCxn id="159" idx="0"/>
+          </p:cNvCxnSpPr>
+          <p:nvPr/>
+        </p:nvCxnSpPr>
+        <p:spPr>
+          <a:xfrm rot="5400000">
+            <a:off x="30905991" y="7161144"/>
+            <a:ext cx="274183" cy="1153144"/>
+          </a:xfrm>
+          <a:prstGeom prst="bentConnector3">
+            <a:avLst>
+              <a:gd name="adj1" fmla="val 50000"/>
+            </a:avLst>
+          </a:prstGeom>
+          <a:ln w="19050">
+            <a:tailEnd type="arrow"/>
+          </a:ln>
+        </p:spPr>
+        <p:style>
+          <a:lnRef idx="1">
+            <a:schemeClr val="accent1"/>
+          </a:lnRef>
+          <a:fillRef idx="0">
+            <a:schemeClr val="accent1"/>
+          </a:fillRef>
+          <a:effectRef idx="0">
+            <a:schemeClr val="accent1"/>
+          </a:effectRef>
+          <a:fontRef idx="minor">
+            <a:schemeClr val="tx1"/>
+          </a:fontRef>
+        </p:style>
+      </p:cxnSp>
+      <p:cxnSp>
+        <p:nvCxnSpPr>
+          <p:cNvPr id="206" name="Соединительная линия уступом 59">
+            <a:extLst>
+              <a:ext uri="{FF2B5EF4-FFF2-40B4-BE49-F238E27FC236}">
+                <a16:creationId xmlns="" xmlns:a16="http://schemas.microsoft.com/office/drawing/2014/main" id="{41E480A3-A812-4731-BA0E-CEBFE1B527FF}"/>
+              </a:ext>
+            </a:extLst>
+          </p:cNvPr>
+          <p:cNvCxnSpPr>
+            <a:cxnSpLocks/>
+            <a:stCxn id="196" idx="2"/>
+            <a:endCxn id="194" idx="0"/>
+          </p:cNvCxnSpPr>
+          <p:nvPr/>
+        </p:nvCxnSpPr>
+        <p:spPr>
+          <a:xfrm rot="16200000" flipH="1">
+            <a:off x="33057953" y="7183520"/>
+            <a:ext cx="280631" cy="1099917"/>
+          </a:xfrm>
+          <a:prstGeom prst="bentConnector3">
+            <a:avLst>
+              <a:gd name="adj1" fmla="val 50000"/>
+            </a:avLst>
+          </a:prstGeom>
+          <a:ln w="19050">
+            <a:tailEnd type="arrow"/>
+          </a:ln>
+        </p:spPr>
+        <p:style>
+          <a:lnRef idx="1">
+            <a:schemeClr val="accent1"/>
+          </a:lnRef>
+          <a:fillRef idx="0">
+            <a:schemeClr val="accent1"/>
+          </a:fillRef>
+          <a:effectRef idx="0">
+            <a:schemeClr val="accent1"/>
+          </a:effectRef>
+          <a:fontRef idx="minor">
+            <a:schemeClr val="tx1"/>
+          </a:fontRef>
+        </p:style>
+      </p:cxnSp>
+      <p:sp>
+        <p:nvSpPr>
+          <p:cNvPr id="210" name="Прямоугольник 209">
+            <a:extLst>
+              <a:ext uri="{FF2B5EF4-FFF2-40B4-BE49-F238E27FC236}">
+                <a16:creationId xmlns="" xmlns:a16="http://schemas.microsoft.com/office/drawing/2014/main" id="{3F73D485-85C1-4021-BF3A-F98C9D79AF9E}"/>
+              </a:ext>
+            </a:extLst>
+          </p:cNvPr>
+          <p:cNvSpPr/>
+          <p:nvPr/>
+        </p:nvSpPr>
+        <p:spPr>
+          <a:xfrm>
+            <a:off x="31156488" y="7873794"/>
+            <a:ext cx="926325" cy="540000"/>
+          </a:xfrm>
+          <a:prstGeom prst="rect">
+            <a:avLst/>
+          </a:prstGeom>
+          <a:gradFill>
+            <a:gsLst>
+              <a:gs pos="0">
+                <a:schemeClr val="accent1">
+                  <a:tint val="66000"/>
+                  <a:satMod val="160000"/>
+                </a:schemeClr>
+              </a:gs>
+              <a:gs pos="100000">
+                <a:srgbClr val="FF0000"/>
+              </a:gs>
+            </a:gsLst>
+            <a:lin ang="5400000" scaled="0"/>
+          </a:gradFill>
+          <a:ln w="19050"/>
+        </p:spPr>
+        <p:style>
+          <a:lnRef idx="2">
+            <a:schemeClr val="accent1"/>
+          </a:lnRef>
+          <a:fillRef idx="1">
+            <a:schemeClr val="lt1"/>
+          </a:fillRef>
+          <a:effectRef idx="0">
+            <a:schemeClr val="accent1"/>
+          </a:effectRef>
+          <a:fontRef idx="minor">
+            <a:schemeClr val="dk1"/>
+          </a:fontRef>
+        </p:style>
+        <p:txBody>
+          <a:bodyPr lIns="124733" tIns="62367" rIns="124733" bIns="62367" rtlCol="0" anchor="ctr"/>
+          <a:lstStyle/>
+          <a:p>
+            <a:pPr algn="ctr"/>
+            <a:r>
+              <a:rPr lang="ru-RU" sz="700" dirty="0" smtClean="0"/>
+              <a:t>Борьба с влиянием Коминтерна</a:t>
+            </a:r>
+            <a:endParaRPr lang="ru-RU" sz="500" dirty="0"/>
+          </a:p>
+        </p:txBody>
+      </p:sp>
+      <p:cxnSp>
+        <p:nvCxnSpPr>
+          <p:cNvPr id="211" name="Соединительная линия уступом 59">
+            <a:extLst>
+              <a:ext uri="{FF2B5EF4-FFF2-40B4-BE49-F238E27FC236}">
+                <a16:creationId xmlns="" xmlns:a16="http://schemas.microsoft.com/office/drawing/2014/main" id="{41E480A3-A812-4731-BA0E-CEBFE1B527FF}"/>
+              </a:ext>
+            </a:extLst>
+          </p:cNvPr>
+          <p:cNvCxnSpPr>
+            <a:cxnSpLocks/>
+            <a:stCxn id="135" idx="2"/>
+            <a:endCxn id="196" idx="0"/>
+          </p:cNvCxnSpPr>
+          <p:nvPr/>
+        </p:nvCxnSpPr>
+        <p:spPr>
+          <a:xfrm rot="5400000">
+            <a:off x="33073390" y="6378328"/>
+            <a:ext cx="249756" cy="1099916"/>
+          </a:xfrm>
+          <a:prstGeom prst="bentConnector3">
+            <a:avLst>
+              <a:gd name="adj1" fmla="val 50000"/>
+            </a:avLst>
+          </a:prstGeom>
+          <a:ln w="19050">
+            <a:tailEnd type="arrow"/>
+          </a:ln>
+        </p:spPr>
+        <p:style>
+          <a:lnRef idx="1">
+            <a:schemeClr val="accent1"/>
+          </a:lnRef>
+          <a:fillRef idx="0">
+            <a:schemeClr val="accent1"/>
+          </a:fillRef>
+          <a:effectRef idx="0">
+            <a:schemeClr val="accent1"/>
+          </a:effectRef>
+          <a:fontRef idx="minor">
+            <a:schemeClr val="tx1"/>
+          </a:fontRef>
+        </p:style>
+      </p:cxnSp>
+      <p:cxnSp>
+        <p:nvCxnSpPr>
+          <p:cNvPr id="212" name="Соединительная линия уступом 59">
+            <a:extLst>
+              <a:ext uri="{FF2B5EF4-FFF2-40B4-BE49-F238E27FC236}">
+                <a16:creationId xmlns="" xmlns:a16="http://schemas.microsoft.com/office/drawing/2014/main" id="{41E480A3-A812-4731-BA0E-CEBFE1B527FF}"/>
+              </a:ext>
+            </a:extLst>
+          </p:cNvPr>
+          <p:cNvCxnSpPr>
+            <a:cxnSpLocks/>
+            <a:stCxn id="135" idx="2"/>
+            <a:endCxn id="226" idx="0"/>
+          </p:cNvCxnSpPr>
+          <p:nvPr/>
+        </p:nvCxnSpPr>
+        <p:spPr>
+          <a:xfrm rot="16200000" flipH="1">
+            <a:off x="34187633" y="6364000"/>
+            <a:ext cx="249756" cy="1128571"/>
+          </a:xfrm>
+          <a:prstGeom prst="bentConnector3">
+            <a:avLst>
+              <a:gd name="adj1" fmla="val 50000"/>
+            </a:avLst>
+          </a:prstGeom>
+          <a:ln w="19050">
+            <a:tailEnd type="arrow"/>
+          </a:ln>
+        </p:spPr>
+        <p:style>
+          <a:lnRef idx="1">
+            <a:schemeClr val="accent1"/>
+          </a:lnRef>
+          <a:fillRef idx="0">
+            <a:schemeClr val="accent1"/>
+          </a:fillRef>
+          <a:effectRef idx="0">
+            <a:schemeClr val="accent1"/>
+          </a:effectRef>
+          <a:fontRef idx="minor">
+            <a:schemeClr val="tx1"/>
+          </a:fontRef>
+        </p:style>
+      </p:cxnSp>
+      <p:cxnSp>
+        <p:nvCxnSpPr>
+          <p:cNvPr id="213" name="Соединительная линия уступом 123">
+            <a:extLst>
+              <a:ext uri="{FF2B5EF4-FFF2-40B4-BE49-F238E27FC236}">
+                <a16:creationId xmlns="" xmlns:a16="http://schemas.microsoft.com/office/drawing/2014/main" id="{0DD383AF-7358-4D05-9F30-B6B41AF854DB}"/>
+              </a:ext>
+            </a:extLst>
+          </p:cNvPr>
+          <p:cNvCxnSpPr>
+            <a:cxnSpLocks/>
+            <a:stCxn id="135" idx="2"/>
+            <a:endCxn id="118" idx="0"/>
+          </p:cNvCxnSpPr>
+          <p:nvPr/>
+        </p:nvCxnSpPr>
+        <p:spPr>
+          <a:xfrm rot="16200000" flipH="1">
+            <a:off x="33626317" y="6925317"/>
+            <a:ext cx="249756" cy="5938"/>
+          </a:xfrm>
+          <a:prstGeom prst="bentConnector3">
+            <a:avLst>
+              <a:gd name="adj1" fmla="val 50000"/>
+            </a:avLst>
+          </a:prstGeom>
+          <a:ln w="19050">
+            <a:tailEnd type="arrow"/>
+          </a:ln>
+        </p:spPr>
+        <p:style>
+          <a:lnRef idx="1">
+            <a:schemeClr val="accent1"/>
+          </a:lnRef>
+          <a:fillRef idx="0">
+            <a:schemeClr val="accent1"/>
+          </a:fillRef>
+          <a:effectRef idx="0">
+            <a:schemeClr val="accent1"/>
+          </a:effectRef>
+          <a:fontRef idx="minor">
+            <a:schemeClr val="tx1"/>
+          </a:fontRef>
+        </p:style>
+      </p:cxnSp>
+      <p:cxnSp>
+        <p:nvCxnSpPr>
+          <p:cNvPr id="214" name="Соединительная линия уступом 123">
+            <a:extLst>
+              <a:ext uri="{FF2B5EF4-FFF2-40B4-BE49-F238E27FC236}">
+                <a16:creationId xmlns="" xmlns:a16="http://schemas.microsoft.com/office/drawing/2014/main" id="{0DD383AF-7358-4D05-9F30-B6B41AF854DB}"/>
+              </a:ext>
+            </a:extLst>
+          </p:cNvPr>
+          <p:cNvCxnSpPr>
+            <a:cxnSpLocks/>
+            <a:stCxn id="226" idx="2"/>
+            <a:endCxn id="92" idx="0"/>
+          </p:cNvCxnSpPr>
+          <p:nvPr/>
+        </p:nvCxnSpPr>
+        <p:spPr>
+          <a:xfrm rot="5400000">
+            <a:off x="34736482" y="7733479"/>
+            <a:ext cx="280631" cy="1"/>
+          </a:xfrm>
+          <a:prstGeom prst="bentConnector3">
+            <a:avLst>
+              <a:gd name="adj1" fmla="val 50000"/>
+            </a:avLst>
+          </a:prstGeom>
+          <a:ln w="19050">
+            <a:tailEnd type="arrow"/>
+          </a:ln>
+        </p:spPr>
+        <p:style>
+          <a:lnRef idx="1">
+            <a:schemeClr val="accent1"/>
+          </a:lnRef>
+          <a:fillRef idx="0">
+            <a:schemeClr val="accent1"/>
+          </a:fillRef>
+          <a:effectRef idx="0">
+            <a:schemeClr val="accent1"/>
+          </a:effectRef>
+          <a:fontRef idx="minor">
+            <a:schemeClr val="tx1"/>
+          </a:fontRef>
+        </p:style>
+      </p:cxnSp>
+      <p:cxnSp>
+        <p:nvCxnSpPr>
+          <p:cNvPr id="216" name="Соединительная линия уступом 123">
+            <a:extLst>
+              <a:ext uri="{FF2B5EF4-FFF2-40B4-BE49-F238E27FC236}">
+                <a16:creationId xmlns="" xmlns:a16="http://schemas.microsoft.com/office/drawing/2014/main" id="{0DD383AF-7358-4D05-9F30-B6B41AF854DB}"/>
+              </a:ext>
+            </a:extLst>
+          </p:cNvPr>
+          <p:cNvCxnSpPr>
+            <a:cxnSpLocks/>
+            <a:stCxn id="198" idx="2"/>
+            <a:endCxn id="210" idx="0"/>
+          </p:cNvCxnSpPr>
+          <p:nvPr/>
+        </p:nvCxnSpPr>
+        <p:spPr>
+          <a:xfrm rot="5400000">
+            <a:off x="31483069" y="7737208"/>
+            <a:ext cx="273169" cy="3"/>
+          </a:xfrm>
+          <a:prstGeom prst="bentConnector3">
+            <a:avLst>
+              <a:gd name="adj1" fmla="val 50000"/>
+            </a:avLst>
+          </a:prstGeom>
+          <a:ln w="19050">
+            <a:tailEnd type="arrow"/>
+          </a:ln>
+        </p:spPr>
+        <p:style>
+          <a:lnRef idx="1">
+            <a:schemeClr val="accent1"/>
+          </a:lnRef>
+          <a:fillRef idx="0">
+            <a:schemeClr val="accent1"/>
+          </a:fillRef>
+          <a:effectRef idx="0">
+            <a:schemeClr val="accent1"/>
+          </a:effectRef>
+          <a:fontRef idx="minor">
+            <a:schemeClr val="tx1"/>
+          </a:fontRef>
+        </p:style>
+      </p:cxnSp>
+      <p:sp>
+        <p:nvSpPr>
+          <p:cNvPr id="197" name="Прямоугольник 196"/>
+          <p:cNvSpPr/>
+          <p:nvPr/>
+        </p:nvSpPr>
+        <p:spPr>
+          <a:xfrm>
+            <a:off x="21578207" y="9502570"/>
+            <a:ext cx="926325" cy="540000"/>
+          </a:xfrm>
+          <a:prstGeom prst="rect">
+            <a:avLst/>
+          </a:prstGeom>
+          <a:solidFill>
+            <a:schemeClr val="accent1">
+              <a:lumMod val="60000"/>
+              <a:lumOff val="40000"/>
+            </a:schemeClr>
+          </a:solidFill>
+          <a:ln w="19050"/>
+        </p:spPr>
+        <p:style>
+          <a:lnRef idx="2">
+            <a:schemeClr val="accent1"/>
+          </a:lnRef>
+          <a:fillRef idx="1">
+            <a:schemeClr val="lt1"/>
+          </a:fillRef>
+          <a:effectRef idx="0">
+            <a:schemeClr val="accent1"/>
+          </a:effectRef>
+          <a:fontRef idx="minor">
+            <a:schemeClr val="dk1"/>
+          </a:fontRef>
+        </p:style>
+        <p:txBody>
+          <a:bodyPr lIns="124733" tIns="62367" rIns="124733" bIns="62367" rtlCol="0" anchor="ctr"/>
+          <a:lstStyle/>
+          <a:p>
+            <a:pPr algn="ctr"/>
+            <a:r>
+              <a:rPr lang="ru-RU" sz="800" dirty="0"/>
+              <a:t>Деколонизация Африки </a:t>
+            </a:r>
+            <a:r>
+              <a:rPr lang="ru-RU" sz="300" dirty="0"/>
+              <a:t>(Западная Сахара и Экваториальная Гвинея будут выделены, как субъекты-колонии, </a:t>
+            </a:r>
+            <a:r>
+              <a:rPr lang="en-US" sz="300" dirty="0"/>
+              <a:t>+</a:t>
+            </a:r>
+            <a:r>
+              <a:rPr lang="ru-RU" sz="300" dirty="0"/>
+              <a:t>75000 </a:t>
+            </a:r>
+            <a:r>
+              <a:rPr lang="ru-RU" sz="300" dirty="0" err="1"/>
+              <a:t>менпауэра</a:t>
+            </a:r>
+            <a:r>
+              <a:rPr lang="ru-RU" sz="300" dirty="0"/>
+              <a:t>)</a:t>
+            </a:r>
+            <a:endParaRPr lang="ru-RU" sz="300" dirty="0"/>
+          </a:p>
+        </p:txBody>
+      </p:sp>
+      <p:cxnSp>
+        <p:nvCxnSpPr>
+          <p:cNvPr id="207" name="Соединительная линия уступом 206"/>
+          <p:cNvCxnSpPr>
+            <a:stCxn id="73" idx="2"/>
+            <a:endCxn id="197" idx="0"/>
+          </p:cNvCxnSpPr>
+          <p:nvPr/>
+        </p:nvCxnSpPr>
+        <p:spPr>
+          <a:xfrm rot="16200000" flipH="1">
+            <a:off x="21905258" y="9366457"/>
+            <a:ext cx="271127" cy="1097"/>
+          </a:xfrm>
+          <a:prstGeom prst="bentConnector3">
+            <a:avLst>
+              <a:gd name="adj1" fmla="val 50000"/>
+            </a:avLst>
+          </a:prstGeom>
+          <a:ln w="19050">
+            <a:tailEnd type="arrow"/>
+          </a:ln>
+        </p:spPr>
+        <p:style>
+          <a:lnRef idx="1">
+            <a:schemeClr val="accent1"/>
+          </a:lnRef>
+          <a:fillRef idx="0">
+            <a:schemeClr val="accent1"/>
+          </a:fillRef>
+          <a:effectRef idx="0">
+            <a:schemeClr val="accent1"/>
+          </a:effectRef>
+          <a:fontRef idx="minor">
+            <a:schemeClr val="tx1"/>
+          </a:fontRef>
+        </p:style>
+      </p:cxnSp>
+      <p:cxnSp>
+        <p:nvCxnSpPr>
+          <p:cNvPr id="215" name="Соединительная линия уступом 214"/>
+          <p:cNvCxnSpPr>
+            <a:stCxn id="116" idx="2"/>
+            <a:endCxn id="193" idx="0"/>
+          </p:cNvCxnSpPr>
+          <p:nvPr/>
+        </p:nvCxnSpPr>
+        <p:spPr>
+          <a:xfrm rot="5400000">
+            <a:off x="17723493" y="5824135"/>
+            <a:ext cx="263319" cy="554890"/>
+          </a:xfrm>
+          <a:prstGeom prst="bentConnector3">
+            <a:avLst>
+              <a:gd name="adj1" fmla="val 50000"/>
+            </a:avLst>
+          </a:prstGeom>
+          <a:ln w="19050">
+            <a:tailEnd type="arrow"/>
+          </a:ln>
+        </p:spPr>
+        <p:style>
+          <a:lnRef idx="1">
+            <a:schemeClr val="accent1"/>
+          </a:lnRef>
+          <a:fillRef idx="0">
+            <a:schemeClr val="accent1"/>
+          </a:fillRef>
+          <a:effectRef idx="0">
+            <a:schemeClr val="accent1"/>
+          </a:effectRef>
+          <a:fontRef idx="minor">
+            <a:schemeClr val="tx1"/>
+          </a:fontRef>
+        </p:style>
+      </p:cxnSp>
+      <p:sp>
+        <p:nvSpPr>
+          <p:cNvPr id="217" name="Прямоугольник 216"/>
+          <p:cNvSpPr/>
+          <p:nvPr/>
+        </p:nvSpPr>
+        <p:spPr>
+          <a:xfrm>
+            <a:off x="18783302" y="7880394"/>
+            <a:ext cx="926325" cy="540000"/>
+          </a:xfrm>
+          <a:prstGeom prst="rect">
+            <a:avLst/>
+          </a:prstGeom>
+          <a:solidFill>
+            <a:schemeClr val="accent1">
+              <a:lumMod val="60000"/>
+              <a:lumOff val="40000"/>
+            </a:schemeClr>
+          </a:solidFill>
+          <a:ln w="19050"/>
+        </p:spPr>
+        <p:style>
+          <a:lnRef idx="2">
+            <a:schemeClr val="accent1"/>
+          </a:lnRef>
+          <a:fillRef idx="1">
+            <a:schemeClr val="lt1"/>
+          </a:fillRef>
+          <a:effectRef idx="0">
+            <a:schemeClr val="accent1"/>
+          </a:effectRef>
+          <a:fontRef idx="minor">
+            <a:schemeClr val="dk1"/>
+          </a:fontRef>
+        </p:style>
+        <p:txBody>
+          <a:bodyPr lIns="124733" tIns="62367" rIns="124733" bIns="62367" rtlCol="0" anchor="ctr"/>
+          <a:lstStyle/>
+          <a:p>
+            <a:pPr algn="ctr"/>
+            <a:r>
+              <a:rPr lang="ru-RU" sz="800" dirty="0"/>
+              <a:t>Запрет частной собственности (</a:t>
+            </a:r>
+            <a:r>
+              <a:rPr lang="en-US" sz="800" dirty="0"/>
+              <a:t>+</a:t>
+            </a:r>
+            <a:r>
+              <a:rPr lang="ru-RU" sz="800" dirty="0"/>
+              <a:t>2 военных завода)</a:t>
+            </a:r>
+            <a:endParaRPr lang="ru-RU" sz="800" dirty="0"/>
+          </a:p>
+        </p:txBody>
+      </p:sp>
+      <p:sp>
+        <p:nvSpPr>
+          <p:cNvPr id="218" name="Прямоугольник 217"/>
+          <p:cNvSpPr/>
+          <p:nvPr/>
+        </p:nvSpPr>
+        <p:spPr>
+          <a:xfrm>
+            <a:off x="24370214" y="6233241"/>
+            <a:ext cx="926325" cy="540000"/>
+          </a:xfrm>
+          <a:prstGeom prst="rect">
+            <a:avLst/>
+          </a:prstGeom>
+          <a:solidFill>
+            <a:schemeClr val="accent1">
+              <a:lumMod val="60000"/>
+              <a:lumOff val="40000"/>
+            </a:schemeClr>
+          </a:solidFill>
+          <a:ln w="19050"/>
+        </p:spPr>
+        <p:style>
+          <a:lnRef idx="2">
+            <a:schemeClr val="accent1"/>
+          </a:lnRef>
+          <a:fillRef idx="1">
+            <a:schemeClr val="lt1"/>
+          </a:fillRef>
+          <a:effectRef idx="0">
+            <a:schemeClr val="accent1"/>
+          </a:effectRef>
+          <a:fontRef idx="minor">
+            <a:schemeClr val="dk1"/>
+          </a:fontRef>
+        </p:style>
+        <p:txBody>
+          <a:bodyPr lIns="124733" tIns="62367" rIns="124733" bIns="62367" rtlCol="0" anchor="ctr"/>
+          <a:lstStyle/>
+          <a:p>
+            <a:pPr algn="ctr"/>
+            <a:r>
+              <a:rPr lang="ru-RU" sz="800" dirty="0"/>
+              <a:t>Отправка духовников в трудовые лагеря </a:t>
+            </a:r>
+            <a:r>
+              <a:rPr lang="ru-RU" sz="400" dirty="0"/>
+              <a:t>(</a:t>
+            </a:r>
+            <a:r>
+              <a:rPr lang="en-US" sz="400" dirty="0"/>
+              <a:t>+ </a:t>
+            </a:r>
+            <a:r>
+              <a:rPr lang="ru-RU" sz="400" dirty="0"/>
+              <a:t>к объёмам производства)</a:t>
+            </a:r>
+            <a:endParaRPr lang="ru-RU" sz="400" dirty="0"/>
+          </a:p>
+        </p:txBody>
+      </p:sp>
+      <p:cxnSp>
+        <p:nvCxnSpPr>
+          <p:cNvPr id="219" name="Соединительная линия уступом 123">
+            <a:extLst>
+              <a:ext uri="{FF2B5EF4-FFF2-40B4-BE49-F238E27FC236}">
+                <a16:creationId xmlns="" xmlns:a16="http://schemas.microsoft.com/office/drawing/2014/main" id="{95E12289-D5C4-4A71-B46E-2AB617265BCE}"/>
+              </a:ext>
+            </a:extLst>
+          </p:cNvPr>
+          <p:cNvCxnSpPr>
+            <a:cxnSpLocks/>
+            <a:stCxn id="125" idx="2"/>
+            <a:endCxn id="218" idx="0"/>
+          </p:cNvCxnSpPr>
+          <p:nvPr/>
+        </p:nvCxnSpPr>
+        <p:spPr>
+          <a:xfrm rot="16200000" flipH="1">
+            <a:off x="24309125" y="5708988"/>
+            <a:ext cx="1048503" cy="1"/>
+          </a:xfrm>
+          <a:prstGeom prst="bentConnector3">
+            <a:avLst>
+              <a:gd name="adj1" fmla="val 50000"/>
+            </a:avLst>
+          </a:prstGeom>
+          <a:ln w="19050">
+            <a:tailEnd type="arrow"/>
+          </a:ln>
+        </p:spPr>
+        <p:style>
+          <a:lnRef idx="1">
+            <a:schemeClr val="accent1"/>
+          </a:lnRef>
+          <a:fillRef idx="0">
+            <a:schemeClr val="accent1"/>
+          </a:fillRef>
+          <a:effectRef idx="0">
+            <a:schemeClr val="accent1"/>
+          </a:effectRef>
+          <a:fontRef idx="minor">
+            <a:schemeClr val="tx1"/>
+          </a:fontRef>
+        </p:style>
+      </p:cxnSp>
+      <p:cxnSp>
+        <p:nvCxnSpPr>
+          <p:cNvPr id="220" name="Соединительная линия уступом 219"/>
+          <p:cNvCxnSpPr>
+            <a:stCxn id="93" idx="2"/>
+            <a:endCxn id="108" idx="0"/>
+          </p:cNvCxnSpPr>
+          <p:nvPr/>
+        </p:nvCxnSpPr>
+        <p:spPr>
+          <a:xfrm rot="16200000" flipH="1">
+            <a:off x="18839296" y="6653237"/>
+            <a:ext cx="270285" cy="544056"/>
+          </a:xfrm>
+          <a:prstGeom prst="bentConnector3">
+            <a:avLst>
+              <a:gd name="adj1" fmla="val 50000"/>
+            </a:avLst>
+          </a:prstGeom>
+          <a:ln w="19050">
+            <a:tailEnd type="arrow"/>
+          </a:ln>
+        </p:spPr>
+        <p:style>
+          <a:lnRef idx="1">
+            <a:schemeClr val="accent1"/>
+          </a:lnRef>
+          <a:fillRef idx="0">
+            <a:schemeClr val="accent1"/>
+          </a:fillRef>
+          <a:effectRef idx="0">
+            <a:schemeClr val="accent1"/>
+          </a:effectRef>
+          <a:fontRef idx="minor">
+            <a:schemeClr val="tx1"/>
+          </a:fontRef>
+        </p:style>
+      </p:cxnSp>
+      <p:cxnSp>
+        <p:nvCxnSpPr>
+          <p:cNvPr id="221" name="Соединительная линия уступом 220"/>
+          <p:cNvCxnSpPr>
+            <a:stCxn id="108" idx="2"/>
+            <a:endCxn id="217" idx="0"/>
+          </p:cNvCxnSpPr>
+          <p:nvPr/>
+        </p:nvCxnSpPr>
+        <p:spPr>
+          <a:xfrm rot="5400000">
+            <a:off x="19106473" y="7740401"/>
+            <a:ext cx="279986" cy="1"/>
+          </a:xfrm>
+          <a:prstGeom prst="bentConnector3">
+            <a:avLst>
+              <a:gd name="adj1" fmla="val 50000"/>
+            </a:avLst>
+          </a:prstGeom>
+          <a:ln w="19050">
+            <a:tailEnd type="arrow"/>
+          </a:ln>
+        </p:spPr>
+        <p:style>
+          <a:lnRef idx="1">
+            <a:schemeClr val="accent1"/>
+          </a:lnRef>
+          <a:fillRef idx="0">
+            <a:schemeClr val="accent1"/>
+          </a:fillRef>
+          <a:effectRef idx="0">
+            <a:schemeClr val="accent1"/>
+          </a:effectRef>
+          <a:fontRef idx="minor">
+            <a:schemeClr val="tx1"/>
+          </a:fontRef>
+        </p:style>
+      </p:cxnSp>
+      <p:sp>
+        <p:nvSpPr>
+          <p:cNvPr id="222" name="Прямоугольник 221"/>
+          <p:cNvSpPr/>
+          <p:nvPr/>
+        </p:nvSpPr>
+        <p:spPr>
+          <a:xfrm>
+            <a:off x="17114543" y="7069266"/>
+            <a:ext cx="926325" cy="540000"/>
+          </a:xfrm>
+          <a:prstGeom prst="rect">
+            <a:avLst/>
+          </a:prstGeom>
+          <a:solidFill>
+            <a:schemeClr val="accent1">
+              <a:lumMod val="60000"/>
+              <a:lumOff val="40000"/>
+            </a:schemeClr>
+          </a:solidFill>
+          <a:ln w="19050"/>
+        </p:spPr>
+        <p:style>
+          <a:lnRef idx="2">
+            <a:schemeClr val="accent1"/>
+          </a:lnRef>
+          <a:fillRef idx="1">
+            <a:schemeClr val="lt1"/>
+          </a:fillRef>
+          <a:effectRef idx="0">
+            <a:schemeClr val="accent1"/>
+          </a:effectRef>
+          <a:fontRef idx="minor">
+            <a:schemeClr val="dk1"/>
+          </a:fontRef>
+        </p:style>
+        <p:txBody>
+          <a:bodyPr lIns="124733" tIns="62367" rIns="124733" bIns="62367" rtlCol="0" anchor="ctr"/>
+          <a:lstStyle/>
+          <a:p>
+            <a:pPr algn="ctr"/>
+            <a:r>
+              <a:rPr lang="ru-RU" sz="700" dirty="0" smtClean="0"/>
+              <a:t>Новые университеты</a:t>
+            </a:r>
+            <a:endParaRPr lang="ru-RU" sz="500" dirty="0"/>
+          </a:p>
+        </p:txBody>
+      </p:sp>
+      <p:cxnSp>
+        <p:nvCxnSpPr>
+          <p:cNvPr id="224" name="Соединительная линия уступом 223"/>
+          <p:cNvCxnSpPr>
+            <a:stCxn id="193" idx="2"/>
+            <a:endCxn id="222" idx="0"/>
+          </p:cNvCxnSpPr>
+          <p:nvPr/>
+        </p:nvCxnSpPr>
+        <p:spPr>
+          <a:xfrm rot="5400000">
+            <a:off x="17429694" y="6921253"/>
+            <a:ext cx="296026" cy="1"/>
+          </a:xfrm>
+          <a:prstGeom prst="bentConnector3">
+            <a:avLst>
+              <a:gd name="adj1" fmla="val 50000"/>
+            </a:avLst>
+          </a:prstGeom>
+          <a:ln w="19050">
+            <a:tailEnd type="arrow"/>
+          </a:ln>
+        </p:spPr>
+        <p:style>
+          <a:lnRef idx="1">
+            <a:schemeClr val="accent1"/>
+          </a:lnRef>
+          <a:fillRef idx="0">
+            <a:schemeClr val="accent1"/>
+          </a:fillRef>
+          <a:effectRef idx="0">
+            <a:schemeClr val="accent1"/>
+          </a:effectRef>
+          <a:fontRef idx="minor">
+            <a:schemeClr val="tx1"/>
+          </a:fontRef>
+        </p:style>
+      </p:cxnSp>
+      <p:cxnSp>
+        <p:nvCxnSpPr>
+          <p:cNvPr id="225" name="Соединительная линия уступом 224"/>
+          <p:cNvCxnSpPr>
+            <a:stCxn id="93" idx="2"/>
+            <a:endCxn id="195" idx="0"/>
+          </p:cNvCxnSpPr>
+          <p:nvPr/>
+        </p:nvCxnSpPr>
+        <p:spPr>
+          <a:xfrm rot="5400000">
+            <a:off x="17875668" y="7047051"/>
+            <a:ext cx="1083671" cy="569815"/>
+          </a:xfrm>
+          <a:prstGeom prst="bentConnector3">
+            <a:avLst>
+              <a:gd name="adj1" fmla="val 11912"/>
             </a:avLst>
           </a:prstGeom>
           <a:ln w="19050">
@@ -11454,7 +13004,7 @@
   <a:extraClrSchemeLst/>
   <a:extLst>
     <a:ext uri="{05A4C25C-085E-4340-85A3-A5531E510DB2}">
-      <thm15:themeFamily xmlns:thm15="http://schemas.microsoft.com/office/thememl/2012/main" xmlns="" name="Office Theme" id="{62F939B6-93AF-4DB8-9C6B-D6C7DFDC589F}" vid="{4A3C46E8-61CC-4603-A589-7422A47A8E4A}"/>
+      <thm15:themeFamily xmlns="" xmlns:thm15="http://schemas.microsoft.com/office/thememl/2012/main" name="Office Theme" id="{62F939B6-93AF-4DB8-9C6B-D6C7DFDC589F}" vid="{4A3C46E8-61CC-4603-A589-7422A47A8E4A}"/>
     </a:ext>
   </a:extLst>
 </a:theme>
@@ -11715,7 +13265,7 @@
   <a:extraClrSchemeLst/>
   <a:extLst>
     <a:ext uri="{05A4C25C-085E-4340-85A3-A5531E510DB2}">
-      <thm15:themeFamily xmlns:thm15="http://schemas.microsoft.com/office/thememl/2012/main" xmlns="" name="Office Theme" id="{62F939B6-93AF-4DB8-9C6B-D6C7DFDC589F}" vid="{4A3C46E8-61CC-4603-A589-7422A47A8E4A}"/>
+      <thm15:themeFamily xmlns="" xmlns:thm15="http://schemas.microsoft.com/office/thememl/2012/main" name="Office Theme" id="{62F939B6-93AF-4DB8-9C6B-D6C7DFDC589F}" vid="{4A3C46E8-61CC-4603-A589-7422A47A8E4A}"/>
     </a:ext>
   </a:extLst>
 </a:theme>

--- a/Наработки/диздоки/Испания/Испания левые.pptx
+++ b/Наработки/диздоки/Испания/Испания левые.pptx
@@ -109,7 +109,7 @@
   </p:defaultTextStyle>
   <p:extLst>
     <p:ext uri="{EFAFB233-063F-42B5-8137-9DF3F51BA10A}">
-      <p15:sldGuideLst xmlns="" xmlns:p15="http://schemas.microsoft.com/office/powerpoint/2012/main">
+      <p15:sldGuideLst xmlns:p15="http://schemas.microsoft.com/office/powerpoint/2012/main" xmlns="">
         <p15:guide id="1" orient="horz" pos="11344">
           <p15:clr>
             <a:srgbClr val="A4A3A4"/>
@@ -209,7 +209,7 @@
             <a:fld id="{33E3D7F9-E251-484C-A6FF-FA958879DF69}" type="datetimeFigureOut">
               <a:rPr lang="ru-RU" smtClean="0"/>
               <a:pPr/>
-              <a:t>15.12.2023</a:t>
+              <a:t>19.12.2023</a:t>
             </a:fld>
             <a:endParaRPr lang="ru-RU"/>
           </a:p>
@@ -699,7 +699,7 @@
             <a:fld id="{85A5DE44-605B-4D3B-B2B7-94543DF81A36}" type="datetimeFigureOut">
               <a:rPr lang="ru-RU" smtClean="0"/>
               <a:pPr/>
-              <a:t>15.12.2023</a:t>
+              <a:t>19.12.2023</a:t>
             </a:fld>
             <a:endParaRPr lang="ru-RU"/>
           </a:p>
@@ -871,7 +871,7 @@
             <a:fld id="{85A5DE44-605B-4D3B-B2B7-94543DF81A36}" type="datetimeFigureOut">
               <a:rPr lang="ru-RU" smtClean="0"/>
               <a:pPr/>
-              <a:t>15.12.2023</a:t>
+              <a:t>19.12.2023</a:t>
             </a:fld>
             <a:endParaRPr lang="ru-RU"/>
           </a:p>
@@ -1053,7 +1053,7 @@
             <a:fld id="{85A5DE44-605B-4D3B-B2B7-94543DF81A36}" type="datetimeFigureOut">
               <a:rPr lang="ru-RU" smtClean="0"/>
               <a:pPr/>
-              <a:t>15.12.2023</a:t>
+              <a:t>19.12.2023</a:t>
             </a:fld>
             <a:endParaRPr lang="ru-RU"/>
           </a:p>
@@ -1225,7 +1225,7 @@
             <a:fld id="{85A5DE44-605B-4D3B-B2B7-94543DF81A36}" type="datetimeFigureOut">
               <a:rPr lang="ru-RU" smtClean="0"/>
               <a:pPr/>
-              <a:t>15.12.2023</a:t>
+              <a:t>19.12.2023</a:t>
             </a:fld>
             <a:endParaRPr lang="ru-RU"/>
           </a:p>
@@ -1473,7 +1473,7 @@
             <a:fld id="{85A5DE44-605B-4D3B-B2B7-94543DF81A36}" type="datetimeFigureOut">
               <a:rPr lang="ru-RU" smtClean="0"/>
               <a:pPr/>
-              <a:t>15.12.2023</a:t>
+              <a:t>19.12.2023</a:t>
             </a:fld>
             <a:endParaRPr lang="ru-RU"/>
           </a:p>
@@ -1707,7 +1707,7 @@
             <a:fld id="{85A5DE44-605B-4D3B-B2B7-94543DF81A36}" type="datetimeFigureOut">
               <a:rPr lang="ru-RU" smtClean="0"/>
               <a:pPr/>
-              <a:t>15.12.2023</a:t>
+              <a:t>19.12.2023</a:t>
             </a:fld>
             <a:endParaRPr lang="ru-RU"/>
           </a:p>
@@ -2076,7 +2076,7 @@
             <a:fld id="{85A5DE44-605B-4D3B-B2B7-94543DF81A36}" type="datetimeFigureOut">
               <a:rPr lang="ru-RU" smtClean="0"/>
               <a:pPr/>
-              <a:t>15.12.2023</a:t>
+              <a:t>19.12.2023</a:t>
             </a:fld>
             <a:endParaRPr lang="ru-RU"/>
           </a:p>
@@ -2196,7 +2196,7 @@
             <a:fld id="{85A5DE44-605B-4D3B-B2B7-94543DF81A36}" type="datetimeFigureOut">
               <a:rPr lang="ru-RU" smtClean="0"/>
               <a:pPr/>
-              <a:t>15.12.2023</a:t>
+              <a:t>19.12.2023</a:t>
             </a:fld>
             <a:endParaRPr lang="ru-RU"/>
           </a:p>
@@ -2293,7 +2293,7 @@
             <a:fld id="{85A5DE44-605B-4D3B-B2B7-94543DF81A36}" type="datetimeFigureOut">
               <a:rPr lang="ru-RU" smtClean="0"/>
               <a:pPr/>
-              <a:t>15.12.2023</a:t>
+              <a:t>19.12.2023</a:t>
             </a:fld>
             <a:endParaRPr lang="ru-RU"/>
           </a:p>
@@ -2572,7 +2572,7 @@
             <a:fld id="{85A5DE44-605B-4D3B-B2B7-94543DF81A36}" type="datetimeFigureOut">
               <a:rPr lang="ru-RU" smtClean="0"/>
               <a:pPr/>
-              <a:t>15.12.2023</a:t>
+              <a:t>19.12.2023</a:t>
             </a:fld>
             <a:endParaRPr lang="ru-RU"/>
           </a:p>
@@ -2831,7 +2831,7 @@
             <a:fld id="{85A5DE44-605B-4D3B-B2B7-94543DF81A36}" type="datetimeFigureOut">
               <a:rPr lang="ru-RU" smtClean="0"/>
               <a:pPr/>
-              <a:t>15.12.2023</a:t>
+              <a:t>19.12.2023</a:t>
             </a:fld>
             <a:endParaRPr lang="ru-RU"/>
           </a:p>
@@ -3046,7 +3046,7 @@
             <a:fld id="{85A5DE44-605B-4D3B-B2B7-94543DF81A36}" type="datetimeFigureOut">
               <a:rPr lang="ru-RU" smtClean="0"/>
               <a:pPr/>
-              <a:t>15.12.2023</a:t>
+              <a:t>19.12.2023</a:t>
             </a:fld>
             <a:endParaRPr lang="ru-RU"/>
           </a:p>
@@ -5335,7 +5335,6 @@
               <a:rPr lang="ru-RU" sz="400" dirty="0"/>
               <a:t>1 фабрика)</a:t>
             </a:r>
-            <a:endParaRPr lang="ru-RU" sz="400" dirty="0"/>
           </a:p>
         </p:txBody>
       </p:sp>
@@ -6419,7 +6418,6 @@
               <a:rPr lang="ru-RU" sz="800" dirty="0"/>
               <a:t>Индустриализация Арагона</a:t>
             </a:r>
-            <a:endParaRPr lang="ru-RU" sz="800" dirty="0"/>
           </a:p>
         </p:txBody>
       </p:sp>
@@ -8050,7 +8048,7 @@
           <p:cNvPr id="130" name="Прямоугольник 129">
             <a:extLst>
               <a:ext uri="{FF2B5EF4-FFF2-40B4-BE49-F238E27FC236}">
-                <a16:creationId xmlns="" xmlns:a16="http://schemas.microsoft.com/office/drawing/2014/main" id="{32EFE5A9-491B-46C7-9CCC-EC70745CA00A}"/>
+                <a16:creationId xmlns:a16="http://schemas.microsoft.com/office/drawing/2014/main" xmlns="" id="{32EFE5A9-491B-46C7-9CCC-EC70745CA00A}"/>
               </a:ext>
             </a:extLst>
           </p:cNvPr>
@@ -8104,7 +8102,7 @@
           <p:cNvPr id="133" name="Прямая соединительная линия 132">
             <a:extLst>
               <a:ext uri="{FF2B5EF4-FFF2-40B4-BE49-F238E27FC236}">
-                <a16:creationId xmlns="" xmlns:a16="http://schemas.microsoft.com/office/drawing/2014/main" id="{B210A86C-E791-474B-AD43-67AC3A2D8E92}"/>
+                <a16:creationId xmlns:a16="http://schemas.microsoft.com/office/drawing/2014/main" xmlns="" id="{B210A86C-E791-474B-AD43-67AC3A2D8E92}"/>
               </a:ext>
             </a:extLst>
           </p:cNvPr>
@@ -8149,7 +8147,7 @@
           <p:cNvPr id="107" name="Прямоугольник 106">
             <a:extLst>
               <a:ext uri="{FF2B5EF4-FFF2-40B4-BE49-F238E27FC236}">
-                <a16:creationId xmlns="" xmlns:a16="http://schemas.microsoft.com/office/drawing/2014/main" id="{B2FF6737-5293-4F39-BB5E-A666306D5E15}"/>
+                <a16:creationId xmlns:a16="http://schemas.microsoft.com/office/drawing/2014/main" xmlns="" id="{B2FF6737-5293-4F39-BB5E-A666306D5E15}"/>
               </a:ext>
             </a:extLst>
           </p:cNvPr>
@@ -8213,7 +8211,7 @@
           <p:cNvPr id="112" name="Прямоугольник 111">
             <a:extLst>
               <a:ext uri="{FF2B5EF4-FFF2-40B4-BE49-F238E27FC236}">
-                <a16:creationId xmlns="" xmlns:a16="http://schemas.microsoft.com/office/drawing/2014/main" id="{2B34BD92-035E-496F-BA59-E167AF97AB50}"/>
+                <a16:creationId xmlns:a16="http://schemas.microsoft.com/office/drawing/2014/main" xmlns="" id="{2B34BD92-035E-496F-BA59-E167AF97AB50}"/>
               </a:ext>
             </a:extLst>
           </p:cNvPr>
@@ -8277,7 +8275,7 @@
           <p:cNvPr id="135" name="Прямоугольник 134">
             <a:extLst>
               <a:ext uri="{FF2B5EF4-FFF2-40B4-BE49-F238E27FC236}">
-                <a16:creationId xmlns="" xmlns:a16="http://schemas.microsoft.com/office/drawing/2014/main" id="{3F73D485-85C1-4021-BF3A-F98C9D79AF9E}"/>
+                <a16:creationId xmlns:a16="http://schemas.microsoft.com/office/drawing/2014/main" xmlns="" id="{3F73D485-85C1-4021-BF3A-F98C9D79AF9E}"/>
               </a:ext>
             </a:extLst>
           </p:cNvPr>
@@ -8332,7 +8330,7 @@
           <p:cNvPr id="153" name="Прямая соединительная линия 152">
             <a:extLst>
               <a:ext uri="{FF2B5EF4-FFF2-40B4-BE49-F238E27FC236}">
-                <a16:creationId xmlns="" xmlns:a16="http://schemas.microsoft.com/office/drawing/2014/main" id="{44D5A13D-ED90-4D47-9D98-6095F6E2D8DD}"/>
+                <a16:creationId xmlns:a16="http://schemas.microsoft.com/office/drawing/2014/main" xmlns="" id="{44D5A13D-ED90-4D47-9D98-6095F6E2D8DD}"/>
               </a:ext>
             </a:extLst>
           </p:cNvPr>
@@ -8377,7 +8375,7 @@
           <p:cNvPr id="154" name="Прямоугольник 153">
             <a:extLst>
               <a:ext uri="{FF2B5EF4-FFF2-40B4-BE49-F238E27FC236}">
-                <a16:creationId xmlns="" xmlns:a16="http://schemas.microsoft.com/office/drawing/2014/main" id="{1DE535CF-D5C4-47EA-8554-CD69456F19F1}"/>
+                <a16:creationId xmlns:a16="http://schemas.microsoft.com/office/drawing/2014/main" xmlns="" id="{1DE535CF-D5C4-47EA-8554-CD69456F19F1}"/>
               </a:ext>
             </a:extLst>
           </p:cNvPr>
@@ -8439,7 +8437,7 @@
           <p:cNvPr id="155" name="Прямоугольник 154">
             <a:extLst>
               <a:ext uri="{FF2B5EF4-FFF2-40B4-BE49-F238E27FC236}">
-                <a16:creationId xmlns="" xmlns:a16="http://schemas.microsoft.com/office/drawing/2014/main" id="{AE63F9D4-E3FE-49AD-A901-494855E870B6}"/>
+                <a16:creationId xmlns:a16="http://schemas.microsoft.com/office/drawing/2014/main" xmlns="" id="{AE63F9D4-E3FE-49AD-A901-494855E870B6}"/>
               </a:ext>
             </a:extLst>
           </p:cNvPr>
@@ -8501,7 +8499,7 @@
           <p:cNvPr id="156" name="Прямоугольник 155">
             <a:extLst>
               <a:ext uri="{FF2B5EF4-FFF2-40B4-BE49-F238E27FC236}">
-                <a16:creationId xmlns="" xmlns:a16="http://schemas.microsoft.com/office/drawing/2014/main" id="{6EDC6DCB-25E6-4101-87E3-6FE8795BB9DC}"/>
+                <a16:creationId xmlns:a16="http://schemas.microsoft.com/office/drawing/2014/main" xmlns="" id="{6EDC6DCB-25E6-4101-87E3-6FE8795BB9DC}"/>
               </a:ext>
             </a:extLst>
           </p:cNvPr>
@@ -8571,7 +8569,7 @@
           <p:cNvPr id="157" name="Соединительная линия уступом 59">
             <a:extLst>
               <a:ext uri="{FF2B5EF4-FFF2-40B4-BE49-F238E27FC236}">
-                <a16:creationId xmlns="" xmlns:a16="http://schemas.microsoft.com/office/drawing/2014/main" id="{ED19BEBE-D154-4028-B840-BC4A19EBF25A}"/>
+                <a16:creationId xmlns:a16="http://schemas.microsoft.com/office/drawing/2014/main" xmlns="" id="{ED19BEBE-D154-4028-B840-BC4A19EBF25A}"/>
               </a:ext>
             </a:extLst>
           </p:cNvPr>
@@ -8616,7 +8614,7 @@
           <p:cNvPr id="158" name="Соединительная линия уступом 59">
             <a:extLst>
               <a:ext uri="{FF2B5EF4-FFF2-40B4-BE49-F238E27FC236}">
-                <a16:creationId xmlns="" xmlns:a16="http://schemas.microsoft.com/office/drawing/2014/main" id="{7066AE11-5134-458C-89E0-082A59BB1B0F}"/>
+                <a16:creationId xmlns:a16="http://schemas.microsoft.com/office/drawing/2014/main" xmlns="" id="{7066AE11-5134-458C-89E0-082A59BB1B0F}"/>
               </a:ext>
             </a:extLst>
           </p:cNvPr>
@@ -8661,7 +8659,7 @@
           <p:cNvPr id="159" name="Прямоугольник 158">
             <a:extLst>
               <a:ext uri="{FF2B5EF4-FFF2-40B4-BE49-F238E27FC236}">
-                <a16:creationId xmlns="" xmlns:a16="http://schemas.microsoft.com/office/drawing/2014/main" id="{691AD626-DD8A-4A61-A88C-B3EB5598250C}"/>
+                <a16:creationId xmlns:a16="http://schemas.microsoft.com/office/drawing/2014/main" xmlns="" id="{691AD626-DD8A-4A61-A88C-B3EB5598250C}"/>
               </a:ext>
             </a:extLst>
           </p:cNvPr>
@@ -8739,7 +8737,7 @@
           <p:cNvPr id="160" name="Прямоугольник 159">
             <a:extLst>
               <a:ext uri="{FF2B5EF4-FFF2-40B4-BE49-F238E27FC236}">
-                <a16:creationId xmlns="" xmlns:a16="http://schemas.microsoft.com/office/drawing/2014/main" id="{2A50D594-2C2E-4BDC-8F6D-0BE0FE128D99}"/>
+                <a16:creationId xmlns:a16="http://schemas.microsoft.com/office/drawing/2014/main" xmlns="" id="{2A50D594-2C2E-4BDC-8F6D-0BE0FE128D99}"/>
               </a:ext>
             </a:extLst>
           </p:cNvPr>
@@ -8830,7 +8828,7 @@
           <p:cNvPr id="161" name="Прямая соединительная линия 160">
             <a:extLst>
               <a:ext uri="{FF2B5EF4-FFF2-40B4-BE49-F238E27FC236}">
-                <a16:creationId xmlns="" xmlns:a16="http://schemas.microsoft.com/office/drawing/2014/main" id="{BF4D2C3F-BCB4-485D-98D8-A6C1B37BA272}"/>
+                <a16:creationId xmlns:a16="http://schemas.microsoft.com/office/drawing/2014/main" xmlns="" id="{BF4D2C3F-BCB4-485D-98D8-A6C1B37BA272}"/>
               </a:ext>
             </a:extLst>
           </p:cNvPr>
@@ -8875,7 +8873,7 @@
           <p:cNvPr id="162" name="Прямоугольник 161">
             <a:extLst>
               <a:ext uri="{FF2B5EF4-FFF2-40B4-BE49-F238E27FC236}">
-                <a16:creationId xmlns="" xmlns:a16="http://schemas.microsoft.com/office/drawing/2014/main" id="{0F278698-6314-41F4-905C-AAC488F37EAD}"/>
+                <a16:creationId xmlns:a16="http://schemas.microsoft.com/office/drawing/2014/main" xmlns="" id="{0F278698-6314-41F4-905C-AAC488F37EAD}"/>
               </a:ext>
             </a:extLst>
           </p:cNvPr>
@@ -8945,7 +8943,7 @@
           <p:cNvPr id="163" name="Соединительная линия уступом 59">
             <a:extLst>
               <a:ext uri="{FF2B5EF4-FFF2-40B4-BE49-F238E27FC236}">
-                <a16:creationId xmlns="" xmlns:a16="http://schemas.microsoft.com/office/drawing/2014/main" id="{41E480A3-A812-4731-BA0E-CEBFE1B527FF}"/>
+                <a16:creationId xmlns:a16="http://schemas.microsoft.com/office/drawing/2014/main" xmlns="" id="{41E480A3-A812-4731-BA0E-CEBFE1B527FF}"/>
               </a:ext>
             </a:extLst>
           </p:cNvPr>
@@ -8990,7 +8988,7 @@
           <p:cNvPr id="164" name="Прямоугольник 163">
             <a:extLst>
               <a:ext uri="{FF2B5EF4-FFF2-40B4-BE49-F238E27FC236}">
-                <a16:creationId xmlns="" xmlns:a16="http://schemas.microsoft.com/office/drawing/2014/main" id="{817CA413-A4A0-4A2F-9F7B-77FC6A4148F5}"/>
+                <a16:creationId xmlns:a16="http://schemas.microsoft.com/office/drawing/2014/main" xmlns="" id="{817CA413-A4A0-4A2F-9F7B-77FC6A4148F5}"/>
               </a:ext>
             </a:extLst>
           </p:cNvPr>
@@ -9081,7 +9079,7 @@
           <p:cNvPr id="165" name="Прямоугольник 164">
             <a:extLst>
               <a:ext uri="{FF2B5EF4-FFF2-40B4-BE49-F238E27FC236}">
-                <a16:creationId xmlns="" xmlns:a16="http://schemas.microsoft.com/office/drawing/2014/main" id="{FF2ECD0E-F830-493C-924F-6B0B2E2E822E}"/>
+                <a16:creationId xmlns:a16="http://schemas.microsoft.com/office/drawing/2014/main" xmlns="" id="{FF2ECD0E-F830-493C-924F-6B0B2E2E822E}"/>
               </a:ext>
             </a:extLst>
           </p:cNvPr>
@@ -9292,7 +9290,7 @@
           <p:cNvPr id="166" name="Прямоугольник 165">
             <a:extLst>
               <a:ext uri="{FF2B5EF4-FFF2-40B4-BE49-F238E27FC236}">
-                <a16:creationId xmlns="" xmlns:a16="http://schemas.microsoft.com/office/drawing/2014/main" id="{1237210D-3F71-4FFB-898E-68BAEFE6FDDA}"/>
+                <a16:creationId xmlns:a16="http://schemas.microsoft.com/office/drawing/2014/main" xmlns="" id="{1237210D-3F71-4FFB-898E-68BAEFE6FDDA}"/>
               </a:ext>
             </a:extLst>
           </p:cNvPr>
@@ -9346,7 +9344,7 @@
           <p:cNvPr id="167" name="Соединительная линия уступом 59">
             <a:extLst>
               <a:ext uri="{FF2B5EF4-FFF2-40B4-BE49-F238E27FC236}">
-                <a16:creationId xmlns="" xmlns:a16="http://schemas.microsoft.com/office/drawing/2014/main" id="{8BF20860-5267-4C89-9A69-5F2FF8043CE3}"/>
+                <a16:creationId xmlns:a16="http://schemas.microsoft.com/office/drawing/2014/main" xmlns="" id="{8BF20860-5267-4C89-9A69-5F2FF8043CE3}"/>
               </a:ext>
             </a:extLst>
           </p:cNvPr>
@@ -9391,7 +9389,7 @@
           <p:cNvPr id="168" name="Соединительная линия уступом 59">
             <a:extLst>
               <a:ext uri="{FF2B5EF4-FFF2-40B4-BE49-F238E27FC236}">
-                <a16:creationId xmlns="" xmlns:a16="http://schemas.microsoft.com/office/drawing/2014/main" id="{8BB7AA36-FD11-40F3-952A-FDE960A6929F}"/>
+                <a16:creationId xmlns:a16="http://schemas.microsoft.com/office/drawing/2014/main" xmlns="" id="{8BB7AA36-FD11-40F3-952A-FDE960A6929F}"/>
               </a:ext>
             </a:extLst>
           </p:cNvPr>
@@ -9436,7 +9434,7 @@
           <p:cNvPr id="169" name="Соединительная линия уступом 60">
             <a:extLst>
               <a:ext uri="{FF2B5EF4-FFF2-40B4-BE49-F238E27FC236}">
-                <a16:creationId xmlns="" xmlns:a16="http://schemas.microsoft.com/office/drawing/2014/main" id="{504572F0-7FA5-4F81-9D4B-C3FB5F7E24A6}"/>
+                <a16:creationId xmlns:a16="http://schemas.microsoft.com/office/drawing/2014/main" xmlns="" id="{504572F0-7FA5-4F81-9D4B-C3FB5F7E24A6}"/>
               </a:ext>
             </a:extLst>
           </p:cNvPr>
@@ -9481,7 +9479,7 @@
           <p:cNvPr id="171" name="Соединительная линия уступом 123">
             <a:extLst>
               <a:ext uri="{FF2B5EF4-FFF2-40B4-BE49-F238E27FC236}">
-                <a16:creationId xmlns="" xmlns:a16="http://schemas.microsoft.com/office/drawing/2014/main" id="{0DD383AF-7358-4D05-9F30-B6B41AF854DB}"/>
+                <a16:creationId xmlns:a16="http://schemas.microsoft.com/office/drawing/2014/main" xmlns="" id="{0DD383AF-7358-4D05-9F30-B6B41AF854DB}"/>
               </a:ext>
             </a:extLst>
           </p:cNvPr>
@@ -9526,7 +9524,7 @@
           <p:cNvPr id="173" name="Соединительная линия уступом 123">
             <a:extLst>
               <a:ext uri="{FF2B5EF4-FFF2-40B4-BE49-F238E27FC236}">
-                <a16:creationId xmlns="" xmlns:a16="http://schemas.microsoft.com/office/drawing/2014/main" id="{08826EB2-04D8-4B9D-A85C-F5AB140406B1}"/>
+                <a16:creationId xmlns:a16="http://schemas.microsoft.com/office/drawing/2014/main" xmlns="" id="{08826EB2-04D8-4B9D-A85C-F5AB140406B1}"/>
               </a:ext>
             </a:extLst>
           </p:cNvPr>
@@ -9571,7 +9569,7 @@
           <p:cNvPr id="177" name="Соединительная линия уступом 59">
             <a:extLst>
               <a:ext uri="{FF2B5EF4-FFF2-40B4-BE49-F238E27FC236}">
-                <a16:creationId xmlns="" xmlns:a16="http://schemas.microsoft.com/office/drawing/2014/main" id="{76206442-5802-4ECC-89FF-725CB9831F7E}"/>
+                <a16:creationId xmlns:a16="http://schemas.microsoft.com/office/drawing/2014/main" xmlns="" id="{76206442-5802-4ECC-89FF-725CB9831F7E}"/>
               </a:ext>
             </a:extLst>
           </p:cNvPr>
@@ -9617,7 +9615,7 @@
           <p:cNvPr id="180" name="Прямоугольник 179">
             <a:extLst>
               <a:ext uri="{FF2B5EF4-FFF2-40B4-BE49-F238E27FC236}">
-                <a16:creationId xmlns="" xmlns:a16="http://schemas.microsoft.com/office/drawing/2014/main" id="{7DAEAC1F-B20B-46CD-B818-99851DE5EF87}"/>
+                <a16:creationId xmlns:a16="http://schemas.microsoft.com/office/drawing/2014/main" xmlns="" id="{7DAEAC1F-B20B-46CD-B818-99851DE5EF87}"/>
               </a:ext>
             </a:extLst>
           </p:cNvPr>
@@ -9671,7 +9669,7 @@
           <p:cNvPr id="181" name="Соединительная линия уступом 59">
             <a:extLst>
               <a:ext uri="{FF2B5EF4-FFF2-40B4-BE49-F238E27FC236}">
-                <a16:creationId xmlns="" xmlns:a16="http://schemas.microsoft.com/office/drawing/2014/main" id="{146CBA15-0EC9-4B49-9151-897C0373358B}"/>
+                <a16:creationId xmlns:a16="http://schemas.microsoft.com/office/drawing/2014/main" xmlns="" id="{146CBA15-0EC9-4B49-9151-897C0373358B}"/>
               </a:ext>
             </a:extLst>
           </p:cNvPr>
@@ -9716,7 +9714,7 @@
           <p:cNvPr id="184" name="Соединительная линия уступом 59">
             <a:extLst>
               <a:ext uri="{FF2B5EF4-FFF2-40B4-BE49-F238E27FC236}">
-                <a16:creationId xmlns="" xmlns:a16="http://schemas.microsoft.com/office/drawing/2014/main" id="{C84E4D7F-D864-4DC0-BB2F-86D444193691}"/>
+                <a16:creationId xmlns:a16="http://schemas.microsoft.com/office/drawing/2014/main" xmlns="" id="{C84E4D7F-D864-4DC0-BB2F-86D444193691}"/>
               </a:ext>
             </a:extLst>
           </p:cNvPr>
@@ -9762,7 +9760,7 @@
           <p:cNvPr id="187" name="Соединительная линия уступом 59">
             <a:extLst>
               <a:ext uri="{FF2B5EF4-FFF2-40B4-BE49-F238E27FC236}">
-                <a16:creationId xmlns="" xmlns:a16="http://schemas.microsoft.com/office/drawing/2014/main" id="{047E7F83-180D-4C03-BC66-692FB1C56DBF}"/>
+                <a16:creationId xmlns:a16="http://schemas.microsoft.com/office/drawing/2014/main" xmlns="" id="{047E7F83-180D-4C03-BC66-692FB1C56DBF}"/>
               </a:ext>
             </a:extLst>
           </p:cNvPr>
@@ -9808,7 +9806,7 @@
           <p:cNvPr id="200" name="Прямоугольник 199">
             <a:extLst>
               <a:ext uri="{FF2B5EF4-FFF2-40B4-BE49-F238E27FC236}">
-                <a16:creationId xmlns="" xmlns:a16="http://schemas.microsoft.com/office/drawing/2014/main" id="{E605C39C-68E5-47BE-BB9B-455D1E372FDC}"/>
+                <a16:creationId xmlns:a16="http://schemas.microsoft.com/office/drawing/2014/main" xmlns="" id="{E605C39C-68E5-47BE-BB9B-455D1E372FDC}"/>
               </a:ext>
             </a:extLst>
           </p:cNvPr>
@@ -9862,7 +9860,7 @@
           <p:cNvPr id="201" name="Прямоугольник 200">
             <a:extLst>
               <a:ext uri="{FF2B5EF4-FFF2-40B4-BE49-F238E27FC236}">
-                <a16:creationId xmlns="" xmlns:a16="http://schemas.microsoft.com/office/drawing/2014/main" id="{7F4404B0-4AD2-46F4-AED9-158653BD1476}"/>
+                <a16:creationId xmlns:a16="http://schemas.microsoft.com/office/drawing/2014/main" xmlns="" id="{7F4404B0-4AD2-46F4-AED9-158653BD1476}"/>
               </a:ext>
             </a:extLst>
           </p:cNvPr>
@@ -9916,7 +9914,7 @@
           <p:cNvPr id="202" name="Соединительная линия уступом 123">
             <a:extLst>
               <a:ext uri="{FF2B5EF4-FFF2-40B4-BE49-F238E27FC236}">
-                <a16:creationId xmlns="" xmlns:a16="http://schemas.microsoft.com/office/drawing/2014/main" id="{95E12289-D5C4-4A71-B46E-2AB617265BCE}"/>
+                <a16:creationId xmlns:a16="http://schemas.microsoft.com/office/drawing/2014/main" xmlns="" id="{95E12289-D5C4-4A71-B46E-2AB617265BCE}"/>
               </a:ext>
             </a:extLst>
           </p:cNvPr>
@@ -9961,7 +9959,7 @@
           <p:cNvPr id="205" name="Соединительная линия уступом 123">
             <a:extLst>
               <a:ext uri="{FF2B5EF4-FFF2-40B4-BE49-F238E27FC236}">
-                <a16:creationId xmlns="" xmlns:a16="http://schemas.microsoft.com/office/drawing/2014/main" id="{57A7C273-2588-4AC4-A707-30CFC6E5A3DB}"/>
+                <a16:creationId xmlns:a16="http://schemas.microsoft.com/office/drawing/2014/main" xmlns="" id="{57A7C273-2588-4AC4-A707-30CFC6E5A3DB}"/>
               </a:ext>
             </a:extLst>
           </p:cNvPr>
@@ -10006,7 +10004,7 @@
           <p:cNvPr id="208" name="Прямоугольник 207">
             <a:extLst>
               <a:ext uri="{FF2B5EF4-FFF2-40B4-BE49-F238E27FC236}">
-                <a16:creationId xmlns="" xmlns:a16="http://schemas.microsoft.com/office/drawing/2014/main" id="{3A936EB0-2B9C-480D-9F08-95DEDCB36930}"/>
+                <a16:creationId xmlns:a16="http://schemas.microsoft.com/office/drawing/2014/main" xmlns="" id="{3A936EB0-2B9C-480D-9F08-95DEDCB36930}"/>
               </a:ext>
             </a:extLst>
           </p:cNvPr>
@@ -10073,7 +10071,7 @@
           <p:cNvPr id="209" name="Соединительная линия уступом 123">
             <a:extLst>
               <a:ext uri="{FF2B5EF4-FFF2-40B4-BE49-F238E27FC236}">
-                <a16:creationId xmlns="" xmlns:a16="http://schemas.microsoft.com/office/drawing/2014/main" id="{14ADE0B2-43D1-4891-AD9B-AD5F899987C4}"/>
+                <a16:creationId xmlns:a16="http://schemas.microsoft.com/office/drawing/2014/main" xmlns="" id="{14ADE0B2-43D1-4891-AD9B-AD5F899987C4}"/>
               </a:ext>
             </a:extLst>
           </p:cNvPr>
@@ -10118,7 +10116,7 @@
           <p:cNvPr id="223" name="Соединительная линия уступом 613">
             <a:extLst>
               <a:ext uri="{FF2B5EF4-FFF2-40B4-BE49-F238E27FC236}">
-                <a16:creationId xmlns="" xmlns:a16="http://schemas.microsoft.com/office/drawing/2014/main" id="{1344A1AC-A5D1-48D7-874F-0EA6B3953523}"/>
+                <a16:creationId xmlns:a16="http://schemas.microsoft.com/office/drawing/2014/main" xmlns="" id="{1344A1AC-A5D1-48D7-874F-0EA6B3953523}"/>
               </a:ext>
             </a:extLst>
           </p:cNvPr>
@@ -10163,7 +10161,7 @@
           <p:cNvPr id="226" name="Прямоугольник 225">
             <a:extLst>
               <a:ext uri="{FF2B5EF4-FFF2-40B4-BE49-F238E27FC236}">
-                <a16:creationId xmlns="" xmlns:a16="http://schemas.microsoft.com/office/drawing/2014/main" id="{F8D1DA47-C504-41CD-B91F-0C23B929D953}"/>
+                <a16:creationId xmlns:a16="http://schemas.microsoft.com/office/drawing/2014/main" xmlns="" id="{F8D1DA47-C504-41CD-B91F-0C23B929D953}"/>
               </a:ext>
             </a:extLst>
           </p:cNvPr>
@@ -10222,7 +10220,7 @@
           <p:cNvPr id="227" name="Соединительная линия уступом 123">
             <a:extLst>
               <a:ext uri="{FF2B5EF4-FFF2-40B4-BE49-F238E27FC236}">
-                <a16:creationId xmlns="" xmlns:a16="http://schemas.microsoft.com/office/drawing/2014/main" id="{C9CBB17B-538D-4A64-A825-8B7B2B897D5D}"/>
+                <a16:creationId xmlns:a16="http://schemas.microsoft.com/office/drawing/2014/main" xmlns="" id="{C9CBB17B-538D-4A64-A825-8B7B2B897D5D}"/>
               </a:ext>
             </a:extLst>
           </p:cNvPr>
@@ -10267,7 +10265,7 @@
           <p:cNvPr id="230" name="Прямоугольник 229">
             <a:extLst>
               <a:ext uri="{FF2B5EF4-FFF2-40B4-BE49-F238E27FC236}">
-                <a16:creationId xmlns="" xmlns:a16="http://schemas.microsoft.com/office/drawing/2014/main" id="{600D8C74-F74F-4295-8359-52067A77D9AA}"/>
+                <a16:creationId xmlns:a16="http://schemas.microsoft.com/office/drawing/2014/main" xmlns="" id="{600D8C74-F74F-4295-8359-52067A77D9AA}"/>
               </a:ext>
             </a:extLst>
           </p:cNvPr>
@@ -10322,7 +10320,7 @@
           <p:cNvPr id="231" name="Соединительная линия уступом 105">
             <a:extLst>
               <a:ext uri="{FF2B5EF4-FFF2-40B4-BE49-F238E27FC236}">
-                <a16:creationId xmlns="" xmlns:a16="http://schemas.microsoft.com/office/drawing/2014/main" id="{2527D34A-E27A-449A-93E5-C76A76CC4512}"/>
+                <a16:creationId xmlns:a16="http://schemas.microsoft.com/office/drawing/2014/main" xmlns="" id="{2527D34A-E27A-449A-93E5-C76A76CC4512}"/>
               </a:ext>
             </a:extLst>
           </p:cNvPr>
@@ -10367,7 +10365,7 @@
           <p:cNvPr id="152" name="Соединительная линия уступом 836">
             <a:extLst>
               <a:ext uri="{FF2B5EF4-FFF2-40B4-BE49-F238E27FC236}">
-                <a16:creationId xmlns="" xmlns:a16="http://schemas.microsoft.com/office/drawing/2014/main" id="{6F719142-1860-4581-9B41-8AADCCCE4BB0}"/>
+                <a16:creationId xmlns:a16="http://schemas.microsoft.com/office/drawing/2014/main" xmlns="" id="{6F719142-1860-4581-9B41-8AADCCCE4BB0}"/>
               </a:ext>
             </a:extLst>
           </p:cNvPr>
@@ -10413,7 +10411,7 @@
           <p:cNvPr id="170" name="Соединительная линия уступом 836">
             <a:extLst>
               <a:ext uri="{FF2B5EF4-FFF2-40B4-BE49-F238E27FC236}">
-                <a16:creationId xmlns="" xmlns:a16="http://schemas.microsoft.com/office/drawing/2014/main" id="{EA3FC01F-F5CA-4FAE-8CEF-830AB1AAFB40}"/>
+                <a16:creationId xmlns:a16="http://schemas.microsoft.com/office/drawing/2014/main" xmlns="" id="{EA3FC01F-F5CA-4FAE-8CEF-830AB1AAFB40}"/>
               </a:ext>
             </a:extLst>
           </p:cNvPr>
@@ -10459,7 +10457,7 @@
           <p:cNvPr id="172" name="Соединительная линия уступом 836">
             <a:extLst>
               <a:ext uri="{FF2B5EF4-FFF2-40B4-BE49-F238E27FC236}">
-                <a16:creationId xmlns="" xmlns:a16="http://schemas.microsoft.com/office/drawing/2014/main" id="{6B629A61-C117-4B2E-9AEF-4EAF601A5B2F}"/>
+                <a16:creationId xmlns:a16="http://schemas.microsoft.com/office/drawing/2014/main" xmlns="" id="{6B629A61-C117-4B2E-9AEF-4EAF601A5B2F}"/>
               </a:ext>
             </a:extLst>
           </p:cNvPr>
@@ -10505,7 +10503,7 @@
           <p:cNvPr id="174" name="Прямоугольник 173">
             <a:extLst>
               <a:ext uri="{FF2B5EF4-FFF2-40B4-BE49-F238E27FC236}">
-                <a16:creationId xmlns="" xmlns:a16="http://schemas.microsoft.com/office/drawing/2014/main" id="{957C12DC-D98B-4948-99D2-CFC7B8CFF4DE}"/>
+                <a16:creationId xmlns:a16="http://schemas.microsoft.com/office/drawing/2014/main" xmlns="" id="{957C12DC-D98B-4948-99D2-CFC7B8CFF4DE}"/>
               </a:ext>
             </a:extLst>
           </p:cNvPr>
@@ -10559,7 +10557,7 @@
           <p:cNvPr id="175" name="Прямоугольник 174">
             <a:extLst>
               <a:ext uri="{FF2B5EF4-FFF2-40B4-BE49-F238E27FC236}">
-                <a16:creationId xmlns="" xmlns:a16="http://schemas.microsoft.com/office/drawing/2014/main" id="{012D2E35-685E-4576-BCB6-C08D33426D27}"/>
+                <a16:creationId xmlns:a16="http://schemas.microsoft.com/office/drawing/2014/main" xmlns="" id="{012D2E35-685E-4576-BCB6-C08D33426D27}"/>
               </a:ext>
             </a:extLst>
           </p:cNvPr>
@@ -10613,7 +10611,7 @@
           <p:cNvPr id="176" name="Прямоугольник 175">
             <a:extLst>
               <a:ext uri="{FF2B5EF4-FFF2-40B4-BE49-F238E27FC236}">
-                <a16:creationId xmlns="" xmlns:a16="http://schemas.microsoft.com/office/drawing/2014/main" id="{05CD8A58-5676-43E8-BBE2-DC9229365C21}"/>
+                <a16:creationId xmlns:a16="http://schemas.microsoft.com/office/drawing/2014/main" xmlns="" id="{05CD8A58-5676-43E8-BBE2-DC9229365C21}"/>
               </a:ext>
             </a:extLst>
           </p:cNvPr>
@@ -10667,7 +10665,7 @@
           <p:cNvPr id="178" name="Прямоугольник 177">
             <a:extLst>
               <a:ext uri="{FF2B5EF4-FFF2-40B4-BE49-F238E27FC236}">
-                <a16:creationId xmlns="" xmlns:a16="http://schemas.microsoft.com/office/drawing/2014/main" id="{E01090B5-7811-4C8D-B542-DC3489C9632C}"/>
+                <a16:creationId xmlns:a16="http://schemas.microsoft.com/office/drawing/2014/main" xmlns="" id="{E01090B5-7811-4C8D-B542-DC3489C9632C}"/>
               </a:ext>
             </a:extLst>
           </p:cNvPr>
@@ -10721,7 +10719,7 @@
           <p:cNvPr id="182" name="Прямоугольник 181">
             <a:extLst>
               <a:ext uri="{FF2B5EF4-FFF2-40B4-BE49-F238E27FC236}">
-                <a16:creationId xmlns="" xmlns:a16="http://schemas.microsoft.com/office/drawing/2014/main" id="{206D4D82-F261-452F-8D95-439FE5E0314A}"/>
+                <a16:creationId xmlns:a16="http://schemas.microsoft.com/office/drawing/2014/main" xmlns="" id="{206D4D82-F261-452F-8D95-439FE5E0314A}"/>
               </a:ext>
             </a:extLst>
           </p:cNvPr>
@@ -10776,7 +10774,7 @@
           <p:cNvPr id="183" name="Соединительная линия уступом 148">
             <a:extLst>
               <a:ext uri="{FF2B5EF4-FFF2-40B4-BE49-F238E27FC236}">
-                <a16:creationId xmlns="" xmlns:a16="http://schemas.microsoft.com/office/drawing/2014/main" id="{74F58D4E-63E8-4F3B-AADA-F89E80EB0D7E}"/>
+                <a16:creationId xmlns:a16="http://schemas.microsoft.com/office/drawing/2014/main" xmlns="" id="{74F58D4E-63E8-4F3B-AADA-F89E80EB0D7E}"/>
               </a:ext>
             </a:extLst>
           </p:cNvPr>
@@ -10821,7 +10819,7 @@
           <p:cNvPr id="185" name="Соединительная линия уступом 53">
             <a:extLst>
               <a:ext uri="{FF2B5EF4-FFF2-40B4-BE49-F238E27FC236}">
-                <a16:creationId xmlns="" xmlns:a16="http://schemas.microsoft.com/office/drawing/2014/main" id="{B661D22E-E444-4030-8910-C32F43264B7E}"/>
+                <a16:creationId xmlns:a16="http://schemas.microsoft.com/office/drawing/2014/main" xmlns="" id="{B661D22E-E444-4030-8910-C32F43264B7E}"/>
               </a:ext>
             </a:extLst>
           </p:cNvPr>
@@ -10866,7 +10864,7 @@
           <p:cNvPr id="186" name="Соединительная линия уступом 148">
             <a:extLst>
               <a:ext uri="{FF2B5EF4-FFF2-40B4-BE49-F238E27FC236}">
-                <a16:creationId xmlns="" xmlns:a16="http://schemas.microsoft.com/office/drawing/2014/main" id="{D9F54EA9-8E35-4F97-9346-ECC1DCF56114}"/>
+                <a16:creationId xmlns:a16="http://schemas.microsoft.com/office/drawing/2014/main" xmlns="" id="{D9F54EA9-8E35-4F97-9346-ECC1DCF56114}"/>
               </a:ext>
             </a:extLst>
           </p:cNvPr>
@@ -10911,7 +10909,7 @@
           <p:cNvPr id="188" name="Соединительная линия уступом 148">
             <a:extLst>
               <a:ext uri="{FF2B5EF4-FFF2-40B4-BE49-F238E27FC236}">
-                <a16:creationId xmlns="" xmlns:a16="http://schemas.microsoft.com/office/drawing/2014/main" id="{46D280CB-FB83-4BF5-8B3A-DD7BD44AD1E7}"/>
+                <a16:creationId xmlns:a16="http://schemas.microsoft.com/office/drawing/2014/main" xmlns="" id="{46D280CB-FB83-4BF5-8B3A-DD7BD44AD1E7}"/>
               </a:ext>
             </a:extLst>
           </p:cNvPr>
@@ -10956,7 +10954,7 @@
           <p:cNvPr id="189" name="Соединительная линия уступом 148">
             <a:extLst>
               <a:ext uri="{FF2B5EF4-FFF2-40B4-BE49-F238E27FC236}">
-                <a16:creationId xmlns="" xmlns:a16="http://schemas.microsoft.com/office/drawing/2014/main" id="{1C6858C7-8A93-4CF4-A3B3-6AB28CD215CB}"/>
+                <a16:creationId xmlns:a16="http://schemas.microsoft.com/office/drawing/2014/main" xmlns="" id="{1C6858C7-8A93-4CF4-A3B3-6AB28CD215CB}"/>
               </a:ext>
             </a:extLst>
           </p:cNvPr>
@@ -11001,7 +10999,7 @@
           <p:cNvPr id="190" name="Соединительная линия уступом 148">
             <a:extLst>
               <a:ext uri="{FF2B5EF4-FFF2-40B4-BE49-F238E27FC236}">
-                <a16:creationId xmlns="" xmlns:a16="http://schemas.microsoft.com/office/drawing/2014/main" id="{CE2B2ACF-3CBE-48FA-AC43-7AD4B70A3FA6}"/>
+                <a16:creationId xmlns:a16="http://schemas.microsoft.com/office/drawing/2014/main" xmlns="" id="{CE2B2ACF-3CBE-48FA-AC43-7AD4B70A3FA6}"/>
               </a:ext>
             </a:extLst>
           </p:cNvPr>
@@ -11046,7 +11044,7 @@
           <p:cNvPr id="148" name="Прямоугольник 147">
             <a:extLst>
               <a:ext uri="{FF2B5EF4-FFF2-40B4-BE49-F238E27FC236}">
-                <a16:creationId xmlns="" xmlns:a16="http://schemas.microsoft.com/office/drawing/2014/main" id="{04A3ABFC-37BA-432F-AC1A-F77E6E1C51AC}"/>
+                <a16:creationId xmlns:a16="http://schemas.microsoft.com/office/drawing/2014/main" xmlns="" id="{04A3ABFC-37BA-432F-AC1A-F77E6E1C51AC}"/>
               </a:ext>
             </a:extLst>
           </p:cNvPr>
@@ -11191,7 +11189,7 @@
           <p:cNvPr id="191" name="Соединительная линия уступом 123">
             <a:extLst>
               <a:ext uri="{FF2B5EF4-FFF2-40B4-BE49-F238E27FC236}">
-                <a16:creationId xmlns="" xmlns:a16="http://schemas.microsoft.com/office/drawing/2014/main" id="{C9CBB17B-538D-4A64-A825-8B7B2B897D5D}"/>
+                <a16:creationId xmlns:a16="http://schemas.microsoft.com/office/drawing/2014/main" xmlns="" id="{C9CBB17B-538D-4A64-A825-8B7B2B897D5D}"/>
               </a:ext>
             </a:extLst>
           </p:cNvPr>
@@ -11323,7 +11321,7 @@
           <p:cNvPr id="194" name="Прямоугольник 193">
             <a:extLst>
               <a:ext uri="{FF2B5EF4-FFF2-40B4-BE49-F238E27FC236}">
-                <a16:creationId xmlns="" xmlns:a16="http://schemas.microsoft.com/office/drawing/2014/main" id="{F8D1DA47-C504-41CD-B91F-0C23B929D953}"/>
+                <a16:creationId xmlns:a16="http://schemas.microsoft.com/office/drawing/2014/main" xmlns="" id="{F8D1DA47-C504-41CD-B91F-0C23B929D953}"/>
               </a:ext>
             </a:extLst>
           </p:cNvPr>
@@ -11455,7 +11453,7 @@
           <p:cNvPr id="196" name="Прямоугольник 195">
             <a:extLst>
               <a:ext uri="{FF2B5EF4-FFF2-40B4-BE49-F238E27FC236}">
-                <a16:creationId xmlns="" xmlns:a16="http://schemas.microsoft.com/office/drawing/2014/main" id="{F8D1DA47-C504-41CD-B91F-0C23B929D953}"/>
+                <a16:creationId xmlns:a16="http://schemas.microsoft.com/office/drawing/2014/main" xmlns="" id="{F8D1DA47-C504-41CD-B91F-0C23B929D953}"/>
               </a:ext>
             </a:extLst>
           </p:cNvPr>
@@ -11699,7 +11697,7 @@
           <p:cNvPr id="198" name="Прямоугольник 197">
             <a:extLst>
               <a:ext uri="{FF2B5EF4-FFF2-40B4-BE49-F238E27FC236}">
-                <a16:creationId xmlns="" xmlns:a16="http://schemas.microsoft.com/office/drawing/2014/main" id="{3F73D485-85C1-4021-BF3A-F98C9D79AF9E}"/>
+                <a16:creationId xmlns:a16="http://schemas.microsoft.com/office/drawing/2014/main" xmlns="" id="{3F73D485-85C1-4021-BF3A-F98C9D79AF9E}"/>
               </a:ext>
             </a:extLst>
           </p:cNvPr>
@@ -11762,7 +11760,7 @@
           <p:cNvPr id="199" name="Соединительная линия уступом 59">
             <a:extLst>
               <a:ext uri="{FF2B5EF4-FFF2-40B4-BE49-F238E27FC236}">
-                <a16:creationId xmlns="" xmlns:a16="http://schemas.microsoft.com/office/drawing/2014/main" id="{76206442-5802-4ECC-89FF-725CB9831F7E}"/>
+                <a16:creationId xmlns:a16="http://schemas.microsoft.com/office/drawing/2014/main" xmlns="" id="{76206442-5802-4ECC-89FF-725CB9831F7E}"/>
               </a:ext>
             </a:extLst>
           </p:cNvPr>
@@ -11808,7 +11806,7 @@
           <p:cNvPr id="203" name="Соединительная линия уступом 59">
             <a:extLst>
               <a:ext uri="{FF2B5EF4-FFF2-40B4-BE49-F238E27FC236}">
-                <a16:creationId xmlns="" xmlns:a16="http://schemas.microsoft.com/office/drawing/2014/main" id="{76206442-5802-4ECC-89FF-725CB9831F7E}"/>
+                <a16:creationId xmlns:a16="http://schemas.microsoft.com/office/drawing/2014/main" xmlns="" id="{76206442-5802-4ECC-89FF-725CB9831F7E}"/>
               </a:ext>
             </a:extLst>
           </p:cNvPr>
@@ -11854,7 +11852,7 @@
           <p:cNvPr id="204" name="Соединительная линия уступом 59">
             <a:extLst>
               <a:ext uri="{FF2B5EF4-FFF2-40B4-BE49-F238E27FC236}">
-                <a16:creationId xmlns="" xmlns:a16="http://schemas.microsoft.com/office/drawing/2014/main" id="{41E480A3-A812-4731-BA0E-CEBFE1B527FF}"/>
+                <a16:creationId xmlns:a16="http://schemas.microsoft.com/office/drawing/2014/main" xmlns="" id="{41E480A3-A812-4731-BA0E-CEBFE1B527FF}"/>
               </a:ext>
             </a:extLst>
           </p:cNvPr>
@@ -11899,7 +11897,7 @@
           <p:cNvPr id="206" name="Соединительная линия уступом 59">
             <a:extLst>
               <a:ext uri="{FF2B5EF4-FFF2-40B4-BE49-F238E27FC236}">
-                <a16:creationId xmlns="" xmlns:a16="http://schemas.microsoft.com/office/drawing/2014/main" id="{41E480A3-A812-4731-BA0E-CEBFE1B527FF}"/>
+                <a16:creationId xmlns:a16="http://schemas.microsoft.com/office/drawing/2014/main" xmlns="" id="{41E480A3-A812-4731-BA0E-CEBFE1B527FF}"/>
               </a:ext>
             </a:extLst>
           </p:cNvPr>
@@ -11944,7 +11942,7 @@
           <p:cNvPr id="210" name="Прямоугольник 209">
             <a:extLst>
               <a:ext uri="{FF2B5EF4-FFF2-40B4-BE49-F238E27FC236}">
-                <a16:creationId xmlns="" xmlns:a16="http://schemas.microsoft.com/office/drawing/2014/main" id="{3F73D485-85C1-4021-BF3A-F98C9D79AF9E}"/>
+                <a16:creationId xmlns:a16="http://schemas.microsoft.com/office/drawing/2014/main" xmlns="" id="{3F73D485-85C1-4021-BF3A-F98C9D79AF9E}"/>
               </a:ext>
             </a:extLst>
           </p:cNvPr>
@@ -12007,7 +12005,7 @@
           <p:cNvPr id="211" name="Соединительная линия уступом 59">
             <a:extLst>
               <a:ext uri="{FF2B5EF4-FFF2-40B4-BE49-F238E27FC236}">
-                <a16:creationId xmlns="" xmlns:a16="http://schemas.microsoft.com/office/drawing/2014/main" id="{41E480A3-A812-4731-BA0E-CEBFE1B527FF}"/>
+                <a16:creationId xmlns:a16="http://schemas.microsoft.com/office/drawing/2014/main" xmlns="" id="{41E480A3-A812-4731-BA0E-CEBFE1B527FF}"/>
               </a:ext>
             </a:extLst>
           </p:cNvPr>
@@ -12052,7 +12050,7 @@
           <p:cNvPr id="212" name="Соединительная линия уступом 59">
             <a:extLst>
               <a:ext uri="{FF2B5EF4-FFF2-40B4-BE49-F238E27FC236}">
-                <a16:creationId xmlns="" xmlns:a16="http://schemas.microsoft.com/office/drawing/2014/main" id="{41E480A3-A812-4731-BA0E-CEBFE1B527FF}"/>
+                <a16:creationId xmlns:a16="http://schemas.microsoft.com/office/drawing/2014/main" xmlns="" id="{41E480A3-A812-4731-BA0E-CEBFE1B527FF}"/>
               </a:ext>
             </a:extLst>
           </p:cNvPr>
@@ -12097,7 +12095,7 @@
           <p:cNvPr id="213" name="Соединительная линия уступом 123">
             <a:extLst>
               <a:ext uri="{FF2B5EF4-FFF2-40B4-BE49-F238E27FC236}">
-                <a16:creationId xmlns="" xmlns:a16="http://schemas.microsoft.com/office/drawing/2014/main" id="{0DD383AF-7358-4D05-9F30-B6B41AF854DB}"/>
+                <a16:creationId xmlns:a16="http://schemas.microsoft.com/office/drawing/2014/main" xmlns="" id="{0DD383AF-7358-4D05-9F30-B6B41AF854DB}"/>
               </a:ext>
             </a:extLst>
           </p:cNvPr>
@@ -12142,7 +12140,7 @@
           <p:cNvPr id="214" name="Соединительная линия уступом 123">
             <a:extLst>
               <a:ext uri="{FF2B5EF4-FFF2-40B4-BE49-F238E27FC236}">
-                <a16:creationId xmlns="" xmlns:a16="http://schemas.microsoft.com/office/drawing/2014/main" id="{0DD383AF-7358-4D05-9F30-B6B41AF854DB}"/>
+                <a16:creationId xmlns:a16="http://schemas.microsoft.com/office/drawing/2014/main" xmlns="" id="{0DD383AF-7358-4D05-9F30-B6B41AF854DB}"/>
               </a:ext>
             </a:extLst>
           </p:cNvPr>
@@ -12187,7 +12185,7 @@
           <p:cNvPr id="216" name="Соединительная линия уступом 123">
             <a:extLst>
               <a:ext uri="{FF2B5EF4-FFF2-40B4-BE49-F238E27FC236}">
-                <a16:creationId xmlns="" xmlns:a16="http://schemas.microsoft.com/office/drawing/2014/main" id="{0DD383AF-7358-4D05-9F30-B6B41AF854DB}"/>
+                <a16:creationId xmlns:a16="http://schemas.microsoft.com/office/drawing/2014/main" xmlns="" id="{0DD383AF-7358-4D05-9F30-B6B41AF854DB}"/>
               </a:ext>
             </a:extLst>
           </p:cNvPr>
@@ -12292,7 +12290,6 @@
               <a:rPr lang="ru-RU" sz="300" dirty="0"/>
               <a:t>)</a:t>
             </a:r>
-            <a:endParaRPr lang="ru-RU" sz="300" dirty="0"/>
           </a:p>
         </p:txBody>
       </p:sp>
@@ -12425,7 +12422,6 @@
               <a:rPr lang="ru-RU" sz="800" dirty="0"/>
               <a:t>2 военных завода)</a:t>
             </a:r>
-            <a:endParaRPr lang="ru-RU" sz="800" dirty="0"/>
           </a:p>
         </p:txBody>
       </p:sp>
@@ -12486,7 +12482,6 @@
               <a:rPr lang="ru-RU" sz="400" dirty="0"/>
               <a:t>к объёмам производства)</a:t>
             </a:r>
-            <a:endParaRPr lang="ru-RU" sz="400" dirty="0"/>
           </a:p>
         </p:txBody>
       </p:sp>
@@ -12495,7 +12490,7 @@
           <p:cNvPr id="219" name="Соединительная линия уступом 123">
             <a:extLst>
               <a:ext uri="{FF2B5EF4-FFF2-40B4-BE49-F238E27FC236}">
-                <a16:creationId xmlns="" xmlns:a16="http://schemas.microsoft.com/office/drawing/2014/main" id="{95E12289-D5C4-4A71-B46E-2AB617265BCE}"/>
+                <a16:creationId xmlns:a16="http://schemas.microsoft.com/office/drawing/2014/main" xmlns="" id="{95E12289-D5C4-4A71-B46E-2AB617265BCE}"/>
               </a:ext>
             </a:extLst>
           </p:cNvPr>
@@ -12736,6 +12731,150 @@
           </a:fontRef>
         </p:style>
       </p:cxnSp>
+      <p:sp>
+        <p:nvSpPr>
+          <p:cNvPr id="228" name="Прямоугольник 227">
+            <a:extLst>
+              <a:ext uri="{FF2B5EF4-FFF2-40B4-BE49-F238E27FC236}">
+                <a16:creationId xmlns:a16="http://schemas.microsoft.com/office/drawing/2014/main" xmlns="" id="{F8D1DA47-C504-41CD-B91F-0C23B929D953}"/>
+              </a:ext>
+            </a:extLst>
+          </p:cNvPr>
+          <p:cNvSpPr/>
+          <p:nvPr/>
+        </p:nvSpPr>
+        <p:spPr>
+          <a:xfrm>
+            <a:off x="32185149" y="8638546"/>
+            <a:ext cx="926325" cy="540000"/>
+          </a:xfrm>
+          <a:prstGeom prst="rect">
+            <a:avLst/>
+          </a:prstGeom>
+          <a:solidFill>
+            <a:srgbClr val="FF0000"/>
+          </a:solidFill>
+          <a:ln w="19050"/>
+        </p:spPr>
+        <p:style>
+          <a:lnRef idx="2">
+            <a:schemeClr val="accent1"/>
+          </a:lnRef>
+          <a:fillRef idx="1">
+            <a:schemeClr val="lt1"/>
+          </a:fillRef>
+          <a:effectRef idx="0">
+            <a:schemeClr val="accent1"/>
+          </a:effectRef>
+          <a:fontRef idx="minor">
+            <a:schemeClr val="dk1"/>
+          </a:fontRef>
+        </p:style>
+        <p:txBody>
+          <a:bodyPr lIns="124733" tIns="62367" rIns="124733" bIns="62367" rtlCol="0" anchor="ctr"/>
+          <a:lstStyle/>
+          <a:p>
+            <a:pPr algn="ctr"/>
+            <a:r>
+              <a:rPr lang="ru-RU" sz="700" dirty="0" smtClean="0"/>
+              <a:t>Отвернуться от </a:t>
+            </a:r>
+            <a:r>
+              <a:rPr lang="ru-RU" sz="700" dirty="0"/>
+              <a:t>мелкой буржуазии </a:t>
+            </a:r>
+            <a:r>
+              <a:rPr lang="ru-RU" sz="100" dirty="0"/>
+              <a:t>(Большая часть членов социалистической партии с </a:t>
+            </a:r>
+            <a:r>
+              <a:rPr lang="ru-RU" sz="100" dirty="0" err="1"/>
+              <a:t>глу</a:t>
+            </a:r>
+            <a:r>
+              <a:rPr lang="ru-RU" sz="100" dirty="0"/>
+              <a:t> </a:t>
+            </a:r>
+            <a:r>
+              <a:rPr lang="ru-RU" sz="100" dirty="0" err="1"/>
+              <a:t>боким</a:t>
+            </a:r>
+            <a:r>
+              <a:rPr lang="ru-RU" sz="100" dirty="0"/>
+              <a:t> уважением относилась к своим старым лидерам, в особенности к Пабло </a:t>
+            </a:r>
+            <a:r>
+              <a:rPr lang="ru-RU" sz="100" dirty="0" err="1"/>
+              <a:t>Иглесиасу</a:t>
+            </a:r>
+            <a:r>
+              <a:rPr lang="ru-RU" sz="100" dirty="0"/>
+              <a:t>, который как бы </a:t>
+            </a:r>
+            <a:r>
+              <a:rPr lang="ru-RU" sz="100" dirty="0" err="1"/>
+              <a:t>олице</a:t>
+            </a:r>
+            <a:r>
+              <a:rPr lang="ru-RU" sz="100" dirty="0"/>
+              <a:t> </a:t>
+            </a:r>
+            <a:r>
+              <a:rPr lang="ru-RU" sz="100" dirty="0" err="1"/>
+              <a:t>творял</a:t>
+            </a:r>
+            <a:r>
+              <a:rPr lang="ru-RU" sz="100" dirty="0"/>
+              <a:t> героический период рабочего и социалистического движения. Вместе с тем они отвергали либеральную и мелкобуржуазную линию, навязанную партии </a:t>
+            </a:r>
+            <a:r>
+              <a:rPr lang="ru-RU" sz="100" dirty="0" err="1"/>
+              <a:t>Бестейро</a:t>
+            </a:r>
+            <a:r>
+              <a:rPr lang="ru-RU" sz="100" dirty="0"/>
+              <a:t>, Ларго Кабальеро, Фернандо де </a:t>
+            </a:r>
+            <a:r>
+              <a:rPr lang="ru-RU" sz="100" dirty="0" err="1"/>
+              <a:t>лос</a:t>
+            </a:r>
+            <a:r>
+              <a:rPr lang="ru-RU" sz="100" dirty="0"/>
+              <a:t> </a:t>
+            </a:r>
+            <a:r>
+              <a:rPr lang="ru-RU" sz="100" dirty="0" err="1"/>
+              <a:t>Риосом</a:t>
+            </a:r>
+            <a:r>
+              <a:rPr lang="ru-RU" sz="100" dirty="0"/>
+              <a:t>, </a:t>
+            </a:r>
+            <a:r>
+              <a:rPr lang="ru-RU" sz="100" dirty="0" err="1"/>
+              <a:t>Саборитом</a:t>
+            </a:r>
+            <a:r>
+              <a:rPr lang="ru-RU" sz="100" dirty="0"/>
+              <a:t>, </a:t>
+            </a:r>
+            <a:r>
+              <a:rPr lang="ru-RU" sz="100" dirty="0" err="1"/>
+              <a:t>Прието</a:t>
+            </a:r>
+            <a:r>
+              <a:rPr lang="ru-RU" sz="100" dirty="0"/>
+              <a:t> и </a:t>
+            </a:r>
+            <a:r>
+              <a:rPr lang="ru-RU" sz="100" dirty="0" smtClean="0"/>
+              <a:t>другими)</a:t>
+            </a:r>
+            <a:endParaRPr lang="ru-RU" sz="100" dirty="0"/>
+          </a:p>
+        </p:txBody>
+      </p:sp>
     </p:spTree>
     <p:extLst>
       <p:ext uri="{BB962C8B-B14F-4D97-AF65-F5344CB8AC3E}">
@@ -13004,7 +13143,7 @@
   <a:extraClrSchemeLst/>
   <a:extLst>
     <a:ext uri="{05A4C25C-085E-4340-85A3-A5531E510DB2}">
-      <thm15:themeFamily xmlns="" xmlns:thm15="http://schemas.microsoft.com/office/thememl/2012/main" name="Office Theme" id="{62F939B6-93AF-4DB8-9C6B-D6C7DFDC589F}" vid="{4A3C46E8-61CC-4603-A589-7422A47A8E4A}"/>
+      <thm15:themeFamily xmlns:thm15="http://schemas.microsoft.com/office/thememl/2012/main" xmlns="" name="Office Theme" id="{62F939B6-93AF-4DB8-9C6B-D6C7DFDC589F}" vid="{4A3C46E8-61CC-4603-A589-7422A47A8E4A}"/>
     </a:ext>
   </a:extLst>
 </a:theme>
@@ -13265,7 +13404,7 @@
   <a:extraClrSchemeLst/>
   <a:extLst>
     <a:ext uri="{05A4C25C-085E-4340-85A3-A5531E510DB2}">
-      <thm15:themeFamily xmlns="" xmlns:thm15="http://schemas.microsoft.com/office/thememl/2012/main" name="Office Theme" id="{62F939B6-93AF-4DB8-9C6B-D6C7DFDC589F}" vid="{4A3C46E8-61CC-4603-A589-7422A47A8E4A}"/>
+      <thm15:themeFamily xmlns:thm15="http://schemas.microsoft.com/office/thememl/2012/main" xmlns="" name="Office Theme" id="{62F939B6-93AF-4DB8-9C6B-D6C7DFDC589F}" vid="{4A3C46E8-61CC-4603-A589-7422A47A8E4A}"/>
     </a:ext>
   </a:extLst>
 </a:theme>

--- a/Наработки/диздоки/Испания/Испания левые.pptx
+++ b/Наработки/диздоки/Испания/Испания левые.pptx
@@ -109,7 +109,7 @@
   </p:defaultTextStyle>
   <p:extLst>
     <p:ext uri="{EFAFB233-063F-42B5-8137-9DF3F51BA10A}">
-      <p15:sldGuideLst xmlns:p15="http://schemas.microsoft.com/office/powerpoint/2012/main" xmlns="">
+      <p15:sldGuideLst xmlns="" xmlns:p15="http://schemas.microsoft.com/office/powerpoint/2012/main">
         <p15:guide id="1" orient="horz" pos="11344">
           <p15:clr>
             <a:srgbClr val="A4A3A4"/>
@@ -209,7 +209,7 @@
             <a:fld id="{33E3D7F9-E251-484C-A6FF-FA958879DF69}" type="datetimeFigureOut">
               <a:rPr lang="ru-RU" smtClean="0"/>
               <a:pPr/>
-              <a:t>19.12.2023</a:t>
+              <a:t>21.12.2023</a:t>
             </a:fld>
             <a:endParaRPr lang="ru-RU"/>
           </a:p>
@@ -699,7 +699,7 @@
             <a:fld id="{85A5DE44-605B-4D3B-B2B7-94543DF81A36}" type="datetimeFigureOut">
               <a:rPr lang="ru-RU" smtClean="0"/>
               <a:pPr/>
-              <a:t>19.12.2023</a:t>
+              <a:t>21.12.2023</a:t>
             </a:fld>
             <a:endParaRPr lang="ru-RU"/>
           </a:p>
@@ -871,7 +871,7 @@
             <a:fld id="{85A5DE44-605B-4D3B-B2B7-94543DF81A36}" type="datetimeFigureOut">
               <a:rPr lang="ru-RU" smtClean="0"/>
               <a:pPr/>
-              <a:t>19.12.2023</a:t>
+              <a:t>21.12.2023</a:t>
             </a:fld>
             <a:endParaRPr lang="ru-RU"/>
           </a:p>
@@ -1053,7 +1053,7 @@
             <a:fld id="{85A5DE44-605B-4D3B-B2B7-94543DF81A36}" type="datetimeFigureOut">
               <a:rPr lang="ru-RU" smtClean="0"/>
               <a:pPr/>
-              <a:t>19.12.2023</a:t>
+              <a:t>21.12.2023</a:t>
             </a:fld>
             <a:endParaRPr lang="ru-RU"/>
           </a:p>
@@ -1225,7 +1225,7 @@
             <a:fld id="{85A5DE44-605B-4D3B-B2B7-94543DF81A36}" type="datetimeFigureOut">
               <a:rPr lang="ru-RU" smtClean="0"/>
               <a:pPr/>
-              <a:t>19.12.2023</a:t>
+              <a:t>21.12.2023</a:t>
             </a:fld>
             <a:endParaRPr lang="ru-RU"/>
           </a:p>
@@ -1473,7 +1473,7 @@
             <a:fld id="{85A5DE44-605B-4D3B-B2B7-94543DF81A36}" type="datetimeFigureOut">
               <a:rPr lang="ru-RU" smtClean="0"/>
               <a:pPr/>
-              <a:t>19.12.2023</a:t>
+              <a:t>21.12.2023</a:t>
             </a:fld>
             <a:endParaRPr lang="ru-RU"/>
           </a:p>
@@ -1707,7 +1707,7 @@
             <a:fld id="{85A5DE44-605B-4D3B-B2B7-94543DF81A36}" type="datetimeFigureOut">
               <a:rPr lang="ru-RU" smtClean="0"/>
               <a:pPr/>
-              <a:t>19.12.2023</a:t>
+              <a:t>21.12.2023</a:t>
             </a:fld>
             <a:endParaRPr lang="ru-RU"/>
           </a:p>
@@ -2076,7 +2076,7 @@
             <a:fld id="{85A5DE44-605B-4D3B-B2B7-94543DF81A36}" type="datetimeFigureOut">
               <a:rPr lang="ru-RU" smtClean="0"/>
               <a:pPr/>
-              <a:t>19.12.2023</a:t>
+              <a:t>21.12.2023</a:t>
             </a:fld>
             <a:endParaRPr lang="ru-RU"/>
           </a:p>
@@ -2196,7 +2196,7 @@
             <a:fld id="{85A5DE44-605B-4D3B-B2B7-94543DF81A36}" type="datetimeFigureOut">
               <a:rPr lang="ru-RU" smtClean="0"/>
               <a:pPr/>
-              <a:t>19.12.2023</a:t>
+              <a:t>21.12.2023</a:t>
             </a:fld>
             <a:endParaRPr lang="ru-RU"/>
           </a:p>
@@ -2293,7 +2293,7 @@
             <a:fld id="{85A5DE44-605B-4D3B-B2B7-94543DF81A36}" type="datetimeFigureOut">
               <a:rPr lang="ru-RU" smtClean="0"/>
               <a:pPr/>
-              <a:t>19.12.2023</a:t>
+              <a:t>21.12.2023</a:t>
             </a:fld>
             <a:endParaRPr lang="ru-RU"/>
           </a:p>
@@ -2572,7 +2572,7 @@
             <a:fld id="{85A5DE44-605B-4D3B-B2B7-94543DF81A36}" type="datetimeFigureOut">
               <a:rPr lang="ru-RU" smtClean="0"/>
               <a:pPr/>
-              <a:t>19.12.2023</a:t>
+              <a:t>21.12.2023</a:t>
             </a:fld>
             <a:endParaRPr lang="ru-RU"/>
           </a:p>
@@ -2831,7 +2831,7 @@
             <a:fld id="{85A5DE44-605B-4D3B-B2B7-94543DF81A36}" type="datetimeFigureOut">
               <a:rPr lang="ru-RU" smtClean="0"/>
               <a:pPr/>
-              <a:t>19.12.2023</a:t>
+              <a:t>21.12.2023</a:t>
             </a:fld>
             <a:endParaRPr lang="ru-RU"/>
           </a:p>
@@ -3046,7 +3046,7 @@
             <a:fld id="{85A5DE44-605B-4D3B-B2B7-94543DF81A36}" type="datetimeFigureOut">
               <a:rPr lang="ru-RU" smtClean="0"/>
               <a:pPr/>
-              <a:t>19.12.2023</a:t>
+              <a:t>21.12.2023</a:t>
             </a:fld>
             <a:endParaRPr lang="ru-RU"/>
           </a:p>
@@ -3811,7 +3811,7 @@
         </p:nvSpPr>
         <p:spPr>
           <a:xfrm>
-            <a:off x="19371365" y="4636649"/>
+            <a:off x="17021865" y="4636649"/>
             <a:ext cx="926325" cy="540000"/>
           </a:xfrm>
           <a:prstGeom prst="rect">
@@ -3882,8 +3882,8 @@
         </p:nvCxnSpPr>
         <p:spPr>
           <a:xfrm rot="5400000">
-            <a:off x="25592335" y="-1398593"/>
-            <a:ext cx="277435" cy="11793048"/>
+            <a:off x="24417585" y="-2573343"/>
+            <a:ext cx="277435" cy="14142548"/>
           </a:xfrm>
           <a:prstGeom prst="bentConnector3">
             <a:avLst>
@@ -4656,8 +4656,8 @@
         </p:nvCxnSpPr>
         <p:spPr>
           <a:xfrm rot="16200000" flipH="1">
-            <a:off x="20528106" y="4483071"/>
-            <a:ext cx="267278" cy="1654434"/>
+            <a:off x="19353356" y="3308321"/>
+            <a:ext cx="267278" cy="4003934"/>
           </a:xfrm>
           <a:prstGeom prst="bentConnector3">
             <a:avLst>
@@ -5519,7 +5519,7 @@
         </p:nvSpPr>
         <p:spPr>
           <a:xfrm>
-            <a:off x="18239247" y="6250123"/>
+            <a:off x="15889747" y="6250123"/>
             <a:ext cx="926325" cy="540000"/>
           </a:xfrm>
           <a:prstGeom prst="rect">
@@ -5571,7 +5571,7 @@
         </p:nvSpPr>
         <p:spPr>
           <a:xfrm>
-            <a:off x="19939679" y="5435188"/>
+            <a:off x="17590179" y="5435188"/>
             <a:ext cx="926325" cy="540000"/>
           </a:xfrm>
           <a:prstGeom prst="rect">
@@ -5632,7 +5632,7 @@
         </p:nvSpPr>
         <p:spPr>
           <a:xfrm>
-            <a:off x="18783304" y="5433953"/>
+            <a:off x="16433804" y="5433953"/>
             <a:ext cx="926325" cy="540000"/>
           </a:xfrm>
           <a:prstGeom prst="rect">
@@ -5684,7 +5684,7 @@
         </p:nvCxnSpPr>
         <p:spPr>
           <a:xfrm rot="16200000" flipH="1">
-            <a:off x="19989416" y="5021761"/>
+            <a:off x="17639916" y="5021761"/>
             <a:ext cx="258539" cy="568314"/>
           </a:xfrm>
           <a:prstGeom prst="bentConnector3">
@@ -5722,7 +5722,7 @@
         </p:nvCxnSpPr>
         <p:spPr>
           <a:xfrm rot="5400000">
-            <a:off x="19411846" y="5011271"/>
+            <a:off x="17062346" y="5011271"/>
             <a:ext cx="257304" cy="588061"/>
           </a:xfrm>
           <a:prstGeom prst="bentConnector3">
@@ -5757,7 +5757,7 @@
         </p:nvSpPr>
         <p:spPr>
           <a:xfrm>
-            <a:off x="20449157" y="6250123"/>
+            <a:off x="18099657" y="6250123"/>
             <a:ext cx="926325" cy="540000"/>
           </a:xfrm>
           <a:prstGeom prst="rect">
@@ -5856,7 +5856,7 @@
         </p:nvSpPr>
         <p:spPr>
           <a:xfrm>
-            <a:off x="18783303" y="7060408"/>
+            <a:off x="15889748" y="7075617"/>
             <a:ext cx="926325" cy="540000"/>
           </a:xfrm>
           <a:prstGeom prst="rect">
@@ -5908,7 +5908,7 @@
         </p:nvCxnSpPr>
         <p:spPr>
           <a:xfrm rot="16200000" flipH="1">
-            <a:off x="20520114" y="5857916"/>
+            <a:off x="18170614" y="5857916"/>
             <a:ext cx="274935" cy="509478"/>
           </a:xfrm>
           <a:prstGeom prst="bentConnector3">
@@ -5946,7 +5946,7 @@
         </p:nvCxnSpPr>
         <p:spPr>
           <a:xfrm rot="5400000">
-            <a:off x="18836354" y="5840010"/>
+            <a:off x="16486854" y="5840010"/>
             <a:ext cx="276170" cy="544057"/>
           </a:xfrm>
           <a:prstGeom prst="bentConnector3">
@@ -7752,7 +7752,7 @@
         </p:nvSpPr>
         <p:spPr>
           <a:xfrm>
-            <a:off x="17669434" y="5429921"/>
+            <a:off x="15319934" y="5429921"/>
             <a:ext cx="926325" cy="540000"/>
           </a:xfrm>
           <a:prstGeom prst="rect">
@@ -7807,7 +7807,7 @@
         </p:nvCxnSpPr>
         <p:spPr>
           <a:xfrm rot="5400000">
-            <a:off x="18856927" y="4452320"/>
+            <a:off x="16507427" y="4452320"/>
             <a:ext cx="253272" cy="1701931"/>
           </a:xfrm>
           <a:prstGeom prst="bentConnector3">
@@ -7842,7 +7842,7 @@
         </p:nvSpPr>
         <p:spPr>
           <a:xfrm>
-            <a:off x="19371366" y="6259267"/>
+            <a:off x="17021866" y="6259267"/>
             <a:ext cx="926325" cy="540000"/>
           </a:xfrm>
           <a:prstGeom prst="rect">
@@ -7897,7 +7897,7 @@
         </p:nvCxnSpPr>
         <p:spPr>
           <a:xfrm rot="16200000" flipH="1">
-            <a:off x="19293219" y="5717957"/>
+            <a:off x="16943719" y="5717957"/>
             <a:ext cx="1082618" cy="1"/>
           </a:xfrm>
           <a:prstGeom prst="bentConnector3">
@@ -8048,7 +8048,7 @@
           <p:cNvPr id="130" name="Прямоугольник 129">
             <a:extLst>
               <a:ext uri="{FF2B5EF4-FFF2-40B4-BE49-F238E27FC236}">
-                <a16:creationId xmlns:a16="http://schemas.microsoft.com/office/drawing/2014/main" xmlns="" id="{32EFE5A9-491B-46C7-9CCC-EC70745CA00A}"/>
+                <a16:creationId xmlns="" xmlns:a16="http://schemas.microsoft.com/office/drawing/2014/main" id="{32EFE5A9-491B-46C7-9CCC-EC70745CA00A}"/>
               </a:ext>
             </a:extLst>
           </p:cNvPr>
@@ -8102,7 +8102,7 @@
           <p:cNvPr id="133" name="Прямая соединительная линия 132">
             <a:extLst>
               <a:ext uri="{FF2B5EF4-FFF2-40B4-BE49-F238E27FC236}">
-                <a16:creationId xmlns:a16="http://schemas.microsoft.com/office/drawing/2014/main" xmlns="" id="{B210A86C-E791-474B-AD43-67AC3A2D8E92}"/>
+                <a16:creationId xmlns="" xmlns:a16="http://schemas.microsoft.com/office/drawing/2014/main" id="{B210A86C-E791-474B-AD43-67AC3A2D8E92}"/>
               </a:ext>
             </a:extLst>
           </p:cNvPr>
@@ -8147,7 +8147,7 @@
           <p:cNvPr id="107" name="Прямоугольник 106">
             <a:extLst>
               <a:ext uri="{FF2B5EF4-FFF2-40B4-BE49-F238E27FC236}">
-                <a16:creationId xmlns:a16="http://schemas.microsoft.com/office/drawing/2014/main" xmlns="" id="{B2FF6737-5293-4F39-BB5E-A666306D5E15}"/>
+                <a16:creationId xmlns="" xmlns:a16="http://schemas.microsoft.com/office/drawing/2014/main" id="{B2FF6737-5293-4F39-BB5E-A666306D5E15}"/>
               </a:ext>
             </a:extLst>
           </p:cNvPr>
@@ -8211,7 +8211,7 @@
           <p:cNvPr id="112" name="Прямоугольник 111">
             <a:extLst>
               <a:ext uri="{FF2B5EF4-FFF2-40B4-BE49-F238E27FC236}">
-                <a16:creationId xmlns:a16="http://schemas.microsoft.com/office/drawing/2014/main" xmlns="" id="{2B34BD92-035E-496F-BA59-E167AF97AB50}"/>
+                <a16:creationId xmlns="" xmlns:a16="http://schemas.microsoft.com/office/drawing/2014/main" id="{2B34BD92-035E-496F-BA59-E167AF97AB50}"/>
               </a:ext>
             </a:extLst>
           </p:cNvPr>
@@ -8275,7 +8275,7 @@
           <p:cNvPr id="135" name="Прямоугольник 134">
             <a:extLst>
               <a:ext uri="{FF2B5EF4-FFF2-40B4-BE49-F238E27FC236}">
-                <a16:creationId xmlns:a16="http://schemas.microsoft.com/office/drawing/2014/main" xmlns="" id="{3F73D485-85C1-4021-BF3A-F98C9D79AF9E}"/>
+                <a16:creationId xmlns="" xmlns:a16="http://schemas.microsoft.com/office/drawing/2014/main" id="{3F73D485-85C1-4021-BF3A-F98C9D79AF9E}"/>
               </a:ext>
             </a:extLst>
           </p:cNvPr>
@@ -8330,7 +8330,7 @@
           <p:cNvPr id="153" name="Прямая соединительная линия 152">
             <a:extLst>
               <a:ext uri="{FF2B5EF4-FFF2-40B4-BE49-F238E27FC236}">
-                <a16:creationId xmlns:a16="http://schemas.microsoft.com/office/drawing/2014/main" xmlns="" id="{44D5A13D-ED90-4D47-9D98-6095F6E2D8DD}"/>
+                <a16:creationId xmlns="" xmlns:a16="http://schemas.microsoft.com/office/drawing/2014/main" id="{44D5A13D-ED90-4D47-9D98-6095F6E2D8DD}"/>
               </a:ext>
             </a:extLst>
           </p:cNvPr>
@@ -8375,7 +8375,7 @@
           <p:cNvPr id="154" name="Прямоугольник 153">
             <a:extLst>
               <a:ext uri="{FF2B5EF4-FFF2-40B4-BE49-F238E27FC236}">
-                <a16:creationId xmlns:a16="http://schemas.microsoft.com/office/drawing/2014/main" xmlns="" id="{1DE535CF-D5C4-47EA-8554-CD69456F19F1}"/>
+                <a16:creationId xmlns="" xmlns:a16="http://schemas.microsoft.com/office/drawing/2014/main" id="{1DE535CF-D5C4-47EA-8554-CD69456F19F1}"/>
               </a:ext>
             </a:extLst>
           </p:cNvPr>
@@ -8437,7 +8437,7 @@
           <p:cNvPr id="155" name="Прямоугольник 154">
             <a:extLst>
               <a:ext uri="{FF2B5EF4-FFF2-40B4-BE49-F238E27FC236}">
-                <a16:creationId xmlns:a16="http://schemas.microsoft.com/office/drawing/2014/main" xmlns="" id="{AE63F9D4-E3FE-49AD-A901-494855E870B6}"/>
+                <a16:creationId xmlns="" xmlns:a16="http://schemas.microsoft.com/office/drawing/2014/main" id="{AE63F9D4-E3FE-49AD-A901-494855E870B6}"/>
               </a:ext>
             </a:extLst>
           </p:cNvPr>
@@ -8499,7 +8499,7 @@
           <p:cNvPr id="156" name="Прямоугольник 155">
             <a:extLst>
               <a:ext uri="{FF2B5EF4-FFF2-40B4-BE49-F238E27FC236}">
-                <a16:creationId xmlns:a16="http://schemas.microsoft.com/office/drawing/2014/main" xmlns="" id="{6EDC6DCB-25E6-4101-87E3-6FE8795BB9DC}"/>
+                <a16:creationId xmlns="" xmlns:a16="http://schemas.microsoft.com/office/drawing/2014/main" id="{6EDC6DCB-25E6-4101-87E3-6FE8795BB9DC}"/>
               </a:ext>
             </a:extLst>
           </p:cNvPr>
@@ -8569,7 +8569,7 @@
           <p:cNvPr id="157" name="Соединительная линия уступом 59">
             <a:extLst>
               <a:ext uri="{FF2B5EF4-FFF2-40B4-BE49-F238E27FC236}">
-                <a16:creationId xmlns:a16="http://schemas.microsoft.com/office/drawing/2014/main" xmlns="" id="{ED19BEBE-D154-4028-B840-BC4A19EBF25A}"/>
+                <a16:creationId xmlns="" xmlns:a16="http://schemas.microsoft.com/office/drawing/2014/main" id="{ED19BEBE-D154-4028-B840-BC4A19EBF25A}"/>
               </a:ext>
             </a:extLst>
           </p:cNvPr>
@@ -8614,7 +8614,7 @@
           <p:cNvPr id="158" name="Соединительная линия уступом 59">
             <a:extLst>
               <a:ext uri="{FF2B5EF4-FFF2-40B4-BE49-F238E27FC236}">
-                <a16:creationId xmlns:a16="http://schemas.microsoft.com/office/drawing/2014/main" xmlns="" id="{7066AE11-5134-458C-89E0-082A59BB1B0F}"/>
+                <a16:creationId xmlns="" xmlns:a16="http://schemas.microsoft.com/office/drawing/2014/main" id="{7066AE11-5134-458C-89E0-082A59BB1B0F}"/>
               </a:ext>
             </a:extLst>
           </p:cNvPr>
@@ -8659,7 +8659,7 @@
           <p:cNvPr id="159" name="Прямоугольник 158">
             <a:extLst>
               <a:ext uri="{FF2B5EF4-FFF2-40B4-BE49-F238E27FC236}">
-                <a16:creationId xmlns:a16="http://schemas.microsoft.com/office/drawing/2014/main" xmlns="" id="{691AD626-DD8A-4A61-A88C-B3EB5598250C}"/>
+                <a16:creationId xmlns="" xmlns:a16="http://schemas.microsoft.com/office/drawing/2014/main" id="{691AD626-DD8A-4A61-A88C-B3EB5598250C}"/>
               </a:ext>
             </a:extLst>
           </p:cNvPr>
@@ -8737,7 +8737,7 @@
           <p:cNvPr id="160" name="Прямоугольник 159">
             <a:extLst>
               <a:ext uri="{FF2B5EF4-FFF2-40B4-BE49-F238E27FC236}">
-                <a16:creationId xmlns:a16="http://schemas.microsoft.com/office/drawing/2014/main" xmlns="" id="{2A50D594-2C2E-4BDC-8F6D-0BE0FE128D99}"/>
+                <a16:creationId xmlns="" xmlns:a16="http://schemas.microsoft.com/office/drawing/2014/main" id="{2A50D594-2C2E-4BDC-8F6D-0BE0FE128D99}"/>
               </a:ext>
             </a:extLst>
           </p:cNvPr>
@@ -8828,7 +8828,7 @@
           <p:cNvPr id="161" name="Прямая соединительная линия 160">
             <a:extLst>
               <a:ext uri="{FF2B5EF4-FFF2-40B4-BE49-F238E27FC236}">
-                <a16:creationId xmlns:a16="http://schemas.microsoft.com/office/drawing/2014/main" xmlns="" id="{BF4D2C3F-BCB4-485D-98D8-A6C1B37BA272}"/>
+                <a16:creationId xmlns="" xmlns:a16="http://schemas.microsoft.com/office/drawing/2014/main" id="{BF4D2C3F-BCB4-485D-98D8-A6C1B37BA272}"/>
               </a:ext>
             </a:extLst>
           </p:cNvPr>
@@ -8873,7 +8873,7 @@
           <p:cNvPr id="162" name="Прямоугольник 161">
             <a:extLst>
               <a:ext uri="{FF2B5EF4-FFF2-40B4-BE49-F238E27FC236}">
-                <a16:creationId xmlns:a16="http://schemas.microsoft.com/office/drawing/2014/main" xmlns="" id="{0F278698-6314-41F4-905C-AAC488F37EAD}"/>
+                <a16:creationId xmlns="" xmlns:a16="http://schemas.microsoft.com/office/drawing/2014/main" id="{0F278698-6314-41F4-905C-AAC488F37EAD}"/>
               </a:ext>
             </a:extLst>
           </p:cNvPr>
@@ -8943,7 +8943,7 @@
           <p:cNvPr id="163" name="Соединительная линия уступом 59">
             <a:extLst>
               <a:ext uri="{FF2B5EF4-FFF2-40B4-BE49-F238E27FC236}">
-                <a16:creationId xmlns:a16="http://schemas.microsoft.com/office/drawing/2014/main" xmlns="" id="{41E480A3-A812-4731-BA0E-CEBFE1B527FF}"/>
+                <a16:creationId xmlns="" xmlns:a16="http://schemas.microsoft.com/office/drawing/2014/main" id="{41E480A3-A812-4731-BA0E-CEBFE1B527FF}"/>
               </a:ext>
             </a:extLst>
           </p:cNvPr>
@@ -8988,7 +8988,7 @@
           <p:cNvPr id="164" name="Прямоугольник 163">
             <a:extLst>
               <a:ext uri="{FF2B5EF4-FFF2-40B4-BE49-F238E27FC236}">
-                <a16:creationId xmlns:a16="http://schemas.microsoft.com/office/drawing/2014/main" xmlns="" id="{817CA413-A4A0-4A2F-9F7B-77FC6A4148F5}"/>
+                <a16:creationId xmlns="" xmlns:a16="http://schemas.microsoft.com/office/drawing/2014/main" id="{817CA413-A4A0-4A2F-9F7B-77FC6A4148F5}"/>
               </a:ext>
             </a:extLst>
           </p:cNvPr>
@@ -9079,7 +9079,7 @@
           <p:cNvPr id="165" name="Прямоугольник 164">
             <a:extLst>
               <a:ext uri="{FF2B5EF4-FFF2-40B4-BE49-F238E27FC236}">
-                <a16:creationId xmlns:a16="http://schemas.microsoft.com/office/drawing/2014/main" xmlns="" id="{FF2ECD0E-F830-493C-924F-6B0B2E2E822E}"/>
+                <a16:creationId xmlns="" xmlns:a16="http://schemas.microsoft.com/office/drawing/2014/main" id="{FF2ECD0E-F830-493C-924F-6B0B2E2E822E}"/>
               </a:ext>
             </a:extLst>
           </p:cNvPr>
@@ -9290,7 +9290,7 @@
           <p:cNvPr id="166" name="Прямоугольник 165">
             <a:extLst>
               <a:ext uri="{FF2B5EF4-FFF2-40B4-BE49-F238E27FC236}">
-                <a16:creationId xmlns:a16="http://schemas.microsoft.com/office/drawing/2014/main" xmlns="" id="{1237210D-3F71-4FFB-898E-68BAEFE6FDDA}"/>
+                <a16:creationId xmlns="" xmlns:a16="http://schemas.microsoft.com/office/drawing/2014/main" id="{1237210D-3F71-4FFB-898E-68BAEFE6FDDA}"/>
               </a:ext>
             </a:extLst>
           </p:cNvPr>
@@ -9344,7 +9344,7 @@
           <p:cNvPr id="167" name="Соединительная линия уступом 59">
             <a:extLst>
               <a:ext uri="{FF2B5EF4-FFF2-40B4-BE49-F238E27FC236}">
-                <a16:creationId xmlns:a16="http://schemas.microsoft.com/office/drawing/2014/main" xmlns="" id="{8BF20860-5267-4C89-9A69-5F2FF8043CE3}"/>
+                <a16:creationId xmlns="" xmlns:a16="http://schemas.microsoft.com/office/drawing/2014/main" id="{8BF20860-5267-4C89-9A69-5F2FF8043CE3}"/>
               </a:ext>
             </a:extLst>
           </p:cNvPr>
@@ -9389,7 +9389,7 @@
           <p:cNvPr id="168" name="Соединительная линия уступом 59">
             <a:extLst>
               <a:ext uri="{FF2B5EF4-FFF2-40B4-BE49-F238E27FC236}">
-                <a16:creationId xmlns:a16="http://schemas.microsoft.com/office/drawing/2014/main" xmlns="" id="{8BB7AA36-FD11-40F3-952A-FDE960A6929F}"/>
+                <a16:creationId xmlns="" xmlns:a16="http://schemas.microsoft.com/office/drawing/2014/main" id="{8BB7AA36-FD11-40F3-952A-FDE960A6929F}"/>
               </a:ext>
             </a:extLst>
           </p:cNvPr>
@@ -9434,7 +9434,7 @@
           <p:cNvPr id="169" name="Соединительная линия уступом 60">
             <a:extLst>
               <a:ext uri="{FF2B5EF4-FFF2-40B4-BE49-F238E27FC236}">
-                <a16:creationId xmlns:a16="http://schemas.microsoft.com/office/drawing/2014/main" xmlns="" id="{504572F0-7FA5-4F81-9D4B-C3FB5F7E24A6}"/>
+                <a16:creationId xmlns="" xmlns:a16="http://schemas.microsoft.com/office/drawing/2014/main" id="{504572F0-7FA5-4F81-9D4B-C3FB5F7E24A6}"/>
               </a:ext>
             </a:extLst>
           </p:cNvPr>
@@ -9479,7 +9479,7 @@
           <p:cNvPr id="171" name="Соединительная линия уступом 123">
             <a:extLst>
               <a:ext uri="{FF2B5EF4-FFF2-40B4-BE49-F238E27FC236}">
-                <a16:creationId xmlns:a16="http://schemas.microsoft.com/office/drawing/2014/main" xmlns="" id="{0DD383AF-7358-4D05-9F30-B6B41AF854DB}"/>
+                <a16:creationId xmlns="" xmlns:a16="http://schemas.microsoft.com/office/drawing/2014/main" id="{0DD383AF-7358-4D05-9F30-B6B41AF854DB}"/>
               </a:ext>
             </a:extLst>
           </p:cNvPr>
@@ -9524,7 +9524,7 @@
           <p:cNvPr id="173" name="Соединительная линия уступом 123">
             <a:extLst>
               <a:ext uri="{FF2B5EF4-FFF2-40B4-BE49-F238E27FC236}">
-                <a16:creationId xmlns:a16="http://schemas.microsoft.com/office/drawing/2014/main" xmlns="" id="{08826EB2-04D8-4B9D-A85C-F5AB140406B1}"/>
+                <a16:creationId xmlns="" xmlns:a16="http://schemas.microsoft.com/office/drawing/2014/main" id="{08826EB2-04D8-4B9D-A85C-F5AB140406B1}"/>
               </a:ext>
             </a:extLst>
           </p:cNvPr>
@@ -9569,7 +9569,7 @@
           <p:cNvPr id="177" name="Соединительная линия уступом 59">
             <a:extLst>
               <a:ext uri="{FF2B5EF4-FFF2-40B4-BE49-F238E27FC236}">
-                <a16:creationId xmlns:a16="http://schemas.microsoft.com/office/drawing/2014/main" xmlns="" id="{76206442-5802-4ECC-89FF-725CB9831F7E}"/>
+                <a16:creationId xmlns="" xmlns:a16="http://schemas.microsoft.com/office/drawing/2014/main" id="{76206442-5802-4ECC-89FF-725CB9831F7E}"/>
               </a:ext>
             </a:extLst>
           </p:cNvPr>
@@ -9615,7 +9615,7 @@
           <p:cNvPr id="180" name="Прямоугольник 179">
             <a:extLst>
               <a:ext uri="{FF2B5EF4-FFF2-40B4-BE49-F238E27FC236}">
-                <a16:creationId xmlns:a16="http://schemas.microsoft.com/office/drawing/2014/main" xmlns="" id="{7DAEAC1F-B20B-46CD-B818-99851DE5EF87}"/>
+                <a16:creationId xmlns="" xmlns:a16="http://schemas.microsoft.com/office/drawing/2014/main" id="{7DAEAC1F-B20B-46CD-B818-99851DE5EF87}"/>
               </a:ext>
             </a:extLst>
           </p:cNvPr>
@@ -9669,7 +9669,7 @@
           <p:cNvPr id="181" name="Соединительная линия уступом 59">
             <a:extLst>
               <a:ext uri="{FF2B5EF4-FFF2-40B4-BE49-F238E27FC236}">
-                <a16:creationId xmlns:a16="http://schemas.microsoft.com/office/drawing/2014/main" xmlns="" id="{146CBA15-0EC9-4B49-9151-897C0373358B}"/>
+                <a16:creationId xmlns="" xmlns:a16="http://schemas.microsoft.com/office/drawing/2014/main" id="{146CBA15-0EC9-4B49-9151-897C0373358B}"/>
               </a:ext>
             </a:extLst>
           </p:cNvPr>
@@ -9714,7 +9714,7 @@
           <p:cNvPr id="184" name="Соединительная линия уступом 59">
             <a:extLst>
               <a:ext uri="{FF2B5EF4-FFF2-40B4-BE49-F238E27FC236}">
-                <a16:creationId xmlns:a16="http://schemas.microsoft.com/office/drawing/2014/main" xmlns="" id="{C84E4D7F-D864-4DC0-BB2F-86D444193691}"/>
+                <a16:creationId xmlns="" xmlns:a16="http://schemas.microsoft.com/office/drawing/2014/main" id="{C84E4D7F-D864-4DC0-BB2F-86D444193691}"/>
               </a:ext>
             </a:extLst>
           </p:cNvPr>
@@ -9760,7 +9760,7 @@
           <p:cNvPr id="187" name="Соединительная линия уступом 59">
             <a:extLst>
               <a:ext uri="{FF2B5EF4-FFF2-40B4-BE49-F238E27FC236}">
-                <a16:creationId xmlns:a16="http://schemas.microsoft.com/office/drawing/2014/main" xmlns="" id="{047E7F83-180D-4C03-BC66-692FB1C56DBF}"/>
+                <a16:creationId xmlns="" xmlns:a16="http://schemas.microsoft.com/office/drawing/2014/main" id="{047E7F83-180D-4C03-BC66-692FB1C56DBF}"/>
               </a:ext>
             </a:extLst>
           </p:cNvPr>
@@ -9806,7 +9806,7 @@
           <p:cNvPr id="200" name="Прямоугольник 199">
             <a:extLst>
               <a:ext uri="{FF2B5EF4-FFF2-40B4-BE49-F238E27FC236}">
-                <a16:creationId xmlns:a16="http://schemas.microsoft.com/office/drawing/2014/main" xmlns="" id="{E605C39C-68E5-47BE-BB9B-455D1E372FDC}"/>
+                <a16:creationId xmlns="" xmlns:a16="http://schemas.microsoft.com/office/drawing/2014/main" id="{E605C39C-68E5-47BE-BB9B-455D1E372FDC}"/>
               </a:ext>
             </a:extLst>
           </p:cNvPr>
@@ -9860,7 +9860,7 @@
           <p:cNvPr id="201" name="Прямоугольник 200">
             <a:extLst>
               <a:ext uri="{FF2B5EF4-FFF2-40B4-BE49-F238E27FC236}">
-                <a16:creationId xmlns:a16="http://schemas.microsoft.com/office/drawing/2014/main" xmlns="" id="{7F4404B0-4AD2-46F4-AED9-158653BD1476}"/>
+                <a16:creationId xmlns="" xmlns:a16="http://schemas.microsoft.com/office/drawing/2014/main" id="{7F4404B0-4AD2-46F4-AED9-158653BD1476}"/>
               </a:ext>
             </a:extLst>
           </p:cNvPr>
@@ -9914,7 +9914,7 @@
           <p:cNvPr id="202" name="Соединительная линия уступом 123">
             <a:extLst>
               <a:ext uri="{FF2B5EF4-FFF2-40B4-BE49-F238E27FC236}">
-                <a16:creationId xmlns:a16="http://schemas.microsoft.com/office/drawing/2014/main" xmlns="" id="{95E12289-D5C4-4A71-B46E-2AB617265BCE}"/>
+                <a16:creationId xmlns="" xmlns:a16="http://schemas.microsoft.com/office/drawing/2014/main" id="{95E12289-D5C4-4A71-B46E-2AB617265BCE}"/>
               </a:ext>
             </a:extLst>
           </p:cNvPr>
@@ -9959,7 +9959,7 @@
           <p:cNvPr id="205" name="Соединительная линия уступом 123">
             <a:extLst>
               <a:ext uri="{FF2B5EF4-FFF2-40B4-BE49-F238E27FC236}">
-                <a16:creationId xmlns:a16="http://schemas.microsoft.com/office/drawing/2014/main" xmlns="" id="{57A7C273-2588-4AC4-A707-30CFC6E5A3DB}"/>
+                <a16:creationId xmlns="" xmlns:a16="http://schemas.microsoft.com/office/drawing/2014/main" id="{57A7C273-2588-4AC4-A707-30CFC6E5A3DB}"/>
               </a:ext>
             </a:extLst>
           </p:cNvPr>
@@ -10004,7 +10004,7 @@
           <p:cNvPr id="208" name="Прямоугольник 207">
             <a:extLst>
               <a:ext uri="{FF2B5EF4-FFF2-40B4-BE49-F238E27FC236}">
-                <a16:creationId xmlns:a16="http://schemas.microsoft.com/office/drawing/2014/main" xmlns="" id="{3A936EB0-2B9C-480D-9F08-95DEDCB36930}"/>
+                <a16:creationId xmlns="" xmlns:a16="http://schemas.microsoft.com/office/drawing/2014/main" id="{3A936EB0-2B9C-480D-9F08-95DEDCB36930}"/>
               </a:ext>
             </a:extLst>
           </p:cNvPr>
@@ -10071,7 +10071,7 @@
           <p:cNvPr id="209" name="Соединительная линия уступом 123">
             <a:extLst>
               <a:ext uri="{FF2B5EF4-FFF2-40B4-BE49-F238E27FC236}">
-                <a16:creationId xmlns:a16="http://schemas.microsoft.com/office/drawing/2014/main" xmlns="" id="{14ADE0B2-43D1-4891-AD9B-AD5F899987C4}"/>
+                <a16:creationId xmlns="" xmlns:a16="http://schemas.microsoft.com/office/drawing/2014/main" id="{14ADE0B2-43D1-4891-AD9B-AD5F899987C4}"/>
               </a:ext>
             </a:extLst>
           </p:cNvPr>
@@ -10116,7 +10116,7 @@
           <p:cNvPr id="223" name="Соединительная линия уступом 613">
             <a:extLst>
               <a:ext uri="{FF2B5EF4-FFF2-40B4-BE49-F238E27FC236}">
-                <a16:creationId xmlns:a16="http://schemas.microsoft.com/office/drawing/2014/main" xmlns="" id="{1344A1AC-A5D1-48D7-874F-0EA6B3953523}"/>
+                <a16:creationId xmlns="" xmlns:a16="http://schemas.microsoft.com/office/drawing/2014/main" id="{1344A1AC-A5D1-48D7-874F-0EA6B3953523}"/>
               </a:ext>
             </a:extLst>
           </p:cNvPr>
@@ -10161,7 +10161,7 @@
           <p:cNvPr id="226" name="Прямоугольник 225">
             <a:extLst>
               <a:ext uri="{FF2B5EF4-FFF2-40B4-BE49-F238E27FC236}">
-                <a16:creationId xmlns:a16="http://schemas.microsoft.com/office/drawing/2014/main" xmlns="" id="{F8D1DA47-C504-41CD-B91F-0C23B929D953}"/>
+                <a16:creationId xmlns="" xmlns:a16="http://schemas.microsoft.com/office/drawing/2014/main" id="{F8D1DA47-C504-41CD-B91F-0C23B929D953}"/>
               </a:ext>
             </a:extLst>
           </p:cNvPr>
@@ -10220,7 +10220,7 @@
           <p:cNvPr id="227" name="Соединительная линия уступом 123">
             <a:extLst>
               <a:ext uri="{FF2B5EF4-FFF2-40B4-BE49-F238E27FC236}">
-                <a16:creationId xmlns:a16="http://schemas.microsoft.com/office/drawing/2014/main" xmlns="" id="{C9CBB17B-538D-4A64-A825-8B7B2B897D5D}"/>
+                <a16:creationId xmlns="" xmlns:a16="http://schemas.microsoft.com/office/drawing/2014/main" id="{C9CBB17B-538D-4A64-A825-8B7B2B897D5D}"/>
               </a:ext>
             </a:extLst>
           </p:cNvPr>
@@ -10265,7 +10265,7 @@
           <p:cNvPr id="230" name="Прямоугольник 229">
             <a:extLst>
               <a:ext uri="{FF2B5EF4-FFF2-40B4-BE49-F238E27FC236}">
-                <a16:creationId xmlns:a16="http://schemas.microsoft.com/office/drawing/2014/main" xmlns="" id="{600D8C74-F74F-4295-8359-52067A77D9AA}"/>
+                <a16:creationId xmlns="" xmlns:a16="http://schemas.microsoft.com/office/drawing/2014/main" id="{600D8C74-F74F-4295-8359-52067A77D9AA}"/>
               </a:ext>
             </a:extLst>
           </p:cNvPr>
@@ -10320,7 +10320,7 @@
           <p:cNvPr id="231" name="Соединительная линия уступом 105">
             <a:extLst>
               <a:ext uri="{FF2B5EF4-FFF2-40B4-BE49-F238E27FC236}">
-                <a16:creationId xmlns:a16="http://schemas.microsoft.com/office/drawing/2014/main" xmlns="" id="{2527D34A-E27A-449A-93E5-C76A76CC4512}"/>
+                <a16:creationId xmlns="" xmlns:a16="http://schemas.microsoft.com/office/drawing/2014/main" id="{2527D34A-E27A-449A-93E5-C76A76CC4512}"/>
               </a:ext>
             </a:extLst>
           </p:cNvPr>
@@ -10365,7 +10365,7 @@
           <p:cNvPr id="152" name="Соединительная линия уступом 836">
             <a:extLst>
               <a:ext uri="{FF2B5EF4-FFF2-40B4-BE49-F238E27FC236}">
-                <a16:creationId xmlns:a16="http://schemas.microsoft.com/office/drawing/2014/main" xmlns="" id="{6F719142-1860-4581-9B41-8AADCCCE4BB0}"/>
+                <a16:creationId xmlns="" xmlns:a16="http://schemas.microsoft.com/office/drawing/2014/main" id="{6F719142-1860-4581-9B41-8AADCCCE4BB0}"/>
               </a:ext>
             </a:extLst>
           </p:cNvPr>
@@ -10378,8 +10378,8 @@
         </p:nvCxnSpPr>
         <p:spPr>
           <a:xfrm rot="16200000" flipH="1">
-            <a:off x="15680782" y="482903"/>
-            <a:ext cx="269598" cy="8037894"/>
+            <a:off x="14506032" y="1657653"/>
+            <a:ext cx="269598" cy="5688394"/>
           </a:xfrm>
           <a:prstGeom prst="bentConnector3">
             <a:avLst>
@@ -10411,7 +10411,7 @@
           <p:cNvPr id="170" name="Соединительная линия уступом 836">
             <a:extLst>
               <a:ext uri="{FF2B5EF4-FFF2-40B4-BE49-F238E27FC236}">
-                <a16:creationId xmlns:a16="http://schemas.microsoft.com/office/drawing/2014/main" xmlns="" id="{EA3FC01F-F5CA-4FAE-8CEF-830AB1AAFB40}"/>
+                <a16:creationId xmlns="" xmlns:a16="http://schemas.microsoft.com/office/drawing/2014/main" id="{EA3FC01F-F5CA-4FAE-8CEF-830AB1AAFB40}"/>
               </a:ext>
             </a:extLst>
           </p:cNvPr>
@@ -10457,7 +10457,7 @@
           <p:cNvPr id="172" name="Соединительная линия уступом 836">
             <a:extLst>
               <a:ext uri="{FF2B5EF4-FFF2-40B4-BE49-F238E27FC236}">
-                <a16:creationId xmlns:a16="http://schemas.microsoft.com/office/drawing/2014/main" xmlns="" id="{6B629A61-C117-4B2E-9AEF-4EAF601A5B2F}"/>
+                <a16:creationId xmlns="" xmlns:a16="http://schemas.microsoft.com/office/drawing/2014/main" id="{6B629A61-C117-4B2E-9AEF-4EAF601A5B2F}"/>
               </a:ext>
             </a:extLst>
           </p:cNvPr>
@@ -10503,7 +10503,7 @@
           <p:cNvPr id="174" name="Прямоугольник 173">
             <a:extLst>
               <a:ext uri="{FF2B5EF4-FFF2-40B4-BE49-F238E27FC236}">
-                <a16:creationId xmlns:a16="http://schemas.microsoft.com/office/drawing/2014/main" xmlns="" id="{957C12DC-D98B-4948-99D2-CFC7B8CFF4DE}"/>
+                <a16:creationId xmlns="" xmlns:a16="http://schemas.microsoft.com/office/drawing/2014/main" id="{957C12DC-D98B-4948-99D2-CFC7B8CFF4DE}"/>
               </a:ext>
             </a:extLst>
           </p:cNvPr>
@@ -10557,7 +10557,7 @@
           <p:cNvPr id="175" name="Прямоугольник 174">
             <a:extLst>
               <a:ext uri="{FF2B5EF4-FFF2-40B4-BE49-F238E27FC236}">
-                <a16:creationId xmlns:a16="http://schemas.microsoft.com/office/drawing/2014/main" xmlns="" id="{012D2E35-685E-4576-BCB6-C08D33426D27}"/>
+                <a16:creationId xmlns="" xmlns:a16="http://schemas.microsoft.com/office/drawing/2014/main" id="{012D2E35-685E-4576-BCB6-C08D33426D27}"/>
               </a:ext>
             </a:extLst>
           </p:cNvPr>
@@ -10611,7 +10611,7 @@
           <p:cNvPr id="176" name="Прямоугольник 175">
             <a:extLst>
               <a:ext uri="{FF2B5EF4-FFF2-40B4-BE49-F238E27FC236}">
-                <a16:creationId xmlns:a16="http://schemas.microsoft.com/office/drawing/2014/main" xmlns="" id="{05CD8A58-5676-43E8-BBE2-DC9229365C21}"/>
+                <a16:creationId xmlns="" xmlns:a16="http://schemas.microsoft.com/office/drawing/2014/main" id="{05CD8A58-5676-43E8-BBE2-DC9229365C21}"/>
               </a:ext>
             </a:extLst>
           </p:cNvPr>
@@ -10665,7 +10665,7 @@
           <p:cNvPr id="178" name="Прямоугольник 177">
             <a:extLst>
               <a:ext uri="{FF2B5EF4-FFF2-40B4-BE49-F238E27FC236}">
-                <a16:creationId xmlns:a16="http://schemas.microsoft.com/office/drawing/2014/main" xmlns="" id="{E01090B5-7811-4C8D-B542-DC3489C9632C}"/>
+                <a16:creationId xmlns="" xmlns:a16="http://schemas.microsoft.com/office/drawing/2014/main" id="{E01090B5-7811-4C8D-B542-DC3489C9632C}"/>
               </a:ext>
             </a:extLst>
           </p:cNvPr>
@@ -10719,7 +10719,7 @@
           <p:cNvPr id="182" name="Прямоугольник 181">
             <a:extLst>
               <a:ext uri="{FF2B5EF4-FFF2-40B4-BE49-F238E27FC236}">
-                <a16:creationId xmlns:a16="http://schemas.microsoft.com/office/drawing/2014/main" xmlns="" id="{206D4D82-F261-452F-8D95-439FE5E0314A}"/>
+                <a16:creationId xmlns="" xmlns:a16="http://schemas.microsoft.com/office/drawing/2014/main" id="{206D4D82-F261-452F-8D95-439FE5E0314A}"/>
               </a:ext>
             </a:extLst>
           </p:cNvPr>
@@ -10774,7 +10774,7 @@
           <p:cNvPr id="183" name="Соединительная линия уступом 148">
             <a:extLst>
               <a:ext uri="{FF2B5EF4-FFF2-40B4-BE49-F238E27FC236}">
-                <a16:creationId xmlns:a16="http://schemas.microsoft.com/office/drawing/2014/main" xmlns="" id="{74F58D4E-63E8-4F3B-AADA-F89E80EB0D7E}"/>
+                <a16:creationId xmlns="" xmlns:a16="http://schemas.microsoft.com/office/drawing/2014/main" id="{74F58D4E-63E8-4F3B-AADA-F89E80EB0D7E}"/>
               </a:ext>
             </a:extLst>
           </p:cNvPr>
@@ -10819,7 +10819,7 @@
           <p:cNvPr id="185" name="Соединительная линия уступом 53">
             <a:extLst>
               <a:ext uri="{FF2B5EF4-FFF2-40B4-BE49-F238E27FC236}">
-                <a16:creationId xmlns:a16="http://schemas.microsoft.com/office/drawing/2014/main" xmlns="" id="{B661D22E-E444-4030-8910-C32F43264B7E}"/>
+                <a16:creationId xmlns="" xmlns:a16="http://schemas.microsoft.com/office/drawing/2014/main" id="{B661D22E-E444-4030-8910-C32F43264B7E}"/>
               </a:ext>
             </a:extLst>
           </p:cNvPr>
@@ -10864,7 +10864,7 @@
           <p:cNvPr id="186" name="Соединительная линия уступом 148">
             <a:extLst>
               <a:ext uri="{FF2B5EF4-FFF2-40B4-BE49-F238E27FC236}">
-                <a16:creationId xmlns:a16="http://schemas.microsoft.com/office/drawing/2014/main" xmlns="" id="{D9F54EA9-8E35-4F97-9346-ECC1DCF56114}"/>
+                <a16:creationId xmlns="" xmlns:a16="http://schemas.microsoft.com/office/drawing/2014/main" id="{D9F54EA9-8E35-4F97-9346-ECC1DCF56114}"/>
               </a:ext>
             </a:extLst>
           </p:cNvPr>
@@ -10909,7 +10909,7 @@
           <p:cNvPr id="188" name="Соединительная линия уступом 148">
             <a:extLst>
               <a:ext uri="{FF2B5EF4-FFF2-40B4-BE49-F238E27FC236}">
-                <a16:creationId xmlns:a16="http://schemas.microsoft.com/office/drawing/2014/main" xmlns="" id="{46D280CB-FB83-4BF5-8B3A-DD7BD44AD1E7}"/>
+                <a16:creationId xmlns="" xmlns:a16="http://schemas.microsoft.com/office/drawing/2014/main" id="{46D280CB-FB83-4BF5-8B3A-DD7BD44AD1E7}"/>
               </a:ext>
             </a:extLst>
           </p:cNvPr>
@@ -10954,7 +10954,7 @@
           <p:cNvPr id="189" name="Соединительная линия уступом 148">
             <a:extLst>
               <a:ext uri="{FF2B5EF4-FFF2-40B4-BE49-F238E27FC236}">
-                <a16:creationId xmlns:a16="http://schemas.microsoft.com/office/drawing/2014/main" xmlns="" id="{1C6858C7-8A93-4CF4-A3B3-6AB28CD215CB}"/>
+                <a16:creationId xmlns="" xmlns:a16="http://schemas.microsoft.com/office/drawing/2014/main" id="{1C6858C7-8A93-4CF4-A3B3-6AB28CD215CB}"/>
               </a:ext>
             </a:extLst>
           </p:cNvPr>
@@ -10999,7 +10999,7 @@
           <p:cNvPr id="190" name="Соединительная линия уступом 148">
             <a:extLst>
               <a:ext uri="{FF2B5EF4-FFF2-40B4-BE49-F238E27FC236}">
-                <a16:creationId xmlns:a16="http://schemas.microsoft.com/office/drawing/2014/main" xmlns="" id="{CE2B2ACF-3CBE-48FA-AC43-7AD4B70A3FA6}"/>
+                <a16:creationId xmlns="" xmlns:a16="http://schemas.microsoft.com/office/drawing/2014/main" id="{CE2B2ACF-3CBE-48FA-AC43-7AD4B70A3FA6}"/>
               </a:ext>
             </a:extLst>
           </p:cNvPr>
@@ -11044,7 +11044,7 @@
           <p:cNvPr id="148" name="Прямоугольник 147">
             <a:extLst>
               <a:ext uri="{FF2B5EF4-FFF2-40B4-BE49-F238E27FC236}">
-                <a16:creationId xmlns:a16="http://schemas.microsoft.com/office/drawing/2014/main" xmlns="" id="{04A3ABFC-37BA-432F-AC1A-F77E6E1C51AC}"/>
+                <a16:creationId xmlns="" xmlns:a16="http://schemas.microsoft.com/office/drawing/2014/main" id="{04A3ABFC-37BA-432F-AC1A-F77E6E1C51AC}"/>
               </a:ext>
             </a:extLst>
           </p:cNvPr>
@@ -11053,7 +11053,7 @@
         </p:nvSpPr>
         <p:spPr>
           <a:xfrm>
-            <a:off x="23366823" y="2600810"/>
+            <a:off x="30579919" y="11139513"/>
             <a:ext cx="926325" cy="540000"/>
           </a:xfrm>
           <a:prstGeom prst="rect">
@@ -11189,7 +11189,7 @@
           <p:cNvPr id="191" name="Соединительная линия уступом 123">
             <a:extLst>
               <a:ext uri="{FF2B5EF4-FFF2-40B4-BE49-F238E27FC236}">
-                <a16:creationId xmlns:a16="http://schemas.microsoft.com/office/drawing/2014/main" xmlns="" id="{C9CBB17B-538D-4A64-A825-8B7B2B897D5D}"/>
+                <a16:creationId xmlns="" xmlns:a16="http://schemas.microsoft.com/office/drawing/2014/main" id="{C9CBB17B-538D-4A64-A825-8B7B2B897D5D}"/>
               </a:ext>
             </a:extLst>
           </p:cNvPr>
@@ -11275,7 +11275,7 @@
         </p:nvSpPr>
         <p:spPr>
           <a:xfrm>
-            <a:off x="17114544" y="6233240"/>
+            <a:off x="14765044" y="6233240"/>
             <a:ext cx="926325" cy="540000"/>
           </a:xfrm>
           <a:prstGeom prst="rect">
@@ -11321,7 +11321,7 @@
           <p:cNvPr id="194" name="Прямоугольник 193">
             <a:extLst>
               <a:ext uri="{FF2B5EF4-FFF2-40B4-BE49-F238E27FC236}">
-                <a16:creationId xmlns:a16="http://schemas.microsoft.com/office/drawing/2014/main" xmlns="" id="{F8D1DA47-C504-41CD-B91F-0C23B929D953}"/>
+                <a16:creationId xmlns="" xmlns:a16="http://schemas.microsoft.com/office/drawing/2014/main" id="{F8D1DA47-C504-41CD-B91F-0C23B929D953}"/>
               </a:ext>
             </a:extLst>
           </p:cNvPr>
@@ -11399,7 +11399,7 @@
         </p:nvSpPr>
         <p:spPr>
           <a:xfrm>
-            <a:off x="17669432" y="7873794"/>
+            <a:off x="15319932" y="7873794"/>
             <a:ext cx="926325" cy="540000"/>
           </a:xfrm>
           <a:prstGeom prst="rect">
@@ -11453,7 +11453,7 @@
           <p:cNvPr id="196" name="Прямоугольник 195">
             <a:extLst>
               <a:ext uri="{FF2B5EF4-FFF2-40B4-BE49-F238E27FC236}">
-                <a16:creationId xmlns:a16="http://schemas.microsoft.com/office/drawing/2014/main" xmlns="" id="{F8D1DA47-C504-41CD-B91F-0C23B929D953}"/>
+                <a16:creationId xmlns="" xmlns:a16="http://schemas.microsoft.com/office/drawing/2014/main" id="{F8D1DA47-C504-41CD-B91F-0C23B929D953}"/>
               </a:ext>
             </a:extLst>
           </p:cNvPr>
@@ -11697,7 +11697,7 @@
           <p:cNvPr id="198" name="Прямоугольник 197">
             <a:extLst>
               <a:ext uri="{FF2B5EF4-FFF2-40B4-BE49-F238E27FC236}">
-                <a16:creationId xmlns:a16="http://schemas.microsoft.com/office/drawing/2014/main" xmlns="" id="{3F73D485-85C1-4021-BF3A-F98C9D79AF9E}"/>
+                <a16:creationId xmlns="" xmlns:a16="http://schemas.microsoft.com/office/drawing/2014/main" id="{3F73D485-85C1-4021-BF3A-F98C9D79AF9E}"/>
               </a:ext>
             </a:extLst>
           </p:cNvPr>
@@ -11760,7 +11760,7 @@
           <p:cNvPr id="199" name="Соединительная линия уступом 59">
             <a:extLst>
               <a:ext uri="{FF2B5EF4-FFF2-40B4-BE49-F238E27FC236}">
-                <a16:creationId xmlns:a16="http://schemas.microsoft.com/office/drawing/2014/main" xmlns="" id="{76206442-5802-4ECC-89FF-725CB9831F7E}"/>
+                <a16:creationId xmlns="" xmlns:a16="http://schemas.microsoft.com/office/drawing/2014/main" id="{76206442-5802-4ECC-89FF-725CB9831F7E}"/>
               </a:ext>
             </a:extLst>
           </p:cNvPr>
@@ -11806,7 +11806,7 @@
           <p:cNvPr id="203" name="Соединительная линия уступом 59">
             <a:extLst>
               <a:ext uri="{FF2B5EF4-FFF2-40B4-BE49-F238E27FC236}">
-                <a16:creationId xmlns:a16="http://schemas.microsoft.com/office/drawing/2014/main" xmlns="" id="{76206442-5802-4ECC-89FF-725CB9831F7E}"/>
+                <a16:creationId xmlns="" xmlns:a16="http://schemas.microsoft.com/office/drawing/2014/main" id="{76206442-5802-4ECC-89FF-725CB9831F7E}"/>
               </a:ext>
             </a:extLst>
           </p:cNvPr>
@@ -11852,7 +11852,7 @@
           <p:cNvPr id="204" name="Соединительная линия уступом 59">
             <a:extLst>
               <a:ext uri="{FF2B5EF4-FFF2-40B4-BE49-F238E27FC236}">
-                <a16:creationId xmlns:a16="http://schemas.microsoft.com/office/drawing/2014/main" xmlns="" id="{41E480A3-A812-4731-BA0E-CEBFE1B527FF}"/>
+                <a16:creationId xmlns="" xmlns:a16="http://schemas.microsoft.com/office/drawing/2014/main" id="{41E480A3-A812-4731-BA0E-CEBFE1B527FF}"/>
               </a:ext>
             </a:extLst>
           </p:cNvPr>
@@ -11897,7 +11897,7 @@
           <p:cNvPr id="206" name="Соединительная линия уступом 59">
             <a:extLst>
               <a:ext uri="{FF2B5EF4-FFF2-40B4-BE49-F238E27FC236}">
-                <a16:creationId xmlns:a16="http://schemas.microsoft.com/office/drawing/2014/main" xmlns="" id="{41E480A3-A812-4731-BA0E-CEBFE1B527FF}"/>
+                <a16:creationId xmlns="" xmlns:a16="http://schemas.microsoft.com/office/drawing/2014/main" id="{41E480A3-A812-4731-BA0E-CEBFE1B527FF}"/>
               </a:ext>
             </a:extLst>
           </p:cNvPr>
@@ -11942,7 +11942,7 @@
           <p:cNvPr id="210" name="Прямоугольник 209">
             <a:extLst>
               <a:ext uri="{FF2B5EF4-FFF2-40B4-BE49-F238E27FC236}">
-                <a16:creationId xmlns:a16="http://schemas.microsoft.com/office/drawing/2014/main" xmlns="" id="{3F73D485-85C1-4021-BF3A-F98C9D79AF9E}"/>
+                <a16:creationId xmlns="" xmlns:a16="http://schemas.microsoft.com/office/drawing/2014/main" id="{3F73D485-85C1-4021-BF3A-F98C9D79AF9E}"/>
               </a:ext>
             </a:extLst>
           </p:cNvPr>
@@ -12005,7 +12005,7 @@
           <p:cNvPr id="211" name="Соединительная линия уступом 59">
             <a:extLst>
               <a:ext uri="{FF2B5EF4-FFF2-40B4-BE49-F238E27FC236}">
-                <a16:creationId xmlns:a16="http://schemas.microsoft.com/office/drawing/2014/main" xmlns="" id="{41E480A3-A812-4731-BA0E-CEBFE1B527FF}"/>
+                <a16:creationId xmlns="" xmlns:a16="http://schemas.microsoft.com/office/drawing/2014/main" id="{41E480A3-A812-4731-BA0E-CEBFE1B527FF}"/>
               </a:ext>
             </a:extLst>
           </p:cNvPr>
@@ -12050,7 +12050,7 @@
           <p:cNvPr id="212" name="Соединительная линия уступом 59">
             <a:extLst>
               <a:ext uri="{FF2B5EF4-FFF2-40B4-BE49-F238E27FC236}">
-                <a16:creationId xmlns:a16="http://schemas.microsoft.com/office/drawing/2014/main" xmlns="" id="{41E480A3-A812-4731-BA0E-CEBFE1B527FF}"/>
+                <a16:creationId xmlns="" xmlns:a16="http://schemas.microsoft.com/office/drawing/2014/main" id="{41E480A3-A812-4731-BA0E-CEBFE1B527FF}"/>
               </a:ext>
             </a:extLst>
           </p:cNvPr>
@@ -12095,7 +12095,7 @@
           <p:cNvPr id="213" name="Соединительная линия уступом 123">
             <a:extLst>
               <a:ext uri="{FF2B5EF4-FFF2-40B4-BE49-F238E27FC236}">
-                <a16:creationId xmlns:a16="http://schemas.microsoft.com/office/drawing/2014/main" xmlns="" id="{0DD383AF-7358-4D05-9F30-B6B41AF854DB}"/>
+                <a16:creationId xmlns="" xmlns:a16="http://schemas.microsoft.com/office/drawing/2014/main" id="{0DD383AF-7358-4D05-9F30-B6B41AF854DB}"/>
               </a:ext>
             </a:extLst>
           </p:cNvPr>
@@ -12140,7 +12140,7 @@
           <p:cNvPr id="214" name="Соединительная линия уступом 123">
             <a:extLst>
               <a:ext uri="{FF2B5EF4-FFF2-40B4-BE49-F238E27FC236}">
-                <a16:creationId xmlns:a16="http://schemas.microsoft.com/office/drawing/2014/main" xmlns="" id="{0DD383AF-7358-4D05-9F30-B6B41AF854DB}"/>
+                <a16:creationId xmlns="" xmlns:a16="http://schemas.microsoft.com/office/drawing/2014/main" id="{0DD383AF-7358-4D05-9F30-B6B41AF854DB}"/>
               </a:ext>
             </a:extLst>
           </p:cNvPr>
@@ -12185,7 +12185,7 @@
           <p:cNvPr id="216" name="Соединительная линия уступом 123">
             <a:extLst>
               <a:ext uri="{FF2B5EF4-FFF2-40B4-BE49-F238E27FC236}">
-                <a16:creationId xmlns:a16="http://schemas.microsoft.com/office/drawing/2014/main" xmlns="" id="{0DD383AF-7358-4D05-9F30-B6B41AF854DB}"/>
+                <a16:creationId xmlns="" xmlns:a16="http://schemas.microsoft.com/office/drawing/2014/main" id="{0DD383AF-7358-4D05-9F30-B6B41AF854DB}"/>
               </a:ext>
             </a:extLst>
           </p:cNvPr>
@@ -12342,7 +12342,7 @@
         </p:nvCxnSpPr>
         <p:spPr>
           <a:xfrm rot="5400000">
-            <a:off x="17723493" y="5824135"/>
+            <a:off x="15373993" y="5824135"/>
             <a:ext cx="263319" cy="554890"/>
           </a:xfrm>
           <a:prstGeom prst="bentConnector3">
@@ -12377,7 +12377,7 @@
         </p:nvSpPr>
         <p:spPr>
           <a:xfrm>
-            <a:off x="18783302" y="7880394"/>
+            <a:off x="16433802" y="7880394"/>
             <a:ext cx="926325" cy="540000"/>
           </a:xfrm>
           <a:prstGeom prst="rect">
@@ -12490,7 +12490,7 @@
           <p:cNvPr id="219" name="Соединительная линия уступом 123">
             <a:extLst>
               <a:ext uri="{FF2B5EF4-FFF2-40B4-BE49-F238E27FC236}">
-                <a16:creationId xmlns:a16="http://schemas.microsoft.com/office/drawing/2014/main" xmlns="" id="{95E12289-D5C4-4A71-B46E-2AB617265BCE}"/>
+                <a16:creationId xmlns="" xmlns:a16="http://schemas.microsoft.com/office/drawing/2014/main" id="{95E12289-D5C4-4A71-B46E-2AB617265BCE}"/>
               </a:ext>
             </a:extLst>
           </p:cNvPr>
@@ -12541,8 +12541,8 @@
         </p:nvCxnSpPr>
         <p:spPr>
           <a:xfrm rot="16200000" flipH="1">
-            <a:off x="18839296" y="6653237"/>
-            <a:ext cx="270285" cy="544056"/>
+            <a:off x="16210163" y="6932869"/>
+            <a:ext cx="285494" cy="1"/>
           </a:xfrm>
           <a:prstGeom prst="bentConnector3">
             <a:avLst>
@@ -12578,9 +12578,9 @@
           <p:nvPr/>
         </p:nvCxnSpPr>
         <p:spPr>
-          <a:xfrm rot="5400000">
-            <a:off x="19106473" y="7740401"/>
-            <a:ext cx="279986" cy="1"/>
+          <a:xfrm rot="16200000" flipH="1">
+            <a:off x="16492550" y="7475978"/>
+            <a:ext cx="264777" cy="544054"/>
           </a:xfrm>
           <a:prstGeom prst="bentConnector3">
             <a:avLst>
@@ -12614,7 +12614,7 @@
         </p:nvSpPr>
         <p:spPr>
           <a:xfrm>
-            <a:off x="17114543" y="7069266"/>
+            <a:off x="14765043" y="7069266"/>
             <a:ext cx="926325" cy="540000"/>
           </a:xfrm>
           <a:prstGeom prst="rect">
@@ -12666,7 +12666,7 @@
         </p:nvCxnSpPr>
         <p:spPr>
           <a:xfrm rot="5400000">
-            <a:off x="17429694" y="6921253"/>
+            <a:off x="15080194" y="6921253"/>
             <a:ext cx="296026" cy="1"/>
           </a:xfrm>
           <a:prstGeom prst="bentConnector3">
@@ -12704,7 +12704,7 @@
         </p:nvCxnSpPr>
         <p:spPr>
           <a:xfrm rot="5400000">
-            <a:off x="17875668" y="7047051"/>
+            <a:off x="15526168" y="7047051"/>
             <a:ext cx="1083671" cy="569815"/>
           </a:xfrm>
           <a:prstGeom prst="bentConnector3">
@@ -12736,7 +12736,7 @@
           <p:cNvPr id="228" name="Прямоугольник 227">
             <a:extLst>
               <a:ext uri="{FF2B5EF4-FFF2-40B4-BE49-F238E27FC236}">
-                <a16:creationId xmlns:a16="http://schemas.microsoft.com/office/drawing/2014/main" xmlns="" id="{F8D1DA47-C504-41CD-B91F-0C23B929D953}"/>
+                <a16:creationId xmlns="" xmlns:a16="http://schemas.microsoft.com/office/drawing/2014/main" id="{F8D1DA47-C504-41CD-B91F-0C23B929D953}"/>
               </a:ext>
             </a:extLst>
           </p:cNvPr>
@@ -12745,7 +12745,7 @@
         </p:nvSpPr>
         <p:spPr>
           <a:xfrm>
-            <a:off x="32185149" y="8638546"/>
+            <a:off x="33285063" y="8638546"/>
             <a:ext cx="926325" cy="540000"/>
           </a:xfrm>
           <a:prstGeom prst="rect">
@@ -12872,6 +12872,572 @@
               <a:t>другими)</a:t>
             </a:r>
             <a:endParaRPr lang="ru-RU" sz="100" dirty="0"/>
+          </a:p>
+        </p:txBody>
+      </p:sp>
+      <p:sp>
+        <p:nvSpPr>
+          <p:cNvPr id="229" name="Прямоугольник 228">
+            <a:extLst>
+              <a:ext uri="{FF2B5EF4-FFF2-40B4-BE49-F238E27FC236}">
+                <a16:creationId xmlns="" xmlns:a16="http://schemas.microsoft.com/office/drawing/2014/main" id="{7DAEAC1F-B20B-46CD-B818-99851DE5EF87}"/>
+              </a:ext>
+            </a:extLst>
+          </p:cNvPr>
+          <p:cNvSpPr/>
+          <p:nvPr/>
+        </p:nvSpPr>
+        <p:spPr>
+          <a:xfrm>
+            <a:off x="33285060" y="9438811"/>
+            <a:ext cx="926325" cy="540000"/>
+          </a:xfrm>
+          <a:prstGeom prst="rect">
+            <a:avLst/>
+          </a:prstGeom>
+          <a:solidFill>
+            <a:srgbClr val="FF0000"/>
+          </a:solidFill>
+          <a:ln w="19050"/>
+        </p:spPr>
+        <p:style>
+          <a:lnRef idx="2">
+            <a:schemeClr val="accent1"/>
+          </a:lnRef>
+          <a:fillRef idx="1">
+            <a:schemeClr val="lt1"/>
+          </a:fillRef>
+          <a:effectRef idx="0">
+            <a:schemeClr val="accent1"/>
+          </a:effectRef>
+          <a:fontRef idx="minor">
+            <a:schemeClr val="dk1"/>
+          </a:fontRef>
+        </p:style>
+        <p:txBody>
+          <a:bodyPr lIns="124733" tIns="62367" rIns="124733" bIns="62367" rtlCol="0" anchor="ctr"/>
+          <a:lstStyle/>
+          <a:p>
+            <a:pPr algn="ctr"/>
+            <a:r>
+              <a:rPr lang="ru-RU" sz="700" dirty="0" smtClean="0"/>
+              <a:t>Репрессировать троцкистов (наше)</a:t>
+            </a:r>
+            <a:endParaRPr lang="ru-RU" sz="700" dirty="0"/>
+          </a:p>
+        </p:txBody>
+      </p:sp>
+      <p:sp>
+        <p:nvSpPr>
+          <p:cNvPr id="232" name="Прямоугольник 231">
+            <a:extLst>
+              <a:ext uri="{FF2B5EF4-FFF2-40B4-BE49-F238E27FC236}">
+                <a16:creationId xmlns="" xmlns:a16="http://schemas.microsoft.com/office/drawing/2014/main" id="{7DAEAC1F-B20B-46CD-B818-99851DE5EF87}"/>
+              </a:ext>
+            </a:extLst>
+          </p:cNvPr>
+          <p:cNvSpPr/>
+          <p:nvPr/>
+        </p:nvSpPr>
+        <p:spPr>
+          <a:xfrm>
+            <a:off x="34413632" y="8638545"/>
+            <a:ext cx="926325" cy="540000"/>
+          </a:xfrm>
+          <a:prstGeom prst="rect">
+            <a:avLst/>
+          </a:prstGeom>
+          <a:solidFill>
+            <a:srgbClr val="FF0000"/>
+          </a:solidFill>
+          <a:ln w="19050"/>
+        </p:spPr>
+        <p:style>
+          <a:lnRef idx="2">
+            <a:schemeClr val="accent1"/>
+          </a:lnRef>
+          <a:fillRef idx="1">
+            <a:schemeClr val="lt1"/>
+          </a:fillRef>
+          <a:effectRef idx="0">
+            <a:schemeClr val="accent1"/>
+          </a:effectRef>
+          <a:fontRef idx="minor">
+            <a:schemeClr val="dk1"/>
+          </a:fontRef>
+        </p:style>
+        <p:txBody>
+          <a:bodyPr lIns="124733" tIns="62367" rIns="124733" bIns="62367" rtlCol="0" anchor="ctr"/>
+          <a:lstStyle/>
+          <a:p>
+            <a:pPr algn="ctr"/>
+            <a:r>
+              <a:rPr lang="ru-RU" sz="700" dirty="0" smtClean="0"/>
+              <a:t>Введение обязательной </a:t>
+            </a:r>
+            <a:r>
+              <a:rPr lang="ru-RU" sz="700" dirty="0"/>
+              <a:t>воинской повинности </a:t>
+            </a:r>
+            <a:r>
+              <a:rPr lang="ru-RU" sz="200" dirty="0"/>
+              <a:t>(обязательная воинская повинность, как единственный путь к быстрому созданию сильной Народной армии, об­ </a:t>
+            </a:r>
+            <a:r>
+              <a:rPr lang="ru-RU" sz="200" dirty="0" err="1"/>
+              <a:t>ладающей</a:t>
+            </a:r>
+            <a:r>
+              <a:rPr lang="ru-RU" sz="200" dirty="0"/>
+              <a:t> многочисленными обученными резервами и компетентным, пользующимся доверием народа единым командованием;)</a:t>
+            </a:r>
+            <a:endParaRPr lang="ru-RU" sz="700" dirty="0"/>
+          </a:p>
+        </p:txBody>
+      </p:sp>
+      <p:sp>
+        <p:nvSpPr>
+          <p:cNvPr id="233" name="Прямоугольник 232">
+            <a:extLst>
+              <a:ext uri="{FF2B5EF4-FFF2-40B4-BE49-F238E27FC236}">
+                <a16:creationId xmlns="" xmlns:a16="http://schemas.microsoft.com/office/drawing/2014/main" id="{7DAEAC1F-B20B-46CD-B818-99851DE5EF87}"/>
+              </a:ext>
+            </a:extLst>
+          </p:cNvPr>
+          <p:cNvSpPr/>
+          <p:nvPr/>
+        </p:nvSpPr>
+        <p:spPr>
+          <a:xfrm>
+            <a:off x="34413635" y="9440213"/>
+            <a:ext cx="926325" cy="540000"/>
+          </a:xfrm>
+          <a:prstGeom prst="rect">
+            <a:avLst/>
+          </a:prstGeom>
+          <a:solidFill>
+            <a:srgbClr val="FF0000"/>
+          </a:solidFill>
+          <a:ln w="19050"/>
+        </p:spPr>
+        <p:style>
+          <a:lnRef idx="2">
+            <a:schemeClr val="accent1"/>
+          </a:lnRef>
+          <a:fillRef idx="1">
+            <a:schemeClr val="lt1"/>
+          </a:fillRef>
+          <a:effectRef idx="0">
+            <a:schemeClr val="accent1"/>
+          </a:effectRef>
+          <a:fontRef idx="minor">
+            <a:schemeClr val="dk1"/>
+          </a:fontRef>
+        </p:style>
+        <p:txBody>
+          <a:bodyPr lIns="124733" tIns="62367" rIns="124733" bIns="62367" rtlCol="0" anchor="ctr"/>
+          <a:lstStyle/>
+          <a:p>
+            <a:pPr algn="ctr"/>
+            <a:r>
+              <a:rPr lang="ru-RU" sz="700" dirty="0" smtClean="0"/>
+              <a:t>Координация сельскохозяйственных и промышленных </a:t>
+            </a:r>
+            <a:r>
+              <a:rPr lang="ru-RU" sz="700" dirty="0"/>
+              <a:t>производств </a:t>
+            </a:r>
+            <a:r>
+              <a:rPr lang="ru-RU" sz="100" dirty="0"/>
+              <a:t>(координация сельскохозяйственного и промышленного производства, с тем чтобы и то и другое содействовало быстрейшему достижению главной цели народной борьбы в этот исторический момент — выиграть войну.)</a:t>
+            </a:r>
+            <a:endParaRPr lang="ru-RU" sz="100" dirty="0"/>
+          </a:p>
+        </p:txBody>
+      </p:sp>
+      <p:sp>
+        <p:nvSpPr>
+          <p:cNvPr id="235" name="Прямоугольник 234">
+            <a:extLst>
+              <a:ext uri="{FF2B5EF4-FFF2-40B4-BE49-F238E27FC236}">
+                <a16:creationId xmlns="" xmlns:a16="http://schemas.microsoft.com/office/drawing/2014/main" id="{3F73D485-85C1-4021-BF3A-F98C9D79AF9E}"/>
+              </a:ext>
+            </a:extLst>
+          </p:cNvPr>
+          <p:cNvSpPr/>
+          <p:nvPr/>
+        </p:nvSpPr>
+        <p:spPr>
+          <a:xfrm>
+            <a:off x="31721984" y="8638546"/>
+            <a:ext cx="926325" cy="540000"/>
+          </a:xfrm>
+          <a:prstGeom prst="rect">
+            <a:avLst/>
+          </a:prstGeom>
+          <a:gradFill>
+            <a:gsLst>
+              <a:gs pos="0">
+                <a:schemeClr val="accent1">
+                  <a:tint val="66000"/>
+                  <a:satMod val="160000"/>
+                </a:schemeClr>
+              </a:gs>
+              <a:gs pos="100000">
+                <a:srgbClr val="FF0000"/>
+              </a:gs>
+            </a:gsLst>
+            <a:lin ang="5400000" scaled="0"/>
+          </a:gradFill>
+          <a:ln w="19050"/>
+        </p:spPr>
+        <p:style>
+          <a:lnRef idx="2">
+            <a:schemeClr val="accent1"/>
+          </a:lnRef>
+          <a:fillRef idx="1">
+            <a:schemeClr val="lt1"/>
+          </a:fillRef>
+          <a:effectRef idx="0">
+            <a:schemeClr val="accent1"/>
+          </a:effectRef>
+          <a:fontRef idx="minor">
+            <a:schemeClr val="dk1"/>
+          </a:fontRef>
+        </p:style>
+        <p:txBody>
+          <a:bodyPr lIns="124733" tIns="62367" rIns="124733" bIns="62367" rtlCol="0" anchor="ctr"/>
+          <a:lstStyle/>
+          <a:p>
+            <a:pPr algn="ctr"/>
+            <a:r>
+              <a:rPr lang="ru-RU" sz="700" dirty="0" smtClean="0"/>
+              <a:t>Создание мощной военной промышленности</a:t>
+            </a:r>
+            <a:endParaRPr lang="ru-RU" sz="500" dirty="0"/>
+          </a:p>
+        </p:txBody>
+      </p:sp>
+      <p:cxnSp>
+        <p:nvCxnSpPr>
+          <p:cNvPr id="236" name="Соединительная линия уступом 59">
+            <a:extLst>
+              <a:ext uri="{FF2B5EF4-FFF2-40B4-BE49-F238E27FC236}">
+                <a16:creationId xmlns="" xmlns:a16="http://schemas.microsoft.com/office/drawing/2014/main" id="{146CBA15-0EC9-4B49-9151-897C0373358B}"/>
+              </a:ext>
+            </a:extLst>
+          </p:cNvPr>
+          <p:cNvCxnSpPr>
+            <a:cxnSpLocks/>
+            <a:stCxn id="159" idx="2"/>
+            <a:endCxn id="235" idx="0"/>
+          </p:cNvCxnSpPr>
+          <p:nvPr/>
+        </p:nvCxnSpPr>
+        <p:spPr>
+          <a:xfrm rot="16200000" flipH="1">
+            <a:off x="31213959" y="7667358"/>
+            <a:ext cx="223738" cy="1718637"/>
+          </a:xfrm>
+          <a:prstGeom prst="bentConnector3">
+            <a:avLst>
+              <a:gd name="adj1" fmla="val 50000"/>
+            </a:avLst>
+          </a:prstGeom>
+          <a:ln w="19050">
+            <a:tailEnd type="arrow"/>
+          </a:ln>
+        </p:spPr>
+        <p:style>
+          <a:lnRef idx="1">
+            <a:schemeClr val="accent1"/>
+          </a:lnRef>
+          <a:fillRef idx="0">
+            <a:schemeClr val="accent1"/>
+          </a:fillRef>
+          <a:effectRef idx="0">
+            <a:schemeClr val="accent1"/>
+          </a:effectRef>
+          <a:fontRef idx="minor">
+            <a:schemeClr val="tx1"/>
+          </a:fontRef>
+        </p:style>
+      </p:cxnSp>
+      <p:sp>
+        <p:nvSpPr>
+          <p:cNvPr id="237" name="Прямоугольник 236"/>
+          <p:cNvSpPr/>
+          <p:nvPr/>
+        </p:nvSpPr>
+        <p:spPr>
+          <a:xfrm>
+            <a:off x="17017420" y="7078955"/>
+            <a:ext cx="926325" cy="540000"/>
+          </a:xfrm>
+          <a:prstGeom prst="rect">
+            <a:avLst/>
+          </a:prstGeom>
+          <a:solidFill>
+            <a:schemeClr val="accent1">
+              <a:lumMod val="60000"/>
+              <a:lumOff val="40000"/>
+            </a:schemeClr>
+          </a:solidFill>
+          <a:ln w="19050"/>
+        </p:spPr>
+        <p:style>
+          <a:lnRef idx="2">
+            <a:schemeClr val="accent1"/>
+          </a:lnRef>
+          <a:fillRef idx="1">
+            <a:schemeClr val="lt1"/>
+          </a:fillRef>
+          <a:effectRef idx="0">
+            <a:schemeClr val="accent1"/>
+          </a:effectRef>
+          <a:fontRef idx="minor">
+            <a:schemeClr val="dk1"/>
+          </a:fontRef>
+        </p:style>
+        <p:txBody>
+          <a:bodyPr lIns="124733" tIns="62367" rIns="124733" bIns="62367" rtlCol="0" anchor="ctr"/>
+          <a:lstStyle/>
+          <a:p>
+            <a:pPr algn="ctr"/>
+            <a:r>
+              <a:rPr lang="ru-RU" sz="700" dirty="0" smtClean="0"/>
+              <a:t>Политика улучшения </a:t>
+            </a:r>
+            <a:r>
+              <a:rPr lang="ru-RU" sz="700" dirty="0"/>
+              <a:t>материального положения </a:t>
+            </a:r>
+            <a:r>
+              <a:rPr lang="ru-RU" sz="200" dirty="0"/>
+              <a:t>(Проведение политики систематического и </a:t>
+            </a:r>
+            <a:r>
+              <a:rPr lang="ru-RU" sz="200" dirty="0" smtClean="0"/>
+              <a:t>серь­езного </a:t>
+            </a:r>
+            <a:r>
+              <a:rPr lang="ru-RU" sz="200" dirty="0"/>
+              <a:t>улучшения материального положения, условий труда, быта и культурного обслуживания городского и сельского пролетариата.)</a:t>
+            </a:r>
+            <a:endParaRPr lang="ru-RU" sz="100" dirty="0"/>
+          </a:p>
+        </p:txBody>
+      </p:sp>
+      <p:sp>
+        <p:nvSpPr>
+          <p:cNvPr id="238" name="Прямоугольник 237">
+            <a:extLst>
+              <a:ext uri="{FF2B5EF4-FFF2-40B4-BE49-F238E27FC236}">
+                <a16:creationId xmlns="" xmlns:a16="http://schemas.microsoft.com/office/drawing/2014/main" id="{7DAEAC1F-B20B-46CD-B818-99851DE5EF87}"/>
+              </a:ext>
+            </a:extLst>
+          </p:cNvPr>
+          <p:cNvSpPr/>
+          <p:nvPr/>
+        </p:nvSpPr>
+        <p:spPr>
+          <a:xfrm>
+            <a:off x="32185149" y="7873794"/>
+            <a:ext cx="926325" cy="540000"/>
+          </a:xfrm>
+          <a:prstGeom prst="rect">
+            <a:avLst/>
+          </a:prstGeom>
+          <a:solidFill>
+            <a:srgbClr val="FF0000"/>
+          </a:solidFill>
+          <a:ln w="19050"/>
+        </p:spPr>
+        <p:style>
+          <a:lnRef idx="2">
+            <a:schemeClr val="accent1"/>
+          </a:lnRef>
+          <a:fillRef idx="1">
+            <a:schemeClr val="lt1"/>
+          </a:fillRef>
+          <a:effectRef idx="0">
+            <a:schemeClr val="accent1"/>
+          </a:effectRef>
+          <a:fontRef idx="minor">
+            <a:schemeClr val="dk1"/>
+          </a:fontRef>
+        </p:style>
+        <p:txBody>
+          <a:bodyPr lIns="124733" tIns="62367" rIns="124733" bIns="62367" rtlCol="0" anchor="ctr"/>
+          <a:lstStyle/>
+          <a:p>
+            <a:pPr algn="ctr"/>
+            <a:r>
+              <a:rPr lang="ru-RU" sz="700" dirty="0" smtClean="0"/>
+              <a:t>Защита советского союза</a:t>
+            </a:r>
+            <a:endParaRPr lang="ru-RU" sz="700" dirty="0"/>
+          </a:p>
+        </p:txBody>
+      </p:sp>
+      <p:cxnSp>
+        <p:nvCxnSpPr>
+          <p:cNvPr id="239" name="Прямая соединительная линия 238">
+            <a:extLst>
+              <a:ext uri="{FF2B5EF4-FFF2-40B4-BE49-F238E27FC236}">
+                <a16:creationId xmlns="" xmlns:a16="http://schemas.microsoft.com/office/drawing/2014/main" id="{BF4D2C3F-BCB4-485D-98D8-A6C1B37BA272}"/>
+              </a:ext>
+            </a:extLst>
+          </p:cNvPr>
+          <p:cNvCxnSpPr>
+            <a:cxnSpLocks/>
+            <a:stCxn id="210" idx="3"/>
+            <a:endCxn id="238" idx="1"/>
+          </p:cNvCxnSpPr>
+          <p:nvPr/>
+        </p:nvCxnSpPr>
+        <p:spPr>
+          <a:xfrm>
+            <a:off x="32082813" y="8143794"/>
+            <a:ext cx="102336" cy="0"/>
+          </a:xfrm>
+          <a:prstGeom prst="line">
+            <a:avLst/>
+          </a:prstGeom>
+          <a:ln w="19050">
+            <a:solidFill>
+              <a:srgbClr val="FF0000"/>
+            </a:solidFill>
+          </a:ln>
+        </p:spPr>
+        <p:style>
+          <a:lnRef idx="1">
+            <a:schemeClr val="accent1"/>
+          </a:lnRef>
+          <a:fillRef idx="0">
+            <a:schemeClr val="accent1"/>
+          </a:fillRef>
+          <a:effectRef idx="0">
+            <a:schemeClr val="accent1"/>
+          </a:effectRef>
+          <a:fontRef idx="minor">
+            <a:schemeClr val="tx1"/>
+          </a:fontRef>
+        </p:style>
+      </p:cxnSp>
+      <p:cxnSp>
+        <p:nvCxnSpPr>
+          <p:cNvPr id="240" name="Соединительная линия уступом 59">
+            <a:extLst>
+              <a:ext uri="{FF2B5EF4-FFF2-40B4-BE49-F238E27FC236}">
+                <a16:creationId xmlns="" xmlns:a16="http://schemas.microsoft.com/office/drawing/2014/main" id="{41E480A3-A812-4731-BA0E-CEBFE1B527FF}"/>
+              </a:ext>
+            </a:extLst>
+          </p:cNvPr>
+          <p:cNvCxnSpPr>
+            <a:cxnSpLocks/>
+            <a:stCxn id="196" idx="2"/>
+            <a:endCxn id="238" idx="0"/>
+          </p:cNvCxnSpPr>
+          <p:nvPr/>
+        </p:nvCxnSpPr>
+        <p:spPr>
+          <a:xfrm rot="16200000" flipH="1">
+            <a:off x="32507996" y="7733478"/>
+            <a:ext cx="280630" cy="2"/>
+          </a:xfrm>
+          <a:prstGeom prst="bentConnector3">
+            <a:avLst>
+              <a:gd name="adj1" fmla="val 50000"/>
+            </a:avLst>
+          </a:prstGeom>
+          <a:ln w="19050">
+            <a:tailEnd type="arrow"/>
+          </a:ln>
+        </p:spPr>
+        <p:style>
+          <a:lnRef idx="1">
+            <a:schemeClr val="accent1"/>
+          </a:lnRef>
+          <a:fillRef idx="0">
+            <a:schemeClr val="accent1"/>
+          </a:fillRef>
+          <a:effectRef idx="0">
+            <a:schemeClr val="accent1"/>
+          </a:effectRef>
+          <a:fontRef idx="minor">
+            <a:schemeClr val="tx1"/>
+          </a:fontRef>
+        </p:style>
+      </p:cxnSp>
+      <p:sp>
+        <p:nvSpPr>
+          <p:cNvPr id="241" name="Прямоугольник 240">
+            <a:extLst>
+              <a:ext uri="{FF2B5EF4-FFF2-40B4-BE49-F238E27FC236}">
+                <a16:creationId xmlns="" xmlns:a16="http://schemas.microsoft.com/office/drawing/2014/main" id="{7DAEAC1F-B20B-46CD-B818-99851DE5EF87}"/>
+              </a:ext>
+            </a:extLst>
+          </p:cNvPr>
+          <p:cNvSpPr/>
+          <p:nvPr/>
+        </p:nvSpPr>
+        <p:spPr>
+          <a:xfrm>
+            <a:off x="30628867" y="10225818"/>
+            <a:ext cx="926325" cy="540000"/>
+          </a:xfrm>
+          <a:prstGeom prst="rect">
+            <a:avLst/>
+          </a:prstGeom>
+          <a:solidFill>
+            <a:schemeClr val="accent1">
+              <a:lumMod val="60000"/>
+              <a:lumOff val="40000"/>
+            </a:schemeClr>
+          </a:solidFill>
+          <a:ln w="19050"/>
+        </p:spPr>
+        <p:style>
+          <a:lnRef idx="2">
+            <a:schemeClr val="accent1"/>
+          </a:lnRef>
+          <a:fillRef idx="1">
+            <a:schemeClr val="lt1"/>
+          </a:fillRef>
+          <a:effectRef idx="0">
+            <a:schemeClr val="accent1"/>
+          </a:effectRef>
+          <a:fontRef idx="minor">
+            <a:schemeClr val="dk1"/>
+          </a:fontRef>
+        </p:style>
+        <p:txBody>
+          <a:bodyPr lIns="124733" tIns="62367" rIns="124733" bIns="62367" rtlCol="0" anchor="ctr"/>
+          <a:lstStyle/>
+          <a:p>
+            <a:pPr algn="ctr"/>
+            <a:r>
+              <a:rPr lang="ru-RU" sz="600" dirty="0"/>
+              <a:t>проведение миролюбивой внешней политики, </a:t>
+            </a:r>
+            <a:r>
+              <a:rPr lang="ru-RU" sz="600" dirty="0" smtClean="0"/>
+              <a:t>под­держка </a:t>
+            </a:r>
+            <a:r>
+              <a:rPr lang="ru-RU" sz="600" dirty="0"/>
+              <a:t>Лиги наций и принципа коллективной </a:t>
+            </a:r>
+            <a:r>
+              <a:rPr lang="ru-RU" sz="600" dirty="0" smtClean="0"/>
+              <a:t>безопас­ности</a:t>
+            </a:r>
+            <a:r>
+              <a:rPr lang="ru-RU" sz="600" dirty="0"/>
+              <a:t>. </a:t>
+            </a:r>
+            <a:endParaRPr lang="ru-RU" sz="500" dirty="0"/>
           </a:p>
         </p:txBody>
       </p:sp>
@@ -13143,7 +13709,7 @@
   <a:extraClrSchemeLst/>
   <a:extLst>
     <a:ext uri="{05A4C25C-085E-4340-85A3-A5531E510DB2}">
-      <thm15:themeFamily xmlns:thm15="http://schemas.microsoft.com/office/thememl/2012/main" xmlns="" name="Office Theme" id="{62F939B6-93AF-4DB8-9C6B-D6C7DFDC589F}" vid="{4A3C46E8-61CC-4603-A589-7422A47A8E4A}"/>
+      <thm15:themeFamily xmlns="" xmlns:thm15="http://schemas.microsoft.com/office/thememl/2012/main" name="Office Theme" id="{62F939B6-93AF-4DB8-9C6B-D6C7DFDC589F}" vid="{4A3C46E8-61CC-4603-A589-7422A47A8E4A}"/>
     </a:ext>
   </a:extLst>
 </a:theme>
@@ -13404,7 +13970,7 @@
   <a:extraClrSchemeLst/>
   <a:extLst>
     <a:ext uri="{05A4C25C-085E-4340-85A3-A5531E510DB2}">
-      <thm15:themeFamily xmlns:thm15="http://schemas.microsoft.com/office/thememl/2012/main" xmlns="" name="Office Theme" id="{62F939B6-93AF-4DB8-9C6B-D6C7DFDC589F}" vid="{4A3C46E8-61CC-4603-A589-7422A47A8E4A}"/>
+      <thm15:themeFamily xmlns="" xmlns:thm15="http://schemas.microsoft.com/office/thememl/2012/main" name="Office Theme" id="{62F939B6-93AF-4DB8-9C6B-D6C7DFDC589F}" vid="{4A3C46E8-61CC-4603-A589-7422A47A8E4A}"/>
     </a:ext>
   </a:extLst>
 </a:theme>
